--- a/notes/csc493-ln004.pptx
+++ b/notes/csc493-ln004.pptx
@@ -5,10 +5,10 @@
     <p:sldMasterId id="2147483651" r:id="rId1"/>
   </p:sldMasterIdLst>
   <p:notesMasterIdLst>
-    <p:notesMasterId r:id="rId23"/>
+    <p:notesMasterId r:id="rId25"/>
   </p:notesMasterIdLst>
   <p:handoutMasterIdLst>
-    <p:handoutMasterId r:id="rId24"/>
+    <p:handoutMasterId r:id="rId26"/>
   </p:handoutMasterIdLst>
   <p:sldIdLst>
     <p:sldId id="256" r:id="rId2"/>
@@ -29,9 +29,11 @@
     <p:sldId id="271" r:id="rId17"/>
     <p:sldId id="272" r:id="rId18"/>
     <p:sldId id="273" r:id="rId19"/>
-    <p:sldId id="274" r:id="rId20"/>
-    <p:sldId id="275" r:id="rId21"/>
-    <p:sldId id="276" r:id="rId22"/>
+    <p:sldId id="277" r:id="rId20"/>
+    <p:sldId id="278" r:id="rId21"/>
+    <p:sldId id="274" r:id="rId22"/>
+    <p:sldId id="275" r:id="rId23"/>
+    <p:sldId id="276" r:id="rId24"/>
   </p:sldIdLst>
   <p:sldSz cx="9144000" cy="6858000" type="screen4x3"/>
   <p:notesSz cx="6856413" cy="9083675"/>
@@ -6955,7 +6957,7 @@
           <p:cNvPr id="2" name="Title 1">
             <a:extLst>
               <a:ext uri="{FF2B5EF4-FFF2-40B4-BE49-F238E27FC236}">
-                <a16:creationId xmlns:a16="http://schemas.microsoft.com/office/drawing/2014/main" id="{980BBCB4-34B6-6F4D-9DAA-48FC9F7BB83F}"/>
+                <a16:creationId xmlns:a16="http://schemas.microsoft.com/office/drawing/2014/main" id="{6195C51E-259E-9349-83AB-34F41AD10999}"/>
               </a:ext>
             </a:extLst>
           </p:cNvPr>
@@ -6973,7 +6975,7 @@
           <a:p>
             <a:r>
               <a:rPr lang="en-US" dirty="0"/>
-              <a:t>Pattern Matching with Regular Expressions</a:t>
+              <a:t>Head-Tail Pattern</a:t>
             </a:r>
           </a:p>
         </p:txBody>
@@ -6983,7 +6985,7 @@
           <p:cNvPr id="3" name="Content Placeholder 2">
             <a:extLst>
               <a:ext uri="{FF2B5EF4-FFF2-40B4-BE49-F238E27FC236}">
-                <a16:creationId xmlns:a16="http://schemas.microsoft.com/office/drawing/2014/main" id="{946A49A8-7143-3D47-B39F-FC08E41F5600}"/>
+                <a16:creationId xmlns:a16="http://schemas.microsoft.com/office/drawing/2014/main" id="{3F46B74A-6B29-9041-95E9-7392BDABF9A2}"/>
               </a:ext>
             </a:extLst>
           </p:cNvPr>
@@ -6994,7 +6996,12 @@
             <p:ph idx="1"/>
           </p:nvPr>
         </p:nvSpPr>
-        <p:spPr/>
+        <p:spPr>
+          <a:xfrm>
+            <a:off x="1524000" y="1905000"/>
+            <a:ext cx="7010400" cy="2895600"/>
+          </a:xfrm>
+        </p:spPr>
         <p:txBody>
           <a:bodyPr>
             <a:normAutofit fontScale="77500" lnSpcReduction="20000"/>
@@ -7003,76 +7010,81 @@
           <a:p>
             <a:r>
               <a:rPr lang="en-US" dirty="0"/>
-              <a:t>Regular expressions are patterns that can be applied to strings</a:t>
-            </a:r>
-          </a:p>
-          <a:p>
-            <a:r>
-              <a:rPr lang="en-US" dirty="0"/>
-              <a:t>e.g., the regex</a:t>
+              <a:t>The head-tail pattern </a:t>
             </a:r>
             <a:br>
               <a:rPr lang="en-US" dirty="0"/>
             </a:br>
             <a:r>
               <a:rPr lang="en-US" dirty="0"/>
-              <a:t>      “a(b)*”</a:t>
+              <a:t>    [ &lt;head var&gt; | &lt;tail var&gt; ]</a:t>
             </a:r>
             <a:br>
               <a:rPr lang="en-US" dirty="0"/>
             </a:br>
             <a:r>
               <a:rPr lang="en-US" dirty="0"/>
-              <a:t>matches any string that starts with an a followed by zero or more b’s.</a:t>
-            </a:r>
-          </a:p>
-          <a:p>
+              <a:t>is a useful pattern that allows us to </a:t>
+            </a:r>
+            <a:r>
+              <a:rPr lang="en-US" dirty="0" err="1"/>
+              <a:t>destructure</a:t>
+            </a:r>
             <a:r>
               <a:rPr lang="en-US" dirty="0"/>
-              <a:t>In Asteroid regular expressions are considered patterns and therefore we can write expressions like</a:t>
-            </a:r>
-            <a:br>
+              <a:t> a list into into its first element and the rest of the list; the list with its first element removed.</a:t>
+            </a:r>
+          </a:p>
+          <a:p>
+            <a:r>
               <a:rPr lang="en-US" dirty="0"/>
-            </a:br>
-            <a:r>
-              <a:rPr lang="en-US" dirty="0"/>
-              <a:t>    “</a:t>
-            </a:r>
-            <a:r>
-              <a:rPr lang="en-US" dirty="0" err="1"/>
-              <a:t>abbbb</a:t>
-            </a:r>
-            <a:r>
-              <a:rPr lang="en-US" dirty="0"/>
-              <a:t>” is “a(b)*”</a:t>
-            </a:r>
-          </a:p>
-          <a:p>
-            <a:r>
-              <a:rPr lang="en-US" dirty="0"/>
-              <a:t>Asteroid’s regex syntax follows Python’s regex syntax</a:t>
-            </a:r>
-          </a:p>
-          <a:p>
-            <a:pPr lvl="1"/>
-            <a:r>
-              <a:rPr lang="en-US" dirty="0">
-                <a:hlinkClick r:id="rId2"/>
-              </a:rPr>
-              <a:t>https://docs.python.org/3/library/re.html</a:t>
-            </a:r>
+              <a:t>As we will see later, this pattern will prove extremely useful when dealing with recursion or iteration over lists.</a:t>
+            </a:r>
+          </a:p>
+          <a:p>
             <a:endParaRPr lang="en-US" dirty="0"/>
           </a:p>
-          <a:p>
-            <a:pPr lvl="1"/>
-            <a:endParaRPr lang="en-US" dirty="0"/>
-          </a:p>
-        </p:txBody>
-      </p:sp>
+        </p:txBody>
+      </p:sp>
+      <p:pic>
+        <p:nvPicPr>
+          <p:cNvPr id="4" name="Picture 3">
+            <a:extLst>
+              <a:ext uri="{FF2B5EF4-FFF2-40B4-BE49-F238E27FC236}">
+                <a16:creationId xmlns:a16="http://schemas.microsoft.com/office/drawing/2014/main" id="{40EBF5AF-9F39-674B-B21C-1DE5732AD872}"/>
+              </a:ext>
+            </a:extLst>
+          </p:cNvPr>
+          <p:cNvPicPr>
+            <a:picLocks noChangeAspect="1"/>
+          </p:cNvPicPr>
+          <p:nvPr/>
+        </p:nvPicPr>
+        <p:blipFill>
+          <a:blip r:embed="rId2"/>
+          <a:stretch>
+            <a:fillRect/>
+          </a:stretch>
+        </p:blipFill>
+        <p:spPr>
+          <a:xfrm>
+            <a:off x="2743200" y="4800600"/>
+            <a:ext cx="3251200" cy="1574800"/>
+          </a:xfrm>
+          <a:prstGeom prst="rect">
+            <a:avLst/>
+          </a:prstGeom>
+          <a:ln>
+            <a:solidFill>
+              <a:schemeClr val="tx1"/>
+            </a:solidFill>
+          </a:ln>
+        </p:spPr>
+      </p:pic>
     </p:spTree>
     <p:extLst>
       <p:ext uri="{BB962C8B-B14F-4D97-AF65-F5344CB8AC3E}">
-        <p14:creationId xmlns:p14="http://schemas.microsoft.com/office/powerpoint/2010/main" val="1988537012"/>
+        <p14:creationId xmlns:p14="http://schemas.microsoft.com/office/powerpoint/2010/main" val="368365555"/>
       </p:ext>
     </p:extLst>
   </p:cSld>
@@ -7665,6 +7677,290 @@
           <p:cNvPr id="2" name="Title 1">
             <a:extLst>
               <a:ext uri="{FF2B5EF4-FFF2-40B4-BE49-F238E27FC236}">
+                <a16:creationId xmlns:a16="http://schemas.microsoft.com/office/drawing/2014/main" id="{6195C51E-259E-9349-83AB-34F41AD10999}"/>
+              </a:ext>
+            </a:extLst>
+          </p:cNvPr>
+          <p:cNvSpPr>
+            <a:spLocks noGrp="1"/>
+          </p:cNvSpPr>
+          <p:nvPr>
+            <p:ph type="title"/>
+          </p:nvPr>
+        </p:nvSpPr>
+        <p:spPr/>
+        <p:txBody>
+          <a:bodyPr/>
+          <a:lstStyle/>
+          <a:p>
+            <a:r>
+              <a:rPr lang="en-US" dirty="0"/>
+              <a:t>Head-Tail Pattern</a:t>
+            </a:r>
+          </a:p>
+        </p:txBody>
+      </p:sp>
+      <p:sp>
+        <p:nvSpPr>
+          <p:cNvPr id="3" name="Content Placeholder 2">
+            <a:extLst>
+              <a:ext uri="{FF2B5EF4-FFF2-40B4-BE49-F238E27FC236}">
+                <a16:creationId xmlns:a16="http://schemas.microsoft.com/office/drawing/2014/main" id="{3F46B74A-6B29-9041-95E9-7392BDABF9A2}"/>
+              </a:ext>
+            </a:extLst>
+          </p:cNvPr>
+          <p:cNvSpPr>
+            <a:spLocks noGrp="1"/>
+          </p:cNvSpPr>
+          <p:nvPr>
+            <p:ph idx="1"/>
+          </p:nvPr>
+        </p:nvSpPr>
+        <p:spPr>
+          <a:xfrm>
+            <a:off x="1524000" y="1905000"/>
+            <a:ext cx="7010400" cy="2895600"/>
+          </a:xfrm>
+        </p:spPr>
+        <p:txBody>
+          <a:bodyPr>
+            <a:normAutofit/>
+          </a:bodyPr>
+          <a:lstStyle/>
+          <a:p>
+            <a:r>
+              <a:rPr lang="en-US" dirty="0"/>
+              <a:t>The head-tail pattern can also be used “in reverse” – as a constructor,</a:t>
+            </a:r>
+          </a:p>
+          <a:p>
+            <a:pPr lvl="1"/>
+            <a:r>
+              <a:rPr lang="en-US" dirty="0"/>
+              <a:t>Given an element and a list it will prepend the element to the list</a:t>
+            </a:r>
+          </a:p>
+        </p:txBody>
+      </p:sp>
+      <p:pic>
+        <p:nvPicPr>
+          <p:cNvPr id="5" name="Picture 4">
+            <a:extLst>
+              <a:ext uri="{FF2B5EF4-FFF2-40B4-BE49-F238E27FC236}">
+                <a16:creationId xmlns:a16="http://schemas.microsoft.com/office/drawing/2014/main" id="{54E484A6-DFFD-CA4E-8E22-B165552E5060}"/>
+              </a:ext>
+            </a:extLst>
+          </p:cNvPr>
+          <p:cNvPicPr>
+            <a:picLocks noChangeAspect="1"/>
+          </p:cNvPicPr>
+          <p:nvPr/>
+        </p:nvPicPr>
+        <p:blipFill>
+          <a:blip r:embed="rId2"/>
+          <a:stretch>
+            <a:fillRect/>
+          </a:stretch>
+        </p:blipFill>
+        <p:spPr>
+          <a:xfrm>
+            <a:off x="2971800" y="4371975"/>
+            <a:ext cx="2565400" cy="1231900"/>
+          </a:xfrm>
+          <a:prstGeom prst="rect">
+            <a:avLst/>
+          </a:prstGeom>
+          <a:ln>
+            <a:solidFill>
+              <a:schemeClr val="tx1"/>
+            </a:solidFill>
+          </a:ln>
+        </p:spPr>
+      </p:pic>
+    </p:spTree>
+    <p:extLst>
+      <p:ext uri="{BB962C8B-B14F-4D97-AF65-F5344CB8AC3E}">
+        <p14:creationId xmlns:p14="http://schemas.microsoft.com/office/powerpoint/2010/main" val="4189918242"/>
+      </p:ext>
+    </p:extLst>
+  </p:cSld>
+  <p:clrMapOvr>
+    <a:masterClrMapping/>
+  </p:clrMapOvr>
+</p:sld>
+</file>
+
+<file path=ppt/slides/slide21.xml><?xml version="1.0" encoding="utf-8"?>
+<p:sld xmlns:a="http://schemas.openxmlformats.org/drawingml/2006/main" xmlns:r="http://schemas.openxmlformats.org/officeDocument/2006/relationships" xmlns:p="http://schemas.openxmlformats.org/presentationml/2006/main">
+  <p:cSld>
+    <p:spTree>
+      <p:nvGrpSpPr>
+        <p:cNvPr id="1" name=""/>
+        <p:cNvGrpSpPr/>
+        <p:nvPr/>
+      </p:nvGrpSpPr>
+      <p:grpSpPr>
+        <a:xfrm>
+          <a:off x="0" y="0"/>
+          <a:ext cx="0" cy="0"/>
+          <a:chOff x="0" y="0"/>
+          <a:chExt cx="0" cy="0"/>
+        </a:xfrm>
+      </p:grpSpPr>
+      <p:sp>
+        <p:nvSpPr>
+          <p:cNvPr id="2" name="Title 1">
+            <a:extLst>
+              <a:ext uri="{FF2B5EF4-FFF2-40B4-BE49-F238E27FC236}">
+                <a16:creationId xmlns:a16="http://schemas.microsoft.com/office/drawing/2014/main" id="{980BBCB4-34B6-6F4D-9DAA-48FC9F7BB83F}"/>
+              </a:ext>
+            </a:extLst>
+          </p:cNvPr>
+          <p:cNvSpPr>
+            <a:spLocks noGrp="1"/>
+          </p:cNvSpPr>
+          <p:nvPr>
+            <p:ph type="title"/>
+          </p:nvPr>
+        </p:nvSpPr>
+        <p:spPr/>
+        <p:txBody>
+          <a:bodyPr/>
+          <a:lstStyle/>
+          <a:p>
+            <a:r>
+              <a:rPr lang="en-US" dirty="0"/>
+              <a:t>Pattern Matching with Regular Expressions</a:t>
+            </a:r>
+          </a:p>
+        </p:txBody>
+      </p:sp>
+      <p:sp>
+        <p:nvSpPr>
+          <p:cNvPr id="3" name="Content Placeholder 2">
+            <a:extLst>
+              <a:ext uri="{FF2B5EF4-FFF2-40B4-BE49-F238E27FC236}">
+                <a16:creationId xmlns:a16="http://schemas.microsoft.com/office/drawing/2014/main" id="{946A49A8-7143-3D47-B39F-FC08E41F5600}"/>
+              </a:ext>
+            </a:extLst>
+          </p:cNvPr>
+          <p:cNvSpPr>
+            <a:spLocks noGrp="1"/>
+          </p:cNvSpPr>
+          <p:nvPr>
+            <p:ph idx="1"/>
+          </p:nvPr>
+        </p:nvSpPr>
+        <p:spPr/>
+        <p:txBody>
+          <a:bodyPr>
+            <a:normAutofit fontScale="77500" lnSpcReduction="20000"/>
+          </a:bodyPr>
+          <a:lstStyle/>
+          <a:p>
+            <a:r>
+              <a:rPr lang="en-US" dirty="0"/>
+              <a:t>Regular expressions are patterns that can be applied to strings</a:t>
+            </a:r>
+          </a:p>
+          <a:p>
+            <a:r>
+              <a:rPr lang="en-US" dirty="0"/>
+              <a:t>e.g., the regex</a:t>
+            </a:r>
+            <a:br>
+              <a:rPr lang="en-US" dirty="0"/>
+            </a:br>
+            <a:r>
+              <a:rPr lang="en-US" dirty="0"/>
+              <a:t>      “a(b)*”</a:t>
+            </a:r>
+            <a:br>
+              <a:rPr lang="en-US" dirty="0"/>
+            </a:br>
+            <a:r>
+              <a:rPr lang="en-US" dirty="0"/>
+              <a:t>matches any string that starts with an a followed by zero or more b’s.</a:t>
+            </a:r>
+          </a:p>
+          <a:p>
+            <a:r>
+              <a:rPr lang="en-US" dirty="0"/>
+              <a:t>In Asteroid regular expressions are considered patterns and therefore we can write expressions like</a:t>
+            </a:r>
+            <a:br>
+              <a:rPr lang="en-US" dirty="0"/>
+            </a:br>
+            <a:r>
+              <a:rPr lang="en-US" dirty="0"/>
+              <a:t>    “</a:t>
+            </a:r>
+            <a:r>
+              <a:rPr lang="en-US" dirty="0" err="1"/>
+              <a:t>abbbb</a:t>
+            </a:r>
+            <a:r>
+              <a:rPr lang="en-US" dirty="0"/>
+              <a:t>” is “a(b)*”</a:t>
+            </a:r>
+          </a:p>
+          <a:p>
+            <a:r>
+              <a:rPr lang="en-US" dirty="0"/>
+              <a:t>Asteroid’s regex syntax follows Python’s regex syntax</a:t>
+            </a:r>
+          </a:p>
+          <a:p>
+            <a:pPr lvl="1"/>
+            <a:r>
+              <a:rPr lang="en-US" dirty="0">
+                <a:hlinkClick r:id="rId2"/>
+              </a:rPr>
+              <a:t>https://docs.python.org/3/library/re.html</a:t>
+            </a:r>
+            <a:endParaRPr lang="en-US" dirty="0"/>
+          </a:p>
+          <a:p>
+            <a:pPr lvl="1"/>
+            <a:endParaRPr lang="en-US" dirty="0"/>
+          </a:p>
+        </p:txBody>
+      </p:sp>
+    </p:spTree>
+    <p:extLst>
+      <p:ext uri="{BB962C8B-B14F-4D97-AF65-F5344CB8AC3E}">
+        <p14:creationId xmlns:p14="http://schemas.microsoft.com/office/powerpoint/2010/main" val="1988537012"/>
+      </p:ext>
+    </p:extLst>
+  </p:cSld>
+  <p:clrMapOvr>
+    <a:masterClrMapping/>
+  </p:clrMapOvr>
+</p:sld>
+</file>
+
+<file path=ppt/slides/slide22.xml><?xml version="1.0" encoding="utf-8"?>
+<p:sld xmlns:a="http://schemas.openxmlformats.org/drawingml/2006/main" xmlns:r="http://schemas.openxmlformats.org/officeDocument/2006/relationships" xmlns:p="http://schemas.openxmlformats.org/presentationml/2006/main">
+  <p:cSld>
+    <p:spTree>
+      <p:nvGrpSpPr>
+        <p:cNvPr id="1" name=""/>
+        <p:cNvGrpSpPr/>
+        <p:nvPr/>
+      </p:nvGrpSpPr>
+      <p:grpSpPr>
+        <a:xfrm>
+          <a:off x="0" y="0"/>
+          <a:ext cx="0" cy="0"/>
+          <a:chOff x="0" y="0"/>
+          <a:chExt cx="0" cy="0"/>
+        </a:xfrm>
+      </p:grpSpPr>
+      <p:sp>
+        <p:nvSpPr>
+          <p:cNvPr id="2" name="Title 1">
+            <a:extLst>
+              <a:ext uri="{FF2B5EF4-FFF2-40B4-BE49-F238E27FC236}">
                 <a16:creationId xmlns:a16="http://schemas.microsoft.com/office/drawing/2014/main" id="{980BBCB4-34B6-6F4D-9DAA-48FC9F7BB83F}"/>
               </a:ext>
             </a:extLst>
@@ -7926,7 +8222,7 @@
 </p:sld>
 </file>
 
-<file path=ppt/slides/slide21.xml><?xml version="1.0" encoding="utf-8"?>
+<file path=ppt/slides/slide23.xml><?xml version="1.0" encoding="utf-8"?>
 <p:sld xmlns:a="http://schemas.openxmlformats.org/drawingml/2006/main" xmlns:r="http://schemas.openxmlformats.org/officeDocument/2006/relationships" xmlns:p="http://schemas.openxmlformats.org/presentationml/2006/main">
   <p:cSld>
     <p:spTree>

--- a/notes/csc493-ln004.pptx
+++ b/notes/csc493-ln004.pptx
@@ -5,10 +5,10 @@
     <p:sldMasterId id="2147483651" r:id="rId1"/>
   </p:sldMasterIdLst>
   <p:notesMasterIdLst>
-    <p:notesMasterId r:id="rId25"/>
+    <p:notesMasterId r:id="rId26"/>
   </p:notesMasterIdLst>
   <p:handoutMasterIdLst>
-    <p:handoutMasterId r:id="rId26"/>
+    <p:handoutMasterId r:id="rId27"/>
   </p:handoutMasterIdLst>
   <p:sldIdLst>
     <p:sldId id="256" r:id="rId2"/>
@@ -21,19 +21,20 @@
     <p:sldId id="263" r:id="rId9"/>
     <p:sldId id="264" r:id="rId10"/>
     <p:sldId id="265" r:id="rId11"/>
-    <p:sldId id="266" r:id="rId12"/>
-    <p:sldId id="267" r:id="rId13"/>
-    <p:sldId id="268" r:id="rId14"/>
-    <p:sldId id="269" r:id="rId15"/>
-    <p:sldId id="270" r:id="rId16"/>
-    <p:sldId id="271" r:id="rId17"/>
-    <p:sldId id="272" r:id="rId18"/>
-    <p:sldId id="273" r:id="rId19"/>
-    <p:sldId id="277" r:id="rId20"/>
-    <p:sldId id="278" r:id="rId21"/>
-    <p:sldId id="274" r:id="rId22"/>
-    <p:sldId id="275" r:id="rId23"/>
-    <p:sldId id="276" r:id="rId24"/>
+    <p:sldId id="279" r:id="rId12"/>
+    <p:sldId id="266" r:id="rId13"/>
+    <p:sldId id="267" r:id="rId14"/>
+    <p:sldId id="268" r:id="rId15"/>
+    <p:sldId id="269" r:id="rId16"/>
+    <p:sldId id="270" r:id="rId17"/>
+    <p:sldId id="271" r:id="rId18"/>
+    <p:sldId id="272" r:id="rId19"/>
+    <p:sldId id="273" r:id="rId20"/>
+    <p:sldId id="277" r:id="rId21"/>
+    <p:sldId id="278" r:id="rId22"/>
+    <p:sldId id="274" r:id="rId23"/>
+    <p:sldId id="275" r:id="rId24"/>
+    <p:sldId id="276" r:id="rId25"/>
   </p:sldIdLst>
   <p:sldSz cx="9144000" cy="6858000" type="screen4x3"/>
   <p:notesSz cx="6856413" cy="9083675"/>
@@ -5551,7 +5552,7 @@
           <a:p>
             <a:r>
               <a:rPr lang="en-US" sz="1400" dirty="0"/>
-              <a:t>ln004/destruct1.py</a:t>
+              <a:t>ln004/destruct3.py</a:t>
             </a:r>
           </a:p>
         </p:txBody>
@@ -5591,7 +5592,7 @@
           <p:cNvPr id="2" name="Title 1">
             <a:extLst>
               <a:ext uri="{FF2B5EF4-FFF2-40B4-BE49-F238E27FC236}">
-                <a16:creationId xmlns:a16="http://schemas.microsoft.com/office/drawing/2014/main" id="{AD848BFB-A2B4-FB48-BABF-BBD8D18B0699}"/>
+                <a16:creationId xmlns:a16="http://schemas.microsoft.com/office/drawing/2014/main" id="{96CD2FA5-F967-B640-AF84-20CD34541D5F}"/>
               </a:ext>
             </a:extLst>
           </p:cNvPr>
@@ -5602,21 +5603,47 @@
             <p:ph type="title"/>
           </p:nvPr>
         </p:nvSpPr>
+        <p:spPr/>
+        <p:txBody>
+          <a:bodyPr/>
+          <a:lstStyle/>
+          <a:p>
+            <a:r>
+              <a:rPr lang="en-US" dirty="0"/>
+              <a:t>Pattern Matching in Rust</a:t>
+            </a:r>
+          </a:p>
+        </p:txBody>
+      </p:sp>
+      <p:sp>
+        <p:nvSpPr>
+          <p:cNvPr id="3" name="Content Placeholder 2">
+            <a:extLst>
+              <a:ext uri="{FF2B5EF4-FFF2-40B4-BE49-F238E27FC236}">
+                <a16:creationId xmlns:a16="http://schemas.microsoft.com/office/drawing/2014/main" id="{35CAA96F-C6D7-9248-9A60-9A8AE269211D}"/>
+              </a:ext>
+            </a:extLst>
+          </p:cNvPr>
+          <p:cNvSpPr>
+            <a:spLocks noGrp="1"/>
+          </p:cNvSpPr>
+          <p:nvPr>
+            <p:ph idx="1"/>
+          </p:nvPr>
+        </p:nvSpPr>
         <p:spPr>
           <a:xfrm>
-            <a:off x="1524000" y="190500"/>
-            <a:ext cx="7010400" cy="1527175"/>
-          </a:xfrm>
-        </p:spPr>
-        <p:txBody>
-          <a:bodyPr wrap="square" anchor="ctr">
-            <a:normAutofit/>
-          </a:bodyPr>
+            <a:off x="1524000" y="1905000"/>
+            <a:ext cx="7010400" cy="609600"/>
+          </a:xfrm>
+        </p:spPr>
+        <p:txBody>
+          <a:bodyPr/>
           <a:lstStyle/>
           <a:p>
             <a:r>
               <a:rPr lang="en-US" dirty="0"/>
-              <a:t>Conditional Pattern Matching</a:t>
+              <a:t>Rust also supports pattern matching</a:t>
             </a:r>
           </a:p>
         </p:txBody>
@@ -5626,7 +5653,7 @@
           <p:cNvPr id="4" name="Picture 3">
             <a:extLst>
               <a:ext uri="{FF2B5EF4-FFF2-40B4-BE49-F238E27FC236}">
-                <a16:creationId xmlns:a16="http://schemas.microsoft.com/office/drawing/2014/main" id="{D02E8CCF-CD44-E148-A19A-1E93996CC066}"/>
+                <a16:creationId xmlns:a16="http://schemas.microsoft.com/office/drawing/2014/main" id="{DE8E6D5E-9011-5346-838C-8C3CA64040DE}"/>
               </a:ext>
             </a:extLst>
           </p:cNvPr>
@@ -5643,76 +5670,25 @@
         </p:blipFill>
         <p:spPr>
           <a:xfrm>
-            <a:off x="304800" y="2133600"/>
-            <a:ext cx="4996726" cy="762000"/>
+            <a:off x="3962400" y="2877771"/>
+            <a:ext cx="4773898" cy="3751629"/>
           </a:xfrm>
           <a:prstGeom prst="rect">
             <a:avLst/>
           </a:prstGeom>
-          <a:noFill/>
           <a:ln>
             <a:solidFill>
-              <a:schemeClr val="tx2"/>
+              <a:schemeClr val="tx1"/>
             </a:solidFill>
           </a:ln>
         </p:spPr>
       </p:pic>
-      <p:sp>
-        <p:nvSpPr>
-          <p:cNvPr id="3" name="Content Placeholder 2">
-            <a:extLst>
-              <a:ext uri="{FF2B5EF4-FFF2-40B4-BE49-F238E27FC236}">
-                <a16:creationId xmlns:a16="http://schemas.microsoft.com/office/drawing/2014/main" id="{CA0B04DA-BCA8-264E-AE30-BDC19E610EB5}"/>
-              </a:ext>
-            </a:extLst>
-          </p:cNvPr>
-          <p:cNvSpPr>
-            <a:spLocks noGrp="1"/>
-          </p:cNvSpPr>
-          <p:nvPr>
-            <p:ph sz="half" idx="2"/>
-          </p:nvPr>
-        </p:nvSpPr>
-        <p:spPr>
-          <a:xfrm>
-            <a:off x="5301526" y="1905000"/>
-            <a:ext cx="3232874" cy="4114800"/>
-          </a:xfrm>
-        </p:spPr>
-        <p:txBody>
-          <a:bodyPr wrap="square" anchor="t">
-            <a:normAutofit/>
-          </a:bodyPr>
-          <a:lstStyle/>
-          <a:p>
-            <a:r>
-              <a:rPr lang="en-US" dirty="0"/>
-              <a:t>Only assign a pair if the two component values are the same</a:t>
-            </a:r>
-          </a:p>
-          <a:p>
-            <a:r>
-              <a:rPr lang="en-US" dirty="0"/>
-              <a:t>Only assign positive values to x</a:t>
-            </a:r>
-          </a:p>
-          <a:p>
-            <a:endParaRPr lang="en-US" dirty="0"/>
-          </a:p>
-          <a:p>
-            <a:endParaRPr lang="en-US" dirty="0"/>
-          </a:p>
-          <a:p>
-            <a:endParaRPr lang="en-US" dirty="0"/>
-          </a:p>
-        </p:txBody>
-      </p:sp>
       <p:pic>
         <p:nvPicPr>
           <p:cNvPr id="5" name="Picture 4">
             <a:extLst>
               <a:ext uri="{FF2B5EF4-FFF2-40B4-BE49-F238E27FC236}">
-                <a16:creationId xmlns:a16="http://schemas.microsoft.com/office/drawing/2014/main" id="{6DA826A1-392C-F646-860F-C0593B3F8493}"/>
+                <a16:creationId xmlns:a16="http://schemas.microsoft.com/office/drawing/2014/main" id="{F54D7279-2489-3C44-BD42-D76496D6C499}"/>
               </a:ext>
             </a:extLst>
           </p:cNvPr>
@@ -5729,23 +5705,93 @@
         </p:blipFill>
         <p:spPr>
           <a:xfrm>
-            <a:off x="228600" y="3968018"/>
-            <a:ext cx="5181600" cy="783857"/>
+            <a:off x="228600" y="2971800"/>
+            <a:ext cx="3073400" cy="1498600"/>
           </a:xfrm>
           <a:prstGeom prst="rect">
             <a:avLst/>
           </a:prstGeom>
           <a:ln>
             <a:solidFill>
-              <a:schemeClr val="tx2"/>
+              <a:schemeClr val="tx1"/>
             </a:solidFill>
           </a:ln>
         </p:spPr>
       </p:pic>
+      <p:sp>
+        <p:nvSpPr>
+          <p:cNvPr id="6" name="TextBox 5">
+            <a:extLst>
+              <a:ext uri="{FF2B5EF4-FFF2-40B4-BE49-F238E27FC236}">
+                <a16:creationId xmlns:a16="http://schemas.microsoft.com/office/drawing/2014/main" id="{BAABA7D1-54A7-5A40-BF97-2C13B7519CB0}"/>
+              </a:ext>
+            </a:extLst>
+          </p:cNvPr>
+          <p:cNvSpPr txBox="1"/>
+          <p:nvPr/>
+        </p:nvSpPr>
+        <p:spPr>
+          <a:xfrm>
+            <a:off x="6172200" y="2514600"/>
+            <a:ext cx="1606530" cy="307777"/>
+          </a:xfrm>
+          <a:prstGeom prst="rect">
+            <a:avLst/>
+          </a:prstGeom>
+          <a:noFill/>
+        </p:spPr>
+        <p:txBody>
+          <a:bodyPr wrap="none" rtlCol="0">
+            <a:spAutoFit/>
+          </a:bodyPr>
+          <a:lstStyle/>
+          <a:p>
+            <a:r>
+              <a:rPr lang="en-US" sz="1400" dirty="0"/>
+              <a:t>ln004/destruct3.rs</a:t>
+            </a:r>
+          </a:p>
+        </p:txBody>
+      </p:sp>
+      <p:sp>
+        <p:nvSpPr>
+          <p:cNvPr id="7" name="TextBox 6">
+            <a:extLst>
+              <a:ext uri="{FF2B5EF4-FFF2-40B4-BE49-F238E27FC236}">
+                <a16:creationId xmlns:a16="http://schemas.microsoft.com/office/drawing/2014/main" id="{79027E54-9047-3340-9DFE-D76C7C826BCB}"/>
+              </a:ext>
+            </a:extLst>
+          </p:cNvPr>
+          <p:cNvSpPr txBox="1"/>
+          <p:nvPr/>
+        </p:nvSpPr>
+        <p:spPr>
+          <a:xfrm>
+            <a:off x="1449103" y="2589311"/>
+            <a:ext cx="1705916" cy="307777"/>
+          </a:xfrm>
+          <a:prstGeom prst="rect">
+            <a:avLst/>
+          </a:prstGeom>
+          <a:noFill/>
+        </p:spPr>
+        <p:txBody>
+          <a:bodyPr wrap="none" rtlCol="0">
+            <a:spAutoFit/>
+          </a:bodyPr>
+          <a:lstStyle/>
+          <a:p>
+            <a:r>
+              <a:rPr lang="en-US" sz="1400" dirty="0"/>
+              <a:t>ln004/destruct2.prs</a:t>
+            </a:r>
+          </a:p>
+        </p:txBody>
+      </p:sp>
     </p:spTree>
     <p:extLst>
       <p:ext uri="{BB962C8B-B14F-4D97-AF65-F5344CB8AC3E}">
-        <p14:creationId xmlns:p14="http://schemas.microsoft.com/office/powerpoint/2010/main" val="2882422723"/>
+        <p14:creationId xmlns:p14="http://schemas.microsoft.com/office/powerpoint/2010/main" val="1648020018"/>
       </p:ext>
     </p:extLst>
   </p:cSld>
@@ -5777,7 +5823,7 @@
           <p:cNvPr id="2" name="Title 1">
             <a:extLst>
               <a:ext uri="{FF2B5EF4-FFF2-40B4-BE49-F238E27FC236}">
-                <a16:creationId xmlns:a16="http://schemas.microsoft.com/office/drawing/2014/main" id="{BD45E58E-66D4-284F-AEBB-EB5A327EB614}"/>
+                <a16:creationId xmlns:a16="http://schemas.microsoft.com/office/drawing/2014/main" id="{AD848BFB-A2B4-FB48-BABF-BBD8D18B0699}"/>
               </a:ext>
             </a:extLst>
           </p:cNvPr>
@@ -5788,77 +5834,31 @@
             <p:ph type="title"/>
           </p:nvPr>
         </p:nvSpPr>
-        <p:spPr/>
-        <p:txBody>
-          <a:bodyPr/>
+        <p:spPr>
+          <a:xfrm>
+            <a:off x="1524000" y="190500"/>
+            <a:ext cx="7010400" cy="1527175"/>
+          </a:xfrm>
+        </p:spPr>
+        <p:txBody>
+          <a:bodyPr wrap="square" anchor="ctr">
+            <a:normAutofit/>
+          </a:bodyPr>
           <a:lstStyle/>
           <a:p>
             <a:r>
               <a:rPr lang="en-US" dirty="0"/>
-              <a:t>The is Predicate &amp; Type Patterns</a:t>
-            </a:r>
-          </a:p>
-        </p:txBody>
-      </p:sp>
-      <p:sp>
-        <p:nvSpPr>
-          <p:cNvPr id="5" name="Content Placeholder 4">
-            <a:extLst>
-              <a:ext uri="{FF2B5EF4-FFF2-40B4-BE49-F238E27FC236}">
-                <a16:creationId xmlns:a16="http://schemas.microsoft.com/office/drawing/2014/main" id="{43BE0058-031C-9449-9E21-7B71C109C7A4}"/>
-              </a:ext>
-            </a:extLst>
-          </p:cNvPr>
-          <p:cNvSpPr>
-            <a:spLocks noGrp="1"/>
-          </p:cNvSpPr>
-          <p:nvPr>
-            <p:ph idx="1"/>
-          </p:nvPr>
-        </p:nvSpPr>
-        <p:spPr>
-          <a:xfrm>
-            <a:off x="1524000" y="1905000"/>
-            <a:ext cx="7010400" cy="3505200"/>
-          </a:xfrm>
-        </p:spPr>
-        <p:txBody>
-          <a:bodyPr/>
-          <a:lstStyle/>
-          <a:p>
-            <a:r>
-              <a:rPr lang="en-US" dirty="0"/>
-              <a:t>The is predicate is of the form</a:t>
-            </a:r>
-            <a:br>
-              <a:rPr lang="en-US" dirty="0"/>
-            </a:br>
-            <a:r>
-              <a:rPr lang="en-US" dirty="0"/>
-              <a:t>    &lt;value&gt; is &lt;pattern</a:t>
-            </a:r>
-            <a:br>
-              <a:rPr lang="en-US" dirty="0"/>
-            </a:br>
-            <a:r>
-              <a:rPr lang="en-US" dirty="0"/>
-              <a:t>and returns true if the value matches the pattern otherwise it will return false</a:t>
-            </a:r>
-          </a:p>
-          <a:p>
-            <a:r>
-              <a:rPr lang="en-US" dirty="0"/>
-              <a:t>The is predicate allows us to do pattern matching is expressions</a:t>
+              <a:t>Conditional Pattern Matching</a:t>
             </a:r>
           </a:p>
         </p:txBody>
       </p:sp>
       <p:pic>
         <p:nvPicPr>
-          <p:cNvPr id="7" name="Picture 6">
-            <a:extLst>
-              <a:ext uri="{FF2B5EF4-FFF2-40B4-BE49-F238E27FC236}">
-                <a16:creationId xmlns:a16="http://schemas.microsoft.com/office/drawing/2014/main" id="{81AAE521-5C3F-1441-A77E-88572B79191F}"/>
+          <p:cNvPr id="4" name="Picture 3">
+            <a:extLst>
+              <a:ext uri="{FF2B5EF4-FFF2-40B4-BE49-F238E27FC236}">
+                <a16:creationId xmlns:a16="http://schemas.microsoft.com/office/drawing/2014/main" id="{D02E8CCF-CD44-E148-A19A-1E93996CC066}"/>
               </a:ext>
             </a:extLst>
           </p:cNvPr>
@@ -5875,8 +5875,94 @@
         </p:blipFill>
         <p:spPr>
           <a:xfrm>
-            <a:off x="2819400" y="5422900"/>
-            <a:ext cx="2628900" cy="1244600"/>
+            <a:off x="304800" y="2133600"/>
+            <a:ext cx="4996726" cy="762000"/>
+          </a:xfrm>
+          <a:prstGeom prst="rect">
+            <a:avLst/>
+          </a:prstGeom>
+          <a:noFill/>
+          <a:ln>
+            <a:solidFill>
+              <a:schemeClr val="tx2"/>
+            </a:solidFill>
+          </a:ln>
+        </p:spPr>
+      </p:pic>
+      <p:sp>
+        <p:nvSpPr>
+          <p:cNvPr id="3" name="Content Placeholder 2">
+            <a:extLst>
+              <a:ext uri="{FF2B5EF4-FFF2-40B4-BE49-F238E27FC236}">
+                <a16:creationId xmlns:a16="http://schemas.microsoft.com/office/drawing/2014/main" id="{CA0B04DA-BCA8-264E-AE30-BDC19E610EB5}"/>
+              </a:ext>
+            </a:extLst>
+          </p:cNvPr>
+          <p:cNvSpPr>
+            <a:spLocks noGrp="1"/>
+          </p:cNvSpPr>
+          <p:nvPr>
+            <p:ph sz="half" idx="2"/>
+          </p:nvPr>
+        </p:nvSpPr>
+        <p:spPr>
+          <a:xfrm>
+            <a:off x="5301526" y="1905000"/>
+            <a:ext cx="3232874" cy="4114800"/>
+          </a:xfrm>
+        </p:spPr>
+        <p:txBody>
+          <a:bodyPr wrap="square" anchor="t">
+            <a:normAutofit/>
+          </a:bodyPr>
+          <a:lstStyle/>
+          <a:p>
+            <a:r>
+              <a:rPr lang="en-US" dirty="0"/>
+              <a:t>Only assign a pair if the two component values are the same</a:t>
+            </a:r>
+          </a:p>
+          <a:p>
+            <a:r>
+              <a:rPr lang="en-US" dirty="0"/>
+              <a:t>Only assign positive values to x</a:t>
+            </a:r>
+          </a:p>
+          <a:p>
+            <a:endParaRPr lang="en-US" dirty="0"/>
+          </a:p>
+          <a:p>
+            <a:endParaRPr lang="en-US" dirty="0"/>
+          </a:p>
+          <a:p>
+            <a:endParaRPr lang="en-US" dirty="0"/>
+          </a:p>
+        </p:txBody>
+      </p:sp>
+      <p:pic>
+        <p:nvPicPr>
+          <p:cNvPr id="5" name="Picture 4">
+            <a:extLst>
+              <a:ext uri="{FF2B5EF4-FFF2-40B4-BE49-F238E27FC236}">
+                <a16:creationId xmlns:a16="http://schemas.microsoft.com/office/drawing/2014/main" id="{6DA826A1-392C-F646-860F-C0593B3F8493}"/>
+              </a:ext>
+            </a:extLst>
+          </p:cNvPr>
+          <p:cNvPicPr>
+            <a:picLocks noChangeAspect="1"/>
+          </p:cNvPicPr>
+          <p:nvPr/>
+        </p:nvPicPr>
+        <p:blipFill>
+          <a:blip r:embed="rId3"/>
+          <a:stretch>
+            <a:fillRect/>
+          </a:stretch>
+        </p:blipFill>
+        <p:spPr>
+          <a:xfrm>
+            <a:off x="228600" y="3968018"/>
+            <a:ext cx="5181600" cy="783857"/>
           </a:xfrm>
           <a:prstGeom prst="rect">
             <a:avLst/>
@@ -5888,80 +5974,10 @@
           </a:ln>
         </p:spPr>
       </p:pic>
-      <p:sp>
-        <p:nvSpPr>
-          <p:cNvPr id="8" name="TextBox 7">
-            <a:extLst>
-              <a:ext uri="{FF2B5EF4-FFF2-40B4-BE49-F238E27FC236}">
-                <a16:creationId xmlns:a16="http://schemas.microsoft.com/office/drawing/2014/main" id="{5DE8BE3D-2D0B-4345-A8F1-8EC44E83068A}"/>
-              </a:ext>
-            </a:extLst>
-          </p:cNvPr>
-          <p:cNvSpPr txBox="1"/>
-          <p:nvPr/>
-        </p:nvSpPr>
-        <p:spPr>
-          <a:xfrm>
-            <a:off x="6858000" y="762000"/>
-            <a:ext cx="1923925" cy="1169551"/>
-          </a:xfrm>
-          <a:prstGeom prst="rect">
-            <a:avLst/>
-          </a:prstGeom>
-          <a:solidFill>
-            <a:schemeClr val="bg1"/>
-          </a:solidFill>
-          <a:ln>
-            <a:solidFill>
-              <a:schemeClr val="tx2"/>
-            </a:solidFill>
-          </a:ln>
-        </p:spPr>
-        <p:txBody>
-          <a:bodyPr wrap="none" rtlCol="0">
-            <a:spAutoFit/>
-          </a:bodyPr>
-          <a:lstStyle/>
-          <a:p>
-            <a:r>
-              <a:rPr lang="en-US" sz="1400" dirty="0"/>
-              <a:t>Note: a predicate is a</a:t>
-            </a:r>
-            <a:br>
-              <a:rPr lang="en-US" sz="1400" dirty="0"/>
-            </a:br>
-            <a:r>
-              <a:rPr lang="en-US" sz="1400" dirty="0"/>
-              <a:t>function/operator that </a:t>
-            </a:r>
-            <a:br>
-              <a:rPr lang="en-US" sz="1400" dirty="0"/>
-            </a:br>
-            <a:r>
-              <a:rPr lang="en-US" sz="1400" dirty="0"/>
-              <a:t>always returns true or</a:t>
-            </a:r>
-            <a:br>
-              <a:rPr lang="en-US" sz="1400" dirty="0"/>
-            </a:br>
-            <a:r>
-              <a:rPr lang="en-US" sz="1400" dirty="0"/>
-              <a:t>false.  No other return</a:t>
-            </a:r>
-            <a:br>
-              <a:rPr lang="en-US" sz="1400" dirty="0"/>
-            </a:br>
-            <a:r>
-              <a:rPr lang="en-US" sz="1400" dirty="0"/>
-              <a:t>value is permitted.</a:t>
-            </a:r>
-          </a:p>
-        </p:txBody>
-      </p:sp>
     </p:spTree>
     <p:extLst>
       <p:ext uri="{BB962C8B-B14F-4D97-AF65-F5344CB8AC3E}">
-        <p14:creationId xmlns:p14="http://schemas.microsoft.com/office/powerpoint/2010/main" val="3295829166"/>
+        <p14:creationId xmlns:p14="http://schemas.microsoft.com/office/powerpoint/2010/main" val="2882422723"/>
       </p:ext>
     </p:extLst>
   </p:cSld>
@@ -6035,64 +6051,46 @@
         <p:spPr>
           <a:xfrm>
             <a:off x="1524000" y="1905000"/>
-            <a:ext cx="7010400" cy="1905000"/>
-          </a:xfrm>
-        </p:spPr>
-        <p:txBody>
-          <a:bodyPr>
-            <a:normAutofit fontScale="62500" lnSpcReduction="20000"/>
-          </a:bodyPr>
+            <a:ext cx="7010400" cy="3505200"/>
+          </a:xfrm>
+        </p:spPr>
+        <p:txBody>
+          <a:bodyPr/>
           <a:lstStyle/>
           <a:p>
             <a:r>
               <a:rPr lang="en-US" dirty="0"/>
-              <a:t>Type patterns are patterns of the form</a:t>
+              <a:t>The is predicate is of the form</a:t>
             </a:r>
             <a:br>
               <a:rPr lang="en-US" dirty="0"/>
             </a:br>
             <a:r>
               <a:rPr lang="en-US" dirty="0"/>
-              <a:t>   %&lt;type name&gt;</a:t>
+              <a:t>    &lt;value&gt; is &lt;pattern</a:t>
             </a:r>
             <a:br>
               <a:rPr lang="en-US" dirty="0"/>
             </a:br>
             <a:r>
               <a:rPr lang="en-US" dirty="0"/>
-              <a:t>and match all instances of the &lt;type name&gt;</a:t>
+              <a:t>and returns true if the value matches the pattern otherwise it will return false</a:t>
             </a:r>
           </a:p>
           <a:p>
             <a:r>
               <a:rPr lang="en-US" dirty="0"/>
-              <a:t>All built-in types have associated type patterns such as %integer, %real, %string etc.</a:t>
-            </a:r>
-          </a:p>
-          <a:p>
-            <a:r>
-              <a:rPr lang="en-US" dirty="0"/>
-              <a:t>User defined types are also supported,</a:t>
-            </a:r>
-            <a:br>
-              <a:rPr lang="en-US" dirty="0"/>
-            </a:br>
-            <a:r>
-              <a:rPr lang="en-US" dirty="0"/>
-              <a:t>   %&lt;user defined type name&gt;</a:t>
-            </a:r>
-          </a:p>
-          <a:p>
-            <a:endParaRPr lang="en-US" dirty="0"/>
+              <a:t>The is predicate allows us to do pattern matching is expressions</a:t>
+            </a:r>
           </a:p>
         </p:txBody>
       </p:sp>
       <p:pic>
         <p:nvPicPr>
-          <p:cNvPr id="3" name="Picture 2">
-            <a:extLst>
-              <a:ext uri="{FF2B5EF4-FFF2-40B4-BE49-F238E27FC236}">
-                <a16:creationId xmlns:a16="http://schemas.microsoft.com/office/drawing/2014/main" id="{387219F6-3021-1E4C-90DF-B8A249F3165E}"/>
+          <p:cNvPr id="7" name="Picture 6">
+            <a:extLst>
+              <a:ext uri="{FF2B5EF4-FFF2-40B4-BE49-F238E27FC236}">
+                <a16:creationId xmlns:a16="http://schemas.microsoft.com/office/drawing/2014/main" id="{81AAE521-5C3F-1441-A77E-88572B79191F}"/>
               </a:ext>
             </a:extLst>
           </p:cNvPr>
@@ -6109,8 +6107,8 @@
         </p:blipFill>
         <p:spPr>
           <a:xfrm>
-            <a:off x="381000" y="3733800"/>
-            <a:ext cx="7239000" cy="823126"/>
+            <a:off x="2819400" y="5422900"/>
+            <a:ext cx="2628900" cy="1244600"/>
           </a:xfrm>
           <a:prstGeom prst="rect">
             <a:avLst/>
@@ -6122,45 +6120,80 @@
           </a:ln>
         </p:spPr>
       </p:pic>
-      <p:pic>
-        <p:nvPicPr>
-          <p:cNvPr id="4" name="Picture 3">
-            <a:extLst>
-              <a:ext uri="{FF2B5EF4-FFF2-40B4-BE49-F238E27FC236}">
-                <a16:creationId xmlns:a16="http://schemas.microsoft.com/office/drawing/2014/main" id="{15BF67B0-6D28-AF48-BA26-3593D3997507}"/>
-              </a:ext>
-            </a:extLst>
-          </p:cNvPr>
-          <p:cNvPicPr>
-            <a:picLocks noChangeAspect="1"/>
-          </p:cNvPicPr>
+      <p:sp>
+        <p:nvSpPr>
+          <p:cNvPr id="8" name="TextBox 7">
+            <a:extLst>
+              <a:ext uri="{FF2B5EF4-FFF2-40B4-BE49-F238E27FC236}">
+                <a16:creationId xmlns:a16="http://schemas.microsoft.com/office/drawing/2014/main" id="{5DE8BE3D-2D0B-4345-A8F1-8EC44E83068A}"/>
+              </a:ext>
+            </a:extLst>
+          </p:cNvPr>
+          <p:cNvSpPr txBox="1"/>
           <p:nvPr/>
-        </p:nvPicPr>
-        <p:blipFill>
-          <a:blip r:embed="rId3"/>
-          <a:stretch>
-            <a:fillRect/>
-          </a:stretch>
-        </p:blipFill>
+        </p:nvSpPr>
         <p:spPr>
           <a:xfrm>
-            <a:off x="1089758" y="4712945"/>
-            <a:ext cx="7473950" cy="1954555"/>
+            <a:off x="6858000" y="762000"/>
+            <a:ext cx="1923925" cy="1169551"/>
           </a:xfrm>
           <a:prstGeom prst="rect">
             <a:avLst/>
           </a:prstGeom>
+          <a:solidFill>
+            <a:schemeClr val="bg1"/>
+          </a:solidFill>
           <a:ln>
             <a:solidFill>
               <a:schemeClr val="tx2"/>
             </a:solidFill>
           </a:ln>
         </p:spPr>
-      </p:pic>
+        <p:txBody>
+          <a:bodyPr wrap="none" rtlCol="0">
+            <a:spAutoFit/>
+          </a:bodyPr>
+          <a:lstStyle/>
+          <a:p>
+            <a:r>
+              <a:rPr lang="en-US" sz="1400" dirty="0"/>
+              <a:t>Note: a predicate is a</a:t>
+            </a:r>
+            <a:br>
+              <a:rPr lang="en-US" sz="1400" dirty="0"/>
+            </a:br>
+            <a:r>
+              <a:rPr lang="en-US" sz="1400" dirty="0"/>
+              <a:t>function/operator that </a:t>
+            </a:r>
+            <a:br>
+              <a:rPr lang="en-US" sz="1400" dirty="0"/>
+            </a:br>
+            <a:r>
+              <a:rPr lang="en-US" sz="1400" dirty="0"/>
+              <a:t>always returns true or</a:t>
+            </a:r>
+            <a:br>
+              <a:rPr lang="en-US" sz="1400" dirty="0"/>
+            </a:br>
+            <a:r>
+              <a:rPr lang="en-US" sz="1400" dirty="0"/>
+              <a:t>false.  No other return</a:t>
+            </a:r>
+            <a:br>
+              <a:rPr lang="en-US" sz="1400" dirty="0"/>
+            </a:br>
+            <a:r>
+              <a:rPr lang="en-US" sz="1400" dirty="0"/>
+              <a:t>value is permitted.</a:t>
+            </a:r>
+          </a:p>
+        </p:txBody>
+      </p:sp>
     </p:spTree>
     <p:extLst>
       <p:ext uri="{BB962C8B-B14F-4D97-AF65-F5344CB8AC3E}">
-        <p14:creationId xmlns:p14="http://schemas.microsoft.com/office/powerpoint/2010/main" val="3506047900"/>
+        <p14:creationId xmlns:p14="http://schemas.microsoft.com/office/powerpoint/2010/main" val="3295829166"/>
       </p:ext>
     </p:extLst>
   </p:cSld>
@@ -6192,7 +6225,7 @@
           <p:cNvPr id="2" name="Title 1">
             <a:extLst>
               <a:ext uri="{FF2B5EF4-FFF2-40B4-BE49-F238E27FC236}">
-                <a16:creationId xmlns:a16="http://schemas.microsoft.com/office/drawing/2014/main" id="{38B8FBF2-2788-6944-85A4-736AB1C73BC5}"/>
+                <a16:creationId xmlns:a16="http://schemas.microsoft.com/office/drawing/2014/main" id="{BD45E58E-66D4-284F-AEBB-EB5A327EB614}"/>
               </a:ext>
             </a:extLst>
           </p:cNvPr>
@@ -6210,17 +6243,17 @@
           <a:p>
             <a:r>
               <a:rPr lang="en-US" dirty="0"/>
-              <a:t>Advanced Pattern Match Expressions</a:t>
-            </a:r>
-          </a:p>
-        </p:txBody>
-      </p:sp>
-      <p:sp>
-        <p:nvSpPr>
-          <p:cNvPr id="3" name="Content Placeholder 2">
-            <a:extLst>
-              <a:ext uri="{FF2B5EF4-FFF2-40B4-BE49-F238E27FC236}">
-                <a16:creationId xmlns:a16="http://schemas.microsoft.com/office/drawing/2014/main" id="{99DE4156-25CE-5A46-B4D9-12D9CC6D2A5C}"/>
+              <a:t>The is Predicate &amp; Type Patterns</a:t>
+            </a:r>
+          </a:p>
+        </p:txBody>
+      </p:sp>
+      <p:sp>
+        <p:nvSpPr>
+          <p:cNvPr id="5" name="Content Placeholder 4">
+            <a:extLst>
+              <a:ext uri="{FF2B5EF4-FFF2-40B4-BE49-F238E27FC236}">
+                <a16:creationId xmlns:a16="http://schemas.microsoft.com/office/drawing/2014/main" id="{43BE0058-031C-9449-9E21-7B71C109C7A4}"/>
               </a:ext>
             </a:extLst>
           </p:cNvPr>
@@ -6234,34 +6267,64 @@
         <p:spPr>
           <a:xfrm>
             <a:off x="1524000" y="1905000"/>
-            <a:ext cx="7010400" cy="2514600"/>
+            <a:ext cx="7010400" cy="1905000"/>
           </a:xfrm>
         </p:spPr>
         <p:txBody>
           <a:bodyPr>
-            <a:normAutofit fontScale="92500" lnSpcReduction="10000"/>
+            <a:normAutofit fontScale="62500" lnSpcReduction="20000"/>
           </a:bodyPr>
           <a:lstStyle/>
           <a:p>
             <a:r>
               <a:rPr lang="en-US" dirty="0"/>
-              <a:t>We can combine conditional pattern matching with type patterns and the is predicate to express sophisticated patterns</a:t>
-            </a:r>
-          </a:p>
-          <a:p>
-            <a:r>
+              <a:t>Type patterns are patterns of the form</a:t>
+            </a:r>
+            <a:br>
               <a:rPr lang="en-US" dirty="0"/>
-              <a:t>E.g., only assign a value to x if it is an integer value</a:t>
-            </a:r>
+            </a:br>
+            <a:r>
+              <a:rPr lang="en-US" dirty="0"/>
+              <a:t>   %&lt;type name&gt;</a:t>
+            </a:r>
+            <a:br>
+              <a:rPr lang="en-US" dirty="0"/>
+            </a:br>
+            <a:r>
+              <a:rPr lang="en-US" dirty="0"/>
+              <a:t>and match all instances of the &lt;type name&gt;</a:t>
+            </a:r>
+          </a:p>
+          <a:p>
+            <a:r>
+              <a:rPr lang="en-US" dirty="0"/>
+              <a:t>All built-in types have associated type patterns such as %integer, %real, %string etc.</a:t>
+            </a:r>
+          </a:p>
+          <a:p>
+            <a:r>
+              <a:rPr lang="en-US" dirty="0"/>
+              <a:t>User defined types are also supported,</a:t>
+            </a:r>
+            <a:br>
+              <a:rPr lang="en-US" dirty="0"/>
+            </a:br>
+            <a:r>
+              <a:rPr lang="en-US" dirty="0"/>
+              <a:t>   %&lt;user defined type name&gt;</a:t>
+            </a:r>
+          </a:p>
+          <a:p>
+            <a:endParaRPr lang="en-US" dirty="0"/>
           </a:p>
         </p:txBody>
       </p:sp>
       <p:pic>
         <p:nvPicPr>
-          <p:cNvPr id="4" name="Picture 3">
-            <a:extLst>
-              <a:ext uri="{FF2B5EF4-FFF2-40B4-BE49-F238E27FC236}">
-                <a16:creationId xmlns:a16="http://schemas.microsoft.com/office/drawing/2014/main" id="{042AB9A8-F2E7-8C43-A782-35FC00F7CF82}"/>
+          <p:cNvPr id="3" name="Picture 2">
+            <a:extLst>
+              <a:ext uri="{FF2B5EF4-FFF2-40B4-BE49-F238E27FC236}">
+                <a16:creationId xmlns:a16="http://schemas.microsoft.com/office/drawing/2014/main" id="{387219F6-3021-1E4C-90DF-B8A249F3165E}"/>
               </a:ext>
             </a:extLst>
           </p:cNvPr>
@@ -6278,8 +6341,8 @@
         </p:blipFill>
         <p:spPr>
           <a:xfrm>
-            <a:off x="1327150" y="4606925"/>
-            <a:ext cx="6489700" cy="1422400"/>
+            <a:off x="381000" y="3733800"/>
+            <a:ext cx="7239000" cy="823126"/>
           </a:xfrm>
           <a:prstGeom prst="rect">
             <a:avLst/>
@@ -6291,10 +6354,45 @@
           </a:ln>
         </p:spPr>
       </p:pic>
+      <p:pic>
+        <p:nvPicPr>
+          <p:cNvPr id="4" name="Picture 3">
+            <a:extLst>
+              <a:ext uri="{FF2B5EF4-FFF2-40B4-BE49-F238E27FC236}">
+                <a16:creationId xmlns:a16="http://schemas.microsoft.com/office/drawing/2014/main" id="{15BF67B0-6D28-AF48-BA26-3593D3997507}"/>
+              </a:ext>
+            </a:extLst>
+          </p:cNvPr>
+          <p:cNvPicPr>
+            <a:picLocks noChangeAspect="1"/>
+          </p:cNvPicPr>
+          <p:nvPr/>
+        </p:nvPicPr>
+        <p:blipFill>
+          <a:blip r:embed="rId3"/>
+          <a:stretch>
+            <a:fillRect/>
+          </a:stretch>
+        </p:blipFill>
+        <p:spPr>
+          <a:xfrm>
+            <a:off x="1089758" y="4712945"/>
+            <a:ext cx="7473950" cy="1954555"/>
+          </a:xfrm>
+          <a:prstGeom prst="rect">
+            <a:avLst/>
+          </a:prstGeom>
+          <a:ln>
+            <a:solidFill>
+              <a:schemeClr val="tx2"/>
+            </a:solidFill>
+          </a:ln>
+        </p:spPr>
+      </p:pic>
     </p:spTree>
     <p:extLst>
       <p:ext uri="{BB962C8B-B14F-4D97-AF65-F5344CB8AC3E}">
-        <p14:creationId xmlns:p14="http://schemas.microsoft.com/office/powerpoint/2010/main" val="527991359"/>
+        <p14:creationId xmlns:p14="http://schemas.microsoft.com/office/powerpoint/2010/main" val="3506047900"/>
       </p:ext>
     </p:extLst>
   </p:cSld>
@@ -6368,28 +6466,34 @@
         <p:spPr>
           <a:xfrm>
             <a:off x="1524000" y="1905000"/>
-            <a:ext cx="7010400" cy="762000"/>
+            <a:ext cx="7010400" cy="2514600"/>
           </a:xfrm>
         </p:spPr>
         <p:txBody>
           <a:bodyPr>
-            <a:normAutofit/>
+            <a:normAutofit fontScale="92500" lnSpcReduction="10000"/>
           </a:bodyPr>
           <a:lstStyle/>
           <a:p>
             <a:r>
               <a:rPr lang="en-US" dirty="0"/>
-              <a:t>Here are some additional examples,</a:t>
+              <a:t>We can combine conditional pattern matching with type patterns and the is predicate to express sophisticated patterns</a:t>
+            </a:r>
+          </a:p>
+          <a:p>
+            <a:r>
+              <a:rPr lang="en-US" dirty="0"/>
+              <a:t>E.g., only assign a value to x if it is an integer value</a:t>
             </a:r>
           </a:p>
         </p:txBody>
       </p:sp>
       <p:pic>
         <p:nvPicPr>
-          <p:cNvPr id="5" name="Picture 4">
-            <a:extLst>
-              <a:ext uri="{FF2B5EF4-FFF2-40B4-BE49-F238E27FC236}">
-                <a16:creationId xmlns:a16="http://schemas.microsoft.com/office/drawing/2014/main" id="{C1C88CFB-FC12-204B-9F54-811B0900984A}"/>
+          <p:cNvPr id="4" name="Picture 3">
+            <a:extLst>
+              <a:ext uri="{FF2B5EF4-FFF2-40B4-BE49-F238E27FC236}">
+                <a16:creationId xmlns:a16="http://schemas.microsoft.com/office/drawing/2014/main" id="{042AB9A8-F2E7-8C43-A782-35FC00F7CF82}"/>
               </a:ext>
             </a:extLst>
           </p:cNvPr>
@@ -6406,8 +6510,8 @@
         </p:blipFill>
         <p:spPr>
           <a:xfrm>
-            <a:off x="304800" y="2708031"/>
-            <a:ext cx="5067300" cy="673100"/>
+            <a:off x="1327150" y="4606925"/>
+            <a:ext cx="6489700" cy="1422400"/>
           </a:xfrm>
           <a:prstGeom prst="rect">
             <a:avLst/>
@@ -6419,80 +6523,10 @@
           </a:ln>
         </p:spPr>
       </p:pic>
-      <p:pic>
-        <p:nvPicPr>
-          <p:cNvPr id="6" name="Picture 5">
-            <a:extLst>
-              <a:ext uri="{FF2B5EF4-FFF2-40B4-BE49-F238E27FC236}">
-                <a16:creationId xmlns:a16="http://schemas.microsoft.com/office/drawing/2014/main" id="{1D3CFE35-B4E8-424F-B4A1-6EBB08FE3A8E}"/>
-              </a:ext>
-            </a:extLst>
-          </p:cNvPr>
-          <p:cNvPicPr>
-            <a:picLocks noChangeAspect="1"/>
-          </p:cNvPicPr>
-          <p:nvPr/>
-        </p:nvPicPr>
-        <p:blipFill>
-          <a:blip r:embed="rId3"/>
-          <a:stretch>
-            <a:fillRect/>
-          </a:stretch>
-        </p:blipFill>
-        <p:spPr>
-          <a:xfrm>
-            <a:off x="1771650" y="4038600"/>
-            <a:ext cx="6515100" cy="2006600"/>
-          </a:xfrm>
-          <a:prstGeom prst="rect">
-            <a:avLst/>
-          </a:prstGeom>
-          <a:ln>
-            <a:solidFill>
-              <a:schemeClr val="tx2"/>
-            </a:solidFill>
-          </a:ln>
-        </p:spPr>
-      </p:pic>
-      <p:sp>
-        <p:nvSpPr>
-          <p:cNvPr id="7" name="TextBox 6">
-            <a:extLst>
-              <a:ext uri="{FF2B5EF4-FFF2-40B4-BE49-F238E27FC236}">
-                <a16:creationId xmlns:a16="http://schemas.microsoft.com/office/drawing/2014/main" id="{4951B354-A5F6-A549-A108-76506E3E4DB7}"/>
-              </a:ext>
-            </a:extLst>
-          </p:cNvPr>
-          <p:cNvSpPr txBox="1"/>
-          <p:nvPr/>
-        </p:nvSpPr>
-        <p:spPr>
-          <a:xfrm>
-            <a:off x="1992923" y="6271846"/>
-            <a:ext cx="3370218" cy="338554"/>
-          </a:xfrm>
-          <a:prstGeom prst="rect">
-            <a:avLst/>
-          </a:prstGeom>
-          <a:noFill/>
-        </p:spPr>
-        <p:txBody>
-          <a:bodyPr wrap="none" rtlCol="0">
-            <a:spAutoFit/>
-          </a:bodyPr>
-          <a:lstStyle/>
-          <a:p>
-            <a:r>
-              <a:rPr lang="en-US" sz="1600" dirty="0"/>
-              <a:t>Note: ‘mod’ is the modulus function</a:t>
-            </a:r>
-          </a:p>
-        </p:txBody>
-      </p:sp>
     </p:spTree>
     <p:extLst>
       <p:ext uri="{BB962C8B-B14F-4D97-AF65-F5344CB8AC3E}">
-        <p14:creationId xmlns:p14="http://schemas.microsoft.com/office/powerpoint/2010/main" val="3020148784"/>
+        <p14:creationId xmlns:p14="http://schemas.microsoft.com/office/powerpoint/2010/main" val="527991359"/>
       </p:ext>
     </p:extLst>
   </p:cSld>
@@ -6524,7 +6558,7 @@
           <p:cNvPr id="2" name="Title 1">
             <a:extLst>
               <a:ext uri="{FF2B5EF4-FFF2-40B4-BE49-F238E27FC236}">
-                <a16:creationId xmlns:a16="http://schemas.microsoft.com/office/drawing/2014/main" id="{69D8A802-1887-5C44-89B7-C430FD3E8CF1}"/>
+                <a16:creationId xmlns:a16="http://schemas.microsoft.com/office/drawing/2014/main" id="{38B8FBF2-2788-6944-85A4-736AB1C73BC5}"/>
               </a:ext>
             </a:extLst>
           </p:cNvPr>
@@ -6542,7 +6576,7 @@
           <a:p>
             <a:r>
               <a:rPr lang="en-US" dirty="0"/>
-              <a:t>Named Patterns</a:t>
+              <a:t>Advanced Pattern Match Expressions</a:t>
             </a:r>
           </a:p>
         </p:txBody>
@@ -6552,7 +6586,7 @@
           <p:cNvPr id="3" name="Content Placeholder 2">
             <a:extLst>
               <a:ext uri="{FF2B5EF4-FFF2-40B4-BE49-F238E27FC236}">
-                <a16:creationId xmlns:a16="http://schemas.microsoft.com/office/drawing/2014/main" id="{E7A95868-7F6A-C846-8D8F-777179574524}"/>
+                <a16:creationId xmlns:a16="http://schemas.microsoft.com/office/drawing/2014/main" id="{99DE4156-25CE-5A46-B4D9-12D9CC6D2A5C}"/>
               </a:ext>
             </a:extLst>
           </p:cNvPr>
@@ -6566,68 +6600,28 @@
         <p:spPr>
           <a:xfrm>
             <a:off x="1524000" y="1905000"/>
-            <a:ext cx="7010400" cy="3048000"/>
+            <a:ext cx="7010400" cy="762000"/>
           </a:xfrm>
         </p:spPr>
         <p:txBody>
           <a:bodyPr>
-            <a:normAutofit fontScale="92500" lnSpcReduction="20000"/>
+            <a:normAutofit/>
           </a:bodyPr>
           <a:lstStyle/>
           <a:p>
             <a:r>
               <a:rPr lang="en-US" dirty="0"/>
-              <a:t>The simple conditional pattern</a:t>
-            </a:r>
-            <a:br>
-              <a:rPr lang="en-US" dirty="0"/>
-            </a:br>
-            <a:r>
-              <a:rPr lang="en-US" dirty="0"/>
-              <a:t>   x if x is &lt;pattern&gt;</a:t>
-            </a:r>
-            <a:br>
-              <a:rPr lang="en-US" dirty="0"/>
-            </a:br>
-            <a:r>
-              <a:rPr lang="en-US" dirty="0"/>
-              <a:t>appears a lot in Asteroid programs</a:t>
-            </a:r>
-          </a:p>
-          <a:p>
-            <a:r>
-              <a:rPr lang="en-US" dirty="0"/>
-              <a:t>Named patterns of the form</a:t>
-            </a:r>
-            <a:br>
-              <a:rPr lang="en-US" dirty="0"/>
-            </a:br>
-            <a:r>
-              <a:rPr lang="en-US" dirty="0"/>
-              <a:t>   x:&lt;pattern&gt;</a:t>
-            </a:r>
-            <a:br>
-              <a:rPr lang="en-US" dirty="0"/>
-            </a:br>
-            <a:r>
-              <a:rPr lang="en-US" dirty="0"/>
-              <a:t>represent a shorthand for the simple conditional patterns above</a:t>
-            </a:r>
-          </a:p>
-          <a:p>
-            <a:r>
-              <a:rPr lang="en-US" dirty="0"/>
-              <a:t>E.g.</a:t>
+              <a:t>Here are some additional examples,</a:t>
             </a:r>
           </a:p>
         </p:txBody>
       </p:sp>
       <p:pic>
         <p:nvPicPr>
-          <p:cNvPr id="4" name="Picture 3">
-            <a:extLst>
-              <a:ext uri="{FF2B5EF4-FFF2-40B4-BE49-F238E27FC236}">
-                <a16:creationId xmlns:a16="http://schemas.microsoft.com/office/drawing/2014/main" id="{4F12295A-5DFF-004B-8714-A589155DA3AF}"/>
+          <p:cNvPr id="5" name="Picture 4">
+            <a:extLst>
+              <a:ext uri="{FF2B5EF4-FFF2-40B4-BE49-F238E27FC236}">
+                <a16:creationId xmlns:a16="http://schemas.microsoft.com/office/drawing/2014/main" id="{C1C88CFB-FC12-204B-9F54-811B0900984A}"/>
               </a:ext>
             </a:extLst>
           </p:cNvPr>
@@ -6644,8 +6638,8 @@
         </p:blipFill>
         <p:spPr>
           <a:xfrm>
-            <a:off x="2895600" y="4800600"/>
-            <a:ext cx="3644900" cy="1625600"/>
+            <a:off x="304800" y="2708031"/>
+            <a:ext cx="5067300" cy="673100"/>
           </a:xfrm>
           <a:prstGeom prst="rect">
             <a:avLst/>
@@ -6657,10 +6651,80 @@
           </a:ln>
         </p:spPr>
       </p:pic>
+      <p:pic>
+        <p:nvPicPr>
+          <p:cNvPr id="6" name="Picture 5">
+            <a:extLst>
+              <a:ext uri="{FF2B5EF4-FFF2-40B4-BE49-F238E27FC236}">
+                <a16:creationId xmlns:a16="http://schemas.microsoft.com/office/drawing/2014/main" id="{1D3CFE35-B4E8-424F-B4A1-6EBB08FE3A8E}"/>
+              </a:ext>
+            </a:extLst>
+          </p:cNvPr>
+          <p:cNvPicPr>
+            <a:picLocks noChangeAspect="1"/>
+          </p:cNvPicPr>
+          <p:nvPr/>
+        </p:nvPicPr>
+        <p:blipFill>
+          <a:blip r:embed="rId3"/>
+          <a:stretch>
+            <a:fillRect/>
+          </a:stretch>
+        </p:blipFill>
+        <p:spPr>
+          <a:xfrm>
+            <a:off x="1771650" y="4038600"/>
+            <a:ext cx="6515100" cy="2006600"/>
+          </a:xfrm>
+          <a:prstGeom prst="rect">
+            <a:avLst/>
+          </a:prstGeom>
+          <a:ln>
+            <a:solidFill>
+              <a:schemeClr val="tx2"/>
+            </a:solidFill>
+          </a:ln>
+        </p:spPr>
+      </p:pic>
+      <p:sp>
+        <p:nvSpPr>
+          <p:cNvPr id="7" name="TextBox 6">
+            <a:extLst>
+              <a:ext uri="{FF2B5EF4-FFF2-40B4-BE49-F238E27FC236}">
+                <a16:creationId xmlns:a16="http://schemas.microsoft.com/office/drawing/2014/main" id="{4951B354-A5F6-A549-A108-76506E3E4DB7}"/>
+              </a:ext>
+            </a:extLst>
+          </p:cNvPr>
+          <p:cNvSpPr txBox="1"/>
+          <p:nvPr/>
+        </p:nvSpPr>
+        <p:spPr>
+          <a:xfrm>
+            <a:off x="1992923" y="6271846"/>
+            <a:ext cx="3370218" cy="338554"/>
+          </a:xfrm>
+          <a:prstGeom prst="rect">
+            <a:avLst/>
+          </a:prstGeom>
+          <a:noFill/>
+        </p:spPr>
+        <p:txBody>
+          <a:bodyPr wrap="none" rtlCol="0">
+            <a:spAutoFit/>
+          </a:bodyPr>
+          <a:lstStyle/>
+          <a:p>
+            <a:r>
+              <a:rPr lang="en-US" sz="1600" dirty="0"/>
+              <a:t>Note: ‘mod’ is the modulus function</a:t>
+            </a:r>
+          </a:p>
+        </p:txBody>
+      </p:sp>
     </p:spTree>
     <p:extLst>
       <p:ext uri="{BB962C8B-B14F-4D97-AF65-F5344CB8AC3E}">
-        <p14:creationId xmlns:p14="http://schemas.microsoft.com/office/powerpoint/2010/main" val="2442529255"/>
+        <p14:creationId xmlns:p14="http://schemas.microsoft.com/office/powerpoint/2010/main" val="3020148784"/>
       </p:ext>
     </p:extLst>
   </p:cSld>
@@ -6734,28 +6798,68 @@
         <p:spPr>
           <a:xfrm>
             <a:off x="1524000" y="1905000"/>
-            <a:ext cx="7010400" cy="1524000"/>
+            <a:ext cx="7010400" cy="3048000"/>
           </a:xfrm>
         </p:spPr>
         <p:txBody>
           <a:bodyPr>
-            <a:normAutofit/>
+            <a:normAutofit fontScale="92500" lnSpcReduction="20000"/>
           </a:bodyPr>
           <a:lstStyle/>
           <a:p>
             <a:r>
               <a:rPr lang="en-US" dirty="0"/>
-              <a:t>This shorthand notation is especially useful when combined with type patterns,</a:t>
+              <a:t>The simple conditional pattern</a:t>
+            </a:r>
+            <a:br>
+              <a:rPr lang="en-US" dirty="0"/>
+            </a:br>
+            <a:r>
+              <a:rPr lang="en-US" dirty="0"/>
+              <a:t>   x if x is &lt;pattern&gt;</a:t>
+            </a:r>
+            <a:br>
+              <a:rPr lang="en-US" dirty="0"/>
+            </a:br>
+            <a:r>
+              <a:rPr lang="en-US" dirty="0"/>
+              <a:t>appears a lot in Asteroid programs</a:t>
+            </a:r>
+          </a:p>
+          <a:p>
+            <a:r>
+              <a:rPr lang="en-US" dirty="0"/>
+              <a:t>Named patterns of the form</a:t>
+            </a:r>
+            <a:br>
+              <a:rPr lang="en-US" dirty="0"/>
+            </a:br>
+            <a:r>
+              <a:rPr lang="en-US" dirty="0"/>
+              <a:t>   x:&lt;pattern&gt;</a:t>
+            </a:r>
+            <a:br>
+              <a:rPr lang="en-US" dirty="0"/>
+            </a:br>
+            <a:r>
+              <a:rPr lang="en-US" dirty="0"/>
+              <a:t>represent a shorthand for the simple conditional patterns above</a:t>
+            </a:r>
+          </a:p>
+          <a:p>
+            <a:r>
+              <a:rPr lang="en-US" dirty="0"/>
+              <a:t>E.g.</a:t>
             </a:r>
           </a:p>
         </p:txBody>
       </p:sp>
       <p:pic>
         <p:nvPicPr>
-          <p:cNvPr id="5" name="Picture 4">
-            <a:extLst>
-              <a:ext uri="{FF2B5EF4-FFF2-40B4-BE49-F238E27FC236}">
-                <a16:creationId xmlns:a16="http://schemas.microsoft.com/office/drawing/2014/main" id="{57FD4B1D-ADB2-6443-B87E-4D51B91BE598}"/>
+          <p:cNvPr id="4" name="Picture 3">
+            <a:extLst>
+              <a:ext uri="{FF2B5EF4-FFF2-40B4-BE49-F238E27FC236}">
+                <a16:creationId xmlns:a16="http://schemas.microsoft.com/office/drawing/2014/main" id="{4F12295A-5DFF-004B-8714-A589155DA3AF}"/>
               </a:ext>
             </a:extLst>
           </p:cNvPr>
@@ -6772,7 +6876,7 @@
         </p:blipFill>
         <p:spPr>
           <a:xfrm>
-            <a:off x="2362200" y="3962400"/>
+            <a:off x="2895600" y="4800600"/>
             <a:ext cx="3644900" cy="1625600"/>
           </a:xfrm>
           <a:prstGeom prst="rect">
@@ -6788,7 +6892,7 @@
     </p:spTree>
     <p:extLst>
       <p:ext uri="{BB962C8B-B14F-4D97-AF65-F5344CB8AC3E}">
-        <p14:creationId xmlns:p14="http://schemas.microsoft.com/office/powerpoint/2010/main" val="4050486953"/>
+        <p14:creationId xmlns:p14="http://schemas.microsoft.com/office/powerpoint/2010/main" val="2442529255"/>
       </p:ext>
     </p:extLst>
   </p:cSld>
@@ -6862,37 +6966,28 @@
         <p:spPr>
           <a:xfrm>
             <a:off x="1524000" y="1905000"/>
-            <a:ext cx="7010400" cy="2362200"/>
+            <a:ext cx="7010400" cy="1524000"/>
           </a:xfrm>
         </p:spPr>
         <p:txBody>
           <a:bodyPr>
-            <a:normAutofit fontScale="77500" lnSpcReduction="20000"/>
+            <a:normAutofit/>
           </a:bodyPr>
           <a:lstStyle/>
           <a:p>
             <a:r>
               <a:rPr lang="en-US" dirty="0"/>
-              <a:t>Beware: even though named patterns with type patterns look like a declarations they are not!</a:t>
-            </a:r>
-          </a:p>
-          <a:p>
-            <a:r>
-              <a:rPr lang="en-US" dirty="0"/>
-              <a:t>They are pattern match statements; consequently, implicit type conversions we are used to from other programming languages do not work!</a:t>
-            </a:r>
-          </a:p>
-          <a:p>
-            <a:endParaRPr lang="en-US" dirty="0"/>
+              <a:t>This shorthand notation is especially useful when combined with type patterns,</a:t>
+            </a:r>
           </a:p>
         </p:txBody>
       </p:sp>
       <p:pic>
         <p:nvPicPr>
-          <p:cNvPr id="4" name="Picture 3">
-            <a:extLst>
-              <a:ext uri="{FF2B5EF4-FFF2-40B4-BE49-F238E27FC236}">
-                <a16:creationId xmlns:a16="http://schemas.microsoft.com/office/drawing/2014/main" id="{64F162B0-3C1E-E841-94F2-CD56B6552035}"/>
+          <p:cNvPr id="5" name="Picture 4">
+            <a:extLst>
+              <a:ext uri="{FF2B5EF4-FFF2-40B4-BE49-F238E27FC236}">
+                <a16:creationId xmlns:a16="http://schemas.microsoft.com/office/drawing/2014/main" id="{57FD4B1D-ADB2-6443-B87E-4D51B91BE598}"/>
               </a:ext>
             </a:extLst>
           </p:cNvPr>
@@ -6909,8 +7004,8 @@
         </p:blipFill>
         <p:spPr>
           <a:xfrm>
-            <a:off x="685800" y="4267200"/>
-            <a:ext cx="8026400" cy="1460500"/>
+            <a:off x="2362200" y="3962400"/>
+            <a:ext cx="3644900" cy="1625600"/>
           </a:xfrm>
           <a:prstGeom prst="rect">
             <a:avLst/>
@@ -6925,7 +7020,7 @@
     </p:spTree>
     <p:extLst>
       <p:ext uri="{BB962C8B-B14F-4D97-AF65-F5344CB8AC3E}">
-        <p14:creationId xmlns:p14="http://schemas.microsoft.com/office/powerpoint/2010/main" val="1285522234"/>
+        <p14:creationId xmlns:p14="http://schemas.microsoft.com/office/powerpoint/2010/main" val="4050486953"/>
       </p:ext>
     </p:extLst>
   </p:cSld>
@@ -6957,7 +7052,7 @@
           <p:cNvPr id="2" name="Title 1">
             <a:extLst>
               <a:ext uri="{FF2B5EF4-FFF2-40B4-BE49-F238E27FC236}">
-                <a16:creationId xmlns:a16="http://schemas.microsoft.com/office/drawing/2014/main" id="{6195C51E-259E-9349-83AB-34F41AD10999}"/>
+                <a16:creationId xmlns:a16="http://schemas.microsoft.com/office/drawing/2014/main" id="{69D8A802-1887-5C44-89B7-C430FD3E8CF1}"/>
               </a:ext>
             </a:extLst>
           </p:cNvPr>
@@ -6975,7 +7070,7 @@
           <a:p>
             <a:r>
               <a:rPr lang="en-US" dirty="0"/>
-              <a:t>Head-Tail Pattern</a:t>
+              <a:t>Named Patterns</a:t>
             </a:r>
           </a:p>
         </p:txBody>
@@ -6985,7 +7080,7 @@
           <p:cNvPr id="3" name="Content Placeholder 2">
             <a:extLst>
               <a:ext uri="{FF2B5EF4-FFF2-40B4-BE49-F238E27FC236}">
-                <a16:creationId xmlns:a16="http://schemas.microsoft.com/office/drawing/2014/main" id="{3F46B74A-6B29-9041-95E9-7392BDABF9A2}"/>
+                <a16:creationId xmlns:a16="http://schemas.microsoft.com/office/drawing/2014/main" id="{E7A95868-7F6A-C846-8D8F-777179574524}"/>
               </a:ext>
             </a:extLst>
           </p:cNvPr>
@@ -6999,7 +7094,7 @@
         <p:spPr>
           <a:xfrm>
             <a:off x="1524000" y="1905000"/>
-            <a:ext cx="7010400" cy="2895600"/>
+            <a:ext cx="7010400" cy="2362200"/>
           </a:xfrm>
         </p:spPr>
         <p:txBody>
@@ -7010,35 +7105,13 @@
           <a:p>
             <a:r>
               <a:rPr lang="en-US" dirty="0"/>
-              <a:t>The head-tail pattern </a:t>
-            </a:r>
-            <a:br>
+              <a:t>Beware: even though named patterns with type patterns look like a declarations they are not!</a:t>
+            </a:r>
+          </a:p>
+          <a:p>
+            <a:r>
               <a:rPr lang="en-US" dirty="0"/>
-            </a:br>
-            <a:r>
-              <a:rPr lang="en-US" dirty="0"/>
-              <a:t>    [ &lt;head var&gt; | &lt;tail var&gt; ]</a:t>
-            </a:r>
-            <a:br>
-              <a:rPr lang="en-US" dirty="0"/>
-            </a:br>
-            <a:r>
-              <a:rPr lang="en-US" dirty="0"/>
-              <a:t>is a useful pattern that allows us to </a:t>
-            </a:r>
-            <a:r>
-              <a:rPr lang="en-US" dirty="0" err="1"/>
-              <a:t>destructure</a:t>
-            </a:r>
-            <a:r>
-              <a:rPr lang="en-US" dirty="0"/>
-              <a:t> a list into into its first element and the rest of the list; the list with its first element removed.</a:t>
-            </a:r>
-          </a:p>
-          <a:p>
-            <a:r>
-              <a:rPr lang="en-US" dirty="0"/>
-              <a:t>As we will see later, this pattern will prove extremely useful when dealing with recursion or iteration over lists.</a:t>
+              <a:t>They are pattern match statements; consequently, implicit type conversions we are used to from other programming languages do not work!</a:t>
             </a:r>
           </a:p>
           <a:p>
@@ -7051,7 +7124,7 @@
           <p:cNvPr id="4" name="Picture 3">
             <a:extLst>
               <a:ext uri="{FF2B5EF4-FFF2-40B4-BE49-F238E27FC236}">
-                <a16:creationId xmlns:a16="http://schemas.microsoft.com/office/drawing/2014/main" id="{40EBF5AF-9F39-674B-B21C-1DE5732AD872}"/>
+                <a16:creationId xmlns:a16="http://schemas.microsoft.com/office/drawing/2014/main" id="{64F162B0-3C1E-E841-94F2-CD56B6552035}"/>
               </a:ext>
             </a:extLst>
           </p:cNvPr>
@@ -7068,15 +7141,15 @@
         </p:blipFill>
         <p:spPr>
           <a:xfrm>
-            <a:off x="2743200" y="4800600"/>
-            <a:ext cx="3251200" cy="1574800"/>
+            <a:off x="685800" y="4267200"/>
+            <a:ext cx="8026400" cy="1460500"/>
           </a:xfrm>
           <a:prstGeom prst="rect">
             <a:avLst/>
           </a:prstGeom>
           <a:ln>
             <a:solidFill>
-              <a:schemeClr val="tx1"/>
+              <a:schemeClr val="tx2"/>
             </a:solidFill>
           </a:ln>
         </p:spPr>
@@ -7084,7 +7157,7 @@
     </p:spTree>
     <p:extLst>
       <p:ext uri="{BB962C8B-B14F-4D97-AF65-F5344CB8AC3E}">
-        <p14:creationId xmlns:p14="http://schemas.microsoft.com/office/powerpoint/2010/main" val="368365555"/>
+        <p14:creationId xmlns:p14="http://schemas.microsoft.com/office/powerpoint/2010/main" val="1285522234"/>
       </p:ext>
     </p:extLst>
   </p:cSld>
@@ -7724,30 +7797,54 @@
         </p:spPr>
         <p:txBody>
           <a:bodyPr>
-            <a:normAutofit/>
+            <a:normAutofit fontScale="77500" lnSpcReduction="20000"/>
           </a:bodyPr>
           <a:lstStyle/>
           <a:p>
             <a:r>
               <a:rPr lang="en-US" dirty="0"/>
-              <a:t>The head-tail pattern can also be used “in reverse” – as a constructor,</a:t>
-            </a:r>
-          </a:p>
-          <a:p>
-            <a:pPr lvl="1"/>
-            <a:r>
+              <a:t>The head-tail pattern </a:t>
+            </a:r>
+            <a:br>
               <a:rPr lang="en-US" dirty="0"/>
-              <a:t>Given an element and a list it will prepend the element to the list</a:t>
-            </a:r>
+            </a:br>
+            <a:r>
+              <a:rPr lang="en-US" dirty="0"/>
+              <a:t>    [ &lt;head var&gt; | &lt;tail var&gt; ]</a:t>
+            </a:r>
+            <a:br>
+              <a:rPr lang="en-US" dirty="0"/>
+            </a:br>
+            <a:r>
+              <a:rPr lang="en-US" dirty="0"/>
+              <a:t>is a useful pattern that allows us to </a:t>
+            </a:r>
+            <a:r>
+              <a:rPr lang="en-US" dirty="0" err="1"/>
+              <a:t>destructure</a:t>
+            </a:r>
+            <a:r>
+              <a:rPr lang="en-US" dirty="0"/>
+              <a:t> a list into into its first element and the rest of the list; the list with its first element removed.</a:t>
+            </a:r>
+          </a:p>
+          <a:p>
+            <a:r>
+              <a:rPr lang="en-US" dirty="0"/>
+              <a:t>As we will see later, this pattern will prove extremely useful when dealing with recursion or iteration over lists.</a:t>
+            </a:r>
+          </a:p>
+          <a:p>
+            <a:endParaRPr lang="en-US" dirty="0"/>
           </a:p>
         </p:txBody>
       </p:sp>
       <p:pic>
         <p:nvPicPr>
-          <p:cNvPr id="5" name="Picture 4">
-            <a:extLst>
-              <a:ext uri="{FF2B5EF4-FFF2-40B4-BE49-F238E27FC236}">
-                <a16:creationId xmlns:a16="http://schemas.microsoft.com/office/drawing/2014/main" id="{54E484A6-DFFD-CA4E-8E22-B165552E5060}"/>
+          <p:cNvPr id="4" name="Picture 3">
+            <a:extLst>
+              <a:ext uri="{FF2B5EF4-FFF2-40B4-BE49-F238E27FC236}">
+                <a16:creationId xmlns:a16="http://schemas.microsoft.com/office/drawing/2014/main" id="{40EBF5AF-9F39-674B-B21C-1DE5732AD872}"/>
               </a:ext>
             </a:extLst>
           </p:cNvPr>
@@ -7764,8 +7861,8 @@
         </p:blipFill>
         <p:spPr>
           <a:xfrm>
-            <a:off x="2971800" y="4371975"/>
-            <a:ext cx="2565400" cy="1231900"/>
+            <a:off x="2743200" y="4800600"/>
+            <a:ext cx="3251200" cy="1574800"/>
           </a:xfrm>
           <a:prstGeom prst="rect">
             <a:avLst/>
@@ -7780,7 +7877,7 @@
     </p:spTree>
     <p:extLst>
       <p:ext uri="{BB962C8B-B14F-4D97-AF65-F5344CB8AC3E}">
-        <p14:creationId xmlns:p14="http://schemas.microsoft.com/office/powerpoint/2010/main" val="4189918242"/>
+        <p14:creationId xmlns:p14="http://schemas.microsoft.com/office/powerpoint/2010/main" val="368365555"/>
       </p:ext>
     </p:extLst>
   </p:cSld>
@@ -7812,6 +7909,141 @@
           <p:cNvPr id="2" name="Title 1">
             <a:extLst>
               <a:ext uri="{FF2B5EF4-FFF2-40B4-BE49-F238E27FC236}">
+                <a16:creationId xmlns:a16="http://schemas.microsoft.com/office/drawing/2014/main" id="{6195C51E-259E-9349-83AB-34F41AD10999}"/>
+              </a:ext>
+            </a:extLst>
+          </p:cNvPr>
+          <p:cNvSpPr>
+            <a:spLocks noGrp="1"/>
+          </p:cNvSpPr>
+          <p:nvPr>
+            <p:ph type="title"/>
+          </p:nvPr>
+        </p:nvSpPr>
+        <p:spPr/>
+        <p:txBody>
+          <a:bodyPr/>
+          <a:lstStyle/>
+          <a:p>
+            <a:r>
+              <a:rPr lang="en-US" dirty="0"/>
+              <a:t>Head-Tail Pattern</a:t>
+            </a:r>
+          </a:p>
+        </p:txBody>
+      </p:sp>
+      <p:sp>
+        <p:nvSpPr>
+          <p:cNvPr id="3" name="Content Placeholder 2">
+            <a:extLst>
+              <a:ext uri="{FF2B5EF4-FFF2-40B4-BE49-F238E27FC236}">
+                <a16:creationId xmlns:a16="http://schemas.microsoft.com/office/drawing/2014/main" id="{3F46B74A-6B29-9041-95E9-7392BDABF9A2}"/>
+              </a:ext>
+            </a:extLst>
+          </p:cNvPr>
+          <p:cNvSpPr>
+            <a:spLocks noGrp="1"/>
+          </p:cNvSpPr>
+          <p:nvPr>
+            <p:ph idx="1"/>
+          </p:nvPr>
+        </p:nvSpPr>
+        <p:spPr>
+          <a:xfrm>
+            <a:off x="1524000" y="1905000"/>
+            <a:ext cx="7010400" cy="2895600"/>
+          </a:xfrm>
+        </p:spPr>
+        <p:txBody>
+          <a:bodyPr>
+            <a:normAutofit/>
+          </a:bodyPr>
+          <a:lstStyle/>
+          <a:p>
+            <a:r>
+              <a:rPr lang="en-US" dirty="0"/>
+              <a:t>The head-tail pattern can also be used “in reverse” – as a constructor,</a:t>
+            </a:r>
+          </a:p>
+          <a:p>
+            <a:pPr lvl="1"/>
+            <a:r>
+              <a:rPr lang="en-US" dirty="0"/>
+              <a:t>Given an element and a list it will prepend the element to the list</a:t>
+            </a:r>
+          </a:p>
+        </p:txBody>
+      </p:sp>
+      <p:pic>
+        <p:nvPicPr>
+          <p:cNvPr id="5" name="Picture 4">
+            <a:extLst>
+              <a:ext uri="{FF2B5EF4-FFF2-40B4-BE49-F238E27FC236}">
+                <a16:creationId xmlns:a16="http://schemas.microsoft.com/office/drawing/2014/main" id="{54E484A6-DFFD-CA4E-8E22-B165552E5060}"/>
+              </a:ext>
+            </a:extLst>
+          </p:cNvPr>
+          <p:cNvPicPr>
+            <a:picLocks noChangeAspect="1"/>
+          </p:cNvPicPr>
+          <p:nvPr/>
+        </p:nvPicPr>
+        <p:blipFill>
+          <a:blip r:embed="rId2"/>
+          <a:stretch>
+            <a:fillRect/>
+          </a:stretch>
+        </p:blipFill>
+        <p:spPr>
+          <a:xfrm>
+            <a:off x="2971800" y="4371975"/>
+            <a:ext cx="2565400" cy="1231900"/>
+          </a:xfrm>
+          <a:prstGeom prst="rect">
+            <a:avLst/>
+          </a:prstGeom>
+          <a:ln>
+            <a:solidFill>
+              <a:schemeClr val="tx1"/>
+            </a:solidFill>
+          </a:ln>
+        </p:spPr>
+      </p:pic>
+    </p:spTree>
+    <p:extLst>
+      <p:ext uri="{BB962C8B-B14F-4D97-AF65-F5344CB8AC3E}">
+        <p14:creationId xmlns:p14="http://schemas.microsoft.com/office/powerpoint/2010/main" val="4189918242"/>
+      </p:ext>
+    </p:extLst>
+  </p:cSld>
+  <p:clrMapOvr>
+    <a:masterClrMapping/>
+  </p:clrMapOvr>
+</p:sld>
+</file>
+
+<file path=ppt/slides/slide22.xml><?xml version="1.0" encoding="utf-8"?>
+<p:sld xmlns:a="http://schemas.openxmlformats.org/drawingml/2006/main" xmlns:r="http://schemas.openxmlformats.org/officeDocument/2006/relationships" xmlns:p="http://schemas.openxmlformats.org/presentationml/2006/main">
+  <p:cSld>
+    <p:spTree>
+      <p:nvGrpSpPr>
+        <p:cNvPr id="1" name=""/>
+        <p:cNvGrpSpPr/>
+        <p:nvPr/>
+      </p:nvGrpSpPr>
+      <p:grpSpPr>
+        <a:xfrm>
+          <a:off x="0" y="0"/>
+          <a:ext cx="0" cy="0"/>
+          <a:chOff x="0" y="0"/>
+          <a:chExt cx="0" cy="0"/>
+        </a:xfrm>
+      </p:grpSpPr>
+      <p:sp>
+        <p:nvSpPr>
+          <p:cNvPr id="2" name="Title 1">
+            <a:extLst>
+              <a:ext uri="{FF2B5EF4-FFF2-40B4-BE49-F238E27FC236}">
                 <a16:creationId xmlns:a16="http://schemas.microsoft.com/office/drawing/2014/main" id="{980BBCB4-34B6-6F4D-9DAA-48FC9F7BB83F}"/>
               </a:ext>
             </a:extLst>
@@ -7939,7 +8171,7 @@
 </p:sld>
 </file>
 
-<file path=ppt/slides/slide22.xml><?xml version="1.0" encoding="utf-8"?>
+<file path=ppt/slides/slide23.xml><?xml version="1.0" encoding="utf-8"?>
 <p:sld xmlns:a="http://schemas.openxmlformats.org/drawingml/2006/main" xmlns:r="http://schemas.openxmlformats.org/officeDocument/2006/relationships" xmlns:p="http://schemas.openxmlformats.org/presentationml/2006/main">
   <p:cSld>
     <p:spTree>
@@ -8222,7 +8454,7 @@
 </p:sld>
 </file>
 
-<file path=ppt/slides/slide23.xml><?xml version="1.0" encoding="utf-8"?>
+<file path=ppt/slides/slide24.xml><?xml version="1.0" encoding="utf-8"?>
 <p:sld xmlns:a="http://schemas.openxmlformats.org/drawingml/2006/main" xmlns:r="http://schemas.openxmlformats.org/officeDocument/2006/relationships" xmlns:p="http://schemas.openxmlformats.org/presentationml/2006/main">
   <p:cSld>
     <p:spTree>

--- a/notes/csc493-ln004.pptx
+++ b/notes/csc493-ln004.pptx
@@ -5,36 +5,41 @@
     <p:sldMasterId id="2147483651" r:id="rId1"/>
   </p:sldMasterIdLst>
   <p:notesMasterIdLst>
-    <p:notesMasterId r:id="rId26"/>
+    <p:notesMasterId r:id="rId31"/>
   </p:notesMasterIdLst>
   <p:handoutMasterIdLst>
-    <p:handoutMasterId r:id="rId27"/>
+    <p:handoutMasterId r:id="rId32"/>
   </p:handoutMasterIdLst>
   <p:sldIdLst>
-    <p:sldId id="256" r:id="rId2"/>
-    <p:sldId id="257" r:id="rId3"/>
-    <p:sldId id="258" r:id="rId4"/>
-    <p:sldId id="259" r:id="rId5"/>
-    <p:sldId id="260" r:id="rId6"/>
-    <p:sldId id="261" r:id="rId7"/>
-    <p:sldId id="262" r:id="rId8"/>
-    <p:sldId id="263" r:id="rId9"/>
-    <p:sldId id="264" r:id="rId10"/>
-    <p:sldId id="265" r:id="rId11"/>
-    <p:sldId id="279" r:id="rId12"/>
-    <p:sldId id="266" r:id="rId13"/>
-    <p:sldId id="267" r:id="rId14"/>
-    <p:sldId id="268" r:id="rId15"/>
-    <p:sldId id="269" r:id="rId16"/>
-    <p:sldId id="270" r:id="rId17"/>
-    <p:sldId id="271" r:id="rId18"/>
-    <p:sldId id="272" r:id="rId19"/>
-    <p:sldId id="273" r:id="rId20"/>
-    <p:sldId id="277" r:id="rId21"/>
-    <p:sldId id="278" r:id="rId22"/>
-    <p:sldId id="274" r:id="rId23"/>
-    <p:sldId id="275" r:id="rId24"/>
-    <p:sldId id="276" r:id="rId25"/>
+    <p:sldId id="280" r:id="rId2"/>
+    <p:sldId id="256" r:id="rId3"/>
+    <p:sldId id="257" r:id="rId4"/>
+    <p:sldId id="281" r:id="rId5"/>
+    <p:sldId id="282" r:id="rId6"/>
+    <p:sldId id="283" r:id="rId7"/>
+    <p:sldId id="284" r:id="rId8"/>
+    <p:sldId id="285" r:id="rId9"/>
+    <p:sldId id="259" r:id="rId10"/>
+    <p:sldId id="260" r:id="rId11"/>
+    <p:sldId id="261" r:id="rId12"/>
+    <p:sldId id="262" r:id="rId13"/>
+    <p:sldId id="263" r:id="rId14"/>
+    <p:sldId id="264" r:id="rId15"/>
+    <p:sldId id="265" r:id="rId16"/>
+    <p:sldId id="279" r:id="rId17"/>
+    <p:sldId id="266" r:id="rId18"/>
+    <p:sldId id="267" r:id="rId19"/>
+    <p:sldId id="268" r:id="rId20"/>
+    <p:sldId id="269" r:id="rId21"/>
+    <p:sldId id="270" r:id="rId22"/>
+    <p:sldId id="271" r:id="rId23"/>
+    <p:sldId id="272" r:id="rId24"/>
+    <p:sldId id="273" r:id="rId25"/>
+    <p:sldId id="277" r:id="rId26"/>
+    <p:sldId id="278" r:id="rId27"/>
+    <p:sldId id="274" r:id="rId28"/>
+    <p:sldId id="275" r:id="rId29"/>
+    <p:sldId id="276" r:id="rId30"/>
   </p:sldIdLst>
   <p:sldSz cx="9144000" cy="6858000" type="screen4x3"/>
   <p:notesSz cx="6856413" cy="9083675"/>
@@ -5172,7 +5177,7 @@
           <p:cNvPr id="4" name="Title 3">
             <a:extLst>
               <a:ext uri="{FF2B5EF4-FFF2-40B4-BE49-F238E27FC236}">
-                <a16:creationId xmlns:a16="http://schemas.microsoft.com/office/drawing/2014/main" id="{7F14C117-E64C-9443-B959-83A13E1122A7}"/>
+                <a16:creationId xmlns:a16="http://schemas.microsoft.com/office/drawing/2014/main" id="{7C95A85F-037A-9C42-A1FE-23E60B343E26}"/>
               </a:ext>
             </a:extLst>
           </p:cNvPr>
@@ -5200,7 +5205,7 @@
           <p:cNvPr id="5" name="Content Placeholder 4">
             <a:extLst>
               <a:ext uri="{FF2B5EF4-FFF2-40B4-BE49-F238E27FC236}">
-                <a16:creationId xmlns:a16="http://schemas.microsoft.com/office/drawing/2014/main" id="{08A56178-6621-CC43-A78F-8CE2B5E9D498}"/>
+                <a16:creationId xmlns:a16="http://schemas.microsoft.com/office/drawing/2014/main" id="{401DDB50-10E1-694B-82BD-A8BDAAF3456D}"/>
               </a:ext>
             </a:extLst>
           </p:cNvPr>
@@ -5214,112 +5219,71 @@
         <p:spPr>
           <a:xfrm>
             <a:off x="1524000" y="1905000"/>
-            <a:ext cx="7010400" cy="4419600"/>
+            <a:ext cx="7010400" cy="2133600"/>
           </a:xfrm>
         </p:spPr>
         <p:txBody>
           <a:bodyPr>
-            <a:normAutofit fontScale="92500" lnSpcReduction="20000"/>
+            <a:normAutofit fontScale="85000" lnSpcReduction="10000"/>
           </a:bodyPr>
           <a:lstStyle/>
           <a:p>
-            <a:pPr algn="l"/>
-            <a:r>
-              <a:rPr lang="en-US" dirty="0"/>
-              <a:t>The let statement is a pattern-match statement in Asteroid,</a:t>
+            <a:r>
+              <a:rPr lang="en-US" dirty="0"/>
+              <a:t>Up till now we have used the let statement basically as an assignment statement into a single variable in the imperative fashion</a:t>
             </a:r>
             <a:br>
               <a:rPr lang="en-US" dirty="0"/>
             </a:br>
             <a:br>
-              <a:rPr lang="en-US" dirty="0">
-                <a:solidFill>
-                  <a:srgbClr val="404040"/>
-                </a:solidFill>
-                <a:latin typeface="Lato" panose="020F0502020204030203" pitchFamily="34" charset="0"/>
-              </a:rPr>
+              <a:rPr lang="en-US" dirty="0"/>
             </a:br>
             <a:r>
-              <a:rPr lang="en-US" dirty="0">
-                <a:solidFill>
-                  <a:srgbClr val="404040"/>
-                </a:solidFill>
-                <a:latin typeface="Lato" panose="020F0502020204030203" pitchFamily="34" charset="0"/>
-              </a:rPr>
-              <a:t>   </a:t>
-            </a:r>
-            <a:r>
-              <a:rPr lang="en-US" b="0" i="0" dirty="0">
-                <a:solidFill>
-                  <a:srgbClr val="404040"/>
-                </a:solidFill>
-                <a:effectLst/>
-                <a:latin typeface="Courier" pitchFamily="2" charset="0"/>
-              </a:rPr>
-              <a:t>let &lt;pattern&gt; = &lt;value&gt;.</a:t>
-            </a:r>
-            <a:r>
-              <a:rPr lang="en-US" b="0" i="0" dirty="0">
-                <a:solidFill>
-                  <a:srgbClr val="404040"/>
-                </a:solidFill>
-                <a:effectLst/>
-                <a:latin typeface="Lato" panose="020F0502020204030203" pitchFamily="34" charset="0"/>
-              </a:rPr>
-              <a:t> </a:t>
-            </a:r>
-            <a:br>
-              <a:rPr lang="en-US" b="0" i="0" dirty="0">
-                <a:solidFill>
-                  <a:srgbClr val="404040"/>
-                </a:solidFill>
-                <a:effectLst/>
-                <a:latin typeface="Lato" panose="020F0502020204030203" pitchFamily="34" charset="0"/>
-              </a:rPr>
-            </a:br>
-            <a:endParaRPr lang="en-US" b="0" i="0" dirty="0">
-              <a:solidFill>
-                <a:srgbClr val="404040"/>
-              </a:solidFill>
-              <a:effectLst/>
-              <a:latin typeface="Lato" panose="020F0502020204030203" pitchFamily="34" charset="0"/>
-            </a:endParaRPr>
-          </a:p>
-          <a:p>
-            <a:pPr algn="l"/>
-            <a:r>
-              <a:rPr lang="en-US" b="0" i="0" dirty="0">
-                <a:solidFill>
-                  <a:srgbClr val="404040"/>
-                </a:solidFill>
-                <a:effectLst/>
-                <a:latin typeface="Lato" panose="020F0502020204030203" pitchFamily="34" charset="0"/>
-              </a:rPr>
-              <a:t>where the pattern on the left side of the equal sign is matched against the value of the right side of the equal sign.</a:t>
-            </a:r>
-          </a:p>
-          <a:p>
-            <a:pPr algn="l"/>
-            <a:r>
-              <a:rPr lang="en-US" b="0" i="0" dirty="0">
-                <a:solidFill>
-                  <a:srgbClr val="404040"/>
-                </a:solidFill>
-                <a:effectLst/>
-                <a:latin typeface="Lato" panose="020F0502020204030203" pitchFamily="34" charset="0"/>
-              </a:rPr>
-              <a:t>Simple patterns are expressions that consist purely of constructors and variables </a:t>
-            </a:r>
-          </a:p>
-          <a:p>
-            <a:endParaRPr lang="en-US" dirty="0"/>
-          </a:p>
-        </p:txBody>
-      </p:sp>
+              <a:rPr lang="en-US" dirty="0"/>
+              <a:t>    let &lt;var&gt; = &lt;value&gt;.</a:t>
+            </a:r>
+          </a:p>
+        </p:txBody>
+      </p:sp>
+      <p:pic>
+        <p:nvPicPr>
+          <p:cNvPr id="6" name="Picture 5">
+            <a:extLst>
+              <a:ext uri="{FF2B5EF4-FFF2-40B4-BE49-F238E27FC236}">
+                <a16:creationId xmlns:a16="http://schemas.microsoft.com/office/drawing/2014/main" id="{FE50C705-1820-C74A-A0AE-76BB7873DD27}"/>
+              </a:ext>
+            </a:extLst>
+          </p:cNvPr>
+          <p:cNvPicPr>
+            <a:picLocks noChangeAspect="1"/>
+          </p:cNvPicPr>
+          <p:nvPr/>
+        </p:nvPicPr>
+        <p:blipFill>
+          <a:blip r:embed="rId2"/>
+          <a:stretch>
+            <a:fillRect/>
+          </a:stretch>
+        </p:blipFill>
+        <p:spPr>
+          <a:xfrm>
+            <a:off x="1143000" y="4543426"/>
+            <a:ext cx="5562600" cy="1193800"/>
+          </a:xfrm>
+          <a:prstGeom prst="rect">
+            <a:avLst/>
+          </a:prstGeom>
+          <a:ln>
+            <a:solidFill>
+              <a:schemeClr val="tx1"/>
+            </a:solidFill>
+          </a:ln>
+        </p:spPr>
+      </p:pic>
     </p:spTree>
     <p:extLst>
       <p:ext uri="{BB962C8B-B14F-4D97-AF65-F5344CB8AC3E}">
-        <p14:creationId xmlns:p14="http://schemas.microsoft.com/office/powerpoint/2010/main" val="3329633639"/>
+        <p14:creationId xmlns:p14="http://schemas.microsoft.com/office/powerpoint/2010/main" val="3988900717"/>
       </p:ext>
     </p:extLst>
   </p:cSld>
@@ -5351,7 +5315,7 @@
           <p:cNvPr id="2" name="Title 1">
             <a:extLst>
               <a:ext uri="{FF2B5EF4-FFF2-40B4-BE49-F238E27FC236}">
-                <a16:creationId xmlns:a16="http://schemas.microsoft.com/office/drawing/2014/main" id="{E8C29327-0FF2-D34A-A7BF-A39E5934A183}"/>
+                <a16:creationId xmlns:a16="http://schemas.microsoft.com/office/drawing/2014/main" id="{44969C8F-C644-7946-B4B0-381BB6051384}"/>
               </a:ext>
             </a:extLst>
           </p:cNvPr>
@@ -5362,59 +5326,31 @@
             <p:ph type="title"/>
           </p:nvPr>
         </p:nvSpPr>
-        <p:spPr/>
-        <p:txBody>
-          <a:bodyPr/>
-          <a:lstStyle/>
-          <a:p>
-            <a:r>
-              <a:rPr lang="en-US" dirty="0"/>
-              <a:t>Pattern Matching in Python</a:t>
-            </a:r>
-          </a:p>
-        </p:txBody>
-      </p:sp>
-      <p:sp>
-        <p:nvSpPr>
-          <p:cNvPr id="3" name="Content Placeholder 2">
-            <a:extLst>
-              <a:ext uri="{FF2B5EF4-FFF2-40B4-BE49-F238E27FC236}">
-                <a16:creationId xmlns:a16="http://schemas.microsoft.com/office/drawing/2014/main" id="{5B84DB07-3A63-5A4F-B3AF-2A2AFA8149CE}"/>
-              </a:ext>
-            </a:extLst>
-          </p:cNvPr>
-          <p:cNvSpPr>
-            <a:spLocks noGrp="1"/>
-          </p:cNvSpPr>
-          <p:nvPr>
-            <p:ph idx="1"/>
-          </p:nvPr>
-        </p:nvSpPr>
         <p:spPr>
           <a:xfrm>
-            <a:off x="1524000" y="1676400"/>
-            <a:ext cx="7010400" cy="838200"/>
-          </a:xfrm>
-        </p:spPr>
-        <p:txBody>
-          <a:bodyPr>
-            <a:normAutofit fontScale="92500" lnSpcReduction="20000"/>
+            <a:off x="1524000" y="190500"/>
+            <a:ext cx="7010400" cy="1527175"/>
+          </a:xfrm>
+        </p:spPr>
+        <p:txBody>
+          <a:bodyPr wrap="square" anchor="ctr">
+            <a:normAutofit/>
           </a:bodyPr>
           <a:lstStyle/>
           <a:p>
             <a:r>
               <a:rPr lang="en-US" dirty="0"/>
-              <a:t>The match statement as of 3.10 provides a bit more functionality</a:t>
+              <a:t>Basic Patterns</a:t>
             </a:r>
           </a:p>
         </p:txBody>
       </p:sp>
       <p:pic>
         <p:nvPicPr>
-          <p:cNvPr id="5" name="Picture 4">
-            <a:extLst>
-              <a:ext uri="{FF2B5EF4-FFF2-40B4-BE49-F238E27FC236}">
-                <a16:creationId xmlns:a16="http://schemas.microsoft.com/office/drawing/2014/main" id="{B21EEF00-80BA-C244-9D4F-C0381F7748A1}"/>
+          <p:cNvPr id="7" name="Picture 6">
+            <a:extLst>
+              <a:ext uri="{FF2B5EF4-FFF2-40B4-BE49-F238E27FC236}">
+                <a16:creationId xmlns:a16="http://schemas.microsoft.com/office/drawing/2014/main" id="{AFF26B33-87C9-1C43-9934-53C424D0E749}"/>
               </a:ext>
             </a:extLst>
           </p:cNvPr>
@@ -5431,136 +5367,185 @@
         </p:blipFill>
         <p:spPr>
           <a:xfrm>
-            <a:off x="381000" y="2616201"/>
-            <a:ext cx="4038600" cy="1727200"/>
-          </a:xfrm>
-          <a:prstGeom prst="rect">
-            <a:avLst/>
-          </a:prstGeom>
-          <a:ln>
-            <a:solidFill>
-              <a:schemeClr val="tx2"/>
-            </a:solidFill>
-          </a:ln>
-        </p:spPr>
-      </p:pic>
-      <p:pic>
-        <p:nvPicPr>
-          <p:cNvPr id="6" name="Picture 5">
-            <a:extLst>
-              <a:ext uri="{FF2B5EF4-FFF2-40B4-BE49-F238E27FC236}">
-                <a16:creationId xmlns:a16="http://schemas.microsoft.com/office/drawing/2014/main" id="{C9A4CF8E-8072-2441-8A24-6252220205E9}"/>
-              </a:ext>
-            </a:extLst>
-          </p:cNvPr>
-          <p:cNvPicPr>
-            <a:picLocks noChangeAspect="1"/>
-          </p:cNvPicPr>
-          <p:nvPr/>
-        </p:nvPicPr>
-        <p:blipFill>
-          <a:blip r:embed="rId3"/>
-          <a:stretch>
-            <a:fillRect/>
-          </a:stretch>
-        </p:blipFill>
-        <p:spPr>
-          <a:xfrm>
-            <a:off x="4267200" y="3048000"/>
-            <a:ext cx="4267200" cy="3447738"/>
-          </a:xfrm>
-          <a:prstGeom prst="rect">
-            <a:avLst/>
-          </a:prstGeom>
-          <a:ln>
-            <a:solidFill>
-              <a:schemeClr val="tx2"/>
-            </a:solidFill>
-          </a:ln>
-        </p:spPr>
-      </p:pic>
-      <p:sp>
-        <p:nvSpPr>
-          <p:cNvPr id="7" name="TextBox 6">
-            <a:extLst>
-              <a:ext uri="{FF2B5EF4-FFF2-40B4-BE49-F238E27FC236}">
-                <a16:creationId xmlns:a16="http://schemas.microsoft.com/office/drawing/2014/main" id="{FD410AAD-83B4-CA44-83CE-75DEFC18BA9B}"/>
-              </a:ext>
-            </a:extLst>
-          </p:cNvPr>
-          <p:cNvSpPr txBox="1"/>
-          <p:nvPr/>
-        </p:nvSpPr>
-        <p:spPr>
-          <a:xfrm>
-            <a:off x="246185" y="5990492"/>
-            <a:ext cx="2858475" cy="307777"/>
+            <a:off x="457200" y="1987678"/>
+            <a:ext cx="3733800" cy="3117722"/>
           </a:xfrm>
           <a:prstGeom prst="rect">
             <a:avLst/>
           </a:prstGeom>
           <a:noFill/>
-        </p:spPr>
-        <p:txBody>
-          <a:bodyPr wrap="none" rtlCol="0">
-            <a:spAutoFit/>
+          <a:ln>
+            <a:solidFill>
+              <a:schemeClr val="tx1"/>
+            </a:solidFill>
+          </a:ln>
+        </p:spPr>
+      </p:pic>
+      <p:sp>
+        <p:nvSpPr>
+          <p:cNvPr id="3" name="Content Placeholder 2">
+            <a:extLst>
+              <a:ext uri="{FF2B5EF4-FFF2-40B4-BE49-F238E27FC236}">
+                <a16:creationId xmlns:a16="http://schemas.microsoft.com/office/drawing/2014/main" id="{D1DA5083-17EB-1243-A0A4-6DD3250A0A56}"/>
+              </a:ext>
+            </a:extLst>
+          </p:cNvPr>
+          <p:cNvSpPr>
+            <a:spLocks noGrp="1"/>
+          </p:cNvSpPr>
+          <p:nvPr>
+            <p:ph sz="half" idx="2"/>
+          </p:nvPr>
+        </p:nvSpPr>
+        <p:spPr>
+          <a:xfrm>
+            <a:off x="4572000" y="1905000"/>
+            <a:ext cx="3962400" cy="4114800"/>
+          </a:xfrm>
+        </p:spPr>
+        <p:txBody>
+          <a:bodyPr wrap="square" anchor="t">
+            <a:normAutofit fontScale="85000" lnSpcReduction="20000"/>
           </a:bodyPr>
           <a:lstStyle/>
           <a:p>
             <a:r>
-              <a:rPr lang="en-US" sz="1400" dirty="0"/>
-              <a:t>https://</a:t>
-            </a:r>
-            <a:r>
-              <a:rPr lang="en-US" sz="1400" dirty="0" err="1"/>
-              <a:t>peps.python.org</a:t>
-            </a:r>
-            <a:r>
-              <a:rPr lang="en-US" sz="1400" dirty="0"/>
-              <a:t>/pep-0636/</a:t>
-            </a:r>
-          </a:p>
-        </p:txBody>
-      </p:sp>
-      <p:sp>
-        <p:nvSpPr>
-          <p:cNvPr id="8" name="TextBox 7">
-            <a:extLst>
-              <a:ext uri="{FF2B5EF4-FFF2-40B4-BE49-F238E27FC236}">
-                <a16:creationId xmlns:a16="http://schemas.microsoft.com/office/drawing/2014/main" id="{C87107F4-F5F0-B440-B5EC-0CB34E1615FB}"/>
-              </a:ext>
-            </a:extLst>
-          </p:cNvPr>
-          <p:cNvSpPr txBox="1"/>
+              <a:rPr lang="en-US" dirty="0"/>
+              <a:t>This also works for user defined structures/objects</a:t>
+            </a:r>
+          </a:p>
+          <a:p>
+            <a:r>
+              <a:rPr lang="en-US" dirty="0"/>
+              <a:t>The expression A(1,2) on the left side is considered a constructor and also a pattern</a:t>
+            </a:r>
+          </a:p>
+          <a:p>
+            <a:r>
+              <a:rPr lang="en-US" dirty="0"/>
+              <a:t>We can insert variables into the constructor, A(</a:t>
+            </a:r>
+            <a:r>
+              <a:rPr lang="en-US" dirty="0" err="1"/>
+              <a:t>x,y</a:t>
+            </a:r>
+            <a:r>
+              <a:rPr lang="en-US" dirty="0"/>
+              <a:t>), for easy access to the components of the object o</a:t>
+            </a:r>
+          </a:p>
+          <a:p>
+            <a:pPr lvl="1"/>
+            <a:r>
+              <a:rPr lang="en-US" b="1" dirty="0" err="1"/>
+              <a:t>destructuring</a:t>
+            </a:r>
+            <a:endParaRPr lang="en-US" b="1" dirty="0"/>
+          </a:p>
+        </p:txBody>
+      </p:sp>
+      <p:cxnSp>
+        <p:nvCxnSpPr>
+          <p:cNvPr id="10" name="Straight Arrow Connector 9">
+            <a:extLst>
+              <a:ext uri="{FF2B5EF4-FFF2-40B4-BE49-F238E27FC236}">
+                <a16:creationId xmlns:a16="http://schemas.microsoft.com/office/drawing/2014/main" id="{4CC7FE1A-F709-A240-9106-0E267F5E7ED3}"/>
+              </a:ext>
+            </a:extLst>
+          </p:cNvPr>
+          <p:cNvCxnSpPr>
+            <a:cxnSpLocks/>
+          </p:cNvCxnSpPr>
           <p:nvPr/>
-        </p:nvSpPr>
-        <p:spPr>
-          <a:xfrm>
-            <a:off x="6060831" y="2743200"/>
-            <a:ext cx="1646605" cy="307777"/>
-          </a:xfrm>
-          <a:prstGeom prst="rect">
+        </p:nvCxnSpPr>
+        <p:spPr bwMode="auto">
+          <a:xfrm flipH="1" flipV="1">
+            <a:off x="1752600" y="4191001"/>
+            <a:ext cx="2971800" cy="533399"/>
+          </a:xfrm>
+          <a:prstGeom prst="straightConnector1">
             <a:avLst/>
           </a:prstGeom>
-          <a:noFill/>
-        </p:spPr>
-        <p:txBody>
-          <a:bodyPr wrap="none" rtlCol="0">
-            <a:spAutoFit/>
-          </a:bodyPr>
-          <a:lstStyle/>
-          <a:p>
-            <a:r>
-              <a:rPr lang="en-US" sz="1400" dirty="0"/>
-              <a:t>ln004/destruct3.py</a:t>
-            </a:r>
-          </a:p>
-        </p:txBody>
-      </p:sp>
+          <a:solidFill>
+            <a:schemeClr val="accent1"/>
+          </a:solidFill>
+          <a:ln w="9525" cap="flat" cmpd="sng" algn="ctr">
+            <a:solidFill>
+              <a:schemeClr val="tx1"/>
+            </a:solidFill>
+            <a:prstDash val="solid"/>
+            <a:round/>
+            <a:headEnd type="none" w="med" len="med"/>
+            <a:tailEnd type="triangle"/>
+          </a:ln>
+          <a:effectLst/>
+          <a:extLst>
+            <a:ext uri="{AF507438-7753-43e0-B8FC-AC1667EBCBE1}">
+              <a14:hiddenEffects xmlns:a14="http://schemas.microsoft.com/office/drawing/2010/main" xmlns="">
+                <a:effectLst>
+                  <a:outerShdw blurRad="63500" dist="38099" dir="2700000" algn="ctr" rotWithShape="0">
+                    <a:schemeClr val="bg2">
+                      <a:alpha val="74998"/>
+                    </a:schemeClr>
+                  </a:outerShdw>
+                </a:effectLst>
+              </a14:hiddenEffects>
+            </a:ext>
+          </a:extLst>
+        </p:spPr>
+      </p:cxnSp>
+      <p:cxnSp>
+        <p:nvCxnSpPr>
+          <p:cNvPr id="12" name="Straight Arrow Connector 11">
+            <a:extLst>
+              <a:ext uri="{FF2B5EF4-FFF2-40B4-BE49-F238E27FC236}">
+                <a16:creationId xmlns:a16="http://schemas.microsoft.com/office/drawing/2014/main" id="{2613D899-8FEA-D847-BF4D-0EC349742B2F}"/>
+              </a:ext>
+            </a:extLst>
+          </p:cNvPr>
+          <p:cNvCxnSpPr/>
+          <p:nvPr/>
+        </p:nvCxnSpPr>
+        <p:spPr bwMode="auto">
+          <a:xfrm flipH="1">
+            <a:off x="2362200" y="3429000"/>
+            <a:ext cx="2438400" cy="457200"/>
+          </a:xfrm>
+          <a:prstGeom prst="straightConnector1">
+            <a:avLst/>
+          </a:prstGeom>
+          <a:solidFill>
+            <a:schemeClr val="accent1"/>
+          </a:solidFill>
+          <a:ln w="9525" cap="flat" cmpd="sng" algn="ctr">
+            <a:solidFill>
+              <a:schemeClr val="tx1"/>
+            </a:solidFill>
+            <a:prstDash val="solid"/>
+            <a:round/>
+            <a:headEnd type="none" w="med" len="med"/>
+            <a:tailEnd type="triangle"/>
+          </a:ln>
+          <a:effectLst/>
+          <a:extLst>
+            <a:ext uri="{AF507438-7753-43e0-B8FC-AC1667EBCBE1}">
+              <a14:hiddenEffects xmlns:a14="http://schemas.microsoft.com/office/drawing/2010/main" xmlns="">
+                <a:effectLst>
+                  <a:outerShdw blurRad="63500" dist="38099" dir="2700000" algn="ctr" rotWithShape="0">
+                    <a:schemeClr val="bg2">
+                      <a:alpha val="74998"/>
+                    </a:schemeClr>
+                  </a:outerShdw>
+                </a:effectLst>
+              </a14:hiddenEffects>
+            </a:ext>
+          </a:extLst>
+        </p:spPr>
+      </p:cxnSp>
     </p:spTree>
     <p:extLst>
       <p:ext uri="{BB962C8B-B14F-4D97-AF65-F5344CB8AC3E}">
-        <p14:creationId xmlns:p14="http://schemas.microsoft.com/office/powerpoint/2010/main" val="3899810227"/>
+        <p14:creationId xmlns:p14="http://schemas.microsoft.com/office/powerpoint/2010/main" val="609153235"/>
       </p:ext>
     </p:extLst>
   </p:cSld>
@@ -5589,10 +5574,10 @@
       </p:grpSpPr>
       <p:sp>
         <p:nvSpPr>
-          <p:cNvPr id="2" name="Title 1">
-            <a:extLst>
-              <a:ext uri="{FF2B5EF4-FFF2-40B4-BE49-F238E27FC236}">
-                <a16:creationId xmlns:a16="http://schemas.microsoft.com/office/drawing/2014/main" id="{96CD2FA5-F967-B640-AF84-20CD34541D5F}"/>
+          <p:cNvPr id="5" name="Title 4">
+            <a:extLst>
+              <a:ext uri="{FF2B5EF4-FFF2-40B4-BE49-F238E27FC236}">
+                <a16:creationId xmlns:a16="http://schemas.microsoft.com/office/drawing/2014/main" id="{1AF4F978-3E3C-7447-946F-559FC9D1C077}"/>
               </a:ext>
             </a:extLst>
           </p:cNvPr>
@@ -5609,18 +5594,19 @@
           <a:lstStyle/>
           <a:p>
             <a:r>
-              <a:rPr lang="en-US" dirty="0"/>
-              <a:t>Pattern Matching in Rust</a:t>
-            </a:r>
-          </a:p>
-        </p:txBody>
-      </p:sp>
-      <p:sp>
-        <p:nvSpPr>
-          <p:cNvPr id="3" name="Content Placeholder 2">
-            <a:extLst>
-              <a:ext uri="{FF2B5EF4-FFF2-40B4-BE49-F238E27FC236}">
-                <a16:creationId xmlns:a16="http://schemas.microsoft.com/office/drawing/2014/main" id="{35CAA96F-C6D7-9248-9A60-9A8AE269211D}"/>
+              <a:rPr lang="en-US" dirty="0" err="1"/>
+              <a:t>Destructuring</a:t>
+            </a:r>
+            <a:endParaRPr lang="en-US" dirty="0"/>
+          </a:p>
+        </p:txBody>
+      </p:sp>
+      <p:sp>
+        <p:nvSpPr>
+          <p:cNvPr id="6" name="Content Placeholder 5">
+            <a:extLst>
+              <a:ext uri="{FF2B5EF4-FFF2-40B4-BE49-F238E27FC236}">
+                <a16:creationId xmlns:a16="http://schemas.microsoft.com/office/drawing/2014/main" id="{69CD2371-8322-9A41-A719-261ECC263996}"/>
               </a:ext>
             </a:extLst>
           </p:cNvPr>
@@ -5634,26 +5620,42 @@
         <p:spPr>
           <a:xfrm>
             <a:off x="1524000" y="1905000"/>
-            <a:ext cx="7010400" cy="609600"/>
-          </a:xfrm>
-        </p:spPr>
-        <p:txBody>
-          <a:bodyPr/>
+            <a:ext cx="7010400" cy="1524000"/>
+          </a:xfrm>
+        </p:spPr>
+        <p:txBody>
+          <a:bodyPr>
+            <a:normAutofit fontScale="85000" lnSpcReduction="20000"/>
+          </a:bodyPr>
           <a:lstStyle/>
           <a:p>
             <a:r>
               <a:rPr lang="en-US" dirty="0"/>
-              <a:t>Rust also supports pattern matching</a:t>
+              <a:t>The idea of </a:t>
+            </a:r>
+            <a:r>
+              <a:rPr lang="en-US" dirty="0" err="1"/>
+              <a:t>destructuring</a:t>
+            </a:r>
+            <a:r>
+              <a:rPr lang="en-US" dirty="0"/>
+              <a:t> is fundamental to pattern matching</a:t>
+            </a:r>
+          </a:p>
+          <a:p>
+            <a:r>
+              <a:rPr lang="en-US" dirty="0"/>
+              <a:t>It makes access to substructures much more readable (and efficient).</a:t>
             </a:r>
           </a:p>
         </p:txBody>
       </p:sp>
       <p:pic>
         <p:nvPicPr>
-          <p:cNvPr id="4" name="Picture 3">
-            <a:extLst>
-              <a:ext uri="{FF2B5EF4-FFF2-40B4-BE49-F238E27FC236}">
-                <a16:creationId xmlns:a16="http://schemas.microsoft.com/office/drawing/2014/main" id="{DE8E6D5E-9011-5346-838C-8C3CA64040DE}"/>
+          <p:cNvPr id="7" name="Picture 6">
+            <a:extLst>
+              <a:ext uri="{FF2B5EF4-FFF2-40B4-BE49-F238E27FC236}">
+                <a16:creationId xmlns:a16="http://schemas.microsoft.com/office/drawing/2014/main" id="{125A6A26-A408-284D-A5D3-913E31B1906F}"/>
               </a:ext>
             </a:extLst>
           </p:cNvPr>
@@ -5670,8 +5672,8 @@
         </p:blipFill>
         <p:spPr>
           <a:xfrm>
-            <a:off x="3962400" y="2877771"/>
-            <a:ext cx="4773898" cy="3751629"/>
+            <a:off x="381000" y="3733800"/>
+            <a:ext cx="5080000" cy="1104900"/>
           </a:xfrm>
           <a:prstGeom prst="rect">
             <a:avLst/>
@@ -5683,12 +5685,51 @@
           </a:ln>
         </p:spPr>
       </p:pic>
+      <p:sp>
+        <p:nvSpPr>
+          <p:cNvPr id="8" name="TextBox 7">
+            <a:extLst>
+              <a:ext uri="{FF2B5EF4-FFF2-40B4-BE49-F238E27FC236}">
+                <a16:creationId xmlns:a16="http://schemas.microsoft.com/office/drawing/2014/main" id="{03756C8F-9F25-8C48-9322-F8715F3293D8}"/>
+              </a:ext>
+            </a:extLst>
+          </p:cNvPr>
+          <p:cNvSpPr txBox="1"/>
+          <p:nvPr/>
+        </p:nvSpPr>
+        <p:spPr>
+          <a:xfrm>
+            <a:off x="304800" y="3429000"/>
+            <a:ext cx="3369833" cy="338554"/>
+          </a:xfrm>
+          <a:prstGeom prst="rect">
+            <a:avLst/>
+          </a:prstGeom>
+          <a:noFill/>
+        </p:spPr>
+        <p:txBody>
+          <a:bodyPr wrap="none" rtlCol="0">
+            <a:spAutoFit/>
+          </a:bodyPr>
+          <a:lstStyle/>
+          <a:p>
+            <a:r>
+              <a:rPr lang="en-US" sz="1600" dirty="0">
+                <a:solidFill>
+                  <a:schemeClr val="tx2"/>
+                </a:solidFill>
+              </a:rPr>
+              <a:t>Without structural pattern matching</a:t>
+            </a:r>
+          </a:p>
+        </p:txBody>
+      </p:sp>
       <p:pic>
         <p:nvPicPr>
-          <p:cNvPr id="5" name="Picture 4">
-            <a:extLst>
-              <a:ext uri="{FF2B5EF4-FFF2-40B4-BE49-F238E27FC236}">
-                <a16:creationId xmlns:a16="http://schemas.microsoft.com/office/drawing/2014/main" id="{F54D7279-2489-3C44-BD42-D76496D6C499}"/>
+          <p:cNvPr id="9" name="Picture 8">
+            <a:extLst>
+              <a:ext uri="{FF2B5EF4-FFF2-40B4-BE49-F238E27FC236}">
+                <a16:creationId xmlns:a16="http://schemas.microsoft.com/office/drawing/2014/main" id="{F9B7DA3C-11B5-0647-A4C8-16EABDEC9869}"/>
               </a:ext>
             </a:extLst>
           </p:cNvPr>
@@ -5705,8 +5746,8 @@
         </p:blipFill>
         <p:spPr>
           <a:xfrm>
-            <a:off x="228600" y="2971800"/>
-            <a:ext cx="3073400" cy="1498600"/>
+            <a:off x="673100" y="5490602"/>
+            <a:ext cx="7861300" cy="863600"/>
           </a:xfrm>
           <a:prstGeom prst="rect">
             <a:avLst/>
@@ -5720,10 +5761,10 @@
       </p:pic>
       <p:sp>
         <p:nvSpPr>
-          <p:cNvPr id="6" name="TextBox 5">
-            <a:extLst>
-              <a:ext uri="{FF2B5EF4-FFF2-40B4-BE49-F238E27FC236}">
-                <a16:creationId xmlns:a16="http://schemas.microsoft.com/office/drawing/2014/main" id="{BAABA7D1-54A7-5A40-BF97-2C13B7519CB0}"/>
+          <p:cNvPr id="10" name="TextBox 9">
+            <a:extLst>
+              <a:ext uri="{FF2B5EF4-FFF2-40B4-BE49-F238E27FC236}">
+                <a16:creationId xmlns:a16="http://schemas.microsoft.com/office/drawing/2014/main" id="{162A76F6-7B4F-1847-A972-BC4167D54106}"/>
               </a:ext>
             </a:extLst>
           </p:cNvPr>
@@ -5732,8 +5773,8 @@
         </p:nvSpPr>
         <p:spPr>
           <a:xfrm>
-            <a:off x="6172200" y="2514600"/>
-            <a:ext cx="1606530" cy="307777"/>
+            <a:off x="533400" y="5152048"/>
+            <a:ext cx="3084499" cy="338554"/>
           </a:xfrm>
           <a:prstGeom prst="rect">
             <a:avLst/>
@@ -5747,18 +5788,22 @@
           <a:lstStyle/>
           <a:p>
             <a:r>
-              <a:rPr lang="en-US" sz="1400" dirty="0"/>
-              <a:t>ln004/destruct3.rs</a:t>
-            </a:r>
-          </a:p>
-        </p:txBody>
-      </p:sp>
-      <p:sp>
-        <p:nvSpPr>
-          <p:cNvPr id="7" name="TextBox 6">
-            <a:extLst>
-              <a:ext uri="{FF2B5EF4-FFF2-40B4-BE49-F238E27FC236}">
-                <a16:creationId xmlns:a16="http://schemas.microsoft.com/office/drawing/2014/main" id="{79027E54-9047-3340-9DFE-D76C7C826BCB}"/>
+              <a:rPr lang="en-US" sz="1600" dirty="0">
+                <a:solidFill>
+                  <a:schemeClr val="tx2"/>
+                </a:solidFill>
+              </a:rPr>
+              <a:t>With structural pattern matching</a:t>
+            </a:r>
+          </a:p>
+        </p:txBody>
+      </p:sp>
+      <p:sp>
+        <p:nvSpPr>
+          <p:cNvPr id="11" name="TextBox 10">
+            <a:extLst>
+              <a:ext uri="{FF2B5EF4-FFF2-40B4-BE49-F238E27FC236}">
+                <a16:creationId xmlns:a16="http://schemas.microsoft.com/office/drawing/2014/main" id="{F15D09DA-5460-484E-8453-0F4AE9159FD1}"/>
               </a:ext>
             </a:extLst>
           </p:cNvPr>
@@ -5767,8 +5812,8 @@
         </p:nvSpPr>
         <p:spPr>
           <a:xfrm>
-            <a:off x="1449103" y="2589311"/>
-            <a:ext cx="1705916" cy="307777"/>
+            <a:off x="5732585" y="4126523"/>
+            <a:ext cx="1696298" cy="307777"/>
           </a:xfrm>
           <a:prstGeom prst="rect">
             <a:avLst/>
@@ -5783,7 +5828,42 @@
           <a:p>
             <a:r>
               <a:rPr lang="en-US" sz="1400" dirty="0"/>
-              <a:t>ln004/destruct2.prs</a:t>
+              <a:t>ln004/destruct1.ast</a:t>
+            </a:r>
+          </a:p>
+        </p:txBody>
+      </p:sp>
+      <p:sp>
+        <p:nvSpPr>
+          <p:cNvPr id="12" name="TextBox 11">
+            <a:extLst>
+              <a:ext uri="{FF2B5EF4-FFF2-40B4-BE49-F238E27FC236}">
+                <a16:creationId xmlns:a16="http://schemas.microsoft.com/office/drawing/2014/main" id="{7BDF03C6-E031-374D-8349-8C7A0A611C66}"/>
+              </a:ext>
+            </a:extLst>
+          </p:cNvPr>
+          <p:cNvSpPr txBox="1"/>
+          <p:nvPr/>
+        </p:nvSpPr>
+        <p:spPr>
+          <a:xfrm>
+            <a:off x="6166338" y="5216769"/>
+            <a:ext cx="1696298" cy="307777"/>
+          </a:xfrm>
+          <a:prstGeom prst="rect">
+            <a:avLst/>
+          </a:prstGeom>
+          <a:noFill/>
+        </p:spPr>
+        <p:txBody>
+          <a:bodyPr wrap="none" rtlCol="0">
+            <a:spAutoFit/>
+          </a:bodyPr>
+          <a:lstStyle/>
+          <a:p>
+            <a:r>
+              <a:rPr lang="en-US" sz="1400" dirty="0"/>
+              <a:t>ln004/destruct2.ast</a:t>
             </a:r>
           </a:p>
         </p:txBody>
@@ -5791,7 +5871,7 @@
     </p:spTree>
     <p:extLst>
       <p:ext uri="{BB962C8B-B14F-4D97-AF65-F5344CB8AC3E}">
-        <p14:creationId xmlns:p14="http://schemas.microsoft.com/office/powerpoint/2010/main" val="1648020018"/>
+        <p14:creationId xmlns:p14="http://schemas.microsoft.com/office/powerpoint/2010/main" val="21942942"/>
       </p:ext>
     </p:extLst>
   </p:cSld>
@@ -5823,7 +5903,7 @@
           <p:cNvPr id="2" name="Title 1">
             <a:extLst>
               <a:ext uri="{FF2B5EF4-FFF2-40B4-BE49-F238E27FC236}">
-                <a16:creationId xmlns:a16="http://schemas.microsoft.com/office/drawing/2014/main" id="{AD848BFB-A2B4-FB48-BABF-BBD8D18B0699}"/>
+                <a16:creationId xmlns:a16="http://schemas.microsoft.com/office/drawing/2014/main" id="{87B2FF73-ABA1-8B4C-BBB2-1C960345FAA7}"/>
               </a:ext>
             </a:extLst>
           </p:cNvPr>
@@ -5834,21 +5914,48 @@
             <p:ph type="title"/>
           </p:nvPr>
         </p:nvSpPr>
+        <p:spPr/>
+        <p:txBody>
+          <a:bodyPr/>
+          <a:lstStyle/>
+          <a:p>
+            <a:r>
+              <a:rPr lang="en-US" dirty="0" err="1"/>
+              <a:t>Destructuring</a:t>
+            </a:r>
+            <a:endParaRPr lang="en-US" dirty="0"/>
+          </a:p>
+        </p:txBody>
+      </p:sp>
+      <p:sp>
+        <p:nvSpPr>
+          <p:cNvPr id="3" name="Content Placeholder 2">
+            <a:extLst>
+              <a:ext uri="{FF2B5EF4-FFF2-40B4-BE49-F238E27FC236}">
+                <a16:creationId xmlns:a16="http://schemas.microsoft.com/office/drawing/2014/main" id="{57910267-28F9-8944-ADDD-99D9FD7CFE00}"/>
+              </a:ext>
+            </a:extLst>
+          </p:cNvPr>
+          <p:cNvSpPr>
+            <a:spLocks noGrp="1"/>
+          </p:cNvSpPr>
+          <p:nvPr>
+            <p:ph idx="1"/>
+          </p:nvPr>
+        </p:nvSpPr>
         <p:spPr>
           <a:xfrm>
-            <a:off x="1524000" y="190500"/>
-            <a:ext cx="7010400" cy="1527175"/>
-          </a:xfrm>
-        </p:spPr>
-        <p:txBody>
-          <a:bodyPr wrap="square" anchor="ctr">
-            <a:normAutofit/>
-          </a:bodyPr>
+            <a:off x="1524000" y="1905000"/>
+            <a:ext cx="7010400" cy="1066800"/>
+          </a:xfrm>
+        </p:spPr>
+        <p:txBody>
+          <a:bodyPr/>
           <a:lstStyle/>
           <a:p>
             <a:r>
               <a:rPr lang="en-US" dirty="0"/>
-              <a:t>Conditional Pattern Matching</a:t>
+              <a:t>Here is another example using structures and objects</a:t>
             </a:r>
           </a:p>
         </p:txBody>
@@ -5858,7 +5965,7 @@
           <p:cNvPr id="4" name="Picture 3">
             <a:extLst>
               <a:ext uri="{FF2B5EF4-FFF2-40B4-BE49-F238E27FC236}">
-                <a16:creationId xmlns:a16="http://schemas.microsoft.com/office/drawing/2014/main" id="{D02E8CCF-CD44-E148-A19A-1E93996CC066}"/>
+                <a16:creationId xmlns:a16="http://schemas.microsoft.com/office/drawing/2014/main" id="{44BC914B-6B85-9E40-B4B4-5FE3B7AF3FA6}"/>
               </a:ext>
             </a:extLst>
           </p:cNvPr>
@@ -5875,94 +5982,8 @@
         </p:blipFill>
         <p:spPr>
           <a:xfrm>
-            <a:off x="304800" y="2133600"/>
-            <a:ext cx="4996726" cy="762000"/>
-          </a:xfrm>
-          <a:prstGeom prst="rect">
-            <a:avLst/>
-          </a:prstGeom>
-          <a:noFill/>
-          <a:ln>
-            <a:solidFill>
-              <a:schemeClr val="tx2"/>
-            </a:solidFill>
-          </a:ln>
-        </p:spPr>
-      </p:pic>
-      <p:sp>
-        <p:nvSpPr>
-          <p:cNvPr id="3" name="Content Placeholder 2">
-            <a:extLst>
-              <a:ext uri="{FF2B5EF4-FFF2-40B4-BE49-F238E27FC236}">
-                <a16:creationId xmlns:a16="http://schemas.microsoft.com/office/drawing/2014/main" id="{CA0B04DA-BCA8-264E-AE30-BDC19E610EB5}"/>
-              </a:ext>
-            </a:extLst>
-          </p:cNvPr>
-          <p:cNvSpPr>
-            <a:spLocks noGrp="1"/>
-          </p:cNvSpPr>
-          <p:nvPr>
-            <p:ph sz="half" idx="2"/>
-          </p:nvPr>
-        </p:nvSpPr>
-        <p:spPr>
-          <a:xfrm>
-            <a:off x="5301526" y="1905000"/>
-            <a:ext cx="3232874" cy="4114800"/>
-          </a:xfrm>
-        </p:spPr>
-        <p:txBody>
-          <a:bodyPr wrap="square" anchor="t">
-            <a:normAutofit/>
-          </a:bodyPr>
-          <a:lstStyle/>
-          <a:p>
-            <a:r>
-              <a:rPr lang="en-US" dirty="0"/>
-              <a:t>Only assign a pair if the two component values are the same</a:t>
-            </a:r>
-          </a:p>
-          <a:p>
-            <a:r>
-              <a:rPr lang="en-US" dirty="0"/>
-              <a:t>Only assign positive values to x</a:t>
-            </a:r>
-          </a:p>
-          <a:p>
-            <a:endParaRPr lang="en-US" dirty="0"/>
-          </a:p>
-          <a:p>
-            <a:endParaRPr lang="en-US" dirty="0"/>
-          </a:p>
-          <a:p>
-            <a:endParaRPr lang="en-US" dirty="0"/>
-          </a:p>
-        </p:txBody>
-      </p:sp>
-      <p:pic>
-        <p:nvPicPr>
-          <p:cNvPr id="5" name="Picture 4">
-            <a:extLst>
-              <a:ext uri="{FF2B5EF4-FFF2-40B4-BE49-F238E27FC236}">
-                <a16:creationId xmlns:a16="http://schemas.microsoft.com/office/drawing/2014/main" id="{6DA826A1-392C-F646-860F-C0593B3F8493}"/>
-              </a:ext>
-            </a:extLst>
-          </p:cNvPr>
-          <p:cNvPicPr>
-            <a:picLocks noChangeAspect="1"/>
-          </p:cNvPicPr>
-          <p:nvPr/>
-        </p:nvPicPr>
-        <p:blipFill>
-          <a:blip r:embed="rId3"/>
-          <a:stretch>
-            <a:fillRect/>
-          </a:stretch>
-        </p:blipFill>
-        <p:spPr>
-          <a:xfrm>
-            <a:off x="228600" y="3968018"/>
-            <a:ext cx="5181600" cy="783857"/>
+            <a:off x="990600" y="3186479"/>
+            <a:ext cx="6985000" cy="2794000"/>
           </a:xfrm>
           <a:prstGeom prst="rect">
             <a:avLst/>
@@ -5974,10 +5995,45 @@
           </a:ln>
         </p:spPr>
       </p:pic>
+      <p:sp>
+        <p:nvSpPr>
+          <p:cNvPr id="5" name="TextBox 4">
+            <a:extLst>
+              <a:ext uri="{FF2B5EF4-FFF2-40B4-BE49-F238E27FC236}">
+                <a16:creationId xmlns:a16="http://schemas.microsoft.com/office/drawing/2014/main" id="{3F30A8CC-F02F-474A-840E-8A807C395A5F}"/>
+              </a:ext>
+            </a:extLst>
+          </p:cNvPr>
+          <p:cNvSpPr txBox="1"/>
+          <p:nvPr/>
+        </p:nvSpPr>
+        <p:spPr>
+          <a:xfrm>
+            <a:off x="4091354" y="6271846"/>
+            <a:ext cx="1696298" cy="307777"/>
+          </a:xfrm>
+          <a:prstGeom prst="rect">
+            <a:avLst/>
+          </a:prstGeom>
+          <a:noFill/>
+        </p:spPr>
+        <p:txBody>
+          <a:bodyPr wrap="none" rtlCol="0">
+            <a:spAutoFit/>
+          </a:bodyPr>
+          <a:lstStyle/>
+          <a:p>
+            <a:r>
+              <a:rPr lang="en-US" sz="1400" dirty="0"/>
+              <a:t>ln004/destruct3.ast</a:t>
+            </a:r>
+          </a:p>
+        </p:txBody>
+      </p:sp>
     </p:spTree>
     <p:extLst>
       <p:ext uri="{BB962C8B-B14F-4D97-AF65-F5344CB8AC3E}">
-        <p14:creationId xmlns:p14="http://schemas.microsoft.com/office/powerpoint/2010/main" val="2882422723"/>
+        <p14:creationId xmlns:p14="http://schemas.microsoft.com/office/powerpoint/2010/main" val="3185682571"/>
       </p:ext>
     </p:extLst>
   </p:cSld>
@@ -6009,7 +6065,7 @@
           <p:cNvPr id="2" name="Title 1">
             <a:extLst>
               <a:ext uri="{FF2B5EF4-FFF2-40B4-BE49-F238E27FC236}">
-                <a16:creationId xmlns:a16="http://schemas.microsoft.com/office/drawing/2014/main" id="{BD45E58E-66D4-284F-AEBB-EB5A327EB614}"/>
+                <a16:creationId xmlns:a16="http://schemas.microsoft.com/office/drawing/2014/main" id="{63E6D85F-5E84-D44B-9B5C-300F6E3DB4B4}"/>
               </a:ext>
             </a:extLst>
           </p:cNvPr>
@@ -6027,17 +6083,17 @@
           <a:p>
             <a:r>
               <a:rPr lang="en-US" dirty="0"/>
-              <a:t>The is Predicate &amp; Type Patterns</a:t>
-            </a:r>
-          </a:p>
-        </p:txBody>
-      </p:sp>
-      <p:sp>
-        <p:nvSpPr>
-          <p:cNvPr id="5" name="Content Placeholder 4">
-            <a:extLst>
-              <a:ext uri="{FF2B5EF4-FFF2-40B4-BE49-F238E27FC236}">
-                <a16:creationId xmlns:a16="http://schemas.microsoft.com/office/drawing/2014/main" id="{43BE0058-031C-9449-9E21-7B71C109C7A4}"/>
+              <a:t>Basic Pattern Matching Summary</a:t>
+            </a:r>
+          </a:p>
+        </p:txBody>
+      </p:sp>
+      <p:sp>
+        <p:nvSpPr>
+          <p:cNvPr id="3" name="Content Placeholder 2">
+            <a:extLst>
+              <a:ext uri="{FF2B5EF4-FFF2-40B4-BE49-F238E27FC236}">
+                <a16:creationId xmlns:a16="http://schemas.microsoft.com/office/drawing/2014/main" id="{9E6BF871-97CA-5F43-BEF7-D514A7A67A62}"/>
               </a:ext>
             </a:extLst>
           </p:cNvPr>
@@ -6048,152 +6104,108 @@
             <p:ph idx="1"/>
           </p:nvPr>
         </p:nvSpPr>
-        <p:spPr>
-          <a:xfrm>
-            <a:off x="1524000" y="1905000"/>
-            <a:ext cx="7010400" cy="3505200"/>
-          </a:xfrm>
-        </p:spPr>
-        <p:txBody>
-          <a:bodyPr/>
-          <a:lstStyle/>
-          <a:p>
-            <a:r>
-              <a:rPr lang="en-US" dirty="0"/>
-              <a:t>The is predicate is of the form</a:t>
-            </a:r>
-            <a:br>
-              <a:rPr lang="en-US" dirty="0"/>
-            </a:br>
-            <a:r>
-              <a:rPr lang="en-US" dirty="0"/>
-              <a:t>    &lt;value&gt; is &lt;pattern</a:t>
-            </a:r>
-            <a:br>
-              <a:rPr lang="en-US" dirty="0"/>
-            </a:br>
-            <a:r>
-              <a:rPr lang="en-US" dirty="0"/>
-              <a:t>and returns true if the value matches the pattern otherwise it will return false</a:t>
-            </a:r>
-          </a:p>
-          <a:p>
-            <a:r>
-              <a:rPr lang="en-US" dirty="0"/>
-              <a:t>The is predicate allows us to do pattern matching is expressions</a:t>
-            </a:r>
-          </a:p>
-        </p:txBody>
-      </p:sp>
-      <p:pic>
-        <p:nvPicPr>
-          <p:cNvPr id="7" name="Picture 6">
-            <a:extLst>
-              <a:ext uri="{FF2B5EF4-FFF2-40B4-BE49-F238E27FC236}">
-                <a16:creationId xmlns:a16="http://schemas.microsoft.com/office/drawing/2014/main" id="{81AAE521-5C3F-1441-A77E-88572B79191F}"/>
-              </a:ext>
-            </a:extLst>
-          </p:cNvPr>
-          <p:cNvPicPr>
-            <a:picLocks noChangeAspect="1"/>
-          </p:cNvPicPr>
-          <p:nvPr/>
-        </p:nvPicPr>
-        <p:blipFill>
-          <a:blip r:embed="rId2"/>
-          <a:stretch>
-            <a:fillRect/>
-          </a:stretch>
-        </p:blipFill>
-        <p:spPr>
-          <a:xfrm>
-            <a:off x="2819400" y="5422900"/>
-            <a:ext cx="2628900" cy="1244600"/>
-          </a:xfrm>
-          <a:prstGeom prst="rect">
-            <a:avLst/>
-          </a:prstGeom>
-          <a:ln>
-            <a:solidFill>
-              <a:schemeClr val="tx2"/>
-            </a:solidFill>
-          </a:ln>
-        </p:spPr>
-      </p:pic>
-      <p:sp>
-        <p:nvSpPr>
-          <p:cNvPr id="8" name="TextBox 7">
-            <a:extLst>
-              <a:ext uri="{FF2B5EF4-FFF2-40B4-BE49-F238E27FC236}">
-                <a16:creationId xmlns:a16="http://schemas.microsoft.com/office/drawing/2014/main" id="{5DE8BE3D-2D0B-4345-A8F1-8EC44E83068A}"/>
-              </a:ext>
-            </a:extLst>
-          </p:cNvPr>
-          <p:cNvSpPr txBox="1"/>
-          <p:nvPr/>
-        </p:nvSpPr>
-        <p:spPr>
-          <a:xfrm>
-            <a:off x="6858000" y="762000"/>
-            <a:ext cx="1923925" cy="1169551"/>
-          </a:xfrm>
-          <a:prstGeom prst="rect">
-            <a:avLst/>
-          </a:prstGeom>
-          <a:solidFill>
-            <a:schemeClr val="bg1"/>
-          </a:solidFill>
-          <a:ln>
-            <a:solidFill>
-              <a:schemeClr val="tx2"/>
-            </a:solidFill>
-          </a:ln>
-        </p:spPr>
-        <p:txBody>
-          <a:bodyPr wrap="none" rtlCol="0">
-            <a:spAutoFit/>
+        <p:spPr/>
+        <p:txBody>
+          <a:bodyPr>
+            <a:normAutofit fontScale="70000" lnSpcReduction="20000"/>
           </a:bodyPr>
           <a:lstStyle/>
           <a:p>
             <a:r>
-              <a:rPr lang="en-US" sz="1400" dirty="0"/>
-              <a:t>Note: a predicate is a</a:t>
+              <a:rPr lang="en-US" dirty="0"/>
+              <a:t>The let statement</a:t>
             </a:r>
             <a:br>
-              <a:rPr lang="en-US" sz="1400" dirty="0"/>
+              <a:rPr lang="en-US" dirty="0"/>
             </a:br>
             <a:r>
-              <a:rPr lang="en-US" sz="1400" dirty="0"/>
-              <a:t>function/operator that </a:t>
-            </a:r>
-            <a:br>
-              <a:rPr lang="en-US" sz="1400" dirty="0"/>
-            </a:br>
-            <a:r>
-              <a:rPr lang="en-US" sz="1400" dirty="0"/>
-              <a:t>always returns true or</a:t>
-            </a:r>
-            <a:br>
-              <a:rPr lang="en-US" sz="1400" dirty="0"/>
-            </a:br>
-            <a:r>
-              <a:rPr lang="en-US" sz="1400" dirty="0"/>
-              <a:t>false.  No other return</a:t>
-            </a:r>
-            <a:br>
-              <a:rPr lang="en-US" sz="1400" dirty="0"/>
-            </a:br>
-            <a:r>
-              <a:rPr lang="en-US" sz="1400" dirty="0"/>
-              <a:t>value is permitted.</a:t>
-            </a:r>
+              <a:rPr lang="en-US" dirty="0"/>
+              <a:t>    let &lt;pattern&gt; = value .</a:t>
+            </a:r>
+          </a:p>
+          <a:p>
+            <a:r>
+              <a:rPr lang="en-US" dirty="0"/>
+              <a:t>On the right side of equal sign constructors represent values</a:t>
+            </a:r>
+          </a:p>
+          <a:p>
+            <a:pPr lvl="1"/>
+            <a:r>
+              <a:rPr lang="en-US" dirty="0"/>
+              <a:t>Operators/functions are allowed</a:t>
+            </a:r>
+          </a:p>
+          <a:p>
+            <a:r>
+              <a:rPr lang="en-US" dirty="0"/>
+              <a:t>On the left side constructors represent structure</a:t>
+            </a:r>
+          </a:p>
+          <a:p>
+            <a:pPr lvl="1"/>
+            <a:r>
+              <a:rPr lang="en-US" dirty="0"/>
+              <a:t>Operators/functions are </a:t>
+            </a:r>
+            <a:r>
+              <a:rPr lang="en-US" b="1" dirty="0"/>
+              <a:t>not</a:t>
+            </a:r>
+            <a:r>
+              <a:rPr lang="en-US" dirty="0"/>
+              <a:t> allowed</a:t>
+            </a:r>
+          </a:p>
+          <a:p>
+            <a:pPr lvl="1"/>
+            <a:r>
+              <a:rPr lang="en-US" dirty="0"/>
+              <a:t>Constructors must minimally represent structure</a:t>
+            </a:r>
+          </a:p>
+          <a:p>
+            <a:r>
+              <a:rPr lang="en-US" dirty="0"/>
+              <a:t>Variables are allowed in patterns for partial matches/</a:t>
+            </a:r>
+            <a:r>
+              <a:rPr lang="en-US" dirty="0" err="1"/>
+              <a:t>destructuring</a:t>
+            </a:r>
+            <a:endParaRPr lang="en-US" dirty="0"/>
+          </a:p>
+          <a:p>
+            <a:r>
+              <a:rPr lang="en-US" dirty="0"/>
+              <a:t>Pattern matching is part of a programming paradigm called </a:t>
+            </a:r>
+            <a:r>
+              <a:rPr lang="en-US" b="1" dirty="0"/>
+              <a:t>declarative programming</a:t>
+            </a:r>
+          </a:p>
+          <a:p>
+            <a:pPr lvl="1"/>
+            <a:r>
+              <a:rPr lang="en-US" dirty="0"/>
+              <a:t>We will look at this more carefully when we examine control structures in Asteroid.</a:t>
+            </a:r>
+          </a:p>
+          <a:p>
+            <a:pPr lvl="1"/>
+            <a:endParaRPr lang="en-US" dirty="0"/>
+          </a:p>
+          <a:p>
+            <a:pPr lvl="1"/>
+            <a:endParaRPr lang="en-US" dirty="0"/>
           </a:p>
         </p:txBody>
       </p:sp>
     </p:spTree>
     <p:extLst>
       <p:ext uri="{BB962C8B-B14F-4D97-AF65-F5344CB8AC3E}">
-        <p14:creationId xmlns:p14="http://schemas.microsoft.com/office/powerpoint/2010/main" val="3295829166"/>
+        <p14:creationId xmlns:p14="http://schemas.microsoft.com/office/powerpoint/2010/main" val="3741227975"/>
       </p:ext>
     </p:extLst>
   </p:cSld>
@@ -6225,7 +6237,7 @@
           <p:cNvPr id="2" name="Title 1">
             <a:extLst>
               <a:ext uri="{FF2B5EF4-FFF2-40B4-BE49-F238E27FC236}">
-                <a16:creationId xmlns:a16="http://schemas.microsoft.com/office/drawing/2014/main" id="{BD45E58E-66D4-284F-AEBB-EB5A327EB614}"/>
+                <a16:creationId xmlns:a16="http://schemas.microsoft.com/office/drawing/2014/main" id="{E8C29327-0FF2-D34A-A7BF-A39E5934A183}"/>
               </a:ext>
             </a:extLst>
           </p:cNvPr>
@@ -6243,17 +6255,17 @@
           <a:p>
             <a:r>
               <a:rPr lang="en-US" dirty="0"/>
-              <a:t>The is Predicate &amp; Type Patterns</a:t>
-            </a:r>
-          </a:p>
-        </p:txBody>
-      </p:sp>
-      <p:sp>
-        <p:nvSpPr>
-          <p:cNvPr id="5" name="Content Placeholder 4">
-            <a:extLst>
-              <a:ext uri="{FF2B5EF4-FFF2-40B4-BE49-F238E27FC236}">
-                <a16:creationId xmlns:a16="http://schemas.microsoft.com/office/drawing/2014/main" id="{43BE0058-031C-9449-9E21-7B71C109C7A4}"/>
+              <a:t>Pattern Matching in Python</a:t>
+            </a:r>
+          </a:p>
+        </p:txBody>
+      </p:sp>
+      <p:sp>
+        <p:nvSpPr>
+          <p:cNvPr id="3" name="Content Placeholder 2">
+            <a:extLst>
+              <a:ext uri="{FF2B5EF4-FFF2-40B4-BE49-F238E27FC236}">
+                <a16:creationId xmlns:a16="http://schemas.microsoft.com/office/drawing/2014/main" id="{5B84DB07-3A63-5A4F-B3AF-2A2AFA8149CE}"/>
               </a:ext>
             </a:extLst>
           </p:cNvPr>
@@ -6266,65 +6278,44 @@
         </p:nvSpPr>
         <p:spPr>
           <a:xfrm>
-            <a:off x="1524000" y="1905000"/>
+            <a:off x="1524000" y="1676400"/>
             <a:ext cx="7010400" cy="1905000"/>
           </a:xfrm>
         </p:spPr>
         <p:txBody>
           <a:bodyPr>
-            <a:normAutofit fontScale="62500" lnSpcReduction="20000"/>
+            <a:normAutofit/>
           </a:bodyPr>
           <a:lstStyle/>
           <a:p>
             <a:r>
               <a:rPr lang="en-US" dirty="0"/>
-              <a:t>Type patterns are patterns of the form</a:t>
-            </a:r>
-            <a:br>
-              <a:rPr lang="en-US" dirty="0"/>
-            </a:br>
-            <a:r>
-              <a:rPr lang="en-US" dirty="0"/>
-              <a:t>   %&lt;type name&gt;</a:t>
-            </a:r>
-            <a:br>
-              <a:rPr lang="en-US" dirty="0"/>
-            </a:br>
-            <a:r>
-              <a:rPr lang="en-US" dirty="0"/>
-              <a:t>and match all instances of the &lt;type name&gt;</a:t>
-            </a:r>
-          </a:p>
-          <a:p>
-            <a:r>
-              <a:rPr lang="en-US" dirty="0"/>
-              <a:t>All built-in types have associated type patterns such as %integer, %real, %string etc.</a:t>
-            </a:r>
-          </a:p>
-          <a:p>
-            <a:r>
-              <a:rPr lang="en-US" dirty="0"/>
-              <a:t>User defined types are also supported,</a:t>
-            </a:r>
-            <a:br>
-              <a:rPr lang="en-US" dirty="0"/>
-            </a:br>
-            <a:r>
-              <a:rPr lang="en-US" dirty="0"/>
-              <a:t>   %&lt;user defined type name&gt;</a:t>
-            </a:r>
-          </a:p>
-          <a:p>
-            <a:endParaRPr lang="en-US" dirty="0"/>
+              <a:t>Limited pattern matching available with the assignment statement</a:t>
+            </a:r>
+          </a:p>
+          <a:p>
+            <a:pPr lvl="1"/>
+            <a:r>
+              <a:rPr lang="en-US" dirty="0"/>
+              <a:t>Called </a:t>
+            </a:r>
+            <a:r>
+              <a:rPr lang="en-US" b="1" dirty="0" err="1"/>
+              <a:t>destructuring</a:t>
+            </a:r>
+            <a:r>
+              <a:rPr lang="en-US" dirty="0"/>
+              <a:t> assignment</a:t>
+            </a:r>
           </a:p>
         </p:txBody>
       </p:sp>
       <p:pic>
         <p:nvPicPr>
-          <p:cNvPr id="3" name="Picture 2">
-            <a:extLst>
-              <a:ext uri="{FF2B5EF4-FFF2-40B4-BE49-F238E27FC236}">
-                <a16:creationId xmlns:a16="http://schemas.microsoft.com/office/drawing/2014/main" id="{387219F6-3021-1E4C-90DF-B8A249F3165E}"/>
+          <p:cNvPr id="5" name="Picture 4">
+            <a:extLst>
+              <a:ext uri="{FF2B5EF4-FFF2-40B4-BE49-F238E27FC236}">
+                <a16:creationId xmlns:a16="http://schemas.microsoft.com/office/drawing/2014/main" id="{1ABD9459-AC71-D24B-82C5-648CD3F83A8A}"/>
               </a:ext>
             </a:extLst>
           </p:cNvPr>
@@ -6333,16 +6324,15 @@
           </p:cNvPicPr>
           <p:nvPr/>
         </p:nvPicPr>
-        <p:blipFill>
+        <p:blipFill rotWithShape="1">
           <a:blip r:embed="rId2"/>
-          <a:stretch>
-            <a:fillRect/>
-          </a:stretch>
+          <a:srcRect t="3500"/>
+          <a:stretch/>
         </p:blipFill>
         <p:spPr>
           <a:xfrm>
-            <a:off x="381000" y="3733800"/>
-            <a:ext cx="7239000" cy="823126"/>
+            <a:off x="2895600" y="4000500"/>
+            <a:ext cx="2527300" cy="2451100"/>
           </a:xfrm>
           <a:prstGeom prst="rect">
             <a:avLst/>
@@ -6354,45 +6344,10 @@
           </a:ln>
         </p:spPr>
       </p:pic>
-      <p:pic>
-        <p:nvPicPr>
-          <p:cNvPr id="4" name="Picture 3">
-            <a:extLst>
-              <a:ext uri="{FF2B5EF4-FFF2-40B4-BE49-F238E27FC236}">
-                <a16:creationId xmlns:a16="http://schemas.microsoft.com/office/drawing/2014/main" id="{15BF67B0-6D28-AF48-BA26-3593D3997507}"/>
-              </a:ext>
-            </a:extLst>
-          </p:cNvPr>
-          <p:cNvPicPr>
-            <a:picLocks noChangeAspect="1"/>
-          </p:cNvPicPr>
-          <p:nvPr/>
-        </p:nvPicPr>
-        <p:blipFill>
-          <a:blip r:embed="rId3"/>
-          <a:stretch>
-            <a:fillRect/>
-          </a:stretch>
-        </p:blipFill>
-        <p:spPr>
-          <a:xfrm>
-            <a:off x="1089758" y="4712945"/>
-            <a:ext cx="7473950" cy="1954555"/>
-          </a:xfrm>
-          <a:prstGeom prst="rect">
-            <a:avLst/>
-          </a:prstGeom>
-          <a:ln>
-            <a:solidFill>
-              <a:schemeClr val="tx2"/>
-            </a:solidFill>
-          </a:ln>
-        </p:spPr>
-      </p:pic>
     </p:spTree>
     <p:extLst>
       <p:ext uri="{BB962C8B-B14F-4D97-AF65-F5344CB8AC3E}">
-        <p14:creationId xmlns:p14="http://schemas.microsoft.com/office/powerpoint/2010/main" val="3506047900"/>
+        <p14:creationId xmlns:p14="http://schemas.microsoft.com/office/powerpoint/2010/main" val="2121341352"/>
       </p:ext>
     </p:extLst>
   </p:cSld>
@@ -6424,7 +6379,7 @@
           <p:cNvPr id="2" name="Title 1">
             <a:extLst>
               <a:ext uri="{FF2B5EF4-FFF2-40B4-BE49-F238E27FC236}">
-                <a16:creationId xmlns:a16="http://schemas.microsoft.com/office/drawing/2014/main" id="{38B8FBF2-2788-6944-85A4-736AB1C73BC5}"/>
+                <a16:creationId xmlns:a16="http://schemas.microsoft.com/office/drawing/2014/main" id="{E8C29327-0FF2-D34A-A7BF-A39E5934A183}"/>
               </a:ext>
             </a:extLst>
           </p:cNvPr>
@@ -6442,7 +6397,7 @@
           <a:p>
             <a:r>
               <a:rPr lang="en-US" dirty="0"/>
-              <a:t>Advanced Pattern Match Expressions</a:t>
+              <a:t>Pattern Matching in Python</a:t>
             </a:r>
           </a:p>
         </p:txBody>
@@ -6452,7 +6407,7 @@
           <p:cNvPr id="3" name="Content Placeholder 2">
             <a:extLst>
               <a:ext uri="{FF2B5EF4-FFF2-40B4-BE49-F238E27FC236}">
-                <a16:creationId xmlns:a16="http://schemas.microsoft.com/office/drawing/2014/main" id="{99DE4156-25CE-5A46-B4D9-12D9CC6D2A5C}"/>
+                <a16:creationId xmlns:a16="http://schemas.microsoft.com/office/drawing/2014/main" id="{5B84DB07-3A63-5A4F-B3AF-2A2AFA8149CE}"/>
               </a:ext>
             </a:extLst>
           </p:cNvPr>
@@ -6465,35 +6420,29 @@
         </p:nvSpPr>
         <p:spPr>
           <a:xfrm>
-            <a:off x="1524000" y="1905000"/>
-            <a:ext cx="7010400" cy="2514600"/>
+            <a:off x="1524000" y="1676400"/>
+            <a:ext cx="7010400" cy="838200"/>
           </a:xfrm>
         </p:spPr>
         <p:txBody>
           <a:bodyPr>
-            <a:normAutofit fontScale="92500" lnSpcReduction="10000"/>
+            <a:normAutofit fontScale="92500" lnSpcReduction="20000"/>
           </a:bodyPr>
           <a:lstStyle/>
           <a:p>
             <a:r>
               <a:rPr lang="en-US" dirty="0"/>
-              <a:t>We can combine conditional pattern matching with type patterns and the is predicate to express sophisticated patterns</a:t>
-            </a:r>
-          </a:p>
-          <a:p>
-            <a:r>
-              <a:rPr lang="en-US" dirty="0"/>
-              <a:t>E.g., only assign a value to x if it is an integer value</a:t>
+              <a:t>The match statement as of 3.10 provides a bit more functionality</a:t>
             </a:r>
           </a:p>
         </p:txBody>
       </p:sp>
       <p:pic>
         <p:nvPicPr>
-          <p:cNvPr id="4" name="Picture 3">
-            <a:extLst>
-              <a:ext uri="{FF2B5EF4-FFF2-40B4-BE49-F238E27FC236}">
-                <a16:creationId xmlns:a16="http://schemas.microsoft.com/office/drawing/2014/main" id="{042AB9A8-F2E7-8C43-A782-35FC00F7CF82}"/>
+          <p:cNvPr id="5" name="Picture 4">
+            <a:extLst>
+              <a:ext uri="{FF2B5EF4-FFF2-40B4-BE49-F238E27FC236}">
+                <a16:creationId xmlns:a16="http://schemas.microsoft.com/office/drawing/2014/main" id="{B21EEF00-80BA-C244-9D4F-C0381F7748A1}"/>
               </a:ext>
             </a:extLst>
           </p:cNvPr>
@@ -6510,8 +6459,8 @@
         </p:blipFill>
         <p:spPr>
           <a:xfrm>
-            <a:off x="1327150" y="4606925"/>
-            <a:ext cx="6489700" cy="1422400"/>
+            <a:off x="381000" y="2616201"/>
+            <a:ext cx="4038600" cy="1727200"/>
           </a:xfrm>
           <a:prstGeom prst="rect">
             <a:avLst/>
@@ -6523,10 +6472,123 @@
           </a:ln>
         </p:spPr>
       </p:pic>
+      <p:pic>
+        <p:nvPicPr>
+          <p:cNvPr id="6" name="Picture 5">
+            <a:extLst>
+              <a:ext uri="{FF2B5EF4-FFF2-40B4-BE49-F238E27FC236}">
+                <a16:creationId xmlns:a16="http://schemas.microsoft.com/office/drawing/2014/main" id="{C9A4CF8E-8072-2441-8A24-6252220205E9}"/>
+              </a:ext>
+            </a:extLst>
+          </p:cNvPr>
+          <p:cNvPicPr>
+            <a:picLocks noChangeAspect="1"/>
+          </p:cNvPicPr>
+          <p:nvPr/>
+        </p:nvPicPr>
+        <p:blipFill>
+          <a:blip r:embed="rId3"/>
+          <a:stretch>
+            <a:fillRect/>
+          </a:stretch>
+        </p:blipFill>
+        <p:spPr>
+          <a:xfrm>
+            <a:off x="4267200" y="3048000"/>
+            <a:ext cx="4267200" cy="3447738"/>
+          </a:xfrm>
+          <a:prstGeom prst="rect">
+            <a:avLst/>
+          </a:prstGeom>
+          <a:ln>
+            <a:solidFill>
+              <a:schemeClr val="tx2"/>
+            </a:solidFill>
+          </a:ln>
+        </p:spPr>
+      </p:pic>
+      <p:sp>
+        <p:nvSpPr>
+          <p:cNvPr id="7" name="TextBox 6">
+            <a:extLst>
+              <a:ext uri="{FF2B5EF4-FFF2-40B4-BE49-F238E27FC236}">
+                <a16:creationId xmlns:a16="http://schemas.microsoft.com/office/drawing/2014/main" id="{FD410AAD-83B4-CA44-83CE-75DEFC18BA9B}"/>
+              </a:ext>
+            </a:extLst>
+          </p:cNvPr>
+          <p:cNvSpPr txBox="1"/>
+          <p:nvPr/>
+        </p:nvSpPr>
+        <p:spPr>
+          <a:xfrm>
+            <a:off x="246185" y="5990492"/>
+            <a:ext cx="2858475" cy="307777"/>
+          </a:xfrm>
+          <a:prstGeom prst="rect">
+            <a:avLst/>
+          </a:prstGeom>
+          <a:noFill/>
+        </p:spPr>
+        <p:txBody>
+          <a:bodyPr wrap="none" rtlCol="0">
+            <a:spAutoFit/>
+          </a:bodyPr>
+          <a:lstStyle/>
+          <a:p>
+            <a:r>
+              <a:rPr lang="en-US" sz="1400" dirty="0"/>
+              <a:t>https://</a:t>
+            </a:r>
+            <a:r>
+              <a:rPr lang="en-US" sz="1400" dirty="0" err="1"/>
+              <a:t>peps.python.org</a:t>
+            </a:r>
+            <a:r>
+              <a:rPr lang="en-US" sz="1400" dirty="0"/>
+              <a:t>/pep-0636/</a:t>
+            </a:r>
+          </a:p>
+        </p:txBody>
+      </p:sp>
+      <p:sp>
+        <p:nvSpPr>
+          <p:cNvPr id="8" name="TextBox 7">
+            <a:extLst>
+              <a:ext uri="{FF2B5EF4-FFF2-40B4-BE49-F238E27FC236}">
+                <a16:creationId xmlns:a16="http://schemas.microsoft.com/office/drawing/2014/main" id="{C87107F4-F5F0-B440-B5EC-0CB34E1615FB}"/>
+              </a:ext>
+            </a:extLst>
+          </p:cNvPr>
+          <p:cNvSpPr txBox="1"/>
+          <p:nvPr/>
+        </p:nvSpPr>
+        <p:spPr>
+          <a:xfrm>
+            <a:off x="6060831" y="2743200"/>
+            <a:ext cx="1646605" cy="307777"/>
+          </a:xfrm>
+          <a:prstGeom prst="rect">
+            <a:avLst/>
+          </a:prstGeom>
+          <a:noFill/>
+        </p:spPr>
+        <p:txBody>
+          <a:bodyPr wrap="none" rtlCol="0">
+            <a:spAutoFit/>
+          </a:bodyPr>
+          <a:lstStyle/>
+          <a:p>
+            <a:r>
+              <a:rPr lang="en-US" sz="1400" dirty="0"/>
+              <a:t>ln004/destruct3.py</a:t>
+            </a:r>
+          </a:p>
+        </p:txBody>
+      </p:sp>
     </p:spTree>
     <p:extLst>
       <p:ext uri="{BB962C8B-B14F-4D97-AF65-F5344CB8AC3E}">
-        <p14:creationId xmlns:p14="http://schemas.microsoft.com/office/powerpoint/2010/main" val="527991359"/>
+        <p14:creationId xmlns:p14="http://schemas.microsoft.com/office/powerpoint/2010/main" val="3899810227"/>
       </p:ext>
     </p:extLst>
   </p:cSld>
@@ -6558,7 +6620,7 @@
           <p:cNvPr id="2" name="Title 1">
             <a:extLst>
               <a:ext uri="{FF2B5EF4-FFF2-40B4-BE49-F238E27FC236}">
-                <a16:creationId xmlns:a16="http://schemas.microsoft.com/office/drawing/2014/main" id="{38B8FBF2-2788-6944-85A4-736AB1C73BC5}"/>
+                <a16:creationId xmlns:a16="http://schemas.microsoft.com/office/drawing/2014/main" id="{96CD2FA5-F967-B640-AF84-20CD34541D5F}"/>
               </a:ext>
             </a:extLst>
           </p:cNvPr>
@@ -6576,7 +6638,7 @@
           <a:p>
             <a:r>
               <a:rPr lang="en-US" dirty="0"/>
-              <a:t>Advanced Pattern Match Expressions</a:t>
+              <a:t>Pattern Matching in Rust</a:t>
             </a:r>
           </a:p>
         </p:txBody>
@@ -6586,7 +6648,7 @@
           <p:cNvPr id="3" name="Content Placeholder 2">
             <a:extLst>
               <a:ext uri="{FF2B5EF4-FFF2-40B4-BE49-F238E27FC236}">
-                <a16:creationId xmlns:a16="http://schemas.microsoft.com/office/drawing/2014/main" id="{99DE4156-25CE-5A46-B4D9-12D9CC6D2A5C}"/>
+                <a16:creationId xmlns:a16="http://schemas.microsoft.com/office/drawing/2014/main" id="{35CAA96F-C6D7-9248-9A60-9A8AE269211D}"/>
               </a:ext>
             </a:extLst>
           </p:cNvPr>
@@ -6600,28 +6662,26 @@
         <p:spPr>
           <a:xfrm>
             <a:off x="1524000" y="1905000"/>
-            <a:ext cx="7010400" cy="762000"/>
-          </a:xfrm>
-        </p:spPr>
-        <p:txBody>
-          <a:bodyPr>
-            <a:normAutofit/>
-          </a:bodyPr>
+            <a:ext cx="7010400" cy="609600"/>
+          </a:xfrm>
+        </p:spPr>
+        <p:txBody>
+          <a:bodyPr/>
           <a:lstStyle/>
           <a:p>
             <a:r>
               <a:rPr lang="en-US" dirty="0"/>
-              <a:t>Here are some additional examples,</a:t>
+              <a:t>Rust also supports pattern matching</a:t>
             </a:r>
           </a:p>
         </p:txBody>
       </p:sp>
       <p:pic>
         <p:nvPicPr>
-          <p:cNvPr id="5" name="Picture 4">
-            <a:extLst>
-              <a:ext uri="{FF2B5EF4-FFF2-40B4-BE49-F238E27FC236}">
-                <a16:creationId xmlns:a16="http://schemas.microsoft.com/office/drawing/2014/main" id="{C1C88CFB-FC12-204B-9F54-811B0900984A}"/>
+          <p:cNvPr id="4" name="Picture 3">
+            <a:extLst>
+              <a:ext uri="{FF2B5EF4-FFF2-40B4-BE49-F238E27FC236}">
+                <a16:creationId xmlns:a16="http://schemas.microsoft.com/office/drawing/2014/main" id="{DE8E6D5E-9011-5346-838C-8C3CA64040DE}"/>
               </a:ext>
             </a:extLst>
           </p:cNvPr>
@@ -6638,25 +6698,25 @@
         </p:blipFill>
         <p:spPr>
           <a:xfrm>
-            <a:off x="304800" y="2708031"/>
-            <a:ext cx="5067300" cy="673100"/>
+            <a:off x="3962400" y="2877771"/>
+            <a:ext cx="4773898" cy="3751629"/>
           </a:xfrm>
           <a:prstGeom prst="rect">
             <a:avLst/>
           </a:prstGeom>
           <a:ln>
             <a:solidFill>
-              <a:schemeClr val="tx2"/>
+              <a:schemeClr val="tx1"/>
             </a:solidFill>
           </a:ln>
         </p:spPr>
       </p:pic>
       <p:pic>
         <p:nvPicPr>
-          <p:cNvPr id="6" name="Picture 5">
-            <a:extLst>
-              <a:ext uri="{FF2B5EF4-FFF2-40B4-BE49-F238E27FC236}">
-                <a16:creationId xmlns:a16="http://schemas.microsoft.com/office/drawing/2014/main" id="{1D3CFE35-B4E8-424F-B4A1-6EBB08FE3A8E}"/>
+          <p:cNvPr id="5" name="Picture 4">
+            <a:extLst>
+              <a:ext uri="{FF2B5EF4-FFF2-40B4-BE49-F238E27FC236}">
+                <a16:creationId xmlns:a16="http://schemas.microsoft.com/office/drawing/2014/main" id="{F54D7279-2489-3C44-BD42-D76496D6C499}"/>
               </a:ext>
             </a:extLst>
           </p:cNvPr>
@@ -6673,25 +6733,25 @@
         </p:blipFill>
         <p:spPr>
           <a:xfrm>
-            <a:off x="1771650" y="4038600"/>
-            <a:ext cx="6515100" cy="2006600"/>
+            <a:off x="228600" y="2971800"/>
+            <a:ext cx="3073400" cy="1498600"/>
           </a:xfrm>
           <a:prstGeom prst="rect">
             <a:avLst/>
           </a:prstGeom>
           <a:ln>
             <a:solidFill>
-              <a:schemeClr val="tx2"/>
+              <a:schemeClr val="tx1"/>
             </a:solidFill>
           </a:ln>
         </p:spPr>
       </p:pic>
       <p:sp>
         <p:nvSpPr>
-          <p:cNvPr id="7" name="TextBox 6">
-            <a:extLst>
-              <a:ext uri="{FF2B5EF4-FFF2-40B4-BE49-F238E27FC236}">
-                <a16:creationId xmlns:a16="http://schemas.microsoft.com/office/drawing/2014/main" id="{4951B354-A5F6-A549-A108-76506E3E4DB7}"/>
+          <p:cNvPr id="6" name="TextBox 5">
+            <a:extLst>
+              <a:ext uri="{FF2B5EF4-FFF2-40B4-BE49-F238E27FC236}">
+                <a16:creationId xmlns:a16="http://schemas.microsoft.com/office/drawing/2014/main" id="{BAABA7D1-54A7-5A40-BF97-2C13B7519CB0}"/>
               </a:ext>
             </a:extLst>
           </p:cNvPr>
@@ -6700,8 +6760,8 @@
         </p:nvSpPr>
         <p:spPr>
           <a:xfrm>
-            <a:off x="1992923" y="6271846"/>
-            <a:ext cx="3370218" cy="338554"/>
+            <a:off x="6172200" y="2514600"/>
+            <a:ext cx="1606530" cy="307777"/>
           </a:xfrm>
           <a:prstGeom prst="rect">
             <a:avLst/>
@@ -6715,8 +6775,43 @@
           <a:lstStyle/>
           <a:p>
             <a:r>
-              <a:rPr lang="en-US" sz="1600" dirty="0"/>
-              <a:t>Note: ‘mod’ is the modulus function</a:t>
+              <a:rPr lang="en-US" sz="1400" dirty="0"/>
+              <a:t>ln004/destruct3.rs</a:t>
+            </a:r>
+          </a:p>
+        </p:txBody>
+      </p:sp>
+      <p:sp>
+        <p:nvSpPr>
+          <p:cNvPr id="7" name="TextBox 6">
+            <a:extLst>
+              <a:ext uri="{FF2B5EF4-FFF2-40B4-BE49-F238E27FC236}">
+                <a16:creationId xmlns:a16="http://schemas.microsoft.com/office/drawing/2014/main" id="{79027E54-9047-3340-9DFE-D76C7C826BCB}"/>
+              </a:ext>
+            </a:extLst>
+          </p:cNvPr>
+          <p:cNvSpPr txBox="1"/>
+          <p:nvPr/>
+        </p:nvSpPr>
+        <p:spPr>
+          <a:xfrm>
+            <a:off x="1449103" y="2589311"/>
+            <a:ext cx="1705916" cy="307777"/>
+          </a:xfrm>
+          <a:prstGeom prst="rect">
+            <a:avLst/>
+          </a:prstGeom>
+          <a:noFill/>
+        </p:spPr>
+        <p:txBody>
+          <a:bodyPr wrap="none" rtlCol="0">
+            <a:spAutoFit/>
+          </a:bodyPr>
+          <a:lstStyle/>
+          <a:p>
+            <a:r>
+              <a:rPr lang="en-US" sz="1400" dirty="0"/>
+              <a:t>ln004/destruct2.prs</a:t>
             </a:r>
           </a:p>
         </p:txBody>
@@ -6724,7 +6819,7 @@
     </p:spTree>
     <p:extLst>
       <p:ext uri="{BB962C8B-B14F-4D97-AF65-F5344CB8AC3E}">
-        <p14:creationId xmlns:p14="http://schemas.microsoft.com/office/powerpoint/2010/main" val="3020148784"/>
+        <p14:creationId xmlns:p14="http://schemas.microsoft.com/office/powerpoint/2010/main" val="1648020018"/>
       </p:ext>
     </p:extLst>
   </p:cSld>
@@ -6756,7 +6851,7 @@
           <p:cNvPr id="2" name="Title 1">
             <a:extLst>
               <a:ext uri="{FF2B5EF4-FFF2-40B4-BE49-F238E27FC236}">
-                <a16:creationId xmlns:a16="http://schemas.microsoft.com/office/drawing/2014/main" id="{69D8A802-1887-5C44-89B7-C430FD3E8CF1}"/>
+                <a16:creationId xmlns:a16="http://schemas.microsoft.com/office/drawing/2014/main" id="{AD848BFB-A2B4-FB48-BABF-BBD8D18B0699}"/>
               </a:ext>
             </a:extLst>
           </p:cNvPr>
@@ -6767,89 +6862,21 @@
             <p:ph type="title"/>
           </p:nvPr>
         </p:nvSpPr>
-        <p:spPr/>
-        <p:txBody>
-          <a:bodyPr/>
-          <a:lstStyle/>
-          <a:p>
-            <a:r>
-              <a:rPr lang="en-US" dirty="0"/>
-              <a:t>Named Patterns</a:t>
-            </a:r>
-          </a:p>
-        </p:txBody>
-      </p:sp>
-      <p:sp>
-        <p:nvSpPr>
-          <p:cNvPr id="3" name="Content Placeholder 2">
-            <a:extLst>
-              <a:ext uri="{FF2B5EF4-FFF2-40B4-BE49-F238E27FC236}">
-                <a16:creationId xmlns:a16="http://schemas.microsoft.com/office/drawing/2014/main" id="{E7A95868-7F6A-C846-8D8F-777179574524}"/>
-              </a:ext>
-            </a:extLst>
-          </p:cNvPr>
-          <p:cNvSpPr>
-            <a:spLocks noGrp="1"/>
-          </p:cNvSpPr>
-          <p:nvPr>
-            <p:ph idx="1"/>
-          </p:nvPr>
-        </p:nvSpPr>
         <p:spPr>
           <a:xfrm>
-            <a:off x="1524000" y="1905000"/>
-            <a:ext cx="7010400" cy="3048000"/>
-          </a:xfrm>
-        </p:spPr>
-        <p:txBody>
-          <a:bodyPr>
-            <a:normAutofit fontScale="92500" lnSpcReduction="20000"/>
+            <a:off x="1524000" y="190500"/>
+            <a:ext cx="7010400" cy="1527175"/>
+          </a:xfrm>
+        </p:spPr>
+        <p:txBody>
+          <a:bodyPr wrap="square" anchor="ctr">
+            <a:normAutofit/>
           </a:bodyPr>
           <a:lstStyle/>
           <a:p>
             <a:r>
               <a:rPr lang="en-US" dirty="0"/>
-              <a:t>The simple conditional pattern</a:t>
-            </a:r>
-            <a:br>
-              <a:rPr lang="en-US" dirty="0"/>
-            </a:br>
-            <a:r>
-              <a:rPr lang="en-US" dirty="0"/>
-              <a:t>   x if x is &lt;pattern&gt;</a:t>
-            </a:r>
-            <a:br>
-              <a:rPr lang="en-US" dirty="0"/>
-            </a:br>
-            <a:r>
-              <a:rPr lang="en-US" dirty="0"/>
-              <a:t>appears a lot in Asteroid programs</a:t>
-            </a:r>
-          </a:p>
-          <a:p>
-            <a:r>
-              <a:rPr lang="en-US" dirty="0"/>
-              <a:t>Named patterns of the form</a:t>
-            </a:r>
-            <a:br>
-              <a:rPr lang="en-US" dirty="0"/>
-            </a:br>
-            <a:r>
-              <a:rPr lang="en-US" dirty="0"/>
-              <a:t>   x:&lt;pattern&gt;</a:t>
-            </a:r>
-            <a:br>
-              <a:rPr lang="en-US" dirty="0"/>
-            </a:br>
-            <a:r>
-              <a:rPr lang="en-US" dirty="0"/>
-              <a:t>represent a shorthand for the simple conditional patterns above</a:t>
-            </a:r>
-          </a:p>
-          <a:p>
-            <a:r>
-              <a:rPr lang="en-US" dirty="0"/>
-              <a:t>E.g.</a:t>
+              <a:t>Conditional Pattern Matching</a:t>
             </a:r>
           </a:p>
         </p:txBody>
@@ -6859,7 +6886,7 @@
           <p:cNvPr id="4" name="Picture 3">
             <a:extLst>
               <a:ext uri="{FF2B5EF4-FFF2-40B4-BE49-F238E27FC236}">
-                <a16:creationId xmlns:a16="http://schemas.microsoft.com/office/drawing/2014/main" id="{4F12295A-5DFF-004B-8714-A589155DA3AF}"/>
+                <a16:creationId xmlns:a16="http://schemas.microsoft.com/office/drawing/2014/main" id="{D02E8CCF-CD44-E148-A19A-1E93996CC066}"/>
               </a:ext>
             </a:extLst>
           </p:cNvPr>
@@ -6876,8 +6903,94 @@
         </p:blipFill>
         <p:spPr>
           <a:xfrm>
-            <a:off x="2895600" y="4800600"/>
-            <a:ext cx="3644900" cy="1625600"/>
+            <a:off x="304800" y="2133600"/>
+            <a:ext cx="4996726" cy="762000"/>
+          </a:xfrm>
+          <a:prstGeom prst="rect">
+            <a:avLst/>
+          </a:prstGeom>
+          <a:noFill/>
+          <a:ln>
+            <a:solidFill>
+              <a:schemeClr val="tx2"/>
+            </a:solidFill>
+          </a:ln>
+        </p:spPr>
+      </p:pic>
+      <p:sp>
+        <p:nvSpPr>
+          <p:cNvPr id="3" name="Content Placeholder 2">
+            <a:extLst>
+              <a:ext uri="{FF2B5EF4-FFF2-40B4-BE49-F238E27FC236}">
+                <a16:creationId xmlns:a16="http://schemas.microsoft.com/office/drawing/2014/main" id="{CA0B04DA-BCA8-264E-AE30-BDC19E610EB5}"/>
+              </a:ext>
+            </a:extLst>
+          </p:cNvPr>
+          <p:cNvSpPr>
+            <a:spLocks noGrp="1"/>
+          </p:cNvSpPr>
+          <p:nvPr>
+            <p:ph sz="half" idx="2"/>
+          </p:nvPr>
+        </p:nvSpPr>
+        <p:spPr>
+          <a:xfrm>
+            <a:off x="5301526" y="1905000"/>
+            <a:ext cx="3232874" cy="4114800"/>
+          </a:xfrm>
+        </p:spPr>
+        <p:txBody>
+          <a:bodyPr wrap="square" anchor="t">
+            <a:normAutofit/>
+          </a:bodyPr>
+          <a:lstStyle/>
+          <a:p>
+            <a:r>
+              <a:rPr lang="en-US" dirty="0"/>
+              <a:t>Only assign a pair if the two component values are the same</a:t>
+            </a:r>
+          </a:p>
+          <a:p>
+            <a:r>
+              <a:rPr lang="en-US" dirty="0"/>
+              <a:t>Only assign positive values to x</a:t>
+            </a:r>
+          </a:p>
+          <a:p>
+            <a:endParaRPr lang="en-US" dirty="0"/>
+          </a:p>
+          <a:p>
+            <a:endParaRPr lang="en-US" dirty="0"/>
+          </a:p>
+          <a:p>
+            <a:endParaRPr lang="en-US" dirty="0"/>
+          </a:p>
+        </p:txBody>
+      </p:sp>
+      <p:pic>
+        <p:nvPicPr>
+          <p:cNvPr id="5" name="Picture 4">
+            <a:extLst>
+              <a:ext uri="{FF2B5EF4-FFF2-40B4-BE49-F238E27FC236}">
+                <a16:creationId xmlns:a16="http://schemas.microsoft.com/office/drawing/2014/main" id="{6DA826A1-392C-F646-860F-C0593B3F8493}"/>
+              </a:ext>
+            </a:extLst>
+          </p:cNvPr>
+          <p:cNvPicPr>
+            <a:picLocks noChangeAspect="1"/>
+          </p:cNvPicPr>
+          <p:nvPr/>
+        </p:nvPicPr>
+        <p:blipFill>
+          <a:blip r:embed="rId3"/>
+          <a:stretch>
+            <a:fillRect/>
+          </a:stretch>
+        </p:blipFill>
+        <p:spPr>
+          <a:xfrm>
+            <a:off x="228600" y="3968018"/>
+            <a:ext cx="5181600" cy="783857"/>
           </a:xfrm>
           <a:prstGeom prst="rect">
             <a:avLst/>
@@ -6892,7 +7005,7 @@
     </p:spTree>
     <p:extLst>
       <p:ext uri="{BB962C8B-B14F-4D97-AF65-F5344CB8AC3E}">
-        <p14:creationId xmlns:p14="http://schemas.microsoft.com/office/powerpoint/2010/main" val="2442529255"/>
+        <p14:creationId xmlns:p14="http://schemas.microsoft.com/office/powerpoint/2010/main" val="2882422723"/>
       </p:ext>
     </p:extLst>
   </p:cSld>
@@ -6924,7 +7037,7 @@
           <p:cNvPr id="2" name="Title 1">
             <a:extLst>
               <a:ext uri="{FF2B5EF4-FFF2-40B4-BE49-F238E27FC236}">
-                <a16:creationId xmlns:a16="http://schemas.microsoft.com/office/drawing/2014/main" id="{69D8A802-1887-5C44-89B7-C430FD3E8CF1}"/>
+                <a16:creationId xmlns:a16="http://schemas.microsoft.com/office/drawing/2014/main" id="{BD45E58E-66D4-284F-AEBB-EB5A327EB614}"/>
               </a:ext>
             </a:extLst>
           </p:cNvPr>
@@ -6942,17 +7055,17 @@
           <a:p>
             <a:r>
               <a:rPr lang="en-US" dirty="0"/>
-              <a:t>Named Patterns</a:t>
-            </a:r>
-          </a:p>
-        </p:txBody>
-      </p:sp>
-      <p:sp>
-        <p:nvSpPr>
-          <p:cNvPr id="3" name="Content Placeholder 2">
-            <a:extLst>
-              <a:ext uri="{FF2B5EF4-FFF2-40B4-BE49-F238E27FC236}">
-                <a16:creationId xmlns:a16="http://schemas.microsoft.com/office/drawing/2014/main" id="{E7A95868-7F6A-C846-8D8F-777179574524}"/>
+              <a:t>The is Predicate</a:t>
+            </a:r>
+          </a:p>
+        </p:txBody>
+      </p:sp>
+      <p:sp>
+        <p:nvSpPr>
+          <p:cNvPr id="5" name="Content Placeholder 4">
+            <a:extLst>
+              <a:ext uri="{FF2B5EF4-FFF2-40B4-BE49-F238E27FC236}">
+                <a16:creationId xmlns:a16="http://schemas.microsoft.com/office/drawing/2014/main" id="{43BE0058-031C-9449-9E21-7B71C109C7A4}"/>
               </a:ext>
             </a:extLst>
           </p:cNvPr>
@@ -6966,28 +7079,46 @@
         <p:spPr>
           <a:xfrm>
             <a:off x="1524000" y="1905000"/>
-            <a:ext cx="7010400" cy="1524000"/>
-          </a:xfrm>
-        </p:spPr>
-        <p:txBody>
-          <a:bodyPr>
-            <a:normAutofit/>
-          </a:bodyPr>
+            <a:ext cx="7010400" cy="3505200"/>
+          </a:xfrm>
+        </p:spPr>
+        <p:txBody>
+          <a:bodyPr/>
           <a:lstStyle/>
           <a:p>
             <a:r>
               <a:rPr lang="en-US" dirty="0"/>
-              <a:t>This shorthand notation is especially useful when combined with type patterns,</a:t>
+              <a:t>The is predicate is of the form</a:t>
+            </a:r>
+            <a:br>
+              <a:rPr lang="en-US" dirty="0"/>
+            </a:br>
+            <a:r>
+              <a:rPr lang="en-US" dirty="0"/>
+              <a:t>    &lt;value&gt; is &lt;pattern&gt;</a:t>
+            </a:r>
+            <a:br>
+              <a:rPr lang="en-US" dirty="0"/>
+            </a:br>
+            <a:r>
+              <a:rPr lang="en-US" dirty="0"/>
+              <a:t>and returns true if the value matches the pattern otherwise it will return false</a:t>
+            </a:r>
+          </a:p>
+          <a:p>
+            <a:r>
+              <a:rPr lang="en-US" dirty="0"/>
+              <a:t>The is predicate allows us to do pattern matching is expressions</a:t>
             </a:r>
           </a:p>
         </p:txBody>
       </p:sp>
       <p:pic>
         <p:nvPicPr>
-          <p:cNvPr id="5" name="Picture 4">
-            <a:extLst>
-              <a:ext uri="{FF2B5EF4-FFF2-40B4-BE49-F238E27FC236}">
-                <a16:creationId xmlns:a16="http://schemas.microsoft.com/office/drawing/2014/main" id="{57FD4B1D-ADB2-6443-B87E-4D51B91BE598}"/>
+          <p:cNvPr id="7" name="Picture 6">
+            <a:extLst>
+              <a:ext uri="{FF2B5EF4-FFF2-40B4-BE49-F238E27FC236}">
+                <a16:creationId xmlns:a16="http://schemas.microsoft.com/office/drawing/2014/main" id="{81AAE521-5C3F-1441-A77E-88572B79191F}"/>
               </a:ext>
             </a:extLst>
           </p:cNvPr>
@@ -7004,8 +7135,8 @@
         </p:blipFill>
         <p:spPr>
           <a:xfrm>
-            <a:off x="2362200" y="3962400"/>
-            <a:ext cx="3644900" cy="1625600"/>
+            <a:off x="2819400" y="5422900"/>
+            <a:ext cx="2628900" cy="1244600"/>
           </a:xfrm>
           <a:prstGeom prst="rect">
             <a:avLst/>
@@ -7017,10 +7148,80 @@
           </a:ln>
         </p:spPr>
       </p:pic>
+      <p:sp>
+        <p:nvSpPr>
+          <p:cNvPr id="8" name="TextBox 7">
+            <a:extLst>
+              <a:ext uri="{FF2B5EF4-FFF2-40B4-BE49-F238E27FC236}">
+                <a16:creationId xmlns:a16="http://schemas.microsoft.com/office/drawing/2014/main" id="{5DE8BE3D-2D0B-4345-A8F1-8EC44E83068A}"/>
+              </a:ext>
+            </a:extLst>
+          </p:cNvPr>
+          <p:cNvSpPr txBox="1"/>
+          <p:nvPr/>
+        </p:nvSpPr>
+        <p:spPr>
+          <a:xfrm>
+            <a:off x="6858000" y="762000"/>
+            <a:ext cx="1923925" cy="1169551"/>
+          </a:xfrm>
+          <a:prstGeom prst="rect">
+            <a:avLst/>
+          </a:prstGeom>
+          <a:solidFill>
+            <a:schemeClr val="bg1"/>
+          </a:solidFill>
+          <a:ln>
+            <a:solidFill>
+              <a:schemeClr val="tx2"/>
+            </a:solidFill>
+          </a:ln>
+        </p:spPr>
+        <p:txBody>
+          <a:bodyPr wrap="none" rtlCol="0">
+            <a:spAutoFit/>
+          </a:bodyPr>
+          <a:lstStyle/>
+          <a:p>
+            <a:r>
+              <a:rPr lang="en-US" sz="1400" dirty="0"/>
+              <a:t>Note: a predicate is a</a:t>
+            </a:r>
+            <a:br>
+              <a:rPr lang="en-US" sz="1400" dirty="0"/>
+            </a:br>
+            <a:r>
+              <a:rPr lang="en-US" sz="1400" dirty="0"/>
+              <a:t>function/operator that </a:t>
+            </a:r>
+            <a:br>
+              <a:rPr lang="en-US" sz="1400" dirty="0"/>
+            </a:br>
+            <a:r>
+              <a:rPr lang="en-US" sz="1400" dirty="0"/>
+              <a:t>always returns true or</a:t>
+            </a:r>
+            <a:br>
+              <a:rPr lang="en-US" sz="1400" dirty="0"/>
+            </a:br>
+            <a:r>
+              <a:rPr lang="en-US" sz="1400" dirty="0"/>
+              <a:t>false.  No other return</a:t>
+            </a:r>
+            <a:br>
+              <a:rPr lang="en-US" sz="1400" dirty="0"/>
+            </a:br>
+            <a:r>
+              <a:rPr lang="en-US" sz="1400" dirty="0"/>
+              <a:t>value is permitted.</a:t>
+            </a:r>
+          </a:p>
+        </p:txBody>
+      </p:sp>
     </p:spTree>
     <p:extLst>
       <p:ext uri="{BB962C8B-B14F-4D97-AF65-F5344CB8AC3E}">
-        <p14:creationId xmlns:p14="http://schemas.microsoft.com/office/powerpoint/2010/main" val="4050486953"/>
+        <p14:creationId xmlns:p14="http://schemas.microsoft.com/office/powerpoint/2010/main" val="3295829166"/>
       </p:ext>
     </p:extLst>
   </p:cSld>
@@ -7052,6 +7253,1012 @@
           <p:cNvPr id="2" name="Title 1">
             <a:extLst>
               <a:ext uri="{FF2B5EF4-FFF2-40B4-BE49-F238E27FC236}">
+                <a16:creationId xmlns:a16="http://schemas.microsoft.com/office/drawing/2014/main" id="{BD45E58E-66D4-284F-AEBB-EB5A327EB614}"/>
+              </a:ext>
+            </a:extLst>
+          </p:cNvPr>
+          <p:cNvSpPr>
+            <a:spLocks noGrp="1"/>
+          </p:cNvSpPr>
+          <p:nvPr>
+            <p:ph type="title"/>
+          </p:nvPr>
+        </p:nvSpPr>
+        <p:spPr/>
+        <p:txBody>
+          <a:bodyPr/>
+          <a:lstStyle/>
+          <a:p>
+            <a:r>
+              <a:rPr lang="en-US" dirty="0"/>
+              <a:t>Type Patterns</a:t>
+            </a:r>
+          </a:p>
+        </p:txBody>
+      </p:sp>
+      <p:sp>
+        <p:nvSpPr>
+          <p:cNvPr id="5" name="Content Placeholder 4">
+            <a:extLst>
+              <a:ext uri="{FF2B5EF4-FFF2-40B4-BE49-F238E27FC236}">
+                <a16:creationId xmlns:a16="http://schemas.microsoft.com/office/drawing/2014/main" id="{43BE0058-031C-9449-9E21-7B71C109C7A4}"/>
+              </a:ext>
+            </a:extLst>
+          </p:cNvPr>
+          <p:cNvSpPr>
+            <a:spLocks noGrp="1"/>
+          </p:cNvSpPr>
+          <p:nvPr>
+            <p:ph idx="1"/>
+          </p:nvPr>
+        </p:nvSpPr>
+        <p:spPr>
+          <a:xfrm>
+            <a:off x="1524000" y="1905000"/>
+            <a:ext cx="7010400" cy="1905000"/>
+          </a:xfrm>
+        </p:spPr>
+        <p:txBody>
+          <a:bodyPr>
+            <a:normAutofit fontScale="62500" lnSpcReduction="20000"/>
+          </a:bodyPr>
+          <a:lstStyle/>
+          <a:p>
+            <a:r>
+              <a:rPr lang="en-US" dirty="0"/>
+              <a:t>Type patterns are patterns of the form</a:t>
+            </a:r>
+            <a:br>
+              <a:rPr lang="en-US" dirty="0"/>
+            </a:br>
+            <a:r>
+              <a:rPr lang="en-US" dirty="0"/>
+              <a:t>   %&lt;type name&gt;</a:t>
+            </a:r>
+            <a:br>
+              <a:rPr lang="en-US" dirty="0"/>
+            </a:br>
+            <a:r>
+              <a:rPr lang="en-US" dirty="0"/>
+              <a:t>and match all instances of the &lt;type name&gt;</a:t>
+            </a:r>
+          </a:p>
+          <a:p>
+            <a:r>
+              <a:rPr lang="en-US" dirty="0"/>
+              <a:t>All built-in types have associated type patterns such as %integer, %real, %string etc.</a:t>
+            </a:r>
+          </a:p>
+          <a:p>
+            <a:r>
+              <a:rPr lang="en-US" dirty="0"/>
+              <a:t>User defined types are also supported,</a:t>
+            </a:r>
+            <a:br>
+              <a:rPr lang="en-US" dirty="0"/>
+            </a:br>
+            <a:r>
+              <a:rPr lang="en-US" dirty="0"/>
+              <a:t>   %&lt;user defined type name&gt;</a:t>
+            </a:r>
+          </a:p>
+          <a:p>
+            <a:endParaRPr lang="en-US" dirty="0"/>
+          </a:p>
+        </p:txBody>
+      </p:sp>
+      <p:pic>
+        <p:nvPicPr>
+          <p:cNvPr id="3" name="Picture 2">
+            <a:extLst>
+              <a:ext uri="{FF2B5EF4-FFF2-40B4-BE49-F238E27FC236}">
+                <a16:creationId xmlns:a16="http://schemas.microsoft.com/office/drawing/2014/main" id="{387219F6-3021-1E4C-90DF-B8A249F3165E}"/>
+              </a:ext>
+            </a:extLst>
+          </p:cNvPr>
+          <p:cNvPicPr>
+            <a:picLocks noChangeAspect="1"/>
+          </p:cNvPicPr>
+          <p:nvPr/>
+        </p:nvPicPr>
+        <p:blipFill>
+          <a:blip r:embed="rId2"/>
+          <a:stretch>
+            <a:fillRect/>
+          </a:stretch>
+        </p:blipFill>
+        <p:spPr>
+          <a:xfrm>
+            <a:off x="381000" y="3733800"/>
+            <a:ext cx="7239000" cy="823126"/>
+          </a:xfrm>
+          <a:prstGeom prst="rect">
+            <a:avLst/>
+          </a:prstGeom>
+          <a:ln>
+            <a:solidFill>
+              <a:schemeClr val="tx2"/>
+            </a:solidFill>
+          </a:ln>
+        </p:spPr>
+      </p:pic>
+      <p:pic>
+        <p:nvPicPr>
+          <p:cNvPr id="4" name="Picture 3">
+            <a:extLst>
+              <a:ext uri="{FF2B5EF4-FFF2-40B4-BE49-F238E27FC236}">
+                <a16:creationId xmlns:a16="http://schemas.microsoft.com/office/drawing/2014/main" id="{15BF67B0-6D28-AF48-BA26-3593D3997507}"/>
+              </a:ext>
+            </a:extLst>
+          </p:cNvPr>
+          <p:cNvPicPr>
+            <a:picLocks noChangeAspect="1"/>
+          </p:cNvPicPr>
+          <p:nvPr/>
+        </p:nvPicPr>
+        <p:blipFill>
+          <a:blip r:embed="rId3"/>
+          <a:stretch>
+            <a:fillRect/>
+          </a:stretch>
+        </p:blipFill>
+        <p:spPr>
+          <a:xfrm>
+            <a:off x="1089758" y="4712945"/>
+            <a:ext cx="7473950" cy="1954555"/>
+          </a:xfrm>
+          <a:prstGeom prst="rect">
+            <a:avLst/>
+          </a:prstGeom>
+          <a:ln>
+            <a:solidFill>
+              <a:schemeClr val="tx2"/>
+            </a:solidFill>
+          </a:ln>
+        </p:spPr>
+      </p:pic>
+    </p:spTree>
+    <p:extLst>
+      <p:ext uri="{BB962C8B-B14F-4D97-AF65-F5344CB8AC3E}">
+        <p14:creationId xmlns:p14="http://schemas.microsoft.com/office/powerpoint/2010/main" val="3506047900"/>
+      </p:ext>
+    </p:extLst>
+  </p:cSld>
+  <p:clrMapOvr>
+    <a:masterClrMapping/>
+  </p:clrMapOvr>
+</p:sld>
+</file>
+
+<file path=ppt/slides/slide2.xml><?xml version="1.0" encoding="utf-8"?>
+<p:sld xmlns:a="http://schemas.openxmlformats.org/drawingml/2006/main" xmlns:r="http://schemas.openxmlformats.org/officeDocument/2006/relationships" xmlns:p="http://schemas.openxmlformats.org/presentationml/2006/main">
+  <p:cSld>
+    <p:spTree>
+      <p:nvGrpSpPr>
+        <p:cNvPr id="1" name=""/>
+        <p:cNvGrpSpPr/>
+        <p:nvPr/>
+      </p:nvGrpSpPr>
+      <p:grpSpPr>
+        <a:xfrm>
+          <a:off x="0" y="0"/>
+          <a:ext cx="0" cy="0"/>
+          <a:chOff x="0" y="0"/>
+          <a:chExt cx="0" cy="0"/>
+        </a:xfrm>
+      </p:grpSpPr>
+      <p:sp>
+        <p:nvSpPr>
+          <p:cNvPr id="4" name="Title 3">
+            <a:extLst>
+              <a:ext uri="{FF2B5EF4-FFF2-40B4-BE49-F238E27FC236}">
+                <a16:creationId xmlns:a16="http://schemas.microsoft.com/office/drawing/2014/main" id="{7F14C117-E64C-9443-B959-83A13E1122A7}"/>
+              </a:ext>
+            </a:extLst>
+          </p:cNvPr>
+          <p:cNvSpPr>
+            <a:spLocks noGrp="1"/>
+          </p:cNvSpPr>
+          <p:nvPr>
+            <p:ph type="title"/>
+          </p:nvPr>
+        </p:nvSpPr>
+        <p:spPr/>
+        <p:txBody>
+          <a:bodyPr/>
+          <a:lstStyle/>
+          <a:p>
+            <a:r>
+              <a:rPr lang="en-US" dirty="0"/>
+              <a:t>The Let Statement &amp; Basic Pattern Matching</a:t>
+            </a:r>
+          </a:p>
+        </p:txBody>
+      </p:sp>
+      <p:sp>
+        <p:nvSpPr>
+          <p:cNvPr id="5" name="Content Placeholder 4">
+            <a:extLst>
+              <a:ext uri="{FF2B5EF4-FFF2-40B4-BE49-F238E27FC236}">
+                <a16:creationId xmlns:a16="http://schemas.microsoft.com/office/drawing/2014/main" id="{08A56178-6621-CC43-A78F-8CE2B5E9D498}"/>
+              </a:ext>
+            </a:extLst>
+          </p:cNvPr>
+          <p:cNvSpPr>
+            <a:spLocks noGrp="1"/>
+          </p:cNvSpPr>
+          <p:nvPr>
+            <p:ph idx="1"/>
+          </p:nvPr>
+        </p:nvSpPr>
+        <p:spPr>
+          <a:xfrm>
+            <a:off x="1524000" y="1905000"/>
+            <a:ext cx="7010400" cy="4419600"/>
+          </a:xfrm>
+        </p:spPr>
+        <p:txBody>
+          <a:bodyPr>
+            <a:normAutofit fontScale="92500" lnSpcReduction="20000"/>
+          </a:bodyPr>
+          <a:lstStyle/>
+          <a:p>
+            <a:pPr algn="l"/>
+            <a:r>
+              <a:rPr lang="en-US" dirty="0"/>
+              <a:t>However, the let statement is a pattern-match statement in Asteroid,</a:t>
+            </a:r>
+            <a:br>
+              <a:rPr lang="en-US" dirty="0"/>
+            </a:br>
+            <a:br>
+              <a:rPr lang="en-US" dirty="0">
+                <a:solidFill>
+                  <a:srgbClr val="404040"/>
+                </a:solidFill>
+                <a:latin typeface="Lato" panose="020F0502020204030203" pitchFamily="34" charset="0"/>
+              </a:rPr>
+            </a:br>
+            <a:r>
+              <a:rPr lang="en-US" dirty="0">
+                <a:solidFill>
+                  <a:srgbClr val="404040"/>
+                </a:solidFill>
+                <a:latin typeface="Lato" panose="020F0502020204030203" pitchFamily="34" charset="0"/>
+              </a:rPr>
+              <a:t>   </a:t>
+            </a:r>
+            <a:r>
+              <a:rPr lang="en-US" b="0" i="0" dirty="0">
+                <a:solidFill>
+                  <a:srgbClr val="404040"/>
+                </a:solidFill>
+                <a:effectLst/>
+                <a:latin typeface="Courier" pitchFamily="2" charset="0"/>
+              </a:rPr>
+              <a:t>let &lt;pattern&gt; = &lt;value&gt;.</a:t>
+            </a:r>
+            <a:r>
+              <a:rPr lang="en-US" b="0" i="0" dirty="0">
+                <a:solidFill>
+                  <a:srgbClr val="404040"/>
+                </a:solidFill>
+                <a:effectLst/>
+                <a:latin typeface="Lato" panose="020F0502020204030203" pitchFamily="34" charset="0"/>
+              </a:rPr>
+              <a:t> </a:t>
+            </a:r>
+            <a:br>
+              <a:rPr lang="en-US" b="0" i="0" dirty="0">
+                <a:solidFill>
+                  <a:srgbClr val="404040"/>
+                </a:solidFill>
+                <a:effectLst/>
+                <a:latin typeface="Lato" panose="020F0502020204030203" pitchFamily="34" charset="0"/>
+              </a:rPr>
+            </a:br>
+            <a:endParaRPr lang="en-US" b="0" i="0" dirty="0">
+              <a:solidFill>
+                <a:srgbClr val="404040"/>
+              </a:solidFill>
+              <a:effectLst/>
+              <a:latin typeface="Lato" panose="020F0502020204030203" pitchFamily="34" charset="0"/>
+            </a:endParaRPr>
+          </a:p>
+          <a:p>
+            <a:pPr algn="l"/>
+            <a:r>
+              <a:rPr lang="en-US" b="0" i="0" dirty="0">
+                <a:solidFill>
+                  <a:srgbClr val="404040"/>
+                </a:solidFill>
+                <a:effectLst/>
+                <a:latin typeface="Lato" panose="020F0502020204030203" pitchFamily="34" charset="0"/>
+              </a:rPr>
+              <a:t>where the pattern on the left side of the equal sign is matched against the value of the right side of the equal sign.</a:t>
+            </a:r>
+          </a:p>
+          <a:p>
+            <a:pPr algn="l"/>
+            <a:r>
+              <a:rPr lang="en-US" b="1" i="0" dirty="0">
+                <a:solidFill>
+                  <a:srgbClr val="404040"/>
+                </a:solidFill>
+                <a:effectLst/>
+                <a:latin typeface="Lato" panose="020F0502020204030203" pitchFamily="34" charset="0"/>
+              </a:rPr>
+              <a:t>Simple patterns are expressions that consist purely of constructors and variables </a:t>
+            </a:r>
+          </a:p>
+          <a:p>
+            <a:endParaRPr lang="en-US" dirty="0"/>
+          </a:p>
+        </p:txBody>
+      </p:sp>
+    </p:spTree>
+    <p:extLst>
+      <p:ext uri="{BB962C8B-B14F-4D97-AF65-F5344CB8AC3E}">
+        <p14:creationId xmlns:p14="http://schemas.microsoft.com/office/powerpoint/2010/main" val="3329633639"/>
+      </p:ext>
+    </p:extLst>
+  </p:cSld>
+  <p:clrMapOvr>
+    <a:masterClrMapping/>
+  </p:clrMapOvr>
+</p:sld>
+</file>
+
+<file path=ppt/slides/slide20.xml><?xml version="1.0" encoding="utf-8"?>
+<p:sld xmlns:a="http://schemas.openxmlformats.org/drawingml/2006/main" xmlns:r="http://schemas.openxmlformats.org/officeDocument/2006/relationships" xmlns:p="http://schemas.openxmlformats.org/presentationml/2006/main">
+  <p:cSld>
+    <p:spTree>
+      <p:nvGrpSpPr>
+        <p:cNvPr id="1" name=""/>
+        <p:cNvGrpSpPr/>
+        <p:nvPr/>
+      </p:nvGrpSpPr>
+      <p:grpSpPr>
+        <a:xfrm>
+          <a:off x="0" y="0"/>
+          <a:ext cx="0" cy="0"/>
+          <a:chOff x="0" y="0"/>
+          <a:chExt cx="0" cy="0"/>
+        </a:xfrm>
+      </p:grpSpPr>
+      <p:sp>
+        <p:nvSpPr>
+          <p:cNvPr id="2" name="Title 1">
+            <a:extLst>
+              <a:ext uri="{FF2B5EF4-FFF2-40B4-BE49-F238E27FC236}">
+                <a16:creationId xmlns:a16="http://schemas.microsoft.com/office/drawing/2014/main" id="{38B8FBF2-2788-6944-85A4-736AB1C73BC5}"/>
+              </a:ext>
+            </a:extLst>
+          </p:cNvPr>
+          <p:cNvSpPr>
+            <a:spLocks noGrp="1"/>
+          </p:cNvSpPr>
+          <p:nvPr>
+            <p:ph type="title"/>
+          </p:nvPr>
+        </p:nvSpPr>
+        <p:spPr/>
+        <p:txBody>
+          <a:bodyPr/>
+          <a:lstStyle/>
+          <a:p>
+            <a:r>
+              <a:rPr lang="en-US" dirty="0"/>
+              <a:t>Advanced Pattern Match Expressions</a:t>
+            </a:r>
+          </a:p>
+        </p:txBody>
+      </p:sp>
+      <p:sp>
+        <p:nvSpPr>
+          <p:cNvPr id="3" name="Content Placeholder 2">
+            <a:extLst>
+              <a:ext uri="{FF2B5EF4-FFF2-40B4-BE49-F238E27FC236}">
+                <a16:creationId xmlns:a16="http://schemas.microsoft.com/office/drawing/2014/main" id="{99DE4156-25CE-5A46-B4D9-12D9CC6D2A5C}"/>
+              </a:ext>
+            </a:extLst>
+          </p:cNvPr>
+          <p:cNvSpPr>
+            <a:spLocks noGrp="1"/>
+          </p:cNvSpPr>
+          <p:nvPr>
+            <p:ph idx="1"/>
+          </p:nvPr>
+        </p:nvSpPr>
+        <p:spPr>
+          <a:xfrm>
+            <a:off x="1524000" y="1905000"/>
+            <a:ext cx="7010400" cy="2514600"/>
+          </a:xfrm>
+        </p:spPr>
+        <p:txBody>
+          <a:bodyPr>
+            <a:normAutofit fontScale="92500" lnSpcReduction="10000"/>
+          </a:bodyPr>
+          <a:lstStyle/>
+          <a:p>
+            <a:r>
+              <a:rPr lang="en-US" dirty="0"/>
+              <a:t>We can combine conditional pattern matching with type patterns and the is predicate to express sophisticated patterns</a:t>
+            </a:r>
+          </a:p>
+          <a:p>
+            <a:r>
+              <a:rPr lang="en-US" dirty="0"/>
+              <a:t>E.g., only assign a value to x if it is an integer value</a:t>
+            </a:r>
+          </a:p>
+        </p:txBody>
+      </p:sp>
+      <p:pic>
+        <p:nvPicPr>
+          <p:cNvPr id="4" name="Picture 3">
+            <a:extLst>
+              <a:ext uri="{FF2B5EF4-FFF2-40B4-BE49-F238E27FC236}">
+                <a16:creationId xmlns:a16="http://schemas.microsoft.com/office/drawing/2014/main" id="{042AB9A8-F2E7-8C43-A782-35FC00F7CF82}"/>
+              </a:ext>
+            </a:extLst>
+          </p:cNvPr>
+          <p:cNvPicPr>
+            <a:picLocks noChangeAspect="1"/>
+          </p:cNvPicPr>
+          <p:nvPr/>
+        </p:nvPicPr>
+        <p:blipFill>
+          <a:blip r:embed="rId2"/>
+          <a:stretch>
+            <a:fillRect/>
+          </a:stretch>
+        </p:blipFill>
+        <p:spPr>
+          <a:xfrm>
+            <a:off x="1327150" y="4606925"/>
+            <a:ext cx="6489700" cy="1422400"/>
+          </a:xfrm>
+          <a:prstGeom prst="rect">
+            <a:avLst/>
+          </a:prstGeom>
+          <a:ln>
+            <a:solidFill>
+              <a:schemeClr val="tx2"/>
+            </a:solidFill>
+          </a:ln>
+        </p:spPr>
+      </p:pic>
+    </p:spTree>
+    <p:extLst>
+      <p:ext uri="{BB962C8B-B14F-4D97-AF65-F5344CB8AC3E}">
+        <p14:creationId xmlns:p14="http://schemas.microsoft.com/office/powerpoint/2010/main" val="527991359"/>
+      </p:ext>
+    </p:extLst>
+  </p:cSld>
+  <p:clrMapOvr>
+    <a:masterClrMapping/>
+  </p:clrMapOvr>
+</p:sld>
+</file>
+
+<file path=ppt/slides/slide21.xml><?xml version="1.0" encoding="utf-8"?>
+<p:sld xmlns:a="http://schemas.openxmlformats.org/drawingml/2006/main" xmlns:r="http://schemas.openxmlformats.org/officeDocument/2006/relationships" xmlns:p="http://schemas.openxmlformats.org/presentationml/2006/main">
+  <p:cSld>
+    <p:spTree>
+      <p:nvGrpSpPr>
+        <p:cNvPr id="1" name=""/>
+        <p:cNvGrpSpPr/>
+        <p:nvPr/>
+      </p:nvGrpSpPr>
+      <p:grpSpPr>
+        <a:xfrm>
+          <a:off x="0" y="0"/>
+          <a:ext cx="0" cy="0"/>
+          <a:chOff x="0" y="0"/>
+          <a:chExt cx="0" cy="0"/>
+        </a:xfrm>
+      </p:grpSpPr>
+      <p:sp>
+        <p:nvSpPr>
+          <p:cNvPr id="2" name="Title 1">
+            <a:extLst>
+              <a:ext uri="{FF2B5EF4-FFF2-40B4-BE49-F238E27FC236}">
+                <a16:creationId xmlns:a16="http://schemas.microsoft.com/office/drawing/2014/main" id="{38B8FBF2-2788-6944-85A4-736AB1C73BC5}"/>
+              </a:ext>
+            </a:extLst>
+          </p:cNvPr>
+          <p:cNvSpPr>
+            <a:spLocks noGrp="1"/>
+          </p:cNvSpPr>
+          <p:nvPr>
+            <p:ph type="title"/>
+          </p:nvPr>
+        </p:nvSpPr>
+        <p:spPr/>
+        <p:txBody>
+          <a:bodyPr/>
+          <a:lstStyle/>
+          <a:p>
+            <a:r>
+              <a:rPr lang="en-US" dirty="0"/>
+              <a:t>Advanced Pattern Match Expressions</a:t>
+            </a:r>
+          </a:p>
+        </p:txBody>
+      </p:sp>
+      <p:sp>
+        <p:nvSpPr>
+          <p:cNvPr id="3" name="Content Placeholder 2">
+            <a:extLst>
+              <a:ext uri="{FF2B5EF4-FFF2-40B4-BE49-F238E27FC236}">
+                <a16:creationId xmlns:a16="http://schemas.microsoft.com/office/drawing/2014/main" id="{99DE4156-25CE-5A46-B4D9-12D9CC6D2A5C}"/>
+              </a:ext>
+            </a:extLst>
+          </p:cNvPr>
+          <p:cNvSpPr>
+            <a:spLocks noGrp="1"/>
+          </p:cNvSpPr>
+          <p:nvPr>
+            <p:ph idx="1"/>
+          </p:nvPr>
+        </p:nvSpPr>
+        <p:spPr>
+          <a:xfrm>
+            <a:off x="1524000" y="1905000"/>
+            <a:ext cx="7010400" cy="762000"/>
+          </a:xfrm>
+        </p:spPr>
+        <p:txBody>
+          <a:bodyPr>
+            <a:normAutofit/>
+          </a:bodyPr>
+          <a:lstStyle/>
+          <a:p>
+            <a:r>
+              <a:rPr lang="en-US" dirty="0"/>
+              <a:t>Here are some additional examples,</a:t>
+            </a:r>
+          </a:p>
+        </p:txBody>
+      </p:sp>
+      <p:pic>
+        <p:nvPicPr>
+          <p:cNvPr id="5" name="Picture 4">
+            <a:extLst>
+              <a:ext uri="{FF2B5EF4-FFF2-40B4-BE49-F238E27FC236}">
+                <a16:creationId xmlns:a16="http://schemas.microsoft.com/office/drawing/2014/main" id="{C1C88CFB-FC12-204B-9F54-811B0900984A}"/>
+              </a:ext>
+            </a:extLst>
+          </p:cNvPr>
+          <p:cNvPicPr>
+            <a:picLocks noChangeAspect="1"/>
+          </p:cNvPicPr>
+          <p:nvPr/>
+        </p:nvPicPr>
+        <p:blipFill>
+          <a:blip r:embed="rId2"/>
+          <a:stretch>
+            <a:fillRect/>
+          </a:stretch>
+        </p:blipFill>
+        <p:spPr>
+          <a:xfrm>
+            <a:off x="304800" y="2708031"/>
+            <a:ext cx="5067300" cy="673100"/>
+          </a:xfrm>
+          <a:prstGeom prst="rect">
+            <a:avLst/>
+          </a:prstGeom>
+          <a:ln>
+            <a:solidFill>
+              <a:schemeClr val="tx2"/>
+            </a:solidFill>
+          </a:ln>
+        </p:spPr>
+      </p:pic>
+      <p:pic>
+        <p:nvPicPr>
+          <p:cNvPr id="6" name="Picture 5">
+            <a:extLst>
+              <a:ext uri="{FF2B5EF4-FFF2-40B4-BE49-F238E27FC236}">
+                <a16:creationId xmlns:a16="http://schemas.microsoft.com/office/drawing/2014/main" id="{1D3CFE35-B4E8-424F-B4A1-6EBB08FE3A8E}"/>
+              </a:ext>
+            </a:extLst>
+          </p:cNvPr>
+          <p:cNvPicPr>
+            <a:picLocks noChangeAspect="1"/>
+          </p:cNvPicPr>
+          <p:nvPr/>
+        </p:nvPicPr>
+        <p:blipFill>
+          <a:blip r:embed="rId3"/>
+          <a:stretch>
+            <a:fillRect/>
+          </a:stretch>
+        </p:blipFill>
+        <p:spPr>
+          <a:xfrm>
+            <a:off x="1771650" y="4038600"/>
+            <a:ext cx="6515100" cy="2006600"/>
+          </a:xfrm>
+          <a:prstGeom prst="rect">
+            <a:avLst/>
+          </a:prstGeom>
+          <a:ln>
+            <a:solidFill>
+              <a:schemeClr val="tx2"/>
+            </a:solidFill>
+          </a:ln>
+        </p:spPr>
+      </p:pic>
+      <p:sp>
+        <p:nvSpPr>
+          <p:cNvPr id="7" name="TextBox 6">
+            <a:extLst>
+              <a:ext uri="{FF2B5EF4-FFF2-40B4-BE49-F238E27FC236}">
+                <a16:creationId xmlns:a16="http://schemas.microsoft.com/office/drawing/2014/main" id="{4951B354-A5F6-A549-A108-76506E3E4DB7}"/>
+              </a:ext>
+            </a:extLst>
+          </p:cNvPr>
+          <p:cNvSpPr txBox="1"/>
+          <p:nvPr/>
+        </p:nvSpPr>
+        <p:spPr>
+          <a:xfrm>
+            <a:off x="1992923" y="6271846"/>
+            <a:ext cx="3370218" cy="338554"/>
+          </a:xfrm>
+          <a:prstGeom prst="rect">
+            <a:avLst/>
+          </a:prstGeom>
+          <a:noFill/>
+        </p:spPr>
+        <p:txBody>
+          <a:bodyPr wrap="none" rtlCol="0">
+            <a:spAutoFit/>
+          </a:bodyPr>
+          <a:lstStyle/>
+          <a:p>
+            <a:r>
+              <a:rPr lang="en-US" sz="1600" dirty="0"/>
+              <a:t>Note: ‘mod’ is the modulus function</a:t>
+            </a:r>
+          </a:p>
+        </p:txBody>
+      </p:sp>
+    </p:spTree>
+    <p:extLst>
+      <p:ext uri="{BB962C8B-B14F-4D97-AF65-F5344CB8AC3E}">
+        <p14:creationId xmlns:p14="http://schemas.microsoft.com/office/powerpoint/2010/main" val="3020148784"/>
+      </p:ext>
+    </p:extLst>
+  </p:cSld>
+  <p:clrMapOvr>
+    <a:masterClrMapping/>
+  </p:clrMapOvr>
+</p:sld>
+</file>
+
+<file path=ppt/slides/slide22.xml><?xml version="1.0" encoding="utf-8"?>
+<p:sld xmlns:a="http://schemas.openxmlformats.org/drawingml/2006/main" xmlns:r="http://schemas.openxmlformats.org/officeDocument/2006/relationships" xmlns:p="http://schemas.openxmlformats.org/presentationml/2006/main">
+  <p:cSld>
+    <p:spTree>
+      <p:nvGrpSpPr>
+        <p:cNvPr id="1" name=""/>
+        <p:cNvGrpSpPr/>
+        <p:nvPr/>
+      </p:nvGrpSpPr>
+      <p:grpSpPr>
+        <a:xfrm>
+          <a:off x="0" y="0"/>
+          <a:ext cx="0" cy="0"/>
+          <a:chOff x="0" y="0"/>
+          <a:chExt cx="0" cy="0"/>
+        </a:xfrm>
+      </p:grpSpPr>
+      <p:sp>
+        <p:nvSpPr>
+          <p:cNvPr id="2" name="Title 1">
+            <a:extLst>
+              <a:ext uri="{FF2B5EF4-FFF2-40B4-BE49-F238E27FC236}">
+                <a16:creationId xmlns:a16="http://schemas.microsoft.com/office/drawing/2014/main" id="{69D8A802-1887-5C44-89B7-C430FD3E8CF1}"/>
+              </a:ext>
+            </a:extLst>
+          </p:cNvPr>
+          <p:cNvSpPr>
+            <a:spLocks noGrp="1"/>
+          </p:cNvSpPr>
+          <p:nvPr>
+            <p:ph type="title"/>
+          </p:nvPr>
+        </p:nvSpPr>
+        <p:spPr/>
+        <p:txBody>
+          <a:bodyPr/>
+          <a:lstStyle/>
+          <a:p>
+            <a:r>
+              <a:rPr lang="en-US" dirty="0"/>
+              <a:t>Named Patterns</a:t>
+            </a:r>
+          </a:p>
+        </p:txBody>
+      </p:sp>
+      <p:sp>
+        <p:nvSpPr>
+          <p:cNvPr id="3" name="Content Placeholder 2">
+            <a:extLst>
+              <a:ext uri="{FF2B5EF4-FFF2-40B4-BE49-F238E27FC236}">
+                <a16:creationId xmlns:a16="http://schemas.microsoft.com/office/drawing/2014/main" id="{E7A95868-7F6A-C846-8D8F-777179574524}"/>
+              </a:ext>
+            </a:extLst>
+          </p:cNvPr>
+          <p:cNvSpPr>
+            <a:spLocks noGrp="1"/>
+          </p:cNvSpPr>
+          <p:nvPr>
+            <p:ph idx="1"/>
+          </p:nvPr>
+        </p:nvSpPr>
+        <p:spPr>
+          <a:xfrm>
+            <a:off x="1524000" y="1905000"/>
+            <a:ext cx="7010400" cy="3048000"/>
+          </a:xfrm>
+        </p:spPr>
+        <p:txBody>
+          <a:bodyPr>
+            <a:normAutofit fontScale="92500" lnSpcReduction="20000"/>
+          </a:bodyPr>
+          <a:lstStyle/>
+          <a:p>
+            <a:r>
+              <a:rPr lang="en-US" dirty="0"/>
+              <a:t>The simple conditional pattern</a:t>
+            </a:r>
+            <a:br>
+              <a:rPr lang="en-US" dirty="0"/>
+            </a:br>
+            <a:r>
+              <a:rPr lang="en-US" dirty="0"/>
+              <a:t>   x if x is &lt;pattern&gt;</a:t>
+            </a:r>
+            <a:br>
+              <a:rPr lang="en-US" dirty="0"/>
+            </a:br>
+            <a:r>
+              <a:rPr lang="en-US" dirty="0"/>
+              <a:t>appears a lot in Asteroid programs</a:t>
+            </a:r>
+          </a:p>
+          <a:p>
+            <a:r>
+              <a:rPr lang="en-US" dirty="0"/>
+              <a:t>Named patterns of the form</a:t>
+            </a:r>
+            <a:br>
+              <a:rPr lang="en-US" dirty="0"/>
+            </a:br>
+            <a:r>
+              <a:rPr lang="en-US" dirty="0"/>
+              <a:t>   x:&lt;pattern&gt;</a:t>
+            </a:r>
+            <a:br>
+              <a:rPr lang="en-US" dirty="0"/>
+            </a:br>
+            <a:r>
+              <a:rPr lang="en-US" dirty="0"/>
+              <a:t>represent a shorthand for the simple conditional pattern above</a:t>
+            </a:r>
+          </a:p>
+          <a:p>
+            <a:r>
+              <a:rPr lang="en-US" dirty="0"/>
+              <a:t>E.g.</a:t>
+            </a:r>
+          </a:p>
+        </p:txBody>
+      </p:sp>
+      <p:pic>
+        <p:nvPicPr>
+          <p:cNvPr id="4" name="Picture 3">
+            <a:extLst>
+              <a:ext uri="{FF2B5EF4-FFF2-40B4-BE49-F238E27FC236}">
+                <a16:creationId xmlns:a16="http://schemas.microsoft.com/office/drawing/2014/main" id="{4F12295A-5DFF-004B-8714-A589155DA3AF}"/>
+              </a:ext>
+            </a:extLst>
+          </p:cNvPr>
+          <p:cNvPicPr>
+            <a:picLocks noChangeAspect="1"/>
+          </p:cNvPicPr>
+          <p:nvPr/>
+        </p:nvPicPr>
+        <p:blipFill>
+          <a:blip r:embed="rId2"/>
+          <a:stretch>
+            <a:fillRect/>
+          </a:stretch>
+        </p:blipFill>
+        <p:spPr>
+          <a:xfrm>
+            <a:off x="2895600" y="4800600"/>
+            <a:ext cx="3644900" cy="1625600"/>
+          </a:xfrm>
+          <a:prstGeom prst="rect">
+            <a:avLst/>
+          </a:prstGeom>
+          <a:ln>
+            <a:solidFill>
+              <a:schemeClr val="tx2"/>
+            </a:solidFill>
+          </a:ln>
+        </p:spPr>
+      </p:pic>
+    </p:spTree>
+    <p:extLst>
+      <p:ext uri="{BB962C8B-B14F-4D97-AF65-F5344CB8AC3E}">
+        <p14:creationId xmlns:p14="http://schemas.microsoft.com/office/powerpoint/2010/main" val="2442529255"/>
+      </p:ext>
+    </p:extLst>
+  </p:cSld>
+  <p:clrMapOvr>
+    <a:masterClrMapping/>
+  </p:clrMapOvr>
+</p:sld>
+</file>
+
+<file path=ppt/slides/slide23.xml><?xml version="1.0" encoding="utf-8"?>
+<p:sld xmlns:a="http://schemas.openxmlformats.org/drawingml/2006/main" xmlns:r="http://schemas.openxmlformats.org/officeDocument/2006/relationships" xmlns:p="http://schemas.openxmlformats.org/presentationml/2006/main">
+  <p:cSld>
+    <p:spTree>
+      <p:nvGrpSpPr>
+        <p:cNvPr id="1" name=""/>
+        <p:cNvGrpSpPr/>
+        <p:nvPr/>
+      </p:nvGrpSpPr>
+      <p:grpSpPr>
+        <a:xfrm>
+          <a:off x="0" y="0"/>
+          <a:ext cx="0" cy="0"/>
+          <a:chOff x="0" y="0"/>
+          <a:chExt cx="0" cy="0"/>
+        </a:xfrm>
+      </p:grpSpPr>
+      <p:sp>
+        <p:nvSpPr>
+          <p:cNvPr id="2" name="Title 1">
+            <a:extLst>
+              <a:ext uri="{FF2B5EF4-FFF2-40B4-BE49-F238E27FC236}">
+                <a16:creationId xmlns:a16="http://schemas.microsoft.com/office/drawing/2014/main" id="{69D8A802-1887-5C44-89B7-C430FD3E8CF1}"/>
+              </a:ext>
+            </a:extLst>
+          </p:cNvPr>
+          <p:cNvSpPr>
+            <a:spLocks noGrp="1"/>
+          </p:cNvSpPr>
+          <p:nvPr>
+            <p:ph type="title"/>
+          </p:nvPr>
+        </p:nvSpPr>
+        <p:spPr/>
+        <p:txBody>
+          <a:bodyPr/>
+          <a:lstStyle/>
+          <a:p>
+            <a:r>
+              <a:rPr lang="en-US" dirty="0"/>
+              <a:t>Named Patterns</a:t>
+            </a:r>
+          </a:p>
+        </p:txBody>
+      </p:sp>
+      <p:sp>
+        <p:nvSpPr>
+          <p:cNvPr id="3" name="Content Placeholder 2">
+            <a:extLst>
+              <a:ext uri="{FF2B5EF4-FFF2-40B4-BE49-F238E27FC236}">
+                <a16:creationId xmlns:a16="http://schemas.microsoft.com/office/drawing/2014/main" id="{E7A95868-7F6A-C846-8D8F-777179574524}"/>
+              </a:ext>
+            </a:extLst>
+          </p:cNvPr>
+          <p:cNvSpPr>
+            <a:spLocks noGrp="1"/>
+          </p:cNvSpPr>
+          <p:nvPr>
+            <p:ph idx="1"/>
+          </p:nvPr>
+        </p:nvSpPr>
+        <p:spPr>
+          <a:xfrm>
+            <a:off x="1524000" y="1905000"/>
+            <a:ext cx="7010400" cy="1524000"/>
+          </a:xfrm>
+        </p:spPr>
+        <p:txBody>
+          <a:bodyPr>
+            <a:normAutofit/>
+          </a:bodyPr>
+          <a:lstStyle/>
+          <a:p>
+            <a:r>
+              <a:rPr lang="en-US" dirty="0"/>
+              <a:t>This shorthand notation is especially useful when combined with type patterns,</a:t>
+            </a:r>
+          </a:p>
+        </p:txBody>
+      </p:sp>
+      <p:pic>
+        <p:nvPicPr>
+          <p:cNvPr id="5" name="Picture 4">
+            <a:extLst>
+              <a:ext uri="{FF2B5EF4-FFF2-40B4-BE49-F238E27FC236}">
+                <a16:creationId xmlns:a16="http://schemas.microsoft.com/office/drawing/2014/main" id="{57FD4B1D-ADB2-6443-B87E-4D51B91BE598}"/>
+              </a:ext>
+            </a:extLst>
+          </p:cNvPr>
+          <p:cNvPicPr>
+            <a:picLocks noChangeAspect="1"/>
+          </p:cNvPicPr>
+          <p:nvPr/>
+        </p:nvPicPr>
+        <p:blipFill>
+          <a:blip r:embed="rId2"/>
+          <a:stretch>
+            <a:fillRect/>
+          </a:stretch>
+        </p:blipFill>
+        <p:spPr>
+          <a:xfrm>
+            <a:off x="2362200" y="3962400"/>
+            <a:ext cx="3644900" cy="1625600"/>
+          </a:xfrm>
+          <a:prstGeom prst="rect">
+            <a:avLst/>
+          </a:prstGeom>
+          <a:ln>
+            <a:solidFill>
+              <a:schemeClr val="tx2"/>
+            </a:solidFill>
+          </a:ln>
+        </p:spPr>
+      </p:pic>
+    </p:spTree>
+    <p:extLst>
+      <p:ext uri="{BB962C8B-B14F-4D97-AF65-F5344CB8AC3E}">
+        <p14:creationId xmlns:p14="http://schemas.microsoft.com/office/powerpoint/2010/main" val="4050486953"/>
+      </p:ext>
+    </p:extLst>
+  </p:cSld>
+  <p:clrMapOvr>
+    <a:masterClrMapping/>
+  </p:clrMapOvr>
+</p:sld>
+</file>
+
+<file path=ppt/slides/slide24.xml><?xml version="1.0" encoding="utf-8"?>
+<p:sld xmlns:a="http://schemas.openxmlformats.org/drawingml/2006/main" xmlns:r="http://schemas.openxmlformats.org/officeDocument/2006/relationships" xmlns:p="http://schemas.openxmlformats.org/presentationml/2006/main">
+  <p:cSld>
+    <p:spTree>
+      <p:nvGrpSpPr>
+        <p:cNvPr id="1" name=""/>
+        <p:cNvGrpSpPr/>
+        <p:nvPr/>
+      </p:nvGrpSpPr>
+      <p:grpSpPr>
+        <a:xfrm>
+          <a:off x="0" y="0"/>
+          <a:ext cx="0" cy="0"/>
+          <a:chOff x="0" y="0"/>
+          <a:chExt cx="0" cy="0"/>
+        </a:xfrm>
+      </p:grpSpPr>
+      <p:sp>
+        <p:nvSpPr>
+          <p:cNvPr id="2" name="Title 1">
+            <a:extLst>
+              <a:ext uri="{FF2B5EF4-FFF2-40B4-BE49-F238E27FC236}">
                 <a16:creationId xmlns:a16="http://schemas.microsoft.com/office/drawing/2014/main" id="{69D8A802-1887-5C44-89B7-C430FD3E8CF1}"/>
               </a:ext>
             </a:extLst>
@@ -7167,7 +8374,842 @@
 </p:sld>
 </file>
 
-<file path=ppt/slides/slide2.xml><?xml version="1.0" encoding="utf-8"?>
+<file path=ppt/slides/slide25.xml><?xml version="1.0" encoding="utf-8"?>
+<p:sld xmlns:a="http://schemas.openxmlformats.org/drawingml/2006/main" xmlns:r="http://schemas.openxmlformats.org/officeDocument/2006/relationships" xmlns:p="http://schemas.openxmlformats.org/presentationml/2006/main">
+  <p:cSld>
+    <p:spTree>
+      <p:nvGrpSpPr>
+        <p:cNvPr id="1" name=""/>
+        <p:cNvGrpSpPr/>
+        <p:nvPr/>
+      </p:nvGrpSpPr>
+      <p:grpSpPr>
+        <a:xfrm>
+          <a:off x="0" y="0"/>
+          <a:ext cx="0" cy="0"/>
+          <a:chOff x="0" y="0"/>
+          <a:chExt cx="0" cy="0"/>
+        </a:xfrm>
+      </p:grpSpPr>
+      <p:sp>
+        <p:nvSpPr>
+          <p:cNvPr id="2" name="Title 1">
+            <a:extLst>
+              <a:ext uri="{FF2B5EF4-FFF2-40B4-BE49-F238E27FC236}">
+                <a16:creationId xmlns:a16="http://schemas.microsoft.com/office/drawing/2014/main" id="{6195C51E-259E-9349-83AB-34F41AD10999}"/>
+              </a:ext>
+            </a:extLst>
+          </p:cNvPr>
+          <p:cNvSpPr>
+            <a:spLocks noGrp="1"/>
+          </p:cNvSpPr>
+          <p:nvPr>
+            <p:ph type="title"/>
+          </p:nvPr>
+        </p:nvSpPr>
+        <p:spPr/>
+        <p:txBody>
+          <a:bodyPr/>
+          <a:lstStyle/>
+          <a:p>
+            <a:r>
+              <a:rPr lang="en-US" dirty="0"/>
+              <a:t>Head-Tail Pattern</a:t>
+            </a:r>
+          </a:p>
+        </p:txBody>
+      </p:sp>
+      <p:sp>
+        <p:nvSpPr>
+          <p:cNvPr id="3" name="Content Placeholder 2">
+            <a:extLst>
+              <a:ext uri="{FF2B5EF4-FFF2-40B4-BE49-F238E27FC236}">
+                <a16:creationId xmlns:a16="http://schemas.microsoft.com/office/drawing/2014/main" id="{3F46B74A-6B29-9041-95E9-7392BDABF9A2}"/>
+              </a:ext>
+            </a:extLst>
+          </p:cNvPr>
+          <p:cNvSpPr>
+            <a:spLocks noGrp="1"/>
+          </p:cNvSpPr>
+          <p:nvPr>
+            <p:ph idx="1"/>
+          </p:nvPr>
+        </p:nvSpPr>
+        <p:spPr>
+          <a:xfrm>
+            <a:off x="1524000" y="1905000"/>
+            <a:ext cx="7010400" cy="2895600"/>
+          </a:xfrm>
+        </p:spPr>
+        <p:txBody>
+          <a:bodyPr>
+            <a:normAutofit fontScale="77500" lnSpcReduction="20000"/>
+          </a:bodyPr>
+          <a:lstStyle/>
+          <a:p>
+            <a:r>
+              <a:rPr lang="en-US" dirty="0"/>
+              <a:t>The head-tail pattern </a:t>
+            </a:r>
+            <a:br>
+              <a:rPr lang="en-US" dirty="0"/>
+            </a:br>
+            <a:r>
+              <a:rPr lang="en-US" dirty="0"/>
+              <a:t>    [ &lt;head var&gt; | &lt;tail var&gt; ]</a:t>
+            </a:r>
+            <a:br>
+              <a:rPr lang="en-US" dirty="0"/>
+            </a:br>
+            <a:r>
+              <a:rPr lang="en-US" dirty="0"/>
+              <a:t>is a useful pattern that allows us to </a:t>
+            </a:r>
+            <a:r>
+              <a:rPr lang="en-US" dirty="0" err="1"/>
+              <a:t>destructure</a:t>
+            </a:r>
+            <a:r>
+              <a:rPr lang="en-US" dirty="0"/>
+              <a:t> a list into into its first element and the rest of the list; the list with its first element removed.</a:t>
+            </a:r>
+          </a:p>
+          <a:p>
+            <a:r>
+              <a:rPr lang="en-US" dirty="0"/>
+              <a:t>As we will see later, this pattern will prove extremely useful when dealing with recursion or iteration over lists.</a:t>
+            </a:r>
+          </a:p>
+          <a:p>
+            <a:endParaRPr lang="en-US" dirty="0"/>
+          </a:p>
+        </p:txBody>
+      </p:sp>
+      <p:pic>
+        <p:nvPicPr>
+          <p:cNvPr id="4" name="Picture 3">
+            <a:extLst>
+              <a:ext uri="{FF2B5EF4-FFF2-40B4-BE49-F238E27FC236}">
+                <a16:creationId xmlns:a16="http://schemas.microsoft.com/office/drawing/2014/main" id="{40EBF5AF-9F39-674B-B21C-1DE5732AD872}"/>
+              </a:ext>
+            </a:extLst>
+          </p:cNvPr>
+          <p:cNvPicPr>
+            <a:picLocks noChangeAspect="1"/>
+          </p:cNvPicPr>
+          <p:nvPr/>
+        </p:nvPicPr>
+        <p:blipFill>
+          <a:blip r:embed="rId2"/>
+          <a:stretch>
+            <a:fillRect/>
+          </a:stretch>
+        </p:blipFill>
+        <p:spPr>
+          <a:xfrm>
+            <a:off x="2743200" y="4800600"/>
+            <a:ext cx="3251200" cy="1574800"/>
+          </a:xfrm>
+          <a:prstGeom prst="rect">
+            <a:avLst/>
+          </a:prstGeom>
+          <a:ln>
+            <a:solidFill>
+              <a:schemeClr val="tx1"/>
+            </a:solidFill>
+          </a:ln>
+        </p:spPr>
+      </p:pic>
+    </p:spTree>
+    <p:extLst>
+      <p:ext uri="{BB962C8B-B14F-4D97-AF65-F5344CB8AC3E}">
+        <p14:creationId xmlns:p14="http://schemas.microsoft.com/office/powerpoint/2010/main" val="368365555"/>
+      </p:ext>
+    </p:extLst>
+  </p:cSld>
+  <p:clrMapOvr>
+    <a:masterClrMapping/>
+  </p:clrMapOvr>
+</p:sld>
+</file>
+
+<file path=ppt/slides/slide26.xml><?xml version="1.0" encoding="utf-8"?>
+<p:sld xmlns:a="http://schemas.openxmlformats.org/drawingml/2006/main" xmlns:r="http://schemas.openxmlformats.org/officeDocument/2006/relationships" xmlns:p="http://schemas.openxmlformats.org/presentationml/2006/main">
+  <p:cSld>
+    <p:spTree>
+      <p:nvGrpSpPr>
+        <p:cNvPr id="1" name=""/>
+        <p:cNvGrpSpPr/>
+        <p:nvPr/>
+      </p:nvGrpSpPr>
+      <p:grpSpPr>
+        <a:xfrm>
+          <a:off x="0" y="0"/>
+          <a:ext cx="0" cy="0"/>
+          <a:chOff x="0" y="0"/>
+          <a:chExt cx="0" cy="0"/>
+        </a:xfrm>
+      </p:grpSpPr>
+      <p:sp>
+        <p:nvSpPr>
+          <p:cNvPr id="2" name="Title 1">
+            <a:extLst>
+              <a:ext uri="{FF2B5EF4-FFF2-40B4-BE49-F238E27FC236}">
+                <a16:creationId xmlns:a16="http://schemas.microsoft.com/office/drawing/2014/main" id="{6195C51E-259E-9349-83AB-34F41AD10999}"/>
+              </a:ext>
+            </a:extLst>
+          </p:cNvPr>
+          <p:cNvSpPr>
+            <a:spLocks noGrp="1"/>
+          </p:cNvSpPr>
+          <p:nvPr>
+            <p:ph type="title"/>
+          </p:nvPr>
+        </p:nvSpPr>
+        <p:spPr/>
+        <p:txBody>
+          <a:bodyPr/>
+          <a:lstStyle/>
+          <a:p>
+            <a:r>
+              <a:rPr lang="en-US" dirty="0"/>
+              <a:t>Head-Tail Pattern</a:t>
+            </a:r>
+          </a:p>
+        </p:txBody>
+      </p:sp>
+      <p:sp>
+        <p:nvSpPr>
+          <p:cNvPr id="3" name="Content Placeholder 2">
+            <a:extLst>
+              <a:ext uri="{FF2B5EF4-FFF2-40B4-BE49-F238E27FC236}">
+                <a16:creationId xmlns:a16="http://schemas.microsoft.com/office/drawing/2014/main" id="{3F46B74A-6B29-9041-95E9-7392BDABF9A2}"/>
+              </a:ext>
+            </a:extLst>
+          </p:cNvPr>
+          <p:cNvSpPr>
+            <a:spLocks noGrp="1"/>
+          </p:cNvSpPr>
+          <p:nvPr>
+            <p:ph idx="1"/>
+          </p:nvPr>
+        </p:nvSpPr>
+        <p:spPr>
+          <a:xfrm>
+            <a:off x="1524000" y="1905000"/>
+            <a:ext cx="7010400" cy="2895600"/>
+          </a:xfrm>
+        </p:spPr>
+        <p:txBody>
+          <a:bodyPr>
+            <a:normAutofit/>
+          </a:bodyPr>
+          <a:lstStyle/>
+          <a:p>
+            <a:r>
+              <a:rPr lang="en-US" dirty="0"/>
+              <a:t>The head-tail pattern can also be used “in reverse” – as a constructor,</a:t>
+            </a:r>
+          </a:p>
+          <a:p>
+            <a:pPr lvl="1"/>
+            <a:r>
+              <a:rPr lang="en-US" dirty="0"/>
+              <a:t>Given an element and a list it will prepend the element to the list</a:t>
+            </a:r>
+          </a:p>
+        </p:txBody>
+      </p:sp>
+      <p:pic>
+        <p:nvPicPr>
+          <p:cNvPr id="5" name="Picture 4">
+            <a:extLst>
+              <a:ext uri="{FF2B5EF4-FFF2-40B4-BE49-F238E27FC236}">
+                <a16:creationId xmlns:a16="http://schemas.microsoft.com/office/drawing/2014/main" id="{54E484A6-DFFD-CA4E-8E22-B165552E5060}"/>
+              </a:ext>
+            </a:extLst>
+          </p:cNvPr>
+          <p:cNvPicPr>
+            <a:picLocks noChangeAspect="1"/>
+          </p:cNvPicPr>
+          <p:nvPr/>
+        </p:nvPicPr>
+        <p:blipFill>
+          <a:blip r:embed="rId2"/>
+          <a:stretch>
+            <a:fillRect/>
+          </a:stretch>
+        </p:blipFill>
+        <p:spPr>
+          <a:xfrm>
+            <a:off x="2971800" y="4371975"/>
+            <a:ext cx="2565400" cy="1231900"/>
+          </a:xfrm>
+          <a:prstGeom prst="rect">
+            <a:avLst/>
+          </a:prstGeom>
+          <a:ln>
+            <a:solidFill>
+              <a:schemeClr val="tx1"/>
+            </a:solidFill>
+          </a:ln>
+        </p:spPr>
+      </p:pic>
+    </p:spTree>
+    <p:extLst>
+      <p:ext uri="{BB962C8B-B14F-4D97-AF65-F5344CB8AC3E}">
+        <p14:creationId xmlns:p14="http://schemas.microsoft.com/office/powerpoint/2010/main" val="4189918242"/>
+      </p:ext>
+    </p:extLst>
+  </p:cSld>
+  <p:clrMapOvr>
+    <a:masterClrMapping/>
+  </p:clrMapOvr>
+</p:sld>
+</file>
+
+<file path=ppt/slides/slide27.xml><?xml version="1.0" encoding="utf-8"?>
+<p:sld xmlns:a="http://schemas.openxmlformats.org/drawingml/2006/main" xmlns:r="http://schemas.openxmlformats.org/officeDocument/2006/relationships" xmlns:p="http://schemas.openxmlformats.org/presentationml/2006/main">
+  <p:cSld>
+    <p:spTree>
+      <p:nvGrpSpPr>
+        <p:cNvPr id="1" name=""/>
+        <p:cNvGrpSpPr/>
+        <p:nvPr/>
+      </p:nvGrpSpPr>
+      <p:grpSpPr>
+        <a:xfrm>
+          <a:off x="0" y="0"/>
+          <a:ext cx="0" cy="0"/>
+          <a:chOff x="0" y="0"/>
+          <a:chExt cx="0" cy="0"/>
+        </a:xfrm>
+      </p:grpSpPr>
+      <p:sp>
+        <p:nvSpPr>
+          <p:cNvPr id="2" name="Title 1">
+            <a:extLst>
+              <a:ext uri="{FF2B5EF4-FFF2-40B4-BE49-F238E27FC236}">
+                <a16:creationId xmlns:a16="http://schemas.microsoft.com/office/drawing/2014/main" id="{980BBCB4-34B6-6F4D-9DAA-48FC9F7BB83F}"/>
+              </a:ext>
+            </a:extLst>
+          </p:cNvPr>
+          <p:cNvSpPr>
+            <a:spLocks noGrp="1"/>
+          </p:cNvSpPr>
+          <p:nvPr>
+            <p:ph type="title"/>
+          </p:nvPr>
+        </p:nvSpPr>
+        <p:spPr/>
+        <p:txBody>
+          <a:bodyPr/>
+          <a:lstStyle/>
+          <a:p>
+            <a:r>
+              <a:rPr lang="en-US" dirty="0"/>
+              <a:t>Pattern Matching with Regular Expressions</a:t>
+            </a:r>
+          </a:p>
+        </p:txBody>
+      </p:sp>
+      <p:sp>
+        <p:nvSpPr>
+          <p:cNvPr id="3" name="Content Placeholder 2">
+            <a:extLst>
+              <a:ext uri="{FF2B5EF4-FFF2-40B4-BE49-F238E27FC236}">
+                <a16:creationId xmlns:a16="http://schemas.microsoft.com/office/drawing/2014/main" id="{946A49A8-7143-3D47-B39F-FC08E41F5600}"/>
+              </a:ext>
+            </a:extLst>
+          </p:cNvPr>
+          <p:cNvSpPr>
+            <a:spLocks noGrp="1"/>
+          </p:cNvSpPr>
+          <p:nvPr>
+            <p:ph idx="1"/>
+          </p:nvPr>
+        </p:nvSpPr>
+        <p:spPr/>
+        <p:txBody>
+          <a:bodyPr>
+            <a:normAutofit fontScale="77500" lnSpcReduction="20000"/>
+          </a:bodyPr>
+          <a:lstStyle/>
+          <a:p>
+            <a:r>
+              <a:rPr lang="en-US" dirty="0"/>
+              <a:t>Regular expressions are patterns that can be applied to strings</a:t>
+            </a:r>
+          </a:p>
+          <a:p>
+            <a:r>
+              <a:rPr lang="en-US" dirty="0"/>
+              <a:t>e.g., the regex</a:t>
+            </a:r>
+            <a:br>
+              <a:rPr lang="en-US" dirty="0"/>
+            </a:br>
+            <a:r>
+              <a:rPr lang="en-US" dirty="0"/>
+              <a:t>      “a(b)*”</a:t>
+            </a:r>
+            <a:br>
+              <a:rPr lang="en-US" dirty="0"/>
+            </a:br>
+            <a:r>
+              <a:rPr lang="en-US" dirty="0"/>
+              <a:t>matches any string that starts with an a followed by zero or more b’s.</a:t>
+            </a:r>
+          </a:p>
+          <a:p>
+            <a:r>
+              <a:rPr lang="en-US" dirty="0"/>
+              <a:t>In Asteroid regular expressions are considered patterns and therefore we can write expressions like</a:t>
+            </a:r>
+            <a:br>
+              <a:rPr lang="en-US" dirty="0"/>
+            </a:br>
+            <a:r>
+              <a:rPr lang="en-US" dirty="0"/>
+              <a:t>    “</a:t>
+            </a:r>
+            <a:r>
+              <a:rPr lang="en-US" dirty="0" err="1"/>
+              <a:t>abbbb</a:t>
+            </a:r>
+            <a:r>
+              <a:rPr lang="en-US" dirty="0"/>
+              <a:t>” is “a(b)*”</a:t>
+            </a:r>
+          </a:p>
+          <a:p>
+            <a:r>
+              <a:rPr lang="en-US" dirty="0"/>
+              <a:t>Asteroid’s regex syntax follows Python’s regex syntax</a:t>
+            </a:r>
+          </a:p>
+          <a:p>
+            <a:pPr lvl="1"/>
+            <a:r>
+              <a:rPr lang="en-US" dirty="0">
+                <a:hlinkClick r:id="rId2"/>
+              </a:rPr>
+              <a:t>https://docs.python.org/3/library/re.html</a:t>
+            </a:r>
+            <a:endParaRPr lang="en-US" dirty="0"/>
+          </a:p>
+          <a:p>
+            <a:pPr lvl="1"/>
+            <a:endParaRPr lang="en-US" dirty="0"/>
+          </a:p>
+        </p:txBody>
+      </p:sp>
+    </p:spTree>
+    <p:extLst>
+      <p:ext uri="{BB962C8B-B14F-4D97-AF65-F5344CB8AC3E}">
+        <p14:creationId xmlns:p14="http://schemas.microsoft.com/office/powerpoint/2010/main" val="1988537012"/>
+      </p:ext>
+    </p:extLst>
+  </p:cSld>
+  <p:clrMapOvr>
+    <a:masterClrMapping/>
+  </p:clrMapOvr>
+</p:sld>
+</file>
+
+<file path=ppt/slides/slide28.xml><?xml version="1.0" encoding="utf-8"?>
+<p:sld xmlns:a="http://schemas.openxmlformats.org/drawingml/2006/main" xmlns:r="http://schemas.openxmlformats.org/officeDocument/2006/relationships" xmlns:p="http://schemas.openxmlformats.org/presentationml/2006/main">
+  <p:cSld>
+    <p:spTree>
+      <p:nvGrpSpPr>
+        <p:cNvPr id="1" name=""/>
+        <p:cNvGrpSpPr/>
+        <p:nvPr/>
+      </p:nvGrpSpPr>
+      <p:grpSpPr>
+        <a:xfrm>
+          <a:off x="0" y="0"/>
+          <a:ext cx="0" cy="0"/>
+          <a:chOff x="0" y="0"/>
+          <a:chExt cx="0" cy="0"/>
+        </a:xfrm>
+      </p:grpSpPr>
+      <p:sp>
+        <p:nvSpPr>
+          <p:cNvPr id="2" name="Title 1">
+            <a:extLst>
+              <a:ext uri="{FF2B5EF4-FFF2-40B4-BE49-F238E27FC236}">
+                <a16:creationId xmlns:a16="http://schemas.microsoft.com/office/drawing/2014/main" id="{980BBCB4-34B6-6F4D-9DAA-48FC9F7BB83F}"/>
+              </a:ext>
+            </a:extLst>
+          </p:cNvPr>
+          <p:cNvSpPr>
+            <a:spLocks noGrp="1"/>
+          </p:cNvSpPr>
+          <p:nvPr>
+            <p:ph type="title"/>
+          </p:nvPr>
+        </p:nvSpPr>
+        <p:spPr/>
+        <p:txBody>
+          <a:bodyPr/>
+          <a:lstStyle/>
+          <a:p>
+            <a:r>
+              <a:rPr lang="en-US" dirty="0"/>
+              <a:t>Pattern Matching with Regular Expressions</a:t>
+            </a:r>
+          </a:p>
+        </p:txBody>
+      </p:sp>
+      <p:pic>
+        <p:nvPicPr>
+          <p:cNvPr id="4" name="Picture 3">
+            <a:extLst>
+              <a:ext uri="{FF2B5EF4-FFF2-40B4-BE49-F238E27FC236}">
+                <a16:creationId xmlns:a16="http://schemas.microsoft.com/office/drawing/2014/main" id="{DBC2D86C-61A2-0548-BD77-50DE72C69E24}"/>
+              </a:ext>
+            </a:extLst>
+          </p:cNvPr>
+          <p:cNvPicPr>
+            <a:picLocks noChangeAspect="1"/>
+          </p:cNvPicPr>
+          <p:nvPr/>
+        </p:nvPicPr>
+        <p:blipFill>
+          <a:blip r:embed="rId2"/>
+          <a:stretch>
+            <a:fillRect/>
+          </a:stretch>
+        </p:blipFill>
+        <p:spPr>
+          <a:xfrm>
+            <a:off x="609600" y="2057400"/>
+            <a:ext cx="3035300" cy="2451100"/>
+          </a:xfrm>
+          <a:prstGeom prst="rect">
+            <a:avLst/>
+          </a:prstGeom>
+          <a:ln>
+            <a:solidFill>
+              <a:schemeClr val="tx2"/>
+            </a:solidFill>
+          </a:ln>
+        </p:spPr>
+      </p:pic>
+      <p:sp>
+        <p:nvSpPr>
+          <p:cNvPr id="5" name="TextBox 4">
+            <a:extLst>
+              <a:ext uri="{FF2B5EF4-FFF2-40B4-BE49-F238E27FC236}">
+                <a16:creationId xmlns:a16="http://schemas.microsoft.com/office/drawing/2014/main" id="{7401E3AD-0165-9445-8C37-7660A82607F8}"/>
+              </a:ext>
+            </a:extLst>
+          </p:cNvPr>
+          <p:cNvSpPr txBox="1"/>
+          <p:nvPr/>
+        </p:nvSpPr>
+        <p:spPr>
+          <a:xfrm>
+            <a:off x="1067741" y="4724400"/>
+            <a:ext cx="1675459" cy="307777"/>
+          </a:xfrm>
+          <a:prstGeom prst="rect">
+            <a:avLst/>
+          </a:prstGeom>
+          <a:noFill/>
+        </p:spPr>
+        <p:txBody>
+          <a:bodyPr wrap="none" rtlCol="0">
+            <a:spAutoFit/>
+          </a:bodyPr>
+          <a:lstStyle/>
+          <a:p>
+            <a:r>
+              <a:rPr lang="en-US" sz="1400" dirty="0"/>
+              <a:t>Note: (a)+  =  a(a)*</a:t>
+            </a:r>
+          </a:p>
+        </p:txBody>
+      </p:sp>
+      <p:pic>
+        <p:nvPicPr>
+          <p:cNvPr id="6" name="Picture 5">
+            <a:extLst>
+              <a:ext uri="{FF2B5EF4-FFF2-40B4-BE49-F238E27FC236}">
+                <a16:creationId xmlns:a16="http://schemas.microsoft.com/office/drawing/2014/main" id="{434BB629-1D59-DE4A-8E08-78AEA977F6C5}"/>
+              </a:ext>
+            </a:extLst>
+          </p:cNvPr>
+          <p:cNvPicPr>
+            <a:picLocks noChangeAspect="1"/>
+          </p:cNvPicPr>
+          <p:nvPr/>
+        </p:nvPicPr>
+        <p:blipFill>
+          <a:blip r:embed="rId3"/>
+          <a:stretch>
+            <a:fillRect/>
+          </a:stretch>
+        </p:blipFill>
+        <p:spPr>
+          <a:xfrm>
+            <a:off x="3340100" y="3276600"/>
+            <a:ext cx="5346700" cy="2990348"/>
+          </a:xfrm>
+          <a:prstGeom prst="rect">
+            <a:avLst/>
+          </a:prstGeom>
+          <a:ln>
+            <a:solidFill>
+              <a:schemeClr val="tx2"/>
+            </a:solidFill>
+          </a:ln>
+        </p:spPr>
+      </p:pic>
+      <p:sp>
+        <p:nvSpPr>
+          <p:cNvPr id="7" name="TextBox 6">
+            <a:extLst>
+              <a:ext uri="{FF2B5EF4-FFF2-40B4-BE49-F238E27FC236}">
+                <a16:creationId xmlns:a16="http://schemas.microsoft.com/office/drawing/2014/main" id="{11DE53EE-92BB-A640-9282-CDADF1387309}"/>
+              </a:ext>
+            </a:extLst>
+          </p:cNvPr>
+          <p:cNvSpPr txBox="1"/>
+          <p:nvPr/>
+        </p:nvSpPr>
+        <p:spPr>
+          <a:xfrm>
+            <a:off x="4325815" y="6447692"/>
+            <a:ext cx="1279517" cy="307777"/>
+          </a:xfrm>
+          <a:prstGeom prst="rect">
+            <a:avLst/>
+          </a:prstGeom>
+          <a:noFill/>
+        </p:spPr>
+        <p:txBody>
+          <a:bodyPr wrap="none" rtlCol="0">
+            <a:spAutoFit/>
+          </a:bodyPr>
+          <a:lstStyle/>
+          <a:p>
+            <a:r>
+              <a:rPr lang="en-US" sz="1400" dirty="0"/>
+              <a:t>ln004/list1.ast</a:t>
+            </a:r>
+          </a:p>
+        </p:txBody>
+      </p:sp>
+      <p:sp>
+        <p:nvSpPr>
+          <p:cNvPr id="8" name="TextBox 7">
+            <a:extLst>
+              <a:ext uri="{FF2B5EF4-FFF2-40B4-BE49-F238E27FC236}">
+                <a16:creationId xmlns:a16="http://schemas.microsoft.com/office/drawing/2014/main" id="{F287CA79-687A-444F-8246-8EA528E4D893}"/>
+              </a:ext>
+            </a:extLst>
+          </p:cNvPr>
+          <p:cNvSpPr txBox="1"/>
+          <p:nvPr/>
+        </p:nvSpPr>
+        <p:spPr>
+          <a:xfrm>
+            <a:off x="5605332" y="2629098"/>
+            <a:ext cx="2403222" cy="307777"/>
+          </a:xfrm>
+          <a:prstGeom prst="rect">
+            <a:avLst/>
+          </a:prstGeom>
+          <a:noFill/>
+        </p:spPr>
+        <p:txBody>
+          <a:bodyPr wrap="none" rtlCol="0">
+            <a:spAutoFit/>
+          </a:bodyPr>
+          <a:lstStyle/>
+          <a:p>
+            <a:r>
+              <a:rPr lang="en-US" sz="1400" dirty="0"/>
+              <a:t>Pattern matching with regex</a:t>
+            </a:r>
+          </a:p>
+        </p:txBody>
+      </p:sp>
+      <p:cxnSp>
+        <p:nvCxnSpPr>
+          <p:cNvPr id="10" name="Straight Arrow Connector 9">
+            <a:extLst>
+              <a:ext uri="{FF2B5EF4-FFF2-40B4-BE49-F238E27FC236}">
+                <a16:creationId xmlns:a16="http://schemas.microsoft.com/office/drawing/2014/main" id="{4B6DD459-75B2-9346-AD83-F84BF6067F16}"/>
+              </a:ext>
+            </a:extLst>
+          </p:cNvPr>
+          <p:cNvCxnSpPr>
+            <a:stCxn id="8" idx="2"/>
+          </p:cNvCxnSpPr>
+          <p:nvPr/>
+        </p:nvCxnSpPr>
+        <p:spPr bwMode="auto">
+          <a:xfrm flipH="1">
+            <a:off x="6096000" y="2936875"/>
+            <a:ext cx="710943" cy="2095302"/>
+          </a:xfrm>
+          <a:prstGeom prst="straightConnector1">
+            <a:avLst/>
+          </a:prstGeom>
+          <a:solidFill>
+            <a:schemeClr val="accent1"/>
+          </a:solidFill>
+          <a:ln w="9525" cap="flat" cmpd="sng" algn="ctr">
+            <a:solidFill>
+              <a:schemeClr val="tx1"/>
+            </a:solidFill>
+            <a:prstDash val="solid"/>
+            <a:round/>
+            <a:headEnd type="none" w="med" len="med"/>
+            <a:tailEnd type="triangle"/>
+          </a:ln>
+          <a:effectLst/>
+          <a:extLst>
+            <a:ext uri="{AF507438-7753-43e0-B8FC-AC1667EBCBE1}">
+              <a14:hiddenEffects xmlns:a14="http://schemas.microsoft.com/office/drawing/2010/main" xmlns="">
+                <a:effectLst>
+                  <a:outerShdw blurRad="63500" dist="38099" dir="2700000" algn="ctr" rotWithShape="0">
+                    <a:schemeClr val="bg2">
+                      <a:alpha val="74998"/>
+                    </a:schemeClr>
+                  </a:outerShdw>
+                </a:effectLst>
+              </a14:hiddenEffects>
+            </a:ext>
+          </a:extLst>
+        </p:spPr>
+      </p:cxnSp>
+    </p:spTree>
+    <p:extLst>
+      <p:ext uri="{BB962C8B-B14F-4D97-AF65-F5344CB8AC3E}">
+        <p14:creationId xmlns:p14="http://schemas.microsoft.com/office/powerpoint/2010/main" val="426354552"/>
+      </p:ext>
+    </p:extLst>
+  </p:cSld>
+  <p:clrMapOvr>
+    <a:masterClrMapping/>
+  </p:clrMapOvr>
+</p:sld>
+</file>
+
+<file path=ppt/slides/slide29.xml><?xml version="1.0" encoding="utf-8"?>
+<p:sld xmlns:a="http://schemas.openxmlformats.org/drawingml/2006/main" xmlns:r="http://schemas.openxmlformats.org/officeDocument/2006/relationships" xmlns:p="http://schemas.openxmlformats.org/presentationml/2006/main">
+  <p:cSld>
+    <p:spTree>
+      <p:nvGrpSpPr>
+        <p:cNvPr id="1" name=""/>
+        <p:cNvGrpSpPr/>
+        <p:nvPr/>
+      </p:nvGrpSpPr>
+      <p:grpSpPr>
+        <a:xfrm>
+          <a:off x="0" y="0"/>
+          <a:ext cx="0" cy="0"/>
+          <a:chOff x="0" y="0"/>
+          <a:chExt cx="0" cy="0"/>
+        </a:xfrm>
+      </p:grpSpPr>
+      <p:sp>
+        <p:nvSpPr>
+          <p:cNvPr id="3" name="Title 2">
+            <a:extLst>
+              <a:ext uri="{FF2B5EF4-FFF2-40B4-BE49-F238E27FC236}">
+                <a16:creationId xmlns:a16="http://schemas.microsoft.com/office/drawing/2014/main" id="{9D7C697A-6DA3-A44E-B637-24C616E3CC5F}"/>
+              </a:ext>
+            </a:extLst>
+          </p:cNvPr>
+          <p:cNvSpPr>
+            <a:spLocks noGrp="1"/>
+          </p:cNvSpPr>
+          <p:nvPr>
+            <p:ph type="title"/>
+          </p:nvPr>
+        </p:nvSpPr>
+        <p:spPr/>
+        <p:txBody>
+          <a:bodyPr/>
+          <a:lstStyle/>
+          <a:p>
+            <a:r>
+              <a:rPr lang="en-US" dirty="0"/>
+              <a:t>Reading</a:t>
+            </a:r>
+          </a:p>
+        </p:txBody>
+      </p:sp>
+      <p:sp>
+        <p:nvSpPr>
+          <p:cNvPr id="4" name="Content Placeholder 3">
+            <a:extLst>
+              <a:ext uri="{FF2B5EF4-FFF2-40B4-BE49-F238E27FC236}">
+                <a16:creationId xmlns:a16="http://schemas.microsoft.com/office/drawing/2014/main" id="{169AAE0B-02FF-DA4D-BB90-8E551E1B73AC}"/>
+              </a:ext>
+            </a:extLst>
+          </p:cNvPr>
+          <p:cNvSpPr>
+            <a:spLocks noGrp="1"/>
+          </p:cNvSpPr>
+          <p:nvPr>
+            <p:ph idx="1"/>
+          </p:nvPr>
+        </p:nvSpPr>
+        <p:spPr>
+          <a:xfrm>
+            <a:off x="190500" y="1905000"/>
+            <a:ext cx="8763000" cy="4114800"/>
+          </a:xfrm>
+        </p:spPr>
+        <p:txBody>
+          <a:bodyPr/>
+          <a:lstStyle/>
+          <a:p>
+            <a:r>
+              <a:rPr lang="en-US" sz="2000" dirty="0"/>
+              <a:t>The Let Statement</a:t>
+            </a:r>
+          </a:p>
+          <a:p>
+            <a:pPr lvl="1"/>
+            <a:r>
+              <a:rPr lang="en-US" sz="1800" dirty="0">
+                <a:hlinkClick r:id="rId2"/>
+              </a:rPr>
+              <a:t>asteroid-lang.readthedocs.io/en/latest/User%20Guide.html#the-let-statement</a:t>
+            </a:r>
+            <a:endParaRPr lang="en-US" sz="1800" dirty="0"/>
+          </a:p>
+          <a:p>
+            <a:pPr lvl="1"/>
+            <a:endParaRPr lang="en-US" sz="1800" dirty="0"/>
+          </a:p>
+          <a:p>
+            <a:pPr lvl="1"/>
+            <a:endParaRPr lang="en-US" sz="1800" dirty="0"/>
+          </a:p>
+        </p:txBody>
+      </p:sp>
+    </p:spTree>
+    <p:extLst>
+      <p:ext uri="{BB962C8B-B14F-4D97-AF65-F5344CB8AC3E}">
+        <p14:creationId xmlns:p14="http://schemas.microsoft.com/office/powerpoint/2010/main" val="3037335692"/>
+      </p:ext>
+    </p:extLst>
+  </p:cSld>
+  <p:clrMapOvr>
+    <a:masterClrMapping/>
+  </p:clrMapOvr>
+</p:sld>
+</file>
+
+<file path=ppt/slides/slide3.xml><?xml version="1.0" encoding="utf-8"?>
 <p:sld xmlns:a="http://schemas.openxmlformats.org/drawingml/2006/main" xmlns:r="http://schemas.openxmlformats.org/officeDocument/2006/relationships" xmlns:p="http://schemas.openxmlformats.org/presentationml/2006/main">
   <p:cSld>
     <p:spTree>
@@ -7728,990 +9770,6 @@
 </p:sld>
 </file>
 
-<file path=ppt/slides/slide20.xml><?xml version="1.0" encoding="utf-8"?>
-<p:sld xmlns:a="http://schemas.openxmlformats.org/drawingml/2006/main" xmlns:r="http://schemas.openxmlformats.org/officeDocument/2006/relationships" xmlns:p="http://schemas.openxmlformats.org/presentationml/2006/main">
-  <p:cSld>
-    <p:spTree>
-      <p:nvGrpSpPr>
-        <p:cNvPr id="1" name=""/>
-        <p:cNvGrpSpPr/>
-        <p:nvPr/>
-      </p:nvGrpSpPr>
-      <p:grpSpPr>
-        <a:xfrm>
-          <a:off x="0" y="0"/>
-          <a:ext cx="0" cy="0"/>
-          <a:chOff x="0" y="0"/>
-          <a:chExt cx="0" cy="0"/>
-        </a:xfrm>
-      </p:grpSpPr>
-      <p:sp>
-        <p:nvSpPr>
-          <p:cNvPr id="2" name="Title 1">
-            <a:extLst>
-              <a:ext uri="{FF2B5EF4-FFF2-40B4-BE49-F238E27FC236}">
-                <a16:creationId xmlns:a16="http://schemas.microsoft.com/office/drawing/2014/main" id="{6195C51E-259E-9349-83AB-34F41AD10999}"/>
-              </a:ext>
-            </a:extLst>
-          </p:cNvPr>
-          <p:cNvSpPr>
-            <a:spLocks noGrp="1"/>
-          </p:cNvSpPr>
-          <p:nvPr>
-            <p:ph type="title"/>
-          </p:nvPr>
-        </p:nvSpPr>
-        <p:spPr/>
-        <p:txBody>
-          <a:bodyPr/>
-          <a:lstStyle/>
-          <a:p>
-            <a:r>
-              <a:rPr lang="en-US" dirty="0"/>
-              <a:t>Head-Tail Pattern</a:t>
-            </a:r>
-          </a:p>
-        </p:txBody>
-      </p:sp>
-      <p:sp>
-        <p:nvSpPr>
-          <p:cNvPr id="3" name="Content Placeholder 2">
-            <a:extLst>
-              <a:ext uri="{FF2B5EF4-FFF2-40B4-BE49-F238E27FC236}">
-                <a16:creationId xmlns:a16="http://schemas.microsoft.com/office/drawing/2014/main" id="{3F46B74A-6B29-9041-95E9-7392BDABF9A2}"/>
-              </a:ext>
-            </a:extLst>
-          </p:cNvPr>
-          <p:cNvSpPr>
-            <a:spLocks noGrp="1"/>
-          </p:cNvSpPr>
-          <p:nvPr>
-            <p:ph idx="1"/>
-          </p:nvPr>
-        </p:nvSpPr>
-        <p:spPr>
-          <a:xfrm>
-            <a:off x="1524000" y="1905000"/>
-            <a:ext cx="7010400" cy="2895600"/>
-          </a:xfrm>
-        </p:spPr>
-        <p:txBody>
-          <a:bodyPr>
-            <a:normAutofit fontScale="77500" lnSpcReduction="20000"/>
-          </a:bodyPr>
-          <a:lstStyle/>
-          <a:p>
-            <a:r>
-              <a:rPr lang="en-US" dirty="0"/>
-              <a:t>The head-tail pattern </a:t>
-            </a:r>
-            <a:br>
-              <a:rPr lang="en-US" dirty="0"/>
-            </a:br>
-            <a:r>
-              <a:rPr lang="en-US" dirty="0"/>
-              <a:t>    [ &lt;head var&gt; | &lt;tail var&gt; ]</a:t>
-            </a:r>
-            <a:br>
-              <a:rPr lang="en-US" dirty="0"/>
-            </a:br>
-            <a:r>
-              <a:rPr lang="en-US" dirty="0"/>
-              <a:t>is a useful pattern that allows us to </a:t>
-            </a:r>
-            <a:r>
-              <a:rPr lang="en-US" dirty="0" err="1"/>
-              <a:t>destructure</a:t>
-            </a:r>
-            <a:r>
-              <a:rPr lang="en-US" dirty="0"/>
-              <a:t> a list into into its first element and the rest of the list; the list with its first element removed.</a:t>
-            </a:r>
-          </a:p>
-          <a:p>
-            <a:r>
-              <a:rPr lang="en-US" dirty="0"/>
-              <a:t>As we will see later, this pattern will prove extremely useful when dealing with recursion or iteration over lists.</a:t>
-            </a:r>
-          </a:p>
-          <a:p>
-            <a:endParaRPr lang="en-US" dirty="0"/>
-          </a:p>
-        </p:txBody>
-      </p:sp>
-      <p:pic>
-        <p:nvPicPr>
-          <p:cNvPr id="4" name="Picture 3">
-            <a:extLst>
-              <a:ext uri="{FF2B5EF4-FFF2-40B4-BE49-F238E27FC236}">
-                <a16:creationId xmlns:a16="http://schemas.microsoft.com/office/drawing/2014/main" id="{40EBF5AF-9F39-674B-B21C-1DE5732AD872}"/>
-              </a:ext>
-            </a:extLst>
-          </p:cNvPr>
-          <p:cNvPicPr>
-            <a:picLocks noChangeAspect="1"/>
-          </p:cNvPicPr>
-          <p:nvPr/>
-        </p:nvPicPr>
-        <p:blipFill>
-          <a:blip r:embed="rId2"/>
-          <a:stretch>
-            <a:fillRect/>
-          </a:stretch>
-        </p:blipFill>
-        <p:spPr>
-          <a:xfrm>
-            <a:off x="2743200" y="4800600"/>
-            <a:ext cx="3251200" cy="1574800"/>
-          </a:xfrm>
-          <a:prstGeom prst="rect">
-            <a:avLst/>
-          </a:prstGeom>
-          <a:ln>
-            <a:solidFill>
-              <a:schemeClr val="tx1"/>
-            </a:solidFill>
-          </a:ln>
-        </p:spPr>
-      </p:pic>
-    </p:spTree>
-    <p:extLst>
-      <p:ext uri="{BB962C8B-B14F-4D97-AF65-F5344CB8AC3E}">
-        <p14:creationId xmlns:p14="http://schemas.microsoft.com/office/powerpoint/2010/main" val="368365555"/>
-      </p:ext>
-    </p:extLst>
-  </p:cSld>
-  <p:clrMapOvr>
-    <a:masterClrMapping/>
-  </p:clrMapOvr>
-</p:sld>
-</file>
-
-<file path=ppt/slides/slide21.xml><?xml version="1.0" encoding="utf-8"?>
-<p:sld xmlns:a="http://schemas.openxmlformats.org/drawingml/2006/main" xmlns:r="http://schemas.openxmlformats.org/officeDocument/2006/relationships" xmlns:p="http://schemas.openxmlformats.org/presentationml/2006/main">
-  <p:cSld>
-    <p:spTree>
-      <p:nvGrpSpPr>
-        <p:cNvPr id="1" name=""/>
-        <p:cNvGrpSpPr/>
-        <p:nvPr/>
-      </p:nvGrpSpPr>
-      <p:grpSpPr>
-        <a:xfrm>
-          <a:off x="0" y="0"/>
-          <a:ext cx="0" cy="0"/>
-          <a:chOff x="0" y="0"/>
-          <a:chExt cx="0" cy="0"/>
-        </a:xfrm>
-      </p:grpSpPr>
-      <p:sp>
-        <p:nvSpPr>
-          <p:cNvPr id="2" name="Title 1">
-            <a:extLst>
-              <a:ext uri="{FF2B5EF4-FFF2-40B4-BE49-F238E27FC236}">
-                <a16:creationId xmlns:a16="http://schemas.microsoft.com/office/drawing/2014/main" id="{6195C51E-259E-9349-83AB-34F41AD10999}"/>
-              </a:ext>
-            </a:extLst>
-          </p:cNvPr>
-          <p:cNvSpPr>
-            <a:spLocks noGrp="1"/>
-          </p:cNvSpPr>
-          <p:nvPr>
-            <p:ph type="title"/>
-          </p:nvPr>
-        </p:nvSpPr>
-        <p:spPr/>
-        <p:txBody>
-          <a:bodyPr/>
-          <a:lstStyle/>
-          <a:p>
-            <a:r>
-              <a:rPr lang="en-US" dirty="0"/>
-              <a:t>Head-Tail Pattern</a:t>
-            </a:r>
-          </a:p>
-        </p:txBody>
-      </p:sp>
-      <p:sp>
-        <p:nvSpPr>
-          <p:cNvPr id="3" name="Content Placeholder 2">
-            <a:extLst>
-              <a:ext uri="{FF2B5EF4-FFF2-40B4-BE49-F238E27FC236}">
-                <a16:creationId xmlns:a16="http://schemas.microsoft.com/office/drawing/2014/main" id="{3F46B74A-6B29-9041-95E9-7392BDABF9A2}"/>
-              </a:ext>
-            </a:extLst>
-          </p:cNvPr>
-          <p:cNvSpPr>
-            <a:spLocks noGrp="1"/>
-          </p:cNvSpPr>
-          <p:nvPr>
-            <p:ph idx="1"/>
-          </p:nvPr>
-        </p:nvSpPr>
-        <p:spPr>
-          <a:xfrm>
-            <a:off x="1524000" y="1905000"/>
-            <a:ext cx="7010400" cy="2895600"/>
-          </a:xfrm>
-        </p:spPr>
-        <p:txBody>
-          <a:bodyPr>
-            <a:normAutofit/>
-          </a:bodyPr>
-          <a:lstStyle/>
-          <a:p>
-            <a:r>
-              <a:rPr lang="en-US" dirty="0"/>
-              <a:t>The head-tail pattern can also be used “in reverse” – as a constructor,</a:t>
-            </a:r>
-          </a:p>
-          <a:p>
-            <a:pPr lvl="1"/>
-            <a:r>
-              <a:rPr lang="en-US" dirty="0"/>
-              <a:t>Given an element and a list it will prepend the element to the list</a:t>
-            </a:r>
-          </a:p>
-        </p:txBody>
-      </p:sp>
-      <p:pic>
-        <p:nvPicPr>
-          <p:cNvPr id="5" name="Picture 4">
-            <a:extLst>
-              <a:ext uri="{FF2B5EF4-FFF2-40B4-BE49-F238E27FC236}">
-                <a16:creationId xmlns:a16="http://schemas.microsoft.com/office/drawing/2014/main" id="{54E484A6-DFFD-CA4E-8E22-B165552E5060}"/>
-              </a:ext>
-            </a:extLst>
-          </p:cNvPr>
-          <p:cNvPicPr>
-            <a:picLocks noChangeAspect="1"/>
-          </p:cNvPicPr>
-          <p:nvPr/>
-        </p:nvPicPr>
-        <p:blipFill>
-          <a:blip r:embed="rId2"/>
-          <a:stretch>
-            <a:fillRect/>
-          </a:stretch>
-        </p:blipFill>
-        <p:spPr>
-          <a:xfrm>
-            <a:off x="2971800" y="4371975"/>
-            <a:ext cx="2565400" cy="1231900"/>
-          </a:xfrm>
-          <a:prstGeom prst="rect">
-            <a:avLst/>
-          </a:prstGeom>
-          <a:ln>
-            <a:solidFill>
-              <a:schemeClr val="tx1"/>
-            </a:solidFill>
-          </a:ln>
-        </p:spPr>
-      </p:pic>
-    </p:spTree>
-    <p:extLst>
-      <p:ext uri="{BB962C8B-B14F-4D97-AF65-F5344CB8AC3E}">
-        <p14:creationId xmlns:p14="http://schemas.microsoft.com/office/powerpoint/2010/main" val="4189918242"/>
-      </p:ext>
-    </p:extLst>
-  </p:cSld>
-  <p:clrMapOvr>
-    <a:masterClrMapping/>
-  </p:clrMapOvr>
-</p:sld>
-</file>
-
-<file path=ppt/slides/slide22.xml><?xml version="1.0" encoding="utf-8"?>
-<p:sld xmlns:a="http://schemas.openxmlformats.org/drawingml/2006/main" xmlns:r="http://schemas.openxmlformats.org/officeDocument/2006/relationships" xmlns:p="http://schemas.openxmlformats.org/presentationml/2006/main">
-  <p:cSld>
-    <p:spTree>
-      <p:nvGrpSpPr>
-        <p:cNvPr id="1" name=""/>
-        <p:cNvGrpSpPr/>
-        <p:nvPr/>
-      </p:nvGrpSpPr>
-      <p:grpSpPr>
-        <a:xfrm>
-          <a:off x="0" y="0"/>
-          <a:ext cx="0" cy="0"/>
-          <a:chOff x="0" y="0"/>
-          <a:chExt cx="0" cy="0"/>
-        </a:xfrm>
-      </p:grpSpPr>
-      <p:sp>
-        <p:nvSpPr>
-          <p:cNvPr id="2" name="Title 1">
-            <a:extLst>
-              <a:ext uri="{FF2B5EF4-FFF2-40B4-BE49-F238E27FC236}">
-                <a16:creationId xmlns:a16="http://schemas.microsoft.com/office/drawing/2014/main" id="{980BBCB4-34B6-6F4D-9DAA-48FC9F7BB83F}"/>
-              </a:ext>
-            </a:extLst>
-          </p:cNvPr>
-          <p:cNvSpPr>
-            <a:spLocks noGrp="1"/>
-          </p:cNvSpPr>
-          <p:nvPr>
-            <p:ph type="title"/>
-          </p:nvPr>
-        </p:nvSpPr>
-        <p:spPr/>
-        <p:txBody>
-          <a:bodyPr/>
-          <a:lstStyle/>
-          <a:p>
-            <a:r>
-              <a:rPr lang="en-US" dirty="0"/>
-              <a:t>Pattern Matching with Regular Expressions</a:t>
-            </a:r>
-          </a:p>
-        </p:txBody>
-      </p:sp>
-      <p:sp>
-        <p:nvSpPr>
-          <p:cNvPr id="3" name="Content Placeholder 2">
-            <a:extLst>
-              <a:ext uri="{FF2B5EF4-FFF2-40B4-BE49-F238E27FC236}">
-                <a16:creationId xmlns:a16="http://schemas.microsoft.com/office/drawing/2014/main" id="{946A49A8-7143-3D47-B39F-FC08E41F5600}"/>
-              </a:ext>
-            </a:extLst>
-          </p:cNvPr>
-          <p:cNvSpPr>
-            <a:spLocks noGrp="1"/>
-          </p:cNvSpPr>
-          <p:nvPr>
-            <p:ph idx="1"/>
-          </p:nvPr>
-        </p:nvSpPr>
-        <p:spPr/>
-        <p:txBody>
-          <a:bodyPr>
-            <a:normAutofit fontScale="77500" lnSpcReduction="20000"/>
-          </a:bodyPr>
-          <a:lstStyle/>
-          <a:p>
-            <a:r>
-              <a:rPr lang="en-US" dirty="0"/>
-              <a:t>Regular expressions are patterns that can be applied to strings</a:t>
-            </a:r>
-          </a:p>
-          <a:p>
-            <a:r>
-              <a:rPr lang="en-US" dirty="0"/>
-              <a:t>e.g., the regex</a:t>
-            </a:r>
-            <a:br>
-              <a:rPr lang="en-US" dirty="0"/>
-            </a:br>
-            <a:r>
-              <a:rPr lang="en-US" dirty="0"/>
-              <a:t>      “a(b)*”</a:t>
-            </a:r>
-            <a:br>
-              <a:rPr lang="en-US" dirty="0"/>
-            </a:br>
-            <a:r>
-              <a:rPr lang="en-US" dirty="0"/>
-              <a:t>matches any string that starts with an a followed by zero or more b’s.</a:t>
-            </a:r>
-          </a:p>
-          <a:p>
-            <a:r>
-              <a:rPr lang="en-US" dirty="0"/>
-              <a:t>In Asteroid regular expressions are considered patterns and therefore we can write expressions like</a:t>
-            </a:r>
-            <a:br>
-              <a:rPr lang="en-US" dirty="0"/>
-            </a:br>
-            <a:r>
-              <a:rPr lang="en-US" dirty="0"/>
-              <a:t>    “</a:t>
-            </a:r>
-            <a:r>
-              <a:rPr lang="en-US" dirty="0" err="1"/>
-              <a:t>abbbb</a:t>
-            </a:r>
-            <a:r>
-              <a:rPr lang="en-US" dirty="0"/>
-              <a:t>” is “a(b)*”</a:t>
-            </a:r>
-          </a:p>
-          <a:p>
-            <a:r>
-              <a:rPr lang="en-US" dirty="0"/>
-              <a:t>Asteroid’s regex syntax follows Python’s regex syntax</a:t>
-            </a:r>
-          </a:p>
-          <a:p>
-            <a:pPr lvl="1"/>
-            <a:r>
-              <a:rPr lang="en-US" dirty="0">
-                <a:hlinkClick r:id="rId2"/>
-              </a:rPr>
-              <a:t>https://docs.python.org/3/library/re.html</a:t>
-            </a:r>
-            <a:endParaRPr lang="en-US" dirty="0"/>
-          </a:p>
-          <a:p>
-            <a:pPr lvl="1"/>
-            <a:endParaRPr lang="en-US" dirty="0"/>
-          </a:p>
-        </p:txBody>
-      </p:sp>
-    </p:spTree>
-    <p:extLst>
-      <p:ext uri="{BB962C8B-B14F-4D97-AF65-F5344CB8AC3E}">
-        <p14:creationId xmlns:p14="http://schemas.microsoft.com/office/powerpoint/2010/main" val="1988537012"/>
-      </p:ext>
-    </p:extLst>
-  </p:cSld>
-  <p:clrMapOvr>
-    <a:masterClrMapping/>
-  </p:clrMapOvr>
-</p:sld>
-</file>
-
-<file path=ppt/slides/slide23.xml><?xml version="1.0" encoding="utf-8"?>
-<p:sld xmlns:a="http://schemas.openxmlformats.org/drawingml/2006/main" xmlns:r="http://schemas.openxmlformats.org/officeDocument/2006/relationships" xmlns:p="http://schemas.openxmlformats.org/presentationml/2006/main">
-  <p:cSld>
-    <p:spTree>
-      <p:nvGrpSpPr>
-        <p:cNvPr id="1" name=""/>
-        <p:cNvGrpSpPr/>
-        <p:nvPr/>
-      </p:nvGrpSpPr>
-      <p:grpSpPr>
-        <a:xfrm>
-          <a:off x="0" y="0"/>
-          <a:ext cx="0" cy="0"/>
-          <a:chOff x="0" y="0"/>
-          <a:chExt cx="0" cy="0"/>
-        </a:xfrm>
-      </p:grpSpPr>
-      <p:sp>
-        <p:nvSpPr>
-          <p:cNvPr id="2" name="Title 1">
-            <a:extLst>
-              <a:ext uri="{FF2B5EF4-FFF2-40B4-BE49-F238E27FC236}">
-                <a16:creationId xmlns:a16="http://schemas.microsoft.com/office/drawing/2014/main" id="{980BBCB4-34B6-6F4D-9DAA-48FC9F7BB83F}"/>
-              </a:ext>
-            </a:extLst>
-          </p:cNvPr>
-          <p:cNvSpPr>
-            <a:spLocks noGrp="1"/>
-          </p:cNvSpPr>
-          <p:nvPr>
-            <p:ph type="title"/>
-          </p:nvPr>
-        </p:nvSpPr>
-        <p:spPr/>
-        <p:txBody>
-          <a:bodyPr/>
-          <a:lstStyle/>
-          <a:p>
-            <a:r>
-              <a:rPr lang="en-US" dirty="0"/>
-              <a:t>Pattern Matching with Regular Expressions</a:t>
-            </a:r>
-          </a:p>
-        </p:txBody>
-      </p:sp>
-      <p:pic>
-        <p:nvPicPr>
-          <p:cNvPr id="4" name="Picture 3">
-            <a:extLst>
-              <a:ext uri="{FF2B5EF4-FFF2-40B4-BE49-F238E27FC236}">
-                <a16:creationId xmlns:a16="http://schemas.microsoft.com/office/drawing/2014/main" id="{DBC2D86C-61A2-0548-BD77-50DE72C69E24}"/>
-              </a:ext>
-            </a:extLst>
-          </p:cNvPr>
-          <p:cNvPicPr>
-            <a:picLocks noChangeAspect="1"/>
-          </p:cNvPicPr>
-          <p:nvPr/>
-        </p:nvPicPr>
-        <p:blipFill>
-          <a:blip r:embed="rId2"/>
-          <a:stretch>
-            <a:fillRect/>
-          </a:stretch>
-        </p:blipFill>
-        <p:spPr>
-          <a:xfrm>
-            <a:off x="609600" y="2057400"/>
-            <a:ext cx="3035300" cy="2451100"/>
-          </a:xfrm>
-          <a:prstGeom prst="rect">
-            <a:avLst/>
-          </a:prstGeom>
-          <a:ln>
-            <a:solidFill>
-              <a:schemeClr val="tx2"/>
-            </a:solidFill>
-          </a:ln>
-        </p:spPr>
-      </p:pic>
-      <p:sp>
-        <p:nvSpPr>
-          <p:cNvPr id="5" name="TextBox 4">
-            <a:extLst>
-              <a:ext uri="{FF2B5EF4-FFF2-40B4-BE49-F238E27FC236}">
-                <a16:creationId xmlns:a16="http://schemas.microsoft.com/office/drawing/2014/main" id="{7401E3AD-0165-9445-8C37-7660A82607F8}"/>
-              </a:ext>
-            </a:extLst>
-          </p:cNvPr>
-          <p:cNvSpPr txBox="1"/>
-          <p:nvPr/>
-        </p:nvSpPr>
-        <p:spPr>
-          <a:xfrm>
-            <a:off x="1067741" y="4724400"/>
-            <a:ext cx="1675459" cy="307777"/>
-          </a:xfrm>
-          <a:prstGeom prst="rect">
-            <a:avLst/>
-          </a:prstGeom>
-          <a:noFill/>
-        </p:spPr>
-        <p:txBody>
-          <a:bodyPr wrap="none" rtlCol="0">
-            <a:spAutoFit/>
-          </a:bodyPr>
-          <a:lstStyle/>
-          <a:p>
-            <a:r>
-              <a:rPr lang="en-US" sz="1400" dirty="0"/>
-              <a:t>Note: (a)+  =  a(a)*</a:t>
-            </a:r>
-          </a:p>
-        </p:txBody>
-      </p:sp>
-      <p:pic>
-        <p:nvPicPr>
-          <p:cNvPr id="6" name="Picture 5">
-            <a:extLst>
-              <a:ext uri="{FF2B5EF4-FFF2-40B4-BE49-F238E27FC236}">
-                <a16:creationId xmlns:a16="http://schemas.microsoft.com/office/drawing/2014/main" id="{434BB629-1D59-DE4A-8E08-78AEA977F6C5}"/>
-              </a:ext>
-            </a:extLst>
-          </p:cNvPr>
-          <p:cNvPicPr>
-            <a:picLocks noChangeAspect="1"/>
-          </p:cNvPicPr>
-          <p:nvPr/>
-        </p:nvPicPr>
-        <p:blipFill>
-          <a:blip r:embed="rId3"/>
-          <a:stretch>
-            <a:fillRect/>
-          </a:stretch>
-        </p:blipFill>
-        <p:spPr>
-          <a:xfrm>
-            <a:off x="3340100" y="3276600"/>
-            <a:ext cx="5346700" cy="2990348"/>
-          </a:xfrm>
-          <a:prstGeom prst="rect">
-            <a:avLst/>
-          </a:prstGeom>
-          <a:ln>
-            <a:solidFill>
-              <a:schemeClr val="tx2"/>
-            </a:solidFill>
-          </a:ln>
-        </p:spPr>
-      </p:pic>
-      <p:sp>
-        <p:nvSpPr>
-          <p:cNvPr id="7" name="TextBox 6">
-            <a:extLst>
-              <a:ext uri="{FF2B5EF4-FFF2-40B4-BE49-F238E27FC236}">
-                <a16:creationId xmlns:a16="http://schemas.microsoft.com/office/drawing/2014/main" id="{11DE53EE-92BB-A640-9282-CDADF1387309}"/>
-              </a:ext>
-            </a:extLst>
-          </p:cNvPr>
-          <p:cNvSpPr txBox="1"/>
-          <p:nvPr/>
-        </p:nvSpPr>
-        <p:spPr>
-          <a:xfrm>
-            <a:off x="4325815" y="6447692"/>
-            <a:ext cx="1279517" cy="307777"/>
-          </a:xfrm>
-          <a:prstGeom prst="rect">
-            <a:avLst/>
-          </a:prstGeom>
-          <a:noFill/>
-        </p:spPr>
-        <p:txBody>
-          <a:bodyPr wrap="none" rtlCol="0">
-            <a:spAutoFit/>
-          </a:bodyPr>
-          <a:lstStyle/>
-          <a:p>
-            <a:r>
-              <a:rPr lang="en-US" sz="1400" dirty="0"/>
-              <a:t>ln004/list1.ast</a:t>
-            </a:r>
-          </a:p>
-        </p:txBody>
-      </p:sp>
-      <p:sp>
-        <p:nvSpPr>
-          <p:cNvPr id="8" name="TextBox 7">
-            <a:extLst>
-              <a:ext uri="{FF2B5EF4-FFF2-40B4-BE49-F238E27FC236}">
-                <a16:creationId xmlns:a16="http://schemas.microsoft.com/office/drawing/2014/main" id="{F287CA79-687A-444F-8246-8EA528E4D893}"/>
-              </a:ext>
-            </a:extLst>
-          </p:cNvPr>
-          <p:cNvSpPr txBox="1"/>
-          <p:nvPr/>
-        </p:nvSpPr>
-        <p:spPr>
-          <a:xfrm>
-            <a:off x="5605332" y="2629098"/>
-            <a:ext cx="2403222" cy="307777"/>
-          </a:xfrm>
-          <a:prstGeom prst="rect">
-            <a:avLst/>
-          </a:prstGeom>
-          <a:noFill/>
-        </p:spPr>
-        <p:txBody>
-          <a:bodyPr wrap="none" rtlCol="0">
-            <a:spAutoFit/>
-          </a:bodyPr>
-          <a:lstStyle/>
-          <a:p>
-            <a:r>
-              <a:rPr lang="en-US" sz="1400" dirty="0"/>
-              <a:t>Pattern matching with regex</a:t>
-            </a:r>
-          </a:p>
-        </p:txBody>
-      </p:sp>
-      <p:cxnSp>
-        <p:nvCxnSpPr>
-          <p:cNvPr id="10" name="Straight Arrow Connector 9">
-            <a:extLst>
-              <a:ext uri="{FF2B5EF4-FFF2-40B4-BE49-F238E27FC236}">
-                <a16:creationId xmlns:a16="http://schemas.microsoft.com/office/drawing/2014/main" id="{4B6DD459-75B2-9346-AD83-F84BF6067F16}"/>
-              </a:ext>
-            </a:extLst>
-          </p:cNvPr>
-          <p:cNvCxnSpPr>
-            <a:stCxn id="8" idx="2"/>
-          </p:cNvCxnSpPr>
-          <p:nvPr/>
-        </p:nvCxnSpPr>
-        <p:spPr bwMode="auto">
-          <a:xfrm flipH="1">
-            <a:off x="6096000" y="2936875"/>
-            <a:ext cx="710943" cy="2095302"/>
-          </a:xfrm>
-          <a:prstGeom prst="straightConnector1">
-            <a:avLst/>
-          </a:prstGeom>
-          <a:solidFill>
-            <a:schemeClr val="accent1"/>
-          </a:solidFill>
-          <a:ln w="9525" cap="flat" cmpd="sng" algn="ctr">
-            <a:solidFill>
-              <a:schemeClr val="tx1"/>
-            </a:solidFill>
-            <a:prstDash val="solid"/>
-            <a:round/>
-            <a:headEnd type="none" w="med" len="med"/>
-            <a:tailEnd type="triangle"/>
-          </a:ln>
-          <a:effectLst/>
-          <a:extLst>
-            <a:ext uri="{AF507438-7753-43e0-B8FC-AC1667EBCBE1}">
-              <a14:hiddenEffects xmlns:a14="http://schemas.microsoft.com/office/drawing/2010/main" xmlns="">
-                <a:effectLst>
-                  <a:outerShdw blurRad="63500" dist="38099" dir="2700000" algn="ctr" rotWithShape="0">
-                    <a:schemeClr val="bg2">
-                      <a:alpha val="74998"/>
-                    </a:schemeClr>
-                  </a:outerShdw>
-                </a:effectLst>
-              </a14:hiddenEffects>
-            </a:ext>
-          </a:extLst>
-        </p:spPr>
-      </p:cxnSp>
-    </p:spTree>
-    <p:extLst>
-      <p:ext uri="{BB962C8B-B14F-4D97-AF65-F5344CB8AC3E}">
-        <p14:creationId xmlns:p14="http://schemas.microsoft.com/office/powerpoint/2010/main" val="426354552"/>
-      </p:ext>
-    </p:extLst>
-  </p:cSld>
-  <p:clrMapOvr>
-    <a:masterClrMapping/>
-  </p:clrMapOvr>
-</p:sld>
-</file>
-
-<file path=ppt/slides/slide24.xml><?xml version="1.0" encoding="utf-8"?>
-<p:sld xmlns:a="http://schemas.openxmlformats.org/drawingml/2006/main" xmlns:r="http://schemas.openxmlformats.org/officeDocument/2006/relationships" xmlns:p="http://schemas.openxmlformats.org/presentationml/2006/main">
-  <p:cSld>
-    <p:spTree>
-      <p:nvGrpSpPr>
-        <p:cNvPr id="1" name=""/>
-        <p:cNvGrpSpPr/>
-        <p:nvPr/>
-      </p:nvGrpSpPr>
-      <p:grpSpPr>
-        <a:xfrm>
-          <a:off x="0" y="0"/>
-          <a:ext cx="0" cy="0"/>
-          <a:chOff x="0" y="0"/>
-          <a:chExt cx="0" cy="0"/>
-        </a:xfrm>
-      </p:grpSpPr>
-      <p:sp>
-        <p:nvSpPr>
-          <p:cNvPr id="3" name="Title 2">
-            <a:extLst>
-              <a:ext uri="{FF2B5EF4-FFF2-40B4-BE49-F238E27FC236}">
-                <a16:creationId xmlns:a16="http://schemas.microsoft.com/office/drawing/2014/main" id="{9D7C697A-6DA3-A44E-B637-24C616E3CC5F}"/>
-              </a:ext>
-            </a:extLst>
-          </p:cNvPr>
-          <p:cNvSpPr>
-            <a:spLocks noGrp="1"/>
-          </p:cNvSpPr>
-          <p:nvPr>
-            <p:ph type="title"/>
-          </p:nvPr>
-        </p:nvSpPr>
-        <p:spPr/>
-        <p:txBody>
-          <a:bodyPr/>
-          <a:lstStyle/>
-          <a:p>
-            <a:r>
-              <a:rPr lang="en-US" dirty="0"/>
-              <a:t>Reading</a:t>
-            </a:r>
-          </a:p>
-        </p:txBody>
-      </p:sp>
-      <p:sp>
-        <p:nvSpPr>
-          <p:cNvPr id="4" name="Content Placeholder 3">
-            <a:extLst>
-              <a:ext uri="{FF2B5EF4-FFF2-40B4-BE49-F238E27FC236}">
-                <a16:creationId xmlns:a16="http://schemas.microsoft.com/office/drawing/2014/main" id="{169AAE0B-02FF-DA4D-BB90-8E551E1B73AC}"/>
-              </a:ext>
-            </a:extLst>
-          </p:cNvPr>
-          <p:cNvSpPr>
-            <a:spLocks noGrp="1"/>
-          </p:cNvSpPr>
-          <p:nvPr>
-            <p:ph idx="1"/>
-          </p:nvPr>
-        </p:nvSpPr>
-        <p:spPr>
-          <a:xfrm>
-            <a:off x="190500" y="1905000"/>
-            <a:ext cx="8763000" cy="4114800"/>
-          </a:xfrm>
-        </p:spPr>
-        <p:txBody>
-          <a:bodyPr/>
-          <a:lstStyle/>
-          <a:p>
-            <a:r>
-              <a:rPr lang="en-US" sz="2000" dirty="0"/>
-              <a:t>The Let Statement</a:t>
-            </a:r>
-          </a:p>
-          <a:p>
-            <a:pPr lvl="1"/>
-            <a:r>
-              <a:rPr lang="en-US" sz="1800" dirty="0">
-                <a:hlinkClick r:id="rId2"/>
-              </a:rPr>
-              <a:t>asteroid-lang.readthedocs.io/en/latest/User%20Guide.html#the-let-statement</a:t>
-            </a:r>
-            <a:endParaRPr lang="en-US" sz="1800" dirty="0"/>
-          </a:p>
-          <a:p>
-            <a:pPr lvl="1"/>
-            <a:endParaRPr lang="en-US" sz="1800" dirty="0"/>
-          </a:p>
-          <a:p>
-            <a:pPr lvl="1"/>
-            <a:endParaRPr lang="en-US" sz="1800" dirty="0"/>
-          </a:p>
-        </p:txBody>
-      </p:sp>
-    </p:spTree>
-    <p:extLst>
-      <p:ext uri="{BB962C8B-B14F-4D97-AF65-F5344CB8AC3E}">
-        <p14:creationId xmlns:p14="http://schemas.microsoft.com/office/powerpoint/2010/main" val="3037335692"/>
-      </p:ext>
-    </p:extLst>
-  </p:cSld>
-  <p:clrMapOvr>
-    <a:masterClrMapping/>
-  </p:clrMapOvr>
-</p:sld>
-</file>
-
-<file path=ppt/slides/slide3.xml><?xml version="1.0" encoding="utf-8"?>
-<p:sld xmlns:a="http://schemas.openxmlformats.org/drawingml/2006/main" xmlns:r="http://schemas.openxmlformats.org/officeDocument/2006/relationships" xmlns:p="http://schemas.openxmlformats.org/presentationml/2006/main">
-  <p:cSld>
-    <p:spTree>
-      <p:nvGrpSpPr>
-        <p:cNvPr id="1" name=""/>
-        <p:cNvGrpSpPr/>
-        <p:nvPr/>
-      </p:nvGrpSpPr>
-      <p:grpSpPr>
-        <a:xfrm>
-          <a:off x="0" y="0"/>
-          <a:ext cx="0" cy="0"/>
-          <a:chOff x="0" y="0"/>
-          <a:chExt cx="0" cy="0"/>
-        </a:xfrm>
-      </p:grpSpPr>
-      <p:sp>
-        <p:nvSpPr>
-          <p:cNvPr id="2" name="Title 1">
-            <a:extLst>
-              <a:ext uri="{FF2B5EF4-FFF2-40B4-BE49-F238E27FC236}">
-                <a16:creationId xmlns:a16="http://schemas.microsoft.com/office/drawing/2014/main" id="{44969C8F-C644-7946-B4B0-381BB6051384}"/>
-              </a:ext>
-            </a:extLst>
-          </p:cNvPr>
-          <p:cNvSpPr>
-            <a:spLocks noGrp="1"/>
-          </p:cNvSpPr>
-          <p:nvPr>
-            <p:ph type="title"/>
-          </p:nvPr>
-        </p:nvSpPr>
-        <p:spPr/>
-        <p:txBody>
-          <a:bodyPr/>
-          <a:lstStyle/>
-          <a:p>
-            <a:r>
-              <a:rPr lang="en-US" dirty="0"/>
-              <a:t>Basic Patterns</a:t>
-            </a:r>
-          </a:p>
-        </p:txBody>
-      </p:sp>
-      <p:sp>
-        <p:nvSpPr>
-          <p:cNvPr id="3" name="Content Placeholder 2">
-            <a:extLst>
-              <a:ext uri="{FF2B5EF4-FFF2-40B4-BE49-F238E27FC236}">
-                <a16:creationId xmlns:a16="http://schemas.microsoft.com/office/drawing/2014/main" id="{D1DA5083-17EB-1243-A0A4-6DD3250A0A56}"/>
-              </a:ext>
-            </a:extLst>
-          </p:cNvPr>
-          <p:cNvSpPr>
-            <a:spLocks noGrp="1"/>
-          </p:cNvSpPr>
-          <p:nvPr>
-            <p:ph idx="1"/>
-          </p:nvPr>
-        </p:nvSpPr>
-        <p:spPr/>
-        <p:txBody>
-          <a:bodyPr>
-            <a:normAutofit fontScale="70000" lnSpcReduction="20000"/>
-          </a:bodyPr>
-          <a:lstStyle/>
-          <a:p>
-            <a:r>
-              <a:rPr lang="en-US" dirty="0"/>
-              <a:t>In programs values are represented by constructors,</a:t>
-            </a:r>
-          </a:p>
-          <a:p>
-            <a:pPr lvl="1"/>
-            <a:r>
-              <a:rPr lang="en-US" dirty="0"/>
-              <a:t>1</a:t>
-            </a:r>
-          </a:p>
-          <a:p>
-            <a:pPr lvl="1"/>
-            <a:r>
-              <a:rPr lang="en-US" dirty="0"/>
-              <a:t>“Hello, World!”</a:t>
-            </a:r>
-          </a:p>
-          <a:p>
-            <a:pPr lvl="1"/>
-            <a:r>
-              <a:rPr lang="en-US" dirty="0"/>
-              <a:t>[1,2,3]</a:t>
-            </a:r>
-          </a:p>
-          <a:p>
-            <a:r>
-              <a:rPr lang="en-US" dirty="0"/>
-              <a:t>Any structure that cannot be reduced any further consists purely of constructors and is the </a:t>
-            </a:r>
-            <a:r>
-              <a:rPr lang="en-US" b="1" dirty="0"/>
-              <a:t>minimal representation </a:t>
-            </a:r>
-            <a:r>
-              <a:rPr lang="en-US" dirty="0"/>
-              <a:t>of a value</a:t>
-            </a:r>
-          </a:p>
-          <a:p>
-            <a:pPr lvl="1"/>
-            <a:r>
-              <a:rPr lang="en-US" dirty="0"/>
-              <a:t>[1,2] + [3] and 1 + 1 can be reduced further</a:t>
-            </a:r>
-          </a:p>
-          <a:p>
-            <a:pPr lvl="1"/>
-            <a:r>
-              <a:rPr lang="en-US" dirty="0"/>
-              <a:t>[1,2,3] and 2 cannot be reduced further</a:t>
-            </a:r>
-          </a:p>
-          <a:p>
-            <a:r>
-              <a:rPr lang="en-US" dirty="0"/>
-              <a:t>The latter are considered the minimal representations of the former values and consist purely of constructors</a:t>
-            </a:r>
-          </a:p>
-          <a:p>
-            <a:r>
-              <a:rPr lang="en-US" dirty="0"/>
-              <a:t>The idea of values being represented purely by constructors is important for patterns and pattern matching</a:t>
-            </a:r>
-          </a:p>
-        </p:txBody>
-      </p:sp>
-    </p:spTree>
-    <p:extLst>
-      <p:ext uri="{BB962C8B-B14F-4D97-AF65-F5344CB8AC3E}">
-        <p14:creationId xmlns:p14="http://schemas.microsoft.com/office/powerpoint/2010/main" val="1593146495"/>
-      </p:ext>
-    </p:extLst>
-  </p:cSld>
-  <p:clrMapOvr>
-    <a:masterClrMapping/>
-  </p:clrMapOvr>
-</p:sld>
-</file>
-
 <file path=ppt/slides/slide4.xml><?xml version="1.0" encoding="utf-8"?>
 <p:sld xmlns:a="http://schemas.openxmlformats.org/drawingml/2006/main" xmlns:r="http://schemas.openxmlformats.org/officeDocument/2006/relationships" xmlns:p="http://schemas.openxmlformats.org/presentationml/2006/main">
   <p:cSld>
@@ -8752,7 +9810,7 @@
           <a:p>
             <a:r>
               <a:rPr lang="en-US" dirty="0"/>
-              <a:t>Basic Patterns</a:t>
+              <a:t>Pattern Matching – Foundations </a:t>
             </a:r>
           </a:p>
         </p:txBody>
@@ -8773,138 +9831,108 @@
             <p:ph idx="1"/>
           </p:nvPr>
         </p:nvSpPr>
-        <p:spPr>
-          <a:xfrm>
-            <a:off x="1524000" y="1676400"/>
-            <a:ext cx="7010400" cy="990600"/>
-          </a:xfrm>
-        </p:spPr>
+        <p:spPr/>
         <p:txBody>
           <a:bodyPr>
-            <a:normAutofit fontScale="85000" lnSpcReduction="10000"/>
+            <a:normAutofit fontScale="62500" lnSpcReduction="20000"/>
           </a:bodyPr>
           <a:lstStyle/>
           <a:p>
             <a:r>
+              <a:rPr lang="en-US" dirty="0"/>
+              <a:t>In programs values are represented by </a:t>
+            </a:r>
+            <a:r>
               <a:rPr lang="en-US" b="1" dirty="0"/>
-              <a:t>Def</a:t>
-            </a:r>
-            <a:r>
-              <a:rPr lang="en-US" dirty="0"/>
-              <a:t>: A pattern is an expression that consists of constructors and possibly variables.</a:t>
-            </a:r>
-          </a:p>
-        </p:txBody>
-      </p:sp>
-      <p:pic>
-        <p:nvPicPr>
-          <p:cNvPr id="4" name="Picture 3">
-            <a:extLst>
-              <a:ext uri="{FF2B5EF4-FFF2-40B4-BE49-F238E27FC236}">
-                <a16:creationId xmlns:a16="http://schemas.microsoft.com/office/drawing/2014/main" id="{38E3A626-854D-FE4E-94C1-AEFA362A932B}"/>
-              </a:ext>
-            </a:extLst>
-          </p:cNvPr>
-          <p:cNvPicPr>
-            <a:picLocks noChangeAspect="1"/>
-          </p:cNvPicPr>
-          <p:nvPr/>
-        </p:nvPicPr>
-        <p:blipFill>
-          <a:blip r:embed="rId2"/>
-          <a:stretch>
-            <a:fillRect/>
-          </a:stretch>
-        </p:blipFill>
-        <p:spPr>
-          <a:xfrm>
-            <a:off x="228600" y="2667000"/>
-            <a:ext cx="6299200" cy="2260600"/>
-          </a:xfrm>
-          <a:prstGeom prst="rect">
-            <a:avLst/>
-          </a:prstGeom>
-          <a:ln>
-            <a:solidFill>
-              <a:schemeClr val="tx1"/>
-            </a:solidFill>
-          </a:ln>
-        </p:spPr>
-      </p:pic>
-      <p:pic>
-        <p:nvPicPr>
-          <p:cNvPr id="5" name="Picture 4">
-            <a:extLst>
-              <a:ext uri="{FF2B5EF4-FFF2-40B4-BE49-F238E27FC236}">
-                <a16:creationId xmlns:a16="http://schemas.microsoft.com/office/drawing/2014/main" id="{8C100594-9017-D54C-8A50-79C1F2A02B89}"/>
-              </a:ext>
-            </a:extLst>
-          </p:cNvPr>
-          <p:cNvPicPr>
-            <a:picLocks noChangeAspect="1"/>
-          </p:cNvPicPr>
-          <p:nvPr/>
-        </p:nvPicPr>
-        <p:blipFill>
-          <a:blip r:embed="rId3"/>
-          <a:stretch>
-            <a:fillRect/>
-          </a:stretch>
-        </p:blipFill>
-        <p:spPr>
-          <a:xfrm>
-            <a:off x="5956300" y="3225800"/>
-            <a:ext cx="2959100" cy="2260600"/>
-          </a:xfrm>
-          <a:prstGeom prst="rect">
-            <a:avLst/>
-          </a:prstGeom>
-          <a:ln>
-            <a:solidFill>
-              <a:schemeClr val="tx1"/>
-            </a:solidFill>
-          </a:ln>
-        </p:spPr>
-      </p:pic>
-      <p:pic>
-        <p:nvPicPr>
-          <p:cNvPr id="6" name="Picture 5">
-            <a:extLst>
-              <a:ext uri="{FF2B5EF4-FFF2-40B4-BE49-F238E27FC236}">
-                <a16:creationId xmlns:a16="http://schemas.microsoft.com/office/drawing/2014/main" id="{C3A1BA18-AC71-8247-93C9-14F2FF91482D}"/>
-              </a:ext>
-            </a:extLst>
-          </p:cNvPr>
-          <p:cNvPicPr>
-            <a:picLocks noChangeAspect="1"/>
-          </p:cNvPicPr>
-          <p:nvPr/>
-        </p:nvPicPr>
-        <p:blipFill>
-          <a:blip r:embed="rId4"/>
-          <a:stretch>
-            <a:fillRect/>
-          </a:stretch>
-        </p:blipFill>
-        <p:spPr>
-          <a:xfrm>
-            <a:off x="2362200" y="4674577"/>
-            <a:ext cx="2959100" cy="2057400"/>
-          </a:xfrm>
-          <a:prstGeom prst="rect">
-            <a:avLst/>
-          </a:prstGeom>
-          <a:ln>
-            <a:solidFill>
-              <a:schemeClr val="tx1"/>
-            </a:solidFill>
-          </a:ln>
-        </p:spPr>
-      </p:pic>
+              <a:t>constructors</a:t>
+            </a:r>
+            <a:r>
+              <a:rPr lang="en-US" dirty="0"/>
+              <a:t>,</a:t>
+            </a:r>
+          </a:p>
+          <a:p>
+            <a:pPr lvl="1"/>
+            <a:r>
+              <a:rPr lang="en-US" dirty="0"/>
+              <a:t>1</a:t>
+            </a:r>
+          </a:p>
+          <a:p>
+            <a:pPr lvl="1"/>
+            <a:r>
+              <a:rPr lang="en-US" dirty="0"/>
+              <a:t>“Hello, World!”</a:t>
+            </a:r>
+          </a:p>
+          <a:p>
+            <a:pPr lvl="1"/>
+            <a:r>
+              <a:rPr lang="en-US" dirty="0"/>
+              <a:t>[1,2,3]</a:t>
+            </a:r>
+          </a:p>
+          <a:p>
+            <a:pPr lvl="1"/>
+            <a:r>
+              <a:rPr lang="en-US" dirty="0"/>
+              <a:t>(“Harry”, 32)</a:t>
+            </a:r>
+          </a:p>
+          <a:p>
+            <a:r>
+              <a:rPr lang="en-US" dirty="0"/>
+              <a:t>Any structure that cannot be reduced any further consists purely of constructors and is the </a:t>
+            </a:r>
+            <a:r>
+              <a:rPr lang="en-US" b="1" dirty="0"/>
+              <a:t>minimal/canonical representation </a:t>
+            </a:r>
+            <a:r>
+              <a:rPr lang="en-US" dirty="0"/>
+              <a:t>of a value.</a:t>
+            </a:r>
+          </a:p>
+          <a:p>
+            <a:r>
+              <a:rPr lang="en-US" dirty="0"/>
+              <a:t>The following are all representations of the value two:</a:t>
+            </a:r>
+          </a:p>
+          <a:p>
+            <a:pPr lvl="1"/>
+            <a:r>
+              <a:rPr lang="en-US" dirty="0"/>
+              <a:t>1+1; 3-1; 2*1; 2+0; 2</a:t>
+            </a:r>
+          </a:p>
+          <a:p>
+            <a:pPr lvl="1"/>
+            <a:r>
+              <a:rPr lang="en-US" dirty="0"/>
+              <a:t>Only the last one is the canonical representation of the value two.</a:t>
+            </a:r>
+          </a:p>
+          <a:p>
+            <a:pPr lvl="1"/>
+            <a:r>
+              <a:rPr lang="en-US" dirty="0"/>
+              <a:t>We say that 2 is a constructor for the value two.</a:t>
+            </a:r>
+          </a:p>
+          <a:p>
+            <a:pPr lvl="1"/>
+            <a:r>
+              <a:rPr lang="en-US" dirty="0"/>
+              <a:t>In this case the constructor happens to be a constant.</a:t>
+            </a:r>
+          </a:p>
+        </p:txBody>
+      </p:sp>
     </p:spTree>
     <p:extLst>
       <p:ext uri="{BB962C8B-B14F-4D97-AF65-F5344CB8AC3E}">
-        <p14:creationId xmlns:p14="http://schemas.microsoft.com/office/powerpoint/2010/main" val="513820654"/>
+        <p14:creationId xmlns:p14="http://schemas.microsoft.com/office/powerpoint/2010/main" val="1116739954"/>
       </p:ext>
     </p:extLst>
   </p:cSld>
@@ -8947,226 +9975,71 @@
             <p:ph type="title"/>
           </p:nvPr>
         </p:nvSpPr>
-        <p:spPr>
-          <a:xfrm>
-            <a:off x="1524000" y="190500"/>
-            <a:ext cx="7010400" cy="1527175"/>
-          </a:xfrm>
-        </p:spPr>
-        <p:txBody>
-          <a:bodyPr wrap="square" anchor="ctr">
+        <p:spPr/>
+        <p:txBody>
+          <a:bodyPr/>
+          <a:lstStyle/>
+          <a:p>
+            <a:r>
+              <a:rPr lang="en-US" dirty="0"/>
+              <a:t>Pattern Matching – Foundations </a:t>
+            </a:r>
+          </a:p>
+        </p:txBody>
+      </p:sp>
+      <p:sp>
+        <p:nvSpPr>
+          <p:cNvPr id="3" name="Content Placeholder 2">
+            <a:extLst>
+              <a:ext uri="{FF2B5EF4-FFF2-40B4-BE49-F238E27FC236}">
+                <a16:creationId xmlns:a16="http://schemas.microsoft.com/office/drawing/2014/main" id="{D1DA5083-17EB-1243-A0A4-6DD3250A0A56}"/>
+              </a:ext>
+            </a:extLst>
+          </p:cNvPr>
+          <p:cNvSpPr>
+            <a:spLocks noGrp="1"/>
+          </p:cNvSpPr>
+          <p:nvPr>
+            <p:ph idx="1"/>
+          </p:nvPr>
+        </p:nvSpPr>
+        <p:spPr/>
+        <p:txBody>
+          <a:bodyPr>
             <a:normAutofit/>
           </a:bodyPr>
           <a:lstStyle/>
           <a:p>
             <a:r>
               <a:rPr lang="en-US" dirty="0"/>
-              <a:t>Basic Patterns</a:t>
-            </a:r>
-          </a:p>
-        </p:txBody>
-      </p:sp>
-      <p:pic>
-        <p:nvPicPr>
-          <p:cNvPr id="7" name="Picture 6">
-            <a:extLst>
-              <a:ext uri="{FF2B5EF4-FFF2-40B4-BE49-F238E27FC236}">
-                <a16:creationId xmlns:a16="http://schemas.microsoft.com/office/drawing/2014/main" id="{AFF26B33-87C9-1C43-9934-53C424D0E749}"/>
-              </a:ext>
-            </a:extLst>
-          </p:cNvPr>
-          <p:cNvPicPr>
-            <a:picLocks noChangeAspect="1"/>
-          </p:cNvPicPr>
-          <p:nvPr/>
-        </p:nvPicPr>
-        <p:blipFill>
-          <a:blip r:embed="rId2"/>
-          <a:stretch>
-            <a:fillRect/>
-          </a:stretch>
-        </p:blipFill>
-        <p:spPr>
-          <a:xfrm>
-            <a:off x="457200" y="1987678"/>
-            <a:ext cx="3733800" cy="3117722"/>
-          </a:xfrm>
-          <a:prstGeom prst="rect">
-            <a:avLst/>
-          </a:prstGeom>
-          <a:noFill/>
-          <a:ln>
-            <a:solidFill>
-              <a:schemeClr val="tx1"/>
-            </a:solidFill>
-          </a:ln>
-        </p:spPr>
-      </p:pic>
-      <p:sp>
-        <p:nvSpPr>
-          <p:cNvPr id="3" name="Content Placeholder 2">
-            <a:extLst>
-              <a:ext uri="{FF2B5EF4-FFF2-40B4-BE49-F238E27FC236}">
-                <a16:creationId xmlns:a16="http://schemas.microsoft.com/office/drawing/2014/main" id="{D1DA5083-17EB-1243-A0A4-6DD3250A0A56}"/>
-              </a:ext>
-            </a:extLst>
-          </p:cNvPr>
-          <p:cNvSpPr>
-            <a:spLocks noGrp="1"/>
-          </p:cNvSpPr>
-          <p:nvPr>
-            <p:ph sz="half" idx="2"/>
-          </p:nvPr>
-        </p:nvSpPr>
-        <p:spPr>
-          <a:xfrm>
-            <a:off x="4572000" y="1905000"/>
-            <a:ext cx="3962400" cy="4114800"/>
-          </a:xfrm>
-        </p:spPr>
-        <p:txBody>
-          <a:bodyPr wrap="square" anchor="t">
-            <a:normAutofit fontScale="85000" lnSpcReduction="20000"/>
-          </a:bodyPr>
-          <a:lstStyle/>
-          <a:p>
-            <a:r>
-              <a:rPr lang="en-US" dirty="0"/>
-              <a:t>This also works for user defined structures/objects</a:t>
-            </a:r>
-          </a:p>
-          <a:p>
-            <a:r>
-              <a:rPr lang="en-US" dirty="0"/>
-              <a:t>The expression A(1,2) on the left side is considered a constructor and also a pattern</a:t>
-            </a:r>
-          </a:p>
-          <a:p>
-            <a:r>
-              <a:rPr lang="en-US" dirty="0"/>
-              <a:t>We can insert variables into the constructor, A(</a:t>
-            </a:r>
-            <a:r>
-              <a:rPr lang="en-US" dirty="0" err="1"/>
-              <a:t>x,y</a:t>
-            </a:r>
-            <a:r>
-              <a:rPr lang="en-US" dirty="0"/>
-              <a:t>), for easy access to the components of the object o</a:t>
+              <a:t>Here is another example using lists</a:t>
+            </a:r>
+          </a:p>
+          <a:p>
+            <a:r>
+              <a:rPr lang="en-US" dirty="0"/>
+              <a:t>The following are all representations of a list with the values one, two, and three</a:t>
             </a:r>
           </a:p>
           <a:p>
             <a:pPr lvl="1"/>
             <a:r>
-              <a:rPr lang="en-US" b="1" dirty="0" err="1"/>
-              <a:t>destructuring</a:t>
-            </a:r>
-            <a:endParaRPr lang="en-US" b="1" dirty="0"/>
-          </a:p>
-        </p:txBody>
-      </p:sp>
-      <p:cxnSp>
-        <p:nvCxnSpPr>
-          <p:cNvPr id="10" name="Straight Arrow Connector 9">
-            <a:extLst>
-              <a:ext uri="{FF2B5EF4-FFF2-40B4-BE49-F238E27FC236}">
-                <a16:creationId xmlns:a16="http://schemas.microsoft.com/office/drawing/2014/main" id="{4CC7FE1A-F709-A240-9106-0E267F5E7ED3}"/>
-              </a:ext>
-            </a:extLst>
-          </p:cNvPr>
-          <p:cNvCxnSpPr>
-            <a:cxnSpLocks/>
-          </p:cNvCxnSpPr>
-          <p:nvPr/>
-        </p:nvCxnSpPr>
-        <p:spPr bwMode="auto">
-          <a:xfrm flipH="1" flipV="1">
-            <a:off x="1752600" y="4191001"/>
-            <a:ext cx="2971800" cy="533399"/>
-          </a:xfrm>
-          <a:prstGeom prst="straightConnector1">
-            <a:avLst/>
-          </a:prstGeom>
-          <a:solidFill>
-            <a:schemeClr val="accent1"/>
-          </a:solidFill>
-          <a:ln w="9525" cap="flat" cmpd="sng" algn="ctr">
-            <a:solidFill>
-              <a:schemeClr val="tx1"/>
-            </a:solidFill>
-            <a:prstDash val="solid"/>
-            <a:round/>
-            <a:headEnd type="none" w="med" len="med"/>
-            <a:tailEnd type="triangle"/>
-          </a:ln>
-          <a:effectLst/>
-          <a:extLst>
-            <a:ext uri="{AF507438-7753-43e0-B8FC-AC1667EBCBE1}">
-              <a14:hiddenEffects xmlns:a14="http://schemas.microsoft.com/office/drawing/2010/main" xmlns="">
-                <a:effectLst>
-                  <a:outerShdw blurRad="63500" dist="38099" dir="2700000" algn="ctr" rotWithShape="0">
-                    <a:schemeClr val="bg2">
-                      <a:alpha val="74998"/>
-                    </a:schemeClr>
-                  </a:outerShdw>
-                </a:effectLst>
-              </a14:hiddenEffects>
-            </a:ext>
-          </a:extLst>
-        </p:spPr>
-      </p:cxnSp>
-      <p:cxnSp>
-        <p:nvCxnSpPr>
-          <p:cNvPr id="12" name="Straight Arrow Connector 11">
-            <a:extLst>
-              <a:ext uri="{FF2B5EF4-FFF2-40B4-BE49-F238E27FC236}">
-                <a16:creationId xmlns:a16="http://schemas.microsoft.com/office/drawing/2014/main" id="{2613D899-8FEA-D847-BF4D-0EC349742B2F}"/>
-              </a:ext>
-            </a:extLst>
-          </p:cNvPr>
-          <p:cNvCxnSpPr/>
-          <p:nvPr/>
-        </p:nvCxnSpPr>
-        <p:spPr bwMode="auto">
-          <a:xfrm flipH="1">
-            <a:off x="2362200" y="3429000"/>
-            <a:ext cx="2438400" cy="457200"/>
-          </a:xfrm>
-          <a:prstGeom prst="straightConnector1">
-            <a:avLst/>
-          </a:prstGeom>
-          <a:solidFill>
-            <a:schemeClr val="accent1"/>
-          </a:solidFill>
-          <a:ln w="9525" cap="flat" cmpd="sng" algn="ctr">
-            <a:solidFill>
-              <a:schemeClr val="tx1"/>
-            </a:solidFill>
-            <a:prstDash val="solid"/>
-            <a:round/>
-            <a:headEnd type="none" w="med" len="med"/>
-            <a:tailEnd type="triangle"/>
-          </a:ln>
-          <a:effectLst/>
-          <a:extLst>
-            <a:ext uri="{AF507438-7753-43e0-B8FC-AC1667EBCBE1}">
-              <a14:hiddenEffects xmlns:a14="http://schemas.microsoft.com/office/drawing/2010/main" xmlns="">
-                <a:effectLst>
-                  <a:outerShdw blurRad="63500" dist="38099" dir="2700000" algn="ctr" rotWithShape="0">
-                    <a:schemeClr val="bg2">
-                      <a:alpha val="74998"/>
-                    </a:schemeClr>
-                  </a:outerShdw>
-                </a:effectLst>
-              </a14:hiddenEffects>
-            </a:ext>
-          </a:extLst>
-        </p:spPr>
-      </p:cxnSp>
+              <a:rPr lang="en-US" dirty="0"/>
+              <a:t>[1]+[2]+[3]; [1,2]+[3]; [1,2,3]+[]; [1,2,3]</a:t>
+            </a:r>
+          </a:p>
+          <a:p>
+            <a:r>
+              <a:rPr lang="en-US" dirty="0"/>
+              <a:t>Again, only the last one is the canonical representation of the list</a:t>
+            </a:r>
+          </a:p>
+        </p:txBody>
+      </p:sp>
     </p:spTree>
     <p:extLst>
       <p:ext uri="{BB962C8B-B14F-4D97-AF65-F5344CB8AC3E}">
-        <p14:creationId xmlns:p14="http://schemas.microsoft.com/office/powerpoint/2010/main" val="609153235"/>
+        <p14:creationId xmlns:p14="http://schemas.microsoft.com/office/powerpoint/2010/main" val="2949411308"/>
       </p:ext>
     </p:extLst>
   </p:cSld>
@@ -9195,10 +10068,10 @@
       </p:grpSpPr>
       <p:sp>
         <p:nvSpPr>
-          <p:cNvPr id="5" name="Title 4">
-            <a:extLst>
-              <a:ext uri="{FF2B5EF4-FFF2-40B4-BE49-F238E27FC236}">
-                <a16:creationId xmlns:a16="http://schemas.microsoft.com/office/drawing/2014/main" id="{1AF4F978-3E3C-7447-946F-559FC9D1C077}"/>
+          <p:cNvPr id="2" name="Title 1">
+            <a:extLst>
+              <a:ext uri="{FF2B5EF4-FFF2-40B4-BE49-F238E27FC236}">
+                <a16:creationId xmlns:a16="http://schemas.microsoft.com/office/drawing/2014/main" id="{44969C8F-C644-7946-B4B0-381BB6051384}"/>
               </a:ext>
             </a:extLst>
           </p:cNvPr>
@@ -9215,19 +10088,18 @@
           <a:lstStyle/>
           <a:p>
             <a:r>
-              <a:rPr lang="en-US" dirty="0" err="1"/>
-              <a:t>Destructuring</a:t>
-            </a:r>
-            <a:endParaRPr lang="en-US" dirty="0"/>
-          </a:p>
-        </p:txBody>
-      </p:sp>
-      <p:sp>
-        <p:nvSpPr>
-          <p:cNvPr id="6" name="Content Placeholder 5">
-            <a:extLst>
-              <a:ext uri="{FF2B5EF4-FFF2-40B4-BE49-F238E27FC236}">
-                <a16:creationId xmlns:a16="http://schemas.microsoft.com/office/drawing/2014/main" id="{69CD2371-8322-9A41-A719-261ECC263996}"/>
+              <a:rPr lang="en-US" dirty="0"/>
+              <a:t>Pattern Matching – Foundations </a:t>
+            </a:r>
+          </a:p>
+        </p:txBody>
+      </p:sp>
+      <p:sp>
+        <p:nvSpPr>
+          <p:cNvPr id="3" name="Content Placeholder 2">
+            <a:extLst>
+              <a:ext uri="{FF2B5EF4-FFF2-40B4-BE49-F238E27FC236}">
+                <a16:creationId xmlns:a16="http://schemas.microsoft.com/office/drawing/2014/main" id="{D1DA5083-17EB-1243-A0A4-6DD3250A0A56}"/>
               </a:ext>
             </a:extLst>
           </p:cNvPr>
@@ -9238,261 +10110,114 @@
             <p:ph idx="1"/>
           </p:nvPr>
         </p:nvSpPr>
-        <p:spPr>
-          <a:xfrm>
-            <a:off x="1524000" y="1905000"/>
-            <a:ext cx="7010400" cy="1524000"/>
-          </a:xfrm>
-        </p:spPr>
+        <p:spPr/>
         <p:txBody>
           <a:bodyPr>
-            <a:normAutofit fontScale="85000" lnSpcReduction="20000"/>
+            <a:normAutofit fontScale="70000" lnSpcReduction="20000"/>
           </a:bodyPr>
           <a:lstStyle/>
           <a:p>
             <a:r>
               <a:rPr lang="en-US" dirty="0"/>
-              <a:t>The idea of </a:t>
-            </a:r>
-            <a:r>
-              <a:rPr lang="en-US" dirty="0" err="1"/>
-              <a:t>destructuring</a:t>
-            </a:r>
-            <a:r>
-              <a:rPr lang="en-US" dirty="0"/>
-              <a:t> is fundamental to pattern matching</a:t>
-            </a:r>
-          </a:p>
-          <a:p>
-            <a:r>
-              <a:rPr lang="en-US" dirty="0"/>
-              <a:t>It makes access to substructures much more readable (and efficient).</a:t>
-            </a:r>
-          </a:p>
-        </p:txBody>
-      </p:sp>
-      <p:pic>
-        <p:nvPicPr>
-          <p:cNvPr id="7" name="Picture 6">
-            <a:extLst>
-              <a:ext uri="{FF2B5EF4-FFF2-40B4-BE49-F238E27FC236}">
-                <a16:creationId xmlns:a16="http://schemas.microsoft.com/office/drawing/2014/main" id="{125A6A26-A408-284D-A5D3-913E31B1906F}"/>
-              </a:ext>
-            </a:extLst>
-          </p:cNvPr>
-          <p:cNvPicPr>
-            <a:picLocks noChangeAspect="1"/>
-          </p:cNvPicPr>
-          <p:nvPr/>
-        </p:nvPicPr>
-        <p:blipFill>
-          <a:blip r:embed="rId2"/>
-          <a:stretch>
-            <a:fillRect/>
-          </a:stretch>
-        </p:blipFill>
-        <p:spPr>
-          <a:xfrm>
-            <a:off x="381000" y="3733800"/>
-            <a:ext cx="5080000" cy="1104900"/>
-          </a:xfrm>
-          <a:prstGeom prst="rect">
-            <a:avLst/>
-          </a:prstGeom>
-          <a:ln>
-            <a:solidFill>
-              <a:schemeClr val="tx1"/>
-            </a:solidFill>
-          </a:ln>
-        </p:spPr>
-      </p:pic>
-      <p:sp>
-        <p:nvSpPr>
-          <p:cNvPr id="8" name="TextBox 7">
-            <a:extLst>
-              <a:ext uri="{FF2B5EF4-FFF2-40B4-BE49-F238E27FC236}">
-                <a16:creationId xmlns:a16="http://schemas.microsoft.com/office/drawing/2014/main" id="{03756C8F-9F25-8C48-9322-F8715F3293D8}"/>
-              </a:ext>
-            </a:extLst>
-          </p:cNvPr>
-          <p:cNvSpPr txBox="1"/>
-          <p:nvPr/>
-        </p:nvSpPr>
-        <p:spPr>
-          <a:xfrm>
-            <a:off x="304800" y="3429000"/>
-            <a:ext cx="3369833" cy="338554"/>
-          </a:xfrm>
-          <a:prstGeom prst="rect">
-            <a:avLst/>
-          </a:prstGeom>
-          <a:noFill/>
-        </p:spPr>
-        <p:txBody>
-          <a:bodyPr wrap="none" rtlCol="0">
-            <a:spAutoFit/>
-          </a:bodyPr>
-          <a:lstStyle/>
-          <a:p>
-            <a:r>
-              <a:rPr lang="en-US" sz="1600" dirty="0">
+              <a:t>Patterns are all about structure</a:t>
+            </a:r>
+          </a:p>
+          <a:p>
+            <a:r>
+              <a:rPr lang="en-US" b="0" i="0" dirty="0">
                 <a:solidFill>
-                  <a:schemeClr val="tx2"/>
+                  <a:srgbClr val="374151"/>
                 </a:solidFill>
+                <a:effectLst/>
+                <a:latin typeface="Söhne"/>
               </a:rPr>
-              <a:t>Without structural pattern matching</a:t>
-            </a:r>
-          </a:p>
-        </p:txBody>
-      </p:sp>
-      <p:pic>
-        <p:nvPicPr>
-          <p:cNvPr id="9" name="Picture 8">
-            <a:extLst>
-              <a:ext uri="{FF2B5EF4-FFF2-40B4-BE49-F238E27FC236}">
-                <a16:creationId xmlns:a16="http://schemas.microsoft.com/office/drawing/2014/main" id="{F9B7DA3C-11B5-0647-A4C8-16EABDEC9869}"/>
-              </a:ext>
-            </a:extLst>
-          </p:cNvPr>
-          <p:cNvPicPr>
-            <a:picLocks noChangeAspect="1"/>
-          </p:cNvPicPr>
-          <p:nvPr/>
-        </p:nvPicPr>
-        <p:blipFill>
-          <a:blip r:embed="rId3"/>
-          <a:stretch>
-            <a:fillRect/>
-          </a:stretch>
-        </p:blipFill>
-        <p:spPr>
-          <a:xfrm>
-            <a:off x="673100" y="5490602"/>
-            <a:ext cx="7861300" cy="863600"/>
-          </a:xfrm>
-          <a:prstGeom prst="rect">
-            <a:avLst/>
-          </a:prstGeom>
-          <a:ln>
-            <a:solidFill>
-              <a:schemeClr val="tx1"/>
-            </a:solidFill>
-          </a:ln>
-        </p:spPr>
-      </p:pic>
-      <p:sp>
-        <p:nvSpPr>
-          <p:cNvPr id="10" name="TextBox 9">
-            <a:extLst>
-              <a:ext uri="{FF2B5EF4-FFF2-40B4-BE49-F238E27FC236}">
-                <a16:creationId xmlns:a16="http://schemas.microsoft.com/office/drawing/2014/main" id="{162A76F6-7B4F-1847-A972-BC4167D54106}"/>
-              </a:ext>
-            </a:extLst>
-          </p:cNvPr>
-          <p:cNvSpPr txBox="1"/>
-          <p:nvPr/>
-        </p:nvSpPr>
-        <p:spPr>
-          <a:xfrm>
-            <a:off x="533400" y="5152048"/>
-            <a:ext cx="3084499" cy="338554"/>
-          </a:xfrm>
-          <a:prstGeom prst="rect">
-            <a:avLst/>
-          </a:prstGeom>
-          <a:noFill/>
-        </p:spPr>
-        <p:txBody>
-          <a:bodyPr wrap="none" rtlCol="0">
-            <a:spAutoFit/>
-          </a:bodyPr>
-          <a:lstStyle/>
-          <a:p>
-            <a:r>
-              <a:rPr lang="en-US" sz="1600" dirty="0">
+              <a:t>For example, </a:t>
+            </a:r>
+          </a:p>
+          <a:p>
+            <a:pPr lvl="1"/>
+            <a:r>
+              <a:rPr lang="en-US" b="0" i="0" dirty="0">
                 <a:solidFill>
-                  <a:schemeClr val="tx2"/>
+                  <a:srgbClr val="374151"/>
                 </a:solidFill>
+                <a:effectLst/>
+                <a:latin typeface="Söhne"/>
               </a:rPr>
-              <a:t>With structural pattern matching</a:t>
-            </a:r>
-          </a:p>
-        </p:txBody>
-      </p:sp>
-      <p:sp>
-        <p:nvSpPr>
-          <p:cNvPr id="11" name="TextBox 10">
-            <a:extLst>
-              <a:ext uri="{FF2B5EF4-FFF2-40B4-BE49-F238E27FC236}">
-                <a16:creationId xmlns:a16="http://schemas.microsoft.com/office/drawing/2014/main" id="{F15D09DA-5460-484E-8453-0F4AE9159FD1}"/>
-              </a:ext>
-            </a:extLst>
-          </p:cNvPr>
-          <p:cNvSpPr txBox="1"/>
-          <p:nvPr/>
-        </p:nvSpPr>
-        <p:spPr>
-          <a:xfrm>
-            <a:off x="5732585" y="4126523"/>
-            <a:ext cx="1696298" cy="307777"/>
-          </a:xfrm>
-          <a:prstGeom prst="rect">
-            <a:avLst/>
-          </a:prstGeom>
-          <a:noFill/>
-        </p:spPr>
-        <p:txBody>
-          <a:bodyPr wrap="none" rtlCol="0">
-            <a:spAutoFit/>
-          </a:bodyPr>
-          <a:lstStyle/>
-          <a:p>
-            <a:r>
-              <a:rPr lang="en-US" sz="1400" dirty="0"/>
-              <a:t>ln004/destruct1.ast</a:t>
-            </a:r>
-          </a:p>
-        </p:txBody>
-      </p:sp>
-      <p:sp>
-        <p:nvSpPr>
-          <p:cNvPr id="12" name="TextBox 11">
-            <a:extLst>
-              <a:ext uri="{FF2B5EF4-FFF2-40B4-BE49-F238E27FC236}">
-                <a16:creationId xmlns:a16="http://schemas.microsoft.com/office/drawing/2014/main" id="{7BDF03C6-E031-374D-8349-8C7A0A611C66}"/>
-              </a:ext>
-            </a:extLst>
-          </p:cNvPr>
-          <p:cNvSpPr txBox="1"/>
-          <p:nvPr/>
-        </p:nvSpPr>
-        <p:spPr>
-          <a:xfrm>
-            <a:off x="6166338" y="5216769"/>
-            <a:ext cx="1696298" cy="307777"/>
-          </a:xfrm>
-          <a:prstGeom prst="rect">
-            <a:avLst/>
-          </a:prstGeom>
-          <a:noFill/>
-        </p:spPr>
-        <p:txBody>
-          <a:bodyPr wrap="none" rtlCol="0">
-            <a:spAutoFit/>
-          </a:bodyPr>
-          <a:lstStyle/>
-          <a:p>
-            <a:r>
-              <a:rPr lang="en-US" sz="1400" dirty="0"/>
-              <a:t>ln004/destruct2.ast</a:t>
-            </a:r>
+              <a:t>a wildlife biologist might use pattern matching to identify a specific species of bird based on its size, coloration, and distinctive markings on its feathers – </a:t>
+            </a:r>
+            <a:r>
+              <a:rPr lang="en-US" b="1" i="0" dirty="0">
+                <a:solidFill>
+                  <a:srgbClr val="374151"/>
+                </a:solidFill>
+                <a:effectLst/>
+                <a:latin typeface="Söhne"/>
+              </a:rPr>
+              <a:t>structure</a:t>
+            </a:r>
+            <a:r>
+              <a:rPr lang="en-US" b="0" i="0" dirty="0">
+                <a:solidFill>
+                  <a:srgbClr val="374151"/>
+                </a:solidFill>
+                <a:effectLst/>
+                <a:latin typeface="Söhne"/>
+              </a:rPr>
+              <a:t>. </a:t>
+            </a:r>
+          </a:p>
+          <a:p>
+            <a:pPr lvl="1"/>
+            <a:r>
+              <a:rPr lang="en-US" b="0" i="0" dirty="0">
+                <a:solidFill>
+                  <a:srgbClr val="374151"/>
+                </a:solidFill>
+                <a:effectLst/>
+                <a:latin typeface="Söhne"/>
+              </a:rPr>
+              <a:t>They would compare these characteristics to a known set of </a:t>
+            </a:r>
+            <a:r>
+              <a:rPr lang="en-US" b="1" i="0" dirty="0">
+                <a:solidFill>
+                  <a:srgbClr val="374151"/>
+                </a:solidFill>
+                <a:effectLst/>
+                <a:latin typeface="Söhne"/>
+              </a:rPr>
+              <a:t>patterns</a:t>
+            </a:r>
+            <a:r>
+              <a:rPr lang="en-US" b="0" i="0" dirty="0">
+                <a:solidFill>
+                  <a:srgbClr val="374151"/>
+                </a:solidFill>
+                <a:effectLst/>
+                <a:latin typeface="Söhne"/>
+              </a:rPr>
+              <a:t> for different bird species from a field guide and use this information to make an accurate identification.</a:t>
+            </a:r>
+          </a:p>
+          <a:p>
+            <a:r>
+              <a:rPr lang="en-US" dirty="0">
+                <a:solidFill>
+                  <a:srgbClr val="374151"/>
+                </a:solidFill>
+                <a:latin typeface="Söhne"/>
+              </a:rPr>
+              <a:t>Observe, the structure of a value (unknown bird) is pattern-matched against a set of known patterns.  If one of the patterns matches the value (bird) then we have a match (identification).</a:t>
+            </a:r>
+            <a:endParaRPr lang="en-US" dirty="0"/>
           </a:p>
         </p:txBody>
       </p:sp>
     </p:spTree>
     <p:extLst>
       <p:ext uri="{BB962C8B-B14F-4D97-AF65-F5344CB8AC3E}">
-        <p14:creationId xmlns:p14="http://schemas.microsoft.com/office/powerpoint/2010/main" val="21942942"/>
+        <p14:creationId xmlns:p14="http://schemas.microsoft.com/office/powerpoint/2010/main" val="3003370476"/>
       </p:ext>
     </p:extLst>
   </p:cSld>
@@ -9524,7 +10249,7 @@
           <p:cNvPr id="2" name="Title 1">
             <a:extLst>
               <a:ext uri="{FF2B5EF4-FFF2-40B4-BE49-F238E27FC236}">
-                <a16:creationId xmlns:a16="http://schemas.microsoft.com/office/drawing/2014/main" id="{87B2FF73-ABA1-8B4C-BBB2-1C960345FAA7}"/>
+                <a16:creationId xmlns:a16="http://schemas.microsoft.com/office/drawing/2014/main" id="{44969C8F-C644-7946-B4B0-381BB6051384}"/>
               </a:ext>
             </a:extLst>
           </p:cNvPr>
@@ -9541,52 +10266,53 @@
           <a:lstStyle/>
           <a:p>
             <a:r>
-              <a:rPr lang="en-US" dirty="0" err="1"/>
-              <a:t>Destructuring</a:t>
-            </a:r>
-            <a:endParaRPr lang="en-US" dirty="0"/>
-          </a:p>
-        </p:txBody>
-      </p:sp>
-      <p:sp>
-        <p:nvSpPr>
-          <p:cNvPr id="3" name="Content Placeholder 2">
-            <a:extLst>
-              <a:ext uri="{FF2B5EF4-FFF2-40B4-BE49-F238E27FC236}">
-                <a16:creationId xmlns:a16="http://schemas.microsoft.com/office/drawing/2014/main" id="{57910267-28F9-8944-ADDD-99D9FD7CFE00}"/>
-              </a:ext>
-            </a:extLst>
-          </p:cNvPr>
-          <p:cNvSpPr>
-            <a:spLocks noGrp="1"/>
-          </p:cNvSpPr>
-          <p:nvPr>
-            <p:ph idx="1"/>
-          </p:nvPr>
+              <a:rPr lang="en-US" dirty="0"/>
+              <a:t>Pattern Matching – Foundations </a:t>
+            </a:r>
+          </a:p>
+        </p:txBody>
+      </p:sp>
+      <p:sp>
+        <p:nvSpPr>
+          <p:cNvPr id="5" name="TextBox 4">
+            <a:extLst>
+              <a:ext uri="{FF2B5EF4-FFF2-40B4-BE49-F238E27FC236}">
+                <a16:creationId xmlns:a16="http://schemas.microsoft.com/office/drawing/2014/main" id="{62B83371-9B88-984A-8AEC-EB001857EF67}"/>
+              </a:ext>
+            </a:extLst>
+          </p:cNvPr>
+          <p:cNvSpPr txBox="1"/>
+          <p:nvPr/>
         </p:nvSpPr>
         <p:spPr>
           <a:xfrm>
-            <a:off x="1524000" y="1905000"/>
-            <a:ext cx="7010400" cy="1066800"/>
-          </a:xfrm>
-        </p:spPr>
-        <p:txBody>
-          <a:bodyPr/>
+            <a:off x="7557336" y="4419600"/>
+            <a:ext cx="1358064" cy="307777"/>
+          </a:xfrm>
+          <a:prstGeom prst="rect">
+            <a:avLst/>
+          </a:prstGeom>
+          <a:noFill/>
+        </p:spPr>
+        <p:txBody>
+          <a:bodyPr wrap="none" rtlCol="0">
+            <a:spAutoFit/>
+          </a:bodyPr>
           <a:lstStyle/>
           <a:p>
             <a:r>
-              <a:rPr lang="en-US" dirty="0"/>
-              <a:t>Here is another example using structures and objects</a:t>
+              <a:rPr lang="en-US" sz="1400" dirty="0"/>
+              <a:t>ln004/bird1.ast</a:t>
             </a:r>
           </a:p>
         </p:txBody>
       </p:sp>
       <p:pic>
         <p:nvPicPr>
-          <p:cNvPr id="4" name="Picture 3">
-            <a:extLst>
-              <a:ext uri="{FF2B5EF4-FFF2-40B4-BE49-F238E27FC236}">
-                <a16:creationId xmlns:a16="http://schemas.microsoft.com/office/drawing/2014/main" id="{44BC914B-6B85-9E40-B4B4-5FE3B7AF3FA6}"/>
+          <p:cNvPr id="8" name="Picture 7">
+            <a:extLst>
+              <a:ext uri="{FF2B5EF4-FFF2-40B4-BE49-F238E27FC236}">
+                <a16:creationId xmlns:a16="http://schemas.microsoft.com/office/drawing/2014/main" id="{DB59B07C-F6D0-054E-B37F-CD924EC25FDF}"/>
               </a:ext>
             </a:extLst>
           </p:cNvPr>
@@ -9603,58 +10329,58 @@
         </p:blipFill>
         <p:spPr>
           <a:xfrm>
-            <a:off x="990600" y="3186479"/>
-            <a:ext cx="6985000" cy="2794000"/>
+            <a:off x="615950" y="5816600"/>
+            <a:ext cx="7912100" cy="965200"/>
           </a:xfrm>
           <a:prstGeom prst="rect">
             <a:avLst/>
           </a:prstGeom>
           <a:ln>
             <a:solidFill>
-              <a:schemeClr val="tx2"/>
+              <a:schemeClr val="tx1"/>
             </a:solidFill>
           </a:ln>
         </p:spPr>
       </p:pic>
-      <p:sp>
-        <p:nvSpPr>
-          <p:cNvPr id="5" name="TextBox 4">
-            <a:extLst>
-              <a:ext uri="{FF2B5EF4-FFF2-40B4-BE49-F238E27FC236}">
-                <a16:creationId xmlns:a16="http://schemas.microsoft.com/office/drawing/2014/main" id="{3F30A8CC-F02F-474A-840E-8A807C395A5F}"/>
-              </a:ext>
-            </a:extLst>
-          </p:cNvPr>
-          <p:cNvSpPr txBox="1"/>
+      <p:pic>
+        <p:nvPicPr>
+          <p:cNvPr id="11" name="Picture 10">
+            <a:extLst>
+              <a:ext uri="{FF2B5EF4-FFF2-40B4-BE49-F238E27FC236}">
+                <a16:creationId xmlns:a16="http://schemas.microsoft.com/office/drawing/2014/main" id="{33AF4169-5E97-CD4C-B6CD-A0BDB93B81EB}"/>
+              </a:ext>
+            </a:extLst>
+          </p:cNvPr>
+          <p:cNvPicPr>
+            <a:picLocks noChangeAspect="1"/>
+          </p:cNvPicPr>
           <p:nvPr/>
-        </p:nvSpPr>
+        </p:nvPicPr>
+        <p:blipFill>
+          <a:blip r:embed="rId3"/>
+          <a:stretch>
+            <a:fillRect/>
+          </a:stretch>
+        </p:blipFill>
         <p:spPr>
           <a:xfrm>
-            <a:off x="4091354" y="6271846"/>
-            <a:ext cx="1696298" cy="307777"/>
+            <a:off x="1033244" y="76200"/>
+            <a:ext cx="6510556" cy="5695430"/>
           </a:xfrm>
           <a:prstGeom prst="rect">
             <a:avLst/>
           </a:prstGeom>
-          <a:noFill/>
-        </p:spPr>
-        <p:txBody>
-          <a:bodyPr wrap="none" rtlCol="0">
-            <a:spAutoFit/>
-          </a:bodyPr>
-          <a:lstStyle/>
-          <a:p>
-            <a:r>
-              <a:rPr lang="en-US" sz="1400" dirty="0"/>
-              <a:t>ln004/destruct3.ast</a:t>
-            </a:r>
-          </a:p>
-        </p:txBody>
-      </p:sp>
+          <a:ln>
+            <a:solidFill>
+              <a:schemeClr val="tx1"/>
+            </a:solidFill>
+          </a:ln>
+        </p:spPr>
+      </p:pic>
     </p:spTree>
     <p:extLst>
       <p:ext uri="{BB962C8B-B14F-4D97-AF65-F5344CB8AC3E}">
-        <p14:creationId xmlns:p14="http://schemas.microsoft.com/office/powerpoint/2010/main" val="3185682571"/>
+        <p14:creationId xmlns:p14="http://schemas.microsoft.com/office/powerpoint/2010/main" val="2288999045"/>
       </p:ext>
     </p:extLst>
   </p:cSld>
@@ -9686,7 +10412,7 @@
           <p:cNvPr id="2" name="Title 1">
             <a:extLst>
               <a:ext uri="{FF2B5EF4-FFF2-40B4-BE49-F238E27FC236}">
-                <a16:creationId xmlns:a16="http://schemas.microsoft.com/office/drawing/2014/main" id="{63E6D85F-5E84-D44B-9B5C-300F6E3DB4B4}"/>
+                <a16:creationId xmlns:a16="http://schemas.microsoft.com/office/drawing/2014/main" id="{44969C8F-C644-7946-B4B0-381BB6051384}"/>
               </a:ext>
             </a:extLst>
           </p:cNvPr>
@@ -9704,7 +10430,7 @@
           <a:p>
             <a:r>
               <a:rPr lang="en-US" dirty="0"/>
-              <a:t>Basic Pattern Matching Summary</a:t>
+              <a:t>Pattern Matching – Foundations </a:t>
             </a:r>
           </a:p>
         </p:txBody>
@@ -9714,7 +10440,7 @@
           <p:cNvPr id="3" name="Content Placeholder 2">
             <a:extLst>
               <a:ext uri="{FF2B5EF4-FFF2-40B4-BE49-F238E27FC236}">
-                <a16:creationId xmlns:a16="http://schemas.microsoft.com/office/drawing/2014/main" id="{9E6BF871-97CA-5F43-BEF7-D514A7A67A62}"/>
+                <a16:creationId xmlns:a16="http://schemas.microsoft.com/office/drawing/2014/main" id="{3F6AF04D-0CA2-0C4C-A132-CF98ACEF6992}"/>
               </a:ext>
             </a:extLst>
           </p:cNvPr>
@@ -9725,76 +10451,105 @@
             <p:ph idx="1"/>
           </p:nvPr>
         </p:nvSpPr>
-        <p:spPr/>
+        <p:spPr>
+          <a:xfrm>
+            <a:off x="1524000" y="1905000"/>
+            <a:ext cx="7010400" cy="1143000"/>
+          </a:xfrm>
+        </p:spPr>
         <p:txBody>
           <a:bodyPr>
-            <a:normAutofit fontScale="92500" lnSpcReduction="10000"/>
+            <a:normAutofit fontScale="85000" lnSpcReduction="20000"/>
           </a:bodyPr>
           <a:lstStyle/>
           <a:p>
             <a:r>
               <a:rPr lang="en-US" dirty="0"/>
-              <a:t>The let statement</a:t>
-            </a:r>
-            <a:br>
-              <a:rPr lang="en-US" dirty="0"/>
-            </a:br>
-            <a:r>
-              <a:rPr lang="en-US" dirty="0"/>
-              <a:t>    let &lt;pattern&gt; = value .</a:t>
-            </a:r>
-          </a:p>
-          <a:p>
-            <a:r>
-              <a:rPr lang="en-US" dirty="0"/>
-              <a:t>On the right side of equal sign constructors represent values</a:t>
-            </a:r>
-          </a:p>
-          <a:p>
-            <a:pPr lvl="1"/>
-            <a:r>
-              <a:rPr lang="en-US" dirty="0"/>
-              <a:t>Operators/functions are allowed</a:t>
-            </a:r>
-          </a:p>
-          <a:p>
-            <a:r>
-              <a:rPr lang="en-US" dirty="0"/>
-              <a:t>On the left side they represent structure</a:t>
-            </a:r>
-          </a:p>
-          <a:p>
-            <a:pPr lvl="1"/>
-            <a:r>
-              <a:rPr lang="en-US" dirty="0"/>
-              <a:t>Operators/functions are </a:t>
-            </a:r>
-            <a:r>
-              <a:rPr lang="en-US" b="1" dirty="0"/>
-              <a:t>not</a:t>
-            </a:r>
-            <a:r>
-              <a:rPr lang="en-US" dirty="0"/>
-              <a:t> allowed</a:t>
-            </a:r>
-          </a:p>
-          <a:p>
-            <a:pPr lvl="1"/>
-            <a:r>
-              <a:rPr lang="en-US" dirty="0"/>
-              <a:t>Constructors must minimally represent structure</a:t>
-            </a:r>
-          </a:p>
-          <a:p>
-            <a:pPr lvl="1"/>
-            <a:endParaRPr lang="en-US" dirty="0"/>
-          </a:p>
-        </p:txBody>
-      </p:sp>
+              <a:t>Variables allow for partial matches</a:t>
+            </a:r>
+          </a:p>
+          <a:p>
+            <a:r>
+              <a:rPr lang="en-US" dirty="0"/>
+              <a:t>Variables in patterns are instantiated in the current environment</a:t>
+            </a:r>
+          </a:p>
+        </p:txBody>
+      </p:sp>
+      <p:sp>
+        <p:nvSpPr>
+          <p:cNvPr id="5" name="TextBox 4">
+            <a:extLst>
+              <a:ext uri="{FF2B5EF4-FFF2-40B4-BE49-F238E27FC236}">
+                <a16:creationId xmlns:a16="http://schemas.microsoft.com/office/drawing/2014/main" id="{62B83371-9B88-984A-8AEC-EB001857EF67}"/>
+              </a:ext>
+            </a:extLst>
+          </p:cNvPr>
+          <p:cNvSpPr txBox="1"/>
+          <p:nvPr/>
+        </p:nvSpPr>
+        <p:spPr>
+          <a:xfrm>
+            <a:off x="7176336" y="4521886"/>
+            <a:ext cx="1358064" cy="307777"/>
+          </a:xfrm>
+          <a:prstGeom prst="rect">
+            <a:avLst/>
+          </a:prstGeom>
+          <a:noFill/>
+        </p:spPr>
+        <p:txBody>
+          <a:bodyPr wrap="none" rtlCol="0">
+            <a:spAutoFit/>
+          </a:bodyPr>
+          <a:lstStyle/>
+          <a:p>
+            <a:r>
+              <a:rPr lang="en-US" sz="1400" dirty="0"/>
+              <a:t>ln004/bird1.ast</a:t>
+            </a:r>
+          </a:p>
+        </p:txBody>
+      </p:sp>
+      <p:pic>
+        <p:nvPicPr>
+          <p:cNvPr id="4" name="Picture 3">
+            <a:extLst>
+              <a:ext uri="{FF2B5EF4-FFF2-40B4-BE49-F238E27FC236}">
+                <a16:creationId xmlns:a16="http://schemas.microsoft.com/office/drawing/2014/main" id="{5EDB5844-582D-704C-97CB-230F26B22484}"/>
+              </a:ext>
+            </a:extLst>
+          </p:cNvPr>
+          <p:cNvPicPr>
+            <a:picLocks noChangeAspect="1"/>
+          </p:cNvPicPr>
+          <p:nvPr/>
+        </p:nvPicPr>
+        <p:blipFill>
+          <a:blip r:embed="rId2"/>
+          <a:stretch>
+            <a:fillRect/>
+          </a:stretch>
+        </p:blipFill>
+        <p:spPr>
+          <a:xfrm>
+            <a:off x="609600" y="3210413"/>
+            <a:ext cx="6146800" cy="3238500"/>
+          </a:xfrm>
+          <a:prstGeom prst="rect">
+            <a:avLst/>
+          </a:prstGeom>
+          <a:ln>
+            <a:solidFill>
+              <a:schemeClr val="tx1"/>
+            </a:solidFill>
+          </a:ln>
+        </p:spPr>
+      </p:pic>
     </p:spTree>
     <p:extLst>
       <p:ext uri="{BB962C8B-B14F-4D97-AF65-F5344CB8AC3E}">
-        <p14:creationId xmlns:p14="http://schemas.microsoft.com/office/powerpoint/2010/main" val="3741227975"/>
+        <p14:creationId xmlns:p14="http://schemas.microsoft.com/office/powerpoint/2010/main" val="2585622426"/>
       </p:ext>
     </p:extLst>
   </p:cSld>
@@ -9826,7 +10581,7 @@
           <p:cNvPr id="2" name="Title 1">
             <a:extLst>
               <a:ext uri="{FF2B5EF4-FFF2-40B4-BE49-F238E27FC236}">
-                <a16:creationId xmlns:a16="http://schemas.microsoft.com/office/drawing/2014/main" id="{E8C29327-0FF2-D34A-A7BF-A39E5934A183}"/>
+                <a16:creationId xmlns:a16="http://schemas.microsoft.com/office/drawing/2014/main" id="{44969C8F-C644-7946-B4B0-381BB6051384}"/>
               </a:ext>
             </a:extLst>
           </p:cNvPr>
@@ -9844,7 +10599,7 @@
           <a:p>
             <a:r>
               <a:rPr lang="en-US" dirty="0"/>
-              <a:t>Pattern Matching in Python</a:t>
+              <a:t>Basic Patterns</a:t>
             </a:r>
           </a:p>
         </p:txBody>
@@ -9854,7 +10609,7 @@
           <p:cNvPr id="3" name="Content Placeholder 2">
             <a:extLst>
               <a:ext uri="{FF2B5EF4-FFF2-40B4-BE49-F238E27FC236}">
-                <a16:creationId xmlns:a16="http://schemas.microsoft.com/office/drawing/2014/main" id="{5B84DB07-3A63-5A4F-B3AF-2A2AFA8149CE}"/>
+                <a16:creationId xmlns:a16="http://schemas.microsoft.com/office/drawing/2014/main" id="{D1DA5083-17EB-1243-A0A4-6DD3250A0A56}"/>
               </a:ext>
             </a:extLst>
           </p:cNvPr>
@@ -9868,7 +10623,7 @@
         <p:spPr>
           <a:xfrm>
             <a:off x="1524000" y="1676400"/>
-            <a:ext cx="7010400" cy="1905000"/>
+            <a:ext cx="7010400" cy="990600"/>
           </a:xfrm>
         </p:spPr>
         <p:txBody>
@@ -9879,32 +10634,17 @@
           <a:p>
             <a:r>
               <a:rPr lang="en-US" dirty="0"/>
-              <a:t>Limited pattern matching available with the assignment statement</a:t>
-            </a:r>
-          </a:p>
-          <a:p>
-            <a:pPr lvl="1"/>
-            <a:r>
-              <a:rPr lang="en-US" dirty="0"/>
-              <a:t>Called </a:t>
-            </a:r>
-            <a:r>
-              <a:rPr lang="en-US" b="1" dirty="0" err="1"/>
-              <a:t>destructuring</a:t>
-            </a:r>
-            <a:r>
-              <a:rPr lang="en-US" dirty="0"/>
-              <a:t> assignment</a:t>
+              <a:t>Something a bit more CS related</a:t>
             </a:r>
           </a:p>
         </p:txBody>
       </p:sp>
       <p:pic>
         <p:nvPicPr>
-          <p:cNvPr id="5" name="Picture 4">
-            <a:extLst>
-              <a:ext uri="{FF2B5EF4-FFF2-40B4-BE49-F238E27FC236}">
-                <a16:creationId xmlns:a16="http://schemas.microsoft.com/office/drawing/2014/main" id="{1ABD9459-AC71-D24B-82C5-648CD3F83A8A}"/>
+          <p:cNvPr id="4" name="Picture 3">
+            <a:extLst>
+              <a:ext uri="{FF2B5EF4-FFF2-40B4-BE49-F238E27FC236}">
+                <a16:creationId xmlns:a16="http://schemas.microsoft.com/office/drawing/2014/main" id="{38E3A626-854D-FE4E-94C1-AEFA362A932B}"/>
               </a:ext>
             </a:extLst>
           </p:cNvPr>
@@ -9913,22 +10653,93 @@
           </p:cNvPicPr>
           <p:nvPr/>
         </p:nvPicPr>
-        <p:blipFill rotWithShape="1">
+        <p:blipFill>
           <a:blip r:embed="rId2"/>
-          <a:srcRect t="3500"/>
-          <a:stretch/>
+          <a:stretch>
+            <a:fillRect/>
+          </a:stretch>
         </p:blipFill>
         <p:spPr>
           <a:xfrm>
-            <a:off x="2895600" y="4000500"/>
-            <a:ext cx="2527300" cy="2451100"/>
+            <a:off x="228600" y="2667000"/>
+            <a:ext cx="6299200" cy="2260600"/>
           </a:xfrm>
           <a:prstGeom prst="rect">
             <a:avLst/>
           </a:prstGeom>
           <a:ln>
             <a:solidFill>
-              <a:schemeClr val="tx2"/>
+              <a:schemeClr val="tx1"/>
+            </a:solidFill>
+          </a:ln>
+        </p:spPr>
+      </p:pic>
+      <p:pic>
+        <p:nvPicPr>
+          <p:cNvPr id="5" name="Picture 4">
+            <a:extLst>
+              <a:ext uri="{FF2B5EF4-FFF2-40B4-BE49-F238E27FC236}">
+                <a16:creationId xmlns:a16="http://schemas.microsoft.com/office/drawing/2014/main" id="{8C100594-9017-D54C-8A50-79C1F2A02B89}"/>
+              </a:ext>
+            </a:extLst>
+          </p:cNvPr>
+          <p:cNvPicPr>
+            <a:picLocks noChangeAspect="1"/>
+          </p:cNvPicPr>
+          <p:nvPr/>
+        </p:nvPicPr>
+        <p:blipFill>
+          <a:blip r:embed="rId3"/>
+          <a:stretch>
+            <a:fillRect/>
+          </a:stretch>
+        </p:blipFill>
+        <p:spPr>
+          <a:xfrm>
+            <a:off x="5956300" y="3225800"/>
+            <a:ext cx="2959100" cy="2260600"/>
+          </a:xfrm>
+          <a:prstGeom prst="rect">
+            <a:avLst/>
+          </a:prstGeom>
+          <a:ln>
+            <a:solidFill>
+              <a:schemeClr val="tx1"/>
+            </a:solidFill>
+          </a:ln>
+        </p:spPr>
+      </p:pic>
+      <p:pic>
+        <p:nvPicPr>
+          <p:cNvPr id="6" name="Picture 5">
+            <a:extLst>
+              <a:ext uri="{FF2B5EF4-FFF2-40B4-BE49-F238E27FC236}">
+                <a16:creationId xmlns:a16="http://schemas.microsoft.com/office/drawing/2014/main" id="{C3A1BA18-AC71-8247-93C9-14F2FF91482D}"/>
+              </a:ext>
+            </a:extLst>
+          </p:cNvPr>
+          <p:cNvPicPr>
+            <a:picLocks noChangeAspect="1"/>
+          </p:cNvPicPr>
+          <p:nvPr/>
+        </p:nvPicPr>
+        <p:blipFill>
+          <a:blip r:embed="rId4"/>
+          <a:stretch>
+            <a:fillRect/>
+          </a:stretch>
+        </p:blipFill>
+        <p:spPr>
+          <a:xfrm>
+            <a:off x="2362200" y="4674577"/>
+            <a:ext cx="2959100" cy="2057400"/>
+          </a:xfrm>
+          <a:prstGeom prst="rect">
+            <a:avLst/>
+          </a:prstGeom>
+          <a:ln>
+            <a:solidFill>
+              <a:schemeClr val="tx1"/>
             </a:solidFill>
           </a:ln>
         </p:spPr>
@@ -9936,7 +10747,7 @@
     </p:spTree>
     <p:extLst>
       <p:ext uri="{BB962C8B-B14F-4D97-AF65-F5344CB8AC3E}">
-        <p14:creationId xmlns:p14="http://schemas.microsoft.com/office/powerpoint/2010/main" val="2121341352"/>
+        <p14:creationId xmlns:p14="http://schemas.microsoft.com/office/powerpoint/2010/main" val="513820654"/>
       </p:ext>
     </p:extLst>
   </p:cSld>

--- a/notes/csc493-ln004.pptx
+++ b/notes/csc493-ln004.pptx
@@ -5,10 +5,10 @@
     <p:sldMasterId id="2147483651" r:id="rId1"/>
   </p:sldMasterIdLst>
   <p:notesMasterIdLst>
-    <p:notesMasterId r:id="rId31"/>
+    <p:notesMasterId r:id="rId32"/>
   </p:notesMasterIdLst>
   <p:handoutMasterIdLst>
-    <p:handoutMasterId r:id="rId32"/>
+    <p:handoutMasterId r:id="rId33"/>
   </p:handoutMasterIdLst>
   <p:sldIdLst>
     <p:sldId id="280" r:id="rId2"/>
@@ -17,29 +17,30 @@
     <p:sldId id="281" r:id="rId5"/>
     <p:sldId id="282" r:id="rId6"/>
     <p:sldId id="283" r:id="rId7"/>
-    <p:sldId id="284" r:id="rId8"/>
-    <p:sldId id="285" r:id="rId9"/>
-    <p:sldId id="259" r:id="rId10"/>
-    <p:sldId id="260" r:id="rId11"/>
-    <p:sldId id="261" r:id="rId12"/>
-    <p:sldId id="262" r:id="rId13"/>
-    <p:sldId id="263" r:id="rId14"/>
-    <p:sldId id="264" r:id="rId15"/>
-    <p:sldId id="265" r:id="rId16"/>
-    <p:sldId id="279" r:id="rId17"/>
-    <p:sldId id="266" r:id="rId18"/>
-    <p:sldId id="267" r:id="rId19"/>
-    <p:sldId id="268" r:id="rId20"/>
-    <p:sldId id="269" r:id="rId21"/>
-    <p:sldId id="270" r:id="rId22"/>
-    <p:sldId id="271" r:id="rId23"/>
-    <p:sldId id="272" r:id="rId24"/>
-    <p:sldId id="273" r:id="rId25"/>
-    <p:sldId id="277" r:id="rId26"/>
-    <p:sldId id="278" r:id="rId27"/>
-    <p:sldId id="274" r:id="rId28"/>
-    <p:sldId id="275" r:id="rId29"/>
-    <p:sldId id="276" r:id="rId30"/>
+    <p:sldId id="286" r:id="rId8"/>
+    <p:sldId id="284" r:id="rId9"/>
+    <p:sldId id="285" r:id="rId10"/>
+    <p:sldId id="259" r:id="rId11"/>
+    <p:sldId id="260" r:id="rId12"/>
+    <p:sldId id="261" r:id="rId13"/>
+    <p:sldId id="262" r:id="rId14"/>
+    <p:sldId id="263" r:id="rId15"/>
+    <p:sldId id="264" r:id="rId16"/>
+    <p:sldId id="265" r:id="rId17"/>
+    <p:sldId id="279" r:id="rId18"/>
+    <p:sldId id="266" r:id="rId19"/>
+    <p:sldId id="267" r:id="rId20"/>
+    <p:sldId id="268" r:id="rId21"/>
+    <p:sldId id="269" r:id="rId22"/>
+    <p:sldId id="270" r:id="rId23"/>
+    <p:sldId id="271" r:id="rId24"/>
+    <p:sldId id="272" r:id="rId25"/>
+    <p:sldId id="273" r:id="rId26"/>
+    <p:sldId id="277" r:id="rId27"/>
+    <p:sldId id="278" r:id="rId28"/>
+    <p:sldId id="274" r:id="rId29"/>
+    <p:sldId id="275" r:id="rId30"/>
+    <p:sldId id="276" r:id="rId31"/>
   </p:sldIdLst>
   <p:sldSz cx="9144000" cy="6858000" type="screen4x3"/>
   <p:notesSz cx="6856413" cy="9083675"/>
@@ -5326,6 +5327,204 @@
             <p:ph type="title"/>
           </p:nvPr>
         </p:nvSpPr>
+        <p:spPr/>
+        <p:txBody>
+          <a:bodyPr/>
+          <a:lstStyle/>
+          <a:p>
+            <a:r>
+              <a:rPr lang="en-US" dirty="0"/>
+              <a:t>Basic Patterns</a:t>
+            </a:r>
+          </a:p>
+        </p:txBody>
+      </p:sp>
+      <p:sp>
+        <p:nvSpPr>
+          <p:cNvPr id="3" name="Content Placeholder 2">
+            <a:extLst>
+              <a:ext uri="{FF2B5EF4-FFF2-40B4-BE49-F238E27FC236}">
+                <a16:creationId xmlns:a16="http://schemas.microsoft.com/office/drawing/2014/main" id="{D1DA5083-17EB-1243-A0A4-6DD3250A0A56}"/>
+              </a:ext>
+            </a:extLst>
+          </p:cNvPr>
+          <p:cNvSpPr>
+            <a:spLocks noGrp="1"/>
+          </p:cNvSpPr>
+          <p:nvPr>
+            <p:ph idx="1"/>
+          </p:nvPr>
+        </p:nvSpPr>
+        <p:spPr>
+          <a:xfrm>
+            <a:off x="1524000" y="1676400"/>
+            <a:ext cx="7010400" cy="990600"/>
+          </a:xfrm>
+        </p:spPr>
+        <p:txBody>
+          <a:bodyPr>
+            <a:normAutofit/>
+          </a:bodyPr>
+          <a:lstStyle/>
+          <a:p>
+            <a:r>
+              <a:rPr lang="en-US" dirty="0"/>
+              <a:t>Something a bit more CS related</a:t>
+            </a:r>
+          </a:p>
+        </p:txBody>
+      </p:sp>
+      <p:pic>
+        <p:nvPicPr>
+          <p:cNvPr id="4" name="Picture 3">
+            <a:extLst>
+              <a:ext uri="{FF2B5EF4-FFF2-40B4-BE49-F238E27FC236}">
+                <a16:creationId xmlns:a16="http://schemas.microsoft.com/office/drawing/2014/main" id="{38E3A626-854D-FE4E-94C1-AEFA362A932B}"/>
+              </a:ext>
+            </a:extLst>
+          </p:cNvPr>
+          <p:cNvPicPr>
+            <a:picLocks noChangeAspect="1"/>
+          </p:cNvPicPr>
+          <p:nvPr/>
+        </p:nvPicPr>
+        <p:blipFill>
+          <a:blip r:embed="rId2"/>
+          <a:stretch>
+            <a:fillRect/>
+          </a:stretch>
+        </p:blipFill>
+        <p:spPr>
+          <a:xfrm>
+            <a:off x="228600" y="2667000"/>
+            <a:ext cx="6299200" cy="2260600"/>
+          </a:xfrm>
+          <a:prstGeom prst="rect">
+            <a:avLst/>
+          </a:prstGeom>
+          <a:ln>
+            <a:solidFill>
+              <a:schemeClr val="tx1"/>
+            </a:solidFill>
+          </a:ln>
+        </p:spPr>
+      </p:pic>
+      <p:pic>
+        <p:nvPicPr>
+          <p:cNvPr id="5" name="Picture 4">
+            <a:extLst>
+              <a:ext uri="{FF2B5EF4-FFF2-40B4-BE49-F238E27FC236}">
+                <a16:creationId xmlns:a16="http://schemas.microsoft.com/office/drawing/2014/main" id="{8C100594-9017-D54C-8A50-79C1F2A02B89}"/>
+              </a:ext>
+            </a:extLst>
+          </p:cNvPr>
+          <p:cNvPicPr>
+            <a:picLocks noChangeAspect="1"/>
+          </p:cNvPicPr>
+          <p:nvPr/>
+        </p:nvPicPr>
+        <p:blipFill>
+          <a:blip r:embed="rId3"/>
+          <a:stretch>
+            <a:fillRect/>
+          </a:stretch>
+        </p:blipFill>
+        <p:spPr>
+          <a:xfrm>
+            <a:off x="5956300" y="3225800"/>
+            <a:ext cx="2959100" cy="2260600"/>
+          </a:xfrm>
+          <a:prstGeom prst="rect">
+            <a:avLst/>
+          </a:prstGeom>
+          <a:ln>
+            <a:solidFill>
+              <a:schemeClr val="tx1"/>
+            </a:solidFill>
+          </a:ln>
+        </p:spPr>
+      </p:pic>
+      <p:pic>
+        <p:nvPicPr>
+          <p:cNvPr id="6" name="Picture 5">
+            <a:extLst>
+              <a:ext uri="{FF2B5EF4-FFF2-40B4-BE49-F238E27FC236}">
+                <a16:creationId xmlns:a16="http://schemas.microsoft.com/office/drawing/2014/main" id="{C3A1BA18-AC71-8247-93C9-14F2FF91482D}"/>
+              </a:ext>
+            </a:extLst>
+          </p:cNvPr>
+          <p:cNvPicPr>
+            <a:picLocks noChangeAspect="1"/>
+          </p:cNvPicPr>
+          <p:nvPr/>
+        </p:nvPicPr>
+        <p:blipFill>
+          <a:blip r:embed="rId4"/>
+          <a:stretch>
+            <a:fillRect/>
+          </a:stretch>
+        </p:blipFill>
+        <p:spPr>
+          <a:xfrm>
+            <a:off x="2362200" y="4674577"/>
+            <a:ext cx="2959100" cy="2057400"/>
+          </a:xfrm>
+          <a:prstGeom prst="rect">
+            <a:avLst/>
+          </a:prstGeom>
+          <a:ln>
+            <a:solidFill>
+              <a:schemeClr val="tx1"/>
+            </a:solidFill>
+          </a:ln>
+        </p:spPr>
+      </p:pic>
+    </p:spTree>
+    <p:extLst>
+      <p:ext uri="{BB962C8B-B14F-4D97-AF65-F5344CB8AC3E}">
+        <p14:creationId xmlns:p14="http://schemas.microsoft.com/office/powerpoint/2010/main" val="513820654"/>
+      </p:ext>
+    </p:extLst>
+  </p:cSld>
+  <p:clrMapOvr>
+    <a:masterClrMapping/>
+  </p:clrMapOvr>
+</p:sld>
+</file>
+
+<file path=ppt/slides/slide11.xml><?xml version="1.0" encoding="utf-8"?>
+<p:sld xmlns:a="http://schemas.openxmlformats.org/drawingml/2006/main" xmlns:r="http://schemas.openxmlformats.org/officeDocument/2006/relationships" xmlns:p="http://schemas.openxmlformats.org/presentationml/2006/main">
+  <p:cSld>
+    <p:spTree>
+      <p:nvGrpSpPr>
+        <p:cNvPr id="1" name=""/>
+        <p:cNvGrpSpPr/>
+        <p:nvPr/>
+      </p:nvGrpSpPr>
+      <p:grpSpPr>
+        <a:xfrm>
+          <a:off x="0" y="0"/>
+          <a:ext cx="0" cy="0"/>
+          <a:chOff x="0" y="0"/>
+          <a:chExt cx="0" cy="0"/>
+        </a:xfrm>
+      </p:grpSpPr>
+      <p:sp>
+        <p:nvSpPr>
+          <p:cNvPr id="2" name="Title 1">
+            <a:extLst>
+              <a:ext uri="{FF2B5EF4-FFF2-40B4-BE49-F238E27FC236}">
+                <a16:creationId xmlns:a16="http://schemas.microsoft.com/office/drawing/2014/main" id="{44969C8F-C644-7946-B4B0-381BB6051384}"/>
+              </a:ext>
+            </a:extLst>
+          </p:cNvPr>
+          <p:cNvSpPr>
+            <a:spLocks noGrp="1"/>
+          </p:cNvSpPr>
+          <p:nvPr>
+            <p:ph type="title"/>
+          </p:nvPr>
+        </p:nvSpPr>
         <p:spPr>
           <a:xfrm>
             <a:off x="1524000" y="190500"/>
@@ -5555,332 +5754,6 @@
 </p:sld>
 </file>
 
-<file path=ppt/slides/slide11.xml><?xml version="1.0" encoding="utf-8"?>
-<p:sld xmlns:a="http://schemas.openxmlformats.org/drawingml/2006/main" xmlns:r="http://schemas.openxmlformats.org/officeDocument/2006/relationships" xmlns:p="http://schemas.openxmlformats.org/presentationml/2006/main">
-  <p:cSld>
-    <p:spTree>
-      <p:nvGrpSpPr>
-        <p:cNvPr id="1" name=""/>
-        <p:cNvGrpSpPr/>
-        <p:nvPr/>
-      </p:nvGrpSpPr>
-      <p:grpSpPr>
-        <a:xfrm>
-          <a:off x="0" y="0"/>
-          <a:ext cx="0" cy="0"/>
-          <a:chOff x="0" y="0"/>
-          <a:chExt cx="0" cy="0"/>
-        </a:xfrm>
-      </p:grpSpPr>
-      <p:sp>
-        <p:nvSpPr>
-          <p:cNvPr id="5" name="Title 4">
-            <a:extLst>
-              <a:ext uri="{FF2B5EF4-FFF2-40B4-BE49-F238E27FC236}">
-                <a16:creationId xmlns:a16="http://schemas.microsoft.com/office/drawing/2014/main" id="{1AF4F978-3E3C-7447-946F-559FC9D1C077}"/>
-              </a:ext>
-            </a:extLst>
-          </p:cNvPr>
-          <p:cNvSpPr>
-            <a:spLocks noGrp="1"/>
-          </p:cNvSpPr>
-          <p:nvPr>
-            <p:ph type="title"/>
-          </p:nvPr>
-        </p:nvSpPr>
-        <p:spPr/>
-        <p:txBody>
-          <a:bodyPr/>
-          <a:lstStyle/>
-          <a:p>
-            <a:r>
-              <a:rPr lang="en-US" dirty="0" err="1"/>
-              <a:t>Destructuring</a:t>
-            </a:r>
-            <a:endParaRPr lang="en-US" dirty="0"/>
-          </a:p>
-        </p:txBody>
-      </p:sp>
-      <p:sp>
-        <p:nvSpPr>
-          <p:cNvPr id="6" name="Content Placeholder 5">
-            <a:extLst>
-              <a:ext uri="{FF2B5EF4-FFF2-40B4-BE49-F238E27FC236}">
-                <a16:creationId xmlns:a16="http://schemas.microsoft.com/office/drawing/2014/main" id="{69CD2371-8322-9A41-A719-261ECC263996}"/>
-              </a:ext>
-            </a:extLst>
-          </p:cNvPr>
-          <p:cNvSpPr>
-            <a:spLocks noGrp="1"/>
-          </p:cNvSpPr>
-          <p:nvPr>
-            <p:ph idx="1"/>
-          </p:nvPr>
-        </p:nvSpPr>
-        <p:spPr>
-          <a:xfrm>
-            <a:off x="1524000" y="1905000"/>
-            <a:ext cx="7010400" cy="1524000"/>
-          </a:xfrm>
-        </p:spPr>
-        <p:txBody>
-          <a:bodyPr>
-            <a:normAutofit fontScale="85000" lnSpcReduction="20000"/>
-          </a:bodyPr>
-          <a:lstStyle/>
-          <a:p>
-            <a:r>
-              <a:rPr lang="en-US" dirty="0"/>
-              <a:t>The idea of </a:t>
-            </a:r>
-            <a:r>
-              <a:rPr lang="en-US" dirty="0" err="1"/>
-              <a:t>destructuring</a:t>
-            </a:r>
-            <a:r>
-              <a:rPr lang="en-US" dirty="0"/>
-              <a:t> is fundamental to pattern matching</a:t>
-            </a:r>
-          </a:p>
-          <a:p>
-            <a:r>
-              <a:rPr lang="en-US" dirty="0"/>
-              <a:t>It makes access to substructures much more readable (and efficient).</a:t>
-            </a:r>
-          </a:p>
-        </p:txBody>
-      </p:sp>
-      <p:pic>
-        <p:nvPicPr>
-          <p:cNvPr id="7" name="Picture 6">
-            <a:extLst>
-              <a:ext uri="{FF2B5EF4-FFF2-40B4-BE49-F238E27FC236}">
-                <a16:creationId xmlns:a16="http://schemas.microsoft.com/office/drawing/2014/main" id="{125A6A26-A408-284D-A5D3-913E31B1906F}"/>
-              </a:ext>
-            </a:extLst>
-          </p:cNvPr>
-          <p:cNvPicPr>
-            <a:picLocks noChangeAspect="1"/>
-          </p:cNvPicPr>
-          <p:nvPr/>
-        </p:nvPicPr>
-        <p:blipFill>
-          <a:blip r:embed="rId2"/>
-          <a:stretch>
-            <a:fillRect/>
-          </a:stretch>
-        </p:blipFill>
-        <p:spPr>
-          <a:xfrm>
-            <a:off x="381000" y="3733800"/>
-            <a:ext cx="5080000" cy="1104900"/>
-          </a:xfrm>
-          <a:prstGeom prst="rect">
-            <a:avLst/>
-          </a:prstGeom>
-          <a:ln>
-            <a:solidFill>
-              <a:schemeClr val="tx1"/>
-            </a:solidFill>
-          </a:ln>
-        </p:spPr>
-      </p:pic>
-      <p:sp>
-        <p:nvSpPr>
-          <p:cNvPr id="8" name="TextBox 7">
-            <a:extLst>
-              <a:ext uri="{FF2B5EF4-FFF2-40B4-BE49-F238E27FC236}">
-                <a16:creationId xmlns:a16="http://schemas.microsoft.com/office/drawing/2014/main" id="{03756C8F-9F25-8C48-9322-F8715F3293D8}"/>
-              </a:ext>
-            </a:extLst>
-          </p:cNvPr>
-          <p:cNvSpPr txBox="1"/>
-          <p:nvPr/>
-        </p:nvSpPr>
-        <p:spPr>
-          <a:xfrm>
-            <a:off x="304800" y="3429000"/>
-            <a:ext cx="3369833" cy="338554"/>
-          </a:xfrm>
-          <a:prstGeom prst="rect">
-            <a:avLst/>
-          </a:prstGeom>
-          <a:noFill/>
-        </p:spPr>
-        <p:txBody>
-          <a:bodyPr wrap="none" rtlCol="0">
-            <a:spAutoFit/>
-          </a:bodyPr>
-          <a:lstStyle/>
-          <a:p>
-            <a:r>
-              <a:rPr lang="en-US" sz="1600" dirty="0">
-                <a:solidFill>
-                  <a:schemeClr val="tx2"/>
-                </a:solidFill>
-              </a:rPr>
-              <a:t>Without structural pattern matching</a:t>
-            </a:r>
-          </a:p>
-        </p:txBody>
-      </p:sp>
-      <p:pic>
-        <p:nvPicPr>
-          <p:cNvPr id="9" name="Picture 8">
-            <a:extLst>
-              <a:ext uri="{FF2B5EF4-FFF2-40B4-BE49-F238E27FC236}">
-                <a16:creationId xmlns:a16="http://schemas.microsoft.com/office/drawing/2014/main" id="{F9B7DA3C-11B5-0647-A4C8-16EABDEC9869}"/>
-              </a:ext>
-            </a:extLst>
-          </p:cNvPr>
-          <p:cNvPicPr>
-            <a:picLocks noChangeAspect="1"/>
-          </p:cNvPicPr>
-          <p:nvPr/>
-        </p:nvPicPr>
-        <p:blipFill>
-          <a:blip r:embed="rId3"/>
-          <a:stretch>
-            <a:fillRect/>
-          </a:stretch>
-        </p:blipFill>
-        <p:spPr>
-          <a:xfrm>
-            <a:off x="673100" y="5490602"/>
-            <a:ext cx="7861300" cy="863600"/>
-          </a:xfrm>
-          <a:prstGeom prst="rect">
-            <a:avLst/>
-          </a:prstGeom>
-          <a:ln>
-            <a:solidFill>
-              <a:schemeClr val="tx1"/>
-            </a:solidFill>
-          </a:ln>
-        </p:spPr>
-      </p:pic>
-      <p:sp>
-        <p:nvSpPr>
-          <p:cNvPr id="10" name="TextBox 9">
-            <a:extLst>
-              <a:ext uri="{FF2B5EF4-FFF2-40B4-BE49-F238E27FC236}">
-                <a16:creationId xmlns:a16="http://schemas.microsoft.com/office/drawing/2014/main" id="{162A76F6-7B4F-1847-A972-BC4167D54106}"/>
-              </a:ext>
-            </a:extLst>
-          </p:cNvPr>
-          <p:cNvSpPr txBox="1"/>
-          <p:nvPr/>
-        </p:nvSpPr>
-        <p:spPr>
-          <a:xfrm>
-            <a:off x="533400" y="5152048"/>
-            <a:ext cx="3084499" cy="338554"/>
-          </a:xfrm>
-          <a:prstGeom prst="rect">
-            <a:avLst/>
-          </a:prstGeom>
-          <a:noFill/>
-        </p:spPr>
-        <p:txBody>
-          <a:bodyPr wrap="none" rtlCol="0">
-            <a:spAutoFit/>
-          </a:bodyPr>
-          <a:lstStyle/>
-          <a:p>
-            <a:r>
-              <a:rPr lang="en-US" sz="1600" dirty="0">
-                <a:solidFill>
-                  <a:schemeClr val="tx2"/>
-                </a:solidFill>
-              </a:rPr>
-              <a:t>With structural pattern matching</a:t>
-            </a:r>
-          </a:p>
-        </p:txBody>
-      </p:sp>
-      <p:sp>
-        <p:nvSpPr>
-          <p:cNvPr id="11" name="TextBox 10">
-            <a:extLst>
-              <a:ext uri="{FF2B5EF4-FFF2-40B4-BE49-F238E27FC236}">
-                <a16:creationId xmlns:a16="http://schemas.microsoft.com/office/drawing/2014/main" id="{F15D09DA-5460-484E-8453-0F4AE9159FD1}"/>
-              </a:ext>
-            </a:extLst>
-          </p:cNvPr>
-          <p:cNvSpPr txBox="1"/>
-          <p:nvPr/>
-        </p:nvSpPr>
-        <p:spPr>
-          <a:xfrm>
-            <a:off x="5732585" y="4126523"/>
-            <a:ext cx="1696298" cy="307777"/>
-          </a:xfrm>
-          <a:prstGeom prst="rect">
-            <a:avLst/>
-          </a:prstGeom>
-          <a:noFill/>
-        </p:spPr>
-        <p:txBody>
-          <a:bodyPr wrap="none" rtlCol="0">
-            <a:spAutoFit/>
-          </a:bodyPr>
-          <a:lstStyle/>
-          <a:p>
-            <a:r>
-              <a:rPr lang="en-US" sz="1400" dirty="0"/>
-              <a:t>ln004/destruct1.ast</a:t>
-            </a:r>
-          </a:p>
-        </p:txBody>
-      </p:sp>
-      <p:sp>
-        <p:nvSpPr>
-          <p:cNvPr id="12" name="TextBox 11">
-            <a:extLst>
-              <a:ext uri="{FF2B5EF4-FFF2-40B4-BE49-F238E27FC236}">
-                <a16:creationId xmlns:a16="http://schemas.microsoft.com/office/drawing/2014/main" id="{7BDF03C6-E031-374D-8349-8C7A0A611C66}"/>
-              </a:ext>
-            </a:extLst>
-          </p:cNvPr>
-          <p:cNvSpPr txBox="1"/>
-          <p:nvPr/>
-        </p:nvSpPr>
-        <p:spPr>
-          <a:xfrm>
-            <a:off x="6166338" y="5216769"/>
-            <a:ext cx="1696298" cy="307777"/>
-          </a:xfrm>
-          <a:prstGeom prst="rect">
-            <a:avLst/>
-          </a:prstGeom>
-          <a:noFill/>
-        </p:spPr>
-        <p:txBody>
-          <a:bodyPr wrap="none" rtlCol="0">
-            <a:spAutoFit/>
-          </a:bodyPr>
-          <a:lstStyle/>
-          <a:p>
-            <a:r>
-              <a:rPr lang="en-US" sz="1400" dirty="0"/>
-              <a:t>ln004/destruct2.ast</a:t>
-            </a:r>
-          </a:p>
-        </p:txBody>
-      </p:sp>
-    </p:spTree>
-    <p:extLst>
-      <p:ext uri="{BB962C8B-B14F-4D97-AF65-F5344CB8AC3E}">
-        <p14:creationId xmlns:p14="http://schemas.microsoft.com/office/powerpoint/2010/main" val="21942942"/>
-      </p:ext>
-    </p:extLst>
-  </p:cSld>
-  <p:clrMapOvr>
-    <a:masterClrMapping/>
-  </p:clrMapOvr>
-</p:sld>
-</file>
-
 <file path=ppt/slides/slide12.xml><?xml version="1.0" encoding="utf-8"?>
 <p:sld xmlns:a="http://schemas.openxmlformats.org/drawingml/2006/main" xmlns:r="http://schemas.openxmlformats.org/officeDocument/2006/relationships" xmlns:p="http://schemas.openxmlformats.org/presentationml/2006/main">
   <p:cSld>
@@ -5900,10 +5773,10 @@
       </p:grpSpPr>
       <p:sp>
         <p:nvSpPr>
-          <p:cNvPr id="2" name="Title 1">
-            <a:extLst>
-              <a:ext uri="{FF2B5EF4-FFF2-40B4-BE49-F238E27FC236}">
-                <a16:creationId xmlns:a16="http://schemas.microsoft.com/office/drawing/2014/main" id="{87B2FF73-ABA1-8B4C-BBB2-1C960345FAA7}"/>
+          <p:cNvPr id="5" name="Title 4">
+            <a:extLst>
+              <a:ext uri="{FF2B5EF4-FFF2-40B4-BE49-F238E27FC236}">
+                <a16:creationId xmlns:a16="http://schemas.microsoft.com/office/drawing/2014/main" id="{1AF4F978-3E3C-7447-946F-559FC9D1C077}"/>
               </a:ext>
             </a:extLst>
           </p:cNvPr>
@@ -5929,10 +5802,10 @@
       </p:sp>
       <p:sp>
         <p:nvSpPr>
-          <p:cNvPr id="3" name="Content Placeholder 2">
-            <a:extLst>
-              <a:ext uri="{FF2B5EF4-FFF2-40B4-BE49-F238E27FC236}">
-                <a16:creationId xmlns:a16="http://schemas.microsoft.com/office/drawing/2014/main" id="{57910267-28F9-8944-ADDD-99D9FD7CFE00}"/>
+          <p:cNvPr id="6" name="Content Placeholder 5">
+            <a:extLst>
+              <a:ext uri="{FF2B5EF4-FFF2-40B4-BE49-F238E27FC236}">
+                <a16:creationId xmlns:a16="http://schemas.microsoft.com/office/drawing/2014/main" id="{69CD2371-8322-9A41-A719-261ECC263996}"/>
               </a:ext>
             </a:extLst>
           </p:cNvPr>
@@ -5946,26 +5819,42 @@
         <p:spPr>
           <a:xfrm>
             <a:off x="1524000" y="1905000"/>
-            <a:ext cx="7010400" cy="1066800"/>
+            <a:ext cx="7010400" cy="1524000"/>
           </a:xfrm>
         </p:spPr>
         <p:txBody>
-          <a:bodyPr/>
+          <a:bodyPr>
+            <a:normAutofit fontScale="85000" lnSpcReduction="20000"/>
+          </a:bodyPr>
           <a:lstStyle/>
           <a:p>
             <a:r>
               <a:rPr lang="en-US" dirty="0"/>
-              <a:t>Here is another example using structures and objects</a:t>
+              <a:t>The idea of </a:t>
+            </a:r>
+            <a:r>
+              <a:rPr lang="en-US" dirty="0" err="1"/>
+              <a:t>destructuring</a:t>
+            </a:r>
+            <a:r>
+              <a:rPr lang="en-US" dirty="0"/>
+              <a:t> is fundamental to pattern matching</a:t>
+            </a:r>
+          </a:p>
+          <a:p>
+            <a:r>
+              <a:rPr lang="en-US" dirty="0"/>
+              <a:t>It makes access to substructures much more readable (and efficient).</a:t>
             </a:r>
           </a:p>
         </p:txBody>
       </p:sp>
       <p:pic>
         <p:nvPicPr>
-          <p:cNvPr id="4" name="Picture 3">
-            <a:extLst>
-              <a:ext uri="{FF2B5EF4-FFF2-40B4-BE49-F238E27FC236}">
-                <a16:creationId xmlns:a16="http://schemas.microsoft.com/office/drawing/2014/main" id="{44BC914B-6B85-9E40-B4B4-5FE3B7AF3FA6}"/>
+          <p:cNvPr id="7" name="Picture 6">
+            <a:extLst>
+              <a:ext uri="{FF2B5EF4-FFF2-40B4-BE49-F238E27FC236}">
+                <a16:creationId xmlns:a16="http://schemas.microsoft.com/office/drawing/2014/main" id="{125A6A26-A408-284D-A5D3-913E31B1906F}"/>
               </a:ext>
             </a:extLst>
           </p:cNvPr>
@@ -5982,25 +5871,25 @@
         </p:blipFill>
         <p:spPr>
           <a:xfrm>
-            <a:off x="990600" y="3186479"/>
-            <a:ext cx="6985000" cy="2794000"/>
+            <a:off x="381000" y="3733800"/>
+            <a:ext cx="5080000" cy="1104900"/>
           </a:xfrm>
           <a:prstGeom prst="rect">
             <a:avLst/>
           </a:prstGeom>
           <a:ln>
             <a:solidFill>
-              <a:schemeClr val="tx2"/>
+              <a:schemeClr val="tx1"/>
             </a:solidFill>
           </a:ln>
         </p:spPr>
       </p:pic>
       <p:sp>
         <p:nvSpPr>
-          <p:cNvPr id="5" name="TextBox 4">
-            <a:extLst>
-              <a:ext uri="{FF2B5EF4-FFF2-40B4-BE49-F238E27FC236}">
-                <a16:creationId xmlns:a16="http://schemas.microsoft.com/office/drawing/2014/main" id="{3F30A8CC-F02F-474A-840E-8A807C395A5F}"/>
+          <p:cNvPr id="8" name="TextBox 7">
+            <a:extLst>
+              <a:ext uri="{FF2B5EF4-FFF2-40B4-BE49-F238E27FC236}">
+                <a16:creationId xmlns:a16="http://schemas.microsoft.com/office/drawing/2014/main" id="{03756C8F-9F25-8C48-9322-F8715F3293D8}"/>
               </a:ext>
             </a:extLst>
           </p:cNvPr>
@@ -6009,7 +5898,120 @@
         </p:nvSpPr>
         <p:spPr>
           <a:xfrm>
-            <a:off x="4091354" y="6271846"/>
+            <a:off x="304800" y="3429000"/>
+            <a:ext cx="3369833" cy="338554"/>
+          </a:xfrm>
+          <a:prstGeom prst="rect">
+            <a:avLst/>
+          </a:prstGeom>
+          <a:noFill/>
+        </p:spPr>
+        <p:txBody>
+          <a:bodyPr wrap="none" rtlCol="0">
+            <a:spAutoFit/>
+          </a:bodyPr>
+          <a:lstStyle/>
+          <a:p>
+            <a:r>
+              <a:rPr lang="en-US" sz="1600" dirty="0">
+                <a:solidFill>
+                  <a:schemeClr val="tx2"/>
+                </a:solidFill>
+              </a:rPr>
+              <a:t>Without structural pattern matching</a:t>
+            </a:r>
+          </a:p>
+        </p:txBody>
+      </p:sp>
+      <p:pic>
+        <p:nvPicPr>
+          <p:cNvPr id="9" name="Picture 8">
+            <a:extLst>
+              <a:ext uri="{FF2B5EF4-FFF2-40B4-BE49-F238E27FC236}">
+                <a16:creationId xmlns:a16="http://schemas.microsoft.com/office/drawing/2014/main" id="{F9B7DA3C-11B5-0647-A4C8-16EABDEC9869}"/>
+              </a:ext>
+            </a:extLst>
+          </p:cNvPr>
+          <p:cNvPicPr>
+            <a:picLocks noChangeAspect="1"/>
+          </p:cNvPicPr>
+          <p:nvPr/>
+        </p:nvPicPr>
+        <p:blipFill>
+          <a:blip r:embed="rId3"/>
+          <a:stretch>
+            <a:fillRect/>
+          </a:stretch>
+        </p:blipFill>
+        <p:spPr>
+          <a:xfrm>
+            <a:off x="673100" y="5490602"/>
+            <a:ext cx="7861300" cy="863600"/>
+          </a:xfrm>
+          <a:prstGeom prst="rect">
+            <a:avLst/>
+          </a:prstGeom>
+          <a:ln>
+            <a:solidFill>
+              <a:schemeClr val="tx1"/>
+            </a:solidFill>
+          </a:ln>
+        </p:spPr>
+      </p:pic>
+      <p:sp>
+        <p:nvSpPr>
+          <p:cNvPr id="10" name="TextBox 9">
+            <a:extLst>
+              <a:ext uri="{FF2B5EF4-FFF2-40B4-BE49-F238E27FC236}">
+                <a16:creationId xmlns:a16="http://schemas.microsoft.com/office/drawing/2014/main" id="{162A76F6-7B4F-1847-A972-BC4167D54106}"/>
+              </a:ext>
+            </a:extLst>
+          </p:cNvPr>
+          <p:cNvSpPr txBox="1"/>
+          <p:nvPr/>
+        </p:nvSpPr>
+        <p:spPr>
+          <a:xfrm>
+            <a:off x="533400" y="5152048"/>
+            <a:ext cx="3084499" cy="338554"/>
+          </a:xfrm>
+          <a:prstGeom prst="rect">
+            <a:avLst/>
+          </a:prstGeom>
+          <a:noFill/>
+        </p:spPr>
+        <p:txBody>
+          <a:bodyPr wrap="none" rtlCol="0">
+            <a:spAutoFit/>
+          </a:bodyPr>
+          <a:lstStyle/>
+          <a:p>
+            <a:r>
+              <a:rPr lang="en-US" sz="1600" dirty="0">
+                <a:solidFill>
+                  <a:schemeClr val="tx2"/>
+                </a:solidFill>
+              </a:rPr>
+              <a:t>With structural pattern matching</a:t>
+            </a:r>
+          </a:p>
+        </p:txBody>
+      </p:sp>
+      <p:sp>
+        <p:nvSpPr>
+          <p:cNvPr id="11" name="TextBox 10">
+            <a:extLst>
+              <a:ext uri="{FF2B5EF4-FFF2-40B4-BE49-F238E27FC236}">
+                <a16:creationId xmlns:a16="http://schemas.microsoft.com/office/drawing/2014/main" id="{F15D09DA-5460-484E-8453-0F4AE9159FD1}"/>
+              </a:ext>
+            </a:extLst>
+          </p:cNvPr>
+          <p:cNvSpPr txBox="1"/>
+          <p:nvPr/>
+        </p:nvSpPr>
+        <p:spPr>
+          <a:xfrm>
+            <a:off x="5732585" y="4126523"/>
             <a:ext cx="1696298" cy="307777"/>
           </a:xfrm>
           <a:prstGeom prst="rect">
@@ -6025,7 +6027,42 @@
           <a:p>
             <a:r>
               <a:rPr lang="en-US" sz="1400" dirty="0"/>
-              <a:t>ln004/destruct3.ast</a:t>
+              <a:t>ln004/destruct1.ast</a:t>
+            </a:r>
+          </a:p>
+        </p:txBody>
+      </p:sp>
+      <p:sp>
+        <p:nvSpPr>
+          <p:cNvPr id="12" name="TextBox 11">
+            <a:extLst>
+              <a:ext uri="{FF2B5EF4-FFF2-40B4-BE49-F238E27FC236}">
+                <a16:creationId xmlns:a16="http://schemas.microsoft.com/office/drawing/2014/main" id="{7BDF03C6-E031-374D-8349-8C7A0A611C66}"/>
+              </a:ext>
+            </a:extLst>
+          </p:cNvPr>
+          <p:cNvSpPr txBox="1"/>
+          <p:nvPr/>
+        </p:nvSpPr>
+        <p:spPr>
+          <a:xfrm>
+            <a:off x="6166338" y="5216769"/>
+            <a:ext cx="1696298" cy="307777"/>
+          </a:xfrm>
+          <a:prstGeom prst="rect">
+            <a:avLst/>
+          </a:prstGeom>
+          <a:noFill/>
+        </p:spPr>
+        <p:txBody>
+          <a:bodyPr wrap="none" rtlCol="0">
+            <a:spAutoFit/>
+          </a:bodyPr>
+          <a:lstStyle/>
+          <a:p>
+            <a:r>
+              <a:rPr lang="en-US" sz="1400" dirty="0"/>
+              <a:t>ln004/destruct2.ast</a:t>
             </a:r>
           </a:p>
         </p:txBody>
@@ -6033,7 +6070,7 @@
     </p:spTree>
     <p:extLst>
       <p:ext uri="{BB962C8B-B14F-4D97-AF65-F5344CB8AC3E}">
-        <p14:creationId xmlns:p14="http://schemas.microsoft.com/office/powerpoint/2010/main" val="3185682571"/>
+        <p14:creationId xmlns:p14="http://schemas.microsoft.com/office/powerpoint/2010/main" val="21942942"/>
       </p:ext>
     </p:extLst>
   </p:cSld>
@@ -6065,7 +6102,7 @@
           <p:cNvPr id="2" name="Title 1">
             <a:extLst>
               <a:ext uri="{FF2B5EF4-FFF2-40B4-BE49-F238E27FC236}">
-                <a16:creationId xmlns:a16="http://schemas.microsoft.com/office/drawing/2014/main" id="{63E6D85F-5E84-D44B-9B5C-300F6E3DB4B4}"/>
+                <a16:creationId xmlns:a16="http://schemas.microsoft.com/office/drawing/2014/main" id="{87B2FF73-ABA1-8B4C-BBB2-1C960345FAA7}"/>
               </a:ext>
             </a:extLst>
           </p:cNvPr>
@@ -6082,9 +6119,10 @@
           <a:lstStyle/>
           <a:p>
             <a:r>
-              <a:rPr lang="en-US" dirty="0"/>
-              <a:t>Basic Pattern Matching Summary</a:t>
-            </a:r>
+              <a:rPr lang="en-US" dirty="0" err="1"/>
+              <a:t>Destructuring</a:t>
+            </a:r>
+            <a:endParaRPr lang="en-US" dirty="0"/>
           </a:p>
         </p:txBody>
       </p:sp>
@@ -6093,7 +6131,7 @@
           <p:cNvPr id="3" name="Content Placeholder 2">
             <a:extLst>
               <a:ext uri="{FF2B5EF4-FFF2-40B4-BE49-F238E27FC236}">
-                <a16:creationId xmlns:a16="http://schemas.microsoft.com/office/drawing/2014/main" id="{9E6BF871-97CA-5F43-BEF7-D514A7A67A62}"/>
+                <a16:creationId xmlns:a16="http://schemas.microsoft.com/office/drawing/2014/main" id="{57910267-28F9-8944-ADDD-99D9FD7CFE00}"/>
               </a:ext>
             </a:extLst>
           </p:cNvPr>
@@ -6104,108 +6142,97 @@
             <p:ph idx="1"/>
           </p:nvPr>
         </p:nvSpPr>
-        <p:spPr/>
-        <p:txBody>
-          <a:bodyPr>
-            <a:normAutofit fontScale="70000" lnSpcReduction="20000"/>
+        <p:spPr>
+          <a:xfrm>
+            <a:off x="1524000" y="1905000"/>
+            <a:ext cx="7010400" cy="1066800"/>
+          </a:xfrm>
+        </p:spPr>
+        <p:txBody>
+          <a:bodyPr/>
+          <a:lstStyle/>
+          <a:p>
+            <a:r>
+              <a:rPr lang="en-US" dirty="0"/>
+              <a:t>Here is another example using structures and objects</a:t>
+            </a:r>
+          </a:p>
+        </p:txBody>
+      </p:sp>
+      <p:pic>
+        <p:nvPicPr>
+          <p:cNvPr id="4" name="Picture 3">
+            <a:extLst>
+              <a:ext uri="{FF2B5EF4-FFF2-40B4-BE49-F238E27FC236}">
+                <a16:creationId xmlns:a16="http://schemas.microsoft.com/office/drawing/2014/main" id="{44BC914B-6B85-9E40-B4B4-5FE3B7AF3FA6}"/>
+              </a:ext>
+            </a:extLst>
+          </p:cNvPr>
+          <p:cNvPicPr>
+            <a:picLocks noChangeAspect="1"/>
+          </p:cNvPicPr>
+          <p:nvPr/>
+        </p:nvPicPr>
+        <p:blipFill>
+          <a:blip r:embed="rId2"/>
+          <a:stretch>
+            <a:fillRect/>
+          </a:stretch>
+        </p:blipFill>
+        <p:spPr>
+          <a:xfrm>
+            <a:off x="990600" y="3186479"/>
+            <a:ext cx="6985000" cy="2794000"/>
+          </a:xfrm>
+          <a:prstGeom prst="rect">
+            <a:avLst/>
+          </a:prstGeom>
+          <a:ln>
+            <a:solidFill>
+              <a:schemeClr val="tx2"/>
+            </a:solidFill>
+          </a:ln>
+        </p:spPr>
+      </p:pic>
+      <p:sp>
+        <p:nvSpPr>
+          <p:cNvPr id="5" name="TextBox 4">
+            <a:extLst>
+              <a:ext uri="{FF2B5EF4-FFF2-40B4-BE49-F238E27FC236}">
+                <a16:creationId xmlns:a16="http://schemas.microsoft.com/office/drawing/2014/main" id="{3F30A8CC-F02F-474A-840E-8A807C395A5F}"/>
+              </a:ext>
+            </a:extLst>
+          </p:cNvPr>
+          <p:cNvSpPr txBox="1"/>
+          <p:nvPr/>
+        </p:nvSpPr>
+        <p:spPr>
+          <a:xfrm>
+            <a:off x="4091354" y="6271846"/>
+            <a:ext cx="1696298" cy="307777"/>
+          </a:xfrm>
+          <a:prstGeom prst="rect">
+            <a:avLst/>
+          </a:prstGeom>
+          <a:noFill/>
+        </p:spPr>
+        <p:txBody>
+          <a:bodyPr wrap="none" rtlCol="0">
+            <a:spAutoFit/>
           </a:bodyPr>
           <a:lstStyle/>
           <a:p>
             <a:r>
-              <a:rPr lang="en-US" dirty="0"/>
-              <a:t>The let statement</a:t>
-            </a:r>
-            <a:br>
-              <a:rPr lang="en-US" dirty="0"/>
-            </a:br>
-            <a:r>
-              <a:rPr lang="en-US" dirty="0"/>
-              <a:t>    let &lt;pattern&gt; = value .</a:t>
-            </a:r>
-          </a:p>
-          <a:p>
-            <a:r>
-              <a:rPr lang="en-US" dirty="0"/>
-              <a:t>On the right side of equal sign constructors represent values</a:t>
-            </a:r>
-          </a:p>
-          <a:p>
-            <a:pPr lvl="1"/>
-            <a:r>
-              <a:rPr lang="en-US" dirty="0"/>
-              <a:t>Operators/functions are allowed</a:t>
-            </a:r>
-          </a:p>
-          <a:p>
-            <a:r>
-              <a:rPr lang="en-US" dirty="0"/>
-              <a:t>On the left side constructors represent structure</a:t>
-            </a:r>
-          </a:p>
-          <a:p>
-            <a:pPr lvl="1"/>
-            <a:r>
-              <a:rPr lang="en-US" dirty="0"/>
-              <a:t>Operators/functions are </a:t>
-            </a:r>
-            <a:r>
-              <a:rPr lang="en-US" b="1" dirty="0"/>
-              <a:t>not</a:t>
-            </a:r>
-            <a:r>
-              <a:rPr lang="en-US" dirty="0"/>
-              <a:t> allowed</a:t>
-            </a:r>
-          </a:p>
-          <a:p>
-            <a:pPr lvl="1"/>
-            <a:r>
-              <a:rPr lang="en-US" dirty="0"/>
-              <a:t>Constructors must minimally represent structure</a:t>
-            </a:r>
-          </a:p>
-          <a:p>
-            <a:r>
-              <a:rPr lang="en-US" dirty="0"/>
-              <a:t>Variables are allowed in patterns for partial matches/</a:t>
-            </a:r>
-            <a:r>
-              <a:rPr lang="en-US" dirty="0" err="1"/>
-              <a:t>destructuring</a:t>
-            </a:r>
-            <a:endParaRPr lang="en-US" dirty="0"/>
-          </a:p>
-          <a:p>
-            <a:r>
-              <a:rPr lang="en-US" dirty="0"/>
-              <a:t>Pattern matching is part of a programming paradigm called </a:t>
-            </a:r>
-            <a:r>
-              <a:rPr lang="en-US" b="1" dirty="0"/>
-              <a:t>declarative programming</a:t>
-            </a:r>
-          </a:p>
-          <a:p>
-            <a:pPr lvl="1"/>
-            <a:r>
-              <a:rPr lang="en-US" dirty="0"/>
-              <a:t>We will look at this more carefully when we examine control structures in Asteroid.</a:t>
-            </a:r>
-          </a:p>
-          <a:p>
-            <a:pPr lvl="1"/>
-            <a:endParaRPr lang="en-US" dirty="0"/>
-          </a:p>
-          <a:p>
-            <a:pPr lvl="1"/>
-            <a:endParaRPr lang="en-US" dirty="0"/>
+              <a:rPr lang="en-US" sz="1400" dirty="0"/>
+              <a:t>ln004/destruct3.ast</a:t>
+            </a:r>
           </a:p>
         </p:txBody>
       </p:sp>
     </p:spTree>
     <p:extLst>
       <p:ext uri="{BB962C8B-B14F-4D97-AF65-F5344CB8AC3E}">
-        <p14:creationId xmlns:p14="http://schemas.microsoft.com/office/powerpoint/2010/main" val="3741227975"/>
+        <p14:creationId xmlns:p14="http://schemas.microsoft.com/office/powerpoint/2010/main" val="3185682571"/>
       </p:ext>
     </p:extLst>
   </p:cSld>
@@ -6237,7 +6264,7 @@
           <p:cNvPr id="2" name="Title 1">
             <a:extLst>
               <a:ext uri="{FF2B5EF4-FFF2-40B4-BE49-F238E27FC236}">
-                <a16:creationId xmlns:a16="http://schemas.microsoft.com/office/drawing/2014/main" id="{E8C29327-0FF2-D34A-A7BF-A39E5934A183}"/>
+                <a16:creationId xmlns:a16="http://schemas.microsoft.com/office/drawing/2014/main" id="{63E6D85F-5E84-D44B-9B5C-300F6E3DB4B4}"/>
               </a:ext>
             </a:extLst>
           </p:cNvPr>
@@ -6255,7 +6282,7 @@
           <a:p>
             <a:r>
               <a:rPr lang="en-US" dirty="0"/>
-              <a:t>Pattern Matching in Python</a:t>
+              <a:t>Basic Pattern Matching Summary</a:t>
             </a:r>
           </a:p>
         </p:txBody>
@@ -6265,7 +6292,7 @@
           <p:cNvPr id="3" name="Content Placeholder 2">
             <a:extLst>
               <a:ext uri="{FF2B5EF4-FFF2-40B4-BE49-F238E27FC236}">
-                <a16:creationId xmlns:a16="http://schemas.microsoft.com/office/drawing/2014/main" id="{5B84DB07-3A63-5A4F-B3AF-2A2AFA8149CE}"/>
+                <a16:creationId xmlns:a16="http://schemas.microsoft.com/office/drawing/2014/main" id="{9E6BF871-97CA-5F43-BEF7-D514A7A67A62}"/>
               </a:ext>
             </a:extLst>
           </p:cNvPr>
@@ -6276,78 +6303,108 @@
             <p:ph idx="1"/>
           </p:nvPr>
         </p:nvSpPr>
-        <p:spPr>
-          <a:xfrm>
-            <a:off x="1524000" y="1676400"/>
-            <a:ext cx="7010400" cy="1905000"/>
-          </a:xfrm>
-        </p:spPr>
+        <p:spPr/>
         <p:txBody>
           <a:bodyPr>
-            <a:normAutofit/>
+            <a:normAutofit fontScale="70000" lnSpcReduction="20000"/>
           </a:bodyPr>
           <a:lstStyle/>
           <a:p>
             <a:r>
               <a:rPr lang="en-US" dirty="0"/>
-              <a:t>Limited pattern matching available with the assignment statement</a:t>
+              <a:t>The let statement</a:t>
+            </a:r>
+            <a:br>
+              <a:rPr lang="en-US" dirty="0"/>
+            </a:br>
+            <a:r>
+              <a:rPr lang="en-US" dirty="0"/>
+              <a:t>    let &lt;pattern&gt; = value .</a:t>
+            </a:r>
+          </a:p>
+          <a:p>
+            <a:r>
+              <a:rPr lang="en-US" dirty="0"/>
+              <a:t>On the right side of equal sign constructors represent values</a:t>
             </a:r>
           </a:p>
           <a:p>
             <a:pPr lvl="1"/>
             <a:r>
               <a:rPr lang="en-US" dirty="0"/>
-              <a:t>Called </a:t>
-            </a:r>
-            <a:r>
-              <a:rPr lang="en-US" b="1" dirty="0" err="1"/>
+              <a:t>Operators/functions are allowed</a:t>
+            </a:r>
+          </a:p>
+          <a:p>
+            <a:r>
+              <a:rPr lang="en-US" dirty="0"/>
+              <a:t>On the left side constructors represent structure</a:t>
+            </a:r>
+          </a:p>
+          <a:p>
+            <a:pPr lvl="1"/>
+            <a:r>
+              <a:rPr lang="en-US" dirty="0"/>
+              <a:t>Operators/functions are </a:t>
+            </a:r>
+            <a:r>
+              <a:rPr lang="en-US" b="1" dirty="0"/>
+              <a:t>not</a:t>
+            </a:r>
+            <a:r>
+              <a:rPr lang="en-US" dirty="0"/>
+              <a:t> allowed</a:t>
+            </a:r>
+          </a:p>
+          <a:p>
+            <a:pPr lvl="1"/>
+            <a:r>
+              <a:rPr lang="en-US" dirty="0"/>
+              <a:t>Constructors must minimally represent structure</a:t>
+            </a:r>
+          </a:p>
+          <a:p>
+            <a:r>
+              <a:rPr lang="en-US" dirty="0"/>
+              <a:t>Variables are allowed in patterns for partial matches/</a:t>
+            </a:r>
+            <a:r>
+              <a:rPr lang="en-US" dirty="0" err="1"/>
               <a:t>destructuring</a:t>
             </a:r>
-            <a:r>
-              <a:rPr lang="en-US" dirty="0"/>
-              <a:t> assignment</a:t>
-            </a:r>
-          </a:p>
-        </p:txBody>
-      </p:sp>
-      <p:pic>
-        <p:nvPicPr>
-          <p:cNvPr id="5" name="Picture 4">
-            <a:extLst>
-              <a:ext uri="{FF2B5EF4-FFF2-40B4-BE49-F238E27FC236}">
-                <a16:creationId xmlns:a16="http://schemas.microsoft.com/office/drawing/2014/main" id="{1ABD9459-AC71-D24B-82C5-648CD3F83A8A}"/>
-              </a:ext>
-            </a:extLst>
-          </p:cNvPr>
-          <p:cNvPicPr>
-            <a:picLocks noChangeAspect="1"/>
-          </p:cNvPicPr>
-          <p:nvPr/>
-        </p:nvPicPr>
-        <p:blipFill rotWithShape="1">
-          <a:blip r:embed="rId2"/>
-          <a:srcRect t="3500"/>
-          <a:stretch/>
-        </p:blipFill>
-        <p:spPr>
-          <a:xfrm>
-            <a:off x="2895600" y="4000500"/>
-            <a:ext cx="2527300" cy="2451100"/>
-          </a:xfrm>
-          <a:prstGeom prst="rect">
-            <a:avLst/>
-          </a:prstGeom>
-          <a:ln>
-            <a:solidFill>
-              <a:schemeClr val="tx2"/>
-            </a:solidFill>
-          </a:ln>
-        </p:spPr>
-      </p:pic>
+            <a:endParaRPr lang="en-US" dirty="0"/>
+          </a:p>
+          <a:p>
+            <a:r>
+              <a:rPr lang="en-US" dirty="0"/>
+              <a:t>Pattern matching is part of a programming paradigm called </a:t>
+            </a:r>
+            <a:r>
+              <a:rPr lang="en-US" b="1" dirty="0"/>
+              <a:t>declarative programming</a:t>
+            </a:r>
+          </a:p>
+          <a:p>
+            <a:pPr lvl="1"/>
+            <a:r>
+              <a:rPr lang="en-US" dirty="0"/>
+              <a:t>We will look at this more carefully when we examine control structures in Asteroid.</a:t>
+            </a:r>
+          </a:p>
+          <a:p>
+            <a:pPr lvl="1"/>
+            <a:endParaRPr lang="en-US" dirty="0"/>
+          </a:p>
+          <a:p>
+            <a:pPr lvl="1"/>
+            <a:endParaRPr lang="en-US" dirty="0"/>
+          </a:p>
+        </p:txBody>
+      </p:sp>
     </p:spTree>
     <p:extLst>
       <p:ext uri="{BB962C8B-B14F-4D97-AF65-F5344CB8AC3E}">
-        <p14:creationId xmlns:p14="http://schemas.microsoft.com/office/powerpoint/2010/main" val="2121341352"/>
+        <p14:creationId xmlns:p14="http://schemas.microsoft.com/office/powerpoint/2010/main" val="3741227975"/>
       </p:ext>
     </p:extLst>
   </p:cSld>
@@ -6421,18 +6478,33 @@
         <p:spPr>
           <a:xfrm>
             <a:off x="1524000" y="1676400"/>
-            <a:ext cx="7010400" cy="838200"/>
+            <a:ext cx="7010400" cy="1905000"/>
           </a:xfrm>
         </p:spPr>
         <p:txBody>
           <a:bodyPr>
-            <a:normAutofit fontScale="92500" lnSpcReduction="20000"/>
+            <a:normAutofit/>
           </a:bodyPr>
           <a:lstStyle/>
           <a:p>
             <a:r>
               <a:rPr lang="en-US" dirty="0"/>
-              <a:t>The match statement as of 3.10 provides a bit more functionality</a:t>
+              <a:t>Limited pattern matching available with the assignment statement</a:t>
+            </a:r>
+          </a:p>
+          <a:p>
+            <a:pPr lvl="1"/>
+            <a:r>
+              <a:rPr lang="en-US" dirty="0"/>
+              <a:t>Called </a:t>
+            </a:r>
+            <a:r>
+              <a:rPr lang="en-US" b="1" dirty="0" err="1"/>
+              <a:t>destructuring</a:t>
+            </a:r>
+            <a:r>
+              <a:rPr lang="en-US" dirty="0"/>
+              <a:t> assignment</a:t>
             </a:r>
           </a:p>
         </p:txBody>
@@ -6442,7 +6514,7 @@
           <p:cNvPr id="5" name="Picture 4">
             <a:extLst>
               <a:ext uri="{FF2B5EF4-FFF2-40B4-BE49-F238E27FC236}">
-                <a16:creationId xmlns:a16="http://schemas.microsoft.com/office/drawing/2014/main" id="{B21EEF00-80BA-C244-9D4F-C0381F7748A1}"/>
+                <a16:creationId xmlns:a16="http://schemas.microsoft.com/office/drawing/2014/main" id="{1ABD9459-AC71-D24B-82C5-648CD3F83A8A}"/>
               </a:ext>
             </a:extLst>
           </p:cNvPr>
@@ -6451,16 +6523,15 @@
           </p:cNvPicPr>
           <p:nvPr/>
         </p:nvPicPr>
-        <p:blipFill>
+        <p:blipFill rotWithShape="1">
           <a:blip r:embed="rId2"/>
-          <a:stretch>
-            <a:fillRect/>
-          </a:stretch>
+          <a:srcRect t="3500"/>
+          <a:stretch/>
         </p:blipFill>
         <p:spPr>
           <a:xfrm>
-            <a:off x="381000" y="2616201"/>
-            <a:ext cx="4038600" cy="1727200"/>
+            <a:off x="2895600" y="4000500"/>
+            <a:ext cx="2527300" cy="2451100"/>
           </a:xfrm>
           <a:prstGeom prst="rect">
             <a:avLst/>
@@ -6472,123 +6543,10 @@
           </a:ln>
         </p:spPr>
       </p:pic>
-      <p:pic>
-        <p:nvPicPr>
-          <p:cNvPr id="6" name="Picture 5">
-            <a:extLst>
-              <a:ext uri="{FF2B5EF4-FFF2-40B4-BE49-F238E27FC236}">
-                <a16:creationId xmlns:a16="http://schemas.microsoft.com/office/drawing/2014/main" id="{C9A4CF8E-8072-2441-8A24-6252220205E9}"/>
-              </a:ext>
-            </a:extLst>
-          </p:cNvPr>
-          <p:cNvPicPr>
-            <a:picLocks noChangeAspect="1"/>
-          </p:cNvPicPr>
-          <p:nvPr/>
-        </p:nvPicPr>
-        <p:blipFill>
-          <a:blip r:embed="rId3"/>
-          <a:stretch>
-            <a:fillRect/>
-          </a:stretch>
-        </p:blipFill>
-        <p:spPr>
-          <a:xfrm>
-            <a:off x="4267200" y="3048000"/>
-            <a:ext cx="4267200" cy="3447738"/>
-          </a:xfrm>
-          <a:prstGeom prst="rect">
-            <a:avLst/>
-          </a:prstGeom>
-          <a:ln>
-            <a:solidFill>
-              <a:schemeClr val="tx2"/>
-            </a:solidFill>
-          </a:ln>
-        </p:spPr>
-      </p:pic>
-      <p:sp>
-        <p:nvSpPr>
-          <p:cNvPr id="7" name="TextBox 6">
-            <a:extLst>
-              <a:ext uri="{FF2B5EF4-FFF2-40B4-BE49-F238E27FC236}">
-                <a16:creationId xmlns:a16="http://schemas.microsoft.com/office/drawing/2014/main" id="{FD410AAD-83B4-CA44-83CE-75DEFC18BA9B}"/>
-              </a:ext>
-            </a:extLst>
-          </p:cNvPr>
-          <p:cNvSpPr txBox="1"/>
-          <p:nvPr/>
-        </p:nvSpPr>
-        <p:spPr>
-          <a:xfrm>
-            <a:off x="246185" y="5990492"/>
-            <a:ext cx="2858475" cy="307777"/>
-          </a:xfrm>
-          <a:prstGeom prst="rect">
-            <a:avLst/>
-          </a:prstGeom>
-          <a:noFill/>
-        </p:spPr>
-        <p:txBody>
-          <a:bodyPr wrap="none" rtlCol="0">
-            <a:spAutoFit/>
-          </a:bodyPr>
-          <a:lstStyle/>
-          <a:p>
-            <a:r>
-              <a:rPr lang="en-US" sz="1400" dirty="0"/>
-              <a:t>https://</a:t>
-            </a:r>
-            <a:r>
-              <a:rPr lang="en-US" sz="1400" dirty="0" err="1"/>
-              <a:t>peps.python.org</a:t>
-            </a:r>
-            <a:r>
-              <a:rPr lang="en-US" sz="1400" dirty="0"/>
-              <a:t>/pep-0636/</a:t>
-            </a:r>
-          </a:p>
-        </p:txBody>
-      </p:sp>
-      <p:sp>
-        <p:nvSpPr>
-          <p:cNvPr id="8" name="TextBox 7">
-            <a:extLst>
-              <a:ext uri="{FF2B5EF4-FFF2-40B4-BE49-F238E27FC236}">
-                <a16:creationId xmlns:a16="http://schemas.microsoft.com/office/drawing/2014/main" id="{C87107F4-F5F0-B440-B5EC-0CB34E1615FB}"/>
-              </a:ext>
-            </a:extLst>
-          </p:cNvPr>
-          <p:cNvSpPr txBox="1"/>
-          <p:nvPr/>
-        </p:nvSpPr>
-        <p:spPr>
-          <a:xfrm>
-            <a:off x="6060831" y="2743200"/>
-            <a:ext cx="1646605" cy="307777"/>
-          </a:xfrm>
-          <a:prstGeom prst="rect">
-            <a:avLst/>
-          </a:prstGeom>
-          <a:noFill/>
-        </p:spPr>
-        <p:txBody>
-          <a:bodyPr wrap="none" rtlCol="0">
-            <a:spAutoFit/>
-          </a:bodyPr>
-          <a:lstStyle/>
-          <a:p>
-            <a:r>
-              <a:rPr lang="en-US" sz="1400" dirty="0"/>
-              <a:t>ln004/destruct3.py</a:t>
-            </a:r>
-          </a:p>
-        </p:txBody>
-      </p:sp>
     </p:spTree>
     <p:extLst>
       <p:ext uri="{BB962C8B-B14F-4D97-AF65-F5344CB8AC3E}">
-        <p14:creationId xmlns:p14="http://schemas.microsoft.com/office/powerpoint/2010/main" val="3899810227"/>
+        <p14:creationId xmlns:p14="http://schemas.microsoft.com/office/powerpoint/2010/main" val="2121341352"/>
       </p:ext>
     </p:extLst>
   </p:cSld>
@@ -6620,7 +6578,7 @@
           <p:cNvPr id="2" name="Title 1">
             <a:extLst>
               <a:ext uri="{FF2B5EF4-FFF2-40B4-BE49-F238E27FC236}">
-                <a16:creationId xmlns:a16="http://schemas.microsoft.com/office/drawing/2014/main" id="{96CD2FA5-F967-B640-AF84-20CD34541D5F}"/>
+                <a16:creationId xmlns:a16="http://schemas.microsoft.com/office/drawing/2014/main" id="{E8C29327-0FF2-D34A-A7BF-A39E5934A183}"/>
               </a:ext>
             </a:extLst>
           </p:cNvPr>
@@ -6638,7 +6596,7 @@
           <a:p>
             <a:r>
               <a:rPr lang="en-US" dirty="0"/>
-              <a:t>Pattern Matching in Rust</a:t>
+              <a:t>Pattern Matching in Python</a:t>
             </a:r>
           </a:p>
         </p:txBody>
@@ -6648,7 +6606,7 @@
           <p:cNvPr id="3" name="Content Placeholder 2">
             <a:extLst>
               <a:ext uri="{FF2B5EF4-FFF2-40B4-BE49-F238E27FC236}">
-                <a16:creationId xmlns:a16="http://schemas.microsoft.com/office/drawing/2014/main" id="{35CAA96F-C6D7-9248-9A60-9A8AE269211D}"/>
+                <a16:creationId xmlns:a16="http://schemas.microsoft.com/office/drawing/2014/main" id="{5B84DB07-3A63-5A4F-B3AF-2A2AFA8149CE}"/>
               </a:ext>
             </a:extLst>
           </p:cNvPr>
@@ -6661,27 +6619,29 @@
         </p:nvSpPr>
         <p:spPr>
           <a:xfrm>
-            <a:off x="1524000" y="1905000"/>
-            <a:ext cx="7010400" cy="609600"/>
+            <a:off x="1524000" y="1676400"/>
+            <a:ext cx="7010400" cy="838200"/>
           </a:xfrm>
         </p:spPr>
         <p:txBody>
-          <a:bodyPr/>
+          <a:bodyPr>
+            <a:normAutofit fontScale="92500" lnSpcReduction="20000"/>
+          </a:bodyPr>
           <a:lstStyle/>
           <a:p>
             <a:r>
               <a:rPr lang="en-US" dirty="0"/>
-              <a:t>Rust also supports pattern matching</a:t>
+              <a:t>The match statement as of 3.10 provides a bit more functionality</a:t>
             </a:r>
           </a:p>
         </p:txBody>
       </p:sp>
       <p:pic>
         <p:nvPicPr>
-          <p:cNvPr id="4" name="Picture 3">
-            <a:extLst>
-              <a:ext uri="{FF2B5EF4-FFF2-40B4-BE49-F238E27FC236}">
-                <a16:creationId xmlns:a16="http://schemas.microsoft.com/office/drawing/2014/main" id="{DE8E6D5E-9011-5346-838C-8C3CA64040DE}"/>
+          <p:cNvPr id="5" name="Picture 4">
+            <a:extLst>
+              <a:ext uri="{FF2B5EF4-FFF2-40B4-BE49-F238E27FC236}">
+                <a16:creationId xmlns:a16="http://schemas.microsoft.com/office/drawing/2014/main" id="{B21EEF00-80BA-C244-9D4F-C0381F7748A1}"/>
               </a:ext>
             </a:extLst>
           </p:cNvPr>
@@ -6698,25 +6658,25 @@
         </p:blipFill>
         <p:spPr>
           <a:xfrm>
-            <a:off x="3962400" y="2877771"/>
-            <a:ext cx="4773898" cy="3751629"/>
+            <a:off x="381000" y="2616201"/>
+            <a:ext cx="4038600" cy="1727200"/>
           </a:xfrm>
           <a:prstGeom prst="rect">
             <a:avLst/>
           </a:prstGeom>
           <a:ln>
             <a:solidFill>
-              <a:schemeClr val="tx1"/>
+              <a:schemeClr val="tx2"/>
             </a:solidFill>
           </a:ln>
         </p:spPr>
       </p:pic>
       <p:pic>
         <p:nvPicPr>
-          <p:cNvPr id="5" name="Picture 4">
-            <a:extLst>
-              <a:ext uri="{FF2B5EF4-FFF2-40B4-BE49-F238E27FC236}">
-                <a16:creationId xmlns:a16="http://schemas.microsoft.com/office/drawing/2014/main" id="{F54D7279-2489-3C44-BD42-D76496D6C499}"/>
+          <p:cNvPr id="6" name="Picture 5">
+            <a:extLst>
+              <a:ext uri="{FF2B5EF4-FFF2-40B4-BE49-F238E27FC236}">
+                <a16:creationId xmlns:a16="http://schemas.microsoft.com/office/drawing/2014/main" id="{C9A4CF8E-8072-2441-8A24-6252220205E9}"/>
               </a:ext>
             </a:extLst>
           </p:cNvPr>
@@ -6733,25 +6693,25 @@
         </p:blipFill>
         <p:spPr>
           <a:xfrm>
-            <a:off x="228600" y="2971800"/>
-            <a:ext cx="3073400" cy="1498600"/>
+            <a:off x="4267200" y="3048000"/>
+            <a:ext cx="4267200" cy="3447738"/>
           </a:xfrm>
           <a:prstGeom prst="rect">
             <a:avLst/>
           </a:prstGeom>
           <a:ln>
             <a:solidFill>
-              <a:schemeClr val="tx1"/>
+              <a:schemeClr val="tx2"/>
             </a:solidFill>
           </a:ln>
         </p:spPr>
       </p:pic>
       <p:sp>
         <p:nvSpPr>
-          <p:cNvPr id="6" name="TextBox 5">
-            <a:extLst>
-              <a:ext uri="{FF2B5EF4-FFF2-40B4-BE49-F238E27FC236}">
-                <a16:creationId xmlns:a16="http://schemas.microsoft.com/office/drawing/2014/main" id="{BAABA7D1-54A7-5A40-BF97-2C13B7519CB0}"/>
+          <p:cNvPr id="7" name="TextBox 6">
+            <a:extLst>
+              <a:ext uri="{FF2B5EF4-FFF2-40B4-BE49-F238E27FC236}">
+                <a16:creationId xmlns:a16="http://schemas.microsoft.com/office/drawing/2014/main" id="{FD410AAD-83B4-CA44-83CE-75DEFC18BA9B}"/>
               </a:ext>
             </a:extLst>
           </p:cNvPr>
@@ -6760,8 +6720,8 @@
         </p:nvSpPr>
         <p:spPr>
           <a:xfrm>
-            <a:off x="6172200" y="2514600"/>
-            <a:ext cx="1606530" cy="307777"/>
+            <a:off x="246185" y="5990492"/>
+            <a:ext cx="2858475" cy="307777"/>
           </a:xfrm>
           <a:prstGeom prst="rect">
             <a:avLst/>
@@ -6776,17 +6736,25 @@
           <a:p>
             <a:r>
               <a:rPr lang="en-US" sz="1400" dirty="0"/>
-              <a:t>ln004/destruct3.rs</a:t>
-            </a:r>
-          </a:p>
-        </p:txBody>
-      </p:sp>
-      <p:sp>
-        <p:nvSpPr>
-          <p:cNvPr id="7" name="TextBox 6">
-            <a:extLst>
-              <a:ext uri="{FF2B5EF4-FFF2-40B4-BE49-F238E27FC236}">
-                <a16:creationId xmlns:a16="http://schemas.microsoft.com/office/drawing/2014/main" id="{79027E54-9047-3340-9DFE-D76C7C826BCB}"/>
+              <a:t>https://</a:t>
+            </a:r>
+            <a:r>
+              <a:rPr lang="en-US" sz="1400" dirty="0" err="1"/>
+              <a:t>peps.python.org</a:t>
+            </a:r>
+            <a:r>
+              <a:rPr lang="en-US" sz="1400" dirty="0"/>
+              <a:t>/pep-0636/</a:t>
+            </a:r>
+          </a:p>
+        </p:txBody>
+      </p:sp>
+      <p:sp>
+        <p:nvSpPr>
+          <p:cNvPr id="8" name="TextBox 7">
+            <a:extLst>
+              <a:ext uri="{FF2B5EF4-FFF2-40B4-BE49-F238E27FC236}">
+                <a16:creationId xmlns:a16="http://schemas.microsoft.com/office/drawing/2014/main" id="{C87107F4-F5F0-B440-B5EC-0CB34E1615FB}"/>
               </a:ext>
             </a:extLst>
           </p:cNvPr>
@@ -6795,8 +6763,8 @@
         </p:nvSpPr>
         <p:spPr>
           <a:xfrm>
-            <a:off x="1449103" y="2589311"/>
-            <a:ext cx="1705916" cy="307777"/>
+            <a:off x="6060831" y="2743200"/>
+            <a:ext cx="1646605" cy="307777"/>
           </a:xfrm>
           <a:prstGeom prst="rect">
             <a:avLst/>
@@ -6811,7 +6779,7 @@
           <a:p>
             <a:r>
               <a:rPr lang="en-US" sz="1400" dirty="0"/>
-              <a:t>ln004/destruct2.prs</a:t>
+              <a:t>ln004/destruct3.py</a:t>
             </a:r>
           </a:p>
         </p:txBody>
@@ -6819,7 +6787,7 @@
     </p:spTree>
     <p:extLst>
       <p:ext uri="{BB962C8B-B14F-4D97-AF65-F5344CB8AC3E}">
-        <p14:creationId xmlns:p14="http://schemas.microsoft.com/office/powerpoint/2010/main" val="1648020018"/>
+        <p14:creationId xmlns:p14="http://schemas.microsoft.com/office/powerpoint/2010/main" val="3899810227"/>
       </p:ext>
     </p:extLst>
   </p:cSld>
@@ -6851,7 +6819,7 @@
           <p:cNvPr id="2" name="Title 1">
             <a:extLst>
               <a:ext uri="{FF2B5EF4-FFF2-40B4-BE49-F238E27FC236}">
-                <a16:creationId xmlns:a16="http://schemas.microsoft.com/office/drawing/2014/main" id="{AD848BFB-A2B4-FB48-BABF-BBD8D18B0699}"/>
+                <a16:creationId xmlns:a16="http://schemas.microsoft.com/office/drawing/2014/main" id="{96CD2FA5-F967-B640-AF84-20CD34541D5F}"/>
               </a:ext>
             </a:extLst>
           </p:cNvPr>
@@ -6862,21 +6830,47 @@
             <p:ph type="title"/>
           </p:nvPr>
         </p:nvSpPr>
+        <p:spPr/>
+        <p:txBody>
+          <a:bodyPr/>
+          <a:lstStyle/>
+          <a:p>
+            <a:r>
+              <a:rPr lang="en-US" dirty="0"/>
+              <a:t>Pattern Matching in Rust</a:t>
+            </a:r>
+          </a:p>
+        </p:txBody>
+      </p:sp>
+      <p:sp>
+        <p:nvSpPr>
+          <p:cNvPr id="3" name="Content Placeholder 2">
+            <a:extLst>
+              <a:ext uri="{FF2B5EF4-FFF2-40B4-BE49-F238E27FC236}">
+                <a16:creationId xmlns:a16="http://schemas.microsoft.com/office/drawing/2014/main" id="{35CAA96F-C6D7-9248-9A60-9A8AE269211D}"/>
+              </a:ext>
+            </a:extLst>
+          </p:cNvPr>
+          <p:cNvSpPr>
+            <a:spLocks noGrp="1"/>
+          </p:cNvSpPr>
+          <p:nvPr>
+            <p:ph idx="1"/>
+          </p:nvPr>
+        </p:nvSpPr>
         <p:spPr>
           <a:xfrm>
-            <a:off x="1524000" y="190500"/>
-            <a:ext cx="7010400" cy="1527175"/>
+            <a:off x="1524000" y="1905000"/>
+            <a:ext cx="7010400" cy="609600"/>
           </a:xfrm>
         </p:spPr>
         <p:txBody>
-          <a:bodyPr wrap="square" anchor="ctr">
-            <a:normAutofit/>
-          </a:bodyPr>
+          <a:bodyPr/>
           <a:lstStyle/>
           <a:p>
             <a:r>
               <a:rPr lang="en-US" dirty="0"/>
-              <a:t>Conditional Pattern Matching</a:t>
+              <a:t>Rust also supports pattern matching</a:t>
             </a:r>
           </a:p>
         </p:txBody>
@@ -6886,7 +6880,7 @@
           <p:cNvPr id="4" name="Picture 3">
             <a:extLst>
               <a:ext uri="{FF2B5EF4-FFF2-40B4-BE49-F238E27FC236}">
-                <a16:creationId xmlns:a16="http://schemas.microsoft.com/office/drawing/2014/main" id="{D02E8CCF-CD44-E148-A19A-1E93996CC066}"/>
+                <a16:creationId xmlns:a16="http://schemas.microsoft.com/office/drawing/2014/main" id="{DE8E6D5E-9011-5346-838C-8C3CA64040DE}"/>
               </a:ext>
             </a:extLst>
           </p:cNvPr>
@@ -6903,76 +6897,25 @@
         </p:blipFill>
         <p:spPr>
           <a:xfrm>
-            <a:off x="304800" y="2133600"/>
-            <a:ext cx="4996726" cy="762000"/>
+            <a:off x="3962400" y="2877771"/>
+            <a:ext cx="4773898" cy="3751629"/>
           </a:xfrm>
           <a:prstGeom prst="rect">
             <a:avLst/>
           </a:prstGeom>
-          <a:noFill/>
           <a:ln>
             <a:solidFill>
-              <a:schemeClr val="tx2"/>
+              <a:schemeClr val="tx1"/>
             </a:solidFill>
           </a:ln>
         </p:spPr>
       </p:pic>
-      <p:sp>
-        <p:nvSpPr>
-          <p:cNvPr id="3" name="Content Placeholder 2">
-            <a:extLst>
-              <a:ext uri="{FF2B5EF4-FFF2-40B4-BE49-F238E27FC236}">
-                <a16:creationId xmlns:a16="http://schemas.microsoft.com/office/drawing/2014/main" id="{CA0B04DA-BCA8-264E-AE30-BDC19E610EB5}"/>
-              </a:ext>
-            </a:extLst>
-          </p:cNvPr>
-          <p:cNvSpPr>
-            <a:spLocks noGrp="1"/>
-          </p:cNvSpPr>
-          <p:nvPr>
-            <p:ph sz="half" idx="2"/>
-          </p:nvPr>
-        </p:nvSpPr>
-        <p:spPr>
-          <a:xfrm>
-            <a:off x="5301526" y="1905000"/>
-            <a:ext cx="3232874" cy="4114800"/>
-          </a:xfrm>
-        </p:spPr>
-        <p:txBody>
-          <a:bodyPr wrap="square" anchor="t">
-            <a:normAutofit/>
-          </a:bodyPr>
-          <a:lstStyle/>
-          <a:p>
-            <a:r>
-              <a:rPr lang="en-US" dirty="0"/>
-              <a:t>Only assign a pair if the two component values are the same</a:t>
-            </a:r>
-          </a:p>
-          <a:p>
-            <a:r>
-              <a:rPr lang="en-US" dirty="0"/>
-              <a:t>Only assign positive values to x</a:t>
-            </a:r>
-          </a:p>
-          <a:p>
-            <a:endParaRPr lang="en-US" dirty="0"/>
-          </a:p>
-          <a:p>
-            <a:endParaRPr lang="en-US" dirty="0"/>
-          </a:p>
-          <a:p>
-            <a:endParaRPr lang="en-US" dirty="0"/>
-          </a:p>
-        </p:txBody>
-      </p:sp>
       <p:pic>
         <p:nvPicPr>
           <p:cNvPr id="5" name="Picture 4">
             <a:extLst>
               <a:ext uri="{FF2B5EF4-FFF2-40B4-BE49-F238E27FC236}">
-                <a16:creationId xmlns:a16="http://schemas.microsoft.com/office/drawing/2014/main" id="{6DA826A1-392C-F646-860F-C0593B3F8493}"/>
+                <a16:creationId xmlns:a16="http://schemas.microsoft.com/office/drawing/2014/main" id="{F54D7279-2489-3C44-BD42-D76496D6C499}"/>
               </a:ext>
             </a:extLst>
           </p:cNvPr>
@@ -6989,23 +6932,93 @@
         </p:blipFill>
         <p:spPr>
           <a:xfrm>
-            <a:off x="228600" y="3968018"/>
-            <a:ext cx="5181600" cy="783857"/>
+            <a:off x="228600" y="2971800"/>
+            <a:ext cx="3073400" cy="1498600"/>
           </a:xfrm>
           <a:prstGeom prst="rect">
             <a:avLst/>
           </a:prstGeom>
           <a:ln>
             <a:solidFill>
-              <a:schemeClr val="tx2"/>
+              <a:schemeClr val="tx1"/>
             </a:solidFill>
           </a:ln>
         </p:spPr>
       </p:pic>
+      <p:sp>
+        <p:nvSpPr>
+          <p:cNvPr id="6" name="TextBox 5">
+            <a:extLst>
+              <a:ext uri="{FF2B5EF4-FFF2-40B4-BE49-F238E27FC236}">
+                <a16:creationId xmlns:a16="http://schemas.microsoft.com/office/drawing/2014/main" id="{BAABA7D1-54A7-5A40-BF97-2C13B7519CB0}"/>
+              </a:ext>
+            </a:extLst>
+          </p:cNvPr>
+          <p:cNvSpPr txBox="1"/>
+          <p:nvPr/>
+        </p:nvSpPr>
+        <p:spPr>
+          <a:xfrm>
+            <a:off x="6172200" y="2514600"/>
+            <a:ext cx="1606530" cy="307777"/>
+          </a:xfrm>
+          <a:prstGeom prst="rect">
+            <a:avLst/>
+          </a:prstGeom>
+          <a:noFill/>
+        </p:spPr>
+        <p:txBody>
+          <a:bodyPr wrap="none" rtlCol="0">
+            <a:spAutoFit/>
+          </a:bodyPr>
+          <a:lstStyle/>
+          <a:p>
+            <a:r>
+              <a:rPr lang="en-US" sz="1400" dirty="0"/>
+              <a:t>ln004/destruct3.rs</a:t>
+            </a:r>
+          </a:p>
+        </p:txBody>
+      </p:sp>
+      <p:sp>
+        <p:nvSpPr>
+          <p:cNvPr id="7" name="TextBox 6">
+            <a:extLst>
+              <a:ext uri="{FF2B5EF4-FFF2-40B4-BE49-F238E27FC236}">
+                <a16:creationId xmlns:a16="http://schemas.microsoft.com/office/drawing/2014/main" id="{79027E54-9047-3340-9DFE-D76C7C826BCB}"/>
+              </a:ext>
+            </a:extLst>
+          </p:cNvPr>
+          <p:cNvSpPr txBox="1"/>
+          <p:nvPr/>
+        </p:nvSpPr>
+        <p:spPr>
+          <a:xfrm>
+            <a:off x="1449103" y="2589311"/>
+            <a:ext cx="1705916" cy="307777"/>
+          </a:xfrm>
+          <a:prstGeom prst="rect">
+            <a:avLst/>
+          </a:prstGeom>
+          <a:noFill/>
+        </p:spPr>
+        <p:txBody>
+          <a:bodyPr wrap="none" rtlCol="0">
+            <a:spAutoFit/>
+          </a:bodyPr>
+          <a:lstStyle/>
+          <a:p>
+            <a:r>
+              <a:rPr lang="en-US" sz="1400" dirty="0"/>
+              <a:t>ln004/destruct2.prs</a:t>
+            </a:r>
+          </a:p>
+        </p:txBody>
+      </p:sp>
     </p:spTree>
     <p:extLst>
       <p:ext uri="{BB962C8B-B14F-4D97-AF65-F5344CB8AC3E}">
-        <p14:creationId xmlns:p14="http://schemas.microsoft.com/office/powerpoint/2010/main" val="2882422723"/>
+        <p14:creationId xmlns:p14="http://schemas.microsoft.com/office/powerpoint/2010/main" val="1648020018"/>
       </p:ext>
     </p:extLst>
   </p:cSld>
@@ -7037,7 +7050,7 @@
           <p:cNvPr id="2" name="Title 1">
             <a:extLst>
               <a:ext uri="{FF2B5EF4-FFF2-40B4-BE49-F238E27FC236}">
-                <a16:creationId xmlns:a16="http://schemas.microsoft.com/office/drawing/2014/main" id="{BD45E58E-66D4-284F-AEBB-EB5A327EB614}"/>
+                <a16:creationId xmlns:a16="http://schemas.microsoft.com/office/drawing/2014/main" id="{AD848BFB-A2B4-FB48-BABF-BBD8D18B0699}"/>
               </a:ext>
             </a:extLst>
           </p:cNvPr>
@@ -7048,77 +7061,31 @@
             <p:ph type="title"/>
           </p:nvPr>
         </p:nvSpPr>
-        <p:spPr/>
-        <p:txBody>
-          <a:bodyPr/>
+        <p:spPr>
+          <a:xfrm>
+            <a:off x="1524000" y="190500"/>
+            <a:ext cx="7010400" cy="1527175"/>
+          </a:xfrm>
+        </p:spPr>
+        <p:txBody>
+          <a:bodyPr wrap="square" anchor="ctr">
+            <a:normAutofit/>
+          </a:bodyPr>
           <a:lstStyle/>
           <a:p>
             <a:r>
               <a:rPr lang="en-US" dirty="0"/>
-              <a:t>The is Predicate</a:t>
-            </a:r>
-          </a:p>
-        </p:txBody>
-      </p:sp>
-      <p:sp>
-        <p:nvSpPr>
-          <p:cNvPr id="5" name="Content Placeholder 4">
-            <a:extLst>
-              <a:ext uri="{FF2B5EF4-FFF2-40B4-BE49-F238E27FC236}">
-                <a16:creationId xmlns:a16="http://schemas.microsoft.com/office/drawing/2014/main" id="{43BE0058-031C-9449-9E21-7B71C109C7A4}"/>
-              </a:ext>
-            </a:extLst>
-          </p:cNvPr>
-          <p:cNvSpPr>
-            <a:spLocks noGrp="1"/>
-          </p:cNvSpPr>
-          <p:nvPr>
-            <p:ph idx="1"/>
-          </p:nvPr>
-        </p:nvSpPr>
-        <p:spPr>
-          <a:xfrm>
-            <a:off x="1524000" y="1905000"/>
-            <a:ext cx="7010400" cy="3505200"/>
-          </a:xfrm>
-        </p:spPr>
-        <p:txBody>
-          <a:bodyPr/>
-          <a:lstStyle/>
-          <a:p>
-            <a:r>
-              <a:rPr lang="en-US" dirty="0"/>
-              <a:t>The is predicate is of the form</a:t>
-            </a:r>
-            <a:br>
-              <a:rPr lang="en-US" dirty="0"/>
-            </a:br>
-            <a:r>
-              <a:rPr lang="en-US" dirty="0"/>
-              <a:t>    &lt;value&gt; is &lt;pattern&gt;</a:t>
-            </a:r>
-            <a:br>
-              <a:rPr lang="en-US" dirty="0"/>
-            </a:br>
-            <a:r>
-              <a:rPr lang="en-US" dirty="0"/>
-              <a:t>and returns true if the value matches the pattern otherwise it will return false</a:t>
-            </a:r>
-          </a:p>
-          <a:p>
-            <a:r>
-              <a:rPr lang="en-US" dirty="0"/>
-              <a:t>The is predicate allows us to do pattern matching is expressions</a:t>
+              <a:t>Conditional Pattern Matching</a:t>
             </a:r>
           </a:p>
         </p:txBody>
       </p:sp>
       <p:pic>
         <p:nvPicPr>
-          <p:cNvPr id="7" name="Picture 6">
-            <a:extLst>
-              <a:ext uri="{FF2B5EF4-FFF2-40B4-BE49-F238E27FC236}">
-                <a16:creationId xmlns:a16="http://schemas.microsoft.com/office/drawing/2014/main" id="{81AAE521-5C3F-1441-A77E-88572B79191F}"/>
+          <p:cNvPr id="4" name="Picture 3">
+            <a:extLst>
+              <a:ext uri="{FF2B5EF4-FFF2-40B4-BE49-F238E27FC236}">
+                <a16:creationId xmlns:a16="http://schemas.microsoft.com/office/drawing/2014/main" id="{D02E8CCF-CD44-E148-A19A-1E93996CC066}"/>
               </a:ext>
             </a:extLst>
           </p:cNvPr>
@@ -7135,8 +7102,94 @@
         </p:blipFill>
         <p:spPr>
           <a:xfrm>
-            <a:off x="2819400" y="5422900"/>
-            <a:ext cx="2628900" cy="1244600"/>
+            <a:off x="304800" y="2133600"/>
+            <a:ext cx="4996726" cy="762000"/>
+          </a:xfrm>
+          <a:prstGeom prst="rect">
+            <a:avLst/>
+          </a:prstGeom>
+          <a:noFill/>
+          <a:ln>
+            <a:solidFill>
+              <a:schemeClr val="tx2"/>
+            </a:solidFill>
+          </a:ln>
+        </p:spPr>
+      </p:pic>
+      <p:sp>
+        <p:nvSpPr>
+          <p:cNvPr id="3" name="Content Placeholder 2">
+            <a:extLst>
+              <a:ext uri="{FF2B5EF4-FFF2-40B4-BE49-F238E27FC236}">
+                <a16:creationId xmlns:a16="http://schemas.microsoft.com/office/drawing/2014/main" id="{CA0B04DA-BCA8-264E-AE30-BDC19E610EB5}"/>
+              </a:ext>
+            </a:extLst>
+          </p:cNvPr>
+          <p:cNvSpPr>
+            <a:spLocks noGrp="1"/>
+          </p:cNvSpPr>
+          <p:nvPr>
+            <p:ph sz="half" idx="2"/>
+          </p:nvPr>
+        </p:nvSpPr>
+        <p:spPr>
+          <a:xfrm>
+            <a:off x="5301526" y="1905000"/>
+            <a:ext cx="3232874" cy="4114800"/>
+          </a:xfrm>
+        </p:spPr>
+        <p:txBody>
+          <a:bodyPr wrap="square" anchor="t">
+            <a:normAutofit/>
+          </a:bodyPr>
+          <a:lstStyle/>
+          <a:p>
+            <a:r>
+              <a:rPr lang="en-US" dirty="0"/>
+              <a:t>Only assign a pair if the two component values are the same</a:t>
+            </a:r>
+          </a:p>
+          <a:p>
+            <a:r>
+              <a:rPr lang="en-US" dirty="0"/>
+              <a:t>Only assign positive values to x</a:t>
+            </a:r>
+          </a:p>
+          <a:p>
+            <a:endParaRPr lang="en-US" dirty="0"/>
+          </a:p>
+          <a:p>
+            <a:endParaRPr lang="en-US" dirty="0"/>
+          </a:p>
+          <a:p>
+            <a:endParaRPr lang="en-US" dirty="0"/>
+          </a:p>
+        </p:txBody>
+      </p:sp>
+      <p:pic>
+        <p:nvPicPr>
+          <p:cNvPr id="5" name="Picture 4">
+            <a:extLst>
+              <a:ext uri="{FF2B5EF4-FFF2-40B4-BE49-F238E27FC236}">
+                <a16:creationId xmlns:a16="http://schemas.microsoft.com/office/drawing/2014/main" id="{6DA826A1-392C-F646-860F-C0593B3F8493}"/>
+              </a:ext>
+            </a:extLst>
+          </p:cNvPr>
+          <p:cNvPicPr>
+            <a:picLocks noChangeAspect="1"/>
+          </p:cNvPicPr>
+          <p:nvPr/>
+        </p:nvPicPr>
+        <p:blipFill>
+          <a:blip r:embed="rId3"/>
+          <a:stretch>
+            <a:fillRect/>
+          </a:stretch>
+        </p:blipFill>
+        <p:spPr>
+          <a:xfrm>
+            <a:off x="228600" y="3968018"/>
+            <a:ext cx="5181600" cy="783857"/>
           </a:xfrm>
           <a:prstGeom prst="rect">
             <a:avLst/>
@@ -7148,80 +7201,10 @@
           </a:ln>
         </p:spPr>
       </p:pic>
-      <p:sp>
-        <p:nvSpPr>
-          <p:cNvPr id="8" name="TextBox 7">
-            <a:extLst>
-              <a:ext uri="{FF2B5EF4-FFF2-40B4-BE49-F238E27FC236}">
-                <a16:creationId xmlns:a16="http://schemas.microsoft.com/office/drawing/2014/main" id="{5DE8BE3D-2D0B-4345-A8F1-8EC44E83068A}"/>
-              </a:ext>
-            </a:extLst>
-          </p:cNvPr>
-          <p:cNvSpPr txBox="1"/>
-          <p:nvPr/>
-        </p:nvSpPr>
-        <p:spPr>
-          <a:xfrm>
-            <a:off x="6858000" y="762000"/>
-            <a:ext cx="1923925" cy="1169551"/>
-          </a:xfrm>
-          <a:prstGeom prst="rect">
-            <a:avLst/>
-          </a:prstGeom>
-          <a:solidFill>
-            <a:schemeClr val="bg1"/>
-          </a:solidFill>
-          <a:ln>
-            <a:solidFill>
-              <a:schemeClr val="tx2"/>
-            </a:solidFill>
-          </a:ln>
-        </p:spPr>
-        <p:txBody>
-          <a:bodyPr wrap="none" rtlCol="0">
-            <a:spAutoFit/>
-          </a:bodyPr>
-          <a:lstStyle/>
-          <a:p>
-            <a:r>
-              <a:rPr lang="en-US" sz="1400" dirty="0"/>
-              <a:t>Note: a predicate is a</a:t>
-            </a:r>
-            <a:br>
-              <a:rPr lang="en-US" sz="1400" dirty="0"/>
-            </a:br>
-            <a:r>
-              <a:rPr lang="en-US" sz="1400" dirty="0"/>
-              <a:t>function/operator that </a:t>
-            </a:r>
-            <a:br>
-              <a:rPr lang="en-US" sz="1400" dirty="0"/>
-            </a:br>
-            <a:r>
-              <a:rPr lang="en-US" sz="1400" dirty="0"/>
-              <a:t>always returns true or</a:t>
-            </a:r>
-            <a:br>
-              <a:rPr lang="en-US" sz="1400" dirty="0"/>
-            </a:br>
-            <a:r>
-              <a:rPr lang="en-US" sz="1400" dirty="0"/>
-              <a:t>false.  No other return</a:t>
-            </a:r>
-            <a:br>
-              <a:rPr lang="en-US" sz="1400" dirty="0"/>
-            </a:br>
-            <a:r>
-              <a:rPr lang="en-US" sz="1400" dirty="0"/>
-              <a:t>value is permitted.</a:t>
-            </a:r>
-          </a:p>
-        </p:txBody>
-      </p:sp>
     </p:spTree>
     <p:extLst>
       <p:ext uri="{BB962C8B-B14F-4D97-AF65-F5344CB8AC3E}">
-        <p14:creationId xmlns:p14="http://schemas.microsoft.com/office/powerpoint/2010/main" val="3295829166"/>
+        <p14:creationId xmlns:p14="http://schemas.microsoft.com/office/powerpoint/2010/main" val="2882422723"/>
       </p:ext>
     </p:extLst>
   </p:cSld>
@@ -7271,7 +7254,7 @@
           <a:p>
             <a:r>
               <a:rPr lang="en-US" dirty="0"/>
-              <a:t>Type Patterns</a:t>
+              <a:t>The is Predicate</a:t>
             </a:r>
           </a:p>
         </p:txBody>
@@ -7295,64 +7278,46 @@
         <p:spPr>
           <a:xfrm>
             <a:off x="1524000" y="1905000"/>
-            <a:ext cx="7010400" cy="1905000"/>
+            <a:ext cx="7010400" cy="3505200"/>
           </a:xfrm>
         </p:spPr>
         <p:txBody>
-          <a:bodyPr>
-            <a:normAutofit fontScale="62500" lnSpcReduction="20000"/>
-          </a:bodyPr>
+          <a:bodyPr/>
           <a:lstStyle/>
           <a:p>
             <a:r>
               <a:rPr lang="en-US" dirty="0"/>
-              <a:t>Type patterns are patterns of the form</a:t>
+              <a:t>The is predicate is of the form</a:t>
             </a:r>
             <a:br>
               <a:rPr lang="en-US" dirty="0"/>
             </a:br>
             <a:r>
               <a:rPr lang="en-US" dirty="0"/>
-              <a:t>   %&lt;type name&gt;</a:t>
+              <a:t>    &lt;value&gt; is &lt;pattern&gt;</a:t>
             </a:r>
             <a:br>
               <a:rPr lang="en-US" dirty="0"/>
             </a:br>
             <a:r>
               <a:rPr lang="en-US" dirty="0"/>
-              <a:t>and match all instances of the &lt;type name&gt;</a:t>
-            </a:r>
-          </a:p>
-          <a:p>
-            <a:r>
-              <a:rPr lang="en-US" dirty="0"/>
-              <a:t>All built-in types have associated type patterns such as %integer, %real, %string etc.</a:t>
-            </a:r>
-          </a:p>
-          <a:p>
-            <a:r>
-              <a:rPr lang="en-US" dirty="0"/>
-              <a:t>User defined types are also supported,</a:t>
-            </a:r>
-            <a:br>
-              <a:rPr lang="en-US" dirty="0"/>
-            </a:br>
-            <a:r>
-              <a:rPr lang="en-US" dirty="0"/>
-              <a:t>   %&lt;user defined type name&gt;</a:t>
-            </a:r>
-          </a:p>
-          <a:p>
-            <a:endParaRPr lang="en-US" dirty="0"/>
+              <a:t>and returns true if the value matches the pattern otherwise it will return false</a:t>
+            </a:r>
+          </a:p>
+          <a:p>
+            <a:r>
+              <a:rPr lang="en-US" dirty="0"/>
+              <a:t>The is predicate allows us to do pattern matching is expressions</a:t>
+            </a:r>
           </a:p>
         </p:txBody>
       </p:sp>
       <p:pic>
         <p:nvPicPr>
-          <p:cNvPr id="3" name="Picture 2">
-            <a:extLst>
-              <a:ext uri="{FF2B5EF4-FFF2-40B4-BE49-F238E27FC236}">
-                <a16:creationId xmlns:a16="http://schemas.microsoft.com/office/drawing/2014/main" id="{387219F6-3021-1E4C-90DF-B8A249F3165E}"/>
+          <p:cNvPr id="7" name="Picture 6">
+            <a:extLst>
+              <a:ext uri="{FF2B5EF4-FFF2-40B4-BE49-F238E27FC236}">
+                <a16:creationId xmlns:a16="http://schemas.microsoft.com/office/drawing/2014/main" id="{81AAE521-5C3F-1441-A77E-88572B79191F}"/>
               </a:ext>
             </a:extLst>
           </p:cNvPr>
@@ -7369,8 +7334,8 @@
         </p:blipFill>
         <p:spPr>
           <a:xfrm>
-            <a:off x="381000" y="3733800"/>
-            <a:ext cx="7239000" cy="823126"/>
+            <a:off x="2819400" y="5422900"/>
+            <a:ext cx="2628900" cy="1244600"/>
           </a:xfrm>
           <a:prstGeom prst="rect">
             <a:avLst/>
@@ -7382,45 +7347,80 @@
           </a:ln>
         </p:spPr>
       </p:pic>
-      <p:pic>
-        <p:nvPicPr>
-          <p:cNvPr id="4" name="Picture 3">
-            <a:extLst>
-              <a:ext uri="{FF2B5EF4-FFF2-40B4-BE49-F238E27FC236}">
-                <a16:creationId xmlns:a16="http://schemas.microsoft.com/office/drawing/2014/main" id="{15BF67B0-6D28-AF48-BA26-3593D3997507}"/>
-              </a:ext>
-            </a:extLst>
-          </p:cNvPr>
-          <p:cNvPicPr>
-            <a:picLocks noChangeAspect="1"/>
-          </p:cNvPicPr>
+      <p:sp>
+        <p:nvSpPr>
+          <p:cNvPr id="8" name="TextBox 7">
+            <a:extLst>
+              <a:ext uri="{FF2B5EF4-FFF2-40B4-BE49-F238E27FC236}">
+                <a16:creationId xmlns:a16="http://schemas.microsoft.com/office/drawing/2014/main" id="{5DE8BE3D-2D0B-4345-A8F1-8EC44E83068A}"/>
+              </a:ext>
+            </a:extLst>
+          </p:cNvPr>
+          <p:cNvSpPr txBox="1"/>
           <p:nvPr/>
-        </p:nvPicPr>
-        <p:blipFill>
-          <a:blip r:embed="rId3"/>
-          <a:stretch>
-            <a:fillRect/>
-          </a:stretch>
-        </p:blipFill>
+        </p:nvSpPr>
         <p:spPr>
           <a:xfrm>
-            <a:off x="1089758" y="4712945"/>
-            <a:ext cx="7473950" cy="1954555"/>
+            <a:off x="6858000" y="762000"/>
+            <a:ext cx="1923925" cy="1169551"/>
           </a:xfrm>
           <a:prstGeom prst="rect">
             <a:avLst/>
           </a:prstGeom>
+          <a:solidFill>
+            <a:schemeClr val="bg1"/>
+          </a:solidFill>
           <a:ln>
             <a:solidFill>
               <a:schemeClr val="tx2"/>
             </a:solidFill>
           </a:ln>
         </p:spPr>
-      </p:pic>
+        <p:txBody>
+          <a:bodyPr wrap="none" rtlCol="0">
+            <a:spAutoFit/>
+          </a:bodyPr>
+          <a:lstStyle/>
+          <a:p>
+            <a:r>
+              <a:rPr lang="en-US" sz="1400" dirty="0"/>
+              <a:t>Note: a predicate is a</a:t>
+            </a:r>
+            <a:br>
+              <a:rPr lang="en-US" sz="1400" dirty="0"/>
+            </a:br>
+            <a:r>
+              <a:rPr lang="en-US" sz="1400" dirty="0"/>
+              <a:t>function/operator that </a:t>
+            </a:r>
+            <a:br>
+              <a:rPr lang="en-US" sz="1400" dirty="0"/>
+            </a:br>
+            <a:r>
+              <a:rPr lang="en-US" sz="1400" dirty="0"/>
+              <a:t>always returns true or</a:t>
+            </a:r>
+            <a:br>
+              <a:rPr lang="en-US" sz="1400" dirty="0"/>
+            </a:br>
+            <a:r>
+              <a:rPr lang="en-US" sz="1400" dirty="0"/>
+              <a:t>false.  No other return</a:t>
+            </a:r>
+            <a:br>
+              <a:rPr lang="en-US" sz="1400" dirty="0"/>
+            </a:br>
+            <a:r>
+              <a:rPr lang="en-US" sz="1400" dirty="0"/>
+              <a:t>value is permitted.</a:t>
+            </a:r>
+          </a:p>
+        </p:txBody>
+      </p:sp>
     </p:spTree>
     <p:extLst>
       <p:ext uri="{BB962C8B-B14F-4D97-AF65-F5344CB8AC3E}">
-        <p14:creationId xmlns:p14="http://schemas.microsoft.com/office/powerpoint/2010/main" val="3506047900"/>
+        <p14:creationId xmlns:p14="http://schemas.microsoft.com/office/powerpoint/2010/main" val="3295829166"/>
       </p:ext>
     </p:extLst>
   </p:cSld>
@@ -7631,7 +7631,7 @@
           <p:cNvPr id="2" name="Title 1">
             <a:extLst>
               <a:ext uri="{FF2B5EF4-FFF2-40B4-BE49-F238E27FC236}">
-                <a16:creationId xmlns:a16="http://schemas.microsoft.com/office/drawing/2014/main" id="{38B8FBF2-2788-6944-85A4-736AB1C73BC5}"/>
+                <a16:creationId xmlns:a16="http://schemas.microsoft.com/office/drawing/2014/main" id="{BD45E58E-66D4-284F-AEBB-EB5A327EB614}"/>
               </a:ext>
             </a:extLst>
           </p:cNvPr>
@@ -7649,17 +7649,17 @@
           <a:p>
             <a:r>
               <a:rPr lang="en-US" dirty="0"/>
-              <a:t>Advanced Pattern Match Expressions</a:t>
-            </a:r>
-          </a:p>
-        </p:txBody>
-      </p:sp>
-      <p:sp>
-        <p:nvSpPr>
-          <p:cNvPr id="3" name="Content Placeholder 2">
-            <a:extLst>
-              <a:ext uri="{FF2B5EF4-FFF2-40B4-BE49-F238E27FC236}">
-                <a16:creationId xmlns:a16="http://schemas.microsoft.com/office/drawing/2014/main" id="{99DE4156-25CE-5A46-B4D9-12D9CC6D2A5C}"/>
+              <a:t>Type Patterns</a:t>
+            </a:r>
+          </a:p>
+        </p:txBody>
+      </p:sp>
+      <p:sp>
+        <p:nvSpPr>
+          <p:cNvPr id="5" name="Content Placeholder 4">
+            <a:extLst>
+              <a:ext uri="{FF2B5EF4-FFF2-40B4-BE49-F238E27FC236}">
+                <a16:creationId xmlns:a16="http://schemas.microsoft.com/office/drawing/2014/main" id="{43BE0058-031C-9449-9E21-7B71C109C7A4}"/>
               </a:ext>
             </a:extLst>
           </p:cNvPr>
@@ -7673,34 +7673,64 @@
         <p:spPr>
           <a:xfrm>
             <a:off x="1524000" y="1905000"/>
-            <a:ext cx="7010400" cy="2514600"/>
+            <a:ext cx="7010400" cy="1905000"/>
           </a:xfrm>
         </p:spPr>
         <p:txBody>
           <a:bodyPr>
-            <a:normAutofit fontScale="92500" lnSpcReduction="10000"/>
+            <a:normAutofit fontScale="62500" lnSpcReduction="20000"/>
           </a:bodyPr>
           <a:lstStyle/>
           <a:p>
             <a:r>
               <a:rPr lang="en-US" dirty="0"/>
-              <a:t>We can combine conditional pattern matching with type patterns and the is predicate to express sophisticated patterns</a:t>
-            </a:r>
-          </a:p>
-          <a:p>
-            <a:r>
-              <a:rPr lang="en-US" dirty="0"/>
-              <a:t>E.g., only assign a value to x if it is an integer value</a:t>
-            </a:r>
+              <a:t>Type patterns are patterns of the form</a:t>
+            </a:r>
+            <a:br>
+              <a:rPr lang="en-US" dirty="0"/>
+            </a:br>
+            <a:r>
+              <a:rPr lang="en-US" dirty="0"/>
+              <a:t>   %&lt;type name&gt;</a:t>
+            </a:r>
+            <a:br>
+              <a:rPr lang="en-US" dirty="0"/>
+            </a:br>
+            <a:r>
+              <a:rPr lang="en-US" dirty="0"/>
+              <a:t>and match all instances of the &lt;type name&gt;</a:t>
+            </a:r>
+          </a:p>
+          <a:p>
+            <a:r>
+              <a:rPr lang="en-US" dirty="0"/>
+              <a:t>All built-in types have associated type patterns such as %integer, %real, %string etc.</a:t>
+            </a:r>
+          </a:p>
+          <a:p>
+            <a:r>
+              <a:rPr lang="en-US" dirty="0"/>
+              <a:t>User defined types are also supported,</a:t>
+            </a:r>
+            <a:br>
+              <a:rPr lang="en-US" dirty="0"/>
+            </a:br>
+            <a:r>
+              <a:rPr lang="en-US" dirty="0"/>
+              <a:t>   %&lt;user defined type name&gt;</a:t>
+            </a:r>
+          </a:p>
+          <a:p>
+            <a:endParaRPr lang="en-US" dirty="0"/>
           </a:p>
         </p:txBody>
       </p:sp>
       <p:pic>
         <p:nvPicPr>
-          <p:cNvPr id="4" name="Picture 3">
-            <a:extLst>
-              <a:ext uri="{FF2B5EF4-FFF2-40B4-BE49-F238E27FC236}">
-                <a16:creationId xmlns:a16="http://schemas.microsoft.com/office/drawing/2014/main" id="{042AB9A8-F2E7-8C43-A782-35FC00F7CF82}"/>
+          <p:cNvPr id="3" name="Picture 2">
+            <a:extLst>
+              <a:ext uri="{FF2B5EF4-FFF2-40B4-BE49-F238E27FC236}">
+                <a16:creationId xmlns:a16="http://schemas.microsoft.com/office/drawing/2014/main" id="{387219F6-3021-1E4C-90DF-B8A249F3165E}"/>
               </a:ext>
             </a:extLst>
           </p:cNvPr>
@@ -7717,8 +7747,8 @@
         </p:blipFill>
         <p:spPr>
           <a:xfrm>
-            <a:off x="1327150" y="4606925"/>
-            <a:ext cx="6489700" cy="1422400"/>
+            <a:off x="381000" y="3733800"/>
+            <a:ext cx="7239000" cy="823126"/>
           </a:xfrm>
           <a:prstGeom prst="rect">
             <a:avLst/>
@@ -7730,10 +7760,45 @@
           </a:ln>
         </p:spPr>
       </p:pic>
+      <p:pic>
+        <p:nvPicPr>
+          <p:cNvPr id="4" name="Picture 3">
+            <a:extLst>
+              <a:ext uri="{FF2B5EF4-FFF2-40B4-BE49-F238E27FC236}">
+                <a16:creationId xmlns:a16="http://schemas.microsoft.com/office/drawing/2014/main" id="{15BF67B0-6D28-AF48-BA26-3593D3997507}"/>
+              </a:ext>
+            </a:extLst>
+          </p:cNvPr>
+          <p:cNvPicPr>
+            <a:picLocks noChangeAspect="1"/>
+          </p:cNvPicPr>
+          <p:nvPr/>
+        </p:nvPicPr>
+        <p:blipFill>
+          <a:blip r:embed="rId3"/>
+          <a:stretch>
+            <a:fillRect/>
+          </a:stretch>
+        </p:blipFill>
+        <p:spPr>
+          <a:xfrm>
+            <a:off x="1089758" y="4712945"/>
+            <a:ext cx="7473950" cy="1954555"/>
+          </a:xfrm>
+          <a:prstGeom prst="rect">
+            <a:avLst/>
+          </a:prstGeom>
+          <a:ln>
+            <a:solidFill>
+              <a:schemeClr val="tx2"/>
+            </a:solidFill>
+          </a:ln>
+        </p:spPr>
+      </p:pic>
     </p:spTree>
     <p:extLst>
       <p:ext uri="{BB962C8B-B14F-4D97-AF65-F5344CB8AC3E}">
-        <p14:creationId xmlns:p14="http://schemas.microsoft.com/office/powerpoint/2010/main" val="527991359"/>
+        <p14:creationId xmlns:p14="http://schemas.microsoft.com/office/powerpoint/2010/main" val="3506047900"/>
       </p:ext>
     </p:extLst>
   </p:cSld>
@@ -7807,28 +7872,34 @@
         <p:spPr>
           <a:xfrm>
             <a:off x="1524000" y="1905000"/>
-            <a:ext cx="7010400" cy="762000"/>
+            <a:ext cx="7010400" cy="2514600"/>
           </a:xfrm>
         </p:spPr>
         <p:txBody>
           <a:bodyPr>
-            <a:normAutofit/>
+            <a:normAutofit fontScale="92500" lnSpcReduction="10000"/>
           </a:bodyPr>
           <a:lstStyle/>
           <a:p>
             <a:r>
               <a:rPr lang="en-US" dirty="0"/>
-              <a:t>Here are some additional examples,</a:t>
+              <a:t>We can combine conditional pattern matching with type patterns and the is predicate to express sophisticated patterns</a:t>
+            </a:r>
+          </a:p>
+          <a:p>
+            <a:r>
+              <a:rPr lang="en-US" dirty="0"/>
+              <a:t>E.g., only assign a value to x if it is an integer value</a:t>
             </a:r>
           </a:p>
         </p:txBody>
       </p:sp>
       <p:pic>
         <p:nvPicPr>
-          <p:cNvPr id="5" name="Picture 4">
-            <a:extLst>
-              <a:ext uri="{FF2B5EF4-FFF2-40B4-BE49-F238E27FC236}">
-                <a16:creationId xmlns:a16="http://schemas.microsoft.com/office/drawing/2014/main" id="{C1C88CFB-FC12-204B-9F54-811B0900984A}"/>
+          <p:cNvPr id="4" name="Picture 3">
+            <a:extLst>
+              <a:ext uri="{FF2B5EF4-FFF2-40B4-BE49-F238E27FC236}">
+                <a16:creationId xmlns:a16="http://schemas.microsoft.com/office/drawing/2014/main" id="{042AB9A8-F2E7-8C43-A782-35FC00F7CF82}"/>
               </a:ext>
             </a:extLst>
           </p:cNvPr>
@@ -7845,8 +7916,8 @@
         </p:blipFill>
         <p:spPr>
           <a:xfrm>
-            <a:off x="304800" y="2708031"/>
-            <a:ext cx="5067300" cy="673100"/>
+            <a:off x="1327150" y="4606925"/>
+            <a:ext cx="6489700" cy="1422400"/>
           </a:xfrm>
           <a:prstGeom prst="rect">
             <a:avLst/>
@@ -7858,80 +7929,10 @@
           </a:ln>
         </p:spPr>
       </p:pic>
-      <p:pic>
-        <p:nvPicPr>
-          <p:cNvPr id="6" name="Picture 5">
-            <a:extLst>
-              <a:ext uri="{FF2B5EF4-FFF2-40B4-BE49-F238E27FC236}">
-                <a16:creationId xmlns:a16="http://schemas.microsoft.com/office/drawing/2014/main" id="{1D3CFE35-B4E8-424F-B4A1-6EBB08FE3A8E}"/>
-              </a:ext>
-            </a:extLst>
-          </p:cNvPr>
-          <p:cNvPicPr>
-            <a:picLocks noChangeAspect="1"/>
-          </p:cNvPicPr>
-          <p:nvPr/>
-        </p:nvPicPr>
-        <p:blipFill>
-          <a:blip r:embed="rId3"/>
-          <a:stretch>
-            <a:fillRect/>
-          </a:stretch>
-        </p:blipFill>
-        <p:spPr>
-          <a:xfrm>
-            <a:off x="1771650" y="4038600"/>
-            <a:ext cx="6515100" cy="2006600"/>
-          </a:xfrm>
-          <a:prstGeom prst="rect">
-            <a:avLst/>
-          </a:prstGeom>
-          <a:ln>
-            <a:solidFill>
-              <a:schemeClr val="tx2"/>
-            </a:solidFill>
-          </a:ln>
-        </p:spPr>
-      </p:pic>
-      <p:sp>
-        <p:nvSpPr>
-          <p:cNvPr id="7" name="TextBox 6">
-            <a:extLst>
-              <a:ext uri="{FF2B5EF4-FFF2-40B4-BE49-F238E27FC236}">
-                <a16:creationId xmlns:a16="http://schemas.microsoft.com/office/drawing/2014/main" id="{4951B354-A5F6-A549-A108-76506E3E4DB7}"/>
-              </a:ext>
-            </a:extLst>
-          </p:cNvPr>
-          <p:cNvSpPr txBox="1"/>
-          <p:nvPr/>
-        </p:nvSpPr>
-        <p:spPr>
-          <a:xfrm>
-            <a:off x="1992923" y="6271846"/>
-            <a:ext cx="3370218" cy="338554"/>
-          </a:xfrm>
-          <a:prstGeom prst="rect">
-            <a:avLst/>
-          </a:prstGeom>
-          <a:noFill/>
-        </p:spPr>
-        <p:txBody>
-          <a:bodyPr wrap="none" rtlCol="0">
-            <a:spAutoFit/>
-          </a:bodyPr>
-          <a:lstStyle/>
-          <a:p>
-            <a:r>
-              <a:rPr lang="en-US" sz="1600" dirty="0"/>
-              <a:t>Note: ‘mod’ is the modulus function</a:t>
-            </a:r>
-          </a:p>
-        </p:txBody>
-      </p:sp>
     </p:spTree>
     <p:extLst>
       <p:ext uri="{BB962C8B-B14F-4D97-AF65-F5344CB8AC3E}">
-        <p14:creationId xmlns:p14="http://schemas.microsoft.com/office/powerpoint/2010/main" val="3020148784"/>
+        <p14:creationId xmlns:p14="http://schemas.microsoft.com/office/powerpoint/2010/main" val="527991359"/>
       </p:ext>
     </p:extLst>
   </p:cSld>
@@ -7963,7 +7964,7 @@
           <p:cNvPr id="2" name="Title 1">
             <a:extLst>
               <a:ext uri="{FF2B5EF4-FFF2-40B4-BE49-F238E27FC236}">
-                <a16:creationId xmlns:a16="http://schemas.microsoft.com/office/drawing/2014/main" id="{69D8A802-1887-5C44-89B7-C430FD3E8CF1}"/>
+                <a16:creationId xmlns:a16="http://schemas.microsoft.com/office/drawing/2014/main" id="{38B8FBF2-2788-6944-85A4-736AB1C73BC5}"/>
               </a:ext>
             </a:extLst>
           </p:cNvPr>
@@ -7981,7 +7982,7 @@
           <a:p>
             <a:r>
               <a:rPr lang="en-US" dirty="0"/>
-              <a:t>Named Patterns</a:t>
+              <a:t>Advanced Pattern Match Expressions</a:t>
             </a:r>
           </a:p>
         </p:txBody>
@@ -7991,7 +7992,7 @@
           <p:cNvPr id="3" name="Content Placeholder 2">
             <a:extLst>
               <a:ext uri="{FF2B5EF4-FFF2-40B4-BE49-F238E27FC236}">
-                <a16:creationId xmlns:a16="http://schemas.microsoft.com/office/drawing/2014/main" id="{E7A95868-7F6A-C846-8D8F-777179574524}"/>
+                <a16:creationId xmlns:a16="http://schemas.microsoft.com/office/drawing/2014/main" id="{99DE4156-25CE-5A46-B4D9-12D9CC6D2A5C}"/>
               </a:ext>
             </a:extLst>
           </p:cNvPr>
@@ -8005,68 +8006,28 @@
         <p:spPr>
           <a:xfrm>
             <a:off x="1524000" y="1905000"/>
-            <a:ext cx="7010400" cy="3048000"/>
+            <a:ext cx="7010400" cy="762000"/>
           </a:xfrm>
         </p:spPr>
         <p:txBody>
           <a:bodyPr>
-            <a:normAutofit fontScale="92500" lnSpcReduction="20000"/>
+            <a:normAutofit/>
           </a:bodyPr>
           <a:lstStyle/>
           <a:p>
             <a:r>
               <a:rPr lang="en-US" dirty="0"/>
-              <a:t>The simple conditional pattern</a:t>
-            </a:r>
-            <a:br>
-              <a:rPr lang="en-US" dirty="0"/>
-            </a:br>
-            <a:r>
-              <a:rPr lang="en-US" dirty="0"/>
-              <a:t>   x if x is &lt;pattern&gt;</a:t>
-            </a:r>
-            <a:br>
-              <a:rPr lang="en-US" dirty="0"/>
-            </a:br>
-            <a:r>
-              <a:rPr lang="en-US" dirty="0"/>
-              <a:t>appears a lot in Asteroid programs</a:t>
-            </a:r>
-          </a:p>
-          <a:p>
-            <a:r>
-              <a:rPr lang="en-US" dirty="0"/>
-              <a:t>Named patterns of the form</a:t>
-            </a:r>
-            <a:br>
-              <a:rPr lang="en-US" dirty="0"/>
-            </a:br>
-            <a:r>
-              <a:rPr lang="en-US" dirty="0"/>
-              <a:t>   x:&lt;pattern&gt;</a:t>
-            </a:r>
-            <a:br>
-              <a:rPr lang="en-US" dirty="0"/>
-            </a:br>
-            <a:r>
-              <a:rPr lang="en-US" dirty="0"/>
-              <a:t>represent a shorthand for the simple conditional pattern above</a:t>
-            </a:r>
-          </a:p>
-          <a:p>
-            <a:r>
-              <a:rPr lang="en-US" dirty="0"/>
-              <a:t>E.g.</a:t>
+              <a:t>Here are some additional examples,</a:t>
             </a:r>
           </a:p>
         </p:txBody>
       </p:sp>
       <p:pic>
         <p:nvPicPr>
-          <p:cNvPr id="4" name="Picture 3">
-            <a:extLst>
-              <a:ext uri="{FF2B5EF4-FFF2-40B4-BE49-F238E27FC236}">
-                <a16:creationId xmlns:a16="http://schemas.microsoft.com/office/drawing/2014/main" id="{4F12295A-5DFF-004B-8714-A589155DA3AF}"/>
+          <p:cNvPr id="5" name="Picture 4">
+            <a:extLst>
+              <a:ext uri="{FF2B5EF4-FFF2-40B4-BE49-F238E27FC236}">
+                <a16:creationId xmlns:a16="http://schemas.microsoft.com/office/drawing/2014/main" id="{C1C88CFB-FC12-204B-9F54-811B0900984A}"/>
               </a:ext>
             </a:extLst>
           </p:cNvPr>
@@ -8083,8 +8044,8 @@
         </p:blipFill>
         <p:spPr>
           <a:xfrm>
-            <a:off x="2895600" y="4800600"/>
-            <a:ext cx="3644900" cy="1625600"/>
+            <a:off x="304800" y="2708031"/>
+            <a:ext cx="5067300" cy="673100"/>
           </a:xfrm>
           <a:prstGeom prst="rect">
             <a:avLst/>
@@ -8096,10 +8057,80 @@
           </a:ln>
         </p:spPr>
       </p:pic>
+      <p:pic>
+        <p:nvPicPr>
+          <p:cNvPr id="6" name="Picture 5">
+            <a:extLst>
+              <a:ext uri="{FF2B5EF4-FFF2-40B4-BE49-F238E27FC236}">
+                <a16:creationId xmlns:a16="http://schemas.microsoft.com/office/drawing/2014/main" id="{1D3CFE35-B4E8-424F-B4A1-6EBB08FE3A8E}"/>
+              </a:ext>
+            </a:extLst>
+          </p:cNvPr>
+          <p:cNvPicPr>
+            <a:picLocks noChangeAspect="1"/>
+          </p:cNvPicPr>
+          <p:nvPr/>
+        </p:nvPicPr>
+        <p:blipFill>
+          <a:blip r:embed="rId3"/>
+          <a:stretch>
+            <a:fillRect/>
+          </a:stretch>
+        </p:blipFill>
+        <p:spPr>
+          <a:xfrm>
+            <a:off x="1771650" y="4038600"/>
+            <a:ext cx="6515100" cy="2006600"/>
+          </a:xfrm>
+          <a:prstGeom prst="rect">
+            <a:avLst/>
+          </a:prstGeom>
+          <a:ln>
+            <a:solidFill>
+              <a:schemeClr val="tx2"/>
+            </a:solidFill>
+          </a:ln>
+        </p:spPr>
+      </p:pic>
+      <p:sp>
+        <p:nvSpPr>
+          <p:cNvPr id="7" name="TextBox 6">
+            <a:extLst>
+              <a:ext uri="{FF2B5EF4-FFF2-40B4-BE49-F238E27FC236}">
+                <a16:creationId xmlns:a16="http://schemas.microsoft.com/office/drawing/2014/main" id="{4951B354-A5F6-A549-A108-76506E3E4DB7}"/>
+              </a:ext>
+            </a:extLst>
+          </p:cNvPr>
+          <p:cNvSpPr txBox="1"/>
+          <p:nvPr/>
+        </p:nvSpPr>
+        <p:spPr>
+          <a:xfrm>
+            <a:off x="1992923" y="6271846"/>
+            <a:ext cx="3370218" cy="338554"/>
+          </a:xfrm>
+          <a:prstGeom prst="rect">
+            <a:avLst/>
+          </a:prstGeom>
+          <a:noFill/>
+        </p:spPr>
+        <p:txBody>
+          <a:bodyPr wrap="none" rtlCol="0">
+            <a:spAutoFit/>
+          </a:bodyPr>
+          <a:lstStyle/>
+          <a:p>
+            <a:r>
+              <a:rPr lang="en-US" sz="1600" dirty="0"/>
+              <a:t>Note: ‘mod’ is the modulus function</a:t>
+            </a:r>
+          </a:p>
+        </p:txBody>
+      </p:sp>
     </p:spTree>
     <p:extLst>
       <p:ext uri="{BB962C8B-B14F-4D97-AF65-F5344CB8AC3E}">
-        <p14:creationId xmlns:p14="http://schemas.microsoft.com/office/powerpoint/2010/main" val="2442529255"/>
+        <p14:creationId xmlns:p14="http://schemas.microsoft.com/office/powerpoint/2010/main" val="3020148784"/>
       </p:ext>
     </p:extLst>
   </p:cSld>
@@ -8173,28 +8204,68 @@
         <p:spPr>
           <a:xfrm>
             <a:off x="1524000" y="1905000"/>
-            <a:ext cx="7010400" cy="1524000"/>
+            <a:ext cx="7010400" cy="3048000"/>
           </a:xfrm>
         </p:spPr>
         <p:txBody>
           <a:bodyPr>
-            <a:normAutofit/>
+            <a:normAutofit fontScale="92500" lnSpcReduction="20000"/>
           </a:bodyPr>
           <a:lstStyle/>
           <a:p>
             <a:r>
               <a:rPr lang="en-US" dirty="0"/>
-              <a:t>This shorthand notation is especially useful when combined with type patterns,</a:t>
+              <a:t>The simple conditional pattern</a:t>
+            </a:r>
+            <a:br>
+              <a:rPr lang="en-US" dirty="0"/>
+            </a:br>
+            <a:r>
+              <a:rPr lang="en-US" dirty="0"/>
+              <a:t>   x if x is &lt;pattern&gt;</a:t>
+            </a:r>
+            <a:br>
+              <a:rPr lang="en-US" dirty="0"/>
+            </a:br>
+            <a:r>
+              <a:rPr lang="en-US" dirty="0"/>
+              <a:t>appears a lot in Asteroid programs</a:t>
+            </a:r>
+          </a:p>
+          <a:p>
+            <a:r>
+              <a:rPr lang="en-US" dirty="0"/>
+              <a:t>Named patterns of the form</a:t>
+            </a:r>
+            <a:br>
+              <a:rPr lang="en-US" dirty="0"/>
+            </a:br>
+            <a:r>
+              <a:rPr lang="en-US" dirty="0"/>
+              <a:t>   x:&lt;pattern&gt;</a:t>
+            </a:r>
+            <a:br>
+              <a:rPr lang="en-US" dirty="0"/>
+            </a:br>
+            <a:r>
+              <a:rPr lang="en-US" dirty="0"/>
+              <a:t>represent a shorthand for the simple conditional pattern above</a:t>
+            </a:r>
+          </a:p>
+          <a:p>
+            <a:r>
+              <a:rPr lang="en-US" dirty="0"/>
+              <a:t>E.g.</a:t>
             </a:r>
           </a:p>
         </p:txBody>
       </p:sp>
       <p:pic>
         <p:nvPicPr>
-          <p:cNvPr id="5" name="Picture 4">
-            <a:extLst>
-              <a:ext uri="{FF2B5EF4-FFF2-40B4-BE49-F238E27FC236}">
-                <a16:creationId xmlns:a16="http://schemas.microsoft.com/office/drawing/2014/main" id="{57FD4B1D-ADB2-6443-B87E-4D51B91BE598}"/>
+          <p:cNvPr id="4" name="Picture 3">
+            <a:extLst>
+              <a:ext uri="{FF2B5EF4-FFF2-40B4-BE49-F238E27FC236}">
+                <a16:creationId xmlns:a16="http://schemas.microsoft.com/office/drawing/2014/main" id="{4F12295A-5DFF-004B-8714-A589155DA3AF}"/>
               </a:ext>
             </a:extLst>
           </p:cNvPr>
@@ -8211,7 +8282,7 @@
         </p:blipFill>
         <p:spPr>
           <a:xfrm>
-            <a:off x="2362200" y="3962400"/>
+            <a:off x="2895600" y="4800600"/>
             <a:ext cx="3644900" cy="1625600"/>
           </a:xfrm>
           <a:prstGeom prst="rect">
@@ -8227,7 +8298,7 @@
     </p:spTree>
     <p:extLst>
       <p:ext uri="{BB962C8B-B14F-4D97-AF65-F5344CB8AC3E}">
-        <p14:creationId xmlns:p14="http://schemas.microsoft.com/office/powerpoint/2010/main" val="4050486953"/>
+        <p14:creationId xmlns:p14="http://schemas.microsoft.com/office/powerpoint/2010/main" val="2442529255"/>
       </p:ext>
     </p:extLst>
   </p:cSld>
@@ -8301,37 +8372,28 @@
         <p:spPr>
           <a:xfrm>
             <a:off x="1524000" y="1905000"/>
-            <a:ext cx="7010400" cy="2362200"/>
+            <a:ext cx="7010400" cy="1524000"/>
           </a:xfrm>
         </p:spPr>
         <p:txBody>
           <a:bodyPr>
-            <a:normAutofit fontScale="77500" lnSpcReduction="20000"/>
+            <a:normAutofit/>
           </a:bodyPr>
           <a:lstStyle/>
           <a:p>
             <a:r>
               <a:rPr lang="en-US" dirty="0"/>
-              <a:t>Beware: even though named patterns with type patterns look like a declarations they are not!</a:t>
-            </a:r>
-          </a:p>
-          <a:p>
-            <a:r>
-              <a:rPr lang="en-US" dirty="0"/>
-              <a:t>They are pattern match statements; consequently, implicit type conversions we are used to from other programming languages do not work!</a:t>
-            </a:r>
-          </a:p>
-          <a:p>
-            <a:endParaRPr lang="en-US" dirty="0"/>
+              <a:t>This shorthand notation is especially useful when combined with type patterns,</a:t>
+            </a:r>
           </a:p>
         </p:txBody>
       </p:sp>
       <p:pic>
         <p:nvPicPr>
-          <p:cNvPr id="4" name="Picture 3">
-            <a:extLst>
-              <a:ext uri="{FF2B5EF4-FFF2-40B4-BE49-F238E27FC236}">
-                <a16:creationId xmlns:a16="http://schemas.microsoft.com/office/drawing/2014/main" id="{64F162B0-3C1E-E841-94F2-CD56B6552035}"/>
+          <p:cNvPr id="5" name="Picture 4">
+            <a:extLst>
+              <a:ext uri="{FF2B5EF4-FFF2-40B4-BE49-F238E27FC236}">
+                <a16:creationId xmlns:a16="http://schemas.microsoft.com/office/drawing/2014/main" id="{57FD4B1D-ADB2-6443-B87E-4D51B91BE598}"/>
               </a:ext>
             </a:extLst>
           </p:cNvPr>
@@ -8348,8 +8410,8 @@
         </p:blipFill>
         <p:spPr>
           <a:xfrm>
-            <a:off x="685800" y="4267200"/>
-            <a:ext cx="8026400" cy="1460500"/>
+            <a:off x="2362200" y="3962400"/>
+            <a:ext cx="3644900" cy="1625600"/>
           </a:xfrm>
           <a:prstGeom prst="rect">
             <a:avLst/>
@@ -8364,7 +8426,7 @@
     </p:spTree>
     <p:extLst>
       <p:ext uri="{BB962C8B-B14F-4D97-AF65-F5344CB8AC3E}">
-        <p14:creationId xmlns:p14="http://schemas.microsoft.com/office/powerpoint/2010/main" val="1285522234"/>
+        <p14:creationId xmlns:p14="http://schemas.microsoft.com/office/powerpoint/2010/main" val="4050486953"/>
       </p:ext>
     </p:extLst>
   </p:cSld>
@@ -8396,7 +8458,7 @@
           <p:cNvPr id="2" name="Title 1">
             <a:extLst>
               <a:ext uri="{FF2B5EF4-FFF2-40B4-BE49-F238E27FC236}">
-                <a16:creationId xmlns:a16="http://schemas.microsoft.com/office/drawing/2014/main" id="{6195C51E-259E-9349-83AB-34F41AD10999}"/>
+                <a16:creationId xmlns:a16="http://schemas.microsoft.com/office/drawing/2014/main" id="{69D8A802-1887-5C44-89B7-C430FD3E8CF1}"/>
               </a:ext>
             </a:extLst>
           </p:cNvPr>
@@ -8414,7 +8476,7 @@
           <a:p>
             <a:r>
               <a:rPr lang="en-US" dirty="0"/>
-              <a:t>Head-Tail Pattern</a:t>
+              <a:t>Named Patterns</a:t>
             </a:r>
           </a:p>
         </p:txBody>
@@ -8424,7 +8486,7 @@
           <p:cNvPr id="3" name="Content Placeholder 2">
             <a:extLst>
               <a:ext uri="{FF2B5EF4-FFF2-40B4-BE49-F238E27FC236}">
-                <a16:creationId xmlns:a16="http://schemas.microsoft.com/office/drawing/2014/main" id="{3F46B74A-6B29-9041-95E9-7392BDABF9A2}"/>
+                <a16:creationId xmlns:a16="http://schemas.microsoft.com/office/drawing/2014/main" id="{E7A95868-7F6A-C846-8D8F-777179574524}"/>
               </a:ext>
             </a:extLst>
           </p:cNvPr>
@@ -8438,7 +8500,7 @@
         <p:spPr>
           <a:xfrm>
             <a:off x="1524000" y="1905000"/>
-            <a:ext cx="7010400" cy="2895600"/>
+            <a:ext cx="7010400" cy="2362200"/>
           </a:xfrm>
         </p:spPr>
         <p:txBody>
@@ -8449,35 +8511,13 @@
           <a:p>
             <a:r>
               <a:rPr lang="en-US" dirty="0"/>
-              <a:t>The head-tail pattern </a:t>
-            </a:r>
-            <a:br>
-              <a:rPr lang="en-US" dirty="0"/>
-            </a:br>
-            <a:r>
-              <a:rPr lang="en-US" dirty="0"/>
-              <a:t>    [ &lt;head var&gt; | &lt;tail var&gt; ]</a:t>
-            </a:r>
-            <a:br>
-              <a:rPr lang="en-US" dirty="0"/>
-            </a:br>
-            <a:r>
-              <a:rPr lang="en-US" dirty="0"/>
-              <a:t>is a useful pattern that allows us to </a:t>
-            </a:r>
-            <a:r>
-              <a:rPr lang="en-US" dirty="0" err="1"/>
-              <a:t>destructure</a:t>
-            </a:r>
-            <a:r>
-              <a:rPr lang="en-US" dirty="0"/>
-              <a:t> a list into into its first element and the rest of the list; the list with its first element removed.</a:t>
-            </a:r>
-          </a:p>
-          <a:p>
-            <a:r>
-              <a:rPr lang="en-US" dirty="0"/>
-              <a:t>As we will see later, this pattern will prove extremely useful when dealing with recursion or iteration over lists.</a:t>
+              <a:t>Beware: even though named patterns with type patterns look like a declarations they are not!</a:t>
+            </a:r>
+          </a:p>
+          <a:p>
+            <a:r>
+              <a:rPr lang="en-US" dirty="0"/>
+              <a:t>They are pattern match statements; consequently, implicit type conversions we are used to from other programming languages do not work!</a:t>
             </a:r>
           </a:p>
           <a:p>
@@ -8490,7 +8530,7 @@
           <p:cNvPr id="4" name="Picture 3">
             <a:extLst>
               <a:ext uri="{FF2B5EF4-FFF2-40B4-BE49-F238E27FC236}">
-                <a16:creationId xmlns:a16="http://schemas.microsoft.com/office/drawing/2014/main" id="{40EBF5AF-9F39-674B-B21C-1DE5732AD872}"/>
+                <a16:creationId xmlns:a16="http://schemas.microsoft.com/office/drawing/2014/main" id="{64F162B0-3C1E-E841-94F2-CD56B6552035}"/>
               </a:ext>
             </a:extLst>
           </p:cNvPr>
@@ -8507,15 +8547,15 @@
         </p:blipFill>
         <p:spPr>
           <a:xfrm>
-            <a:off x="2743200" y="4800600"/>
-            <a:ext cx="3251200" cy="1574800"/>
+            <a:off x="685800" y="4267200"/>
+            <a:ext cx="8026400" cy="1460500"/>
           </a:xfrm>
           <a:prstGeom prst="rect">
             <a:avLst/>
           </a:prstGeom>
           <a:ln>
             <a:solidFill>
-              <a:schemeClr val="tx1"/>
+              <a:schemeClr val="tx2"/>
             </a:solidFill>
           </a:ln>
         </p:spPr>
@@ -8523,7 +8563,7 @@
     </p:spTree>
     <p:extLst>
       <p:ext uri="{BB962C8B-B14F-4D97-AF65-F5344CB8AC3E}">
-        <p14:creationId xmlns:p14="http://schemas.microsoft.com/office/powerpoint/2010/main" val="368365555"/>
+        <p14:creationId xmlns:p14="http://schemas.microsoft.com/office/powerpoint/2010/main" val="1285522234"/>
       </p:ext>
     </p:extLst>
   </p:cSld>
@@ -8602,30 +8642,54 @@
         </p:spPr>
         <p:txBody>
           <a:bodyPr>
-            <a:normAutofit/>
+            <a:normAutofit fontScale="77500" lnSpcReduction="20000"/>
           </a:bodyPr>
           <a:lstStyle/>
           <a:p>
             <a:r>
               <a:rPr lang="en-US" dirty="0"/>
-              <a:t>The head-tail pattern can also be used “in reverse” – as a constructor,</a:t>
-            </a:r>
-          </a:p>
-          <a:p>
-            <a:pPr lvl="1"/>
-            <a:r>
-              <a:rPr lang="en-US" dirty="0"/>
-              <a:t>Given an element and a list it will prepend the element to the list</a:t>
-            </a:r>
+              <a:t>The head-tail pattern </a:t>
+            </a:r>
+            <a:br>
+              <a:rPr lang="en-US" dirty="0"/>
+            </a:br>
+            <a:r>
+              <a:rPr lang="en-US" dirty="0"/>
+              <a:t>    [ &lt;head var&gt; | &lt;tail var&gt; ]</a:t>
+            </a:r>
+            <a:br>
+              <a:rPr lang="en-US" dirty="0"/>
+            </a:br>
+            <a:r>
+              <a:rPr lang="en-US" dirty="0"/>
+              <a:t>is a useful pattern that allows us to </a:t>
+            </a:r>
+            <a:r>
+              <a:rPr lang="en-US" dirty="0" err="1"/>
+              <a:t>destructure</a:t>
+            </a:r>
+            <a:r>
+              <a:rPr lang="en-US" dirty="0"/>
+              <a:t> a list into into its first element and the rest of the list; the list with its first element removed.</a:t>
+            </a:r>
+          </a:p>
+          <a:p>
+            <a:r>
+              <a:rPr lang="en-US" dirty="0"/>
+              <a:t>As we will see later, this pattern will prove extremely useful when dealing with recursion or iteration over lists.</a:t>
+            </a:r>
+          </a:p>
+          <a:p>
+            <a:endParaRPr lang="en-US" dirty="0"/>
           </a:p>
         </p:txBody>
       </p:sp>
       <p:pic>
         <p:nvPicPr>
-          <p:cNvPr id="5" name="Picture 4">
-            <a:extLst>
-              <a:ext uri="{FF2B5EF4-FFF2-40B4-BE49-F238E27FC236}">
-                <a16:creationId xmlns:a16="http://schemas.microsoft.com/office/drawing/2014/main" id="{54E484A6-DFFD-CA4E-8E22-B165552E5060}"/>
+          <p:cNvPr id="4" name="Picture 3">
+            <a:extLst>
+              <a:ext uri="{FF2B5EF4-FFF2-40B4-BE49-F238E27FC236}">
+                <a16:creationId xmlns:a16="http://schemas.microsoft.com/office/drawing/2014/main" id="{40EBF5AF-9F39-674B-B21C-1DE5732AD872}"/>
               </a:ext>
             </a:extLst>
           </p:cNvPr>
@@ -8642,8 +8706,8 @@
         </p:blipFill>
         <p:spPr>
           <a:xfrm>
-            <a:off x="2971800" y="4371975"/>
-            <a:ext cx="2565400" cy="1231900"/>
+            <a:off x="2743200" y="4800600"/>
+            <a:ext cx="3251200" cy="1574800"/>
           </a:xfrm>
           <a:prstGeom prst="rect">
             <a:avLst/>
@@ -8658,7 +8722,7 @@
     </p:spTree>
     <p:extLst>
       <p:ext uri="{BB962C8B-B14F-4D97-AF65-F5344CB8AC3E}">
-        <p14:creationId xmlns:p14="http://schemas.microsoft.com/office/powerpoint/2010/main" val="4189918242"/>
+        <p14:creationId xmlns:p14="http://schemas.microsoft.com/office/powerpoint/2010/main" val="368365555"/>
       </p:ext>
     </p:extLst>
   </p:cSld>
@@ -8690,6 +8754,141 @@
           <p:cNvPr id="2" name="Title 1">
             <a:extLst>
               <a:ext uri="{FF2B5EF4-FFF2-40B4-BE49-F238E27FC236}">
+                <a16:creationId xmlns:a16="http://schemas.microsoft.com/office/drawing/2014/main" id="{6195C51E-259E-9349-83AB-34F41AD10999}"/>
+              </a:ext>
+            </a:extLst>
+          </p:cNvPr>
+          <p:cNvSpPr>
+            <a:spLocks noGrp="1"/>
+          </p:cNvSpPr>
+          <p:nvPr>
+            <p:ph type="title"/>
+          </p:nvPr>
+        </p:nvSpPr>
+        <p:spPr/>
+        <p:txBody>
+          <a:bodyPr/>
+          <a:lstStyle/>
+          <a:p>
+            <a:r>
+              <a:rPr lang="en-US" dirty="0"/>
+              <a:t>Head-Tail Pattern</a:t>
+            </a:r>
+          </a:p>
+        </p:txBody>
+      </p:sp>
+      <p:sp>
+        <p:nvSpPr>
+          <p:cNvPr id="3" name="Content Placeholder 2">
+            <a:extLst>
+              <a:ext uri="{FF2B5EF4-FFF2-40B4-BE49-F238E27FC236}">
+                <a16:creationId xmlns:a16="http://schemas.microsoft.com/office/drawing/2014/main" id="{3F46B74A-6B29-9041-95E9-7392BDABF9A2}"/>
+              </a:ext>
+            </a:extLst>
+          </p:cNvPr>
+          <p:cNvSpPr>
+            <a:spLocks noGrp="1"/>
+          </p:cNvSpPr>
+          <p:nvPr>
+            <p:ph idx="1"/>
+          </p:nvPr>
+        </p:nvSpPr>
+        <p:spPr>
+          <a:xfrm>
+            <a:off x="1524000" y="1905000"/>
+            <a:ext cx="7010400" cy="2895600"/>
+          </a:xfrm>
+        </p:spPr>
+        <p:txBody>
+          <a:bodyPr>
+            <a:normAutofit/>
+          </a:bodyPr>
+          <a:lstStyle/>
+          <a:p>
+            <a:r>
+              <a:rPr lang="en-US" dirty="0"/>
+              <a:t>The head-tail pattern can also be used “in reverse” – as a constructor,</a:t>
+            </a:r>
+          </a:p>
+          <a:p>
+            <a:pPr lvl="1"/>
+            <a:r>
+              <a:rPr lang="en-US" dirty="0"/>
+              <a:t>Given an element and a list it will prepend the element to the list</a:t>
+            </a:r>
+          </a:p>
+        </p:txBody>
+      </p:sp>
+      <p:pic>
+        <p:nvPicPr>
+          <p:cNvPr id="5" name="Picture 4">
+            <a:extLst>
+              <a:ext uri="{FF2B5EF4-FFF2-40B4-BE49-F238E27FC236}">
+                <a16:creationId xmlns:a16="http://schemas.microsoft.com/office/drawing/2014/main" id="{54E484A6-DFFD-CA4E-8E22-B165552E5060}"/>
+              </a:ext>
+            </a:extLst>
+          </p:cNvPr>
+          <p:cNvPicPr>
+            <a:picLocks noChangeAspect="1"/>
+          </p:cNvPicPr>
+          <p:nvPr/>
+        </p:nvPicPr>
+        <p:blipFill>
+          <a:blip r:embed="rId2"/>
+          <a:stretch>
+            <a:fillRect/>
+          </a:stretch>
+        </p:blipFill>
+        <p:spPr>
+          <a:xfrm>
+            <a:off x="2971800" y="4371975"/>
+            <a:ext cx="2565400" cy="1231900"/>
+          </a:xfrm>
+          <a:prstGeom prst="rect">
+            <a:avLst/>
+          </a:prstGeom>
+          <a:ln>
+            <a:solidFill>
+              <a:schemeClr val="tx1"/>
+            </a:solidFill>
+          </a:ln>
+        </p:spPr>
+      </p:pic>
+    </p:spTree>
+    <p:extLst>
+      <p:ext uri="{BB962C8B-B14F-4D97-AF65-F5344CB8AC3E}">
+        <p14:creationId xmlns:p14="http://schemas.microsoft.com/office/powerpoint/2010/main" val="4189918242"/>
+      </p:ext>
+    </p:extLst>
+  </p:cSld>
+  <p:clrMapOvr>
+    <a:masterClrMapping/>
+  </p:clrMapOvr>
+</p:sld>
+</file>
+
+<file path=ppt/slides/slide28.xml><?xml version="1.0" encoding="utf-8"?>
+<p:sld xmlns:a="http://schemas.openxmlformats.org/drawingml/2006/main" xmlns:r="http://schemas.openxmlformats.org/officeDocument/2006/relationships" xmlns:p="http://schemas.openxmlformats.org/presentationml/2006/main">
+  <p:cSld>
+    <p:spTree>
+      <p:nvGrpSpPr>
+        <p:cNvPr id="1" name=""/>
+        <p:cNvGrpSpPr/>
+        <p:nvPr/>
+      </p:nvGrpSpPr>
+      <p:grpSpPr>
+        <a:xfrm>
+          <a:off x="0" y="0"/>
+          <a:ext cx="0" cy="0"/>
+          <a:chOff x="0" y="0"/>
+          <a:chExt cx="0" cy="0"/>
+        </a:xfrm>
+      </p:grpSpPr>
+      <p:sp>
+        <p:nvSpPr>
+          <p:cNvPr id="2" name="Title 1">
+            <a:extLst>
+              <a:ext uri="{FF2B5EF4-FFF2-40B4-BE49-F238E27FC236}">
                 <a16:creationId xmlns:a16="http://schemas.microsoft.com/office/drawing/2014/main" id="{980BBCB4-34B6-6F4D-9DAA-48FC9F7BB83F}"/>
               </a:ext>
             </a:extLst>
@@ -8817,7 +9016,7 @@
 </p:sld>
 </file>
 
-<file path=ppt/slides/slide28.xml><?xml version="1.0" encoding="utf-8"?>
+<file path=ppt/slides/slide29.xml><?xml version="1.0" encoding="utf-8"?>
 <p:sld xmlns:a="http://schemas.openxmlformats.org/drawingml/2006/main" xmlns:r="http://schemas.openxmlformats.org/officeDocument/2006/relationships" xmlns:p="http://schemas.openxmlformats.org/presentationml/2006/main">
   <p:cSld>
     <p:spTree>
@@ -9091,115 +9290,6 @@
     <p:extLst>
       <p:ext uri="{BB962C8B-B14F-4D97-AF65-F5344CB8AC3E}">
         <p14:creationId xmlns:p14="http://schemas.microsoft.com/office/powerpoint/2010/main" val="426354552"/>
-      </p:ext>
-    </p:extLst>
-  </p:cSld>
-  <p:clrMapOvr>
-    <a:masterClrMapping/>
-  </p:clrMapOvr>
-</p:sld>
-</file>
-
-<file path=ppt/slides/slide29.xml><?xml version="1.0" encoding="utf-8"?>
-<p:sld xmlns:a="http://schemas.openxmlformats.org/drawingml/2006/main" xmlns:r="http://schemas.openxmlformats.org/officeDocument/2006/relationships" xmlns:p="http://schemas.openxmlformats.org/presentationml/2006/main">
-  <p:cSld>
-    <p:spTree>
-      <p:nvGrpSpPr>
-        <p:cNvPr id="1" name=""/>
-        <p:cNvGrpSpPr/>
-        <p:nvPr/>
-      </p:nvGrpSpPr>
-      <p:grpSpPr>
-        <a:xfrm>
-          <a:off x="0" y="0"/>
-          <a:ext cx="0" cy="0"/>
-          <a:chOff x="0" y="0"/>
-          <a:chExt cx="0" cy="0"/>
-        </a:xfrm>
-      </p:grpSpPr>
-      <p:sp>
-        <p:nvSpPr>
-          <p:cNvPr id="3" name="Title 2">
-            <a:extLst>
-              <a:ext uri="{FF2B5EF4-FFF2-40B4-BE49-F238E27FC236}">
-                <a16:creationId xmlns:a16="http://schemas.microsoft.com/office/drawing/2014/main" id="{9D7C697A-6DA3-A44E-B637-24C616E3CC5F}"/>
-              </a:ext>
-            </a:extLst>
-          </p:cNvPr>
-          <p:cNvSpPr>
-            <a:spLocks noGrp="1"/>
-          </p:cNvSpPr>
-          <p:nvPr>
-            <p:ph type="title"/>
-          </p:nvPr>
-        </p:nvSpPr>
-        <p:spPr/>
-        <p:txBody>
-          <a:bodyPr/>
-          <a:lstStyle/>
-          <a:p>
-            <a:r>
-              <a:rPr lang="en-US" dirty="0"/>
-              <a:t>Reading</a:t>
-            </a:r>
-          </a:p>
-        </p:txBody>
-      </p:sp>
-      <p:sp>
-        <p:nvSpPr>
-          <p:cNvPr id="4" name="Content Placeholder 3">
-            <a:extLst>
-              <a:ext uri="{FF2B5EF4-FFF2-40B4-BE49-F238E27FC236}">
-                <a16:creationId xmlns:a16="http://schemas.microsoft.com/office/drawing/2014/main" id="{169AAE0B-02FF-DA4D-BB90-8E551E1B73AC}"/>
-              </a:ext>
-            </a:extLst>
-          </p:cNvPr>
-          <p:cNvSpPr>
-            <a:spLocks noGrp="1"/>
-          </p:cNvSpPr>
-          <p:nvPr>
-            <p:ph idx="1"/>
-          </p:nvPr>
-        </p:nvSpPr>
-        <p:spPr>
-          <a:xfrm>
-            <a:off x="190500" y="1905000"/>
-            <a:ext cx="8763000" cy="4114800"/>
-          </a:xfrm>
-        </p:spPr>
-        <p:txBody>
-          <a:bodyPr/>
-          <a:lstStyle/>
-          <a:p>
-            <a:r>
-              <a:rPr lang="en-US" sz="2000" dirty="0"/>
-              <a:t>The Let Statement</a:t>
-            </a:r>
-          </a:p>
-          <a:p>
-            <a:pPr lvl="1"/>
-            <a:r>
-              <a:rPr lang="en-US" sz="1800" dirty="0">
-                <a:hlinkClick r:id="rId2"/>
-              </a:rPr>
-              <a:t>asteroid-lang.readthedocs.io/en/latest/User%20Guide.html#the-let-statement</a:t>
-            </a:r>
-            <a:endParaRPr lang="en-US" sz="1800" dirty="0"/>
-          </a:p>
-          <a:p>
-            <a:pPr lvl="1"/>
-            <a:endParaRPr lang="en-US" sz="1800" dirty="0"/>
-          </a:p>
-          <a:p>
-            <a:pPr lvl="1"/>
-            <a:endParaRPr lang="en-US" sz="1800" dirty="0"/>
-          </a:p>
-        </p:txBody>
-      </p:sp>
-    </p:spTree>
-    <p:extLst>
-      <p:ext uri="{BB962C8B-B14F-4D97-AF65-F5344CB8AC3E}">
-        <p14:creationId xmlns:p14="http://schemas.microsoft.com/office/powerpoint/2010/main" val="3037335692"/>
       </p:ext>
     </p:extLst>
   </p:cSld>
@@ -9770,6 +9860,115 @@
 </p:sld>
 </file>
 
+<file path=ppt/slides/slide30.xml><?xml version="1.0" encoding="utf-8"?>
+<p:sld xmlns:a="http://schemas.openxmlformats.org/drawingml/2006/main" xmlns:r="http://schemas.openxmlformats.org/officeDocument/2006/relationships" xmlns:p="http://schemas.openxmlformats.org/presentationml/2006/main">
+  <p:cSld>
+    <p:spTree>
+      <p:nvGrpSpPr>
+        <p:cNvPr id="1" name=""/>
+        <p:cNvGrpSpPr/>
+        <p:nvPr/>
+      </p:nvGrpSpPr>
+      <p:grpSpPr>
+        <a:xfrm>
+          <a:off x="0" y="0"/>
+          <a:ext cx="0" cy="0"/>
+          <a:chOff x="0" y="0"/>
+          <a:chExt cx="0" cy="0"/>
+        </a:xfrm>
+      </p:grpSpPr>
+      <p:sp>
+        <p:nvSpPr>
+          <p:cNvPr id="3" name="Title 2">
+            <a:extLst>
+              <a:ext uri="{FF2B5EF4-FFF2-40B4-BE49-F238E27FC236}">
+                <a16:creationId xmlns:a16="http://schemas.microsoft.com/office/drawing/2014/main" id="{9D7C697A-6DA3-A44E-B637-24C616E3CC5F}"/>
+              </a:ext>
+            </a:extLst>
+          </p:cNvPr>
+          <p:cNvSpPr>
+            <a:spLocks noGrp="1"/>
+          </p:cNvSpPr>
+          <p:nvPr>
+            <p:ph type="title"/>
+          </p:nvPr>
+        </p:nvSpPr>
+        <p:spPr/>
+        <p:txBody>
+          <a:bodyPr/>
+          <a:lstStyle/>
+          <a:p>
+            <a:r>
+              <a:rPr lang="en-US" dirty="0"/>
+              <a:t>Reading</a:t>
+            </a:r>
+          </a:p>
+        </p:txBody>
+      </p:sp>
+      <p:sp>
+        <p:nvSpPr>
+          <p:cNvPr id="4" name="Content Placeholder 3">
+            <a:extLst>
+              <a:ext uri="{FF2B5EF4-FFF2-40B4-BE49-F238E27FC236}">
+                <a16:creationId xmlns:a16="http://schemas.microsoft.com/office/drawing/2014/main" id="{169AAE0B-02FF-DA4D-BB90-8E551E1B73AC}"/>
+              </a:ext>
+            </a:extLst>
+          </p:cNvPr>
+          <p:cNvSpPr>
+            <a:spLocks noGrp="1"/>
+          </p:cNvSpPr>
+          <p:nvPr>
+            <p:ph idx="1"/>
+          </p:nvPr>
+        </p:nvSpPr>
+        <p:spPr>
+          <a:xfrm>
+            <a:off x="190500" y="1905000"/>
+            <a:ext cx="8763000" cy="4114800"/>
+          </a:xfrm>
+        </p:spPr>
+        <p:txBody>
+          <a:bodyPr/>
+          <a:lstStyle/>
+          <a:p>
+            <a:r>
+              <a:rPr lang="en-US" sz="2000" dirty="0"/>
+              <a:t>The Let Statement</a:t>
+            </a:r>
+          </a:p>
+          <a:p>
+            <a:pPr lvl="1"/>
+            <a:r>
+              <a:rPr lang="en-US" sz="1800" dirty="0">
+                <a:hlinkClick r:id="rId2"/>
+              </a:rPr>
+              <a:t>asteroid-lang.readthedocs.io/en/latest/User%20Guide.html#the-let-statement</a:t>
+            </a:r>
+            <a:endParaRPr lang="en-US" sz="1800" dirty="0"/>
+          </a:p>
+          <a:p>
+            <a:pPr lvl="1"/>
+            <a:endParaRPr lang="en-US" sz="1800" dirty="0"/>
+          </a:p>
+          <a:p>
+            <a:pPr lvl="1"/>
+            <a:endParaRPr lang="en-US" sz="1800" dirty="0"/>
+          </a:p>
+        </p:txBody>
+      </p:sp>
+    </p:spTree>
+    <p:extLst>
+      <p:ext uri="{BB962C8B-B14F-4D97-AF65-F5344CB8AC3E}">
+        <p14:creationId xmlns:p14="http://schemas.microsoft.com/office/powerpoint/2010/main" val="3037335692"/>
+      </p:ext>
+    </p:extLst>
+  </p:cSld>
+  <p:clrMapOvr>
+    <a:masterClrMapping/>
+  </p:clrMapOvr>
+</p:sld>
+</file>
+
 <file path=ppt/slides/slide4.xml><?xml version="1.0" encoding="utf-8"?>
 <p:sld xmlns:a="http://schemas.openxmlformats.org/drawingml/2006/main" xmlns:r="http://schemas.openxmlformats.org/officeDocument/2006/relationships" xmlns:p="http://schemas.openxmlformats.org/presentationml/2006/main">
   <p:cSld>
@@ -10274,113 +10473,170 @@
       </p:sp>
       <p:sp>
         <p:nvSpPr>
-          <p:cNvPr id="5" name="TextBox 4">
-            <a:extLst>
-              <a:ext uri="{FF2B5EF4-FFF2-40B4-BE49-F238E27FC236}">
-                <a16:creationId xmlns:a16="http://schemas.microsoft.com/office/drawing/2014/main" id="{62B83371-9B88-984A-8AEC-EB001857EF67}"/>
-              </a:ext>
-            </a:extLst>
-          </p:cNvPr>
-          <p:cNvSpPr txBox="1"/>
-          <p:nvPr/>
-        </p:nvSpPr>
-        <p:spPr>
-          <a:xfrm>
-            <a:off x="7557336" y="4419600"/>
-            <a:ext cx="1358064" cy="307777"/>
-          </a:xfrm>
-          <a:prstGeom prst="rect">
-            <a:avLst/>
-          </a:prstGeom>
-          <a:noFill/>
-        </p:spPr>
-        <p:txBody>
-          <a:bodyPr wrap="none" rtlCol="0">
-            <a:spAutoFit/>
+          <p:cNvPr id="3" name="Content Placeholder 2">
+            <a:extLst>
+              <a:ext uri="{FF2B5EF4-FFF2-40B4-BE49-F238E27FC236}">
+                <a16:creationId xmlns:a16="http://schemas.microsoft.com/office/drawing/2014/main" id="{D1DA5083-17EB-1243-A0A4-6DD3250A0A56}"/>
+              </a:ext>
+            </a:extLst>
+          </p:cNvPr>
+          <p:cNvSpPr>
+            <a:spLocks noGrp="1"/>
+          </p:cNvSpPr>
+          <p:nvPr>
+            <p:ph idx="1"/>
+          </p:nvPr>
+        </p:nvSpPr>
+        <p:spPr/>
+        <p:txBody>
+          <a:bodyPr>
+            <a:normAutofit lnSpcReduction="10000"/>
           </a:bodyPr>
           <a:lstStyle/>
           <a:p>
             <a:r>
-              <a:rPr lang="en-US" sz="1400" dirty="0"/>
-              <a:t>ln004/bird1.ast</a:t>
-            </a:r>
-          </a:p>
-        </p:txBody>
-      </p:sp>
-      <p:pic>
-        <p:nvPicPr>
-          <p:cNvPr id="8" name="Picture 7">
-            <a:extLst>
-              <a:ext uri="{FF2B5EF4-FFF2-40B4-BE49-F238E27FC236}">
-                <a16:creationId xmlns:a16="http://schemas.microsoft.com/office/drawing/2014/main" id="{DB59B07C-F6D0-054E-B37F-CD924EC25FDF}"/>
-              </a:ext>
-            </a:extLst>
-          </p:cNvPr>
-          <p:cNvPicPr>
-            <a:picLocks noChangeAspect="1"/>
-          </p:cNvPicPr>
-          <p:nvPr/>
-        </p:nvPicPr>
-        <p:blipFill>
-          <a:blip r:embed="rId2"/>
-          <a:stretch>
-            <a:fillRect/>
-          </a:stretch>
-        </p:blipFill>
-        <p:spPr>
-          <a:xfrm>
-            <a:off x="615950" y="5816600"/>
-            <a:ext cx="7912100" cy="965200"/>
-          </a:xfrm>
-          <a:prstGeom prst="rect">
-            <a:avLst/>
-          </a:prstGeom>
-          <a:ln>
-            <a:solidFill>
-              <a:schemeClr val="tx1"/>
-            </a:solidFill>
-          </a:ln>
-        </p:spPr>
-      </p:pic>
-      <p:pic>
-        <p:nvPicPr>
-          <p:cNvPr id="11" name="Picture 10">
-            <a:extLst>
-              <a:ext uri="{FF2B5EF4-FFF2-40B4-BE49-F238E27FC236}">
-                <a16:creationId xmlns:a16="http://schemas.microsoft.com/office/drawing/2014/main" id="{33AF4169-5E97-CD4C-B6CD-A0BDB93B81EB}"/>
-              </a:ext>
-            </a:extLst>
-          </p:cNvPr>
-          <p:cNvPicPr>
-            <a:picLocks noChangeAspect="1"/>
-          </p:cNvPicPr>
-          <p:nvPr/>
-        </p:nvPicPr>
-        <p:blipFill>
-          <a:blip r:embed="rId3"/>
-          <a:stretch>
-            <a:fillRect/>
-          </a:stretch>
-        </p:blipFill>
-        <p:spPr>
-          <a:xfrm>
-            <a:off x="1033244" y="76200"/>
-            <a:ext cx="6510556" cy="5695430"/>
-          </a:xfrm>
-          <a:prstGeom prst="rect">
-            <a:avLst/>
-          </a:prstGeom>
-          <a:ln>
-            <a:solidFill>
-              <a:schemeClr val="tx1"/>
-            </a:solidFill>
-          </a:ln>
-        </p:spPr>
-      </p:pic>
+              <a:rPr lang="en-US" dirty="0">
+                <a:solidFill>
+                  <a:srgbClr val="374151"/>
+                </a:solidFill>
+                <a:latin typeface="Söhne"/>
+              </a:rPr>
+              <a:t>We can code that biologist example in Asteroid</a:t>
+            </a:r>
+          </a:p>
+          <a:p>
+            <a:r>
+              <a:rPr lang="en-US" dirty="0">
+                <a:solidFill>
+                  <a:srgbClr val="374151"/>
+                </a:solidFill>
+                <a:latin typeface="Söhne"/>
+              </a:rPr>
+              <a:t>Assume we have a field guide with the following patterns</a:t>
+            </a:r>
+          </a:p>
+          <a:p>
+            <a:pPr lvl="1"/>
+            <a:r>
+              <a:rPr lang="en-US" sz="2000" dirty="0"/>
+              <a:t>Bird("</a:t>
+            </a:r>
+            <a:r>
+              <a:rPr lang="en-US" sz="2000" dirty="0" err="1"/>
+              <a:t>big","blue","yellow</a:t>
+            </a:r>
+            <a:r>
+              <a:rPr lang="en-US" sz="2000" dirty="0"/>
+              <a:t> dots")</a:t>
+            </a:r>
+            <a:r>
+              <a:rPr lang="en-US" sz="2000" dirty="0">
+                <a:solidFill>
+                  <a:srgbClr val="374151"/>
+                </a:solidFill>
+                <a:latin typeface="Söhne"/>
+              </a:rPr>
+              <a:t> → "blue polka”</a:t>
+            </a:r>
+          </a:p>
+          <a:p>
+            <a:pPr lvl="1"/>
+            <a:r>
+              <a:rPr lang="en-US" sz="2000" dirty="0"/>
+              <a:t>Bird("</a:t>
+            </a:r>
+            <a:r>
+              <a:rPr lang="en-US" sz="2000" dirty="0" err="1"/>
+              <a:t>tiny","red","green</a:t>
+            </a:r>
+            <a:r>
+              <a:rPr lang="en-US" sz="2000" dirty="0"/>
+              <a:t> stripes")</a:t>
+            </a:r>
+            <a:r>
+              <a:rPr lang="en-US" sz="2000" dirty="0">
+                <a:solidFill>
+                  <a:srgbClr val="374151"/>
+                </a:solidFill>
+                <a:latin typeface="Söhne"/>
+              </a:rPr>
+              <a:t> → "green striped finch"</a:t>
+            </a:r>
+          </a:p>
+          <a:p>
+            <a:pPr lvl="1"/>
+            <a:r>
+              <a:rPr lang="en-US" sz="2000" dirty="0"/>
+              <a:t>Bird("</a:t>
+            </a:r>
+            <a:r>
+              <a:rPr lang="en-US" sz="2000" dirty="0" err="1"/>
+              <a:t>tiny","red","black</a:t>
+            </a:r>
+            <a:r>
+              <a:rPr lang="en-US" sz="2000" dirty="0"/>
+              <a:t> stripes")</a:t>
+            </a:r>
+            <a:r>
+              <a:rPr lang="en-US" sz="2000" dirty="0">
+                <a:solidFill>
+                  <a:srgbClr val="374151"/>
+                </a:solidFill>
+                <a:latin typeface="Söhne"/>
+              </a:rPr>
+              <a:t> → "striped sparrow”</a:t>
+            </a:r>
+          </a:p>
+          <a:p>
+            <a:r>
+              <a:rPr lang="en-US" sz="2200" dirty="0">
+                <a:solidFill>
+                  <a:srgbClr val="374151"/>
+                </a:solidFill>
+                <a:latin typeface="Söhne"/>
+              </a:rPr>
+              <a:t>And we observed a bird </a:t>
+            </a:r>
+          </a:p>
+          <a:p>
+            <a:pPr lvl="1"/>
+            <a:r>
+              <a:rPr lang="en-US" sz="2000" dirty="0"/>
+              <a:t>Bird("</a:t>
+            </a:r>
+            <a:r>
+              <a:rPr lang="en-US" sz="2000" dirty="0" err="1"/>
+              <a:t>tiny","red","black</a:t>
+            </a:r>
+            <a:r>
+              <a:rPr lang="en-US" sz="2000" dirty="0"/>
+              <a:t> stripes")</a:t>
+            </a:r>
+            <a:endParaRPr lang="en-US" sz="2000" dirty="0">
+              <a:solidFill>
+                <a:srgbClr val="374151"/>
+              </a:solidFill>
+              <a:latin typeface="Söhne"/>
+            </a:endParaRPr>
+          </a:p>
+          <a:p>
+            <a:r>
+              <a:rPr lang="en-US" sz="2200" dirty="0">
+                <a:solidFill>
+                  <a:srgbClr val="374151"/>
+                </a:solidFill>
+                <a:latin typeface="Söhne"/>
+              </a:rPr>
+              <a:t>Identify the observed bird.</a:t>
+            </a:r>
+            <a:endParaRPr lang="en-US" sz="2200" dirty="0"/>
+          </a:p>
+        </p:txBody>
+      </p:sp>
     </p:spTree>
     <p:extLst>
       <p:ext uri="{BB962C8B-B14F-4D97-AF65-F5344CB8AC3E}">
-        <p14:creationId xmlns:p14="http://schemas.microsoft.com/office/powerpoint/2010/main" val="2288999045"/>
+        <p14:creationId xmlns:p14="http://schemas.microsoft.com/office/powerpoint/2010/main" val="724147764"/>
       </p:ext>
     </p:extLst>
   </p:cSld>
@@ -10437,47 +10693,6 @@
       </p:sp>
       <p:sp>
         <p:nvSpPr>
-          <p:cNvPr id="3" name="Content Placeholder 2">
-            <a:extLst>
-              <a:ext uri="{FF2B5EF4-FFF2-40B4-BE49-F238E27FC236}">
-                <a16:creationId xmlns:a16="http://schemas.microsoft.com/office/drawing/2014/main" id="{3F6AF04D-0CA2-0C4C-A132-CF98ACEF6992}"/>
-              </a:ext>
-            </a:extLst>
-          </p:cNvPr>
-          <p:cNvSpPr>
-            <a:spLocks noGrp="1"/>
-          </p:cNvSpPr>
-          <p:nvPr>
-            <p:ph idx="1"/>
-          </p:nvPr>
-        </p:nvSpPr>
-        <p:spPr>
-          <a:xfrm>
-            <a:off x="1524000" y="1905000"/>
-            <a:ext cx="7010400" cy="1143000"/>
-          </a:xfrm>
-        </p:spPr>
-        <p:txBody>
-          <a:bodyPr>
-            <a:normAutofit fontScale="85000" lnSpcReduction="20000"/>
-          </a:bodyPr>
-          <a:lstStyle/>
-          <a:p>
-            <a:r>
-              <a:rPr lang="en-US" dirty="0"/>
-              <a:t>Variables allow for partial matches</a:t>
-            </a:r>
-          </a:p>
-          <a:p>
-            <a:r>
-              <a:rPr lang="en-US" dirty="0"/>
-              <a:t>Variables in patterns are instantiated in the current environment</a:t>
-            </a:r>
-          </a:p>
-        </p:txBody>
-      </p:sp>
-      <p:sp>
-        <p:nvSpPr>
           <p:cNvPr id="5" name="TextBox 4">
             <a:extLst>
               <a:ext uri="{FF2B5EF4-FFF2-40B4-BE49-F238E27FC236}">
@@ -10490,7 +10705,7 @@
         </p:nvSpPr>
         <p:spPr>
           <a:xfrm>
-            <a:off x="7176336" y="4521886"/>
+            <a:off x="7557336" y="4419600"/>
             <a:ext cx="1358064" cy="307777"/>
           </a:xfrm>
           <a:prstGeom prst="rect">
@@ -10513,10 +10728,10 @@
       </p:sp>
       <p:pic>
         <p:nvPicPr>
-          <p:cNvPr id="4" name="Picture 3">
-            <a:extLst>
-              <a:ext uri="{FF2B5EF4-FFF2-40B4-BE49-F238E27FC236}">
-                <a16:creationId xmlns:a16="http://schemas.microsoft.com/office/drawing/2014/main" id="{5EDB5844-582D-704C-97CB-230F26B22484}"/>
+          <p:cNvPr id="8" name="Picture 7">
+            <a:extLst>
+              <a:ext uri="{FF2B5EF4-FFF2-40B4-BE49-F238E27FC236}">
+                <a16:creationId xmlns:a16="http://schemas.microsoft.com/office/drawing/2014/main" id="{DB59B07C-F6D0-054E-B37F-CD924EC25FDF}"/>
               </a:ext>
             </a:extLst>
           </p:cNvPr>
@@ -10533,8 +10748,8 @@
         </p:blipFill>
         <p:spPr>
           <a:xfrm>
-            <a:off x="609600" y="3210413"/>
-            <a:ext cx="6146800" cy="3238500"/>
+            <a:off x="615950" y="5816600"/>
+            <a:ext cx="7912100" cy="965200"/>
           </a:xfrm>
           <a:prstGeom prst="rect">
             <a:avLst/>
@@ -10546,10 +10761,45 @@
           </a:ln>
         </p:spPr>
       </p:pic>
+      <p:pic>
+        <p:nvPicPr>
+          <p:cNvPr id="11" name="Picture 10">
+            <a:extLst>
+              <a:ext uri="{FF2B5EF4-FFF2-40B4-BE49-F238E27FC236}">
+                <a16:creationId xmlns:a16="http://schemas.microsoft.com/office/drawing/2014/main" id="{33AF4169-5E97-CD4C-B6CD-A0BDB93B81EB}"/>
+              </a:ext>
+            </a:extLst>
+          </p:cNvPr>
+          <p:cNvPicPr>
+            <a:picLocks noChangeAspect="1"/>
+          </p:cNvPicPr>
+          <p:nvPr/>
+        </p:nvPicPr>
+        <p:blipFill>
+          <a:blip r:embed="rId3"/>
+          <a:stretch>
+            <a:fillRect/>
+          </a:stretch>
+        </p:blipFill>
+        <p:spPr>
+          <a:xfrm>
+            <a:off x="1033244" y="76200"/>
+            <a:ext cx="6510556" cy="5695430"/>
+          </a:xfrm>
+          <a:prstGeom prst="rect">
+            <a:avLst/>
+          </a:prstGeom>
+          <a:ln>
+            <a:solidFill>
+              <a:schemeClr val="tx1"/>
+            </a:solidFill>
+          </a:ln>
+        </p:spPr>
+      </p:pic>
     </p:spTree>
     <p:extLst>
       <p:ext uri="{BB962C8B-B14F-4D97-AF65-F5344CB8AC3E}">
-        <p14:creationId xmlns:p14="http://schemas.microsoft.com/office/powerpoint/2010/main" val="2585622426"/>
+        <p14:creationId xmlns:p14="http://schemas.microsoft.com/office/powerpoint/2010/main" val="2288999045"/>
       </p:ext>
     </p:extLst>
   </p:cSld>
@@ -10599,7 +10849,7 @@
           <a:p>
             <a:r>
               <a:rPr lang="en-US" dirty="0"/>
-              <a:t>Basic Patterns</a:t>
+              <a:t>Pattern Matching – Foundations </a:t>
             </a:r>
           </a:p>
         </p:txBody>
@@ -10609,7 +10859,7 @@
           <p:cNvPr id="3" name="Content Placeholder 2">
             <a:extLst>
               <a:ext uri="{FF2B5EF4-FFF2-40B4-BE49-F238E27FC236}">
-                <a16:creationId xmlns:a16="http://schemas.microsoft.com/office/drawing/2014/main" id="{D1DA5083-17EB-1243-A0A4-6DD3250A0A56}"/>
+                <a16:creationId xmlns:a16="http://schemas.microsoft.com/office/drawing/2014/main" id="{3F6AF04D-0CA2-0C4C-A132-CF98ACEF6992}"/>
               </a:ext>
             </a:extLst>
           </p:cNvPr>
@@ -10622,19 +10872,60 @@
         </p:nvSpPr>
         <p:spPr>
           <a:xfrm>
-            <a:off x="1524000" y="1676400"/>
-            <a:ext cx="7010400" cy="990600"/>
+            <a:off x="1524000" y="1905000"/>
+            <a:ext cx="7010400" cy="1143000"/>
           </a:xfrm>
         </p:spPr>
         <p:txBody>
           <a:bodyPr>
-            <a:normAutofit/>
+            <a:normAutofit fontScale="85000" lnSpcReduction="20000"/>
           </a:bodyPr>
           <a:lstStyle/>
           <a:p>
             <a:r>
               <a:rPr lang="en-US" dirty="0"/>
-              <a:t>Something a bit more CS related</a:t>
+              <a:t>Variables allow for partial matches</a:t>
+            </a:r>
+          </a:p>
+          <a:p>
+            <a:r>
+              <a:rPr lang="en-US" dirty="0"/>
+              <a:t>Variables in patterns are instantiated in the current environment</a:t>
+            </a:r>
+          </a:p>
+        </p:txBody>
+      </p:sp>
+      <p:sp>
+        <p:nvSpPr>
+          <p:cNvPr id="5" name="TextBox 4">
+            <a:extLst>
+              <a:ext uri="{FF2B5EF4-FFF2-40B4-BE49-F238E27FC236}">
+                <a16:creationId xmlns:a16="http://schemas.microsoft.com/office/drawing/2014/main" id="{62B83371-9B88-984A-8AEC-EB001857EF67}"/>
+              </a:ext>
+            </a:extLst>
+          </p:cNvPr>
+          <p:cNvSpPr txBox="1"/>
+          <p:nvPr/>
+        </p:nvSpPr>
+        <p:spPr>
+          <a:xfrm>
+            <a:off x="7176336" y="4521886"/>
+            <a:ext cx="1358064" cy="307777"/>
+          </a:xfrm>
+          <a:prstGeom prst="rect">
+            <a:avLst/>
+          </a:prstGeom>
+          <a:noFill/>
+        </p:spPr>
+        <p:txBody>
+          <a:bodyPr wrap="none" rtlCol="0">
+            <a:spAutoFit/>
+          </a:bodyPr>
+          <a:lstStyle/>
+          <a:p>
+            <a:r>
+              <a:rPr lang="en-US" sz="1400" dirty="0"/>
+              <a:t>ln004/bird1.ast</a:t>
             </a:r>
           </a:p>
         </p:txBody>
@@ -10644,7 +10935,7 @@
           <p:cNvPr id="4" name="Picture 3">
             <a:extLst>
               <a:ext uri="{FF2B5EF4-FFF2-40B4-BE49-F238E27FC236}">
-                <a16:creationId xmlns:a16="http://schemas.microsoft.com/office/drawing/2014/main" id="{38E3A626-854D-FE4E-94C1-AEFA362A932B}"/>
+                <a16:creationId xmlns:a16="http://schemas.microsoft.com/office/drawing/2014/main" id="{5EDB5844-582D-704C-97CB-230F26B22484}"/>
               </a:ext>
             </a:extLst>
           </p:cNvPr>
@@ -10661,8 +10952,8 @@
         </p:blipFill>
         <p:spPr>
           <a:xfrm>
-            <a:off x="228600" y="2667000"/>
-            <a:ext cx="6299200" cy="2260600"/>
+            <a:off x="609600" y="3210413"/>
+            <a:ext cx="6146800" cy="3238500"/>
           </a:xfrm>
           <a:prstGeom prst="rect">
             <a:avLst/>
@@ -10674,80 +10965,10 @@
           </a:ln>
         </p:spPr>
       </p:pic>
-      <p:pic>
-        <p:nvPicPr>
-          <p:cNvPr id="5" name="Picture 4">
-            <a:extLst>
-              <a:ext uri="{FF2B5EF4-FFF2-40B4-BE49-F238E27FC236}">
-                <a16:creationId xmlns:a16="http://schemas.microsoft.com/office/drawing/2014/main" id="{8C100594-9017-D54C-8A50-79C1F2A02B89}"/>
-              </a:ext>
-            </a:extLst>
-          </p:cNvPr>
-          <p:cNvPicPr>
-            <a:picLocks noChangeAspect="1"/>
-          </p:cNvPicPr>
-          <p:nvPr/>
-        </p:nvPicPr>
-        <p:blipFill>
-          <a:blip r:embed="rId3"/>
-          <a:stretch>
-            <a:fillRect/>
-          </a:stretch>
-        </p:blipFill>
-        <p:spPr>
-          <a:xfrm>
-            <a:off x="5956300" y="3225800"/>
-            <a:ext cx="2959100" cy="2260600"/>
-          </a:xfrm>
-          <a:prstGeom prst="rect">
-            <a:avLst/>
-          </a:prstGeom>
-          <a:ln>
-            <a:solidFill>
-              <a:schemeClr val="tx1"/>
-            </a:solidFill>
-          </a:ln>
-        </p:spPr>
-      </p:pic>
-      <p:pic>
-        <p:nvPicPr>
-          <p:cNvPr id="6" name="Picture 5">
-            <a:extLst>
-              <a:ext uri="{FF2B5EF4-FFF2-40B4-BE49-F238E27FC236}">
-                <a16:creationId xmlns:a16="http://schemas.microsoft.com/office/drawing/2014/main" id="{C3A1BA18-AC71-8247-93C9-14F2FF91482D}"/>
-              </a:ext>
-            </a:extLst>
-          </p:cNvPr>
-          <p:cNvPicPr>
-            <a:picLocks noChangeAspect="1"/>
-          </p:cNvPicPr>
-          <p:nvPr/>
-        </p:nvPicPr>
-        <p:blipFill>
-          <a:blip r:embed="rId4"/>
-          <a:stretch>
-            <a:fillRect/>
-          </a:stretch>
-        </p:blipFill>
-        <p:spPr>
-          <a:xfrm>
-            <a:off x="2362200" y="4674577"/>
-            <a:ext cx="2959100" cy="2057400"/>
-          </a:xfrm>
-          <a:prstGeom prst="rect">
-            <a:avLst/>
-          </a:prstGeom>
-          <a:ln>
-            <a:solidFill>
-              <a:schemeClr val="tx1"/>
-            </a:solidFill>
-          </a:ln>
-        </p:spPr>
-      </p:pic>
     </p:spTree>
     <p:extLst>
       <p:ext uri="{BB962C8B-B14F-4D97-AF65-F5344CB8AC3E}">
-        <p14:creationId xmlns:p14="http://schemas.microsoft.com/office/powerpoint/2010/main" val="513820654"/>
+        <p14:creationId xmlns:p14="http://schemas.microsoft.com/office/powerpoint/2010/main" val="2585622426"/>
       </p:ext>
     </p:extLst>
   </p:cSld>

--- a/notes/csc493-ln004.pptx
+++ b/notes/csc493-ln004.pptx
@@ -5,10 +5,10 @@
     <p:sldMasterId id="2147483651" r:id="rId1"/>
   </p:sldMasterIdLst>
   <p:notesMasterIdLst>
-    <p:notesMasterId r:id="rId32"/>
+    <p:notesMasterId r:id="rId33"/>
   </p:notesMasterIdLst>
   <p:handoutMasterIdLst>
-    <p:handoutMasterId r:id="rId33"/>
+    <p:handoutMasterId r:id="rId34"/>
   </p:handoutMasterIdLst>
   <p:sldIdLst>
     <p:sldId id="280" r:id="rId2"/>
@@ -18,29 +18,30 @@
     <p:sldId id="282" r:id="rId6"/>
     <p:sldId id="283" r:id="rId7"/>
     <p:sldId id="286" r:id="rId8"/>
-    <p:sldId id="284" r:id="rId9"/>
-    <p:sldId id="285" r:id="rId10"/>
-    <p:sldId id="259" r:id="rId11"/>
-    <p:sldId id="260" r:id="rId12"/>
-    <p:sldId id="261" r:id="rId13"/>
-    <p:sldId id="262" r:id="rId14"/>
-    <p:sldId id="263" r:id="rId15"/>
-    <p:sldId id="264" r:id="rId16"/>
-    <p:sldId id="265" r:id="rId17"/>
-    <p:sldId id="279" r:id="rId18"/>
-    <p:sldId id="266" r:id="rId19"/>
-    <p:sldId id="267" r:id="rId20"/>
-    <p:sldId id="268" r:id="rId21"/>
-    <p:sldId id="269" r:id="rId22"/>
-    <p:sldId id="270" r:id="rId23"/>
-    <p:sldId id="271" r:id="rId24"/>
-    <p:sldId id="272" r:id="rId25"/>
-    <p:sldId id="273" r:id="rId26"/>
-    <p:sldId id="277" r:id="rId27"/>
-    <p:sldId id="278" r:id="rId28"/>
-    <p:sldId id="274" r:id="rId29"/>
-    <p:sldId id="275" r:id="rId30"/>
-    <p:sldId id="276" r:id="rId31"/>
+    <p:sldId id="287" r:id="rId9"/>
+    <p:sldId id="284" r:id="rId10"/>
+    <p:sldId id="285" r:id="rId11"/>
+    <p:sldId id="259" r:id="rId12"/>
+    <p:sldId id="260" r:id="rId13"/>
+    <p:sldId id="261" r:id="rId14"/>
+    <p:sldId id="262" r:id="rId15"/>
+    <p:sldId id="263" r:id="rId16"/>
+    <p:sldId id="264" r:id="rId17"/>
+    <p:sldId id="265" r:id="rId18"/>
+    <p:sldId id="279" r:id="rId19"/>
+    <p:sldId id="266" r:id="rId20"/>
+    <p:sldId id="267" r:id="rId21"/>
+    <p:sldId id="268" r:id="rId22"/>
+    <p:sldId id="269" r:id="rId23"/>
+    <p:sldId id="270" r:id="rId24"/>
+    <p:sldId id="271" r:id="rId25"/>
+    <p:sldId id="272" r:id="rId26"/>
+    <p:sldId id="273" r:id="rId27"/>
+    <p:sldId id="277" r:id="rId28"/>
+    <p:sldId id="278" r:id="rId29"/>
+    <p:sldId id="274" r:id="rId30"/>
+    <p:sldId id="275" r:id="rId31"/>
+    <p:sldId id="276" r:id="rId32"/>
   </p:sldIdLst>
   <p:sldSz cx="9144000" cy="6858000" type="screen4x3"/>
   <p:notesSz cx="6856413" cy="9083675"/>
@@ -5334,6 +5335,175 @@
           <a:p>
             <a:r>
               <a:rPr lang="en-US" dirty="0"/>
+              <a:t>Pattern Matching – Foundations </a:t>
+            </a:r>
+          </a:p>
+        </p:txBody>
+      </p:sp>
+      <p:sp>
+        <p:nvSpPr>
+          <p:cNvPr id="3" name="Content Placeholder 2">
+            <a:extLst>
+              <a:ext uri="{FF2B5EF4-FFF2-40B4-BE49-F238E27FC236}">
+                <a16:creationId xmlns:a16="http://schemas.microsoft.com/office/drawing/2014/main" id="{3F6AF04D-0CA2-0C4C-A132-CF98ACEF6992}"/>
+              </a:ext>
+            </a:extLst>
+          </p:cNvPr>
+          <p:cNvSpPr>
+            <a:spLocks noGrp="1"/>
+          </p:cNvSpPr>
+          <p:nvPr>
+            <p:ph idx="1"/>
+          </p:nvPr>
+        </p:nvSpPr>
+        <p:spPr>
+          <a:xfrm>
+            <a:off x="1524000" y="1905000"/>
+            <a:ext cx="7010400" cy="1143000"/>
+          </a:xfrm>
+        </p:spPr>
+        <p:txBody>
+          <a:bodyPr>
+            <a:normAutofit fontScale="85000" lnSpcReduction="20000"/>
+          </a:bodyPr>
+          <a:lstStyle/>
+          <a:p>
+            <a:r>
+              <a:rPr lang="en-US" dirty="0"/>
+              <a:t>Variables allow for partial matches</a:t>
+            </a:r>
+          </a:p>
+          <a:p>
+            <a:r>
+              <a:rPr lang="en-US" dirty="0"/>
+              <a:t>Variables in patterns are instantiated in the current environment</a:t>
+            </a:r>
+          </a:p>
+        </p:txBody>
+      </p:sp>
+      <p:sp>
+        <p:nvSpPr>
+          <p:cNvPr id="5" name="TextBox 4">
+            <a:extLst>
+              <a:ext uri="{FF2B5EF4-FFF2-40B4-BE49-F238E27FC236}">
+                <a16:creationId xmlns:a16="http://schemas.microsoft.com/office/drawing/2014/main" id="{62B83371-9B88-984A-8AEC-EB001857EF67}"/>
+              </a:ext>
+            </a:extLst>
+          </p:cNvPr>
+          <p:cNvSpPr txBox="1"/>
+          <p:nvPr/>
+        </p:nvSpPr>
+        <p:spPr>
+          <a:xfrm>
+            <a:off x="7176336" y="4521886"/>
+            <a:ext cx="1358064" cy="307777"/>
+          </a:xfrm>
+          <a:prstGeom prst="rect">
+            <a:avLst/>
+          </a:prstGeom>
+          <a:noFill/>
+        </p:spPr>
+        <p:txBody>
+          <a:bodyPr wrap="none" rtlCol="0">
+            <a:spAutoFit/>
+          </a:bodyPr>
+          <a:lstStyle/>
+          <a:p>
+            <a:r>
+              <a:rPr lang="en-US" sz="1400" dirty="0"/>
+              <a:t>ln004/bird3.ast</a:t>
+            </a:r>
+          </a:p>
+        </p:txBody>
+      </p:sp>
+      <p:pic>
+        <p:nvPicPr>
+          <p:cNvPr id="4" name="Picture 3">
+            <a:extLst>
+              <a:ext uri="{FF2B5EF4-FFF2-40B4-BE49-F238E27FC236}">
+                <a16:creationId xmlns:a16="http://schemas.microsoft.com/office/drawing/2014/main" id="{5EDB5844-582D-704C-97CB-230F26B22484}"/>
+              </a:ext>
+            </a:extLst>
+          </p:cNvPr>
+          <p:cNvPicPr>
+            <a:picLocks noChangeAspect="1"/>
+          </p:cNvPicPr>
+          <p:nvPr/>
+        </p:nvPicPr>
+        <p:blipFill>
+          <a:blip r:embed="rId2"/>
+          <a:stretch>
+            <a:fillRect/>
+          </a:stretch>
+        </p:blipFill>
+        <p:spPr>
+          <a:xfrm>
+            <a:off x="609600" y="3210413"/>
+            <a:ext cx="6146800" cy="3238500"/>
+          </a:xfrm>
+          <a:prstGeom prst="rect">
+            <a:avLst/>
+          </a:prstGeom>
+          <a:ln>
+            <a:solidFill>
+              <a:schemeClr val="tx1"/>
+            </a:solidFill>
+          </a:ln>
+        </p:spPr>
+      </p:pic>
+    </p:spTree>
+    <p:extLst>
+      <p:ext uri="{BB962C8B-B14F-4D97-AF65-F5344CB8AC3E}">
+        <p14:creationId xmlns:p14="http://schemas.microsoft.com/office/powerpoint/2010/main" val="2585622426"/>
+      </p:ext>
+    </p:extLst>
+  </p:cSld>
+  <p:clrMapOvr>
+    <a:masterClrMapping/>
+  </p:clrMapOvr>
+</p:sld>
+</file>
+
+<file path=ppt/slides/slide11.xml><?xml version="1.0" encoding="utf-8"?>
+<p:sld xmlns:a="http://schemas.openxmlformats.org/drawingml/2006/main" xmlns:r="http://schemas.openxmlformats.org/officeDocument/2006/relationships" xmlns:p="http://schemas.openxmlformats.org/presentationml/2006/main">
+  <p:cSld>
+    <p:spTree>
+      <p:nvGrpSpPr>
+        <p:cNvPr id="1" name=""/>
+        <p:cNvGrpSpPr/>
+        <p:nvPr/>
+      </p:nvGrpSpPr>
+      <p:grpSpPr>
+        <a:xfrm>
+          <a:off x="0" y="0"/>
+          <a:ext cx="0" cy="0"/>
+          <a:chOff x="0" y="0"/>
+          <a:chExt cx="0" cy="0"/>
+        </a:xfrm>
+      </p:grpSpPr>
+      <p:sp>
+        <p:nvSpPr>
+          <p:cNvPr id="2" name="Title 1">
+            <a:extLst>
+              <a:ext uri="{FF2B5EF4-FFF2-40B4-BE49-F238E27FC236}">
+                <a16:creationId xmlns:a16="http://schemas.microsoft.com/office/drawing/2014/main" id="{44969C8F-C644-7946-B4B0-381BB6051384}"/>
+              </a:ext>
+            </a:extLst>
+          </p:cNvPr>
+          <p:cNvSpPr>
+            <a:spLocks noGrp="1"/>
+          </p:cNvSpPr>
+          <p:nvPr>
+            <p:ph type="title"/>
+          </p:nvPr>
+        </p:nvSpPr>
+        <p:spPr/>
+        <p:txBody>
+          <a:bodyPr/>
+          <a:lstStyle/>
+          <a:p>
+            <a:r>
+              <a:rPr lang="en-US" dirty="0"/>
               <a:t>Basic Patterns</a:t>
             </a:r>
           </a:p>
@@ -5492,7 +5662,7 @@
 </p:sld>
 </file>
 
-<file path=ppt/slides/slide11.xml><?xml version="1.0" encoding="utf-8"?>
+<file path=ppt/slides/slide12.xml><?xml version="1.0" encoding="utf-8"?>
 <p:sld xmlns:a="http://schemas.openxmlformats.org/drawingml/2006/main" xmlns:r="http://schemas.openxmlformats.org/officeDocument/2006/relationships" xmlns:p="http://schemas.openxmlformats.org/presentationml/2006/main">
   <p:cSld>
     <p:spTree>
@@ -5754,332 +5924,6 @@
 </p:sld>
 </file>
 
-<file path=ppt/slides/slide12.xml><?xml version="1.0" encoding="utf-8"?>
-<p:sld xmlns:a="http://schemas.openxmlformats.org/drawingml/2006/main" xmlns:r="http://schemas.openxmlformats.org/officeDocument/2006/relationships" xmlns:p="http://schemas.openxmlformats.org/presentationml/2006/main">
-  <p:cSld>
-    <p:spTree>
-      <p:nvGrpSpPr>
-        <p:cNvPr id="1" name=""/>
-        <p:cNvGrpSpPr/>
-        <p:nvPr/>
-      </p:nvGrpSpPr>
-      <p:grpSpPr>
-        <a:xfrm>
-          <a:off x="0" y="0"/>
-          <a:ext cx="0" cy="0"/>
-          <a:chOff x="0" y="0"/>
-          <a:chExt cx="0" cy="0"/>
-        </a:xfrm>
-      </p:grpSpPr>
-      <p:sp>
-        <p:nvSpPr>
-          <p:cNvPr id="5" name="Title 4">
-            <a:extLst>
-              <a:ext uri="{FF2B5EF4-FFF2-40B4-BE49-F238E27FC236}">
-                <a16:creationId xmlns:a16="http://schemas.microsoft.com/office/drawing/2014/main" id="{1AF4F978-3E3C-7447-946F-559FC9D1C077}"/>
-              </a:ext>
-            </a:extLst>
-          </p:cNvPr>
-          <p:cNvSpPr>
-            <a:spLocks noGrp="1"/>
-          </p:cNvSpPr>
-          <p:nvPr>
-            <p:ph type="title"/>
-          </p:nvPr>
-        </p:nvSpPr>
-        <p:spPr/>
-        <p:txBody>
-          <a:bodyPr/>
-          <a:lstStyle/>
-          <a:p>
-            <a:r>
-              <a:rPr lang="en-US" dirty="0" err="1"/>
-              <a:t>Destructuring</a:t>
-            </a:r>
-            <a:endParaRPr lang="en-US" dirty="0"/>
-          </a:p>
-        </p:txBody>
-      </p:sp>
-      <p:sp>
-        <p:nvSpPr>
-          <p:cNvPr id="6" name="Content Placeholder 5">
-            <a:extLst>
-              <a:ext uri="{FF2B5EF4-FFF2-40B4-BE49-F238E27FC236}">
-                <a16:creationId xmlns:a16="http://schemas.microsoft.com/office/drawing/2014/main" id="{69CD2371-8322-9A41-A719-261ECC263996}"/>
-              </a:ext>
-            </a:extLst>
-          </p:cNvPr>
-          <p:cNvSpPr>
-            <a:spLocks noGrp="1"/>
-          </p:cNvSpPr>
-          <p:nvPr>
-            <p:ph idx="1"/>
-          </p:nvPr>
-        </p:nvSpPr>
-        <p:spPr>
-          <a:xfrm>
-            <a:off x="1524000" y="1905000"/>
-            <a:ext cx="7010400" cy="1524000"/>
-          </a:xfrm>
-        </p:spPr>
-        <p:txBody>
-          <a:bodyPr>
-            <a:normAutofit fontScale="85000" lnSpcReduction="20000"/>
-          </a:bodyPr>
-          <a:lstStyle/>
-          <a:p>
-            <a:r>
-              <a:rPr lang="en-US" dirty="0"/>
-              <a:t>The idea of </a:t>
-            </a:r>
-            <a:r>
-              <a:rPr lang="en-US" dirty="0" err="1"/>
-              <a:t>destructuring</a:t>
-            </a:r>
-            <a:r>
-              <a:rPr lang="en-US" dirty="0"/>
-              <a:t> is fundamental to pattern matching</a:t>
-            </a:r>
-          </a:p>
-          <a:p>
-            <a:r>
-              <a:rPr lang="en-US" dirty="0"/>
-              <a:t>It makes access to substructures much more readable (and efficient).</a:t>
-            </a:r>
-          </a:p>
-        </p:txBody>
-      </p:sp>
-      <p:pic>
-        <p:nvPicPr>
-          <p:cNvPr id="7" name="Picture 6">
-            <a:extLst>
-              <a:ext uri="{FF2B5EF4-FFF2-40B4-BE49-F238E27FC236}">
-                <a16:creationId xmlns:a16="http://schemas.microsoft.com/office/drawing/2014/main" id="{125A6A26-A408-284D-A5D3-913E31B1906F}"/>
-              </a:ext>
-            </a:extLst>
-          </p:cNvPr>
-          <p:cNvPicPr>
-            <a:picLocks noChangeAspect="1"/>
-          </p:cNvPicPr>
-          <p:nvPr/>
-        </p:nvPicPr>
-        <p:blipFill>
-          <a:blip r:embed="rId2"/>
-          <a:stretch>
-            <a:fillRect/>
-          </a:stretch>
-        </p:blipFill>
-        <p:spPr>
-          <a:xfrm>
-            <a:off x="381000" y="3733800"/>
-            <a:ext cx="5080000" cy="1104900"/>
-          </a:xfrm>
-          <a:prstGeom prst="rect">
-            <a:avLst/>
-          </a:prstGeom>
-          <a:ln>
-            <a:solidFill>
-              <a:schemeClr val="tx1"/>
-            </a:solidFill>
-          </a:ln>
-        </p:spPr>
-      </p:pic>
-      <p:sp>
-        <p:nvSpPr>
-          <p:cNvPr id="8" name="TextBox 7">
-            <a:extLst>
-              <a:ext uri="{FF2B5EF4-FFF2-40B4-BE49-F238E27FC236}">
-                <a16:creationId xmlns:a16="http://schemas.microsoft.com/office/drawing/2014/main" id="{03756C8F-9F25-8C48-9322-F8715F3293D8}"/>
-              </a:ext>
-            </a:extLst>
-          </p:cNvPr>
-          <p:cNvSpPr txBox="1"/>
-          <p:nvPr/>
-        </p:nvSpPr>
-        <p:spPr>
-          <a:xfrm>
-            <a:off x="304800" y="3429000"/>
-            <a:ext cx="3369833" cy="338554"/>
-          </a:xfrm>
-          <a:prstGeom prst="rect">
-            <a:avLst/>
-          </a:prstGeom>
-          <a:noFill/>
-        </p:spPr>
-        <p:txBody>
-          <a:bodyPr wrap="none" rtlCol="0">
-            <a:spAutoFit/>
-          </a:bodyPr>
-          <a:lstStyle/>
-          <a:p>
-            <a:r>
-              <a:rPr lang="en-US" sz="1600" dirty="0">
-                <a:solidFill>
-                  <a:schemeClr val="tx2"/>
-                </a:solidFill>
-              </a:rPr>
-              <a:t>Without structural pattern matching</a:t>
-            </a:r>
-          </a:p>
-        </p:txBody>
-      </p:sp>
-      <p:pic>
-        <p:nvPicPr>
-          <p:cNvPr id="9" name="Picture 8">
-            <a:extLst>
-              <a:ext uri="{FF2B5EF4-FFF2-40B4-BE49-F238E27FC236}">
-                <a16:creationId xmlns:a16="http://schemas.microsoft.com/office/drawing/2014/main" id="{F9B7DA3C-11B5-0647-A4C8-16EABDEC9869}"/>
-              </a:ext>
-            </a:extLst>
-          </p:cNvPr>
-          <p:cNvPicPr>
-            <a:picLocks noChangeAspect="1"/>
-          </p:cNvPicPr>
-          <p:nvPr/>
-        </p:nvPicPr>
-        <p:blipFill>
-          <a:blip r:embed="rId3"/>
-          <a:stretch>
-            <a:fillRect/>
-          </a:stretch>
-        </p:blipFill>
-        <p:spPr>
-          <a:xfrm>
-            <a:off x="673100" y="5490602"/>
-            <a:ext cx="7861300" cy="863600"/>
-          </a:xfrm>
-          <a:prstGeom prst="rect">
-            <a:avLst/>
-          </a:prstGeom>
-          <a:ln>
-            <a:solidFill>
-              <a:schemeClr val="tx1"/>
-            </a:solidFill>
-          </a:ln>
-        </p:spPr>
-      </p:pic>
-      <p:sp>
-        <p:nvSpPr>
-          <p:cNvPr id="10" name="TextBox 9">
-            <a:extLst>
-              <a:ext uri="{FF2B5EF4-FFF2-40B4-BE49-F238E27FC236}">
-                <a16:creationId xmlns:a16="http://schemas.microsoft.com/office/drawing/2014/main" id="{162A76F6-7B4F-1847-A972-BC4167D54106}"/>
-              </a:ext>
-            </a:extLst>
-          </p:cNvPr>
-          <p:cNvSpPr txBox="1"/>
-          <p:nvPr/>
-        </p:nvSpPr>
-        <p:spPr>
-          <a:xfrm>
-            <a:off x="533400" y="5152048"/>
-            <a:ext cx="3084499" cy="338554"/>
-          </a:xfrm>
-          <a:prstGeom prst="rect">
-            <a:avLst/>
-          </a:prstGeom>
-          <a:noFill/>
-        </p:spPr>
-        <p:txBody>
-          <a:bodyPr wrap="none" rtlCol="0">
-            <a:spAutoFit/>
-          </a:bodyPr>
-          <a:lstStyle/>
-          <a:p>
-            <a:r>
-              <a:rPr lang="en-US" sz="1600" dirty="0">
-                <a:solidFill>
-                  <a:schemeClr val="tx2"/>
-                </a:solidFill>
-              </a:rPr>
-              <a:t>With structural pattern matching</a:t>
-            </a:r>
-          </a:p>
-        </p:txBody>
-      </p:sp>
-      <p:sp>
-        <p:nvSpPr>
-          <p:cNvPr id="11" name="TextBox 10">
-            <a:extLst>
-              <a:ext uri="{FF2B5EF4-FFF2-40B4-BE49-F238E27FC236}">
-                <a16:creationId xmlns:a16="http://schemas.microsoft.com/office/drawing/2014/main" id="{F15D09DA-5460-484E-8453-0F4AE9159FD1}"/>
-              </a:ext>
-            </a:extLst>
-          </p:cNvPr>
-          <p:cNvSpPr txBox="1"/>
-          <p:nvPr/>
-        </p:nvSpPr>
-        <p:spPr>
-          <a:xfrm>
-            <a:off x="5732585" y="4126523"/>
-            <a:ext cx="1696298" cy="307777"/>
-          </a:xfrm>
-          <a:prstGeom prst="rect">
-            <a:avLst/>
-          </a:prstGeom>
-          <a:noFill/>
-        </p:spPr>
-        <p:txBody>
-          <a:bodyPr wrap="none" rtlCol="0">
-            <a:spAutoFit/>
-          </a:bodyPr>
-          <a:lstStyle/>
-          <a:p>
-            <a:r>
-              <a:rPr lang="en-US" sz="1400" dirty="0"/>
-              <a:t>ln004/destruct1.ast</a:t>
-            </a:r>
-          </a:p>
-        </p:txBody>
-      </p:sp>
-      <p:sp>
-        <p:nvSpPr>
-          <p:cNvPr id="12" name="TextBox 11">
-            <a:extLst>
-              <a:ext uri="{FF2B5EF4-FFF2-40B4-BE49-F238E27FC236}">
-                <a16:creationId xmlns:a16="http://schemas.microsoft.com/office/drawing/2014/main" id="{7BDF03C6-E031-374D-8349-8C7A0A611C66}"/>
-              </a:ext>
-            </a:extLst>
-          </p:cNvPr>
-          <p:cNvSpPr txBox="1"/>
-          <p:nvPr/>
-        </p:nvSpPr>
-        <p:spPr>
-          <a:xfrm>
-            <a:off x="6166338" y="5216769"/>
-            <a:ext cx="1696298" cy="307777"/>
-          </a:xfrm>
-          <a:prstGeom prst="rect">
-            <a:avLst/>
-          </a:prstGeom>
-          <a:noFill/>
-        </p:spPr>
-        <p:txBody>
-          <a:bodyPr wrap="none" rtlCol="0">
-            <a:spAutoFit/>
-          </a:bodyPr>
-          <a:lstStyle/>
-          <a:p>
-            <a:r>
-              <a:rPr lang="en-US" sz="1400" dirty="0"/>
-              <a:t>ln004/destruct2.ast</a:t>
-            </a:r>
-          </a:p>
-        </p:txBody>
-      </p:sp>
-    </p:spTree>
-    <p:extLst>
-      <p:ext uri="{BB962C8B-B14F-4D97-AF65-F5344CB8AC3E}">
-        <p14:creationId xmlns:p14="http://schemas.microsoft.com/office/powerpoint/2010/main" val="21942942"/>
-      </p:ext>
-    </p:extLst>
-  </p:cSld>
-  <p:clrMapOvr>
-    <a:masterClrMapping/>
-  </p:clrMapOvr>
-</p:sld>
-</file>
-
 <file path=ppt/slides/slide13.xml><?xml version="1.0" encoding="utf-8"?>
 <p:sld xmlns:a="http://schemas.openxmlformats.org/drawingml/2006/main" xmlns:r="http://schemas.openxmlformats.org/officeDocument/2006/relationships" xmlns:p="http://schemas.openxmlformats.org/presentationml/2006/main">
   <p:cSld>
@@ -6099,10 +5943,10 @@
       </p:grpSpPr>
       <p:sp>
         <p:nvSpPr>
-          <p:cNvPr id="2" name="Title 1">
-            <a:extLst>
-              <a:ext uri="{FF2B5EF4-FFF2-40B4-BE49-F238E27FC236}">
-                <a16:creationId xmlns:a16="http://schemas.microsoft.com/office/drawing/2014/main" id="{87B2FF73-ABA1-8B4C-BBB2-1C960345FAA7}"/>
+          <p:cNvPr id="5" name="Title 4">
+            <a:extLst>
+              <a:ext uri="{FF2B5EF4-FFF2-40B4-BE49-F238E27FC236}">
+                <a16:creationId xmlns:a16="http://schemas.microsoft.com/office/drawing/2014/main" id="{1AF4F978-3E3C-7447-946F-559FC9D1C077}"/>
               </a:ext>
             </a:extLst>
           </p:cNvPr>
@@ -6128,10 +5972,10 @@
       </p:sp>
       <p:sp>
         <p:nvSpPr>
-          <p:cNvPr id="3" name="Content Placeholder 2">
-            <a:extLst>
-              <a:ext uri="{FF2B5EF4-FFF2-40B4-BE49-F238E27FC236}">
-                <a16:creationId xmlns:a16="http://schemas.microsoft.com/office/drawing/2014/main" id="{57910267-28F9-8944-ADDD-99D9FD7CFE00}"/>
+          <p:cNvPr id="6" name="Content Placeholder 5">
+            <a:extLst>
+              <a:ext uri="{FF2B5EF4-FFF2-40B4-BE49-F238E27FC236}">
+                <a16:creationId xmlns:a16="http://schemas.microsoft.com/office/drawing/2014/main" id="{69CD2371-8322-9A41-A719-261ECC263996}"/>
               </a:ext>
             </a:extLst>
           </p:cNvPr>
@@ -6145,26 +5989,42 @@
         <p:spPr>
           <a:xfrm>
             <a:off x="1524000" y="1905000"/>
-            <a:ext cx="7010400" cy="1066800"/>
+            <a:ext cx="7010400" cy="1524000"/>
           </a:xfrm>
         </p:spPr>
         <p:txBody>
-          <a:bodyPr/>
+          <a:bodyPr>
+            <a:normAutofit fontScale="85000" lnSpcReduction="20000"/>
+          </a:bodyPr>
           <a:lstStyle/>
           <a:p>
             <a:r>
               <a:rPr lang="en-US" dirty="0"/>
-              <a:t>Here is another example using structures and objects</a:t>
+              <a:t>The idea of </a:t>
+            </a:r>
+            <a:r>
+              <a:rPr lang="en-US" dirty="0" err="1"/>
+              <a:t>destructuring</a:t>
+            </a:r>
+            <a:r>
+              <a:rPr lang="en-US" dirty="0"/>
+              <a:t> is fundamental to pattern matching</a:t>
+            </a:r>
+          </a:p>
+          <a:p>
+            <a:r>
+              <a:rPr lang="en-US" dirty="0"/>
+              <a:t>It makes access to substructures much more readable (and efficient).</a:t>
             </a:r>
           </a:p>
         </p:txBody>
       </p:sp>
       <p:pic>
         <p:nvPicPr>
-          <p:cNvPr id="4" name="Picture 3">
-            <a:extLst>
-              <a:ext uri="{FF2B5EF4-FFF2-40B4-BE49-F238E27FC236}">
-                <a16:creationId xmlns:a16="http://schemas.microsoft.com/office/drawing/2014/main" id="{44BC914B-6B85-9E40-B4B4-5FE3B7AF3FA6}"/>
+          <p:cNvPr id="7" name="Picture 6">
+            <a:extLst>
+              <a:ext uri="{FF2B5EF4-FFF2-40B4-BE49-F238E27FC236}">
+                <a16:creationId xmlns:a16="http://schemas.microsoft.com/office/drawing/2014/main" id="{125A6A26-A408-284D-A5D3-913E31B1906F}"/>
               </a:ext>
             </a:extLst>
           </p:cNvPr>
@@ -6181,25 +6041,25 @@
         </p:blipFill>
         <p:spPr>
           <a:xfrm>
-            <a:off x="990600" y="3186479"/>
-            <a:ext cx="6985000" cy="2794000"/>
+            <a:off x="381000" y="3733800"/>
+            <a:ext cx="5080000" cy="1104900"/>
           </a:xfrm>
           <a:prstGeom prst="rect">
             <a:avLst/>
           </a:prstGeom>
           <a:ln>
             <a:solidFill>
-              <a:schemeClr val="tx2"/>
+              <a:schemeClr val="tx1"/>
             </a:solidFill>
           </a:ln>
         </p:spPr>
       </p:pic>
       <p:sp>
         <p:nvSpPr>
-          <p:cNvPr id="5" name="TextBox 4">
-            <a:extLst>
-              <a:ext uri="{FF2B5EF4-FFF2-40B4-BE49-F238E27FC236}">
-                <a16:creationId xmlns:a16="http://schemas.microsoft.com/office/drawing/2014/main" id="{3F30A8CC-F02F-474A-840E-8A807C395A5F}"/>
+          <p:cNvPr id="8" name="TextBox 7">
+            <a:extLst>
+              <a:ext uri="{FF2B5EF4-FFF2-40B4-BE49-F238E27FC236}">
+                <a16:creationId xmlns:a16="http://schemas.microsoft.com/office/drawing/2014/main" id="{03756C8F-9F25-8C48-9322-F8715F3293D8}"/>
               </a:ext>
             </a:extLst>
           </p:cNvPr>
@@ -6208,7 +6068,120 @@
         </p:nvSpPr>
         <p:spPr>
           <a:xfrm>
-            <a:off x="4091354" y="6271846"/>
+            <a:off x="304800" y="3429000"/>
+            <a:ext cx="3369833" cy="338554"/>
+          </a:xfrm>
+          <a:prstGeom prst="rect">
+            <a:avLst/>
+          </a:prstGeom>
+          <a:noFill/>
+        </p:spPr>
+        <p:txBody>
+          <a:bodyPr wrap="none" rtlCol="0">
+            <a:spAutoFit/>
+          </a:bodyPr>
+          <a:lstStyle/>
+          <a:p>
+            <a:r>
+              <a:rPr lang="en-US" sz="1600" dirty="0">
+                <a:solidFill>
+                  <a:schemeClr val="tx2"/>
+                </a:solidFill>
+              </a:rPr>
+              <a:t>Without structural pattern matching</a:t>
+            </a:r>
+          </a:p>
+        </p:txBody>
+      </p:sp>
+      <p:pic>
+        <p:nvPicPr>
+          <p:cNvPr id="9" name="Picture 8">
+            <a:extLst>
+              <a:ext uri="{FF2B5EF4-FFF2-40B4-BE49-F238E27FC236}">
+                <a16:creationId xmlns:a16="http://schemas.microsoft.com/office/drawing/2014/main" id="{F9B7DA3C-11B5-0647-A4C8-16EABDEC9869}"/>
+              </a:ext>
+            </a:extLst>
+          </p:cNvPr>
+          <p:cNvPicPr>
+            <a:picLocks noChangeAspect="1"/>
+          </p:cNvPicPr>
+          <p:nvPr/>
+        </p:nvPicPr>
+        <p:blipFill>
+          <a:blip r:embed="rId3"/>
+          <a:stretch>
+            <a:fillRect/>
+          </a:stretch>
+        </p:blipFill>
+        <p:spPr>
+          <a:xfrm>
+            <a:off x="673100" y="5490602"/>
+            <a:ext cx="7861300" cy="863600"/>
+          </a:xfrm>
+          <a:prstGeom prst="rect">
+            <a:avLst/>
+          </a:prstGeom>
+          <a:ln>
+            <a:solidFill>
+              <a:schemeClr val="tx1"/>
+            </a:solidFill>
+          </a:ln>
+        </p:spPr>
+      </p:pic>
+      <p:sp>
+        <p:nvSpPr>
+          <p:cNvPr id="10" name="TextBox 9">
+            <a:extLst>
+              <a:ext uri="{FF2B5EF4-FFF2-40B4-BE49-F238E27FC236}">
+                <a16:creationId xmlns:a16="http://schemas.microsoft.com/office/drawing/2014/main" id="{162A76F6-7B4F-1847-A972-BC4167D54106}"/>
+              </a:ext>
+            </a:extLst>
+          </p:cNvPr>
+          <p:cNvSpPr txBox="1"/>
+          <p:nvPr/>
+        </p:nvSpPr>
+        <p:spPr>
+          <a:xfrm>
+            <a:off x="533400" y="5152048"/>
+            <a:ext cx="3084499" cy="338554"/>
+          </a:xfrm>
+          <a:prstGeom prst="rect">
+            <a:avLst/>
+          </a:prstGeom>
+          <a:noFill/>
+        </p:spPr>
+        <p:txBody>
+          <a:bodyPr wrap="none" rtlCol="0">
+            <a:spAutoFit/>
+          </a:bodyPr>
+          <a:lstStyle/>
+          <a:p>
+            <a:r>
+              <a:rPr lang="en-US" sz="1600" dirty="0">
+                <a:solidFill>
+                  <a:schemeClr val="tx2"/>
+                </a:solidFill>
+              </a:rPr>
+              <a:t>With structural pattern matching</a:t>
+            </a:r>
+          </a:p>
+        </p:txBody>
+      </p:sp>
+      <p:sp>
+        <p:nvSpPr>
+          <p:cNvPr id="11" name="TextBox 10">
+            <a:extLst>
+              <a:ext uri="{FF2B5EF4-FFF2-40B4-BE49-F238E27FC236}">
+                <a16:creationId xmlns:a16="http://schemas.microsoft.com/office/drawing/2014/main" id="{F15D09DA-5460-484E-8453-0F4AE9159FD1}"/>
+              </a:ext>
+            </a:extLst>
+          </p:cNvPr>
+          <p:cNvSpPr txBox="1"/>
+          <p:nvPr/>
+        </p:nvSpPr>
+        <p:spPr>
+          <a:xfrm>
+            <a:off x="5732585" y="4126523"/>
             <a:ext cx="1696298" cy="307777"/>
           </a:xfrm>
           <a:prstGeom prst="rect">
@@ -6224,7 +6197,42 @@
           <a:p>
             <a:r>
               <a:rPr lang="en-US" sz="1400" dirty="0"/>
-              <a:t>ln004/destruct3.ast</a:t>
+              <a:t>ln004/destruct1.ast</a:t>
+            </a:r>
+          </a:p>
+        </p:txBody>
+      </p:sp>
+      <p:sp>
+        <p:nvSpPr>
+          <p:cNvPr id="12" name="TextBox 11">
+            <a:extLst>
+              <a:ext uri="{FF2B5EF4-FFF2-40B4-BE49-F238E27FC236}">
+                <a16:creationId xmlns:a16="http://schemas.microsoft.com/office/drawing/2014/main" id="{7BDF03C6-E031-374D-8349-8C7A0A611C66}"/>
+              </a:ext>
+            </a:extLst>
+          </p:cNvPr>
+          <p:cNvSpPr txBox="1"/>
+          <p:nvPr/>
+        </p:nvSpPr>
+        <p:spPr>
+          <a:xfrm>
+            <a:off x="6166338" y="5216769"/>
+            <a:ext cx="1696298" cy="307777"/>
+          </a:xfrm>
+          <a:prstGeom prst="rect">
+            <a:avLst/>
+          </a:prstGeom>
+          <a:noFill/>
+        </p:spPr>
+        <p:txBody>
+          <a:bodyPr wrap="none" rtlCol="0">
+            <a:spAutoFit/>
+          </a:bodyPr>
+          <a:lstStyle/>
+          <a:p>
+            <a:r>
+              <a:rPr lang="en-US" sz="1400" dirty="0"/>
+              <a:t>ln004/destruct2.ast</a:t>
             </a:r>
           </a:p>
         </p:txBody>
@@ -6232,7 +6240,7 @@
     </p:spTree>
     <p:extLst>
       <p:ext uri="{BB962C8B-B14F-4D97-AF65-F5344CB8AC3E}">
-        <p14:creationId xmlns:p14="http://schemas.microsoft.com/office/powerpoint/2010/main" val="3185682571"/>
+        <p14:creationId xmlns:p14="http://schemas.microsoft.com/office/powerpoint/2010/main" val="21942942"/>
       </p:ext>
     </p:extLst>
   </p:cSld>
@@ -6264,7 +6272,7 @@
           <p:cNvPr id="2" name="Title 1">
             <a:extLst>
               <a:ext uri="{FF2B5EF4-FFF2-40B4-BE49-F238E27FC236}">
-                <a16:creationId xmlns:a16="http://schemas.microsoft.com/office/drawing/2014/main" id="{63E6D85F-5E84-D44B-9B5C-300F6E3DB4B4}"/>
+                <a16:creationId xmlns:a16="http://schemas.microsoft.com/office/drawing/2014/main" id="{87B2FF73-ABA1-8B4C-BBB2-1C960345FAA7}"/>
               </a:ext>
             </a:extLst>
           </p:cNvPr>
@@ -6281,9 +6289,10 @@
           <a:lstStyle/>
           <a:p>
             <a:r>
-              <a:rPr lang="en-US" dirty="0"/>
-              <a:t>Basic Pattern Matching Summary</a:t>
-            </a:r>
+              <a:rPr lang="en-US" dirty="0" err="1"/>
+              <a:t>Destructuring</a:t>
+            </a:r>
+            <a:endParaRPr lang="en-US" dirty="0"/>
           </a:p>
         </p:txBody>
       </p:sp>
@@ -6292,7 +6301,7 @@
           <p:cNvPr id="3" name="Content Placeholder 2">
             <a:extLst>
               <a:ext uri="{FF2B5EF4-FFF2-40B4-BE49-F238E27FC236}">
-                <a16:creationId xmlns:a16="http://schemas.microsoft.com/office/drawing/2014/main" id="{9E6BF871-97CA-5F43-BEF7-D514A7A67A62}"/>
+                <a16:creationId xmlns:a16="http://schemas.microsoft.com/office/drawing/2014/main" id="{57910267-28F9-8944-ADDD-99D9FD7CFE00}"/>
               </a:ext>
             </a:extLst>
           </p:cNvPr>
@@ -6303,108 +6312,97 @@
             <p:ph idx="1"/>
           </p:nvPr>
         </p:nvSpPr>
-        <p:spPr/>
-        <p:txBody>
-          <a:bodyPr>
-            <a:normAutofit fontScale="70000" lnSpcReduction="20000"/>
+        <p:spPr>
+          <a:xfrm>
+            <a:off x="1524000" y="1905000"/>
+            <a:ext cx="7010400" cy="1066800"/>
+          </a:xfrm>
+        </p:spPr>
+        <p:txBody>
+          <a:bodyPr/>
+          <a:lstStyle/>
+          <a:p>
+            <a:r>
+              <a:rPr lang="en-US" dirty="0"/>
+              <a:t>Here is another example using structures and objects</a:t>
+            </a:r>
+          </a:p>
+        </p:txBody>
+      </p:sp>
+      <p:pic>
+        <p:nvPicPr>
+          <p:cNvPr id="4" name="Picture 3">
+            <a:extLst>
+              <a:ext uri="{FF2B5EF4-FFF2-40B4-BE49-F238E27FC236}">
+                <a16:creationId xmlns:a16="http://schemas.microsoft.com/office/drawing/2014/main" id="{44BC914B-6B85-9E40-B4B4-5FE3B7AF3FA6}"/>
+              </a:ext>
+            </a:extLst>
+          </p:cNvPr>
+          <p:cNvPicPr>
+            <a:picLocks noChangeAspect="1"/>
+          </p:cNvPicPr>
+          <p:nvPr/>
+        </p:nvPicPr>
+        <p:blipFill>
+          <a:blip r:embed="rId2"/>
+          <a:stretch>
+            <a:fillRect/>
+          </a:stretch>
+        </p:blipFill>
+        <p:spPr>
+          <a:xfrm>
+            <a:off x="990600" y="3186479"/>
+            <a:ext cx="6985000" cy="2794000"/>
+          </a:xfrm>
+          <a:prstGeom prst="rect">
+            <a:avLst/>
+          </a:prstGeom>
+          <a:ln>
+            <a:solidFill>
+              <a:schemeClr val="tx2"/>
+            </a:solidFill>
+          </a:ln>
+        </p:spPr>
+      </p:pic>
+      <p:sp>
+        <p:nvSpPr>
+          <p:cNvPr id="5" name="TextBox 4">
+            <a:extLst>
+              <a:ext uri="{FF2B5EF4-FFF2-40B4-BE49-F238E27FC236}">
+                <a16:creationId xmlns:a16="http://schemas.microsoft.com/office/drawing/2014/main" id="{3F30A8CC-F02F-474A-840E-8A807C395A5F}"/>
+              </a:ext>
+            </a:extLst>
+          </p:cNvPr>
+          <p:cNvSpPr txBox="1"/>
+          <p:nvPr/>
+        </p:nvSpPr>
+        <p:spPr>
+          <a:xfrm>
+            <a:off x="4091354" y="6271846"/>
+            <a:ext cx="1696298" cy="307777"/>
+          </a:xfrm>
+          <a:prstGeom prst="rect">
+            <a:avLst/>
+          </a:prstGeom>
+          <a:noFill/>
+        </p:spPr>
+        <p:txBody>
+          <a:bodyPr wrap="none" rtlCol="0">
+            <a:spAutoFit/>
           </a:bodyPr>
           <a:lstStyle/>
           <a:p>
             <a:r>
-              <a:rPr lang="en-US" dirty="0"/>
-              <a:t>The let statement</a:t>
-            </a:r>
-            <a:br>
-              <a:rPr lang="en-US" dirty="0"/>
-            </a:br>
-            <a:r>
-              <a:rPr lang="en-US" dirty="0"/>
-              <a:t>    let &lt;pattern&gt; = value .</a:t>
-            </a:r>
-          </a:p>
-          <a:p>
-            <a:r>
-              <a:rPr lang="en-US" dirty="0"/>
-              <a:t>On the right side of equal sign constructors represent values</a:t>
-            </a:r>
-          </a:p>
-          <a:p>
-            <a:pPr lvl="1"/>
-            <a:r>
-              <a:rPr lang="en-US" dirty="0"/>
-              <a:t>Operators/functions are allowed</a:t>
-            </a:r>
-          </a:p>
-          <a:p>
-            <a:r>
-              <a:rPr lang="en-US" dirty="0"/>
-              <a:t>On the left side constructors represent structure</a:t>
-            </a:r>
-          </a:p>
-          <a:p>
-            <a:pPr lvl="1"/>
-            <a:r>
-              <a:rPr lang="en-US" dirty="0"/>
-              <a:t>Operators/functions are </a:t>
-            </a:r>
-            <a:r>
-              <a:rPr lang="en-US" b="1" dirty="0"/>
-              <a:t>not</a:t>
-            </a:r>
-            <a:r>
-              <a:rPr lang="en-US" dirty="0"/>
-              <a:t> allowed</a:t>
-            </a:r>
-          </a:p>
-          <a:p>
-            <a:pPr lvl="1"/>
-            <a:r>
-              <a:rPr lang="en-US" dirty="0"/>
-              <a:t>Constructors must minimally represent structure</a:t>
-            </a:r>
-          </a:p>
-          <a:p>
-            <a:r>
-              <a:rPr lang="en-US" dirty="0"/>
-              <a:t>Variables are allowed in patterns for partial matches/</a:t>
-            </a:r>
-            <a:r>
-              <a:rPr lang="en-US" dirty="0" err="1"/>
-              <a:t>destructuring</a:t>
-            </a:r>
-            <a:endParaRPr lang="en-US" dirty="0"/>
-          </a:p>
-          <a:p>
-            <a:r>
-              <a:rPr lang="en-US" dirty="0"/>
-              <a:t>Pattern matching is part of a programming paradigm called </a:t>
-            </a:r>
-            <a:r>
-              <a:rPr lang="en-US" b="1" dirty="0"/>
-              <a:t>declarative programming</a:t>
-            </a:r>
-          </a:p>
-          <a:p>
-            <a:pPr lvl="1"/>
-            <a:r>
-              <a:rPr lang="en-US" dirty="0"/>
-              <a:t>We will look at this more carefully when we examine control structures in Asteroid.</a:t>
-            </a:r>
-          </a:p>
-          <a:p>
-            <a:pPr lvl="1"/>
-            <a:endParaRPr lang="en-US" dirty="0"/>
-          </a:p>
-          <a:p>
-            <a:pPr lvl="1"/>
-            <a:endParaRPr lang="en-US" dirty="0"/>
+              <a:rPr lang="en-US" sz="1400" dirty="0"/>
+              <a:t>ln004/destruct3.ast</a:t>
+            </a:r>
           </a:p>
         </p:txBody>
       </p:sp>
     </p:spTree>
     <p:extLst>
       <p:ext uri="{BB962C8B-B14F-4D97-AF65-F5344CB8AC3E}">
-        <p14:creationId xmlns:p14="http://schemas.microsoft.com/office/powerpoint/2010/main" val="3741227975"/>
+        <p14:creationId xmlns:p14="http://schemas.microsoft.com/office/powerpoint/2010/main" val="3185682571"/>
       </p:ext>
     </p:extLst>
   </p:cSld>
@@ -6436,7 +6434,7 @@
           <p:cNvPr id="2" name="Title 1">
             <a:extLst>
               <a:ext uri="{FF2B5EF4-FFF2-40B4-BE49-F238E27FC236}">
-                <a16:creationId xmlns:a16="http://schemas.microsoft.com/office/drawing/2014/main" id="{E8C29327-0FF2-D34A-A7BF-A39E5934A183}"/>
+                <a16:creationId xmlns:a16="http://schemas.microsoft.com/office/drawing/2014/main" id="{63E6D85F-5E84-D44B-9B5C-300F6E3DB4B4}"/>
               </a:ext>
             </a:extLst>
           </p:cNvPr>
@@ -6454,7 +6452,7 @@
           <a:p>
             <a:r>
               <a:rPr lang="en-US" dirty="0"/>
-              <a:t>Pattern Matching in Python</a:t>
+              <a:t>Basic Pattern Matching Summary</a:t>
             </a:r>
           </a:p>
         </p:txBody>
@@ -6464,7 +6462,7 @@
           <p:cNvPr id="3" name="Content Placeholder 2">
             <a:extLst>
               <a:ext uri="{FF2B5EF4-FFF2-40B4-BE49-F238E27FC236}">
-                <a16:creationId xmlns:a16="http://schemas.microsoft.com/office/drawing/2014/main" id="{5B84DB07-3A63-5A4F-B3AF-2A2AFA8149CE}"/>
+                <a16:creationId xmlns:a16="http://schemas.microsoft.com/office/drawing/2014/main" id="{9E6BF871-97CA-5F43-BEF7-D514A7A67A62}"/>
               </a:ext>
             </a:extLst>
           </p:cNvPr>
@@ -6475,78 +6473,108 @@
             <p:ph idx="1"/>
           </p:nvPr>
         </p:nvSpPr>
-        <p:spPr>
-          <a:xfrm>
-            <a:off x="1524000" y="1676400"/>
-            <a:ext cx="7010400" cy="1905000"/>
-          </a:xfrm>
-        </p:spPr>
+        <p:spPr/>
         <p:txBody>
           <a:bodyPr>
-            <a:normAutofit/>
+            <a:normAutofit fontScale="70000" lnSpcReduction="20000"/>
           </a:bodyPr>
           <a:lstStyle/>
           <a:p>
             <a:r>
               <a:rPr lang="en-US" dirty="0"/>
-              <a:t>Limited pattern matching available with the assignment statement</a:t>
+              <a:t>The let statement</a:t>
+            </a:r>
+            <a:br>
+              <a:rPr lang="en-US" dirty="0"/>
+            </a:br>
+            <a:r>
+              <a:rPr lang="en-US" dirty="0"/>
+              <a:t>    let &lt;pattern&gt; = value .</a:t>
+            </a:r>
+          </a:p>
+          <a:p>
+            <a:r>
+              <a:rPr lang="en-US" dirty="0"/>
+              <a:t>On the right side of equal sign constructors represent values</a:t>
             </a:r>
           </a:p>
           <a:p>
             <a:pPr lvl="1"/>
             <a:r>
               <a:rPr lang="en-US" dirty="0"/>
-              <a:t>Called </a:t>
-            </a:r>
-            <a:r>
-              <a:rPr lang="en-US" b="1" dirty="0" err="1"/>
+              <a:t>Operators/functions are allowed</a:t>
+            </a:r>
+          </a:p>
+          <a:p>
+            <a:r>
+              <a:rPr lang="en-US" dirty="0"/>
+              <a:t>On the left side constructors represent structure</a:t>
+            </a:r>
+          </a:p>
+          <a:p>
+            <a:pPr lvl="1"/>
+            <a:r>
+              <a:rPr lang="en-US" dirty="0"/>
+              <a:t>Operators/functions are </a:t>
+            </a:r>
+            <a:r>
+              <a:rPr lang="en-US" b="1" dirty="0"/>
+              <a:t>not</a:t>
+            </a:r>
+            <a:r>
+              <a:rPr lang="en-US" dirty="0"/>
+              <a:t> allowed</a:t>
+            </a:r>
+          </a:p>
+          <a:p>
+            <a:pPr lvl="1"/>
+            <a:r>
+              <a:rPr lang="en-US" dirty="0"/>
+              <a:t>Constructors must minimally represent structure</a:t>
+            </a:r>
+          </a:p>
+          <a:p>
+            <a:r>
+              <a:rPr lang="en-US" dirty="0"/>
+              <a:t>Variables are allowed in patterns for partial matches/</a:t>
+            </a:r>
+            <a:r>
+              <a:rPr lang="en-US" dirty="0" err="1"/>
               <a:t>destructuring</a:t>
             </a:r>
-            <a:r>
-              <a:rPr lang="en-US" dirty="0"/>
-              <a:t> assignment</a:t>
-            </a:r>
-          </a:p>
-        </p:txBody>
-      </p:sp>
-      <p:pic>
-        <p:nvPicPr>
-          <p:cNvPr id="5" name="Picture 4">
-            <a:extLst>
-              <a:ext uri="{FF2B5EF4-FFF2-40B4-BE49-F238E27FC236}">
-                <a16:creationId xmlns:a16="http://schemas.microsoft.com/office/drawing/2014/main" id="{1ABD9459-AC71-D24B-82C5-648CD3F83A8A}"/>
-              </a:ext>
-            </a:extLst>
-          </p:cNvPr>
-          <p:cNvPicPr>
-            <a:picLocks noChangeAspect="1"/>
-          </p:cNvPicPr>
-          <p:nvPr/>
-        </p:nvPicPr>
-        <p:blipFill rotWithShape="1">
-          <a:blip r:embed="rId2"/>
-          <a:srcRect t="3500"/>
-          <a:stretch/>
-        </p:blipFill>
-        <p:spPr>
-          <a:xfrm>
-            <a:off x="2895600" y="4000500"/>
-            <a:ext cx="2527300" cy="2451100"/>
-          </a:xfrm>
-          <a:prstGeom prst="rect">
-            <a:avLst/>
-          </a:prstGeom>
-          <a:ln>
-            <a:solidFill>
-              <a:schemeClr val="tx2"/>
-            </a:solidFill>
-          </a:ln>
-        </p:spPr>
-      </p:pic>
+            <a:endParaRPr lang="en-US" dirty="0"/>
+          </a:p>
+          <a:p>
+            <a:r>
+              <a:rPr lang="en-US" dirty="0"/>
+              <a:t>Pattern matching is part of a programming paradigm called </a:t>
+            </a:r>
+            <a:r>
+              <a:rPr lang="en-US" b="1" dirty="0"/>
+              <a:t>declarative programming</a:t>
+            </a:r>
+          </a:p>
+          <a:p>
+            <a:pPr lvl="1"/>
+            <a:r>
+              <a:rPr lang="en-US" dirty="0"/>
+              <a:t>We will look at this more carefully when we examine control structures in Asteroid.</a:t>
+            </a:r>
+          </a:p>
+          <a:p>
+            <a:pPr lvl="1"/>
+            <a:endParaRPr lang="en-US" dirty="0"/>
+          </a:p>
+          <a:p>
+            <a:pPr lvl="1"/>
+            <a:endParaRPr lang="en-US" dirty="0"/>
+          </a:p>
+        </p:txBody>
+      </p:sp>
     </p:spTree>
     <p:extLst>
       <p:ext uri="{BB962C8B-B14F-4D97-AF65-F5344CB8AC3E}">
-        <p14:creationId xmlns:p14="http://schemas.microsoft.com/office/powerpoint/2010/main" val="2121341352"/>
+        <p14:creationId xmlns:p14="http://schemas.microsoft.com/office/powerpoint/2010/main" val="3741227975"/>
       </p:ext>
     </p:extLst>
   </p:cSld>
@@ -6620,18 +6648,33 @@
         <p:spPr>
           <a:xfrm>
             <a:off x="1524000" y="1676400"/>
-            <a:ext cx="7010400" cy="838200"/>
+            <a:ext cx="7010400" cy="1905000"/>
           </a:xfrm>
         </p:spPr>
         <p:txBody>
           <a:bodyPr>
-            <a:normAutofit fontScale="92500" lnSpcReduction="20000"/>
+            <a:normAutofit/>
           </a:bodyPr>
           <a:lstStyle/>
           <a:p>
             <a:r>
               <a:rPr lang="en-US" dirty="0"/>
-              <a:t>The match statement as of 3.10 provides a bit more functionality</a:t>
+              <a:t>Limited pattern matching available with the assignment statement</a:t>
+            </a:r>
+          </a:p>
+          <a:p>
+            <a:pPr lvl="1"/>
+            <a:r>
+              <a:rPr lang="en-US" dirty="0"/>
+              <a:t>Called </a:t>
+            </a:r>
+            <a:r>
+              <a:rPr lang="en-US" b="1" dirty="0" err="1"/>
+              <a:t>destructuring</a:t>
+            </a:r>
+            <a:r>
+              <a:rPr lang="en-US" dirty="0"/>
+              <a:t> assignment</a:t>
             </a:r>
           </a:p>
         </p:txBody>
@@ -6641,7 +6684,7 @@
           <p:cNvPr id="5" name="Picture 4">
             <a:extLst>
               <a:ext uri="{FF2B5EF4-FFF2-40B4-BE49-F238E27FC236}">
-                <a16:creationId xmlns:a16="http://schemas.microsoft.com/office/drawing/2014/main" id="{B21EEF00-80BA-C244-9D4F-C0381F7748A1}"/>
+                <a16:creationId xmlns:a16="http://schemas.microsoft.com/office/drawing/2014/main" id="{1ABD9459-AC71-D24B-82C5-648CD3F83A8A}"/>
               </a:ext>
             </a:extLst>
           </p:cNvPr>
@@ -6650,16 +6693,15 @@
           </p:cNvPicPr>
           <p:nvPr/>
         </p:nvPicPr>
-        <p:blipFill>
+        <p:blipFill rotWithShape="1">
           <a:blip r:embed="rId2"/>
-          <a:stretch>
-            <a:fillRect/>
-          </a:stretch>
+          <a:srcRect t="3500"/>
+          <a:stretch/>
         </p:blipFill>
         <p:spPr>
           <a:xfrm>
-            <a:off x="381000" y="2616201"/>
-            <a:ext cx="4038600" cy="1727200"/>
+            <a:off x="2895600" y="4000500"/>
+            <a:ext cx="2527300" cy="2451100"/>
           </a:xfrm>
           <a:prstGeom prst="rect">
             <a:avLst/>
@@ -6671,123 +6713,10 @@
           </a:ln>
         </p:spPr>
       </p:pic>
-      <p:pic>
-        <p:nvPicPr>
-          <p:cNvPr id="6" name="Picture 5">
-            <a:extLst>
-              <a:ext uri="{FF2B5EF4-FFF2-40B4-BE49-F238E27FC236}">
-                <a16:creationId xmlns:a16="http://schemas.microsoft.com/office/drawing/2014/main" id="{C9A4CF8E-8072-2441-8A24-6252220205E9}"/>
-              </a:ext>
-            </a:extLst>
-          </p:cNvPr>
-          <p:cNvPicPr>
-            <a:picLocks noChangeAspect="1"/>
-          </p:cNvPicPr>
-          <p:nvPr/>
-        </p:nvPicPr>
-        <p:blipFill>
-          <a:blip r:embed="rId3"/>
-          <a:stretch>
-            <a:fillRect/>
-          </a:stretch>
-        </p:blipFill>
-        <p:spPr>
-          <a:xfrm>
-            <a:off x="4267200" y="3048000"/>
-            <a:ext cx="4267200" cy="3447738"/>
-          </a:xfrm>
-          <a:prstGeom prst="rect">
-            <a:avLst/>
-          </a:prstGeom>
-          <a:ln>
-            <a:solidFill>
-              <a:schemeClr val="tx2"/>
-            </a:solidFill>
-          </a:ln>
-        </p:spPr>
-      </p:pic>
-      <p:sp>
-        <p:nvSpPr>
-          <p:cNvPr id="7" name="TextBox 6">
-            <a:extLst>
-              <a:ext uri="{FF2B5EF4-FFF2-40B4-BE49-F238E27FC236}">
-                <a16:creationId xmlns:a16="http://schemas.microsoft.com/office/drawing/2014/main" id="{FD410AAD-83B4-CA44-83CE-75DEFC18BA9B}"/>
-              </a:ext>
-            </a:extLst>
-          </p:cNvPr>
-          <p:cNvSpPr txBox="1"/>
-          <p:nvPr/>
-        </p:nvSpPr>
-        <p:spPr>
-          <a:xfrm>
-            <a:off x="246185" y="5990492"/>
-            <a:ext cx="2858475" cy="307777"/>
-          </a:xfrm>
-          <a:prstGeom prst="rect">
-            <a:avLst/>
-          </a:prstGeom>
-          <a:noFill/>
-        </p:spPr>
-        <p:txBody>
-          <a:bodyPr wrap="none" rtlCol="0">
-            <a:spAutoFit/>
-          </a:bodyPr>
-          <a:lstStyle/>
-          <a:p>
-            <a:r>
-              <a:rPr lang="en-US" sz="1400" dirty="0"/>
-              <a:t>https://</a:t>
-            </a:r>
-            <a:r>
-              <a:rPr lang="en-US" sz="1400" dirty="0" err="1"/>
-              <a:t>peps.python.org</a:t>
-            </a:r>
-            <a:r>
-              <a:rPr lang="en-US" sz="1400" dirty="0"/>
-              <a:t>/pep-0636/</a:t>
-            </a:r>
-          </a:p>
-        </p:txBody>
-      </p:sp>
-      <p:sp>
-        <p:nvSpPr>
-          <p:cNvPr id="8" name="TextBox 7">
-            <a:extLst>
-              <a:ext uri="{FF2B5EF4-FFF2-40B4-BE49-F238E27FC236}">
-                <a16:creationId xmlns:a16="http://schemas.microsoft.com/office/drawing/2014/main" id="{C87107F4-F5F0-B440-B5EC-0CB34E1615FB}"/>
-              </a:ext>
-            </a:extLst>
-          </p:cNvPr>
-          <p:cNvSpPr txBox="1"/>
-          <p:nvPr/>
-        </p:nvSpPr>
-        <p:spPr>
-          <a:xfrm>
-            <a:off x="6060831" y="2743200"/>
-            <a:ext cx="1646605" cy="307777"/>
-          </a:xfrm>
-          <a:prstGeom prst="rect">
-            <a:avLst/>
-          </a:prstGeom>
-          <a:noFill/>
-        </p:spPr>
-        <p:txBody>
-          <a:bodyPr wrap="none" rtlCol="0">
-            <a:spAutoFit/>
-          </a:bodyPr>
-          <a:lstStyle/>
-          <a:p>
-            <a:r>
-              <a:rPr lang="en-US" sz="1400" dirty="0"/>
-              <a:t>ln004/destruct3.py</a:t>
-            </a:r>
-          </a:p>
-        </p:txBody>
-      </p:sp>
     </p:spTree>
     <p:extLst>
       <p:ext uri="{BB962C8B-B14F-4D97-AF65-F5344CB8AC3E}">
-        <p14:creationId xmlns:p14="http://schemas.microsoft.com/office/powerpoint/2010/main" val="3899810227"/>
+        <p14:creationId xmlns:p14="http://schemas.microsoft.com/office/powerpoint/2010/main" val="2121341352"/>
       </p:ext>
     </p:extLst>
   </p:cSld>
@@ -6819,7 +6748,7 @@
           <p:cNvPr id="2" name="Title 1">
             <a:extLst>
               <a:ext uri="{FF2B5EF4-FFF2-40B4-BE49-F238E27FC236}">
-                <a16:creationId xmlns:a16="http://schemas.microsoft.com/office/drawing/2014/main" id="{96CD2FA5-F967-B640-AF84-20CD34541D5F}"/>
+                <a16:creationId xmlns:a16="http://schemas.microsoft.com/office/drawing/2014/main" id="{E8C29327-0FF2-D34A-A7BF-A39E5934A183}"/>
               </a:ext>
             </a:extLst>
           </p:cNvPr>
@@ -6837,7 +6766,7 @@
           <a:p>
             <a:r>
               <a:rPr lang="en-US" dirty="0"/>
-              <a:t>Pattern Matching in Rust</a:t>
+              <a:t>Pattern Matching in Python</a:t>
             </a:r>
           </a:p>
         </p:txBody>
@@ -6847,7 +6776,7 @@
           <p:cNvPr id="3" name="Content Placeholder 2">
             <a:extLst>
               <a:ext uri="{FF2B5EF4-FFF2-40B4-BE49-F238E27FC236}">
-                <a16:creationId xmlns:a16="http://schemas.microsoft.com/office/drawing/2014/main" id="{35CAA96F-C6D7-9248-9A60-9A8AE269211D}"/>
+                <a16:creationId xmlns:a16="http://schemas.microsoft.com/office/drawing/2014/main" id="{5B84DB07-3A63-5A4F-B3AF-2A2AFA8149CE}"/>
               </a:ext>
             </a:extLst>
           </p:cNvPr>
@@ -6860,27 +6789,29 @@
         </p:nvSpPr>
         <p:spPr>
           <a:xfrm>
-            <a:off x="1524000" y="1905000"/>
-            <a:ext cx="7010400" cy="609600"/>
+            <a:off x="1524000" y="1676400"/>
+            <a:ext cx="7010400" cy="838200"/>
           </a:xfrm>
         </p:spPr>
         <p:txBody>
-          <a:bodyPr/>
+          <a:bodyPr>
+            <a:normAutofit fontScale="92500" lnSpcReduction="20000"/>
+          </a:bodyPr>
           <a:lstStyle/>
           <a:p>
             <a:r>
               <a:rPr lang="en-US" dirty="0"/>
-              <a:t>Rust also supports pattern matching</a:t>
+              <a:t>The match statement as of 3.10 provides a bit more functionality</a:t>
             </a:r>
           </a:p>
         </p:txBody>
       </p:sp>
       <p:pic>
         <p:nvPicPr>
-          <p:cNvPr id="4" name="Picture 3">
-            <a:extLst>
-              <a:ext uri="{FF2B5EF4-FFF2-40B4-BE49-F238E27FC236}">
-                <a16:creationId xmlns:a16="http://schemas.microsoft.com/office/drawing/2014/main" id="{DE8E6D5E-9011-5346-838C-8C3CA64040DE}"/>
+          <p:cNvPr id="5" name="Picture 4">
+            <a:extLst>
+              <a:ext uri="{FF2B5EF4-FFF2-40B4-BE49-F238E27FC236}">
+                <a16:creationId xmlns:a16="http://schemas.microsoft.com/office/drawing/2014/main" id="{B21EEF00-80BA-C244-9D4F-C0381F7748A1}"/>
               </a:ext>
             </a:extLst>
           </p:cNvPr>
@@ -6897,25 +6828,25 @@
         </p:blipFill>
         <p:spPr>
           <a:xfrm>
-            <a:off x="3962400" y="2877771"/>
-            <a:ext cx="4773898" cy="3751629"/>
+            <a:off x="381000" y="2616201"/>
+            <a:ext cx="4038600" cy="1727200"/>
           </a:xfrm>
           <a:prstGeom prst="rect">
             <a:avLst/>
           </a:prstGeom>
           <a:ln>
             <a:solidFill>
-              <a:schemeClr val="tx1"/>
+              <a:schemeClr val="tx2"/>
             </a:solidFill>
           </a:ln>
         </p:spPr>
       </p:pic>
       <p:pic>
         <p:nvPicPr>
-          <p:cNvPr id="5" name="Picture 4">
-            <a:extLst>
-              <a:ext uri="{FF2B5EF4-FFF2-40B4-BE49-F238E27FC236}">
-                <a16:creationId xmlns:a16="http://schemas.microsoft.com/office/drawing/2014/main" id="{F54D7279-2489-3C44-BD42-D76496D6C499}"/>
+          <p:cNvPr id="6" name="Picture 5">
+            <a:extLst>
+              <a:ext uri="{FF2B5EF4-FFF2-40B4-BE49-F238E27FC236}">
+                <a16:creationId xmlns:a16="http://schemas.microsoft.com/office/drawing/2014/main" id="{C9A4CF8E-8072-2441-8A24-6252220205E9}"/>
               </a:ext>
             </a:extLst>
           </p:cNvPr>
@@ -6932,25 +6863,25 @@
         </p:blipFill>
         <p:spPr>
           <a:xfrm>
-            <a:off x="228600" y="2971800"/>
-            <a:ext cx="3073400" cy="1498600"/>
+            <a:off x="4267200" y="3048000"/>
+            <a:ext cx="4267200" cy="3447738"/>
           </a:xfrm>
           <a:prstGeom prst="rect">
             <a:avLst/>
           </a:prstGeom>
           <a:ln>
             <a:solidFill>
-              <a:schemeClr val="tx1"/>
+              <a:schemeClr val="tx2"/>
             </a:solidFill>
           </a:ln>
         </p:spPr>
       </p:pic>
       <p:sp>
         <p:nvSpPr>
-          <p:cNvPr id="6" name="TextBox 5">
-            <a:extLst>
-              <a:ext uri="{FF2B5EF4-FFF2-40B4-BE49-F238E27FC236}">
-                <a16:creationId xmlns:a16="http://schemas.microsoft.com/office/drawing/2014/main" id="{BAABA7D1-54A7-5A40-BF97-2C13B7519CB0}"/>
+          <p:cNvPr id="7" name="TextBox 6">
+            <a:extLst>
+              <a:ext uri="{FF2B5EF4-FFF2-40B4-BE49-F238E27FC236}">
+                <a16:creationId xmlns:a16="http://schemas.microsoft.com/office/drawing/2014/main" id="{FD410AAD-83B4-CA44-83CE-75DEFC18BA9B}"/>
               </a:ext>
             </a:extLst>
           </p:cNvPr>
@@ -6959,8 +6890,8 @@
         </p:nvSpPr>
         <p:spPr>
           <a:xfrm>
-            <a:off x="6172200" y="2514600"/>
-            <a:ext cx="1606530" cy="307777"/>
+            <a:off x="246185" y="5990492"/>
+            <a:ext cx="2858475" cy="307777"/>
           </a:xfrm>
           <a:prstGeom prst="rect">
             <a:avLst/>
@@ -6975,17 +6906,25 @@
           <a:p>
             <a:r>
               <a:rPr lang="en-US" sz="1400" dirty="0"/>
-              <a:t>ln004/destruct3.rs</a:t>
-            </a:r>
-          </a:p>
-        </p:txBody>
-      </p:sp>
-      <p:sp>
-        <p:nvSpPr>
-          <p:cNvPr id="7" name="TextBox 6">
-            <a:extLst>
-              <a:ext uri="{FF2B5EF4-FFF2-40B4-BE49-F238E27FC236}">
-                <a16:creationId xmlns:a16="http://schemas.microsoft.com/office/drawing/2014/main" id="{79027E54-9047-3340-9DFE-D76C7C826BCB}"/>
+              <a:t>https://</a:t>
+            </a:r>
+            <a:r>
+              <a:rPr lang="en-US" sz="1400" dirty="0" err="1"/>
+              <a:t>peps.python.org</a:t>
+            </a:r>
+            <a:r>
+              <a:rPr lang="en-US" sz="1400" dirty="0"/>
+              <a:t>/pep-0636/</a:t>
+            </a:r>
+          </a:p>
+        </p:txBody>
+      </p:sp>
+      <p:sp>
+        <p:nvSpPr>
+          <p:cNvPr id="8" name="TextBox 7">
+            <a:extLst>
+              <a:ext uri="{FF2B5EF4-FFF2-40B4-BE49-F238E27FC236}">
+                <a16:creationId xmlns:a16="http://schemas.microsoft.com/office/drawing/2014/main" id="{C87107F4-F5F0-B440-B5EC-0CB34E1615FB}"/>
               </a:ext>
             </a:extLst>
           </p:cNvPr>
@@ -6994,8 +6933,8 @@
         </p:nvSpPr>
         <p:spPr>
           <a:xfrm>
-            <a:off x="1449103" y="2589311"/>
-            <a:ext cx="1705916" cy="307777"/>
+            <a:off x="6060831" y="2743200"/>
+            <a:ext cx="1646605" cy="307777"/>
           </a:xfrm>
           <a:prstGeom prst="rect">
             <a:avLst/>
@@ -7010,7 +6949,7 @@
           <a:p>
             <a:r>
               <a:rPr lang="en-US" sz="1400" dirty="0"/>
-              <a:t>ln004/destruct2.prs</a:t>
+              <a:t>ln004/destruct3.py</a:t>
             </a:r>
           </a:p>
         </p:txBody>
@@ -7018,7 +6957,7 @@
     </p:spTree>
     <p:extLst>
       <p:ext uri="{BB962C8B-B14F-4D97-AF65-F5344CB8AC3E}">
-        <p14:creationId xmlns:p14="http://schemas.microsoft.com/office/powerpoint/2010/main" val="1648020018"/>
+        <p14:creationId xmlns:p14="http://schemas.microsoft.com/office/powerpoint/2010/main" val="3899810227"/>
       </p:ext>
     </p:extLst>
   </p:cSld>
@@ -7050,7 +6989,7 @@
           <p:cNvPr id="2" name="Title 1">
             <a:extLst>
               <a:ext uri="{FF2B5EF4-FFF2-40B4-BE49-F238E27FC236}">
-                <a16:creationId xmlns:a16="http://schemas.microsoft.com/office/drawing/2014/main" id="{AD848BFB-A2B4-FB48-BABF-BBD8D18B0699}"/>
+                <a16:creationId xmlns:a16="http://schemas.microsoft.com/office/drawing/2014/main" id="{96CD2FA5-F967-B640-AF84-20CD34541D5F}"/>
               </a:ext>
             </a:extLst>
           </p:cNvPr>
@@ -7061,21 +7000,47 @@
             <p:ph type="title"/>
           </p:nvPr>
         </p:nvSpPr>
+        <p:spPr/>
+        <p:txBody>
+          <a:bodyPr/>
+          <a:lstStyle/>
+          <a:p>
+            <a:r>
+              <a:rPr lang="en-US" dirty="0"/>
+              <a:t>Pattern Matching in Rust</a:t>
+            </a:r>
+          </a:p>
+        </p:txBody>
+      </p:sp>
+      <p:sp>
+        <p:nvSpPr>
+          <p:cNvPr id="3" name="Content Placeholder 2">
+            <a:extLst>
+              <a:ext uri="{FF2B5EF4-FFF2-40B4-BE49-F238E27FC236}">
+                <a16:creationId xmlns:a16="http://schemas.microsoft.com/office/drawing/2014/main" id="{35CAA96F-C6D7-9248-9A60-9A8AE269211D}"/>
+              </a:ext>
+            </a:extLst>
+          </p:cNvPr>
+          <p:cNvSpPr>
+            <a:spLocks noGrp="1"/>
+          </p:cNvSpPr>
+          <p:nvPr>
+            <p:ph idx="1"/>
+          </p:nvPr>
+        </p:nvSpPr>
         <p:spPr>
           <a:xfrm>
-            <a:off x="1524000" y="190500"/>
-            <a:ext cx="7010400" cy="1527175"/>
+            <a:off x="1524000" y="1905000"/>
+            <a:ext cx="7010400" cy="609600"/>
           </a:xfrm>
         </p:spPr>
         <p:txBody>
-          <a:bodyPr wrap="square" anchor="ctr">
-            <a:normAutofit/>
-          </a:bodyPr>
+          <a:bodyPr/>
           <a:lstStyle/>
           <a:p>
             <a:r>
               <a:rPr lang="en-US" dirty="0"/>
-              <a:t>Conditional Pattern Matching</a:t>
+              <a:t>Rust also supports pattern matching</a:t>
             </a:r>
           </a:p>
         </p:txBody>
@@ -7085,7 +7050,7 @@
           <p:cNvPr id="4" name="Picture 3">
             <a:extLst>
               <a:ext uri="{FF2B5EF4-FFF2-40B4-BE49-F238E27FC236}">
-                <a16:creationId xmlns:a16="http://schemas.microsoft.com/office/drawing/2014/main" id="{D02E8CCF-CD44-E148-A19A-1E93996CC066}"/>
+                <a16:creationId xmlns:a16="http://schemas.microsoft.com/office/drawing/2014/main" id="{DE8E6D5E-9011-5346-838C-8C3CA64040DE}"/>
               </a:ext>
             </a:extLst>
           </p:cNvPr>
@@ -7102,76 +7067,25 @@
         </p:blipFill>
         <p:spPr>
           <a:xfrm>
-            <a:off x="304800" y="2133600"/>
-            <a:ext cx="4996726" cy="762000"/>
+            <a:off x="3962400" y="2877771"/>
+            <a:ext cx="4773898" cy="3751629"/>
           </a:xfrm>
           <a:prstGeom prst="rect">
             <a:avLst/>
           </a:prstGeom>
-          <a:noFill/>
           <a:ln>
             <a:solidFill>
-              <a:schemeClr val="tx2"/>
+              <a:schemeClr val="tx1"/>
             </a:solidFill>
           </a:ln>
         </p:spPr>
       </p:pic>
-      <p:sp>
-        <p:nvSpPr>
-          <p:cNvPr id="3" name="Content Placeholder 2">
-            <a:extLst>
-              <a:ext uri="{FF2B5EF4-FFF2-40B4-BE49-F238E27FC236}">
-                <a16:creationId xmlns:a16="http://schemas.microsoft.com/office/drawing/2014/main" id="{CA0B04DA-BCA8-264E-AE30-BDC19E610EB5}"/>
-              </a:ext>
-            </a:extLst>
-          </p:cNvPr>
-          <p:cNvSpPr>
-            <a:spLocks noGrp="1"/>
-          </p:cNvSpPr>
-          <p:nvPr>
-            <p:ph sz="half" idx="2"/>
-          </p:nvPr>
-        </p:nvSpPr>
-        <p:spPr>
-          <a:xfrm>
-            <a:off x="5301526" y="1905000"/>
-            <a:ext cx="3232874" cy="4114800"/>
-          </a:xfrm>
-        </p:spPr>
-        <p:txBody>
-          <a:bodyPr wrap="square" anchor="t">
-            <a:normAutofit/>
-          </a:bodyPr>
-          <a:lstStyle/>
-          <a:p>
-            <a:r>
-              <a:rPr lang="en-US" dirty="0"/>
-              <a:t>Only assign a pair if the two component values are the same</a:t>
-            </a:r>
-          </a:p>
-          <a:p>
-            <a:r>
-              <a:rPr lang="en-US" dirty="0"/>
-              <a:t>Only assign positive values to x</a:t>
-            </a:r>
-          </a:p>
-          <a:p>
-            <a:endParaRPr lang="en-US" dirty="0"/>
-          </a:p>
-          <a:p>
-            <a:endParaRPr lang="en-US" dirty="0"/>
-          </a:p>
-          <a:p>
-            <a:endParaRPr lang="en-US" dirty="0"/>
-          </a:p>
-        </p:txBody>
-      </p:sp>
       <p:pic>
         <p:nvPicPr>
           <p:cNvPr id="5" name="Picture 4">
             <a:extLst>
               <a:ext uri="{FF2B5EF4-FFF2-40B4-BE49-F238E27FC236}">
-                <a16:creationId xmlns:a16="http://schemas.microsoft.com/office/drawing/2014/main" id="{6DA826A1-392C-F646-860F-C0593B3F8493}"/>
+                <a16:creationId xmlns:a16="http://schemas.microsoft.com/office/drawing/2014/main" id="{F54D7279-2489-3C44-BD42-D76496D6C499}"/>
               </a:ext>
             </a:extLst>
           </p:cNvPr>
@@ -7188,23 +7102,93 @@
         </p:blipFill>
         <p:spPr>
           <a:xfrm>
-            <a:off x="228600" y="3968018"/>
-            <a:ext cx="5181600" cy="783857"/>
+            <a:off x="228600" y="2971800"/>
+            <a:ext cx="3073400" cy="1498600"/>
           </a:xfrm>
           <a:prstGeom prst="rect">
             <a:avLst/>
           </a:prstGeom>
           <a:ln>
             <a:solidFill>
-              <a:schemeClr val="tx2"/>
+              <a:schemeClr val="tx1"/>
             </a:solidFill>
           </a:ln>
         </p:spPr>
       </p:pic>
+      <p:sp>
+        <p:nvSpPr>
+          <p:cNvPr id="6" name="TextBox 5">
+            <a:extLst>
+              <a:ext uri="{FF2B5EF4-FFF2-40B4-BE49-F238E27FC236}">
+                <a16:creationId xmlns:a16="http://schemas.microsoft.com/office/drawing/2014/main" id="{BAABA7D1-54A7-5A40-BF97-2C13B7519CB0}"/>
+              </a:ext>
+            </a:extLst>
+          </p:cNvPr>
+          <p:cNvSpPr txBox="1"/>
+          <p:nvPr/>
+        </p:nvSpPr>
+        <p:spPr>
+          <a:xfrm>
+            <a:off x="6172200" y="2514600"/>
+            <a:ext cx="1606530" cy="307777"/>
+          </a:xfrm>
+          <a:prstGeom prst="rect">
+            <a:avLst/>
+          </a:prstGeom>
+          <a:noFill/>
+        </p:spPr>
+        <p:txBody>
+          <a:bodyPr wrap="none" rtlCol="0">
+            <a:spAutoFit/>
+          </a:bodyPr>
+          <a:lstStyle/>
+          <a:p>
+            <a:r>
+              <a:rPr lang="en-US" sz="1400" dirty="0"/>
+              <a:t>ln004/destruct3.rs</a:t>
+            </a:r>
+          </a:p>
+        </p:txBody>
+      </p:sp>
+      <p:sp>
+        <p:nvSpPr>
+          <p:cNvPr id="7" name="TextBox 6">
+            <a:extLst>
+              <a:ext uri="{FF2B5EF4-FFF2-40B4-BE49-F238E27FC236}">
+                <a16:creationId xmlns:a16="http://schemas.microsoft.com/office/drawing/2014/main" id="{79027E54-9047-3340-9DFE-D76C7C826BCB}"/>
+              </a:ext>
+            </a:extLst>
+          </p:cNvPr>
+          <p:cNvSpPr txBox="1"/>
+          <p:nvPr/>
+        </p:nvSpPr>
+        <p:spPr>
+          <a:xfrm>
+            <a:off x="1449103" y="2589311"/>
+            <a:ext cx="1705916" cy="307777"/>
+          </a:xfrm>
+          <a:prstGeom prst="rect">
+            <a:avLst/>
+          </a:prstGeom>
+          <a:noFill/>
+        </p:spPr>
+        <p:txBody>
+          <a:bodyPr wrap="none" rtlCol="0">
+            <a:spAutoFit/>
+          </a:bodyPr>
+          <a:lstStyle/>
+          <a:p>
+            <a:r>
+              <a:rPr lang="en-US" sz="1400" dirty="0"/>
+              <a:t>ln004/destruct2.prs</a:t>
+            </a:r>
+          </a:p>
+        </p:txBody>
+      </p:sp>
     </p:spTree>
     <p:extLst>
       <p:ext uri="{BB962C8B-B14F-4D97-AF65-F5344CB8AC3E}">
-        <p14:creationId xmlns:p14="http://schemas.microsoft.com/office/powerpoint/2010/main" val="2882422723"/>
+        <p14:creationId xmlns:p14="http://schemas.microsoft.com/office/powerpoint/2010/main" val="1648020018"/>
       </p:ext>
     </p:extLst>
   </p:cSld>
@@ -7236,7 +7220,7 @@
           <p:cNvPr id="2" name="Title 1">
             <a:extLst>
               <a:ext uri="{FF2B5EF4-FFF2-40B4-BE49-F238E27FC236}">
-                <a16:creationId xmlns:a16="http://schemas.microsoft.com/office/drawing/2014/main" id="{BD45E58E-66D4-284F-AEBB-EB5A327EB614}"/>
+                <a16:creationId xmlns:a16="http://schemas.microsoft.com/office/drawing/2014/main" id="{AD848BFB-A2B4-FB48-BABF-BBD8D18B0699}"/>
               </a:ext>
             </a:extLst>
           </p:cNvPr>
@@ -7247,77 +7231,31 @@
             <p:ph type="title"/>
           </p:nvPr>
         </p:nvSpPr>
-        <p:spPr/>
-        <p:txBody>
-          <a:bodyPr/>
+        <p:spPr>
+          <a:xfrm>
+            <a:off x="1524000" y="190500"/>
+            <a:ext cx="7010400" cy="1527175"/>
+          </a:xfrm>
+        </p:spPr>
+        <p:txBody>
+          <a:bodyPr wrap="square" anchor="ctr">
+            <a:normAutofit/>
+          </a:bodyPr>
           <a:lstStyle/>
           <a:p>
             <a:r>
               <a:rPr lang="en-US" dirty="0"/>
-              <a:t>The is Predicate</a:t>
-            </a:r>
-          </a:p>
-        </p:txBody>
-      </p:sp>
-      <p:sp>
-        <p:nvSpPr>
-          <p:cNvPr id="5" name="Content Placeholder 4">
-            <a:extLst>
-              <a:ext uri="{FF2B5EF4-FFF2-40B4-BE49-F238E27FC236}">
-                <a16:creationId xmlns:a16="http://schemas.microsoft.com/office/drawing/2014/main" id="{43BE0058-031C-9449-9E21-7B71C109C7A4}"/>
-              </a:ext>
-            </a:extLst>
-          </p:cNvPr>
-          <p:cNvSpPr>
-            <a:spLocks noGrp="1"/>
-          </p:cNvSpPr>
-          <p:nvPr>
-            <p:ph idx="1"/>
-          </p:nvPr>
-        </p:nvSpPr>
-        <p:spPr>
-          <a:xfrm>
-            <a:off x="1524000" y="1905000"/>
-            <a:ext cx="7010400" cy="3505200"/>
-          </a:xfrm>
-        </p:spPr>
-        <p:txBody>
-          <a:bodyPr/>
-          <a:lstStyle/>
-          <a:p>
-            <a:r>
-              <a:rPr lang="en-US" dirty="0"/>
-              <a:t>The is predicate is of the form</a:t>
-            </a:r>
-            <a:br>
-              <a:rPr lang="en-US" dirty="0"/>
-            </a:br>
-            <a:r>
-              <a:rPr lang="en-US" dirty="0"/>
-              <a:t>    &lt;value&gt; is &lt;pattern&gt;</a:t>
-            </a:r>
-            <a:br>
-              <a:rPr lang="en-US" dirty="0"/>
-            </a:br>
-            <a:r>
-              <a:rPr lang="en-US" dirty="0"/>
-              <a:t>and returns true if the value matches the pattern otherwise it will return false</a:t>
-            </a:r>
-          </a:p>
-          <a:p>
-            <a:r>
-              <a:rPr lang="en-US" dirty="0"/>
-              <a:t>The is predicate allows us to do pattern matching is expressions</a:t>
+              <a:t>Conditional Pattern Matching</a:t>
             </a:r>
           </a:p>
         </p:txBody>
       </p:sp>
       <p:pic>
         <p:nvPicPr>
-          <p:cNvPr id="7" name="Picture 6">
-            <a:extLst>
-              <a:ext uri="{FF2B5EF4-FFF2-40B4-BE49-F238E27FC236}">
-                <a16:creationId xmlns:a16="http://schemas.microsoft.com/office/drawing/2014/main" id="{81AAE521-5C3F-1441-A77E-88572B79191F}"/>
+          <p:cNvPr id="4" name="Picture 3">
+            <a:extLst>
+              <a:ext uri="{FF2B5EF4-FFF2-40B4-BE49-F238E27FC236}">
+                <a16:creationId xmlns:a16="http://schemas.microsoft.com/office/drawing/2014/main" id="{D02E8CCF-CD44-E148-A19A-1E93996CC066}"/>
               </a:ext>
             </a:extLst>
           </p:cNvPr>
@@ -7334,8 +7272,94 @@
         </p:blipFill>
         <p:spPr>
           <a:xfrm>
-            <a:off x="2819400" y="5422900"/>
-            <a:ext cx="2628900" cy="1244600"/>
+            <a:off x="304800" y="2133600"/>
+            <a:ext cx="4996726" cy="762000"/>
+          </a:xfrm>
+          <a:prstGeom prst="rect">
+            <a:avLst/>
+          </a:prstGeom>
+          <a:noFill/>
+          <a:ln>
+            <a:solidFill>
+              <a:schemeClr val="tx2"/>
+            </a:solidFill>
+          </a:ln>
+        </p:spPr>
+      </p:pic>
+      <p:sp>
+        <p:nvSpPr>
+          <p:cNvPr id="3" name="Content Placeholder 2">
+            <a:extLst>
+              <a:ext uri="{FF2B5EF4-FFF2-40B4-BE49-F238E27FC236}">
+                <a16:creationId xmlns:a16="http://schemas.microsoft.com/office/drawing/2014/main" id="{CA0B04DA-BCA8-264E-AE30-BDC19E610EB5}"/>
+              </a:ext>
+            </a:extLst>
+          </p:cNvPr>
+          <p:cNvSpPr>
+            <a:spLocks noGrp="1"/>
+          </p:cNvSpPr>
+          <p:nvPr>
+            <p:ph sz="half" idx="2"/>
+          </p:nvPr>
+        </p:nvSpPr>
+        <p:spPr>
+          <a:xfrm>
+            <a:off x="5301526" y="1905000"/>
+            <a:ext cx="3232874" cy="4114800"/>
+          </a:xfrm>
+        </p:spPr>
+        <p:txBody>
+          <a:bodyPr wrap="square" anchor="t">
+            <a:normAutofit/>
+          </a:bodyPr>
+          <a:lstStyle/>
+          <a:p>
+            <a:r>
+              <a:rPr lang="en-US" dirty="0"/>
+              <a:t>Only assign a pair if the two component values are the same</a:t>
+            </a:r>
+          </a:p>
+          <a:p>
+            <a:r>
+              <a:rPr lang="en-US" dirty="0"/>
+              <a:t>Only assign positive values to x</a:t>
+            </a:r>
+          </a:p>
+          <a:p>
+            <a:endParaRPr lang="en-US" dirty="0"/>
+          </a:p>
+          <a:p>
+            <a:endParaRPr lang="en-US" dirty="0"/>
+          </a:p>
+          <a:p>
+            <a:endParaRPr lang="en-US" dirty="0"/>
+          </a:p>
+        </p:txBody>
+      </p:sp>
+      <p:pic>
+        <p:nvPicPr>
+          <p:cNvPr id="5" name="Picture 4">
+            <a:extLst>
+              <a:ext uri="{FF2B5EF4-FFF2-40B4-BE49-F238E27FC236}">
+                <a16:creationId xmlns:a16="http://schemas.microsoft.com/office/drawing/2014/main" id="{6DA826A1-392C-F646-860F-C0593B3F8493}"/>
+              </a:ext>
+            </a:extLst>
+          </p:cNvPr>
+          <p:cNvPicPr>
+            <a:picLocks noChangeAspect="1"/>
+          </p:cNvPicPr>
+          <p:nvPr/>
+        </p:nvPicPr>
+        <p:blipFill>
+          <a:blip r:embed="rId3"/>
+          <a:stretch>
+            <a:fillRect/>
+          </a:stretch>
+        </p:blipFill>
+        <p:spPr>
+          <a:xfrm>
+            <a:off x="228600" y="3968018"/>
+            <a:ext cx="5181600" cy="783857"/>
           </a:xfrm>
           <a:prstGeom prst="rect">
             <a:avLst/>
@@ -7347,80 +7371,10 @@
           </a:ln>
         </p:spPr>
       </p:pic>
-      <p:sp>
-        <p:nvSpPr>
-          <p:cNvPr id="8" name="TextBox 7">
-            <a:extLst>
-              <a:ext uri="{FF2B5EF4-FFF2-40B4-BE49-F238E27FC236}">
-                <a16:creationId xmlns:a16="http://schemas.microsoft.com/office/drawing/2014/main" id="{5DE8BE3D-2D0B-4345-A8F1-8EC44E83068A}"/>
-              </a:ext>
-            </a:extLst>
-          </p:cNvPr>
-          <p:cNvSpPr txBox="1"/>
-          <p:nvPr/>
-        </p:nvSpPr>
-        <p:spPr>
-          <a:xfrm>
-            <a:off x="6858000" y="762000"/>
-            <a:ext cx="1923925" cy="1169551"/>
-          </a:xfrm>
-          <a:prstGeom prst="rect">
-            <a:avLst/>
-          </a:prstGeom>
-          <a:solidFill>
-            <a:schemeClr val="bg1"/>
-          </a:solidFill>
-          <a:ln>
-            <a:solidFill>
-              <a:schemeClr val="tx2"/>
-            </a:solidFill>
-          </a:ln>
-        </p:spPr>
-        <p:txBody>
-          <a:bodyPr wrap="none" rtlCol="0">
-            <a:spAutoFit/>
-          </a:bodyPr>
-          <a:lstStyle/>
-          <a:p>
-            <a:r>
-              <a:rPr lang="en-US" sz="1400" dirty="0"/>
-              <a:t>Note: a predicate is a</a:t>
-            </a:r>
-            <a:br>
-              <a:rPr lang="en-US" sz="1400" dirty="0"/>
-            </a:br>
-            <a:r>
-              <a:rPr lang="en-US" sz="1400" dirty="0"/>
-              <a:t>function/operator that </a:t>
-            </a:r>
-            <a:br>
-              <a:rPr lang="en-US" sz="1400" dirty="0"/>
-            </a:br>
-            <a:r>
-              <a:rPr lang="en-US" sz="1400" dirty="0"/>
-              <a:t>always returns true or</a:t>
-            </a:r>
-            <a:br>
-              <a:rPr lang="en-US" sz="1400" dirty="0"/>
-            </a:br>
-            <a:r>
-              <a:rPr lang="en-US" sz="1400" dirty="0"/>
-              <a:t>false.  No other return</a:t>
-            </a:r>
-            <a:br>
-              <a:rPr lang="en-US" sz="1400" dirty="0"/>
-            </a:br>
-            <a:r>
-              <a:rPr lang="en-US" sz="1400" dirty="0"/>
-              <a:t>value is permitted.</a:t>
-            </a:r>
-          </a:p>
-        </p:txBody>
-      </p:sp>
     </p:spTree>
     <p:extLst>
       <p:ext uri="{BB962C8B-B14F-4D97-AF65-F5344CB8AC3E}">
-        <p14:creationId xmlns:p14="http://schemas.microsoft.com/office/powerpoint/2010/main" val="3295829166"/>
+        <p14:creationId xmlns:p14="http://schemas.microsoft.com/office/powerpoint/2010/main" val="2882422723"/>
       </p:ext>
     </p:extLst>
   </p:cSld>
@@ -7649,7 +7603,7 @@
           <a:p>
             <a:r>
               <a:rPr lang="en-US" dirty="0"/>
-              <a:t>Type Patterns</a:t>
+              <a:t>The is Predicate</a:t>
             </a:r>
           </a:p>
         </p:txBody>
@@ -7673,64 +7627,46 @@
         <p:spPr>
           <a:xfrm>
             <a:off x="1524000" y="1905000"/>
-            <a:ext cx="7010400" cy="1905000"/>
+            <a:ext cx="7010400" cy="3505200"/>
           </a:xfrm>
         </p:spPr>
         <p:txBody>
-          <a:bodyPr>
-            <a:normAutofit fontScale="62500" lnSpcReduction="20000"/>
-          </a:bodyPr>
+          <a:bodyPr/>
           <a:lstStyle/>
           <a:p>
             <a:r>
               <a:rPr lang="en-US" dirty="0"/>
-              <a:t>Type patterns are patterns of the form</a:t>
+              <a:t>The is predicate is of the form</a:t>
             </a:r>
             <a:br>
               <a:rPr lang="en-US" dirty="0"/>
             </a:br>
             <a:r>
               <a:rPr lang="en-US" dirty="0"/>
-              <a:t>   %&lt;type name&gt;</a:t>
+              <a:t>    &lt;value&gt; is &lt;pattern&gt;</a:t>
             </a:r>
             <a:br>
               <a:rPr lang="en-US" dirty="0"/>
             </a:br>
             <a:r>
               <a:rPr lang="en-US" dirty="0"/>
-              <a:t>and match all instances of the &lt;type name&gt;</a:t>
-            </a:r>
-          </a:p>
-          <a:p>
-            <a:r>
-              <a:rPr lang="en-US" dirty="0"/>
-              <a:t>All built-in types have associated type patterns such as %integer, %real, %string etc.</a:t>
-            </a:r>
-          </a:p>
-          <a:p>
-            <a:r>
-              <a:rPr lang="en-US" dirty="0"/>
-              <a:t>User defined types are also supported,</a:t>
-            </a:r>
-            <a:br>
-              <a:rPr lang="en-US" dirty="0"/>
-            </a:br>
-            <a:r>
-              <a:rPr lang="en-US" dirty="0"/>
-              <a:t>   %&lt;user defined type name&gt;</a:t>
-            </a:r>
-          </a:p>
-          <a:p>
-            <a:endParaRPr lang="en-US" dirty="0"/>
+              <a:t>and returns true if the value matches the pattern otherwise it will return false</a:t>
+            </a:r>
+          </a:p>
+          <a:p>
+            <a:r>
+              <a:rPr lang="en-US" dirty="0"/>
+              <a:t>The is predicate allows us to do pattern matching is expressions</a:t>
+            </a:r>
           </a:p>
         </p:txBody>
       </p:sp>
       <p:pic>
         <p:nvPicPr>
-          <p:cNvPr id="3" name="Picture 2">
-            <a:extLst>
-              <a:ext uri="{FF2B5EF4-FFF2-40B4-BE49-F238E27FC236}">
-                <a16:creationId xmlns:a16="http://schemas.microsoft.com/office/drawing/2014/main" id="{387219F6-3021-1E4C-90DF-B8A249F3165E}"/>
+          <p:cNvPr id="7" name="Picture 6">
+            <a:extLst>
+              <a:ext uri="{FF2B5EF4-FFF2-40B4-BE49-F238E27FC236}">
+                <a16:creationId xmlns:a16="http://schemas.microsoft.com/office/drawing/2014/main" id="{81AAE521-5C3F-1441-A77E-88572B79191F}"/>
               </a:ext>
             </a:extLst>
           </p:cNvPr>
@@ -7747,8 +7683,8 @@
         </p:blipFill>
         <p:spPr>
           <a:xfrm>
-            <a:off x="381000" y="3733800"/>
-            <a:ext cx="7239000" cy="823126"/>
+            <a:off x="2819400" y="5422900"/>
+            <a:ext cx="2628900" cy="1244600"/>
           </a:xfrm>
           <a:prstGeom prst="rect">
             <a:avLst/>
@@ -7760,45 +7696,80 @@
           </a:ln>
         </p:spPr>
       </p:pic>
-      <p:pic>
-        <p:nvPicPr>
-          <p:cNvPr id="4" name="Picture 3">
-            <a:extLst>
-              <a:ext uri="{FF2B5EF4-FFF2-40B4-BE49-F238E27FC236}">
-                <a16:creationId xmlns:a16="http://schemas.microsoft.com/office/drawing/2014/main" id="{15BF67B0-6D28-AF48-BA26-3593D3997507}"/>
-              </a:ext>
-            </a:extLst>
-          </p:cNvPr>
-          <p:cNvPicPr>
-            <a:picLocks noChangeAspect="1"/>
-          </p:cNvPicPr>
+      <p:sp>
+        <p:nvSpPr>
+          <p:cNvPr id="8" name="TextBox 7">
+            <a:extLst>
+              <a:ext uri="{FF2B5EF4-FFF2-40B4-BE49-F238E27FC236}">
+                <a16:creationId xmlns:a16="http://schemas.microsoft.com/office/drawing/2014/main" id="{5DE8BE3D-2D0B-4345-A8F1-8EC44E83068A}"/>
+              </a:ext>
+            </a:extLst>
+          </p:cNvPr>
+          <p:cNvSpPr txBox="1"/>
           <p:nvPr/>
-        </p:nvPicPr>
-        <p:blipFill>
-          <a:blip r:embed="rId3"/>
-          <a:stretch>
-            <a:fillRect/>
-          </a:stretch>
-        </p:blipFill>
+        </p:nvSpPr>
         <p:spPr>
           <a:xfrm>
-            <a:off x="1089758" y="4712945"/>
-            <a:ext cx="7473950" cy="1954555"/>
+            <a:off x="6858000" y="762000"/>
+            <a:ext cx="1923925" cy="1169551"/>
           </a:xfrm>
           <a:prstGeom prst="rect">
             <a:avLst/>
           </a:prstGeom>
+          <a:solidFill>
+            <a:schemeClr val="bg1"/>
+          </a:solidFill>
           <a:ln>
             <a:solidFill>
               <a:schemeClr val="tx2"/>
             </a:solidFill>
           </a:ln>
         </p:spPr>
-      </p:pic>
+        <p:txBody>
+          <a:bodyPr wrap="none" rtlCol="0">
+            <a:spAutoFit/>
+          </a:bodyPr>
+          <a:lstStyle/>
+          <a:p>
+            <a:r>
+              <a:rPr lang="en-US" sz="1400" dirty="0"/>
+              <a:t>Note: a predicate is a</a:t>
+            </a:r>
+            <a:br>
+              <a:rPr lang="en-US" sz="1400" dirty="0"/>
+            </a:br>
+            <a:r>
+              <a:rPr lang="en-US" sz="1400" dirty="0"/>
+              <a:t>function/operator that </a:t>
+            </a:r>
+            <a:br>
+              <a:rPr lang="en-US" sz="1400" dirty="0"/>
+            </a:br>
+            <a:r>
+              <a:rPr lang="en-US" sz="1400" dirty="0"/>
+              <a:t>always returns true or</a:t>
+            </a:r>
+            <a:br>
+              <a:rPr lang="en-US" sz="1400" dirty="0"/>
+            </a:br>
+            <a:r>
+              <a:rPr lang="en-US" sz="1400" dirty="0"/>
+              <a:t>false.  No other return</a:t>
+            </a:r>
+            <a:br>
+              <a:rPr lang="en-US" sz="1400" dirty="0"/>
+            </a:br>
+            <a:r>
+              <a:rPr lang="en-US" sz="1400" dirty="0"/>
+              <a:t>value is permitted.</a:t>
+            </a:r>
+          </a:p>
+        </p:txBody>
+      </p:sp>
     </p:spTree>
     <p:extLst>
       <p:ext uri="{BB962C8B-B14F-4D97-AF65-F5344CB8AC3E}">
-        <p14:creationId xmlns:p14="http://schemas.microsoft.com/office/powerpoint/2010/main" val="3506047900"/>
+        <p14:creationId xmlns:p14="http://schemas.microsoft.com/office/powerpoint/2010/main" val="3295829166"/>
       </p:ext>
     </p:extLst>
   </p:cSld>
@@ -7830,7 +7801,7 @@
           <p:cNvPr id="2" name="Title 1">
             <a:extLst>
               <a:ext uri="{FF2B5EF4-FFF2-40B4-BE49-F238E27FC236}">
-                <a16:creationId xmlns:a16="http://schemas.microsoft.com/office/drawing/2014/main" id="{38B8FBF2-2788-6944-85A4-736AB1C73BC5}"/>
+                <a16:creationId xmlns:a16="http://schemas.microsoft.com/office/drawing/2014/main" id="{BD45E58E-66D4-284F-AEBB-EB5A327EB614}"/>
               </a:ext>
             </a:extLst>
           </p:cNvPr>
@@ -7848,17 +7819,17 @@
           <a:p>
             <a:r>
               <a:rPr lang="en-US" dirty="0"/>
-              <a:t>Advanced Pattern Match Expressions</a:t>
-            </a:r>
-          </a:p>
-        </p:txBody>
-      </p:sp>
-      <p:sp>
-        <p:nvSpPr>
-          <p:cNvPr id="3" name="Content Placeholder 2">
-            <a:extLst>
-              <a:ext uri="{FF2B5EF4-FFF2-40B4-BE49-F238E27FC236}">
-                <a16:creationId xmlns:a16="http://schemas.microsoft.com/office/drawing/2014/main" id="{99DE4156-25CE-5A46-B4D9-12D9CC6D2A5C}"/>
+              <a:t>Type Patterns</a:t>
+            </a:r>
+          </a:p>
+        </p:txBody>
+      </p:sp>
+      <p:sp>
+        <p:nvSpPr>
+          <p:cNvPr id="5" name="Content Placeholder 4">
+            <a:extLst>
+              <a:ext uri="{FF2B5EF4-FFF2-40B4-BE49-F238E27FC236}">
+                <a16:creationId xmlns:a16="http://schemas.microsoft.com/office/drawing/2014/main" id="{43BE0058-031C-9449-9E21-7B71C109C7A4}"/>
               </a:ext>
             </a:extLst>
           </p:cNvPr>
@@ -7872,34 +7843,64 @@
         <p:spPr>
           <a:xfrm>
             <a:off x="1524000" y="1905000"/>
-            <a:ext cx="7010400" cy="2514600"/>
+            <a:ext cx="7010400" cy="1905000"/>
           </a:xfrm>
         </p:spPr>
         <p:txBody>
           <a:bodyPr>
-            <a:normAutofit fontScale="92500" lnSpcReduction="10000"/>
+            <a:normAutofit fontScale="62500" lnSpcReduction="20000"/>
           </a:bodyPr>
           <a:lstStyle/>
           <a:p>
             <a:r>
               <a:rPr lang="en-US" dirty="0"/>
-              <a:t>We can combine conditional pattern matching with type patterns and the is predicate to express sophisticated patterns</a:t>
-            </a:r>
-          </a:p>
-          <a:p>
-            <a:r>
-              <a:rPr lang="en-US" dirty="0"/>
-              <a:t>E.g., only assign a value to x if it is an integer value</a:t>
-            </a:r>
+              <a:t>Type patterns are patterns of the form</a:t>
+            </a:r>
+            <a:br>
+              <a:rPr lang="en-US" dirty="0"/>
+            </a:br>
+            <a:r>
+              <a:rPr lang="en-US" dirty="0"/>
+              <a:t>   %&lt;type name&gt;</a:t>
+            </a:r>
+            <a:br>
+              <a:rPr lang="en-US" dirty="0"/>
+            </a:br>
+            <a:r>
+              <a:rPr lang="en-US" dirty="0"/>
+              <a:t>and match all instances of the &lt;type name&gt;</a:t>
+            </a:r>
+          </a:p>
+          <a:p>
+            <a:r>
+              <a:rPr lang="en-US" dirty="0"/>
+              <a:t>All built-in types have associated type patterns such as %integer, %real, %string etc.</a:t>
+            </a:r>
+          </a:p>
+          <a:p>
+            <a:r>
+              <a:rPr lang="en-US" dirty="0"/>
+              <a:t>User defined types are also supported,</a:t>
+            </a:r>
+            <a:br>
+              <a:rPr lang="en-US" dirty="0"/>
+            </a:br>
+            <a:r>
+              <a:rPr lang="en-US" dirty="0"/>
+              <a:t>   %&lt;user defined type name&gt;</a:t>
+            </a:r>
+          </a:p>
+          <a:p>
+            <a:endParaRPr lang="en-US" dirty="0"/>
           </a:p>
         </p:txBody>
       </p:sp>
       <p:pic>
         <p:nvPicPr>
-          <p:cNvPr id="4" name="Picture 3">
-            <a:extLst>
-              <a:ext uri="{FF2B5EF4-FFF2-40B4-BE49-F238E27FC236}">
-                <a16:creationId xmlns:a16="http://schemas.microsoft.com/office/drawing/2014/main" id="{042AB9A8-F2E7-8C43-A782-35FC00F7CF82}"/>
+          <p:cNvPr id="3" name="Picture 2">
+            <a:extLst>
+              <a:ext uri="{FF2B5EF4-FFF2-40B4-BE49-F238E27FC236}">
+                <a16:creationId xmlns:a16="http://schemas.microsoft.com/office/drawing/2014/main" id="{387219F6-3021-1E4C-90DF-B8A249F3165E}"/>
               </a:ext>
             </a:extLst>
           </p:cNvPr>
@@ -7916,8 +7917,8 @@
         </p:blipFill>
         <p:spPr>
           <a:xfrm>
-            <a:off x="1327150" y="4606925"/>
-            <a:ext cx="6489700" cy="1422400"/>
+            <a:off x="381000" y="3733800"/>
+            <a:ext cx="7239000" cy="823126"/>
           </a:xfrm>
           <a:prstGeom prst="rect">
             <a:avLst/>
@@ -7929,10 +7930,45 @@
           </a:ln>
         </p:spPr>
       </p:pic>
+      <p:pic>
+        <p:nvPicPr>
+          <p:cNvPr id="4" name="Picture 3">
+            <a:extLst>
+              <a:ext uri="{FF2B5EF4-FFF2-40B4-BE49-F238E27FC236}">
+                <a16:creationId xmlns:a16="http://schemas.microsoft.com/office/drawing/2014/main" id="{15BF67B0-6D28-AF48-BA26-3593D3997507}"/>
+              </a:ext>
+            </a:extLst>
+          </p:cNvPr>
+          <p:cNvPicPr>
+            <a:picLocks noChangeAspect="1"/>
+          </p:cNvPicPr>
+          <p:nvPr/>
+        </p:nvPicPr>
+        <p:blipFill>
+          <a:blip r:embed="rId3"/>
+          <a:stretch>
+            <a:fillRect/>
+          </a:stretch>
+        </p:blipFill>
+        <p:spPr>
+          <a:xfrm>
+            <a:off x="1089758" y="4712945"/>
+            <a:ext cx="7473950" cy="1954555"/>
+          </a:xfrm>
+          <a:prstGeom prst="rect">
+            <a:avLst/>
+          </a:prstGeom>
+          <a:ln>
+            <a:solidFill>
+              <a:schemeClr val="tx2"/>
+            </a:solidFill>
+          </a:ln>
+        </p:spPr>
+      </p:pic>
     </p:spTree>
     <p:extLst>
       <p:ext uri="{BB962C8B-B14F-4D97-AF65-F5344CB8AC3E}">
-        <p14:creationId xmlns:p14="http://schemas.microsoft.com/office/powerpoint/2010/main" val="527991359"/>
+        <p14:creationId xmlns:p14="http://schemas.microsoft.com/office/powerpoint/2010/main" val="3506047900"/>
       </p:ext>
     </p:extLst>
   </p:cSld>
@@ -8006,28 +8042,34 @@
         <p:spPr>
           <a:xfrm>
             <a:off x="1524000" y="1905000"/>
-            <a:ext cx="7010400" cy="762000"/>
+            <a:ext cx="7010400" cy="2514600"/>
           </a:xfrm>
         </p:spPr>
         <p:txBody>
           <a:bodyPr>
-            <a:normAutofit/>
+            <a:normAutofit fontScale="92500" lnSpcReduction="10000"/>
           </a:bodyPr>
           <a:lstStyle/>
           <a:p>
             <a:r>
               <a:rPr lang="en-US" dirty="0"/>
-              <a:t>Here are some additional examples,</a:t>
+              <a:t>We can combine conditional pattern matching with type patterns and the is predicate to express sophisticated patterns</a:t>
+            </a:r>
+          </a:p>
+          <a:p>
+            <a:r>
+              <a:rPr lang="en-US" dirty="0"/>
+              <a:t>E.g., only assign a value to x if it is an integer value</a:t>
             </a:r>
           </a:p>
         </p:txBody>
       </p:sp>
       <p:pic>
         <p:nvPicPr>
-          <p:cNvPr id="5" name="Picture 4">
-            <a:extLst>
-              <a:ext uri="{FF2B5EF4-FFF2-40B4-BE49-F238E27FC236}">
-                <a16:creationId xmlns:a16="http://schemas.microsoft.com/office/drawing/2014/main" id="{C1C88CFB-FC12-204B-9F54-811B0900984A}"/>
+          <p:cNvPr id="4" name="Picture 3">
+            <a:extLst>
+              <a:ext uri="{FF2B5EF4-FFF2-40B4-BE49-F238E27FC236}">
+                <a16:creationId xmlns:a16="http://schemas.microsoft.com/office/drawing/2014/main" id="{042AB9A8-F2E7-8C43-A782-35FC00F7CF82}"/>
               </a:ext>
             </a:extLst>
           </p:cNvPr>
@@ -8044,8 +8086,8 @@
         </p:blipFill>
         <p:spPr>
           <a:xfrm>
-            <a:off x="304800" y="2708031"/>
-            <a:ext cx="5067300" cy="673100"/>
+            <a:off x="1327150" y="4606925"/>
+            <a:ext cx="6489700" cy="1422400"/>
           </a:xfrm>
           <a:prstGeom prst="rect">
             <a:avLst/>
@@ -8057,80 +8099,10 @@
           </a:ln>
         </p:spPr>
       </p:pic>
-      <p:pic>
-        <p:nvPicPr>
-          <p:cNvPr id="6" name="Picture 5">
-            <a:extLst>
-              <a:ext uri="{FF2B5EF4-FFF2-40B4-BE49-F238E27FC236}">
-                <a16:creationId xmlns:a16="http://schemas.microsoft.com/office/drawing/2014/main" id="{1D3CFE35-B4E8-424F-B4A1-6EBB08FE3A8E}"/>
-              </a:ext>
-            </a:extLst>
-          </p:cNvPr>
-          <p:cNvPicPr>
-            <a:picLocks noChangeAspect="1"/>
-          </p:cNvPicPr>
-          <p:nvPr/>
-        </p:nvPicPr>
-        <p:blipFill>
-          <a:blip r:embed="rId3"/>
-          <a:stretch>
-            <a:fillRect/>
-          </a:stretch>
-        </p:blipFill>
-        <p:spPr>
-          <a:xfrm>
-            <a:off x="1771650" y="4038600"/>
-            <a:ext cx="6515100" cy="2006600"/>
-          </a:xfrm>
-          <a:prstGeom prst="rect">
-            <a:avLst/>
-          </a:prstGeom>
-          <a:ln>
-            <a:solidFill>
-              <a:schemeClr val="tx2"/>
-            </a:solidFill>
-          </a:ln>
-        </p:spPr>
-      </p:pic>
-      <p:sp>
-        <p:nvSpPr>
-          <p:cNvPr id="7" name="TextBox 6">
-            <a:extLst>
-              <a:ext uri="{FF2B5EF4-FFF2-40B4-BE49-F238E27FC236}">
-                <a16:creationId xmlns:a16="http://schemas.microsoft.com/office/drawing/2014/main" id="{4951B354-A5F6-A549-A108-76506E3E4DB7}"/>
-              </a:ext>
-            </a:extLst>
-          </p:cNvPr>
-          <p:cNvSpPr txBox="1"/>
-          <p:nvPr/>
-        </p:nvSpPr>
-        <p:spPr>
-          <a:xfrm>
-            <a:off x="1992923" y="6271846"/>
-            <a:ext cx="3370218" cy="338554"/>
-          </a:xfrm>
-          <a:prstGeom prst="rect">
-            <a:avLst/>
-          </a:prstGeom>
-          <a:noFill/>
-        </p:spPr>
-        <p:txBody>
-          <a:bodyPr wrap="none" rtlCol="0">
-            <a:spAutoFit/>
-          </a:bodyPr>
-          <a:lstStyle/>
-          <a:p>
-            <a:r>
-              <a:rPr lang="en-US" sz="1600" dirty="0"/>
-              <a:t>Note: ‘mod’ is the modulus function</a:t>
-            </a:r>
-          </a:p>
-        </p:txBody>
-      </p:sp>
     </p:spTree>
     <p:extLst>
       <p:ext uri="{BB962C8B-B14F-4D97-AF65-F5344CB8AC3E}">
-        <p14:creationId xmlns:p14="http://schemas.microsoft.com/office/powerpoint/2010/main" val="3020148784"/>
+        <p14:creationId xmlns:p14="http://schemas.microsoft.com/office/powerpoint/2010/main" val="527991359"/>
       </p:ext>
     </p:extLst>
   </p:cSld>
@@ -8162,7 +8134,7 @@
           <p:cNvPr id="2" name="Title 1">
             <a:extLst>
               <a:ext uri="{FF2B5EF4-FFF2-40B4-BE49-F238E27FC236}">
-                <a16:creationId xmlns:a16="http://schemas.microsoft.com/office/drawing/2014/main" id="{69D8A802-1887-5C44-89B7-C430FD3E8CF1}"/>
+                <a16:creationId xmlns:a16="http://schemas.microsoft.com/office/drawing/2014/main" id="{38B8FBF2-2788-6944-85A4-736AB1C73BC5}"/>
               </a:ext>
             </a:extLst>
           </p:cNvPr>
@@ -8180,7 +8152,7 @@
           <a:p>
             <a:r>
               <a:rPr lang="en-US" dirty="0"/>
-              <a:t>Named Patterns</a:t>
+              <a:t>Advanced Pattern Match Expressions</a:t>
             </a:r>
           </a:p>
         </p:txBody>
@@ -8190,7 +8162,7 @@
           <p:cNvPr id="3" name="Content Placeholder 2">
             <a:extLst>
               <a:ext uri="{FF2B5EF4-FFF2-40B4-BE49-F238E27FC236}">
-                <a16:creationId xmlns:a16="http://schemas.microsoft.com/office/drawing/2014/main" id="{E7A95868-7F6A-C846-8D8F-777179574524}"/>
+                <a16:creationId xmlns:a16="http://schemas.microsoft.com/office/drawing/2014/main" id="{99DE4156-25CE-5A46-B4D9-12D9CC6D2A5C}"/>
               </a:ext>
             </a:extLst>
           </p:cNvPr>
@@ -8204,68 +8176,28 @@
         <p:spPr>
           <a:xfrm>
             <a:off x="1524000" y="1905000"/>
-            <a:ext cx="7010400" cy="3048000"/>
+            <a:ext cx="7010400" cy="762000"/>
           </a:xfrm>
         </p:spPr>
         <p:txBody>
           <a:bodyPr>
-            <a:normAutofit fontScale="92500" lnSpcReduction="20000"/>
+            <a:normAutofit/>
           </a:bodyPr>
           <a:lstStyle/>
           <a:p>
             <a:r>
               <a:rPr lang="en-US" dirty="0"/>
-              <a:t>The simple conditional pattern</a:t>
-            </a:r>
-            <a:br>
-              <a:rPr lang="en-US" dirty="0"/>
-            </a:br>
-            <a:r>
-              <a:rPr lang="en-US" dirty="0"/>
-              <a:t>   x if x is &lt;pattern&gt;</a:t>
-            </a:r>
-            <a:br>
-              <a:rPr lang="en-US" dirty="0"/>
-            </a:br>
-            <a:r>
-              <a:rPr lang="en-US" dirty="0"/>
-              <a:t>appears a lot in Asteroid programs</a:t>
-            </a:r>
-          </a:p>
-          <a:p>
-            <a:r>
-              <a:rPr lang="en-US" dirty="0"/>
-              <a:t>Named patterns of the form</a:t>
-            </a:r>
-            <a:br>
-              <a:rPr lang="en-US" dirty="0"/>
-            </a:br>
-            <a:r>
-              <a:rPr lang="en-US" dirty="0"/>
-              <a:t>   x:&lt;pattern&gt;</a:t>
-            </a:r>
-            <a:br>
-              <a:rPr lang="en-US" dirty="0"/>
-            </a:br>
-            <a:r>
-              <a:rPr lang="en-US" dirty="0"/>
-              <a:t>represent a shorthand for the simple conditional pattern above</a:t>
-            </a:r>
-          </a:p>
-          <a:p>
-            <a:r>
-              <a:rPr lang="en-US" dirty="0"/>
-              <a:t>E.g.</a:t>
+              <a:t>Here are some additional examples,</a:t>
             </a:r>
           </a:p>
         </p:txBody>
       </p:sp>
       <p:pic>
         <p:nvPicPr>
-          <p:cNvPr id="4" name="Picture 3">
-            <a:extLst>
-              <a:ext uri="{FF2B5EF4-FFF2-40B4-BE49-F238E27FC236}">
-                <a16:creationId xmlns:a16="http://schemas.microsoft.com/office/drawing/2014/main" id="{4F12295A-5DFF-004B-8714-A589155DA3AF}"/>
+          <p:cNvPr id="5" name="Picture 4">
+            <a:extLst>
+              <a:ext uri="{FF2B5EF4-FFF2-40B4-BE49-F238E27FC236}">
+                <a16:creationId xmlns:a16="http://schemas.microsoft.com/office/drawing/2014/main" id="{C1C88CFB-FC12-204B-9F54-811B0900984A}"/>
               </a:ext>
             </a:extLst>
           </p:cNvPr>
@@ -8282,8 +8214,8 @@
         </p:blipFill>
         <p:spPr>
           <a:xfrm>
-            <a:off x="2895600" y="4800600"/>
-            <a:ext cx="3644900" cy="1625600"/>
+            <a:off x="304800" y="2708031"/>
+            <a:ext cx="5067300" cy="673100"/>
           </a:xfrm>
           <a:prstGeom prst="rect">
             <a:avLst/>
@@ -8295,10 +8227,80 @@
           </a:ln>
         </p:spPr>
       </p:pic>
+      <p:pic>
+        <p:nvPicPr>
+          <p:cNvPr id="6" name="Picture 5">
+            <a:extLst>
+              <a:ext uri="{FF2B5EF4-FFF2-40B4-BE49-F238E27FC236}">
+                <a16:creationId xmlns:a16="http://schemas.microsoft.com/office/drawing/2014/main" id="{1D3CFE35-B4E8-424F-B4A1-6EBB08FE3A8E}"/>
+              </a:ext>
+            </a:extLst>
+          </p:cNvPr>
+          <p:cNvPicPr>
+            <a:picLocks noChangeAspect="1"/>
+          </p:cNvPicPr>
+          <p:nvPr/>
+        </p:nvPicPr>
+        <p:blipFill>
+          <a:blip r:embed="rId3"/>
+          <a:stretch>
+            <a:fillRect/>
+          </a:stretch>
+        </p:blipFill>
+        <p:spPr>
+          <a:xfrm>
+            <a:off x="1771650" y="4038600"/>
+            <a:ext cx="6515100" cy="2006600"/>
+          </a:xfrm>
+          <a:prstGeom prst="rect">
+            <a:avLst/>
+          </a:prstGeom>
+          <a:ln>
+            <a:solidFill>
+              <a:schemeClr val="tx2"/>
+            </a:solidFill>
+          </a:ln>
+        </p:spPr>
+      </p:pic>
+      <p:sp>
+        <p:nvSpPr>
+          <p:cNvPr id="7" name="TextBox 6">
+            <a:extLst>
+              <a:ext uri="{FF2B5EF4-FFF2-40B4-BE49-F238E27FC236}">
+                <a16:creationId xmlns:a16="http://schemas.microsoft.com/office/drawing/2014/main" id="{4951B354-A5F6-A549-A108-76506E3E4DB7}"/>
+              </a:ext>
+            </a:extLst>
+          </p:cNvPr>
+          <p:cNvSpPr txBox="1"/>
+          <p:nvPr/>
+        </p:nvSpPr>
+        <p:spPr>
+          <a:xfrm>
+            <a:off x="1992923" y="6271846"/>
+            <a:ext cx="3370218" cy="338554"/>
+          </a:xfrm>
+          <a:prstGeom prst="rect">
+            <a:avLst/>
+          </a:prstGeom>
+          <a:noFill/>
+        </p:spPr>
+        <p:txBody>
+          <a:bodyPr wrap="none" rtlCol="0">
+            <a:spAutoFit/>
+          </a:bodyPr>
+          <a:lstStyle/>
+          <a:p>
+            <a:r>
+              <a:rPr lang="en-US" sz="1600" dirty="0"/>
+              <a:t>Note: ‘mod’ is the modulus function</a:t>
+            </a:r>
+          </a:p>
+        </p:txBody>
+      </p:sp>
     </p:spTree>
     <p:extLst>
       <p:ext uri="{BB962C8B-B14F-4D97-AF65-F5344CB8AC3E}">
-        <p14:creationId xmlns:p14="http://schemas.microsoft.com/office/powerpoint/2010/main" val="2442529255"/>
+        <p14:creationId xmlns:p14="http://schemas.microsoft.com/office/powerpoint/2010/main" val="3020148784"/>
       </p:ext>
     </p:extLst>
   </p:cSld>
@@ -8372,28 +8374,68 @@
         <p:spPr>
           <a:xfrm>
             <a:off x="1524000" y="1905000"/>
-            <a:ext cx="7010400" cy="1524000"/>
+            <a:ext cx="7010400" cy="3048000"/>
           </a:xfrm>
         </p:spPr>
         <p:txBody>
           <a:bodyPr>
-            <a:normAutofit/>
+            <a:normAutofit fontScale="92500" lnSpcReduction="20000"/>
           </a:bodyPr>
           <a:lstStyle/>
           <a:p>
             <a:r>
               <a:rPr lang="en-US" dirty="0"/>
-              <a:t>This shorthand notation is especially useful when combined with type patterns,</a:t>
+              <a:t>The simple conditional pattern</a:t>
+            </a:r>
+            <a:br>
+              <a:rPr lang="en-US" dirty="0"/>
+            </a:br>
+            <a:r>
+              <a:rPr lang="en-US" dirty="0"/>
+              <a:t>   x if x is &lt;pattern&gt;</a:t>
+            </a:r>
+            <a:br>
+              <a:rPr lang="en-US" dirty="0"/>
+            </a:br>
+            <a:r>
+              <a:rPr lang="en-US" dirty="0"/>
+              <a:t>appears a lot in Asteroid programs</a:t>
+            </a:r>
+          </a:p>
+          <a:p>
+            <a:r>
+              <a:rPr lang="en-US" dirty="0"/>
+              <a:t>Named patterns of the form</a:t>
+            </a:r>
+            <a:br>
+              <a:rPr lang="en-US" dirty="0"/>
+            </a:br>
+            <a:r>
+              <a:rPr lang="en-US" dirty="0"/>
+              <a:t>   x:&lt;pattern&gt;</a:t>
+            </a:r>
+            <a:br>
+              <a:rPr lang="en-US" dirty="0"/>
+            </a:br>
+            <a:r>
+              <a:rPr lang="en-US" dirty="0"/>
+              <a:t>represent a shorthand for the simple conditional pattern above</a:t>
+            </a:r>
+          </a:p>
+          <a:p>
+            <a:r>
+              <a:rPr lang="en-US" dirty="0"/>
+              <a:t>E.g.</a:t>
             </a:r>
           </a:p>
         </p:txBody>
       </p:sp>
       <p:pic>
         <p:nvPicPr>
-          <p:cNvPr id="5" name="Picture 4">
-            <a:extLst>
-              <a:ext uri="{FF2B5EF4-FFF2-40B4-BE49-F238E27FC236}">
-                <a16:creationId xmlns:a16="http://schemas.microsoft.com/office/drawing/2014/main" id="{57FD4B1D-ADB2-6443-B87E-4D51B91BE598}"/>
+          <p:cNvPr id="4" name="Picture 3">
+            <a:extLst>
+              <a:ext uri="{FF2B5EF4-FFF2-40B4-BE49-F238E27FC236}">
+                <a16:creationId xmlns:a16="http://schemas.microsoft.com/office/drawing/2014/main" id="{4F12295A-5DFF-004B-8714-A589155DA3AF}"/>
               </a:ext>
             </a:extLst>
           </p:cNvPr>
@@ -8410,7 +8452,7 @@
         </p:blipFill>
         <p:spPr>
           <a:xfrm>
-            <a:off x="2362200" y="3962400"/>
+            <a:off x="2895600" y="4800600"/>
             <a:ext cx="3644900" cy="1625600"/>
           </a:xfrm>
           <a:prstGeom prst="rect">
@@ -8426,7 +8468,7 @@
     </p:spTree>
     <p:extLst>
       <p:ext uri="{BB962C8B-B14F-4D97-AF65-F5344CB8AC3E}">
-        <p14:creationId xmlns:p14="http://schemas.microsoft.com/office/powerpoint/2010/main" val="4050486953"/>
+        <p14:creationId xmlns:p14="http://schemas.microsoft.com/office/powerpoint/2010/main" val="2442529255"/>
       </p:ext>
     </p:extLst>
   </p:cSld>
@@ -8500,37 +8542,28 @@
         <p:spPr>
           <a:xfrm>
             <a:off x="1524000" y="1905000"/>
-            <a:ext cx="7010400" cy="2362200"/>
+            <a:ext cx="7010400" cy="1524000"/>
           </a:xfrm>
         </p:spPr>
         <p:txBody>
           <a:bodyPr>
-            <a:normAutofit fontScale="77500" lnSpcReduction="20000"/>
+            <a:normAutofit/>
           </a:bodyPr>
           <a:lstStyle/>
           <a:p>
             <a:r>
               <a:rPr lang="en-US" dirty="0"/>
-              <a:t>Beware: even though named patterns with type patterns look like a declarations they are not!</a:t>
-            </a:r>
-          </a:p>
-          <a:p>
-            <a:r>
-              <a:rPr lang="en-US" dirty="0"/>
-              <a:t>They are pattern match statements; consequently, implicit type conversions we are used to from other programming languages do not work!</a:t>
-            </a:r>
-          </a:p>
-          <a:p>
-            <a:endParaRPr lang="en-US" dirty="0"/>
+              <a:t>This shorthand notation is especially useful when combined with type patterns,</a:t>
+            </a:r>
           </a:p>
         </p:txBody>
       </p:sp>
       <p:pic>
         <p:nvPicPr>
-          <p:cNvPr id="4" name="Picture 3">
-            <a:extLst>
-              <a:ext uri="{FF2B5EF4-FFF2-40B4-BE49-F238E27FC236}">
-                <a16:creationId xmlns:a16="http://schemas.microsoft.com/office/drawing/2014/main" id="{64F162B0-3C1E-E841-94F2-CD56B6552035}"/>
+          <p:cNvPr id="5" name="Picture 4">
+            <a:extLst>
+              <a:ext uri="{FF2B5EF4-FFF2-40B4-BE49-F238E27FC236}">
+                <a16:creationId xmlns:a16="http://schemas.microsoft.com/office/drawing/2014/main" id="{57FD4B1D-ADB2-6443-B87E-4D51B91BE598}"/>
               </a:ext>
             </a:extLst>
           </p:cNvPr>
@@ -8547,8 +8580,8 @@
         </p:blipFill>
         <p:spPr>
           <a:xfrm>
-            <a:off x="685800" y="4267200"/>
-            <a:ext cx="8026400" cy="1460500"/>
+            <a:off x="2362200" y="3962400"/>
+            <a:ext cx="3644900" cy="1625600"/>
           </a:xfrm>
           <a:prstGeom prst="rect">
             <a:avLst/>
@@ -8563,7 +8596,7 @@
     </p:spTree>
     <p:extLst>
       <p:ext uri="{BB962C8B-B14F-4D97-AF65-F5344CB8AC3E}">
-        <p14:creationId xmlns:p14="http://schemas.microsoft.com/office/powerpoint/2010/main" val="1285522234"/>
+        <p14:creationId xmlns:p14="http://schemas.microsoft.com/office/powerpoint/2010/main" val="4050486953"/>
       </p:ext>
     </p:extLst>
   </p:cSld>
@@ -8595,7 +8628,7 @@
           <p:cNvPr id="2" name="Title 1">
             <a:extLst>
               <a:ext uri="{FF2B5EF4-FFF2-40B4-BE49-F238E27FC236}">
-                <a16:creationId xmlns:a16="http://schemas.microsoft.com/office/drawing/2014/main" id="{6195C51E-259E-9349-83AB-34F41AD10999}"/>
+                <a16:creationId xmlns:a16="http://schemas.microsoft.com/office/drawing/2014/main" id="{69D8A802-1887-5C44-89B7-C430FD3E8CF1}"/>
               </a:ext>
             </a:extLst>
           </p:cNvPr>
@@ -8613,7 +8646,7 @@
           <a:p>
             <a:r>
               <a:rPr lang="en-US" dirty="0"/>
-              <a:t>Head-Tail Pattern</a:t>
+              <a:t>Named Patterns</a:t>
             </a:r>
           </a:p>
         </p:txBody>
@@ -8623,7 +8656,7 @@
           <p:cNvPr id="3" name="Content Placeholder 2">
             <a:extLst>
               <a:ext uri="{FF2B5EF4-FFF2-40B4-BE49-F238E27FC236}">
-                <a16:creationId xmlns:a16="http://schemas.microsoft.com/office/drawing/2014/main" id="{3F46B74A-6B29-9041-95E9-7392BDABF9A2}"/>
+                <a16:creationId xmlns:a16="http://schemas.microsoft.com/office/drawing/2014/main" id="{E7A95868-7F6A-C846-8D8F-777179574524}"/>
               </a:ext>
             </a:extLst>
           </p:cNvPr>
@@ -8637,7 +8670,7 @@
         <p:spPr>
           <a:xfrm>
             <a:off x="1524000" y="1905000"/>
-            <a:ext cx="7010400" cy="2895600"/>
+            <a:ext cx="7010400" cy="2362200"/>
           </a:xfrm>
         </p:spPr>
         <p:txBody>
@@ -8648,35 +8681,13 @@
           <a:p>
             <a:r>
               <a:rPr lang="en-US" dirty="0"/>
-              <a:t>The head-tail pattern </a:t>
-            </a:r>
-            <a:br>
-              <a:rPr lang="en-US" dirty="0"/>
-            </a:br>
-            <a:r>
-              <a:rPr lang="en-US" dirty="0"/>
-              <a:t>    [ &lt;head var&gt; | &lt;tail var&gt; ]</a:t>
-            </a:r>
-            <a:br>
-              <a:rPr lang="en-US" dirty="0"/>
-            </a:br>
-            <a:r>
-              <a:rPr lang="en-US" dirty="0"/>
-              <a:t>is a useful pattern that allows us to </a:t>
-            </a:r>
-            <a:r>
-              <a:rPr lang="en-US" dirty="0" err="1"/>
-              <a:t>destructure</a:t>
-            </a:r>
-            <a:r>
-              <a:rPr lang="en-US" dirty="0"/>
-              <a:t> a list into into its first element and the rest of the list; the list with its first element removed.</a:t>
-            </a:r>
-          </a:p>
-          <a:p>
-            <a:r>
-              <a:rPr lang="en-US" dirty="0"/>
-              <a:t>As we will see later, this pattern will prove extremely useful when dealing with recursion or iteration over lists.</a:t>
+              <a:t>Beware: even though named patterns with type patterns look like a declarations they are not!</a:t>
+            </a:r>
+          </a:p>
+          <a:p>
+            <a:r>
+              <a:rPr lang="en-US" dirty="0"/>
+              <a:t>They are pattern match statements; consequently, implicit type conversions we are used to from other programming languages do not work!</a:t>
             </a:r>
           </a:p>
           <a:p>
@@ -8689,7 +8700,7 @@
           <p:cNvPr id="4" name="Picture 3">
             <a:extLst>
               <a:ext uri="{FF2B5EF4-FFF2-40B4-BE49-F238E27FC236}">
-                <a16:creationId xmlns:a16="http://schemas.microsoft.com/office/drawing/2014/main" id="{40EBF5AF-9F39-674B-B21C-1DE5732AD872}"/>
+                <a16:creationId xmlns:a16="http://schemas.microsoft.com/office/drawing/2014/main" id="{64F162B0-3C1E-E841-94F2-CD56B6552035}"/>
               </a:ext>
             </a:extLst>
           </p:cNvPr>
@@ -8706,15 +8717,15 @@
         </p:blipFill>
         <p:spPr>
           <a:xfrm>
-            <a:off x="2743200" y="4800600"/>
-            <a:ext cx="3251200" cy="1574800"/>
+            <a:off x="685800" y="4267200"/>
+            <a:ext cx="8026400" cy="1460500"/>
           </a:xfrm>
           <a:prstGeom prst="rect">
             <a:avLst/>
           </a:prstGeom>
           <a:ln>
             <a:solidFill>
-              <a:schemeClr val="tx1"/>
+              <a:schemeClr val="tx2"/>
             </a:solidFill>
           </a:ln>
         </p:spPr>
@@ -8722,7 +8733,7 @@
     </p:spTree>
     <p:extLst>
       <p:ext uri="{BB962C8B-B14F-4D97-AF65-F5344CB8AC3E}">
-        <p14:creationId xmlns:p14="http://schemas.microsoft.com/office/powerpoint/2010/main" val="368365555"/>
+        <p14:creationId xmlns:p14="http://schemas.microsoft.com/office/powerpoint/2010/main" val="1285522234"/>
       </p:ext>
     </p:extLst>
   </p:cSld>
@@ -8801,30 +8812,54 @@
         </p:spPr>
         <p:txBody>
           <a:bodyPr>
-            <a:normAutofit/>
+            <a:normAutofit fontScale="77500" lnSpcReduction="20000"/>
           </a:bodyPr>
           <a:lstStyle/>
           <a:p>
             <a:r>
               <a:rPr lang="en-US" dirty="0"/>
-              <a:t>The head-tail pattern can also be used “in reverse” – as a constructor,</a:t>
-            </a:r>
-          </a:p>
-          <a:p>
-            <a:pPr lvl="1"/>
-            <a:r>
-              <a:rPr lang="en-US" dirty="0"/>
-              <a:t>Given an element and a list it will prepend the element to the list</a:t>
-            </a:r>
+              <a:t>The head-tail pattern </a:t>
+            </a:r>
+            <a:br>
+              <a:rPr lang="en-US" dirty="0"/>
+            </a:br>
+            <a:r>
+              <a:rPr lang="en-US" dirty="0"/>
+              <a:t>    [ &lt;head var&gt; | &lt;tail var&gt; ]</a:t>
+            </a:r>
+            <a:br>
+              <a:rPr lang="en-US" dirty="0"/>
+            </a:br>
+            <a:r>
+              <a:rPr lang="en-US" dirty="0"/>
+              <a:t>is a useful pattern that allows us to </a:t>
+            </a:r>
+            <a:r>
+              <a:rPr lang="en-US" dirty="0" err="1"/>
+              <a:t>destructure</a:t>
+            </a:r>
+            <a:r>
+              <a:rPr lang="en-US" dirty="0"/>
+              <a:t> a list into into its first element and the rest of the list; the list with its first element removed.</a:t>
+            </a:r>
+          </a:p>
+          <a:p>
+            <a:r>
+              <a:rPr lang="en-US" dirty="0"/>
+              <a:t>As we will see later, this pattern will prove extremely useful when dealing with recursion or iteration over lists.</a:t>
+            </a:r>
+          </a:p>
+          <a:p>
+            <a:endParaRPr lang="en-US" dirty="0"/>
           </a:p>
         </p:txBody>
       </p:sp>
       <p:pic>
         <p:nvPicPr>
-          <p:cNvPr id="5" name="Picture 4">
-            <a:extLst>
-              <a:ext uri="{FF2B5EF4-FFF2-40B4-BE49-F238E27FC236}">
-                <a16:creationId xmlns:a16="http://schemas.microsoft.com/office/drawing/2014/main" id="{54E484A6-DFFD-CA4E-8E22-B165552E5060}"/>
+          <p:cNvPr id="4" name="Picture 3">
+            <a:extLst>
+              <a:ext uri="{FF2B5EF4-FFF2-40B4-BE49-F238E27FC236}">
+                <a16:creationId xmlns:a16="http://schemas.microsoft.com/office/drawing/2014/main" id="{40EBF5AF-9F39-674B-B21C-1DE5732AD872}"/>
               </a:ext>
             </a:extLst>
           </p:cNvPr>
@@ -8841,8 +8876,8 @@
         </p:blipFill>
         <p:spPr>
           <a:xfrm>
-            <a:off x="2971800" y="4371975"/>
-            <a:ext cx="2565400" cy="1231900"/>
+            <a:off x="2743200" y="4800600"/>
+            <a:ext cx="3251200" cy="1574800"/>
           </a:xfrm>
           <a:prstGeom prst="rect">
             <a:avLst/>
@@ -8857,7 +8892,7 @@
     </p:spTree>
     <p:extLst>
       <p:ext uri="{BB962C8B-B14F-4D97-AF65-F5344CB8AC3E}">
-        <p14:creationId xmlns:p14="http://schemas.microsoft.com/office/powerpoint/2010/main" val="4189918242"/>
+        <p14:creationId xmlns:p14="http://schemas.microsoft.com/office/powerpoint/2010/main" val="368365555"/>
       </p:ext>
     </p:extLst>
   </p:cSld>
@@ -8889,7 +8924,7 @@
           <p:cNvPr id="2" name="Title 1">
             <a:extLst>
               <a:ext uri="{FF2B5EF4-FFF2-40B4-BE49-F238E27FC236}">
-                <a16:creationId xmlns:a16="http://schemas.microsoft.com/office/drawing/2014/main" id="{980BBCB4-34B6-6F4D-9DAA-48FC9F7BB83F}"/>
+                <a16:creationId xmlns:a16="http://schemas.microsoft.com/office/drawing/2014/main" id="{6195C51E-259E-9349-83AB-34F41AD10999}"/>
               </a:ext>
             </a:extLst>
           </p:cNvPr>
@@ -8907,7 +8942,7 @@
           <a:p>
             <a:r>
               <a:rPr lang="en-US" dirty="0"/>
-              <a:t>Pattern Matching with Regular Expressions</a:t>
+              <a:t>Head-Tail Pattern</a:t>
             </a:r>
           </a:p>
         </p:txBody>
@@ -8917,7 +8952,7 @@
           <p:cNvPr id="3" name="Content Placeholder 2">
             <a:extLst>
               <a:ext uri="{FF2B5EF4-FFF2-40B4-BE49-F238E27FC236}">
-                <a16:creationId xmlns:a16="http://schemas.microsoft.com/office/drawing/2014/main" id="{946A49A8-7143-3D47-B39F-FC08E41F5600}"/>
+                <a16:creationId xmlns:a16="http://schemas.microsoft.com/office/drawing/2014/main" id="{3F46B74A-6B29-9041-95E9-7392BDABF9A2}"/>
               </a:ext>
             </a:extLst>
           </p:cNvPr>
@@ -8928,85 +8963,71 @@
             <p:ph idx="1"/>
           </p:nvPr>
         </p:nvSpPr>
-        <p:spPr/>
+        <p:spPr>
+          <a:xfrm>
+            <a:off x="1524000" y="1905000"/>
+            <a:ext cx="7010400" cy="2895600"/>
+          </a:xfrm>
+        </p:spPr>
         <p:txBody>
           <a:bodyPr>
-            <a:normAutofit fontScale="77500" lnSpcReduction="20000"/>
+            <a:normAutofit/>
           </a:bodyPr>
           <a:lstStyle/>
           <a:p>
             <a:r>
               <a:rPr lang="en-US" dirty="0"/>
-              <a:t>Regular expressions are patterns that can be applied to strings</a:t>
-            </a:r>
-          </a:p>
-          <a:p>
-            <a:r>
-              <a:rPr lang="en-US" dirty="0"/>
-              <a:t>e.g., the regex</a:t>
-            </a:r>
-            <a:br>
-              <a:rPr lang="en-US" dirty="0"/>
-            </a:br>
-            <a:r>
-              <a:rPr lang="en-US" dirty="0"/>
-              <a:t>      “a(b)*”</a:t>
-            </a:r>
-            <a:br>
-              <a:rPr lang="en-US" dirty="0"/>
-            </a:br>
-            <a:r>
-              <a:rPr lang="en-US" dirty="0"/>
-              <a:t>matches any string that starts with an a followed by zero or more b’s.</a:t>
-            </a:r>
-          </a:p>
-          <a:p>
-            <a:r>
-              <a:rPr lang="en-US" dirty="0"/>
-              <a:t>In Asteroid regular expressions are considered patterns and therefore we can write expressions like</a:t>
-            </a:r>
-            <a:br>
-              <a:rPr lang="en-US" dirty="0"/>
-            </a:br>
-            <a:r>
-              <a:rPr lang="en-US" dirty="0"/>
-              <a:t>    “</a:t>
-            </a:r>
-            <a:r>
-              <a:rPr lang="en-US" dirty="0" err="1"/>
-              <a:t>abbbb</a:t>
-            </a:r>
-            <a:r>
-              <a:rPr lang="en-US" dirty="0"/>
-              <a:t>” is “a(b)*”</a:t>
-            </a:r>
-          </a:p>
-          <a:p>
-            <a:r>
-              <a:rPr lang="en-US" dirty="0"/>
-              <a:t>Asteroid’s regex syntax follows Python’s regex syntax</a:t>
+              <a:t>The head-tail pattern can also be used “in reverse” – as a constructor,</a:t>
             </a:r>
           </a:p>
           <a:p>
             <a:pPr lvl="1"/>
             <a:r>
-              <a:rPr lang="en-US" dirty="0">
-                <a:hlinkClick r:id="rId2"/>
-              </a:rPr>
-              <a:t>https://docs.python.org/3/library/re.html</a:t>
-            </a:r>
-            <a:endParaRPr lang="en-US" dirty="0"/>
-          </a:p>
-          <a:p>
-            <a:pPr lvl="1"/>
-            <a:endParaRPr lang="en-US" dirty="0"/>
-          </a:p>
-        </p:txBody>
-      </p:sp>
+              <a:rPr lang="en-US" dirty="0"/>
+              <a:t>Given an element and a list it will prepend the element to the list</a:t>
+            </a:r>
+          </a:p>
+        </p:txBody>
+      </p:sp>
+      <p:pic>
+        <p:nvPicPr>
+          <p:cNvPr id="5" name="Picture 4">
+            <a:extLst>
+              <a:ext uri="{FF2B5EF4-FFF2-40B4-BE49-F238E27FC236}">
+                <a16:creationId xmlns:a16="http://schemas.microsoft.com/office/drawing/2014/main" id="{54E484A6-DFFD-CA4E-8E22-B165552E5060}"/>
+              </a:ext>
+            </a:extLst>
+          </p:cNvPr>
+          <p:cNvPicPr>
+            <a:picLocks noChangeAspect="1"/>
+          </p:cNvPicPr>
+          <p:nvPr/>
+        </p:nvPicPr>
+        <p:blipFill>
+          <a:blip r:embed="rId2"/>
+          <a:stretch>
+            <a:fillRect/>
+          </a:stretch>
+        </p:blipFill>
+        <p:spPr>
+          <a:xfrm>
+            <a:off x="2971800" y="4371975"/>
+            <a:ext cx="2565400" cy="1231900"/>
+          </a:xfrm>
+          <a:prstGeom prst="rect">
+            <a:avLst/>
+          </a:prstGeom>
+          <a:ln>
+            <a:solidFill>
+              <a:schemeClr val="tx1"/>
+            </a:solidFill>
+          </a:ln>
+        </p:spPr>
+      </p:pic>
     </p:spTree>
     <p:extLst>
       <p:ext uri="{BB962C8B-B14F-4D97-AF65-F5344CB8AC3E}">
-        <p14:creationId xmlns:p14="http://schemas.microsoft.com/office/powerpoint/2010/main" val="1988537012"/>
+        <p14:creationId xmlns:p14="http://schemas.microsoft.com/office/powerpoint/2010/main" val="4189918242"/>
       </p:ext>
     </p:extLst>
   </p:cSld>
@@ -9061,235 +9082,101 @@
           </a:p>
         </p:txBody>
       </p:sp>
-      <p:pic>
-        <p:nvPicPr>
-          <p:cNvPr id="4" name="Picture 3">
-            <a:extLst>
-              <a:ext uri="{FF2B5EF4-FFF2-40B4-BE49-F238E27FC236}">
-                <a16:creationId xmlns:a16="http://schemas.microsoft.com/office/drawing/2014/main" id="{DBC2D86C-61A2-0548-BD77-50DE72C69E24}"/>
-              </a:ext>
-            </a:extLst>
-          </p:cNvPr>
-          <p:cNvPicPr>
-            <a:picLocks noChangeAspect="1"/>
-          </p:cNvPicPr>
-          <p:nvPr/>
-        </p:nvPicPr>
-        <p:blipFill>
-          <a:blip r:embed="rId2"/>
-          <a:stretch>
-            <a:fillRect/>
-          </a:stretch>
-        </p:blipFill>
-        <p:spPr>
-          <a:xfrm>
-            <a:off x="609600" y="2057400"/>
-            <a:ext cx="3035300" cy="2451100"/>
-          </a:xfrm>
-          <a:prstGeom prst="rect">
-            <a:avLst/>
-          </a:prstGeom>
-          <a:ln>
-            <a:solidFill>
-              <a:schemeClr val="tx2"/>
-            </a:solidFill>
-          </a:ln>
-        </p:spPr>
-      </p:pic>
-      <p:sp>
-        <p:nvSpPr>
-          <p:cNvPr id="5" name="TextBox 4">
-            <a:extLst>
-              <a:ext uri="{FF2B5EF4-FFF2-40B4-BE49-F238E27FC236}">
-                <a16:creationId xmlns:a16="http://schemas.microsoft.com/office/drawing/2014/main" id="{7401E3AD-0165-9445-8C37-7660A82607F8}"/>
-              </a:ext>
-            </a:extLst>
-          </p:cNvPr>
-          <p:cNvSpPr txBox="1"/>
-          <p:nvPr/>
-        </p:nvSpPr>
-        <p:spPr>
-          <a:xfrm>
-            <a:off x="1067741" y="4724400"/>
-            <a:ext cx="1675459" cy="307777"/>
-          </a:xfrm>
-          <a:prstGeom prst="rect">
-            <a:avLst/>
-          </a:prstGeom>
-          <a:noFill/>
-        </p:spPr>
-        <p:txBody>
-          <a:bodyPr wrap="none" rtlCol="0">
-            <a:spAutoFit/>
+      <p:sp>
+        <p:nvSpPr>
+          <p:cNvPr id="3" name="Content Placeholder 2">
+            <a:extLst>
+              <a:ext uri="{FF2B5EF4-FFF2-40B4-BE49-F238E27FC236}">
+                <a16:creationId xmlns:a16="http://schemas.microsoft.com/office/drawing/2014/main" id="{946A49A8-7143-3D47-B39F-FC08E41F5600}"/>
+              </a:ext>
+            </a:extLst>
+          </p:cNvPr>
+          <p:cNvSpPr>
+            <a:spLocks noGrp="1"/>
+          </p:cNvSpPr>
+          <p:nvPr>
+            <p:ph idx="1"/>
+          </p:nvPr>
+        </p:nvSpPr>
+        <p:spPr/>
+        <p:txBody>
+          <a:bodyPr>
+            <a:normAutofit fontScale="77500" lnSpcReduction="20000"/>
           </a:bodyPr>
           <a:lstStyle/>
           <a:p>
             <a:r>
-              <a:rPr lang="en-US" sz="1400" dirty="0"/>
-              <a:t>Note: (a)+  =  a(a)*</a:t>
-            </a:r>
-          </a:p>
-        </p:txBody>
-      </p:sp>
-      <p:pic>
-        <p:nvPicPr>
-          <p:cNvPr id="6" name="Picture 5">
-            <a:extLst>
-              <a:ext uri="{FF2B5EF4-FFF2-40B4-BE49-F238E27FC236}">
-                <a16:creationId xmlns:a16="http://schemas.microsoft.com/office/drawing/2014/main" id="{434BB629-1D59-DE4A-8E08-78AEA977F6C5}"/>
-              </a:ext>
-            </a:extLst>
-          </p:cNvPr>
-          <p:cNvPicPr>
-            <a:picLocks noChangeAspect="1"/>
-          </p:cNvPicPr>
-          <p:nvPr/>
-        </p:nvPicPr>
-        <p:blipFill>
-          <a:blip r:embed="rId3"/>
-          <a:stretch>
-            <a:fillRect/>
-          </a:stretch>
-        </p:blipFill>
-        <p:spPr>
-          <a:xfrm>
-            <a:off x="3340100" y="3276600"/>
-            <a:ext cx="5346700" cy="2990348"/>
-          </a:xfrm>
-          <a:prstGeom prst="rect">
-            <a:avLst/>
-          </a:prstGeom>
-          <a:ln>
-            <a:solidFill>
-              <a:schemeClr val="tx2"/>
-            </a:solidFill>
-          </a:ln>
-        </p:spPr>
-      </p:pic>
-      <p:sp>
-        <p:nvSpPr>
-          <p:cNvPr id="7" name="TextBox 6">
-            <a:extLst>
-              <a:ext uri="{FF2B5EF4-FFF2-40B4-BE49-F238E27FC236}">
-                <a16:creationId xmlns:a16="http://schemas.microsoft.com/office/drawing/2014/main" id="{11DE53EE-92BB-A640-9282-CDADF1387309}"/>
-              </a:ext>
-            </a:extLst>
-          </p:cNvPr>
-          <p:cNvSpPr txBox="1"/>
-          <p:nvPr/>
-        </p:nvSpPr>
-        <p:spPr>
-          <a:xfrm>
-            <a:off x="4325815" y="6447692"/>
-            <a:ext cx="1279517" cy="307777"/>
-          </a:xfrm>
-          <a:prstGeom prst="rect">
-            <a:avLst/>
-          </a:prstGeom>
-          <a:noFill/>
-        </p:spPr>
-        <p:txBody>
-          <a:bodyPr wrap="none" rtlCol="0">
-            <a:spAutoFit/>
-          </a:bodyPr>
-          <a:lstStyle/>
-          <a:p>
-            <a:r>
-              <a:rPr lang="en-US" sz="1400" dirty="0"/>
-              <a:t>ln004/list1.ast</a:t>
-            </a:r>
-          </a:p>
-        </p:txBody>
-      </p:sp>
-      <p:sp>
-        <p:nvSpPr>
-          <p:cNvPr id="8" name="TextBox 7">
-            <a:extLst>
-              <a:ext uri="{FF2B5EF4-FFF2-40B4-BE49-F238E27FC236}">
-                <a16:creationId xmlns:a16="http://schemas.microsoft.com/office/drawing/2014/main" id="{F287CA79-687A-444F-8246-8EA528E4D893}"/>
-              </a:ext>
-            </a:extLst>
-          </p:cNvPr>
-          <p:cNvSpPr txBox="1"/>
-          <p:nvPr/>
-        </p:nvSpPr>
-        <p:spPr>
-          <a:xfrm>
-            <a:off x="5605332" y="2629098"/>
-            <a:ext cx="2403222" cy="307777"/>
-          </a:xfrm>
-          <a:prstGeom prst="rect">
-            <a:avLst/>
-          </a:prstGeom>
-          <a:noFill/>
-        </p:spPr>
-        <p:txBody>
-          <a:bodyPr wrap="none" rtlCol="0">
-            <a:spAutoFit/>
-          </a:bodyPr>
-          <a:lstStyle/>
-          <a:p>
-            <a:r>
-              <a:rPr lang="en-US" sz="1400" dirty="0"/>
-              <a:t>Pattern matching with regex</a:t>
-            </a:r>
-          </a:p>
-        </p:txBody>
-      </p:sp>
-      <p:cxnSp>
-        <p:nvCxnSpPr>
-          <p:cNvPr id="10" name="Straight Arrow Connector 9">
-            <a:extLst>
-              <a:ext uri="{FF2B5EF4-FFF2-40B4-BE49-F238E27FC236}">
-                <a16:creationId xmlns:a16="http://schemas.microsoft.com/office/drawing/2014/main" id="{4B6DD459-75B2-9346-AD83-F84BF6067F16}"/>
-              </a:ext>
-            </a:extLst>
-          </p:cNvPr>
-          <p:cNvCxnSpPr>
-            <a:stCxn id="8" idx="2"/>
-          </p:cNvCxnSpPr>
-          <p:nvPr/>
-        </p:nvCxnSpPr>
-        <p:spPr bwMode="auto">
-          <a:xfrm flipH="1">
-            <a:off x="6096000" y="2936875"/>
-            <a:ext cx="710943" cy="2095302"/>
-          </a:xfrm>
-          <a:prstGeom prst="straightConnector1">
-            <a:avLst/>
-          </a:prstGeom>
-          <a:solidFill>
-            <a:schemeClr val="accent1"/>
-          </a:solidFill>
-          <a:ln w="9525" cap="flat" cmpd="sng" algn="ctr">
-            <a:solidFill>
-              <a:schemeClr val="tx1"/>
-            </a:solidFill>
-            <a:prstDash val="solid"/>
-            <a:round/>
-            <a:headEnd type="none" w="med" len="med"/>
-            <a:tailEnd type="triangle"/>
-          </a:ln>
-          <a:effectLst/>
-          <a:extLst>
-            <a:ext uri="{AF507438-7753-43e0-B8FC-AC1667EBCBE1}">
-              <a14:hiddenEffects xmlns:a14="http://schemas.microsoft.com/office/drawing/2010/main" xmlns="">
-                <a:effectLst>
-                  <a:outerShdw blurRad="63500" dist="38099" dir="2700000" algn="ctr" rotWithShape="0">
-                    <a:schemeClr val="bg2">
-                      <a:alpha val="74998"/>
-                    </a:schemeClr>
-                  </a:outerShdw>
-                </a:effectLst>
-              </a14:hiddenEffects>
-            </a:ext>
-          </a:extLst>
-        </p:spPr>
-      </p:cxnSp>
+              <a:rPr lang="en-US" dirty="0"/>
+              <a:t>Regular expressions are patterns that can be applied to strings</a:t>
+            </a:r>
+          </a:p>
+          <a:p>
+            <a:r>
+              <a:rPr lang="en-US" dirty="0"/>
+              <a:t>e.g., the regex</a:t>
+            </a:r>
+            <a:br>
+              <a:rPr lang="en-US" dirty="0"/>
+            </a:br>
+            <a:r>
+              <a:rPr lang="en-US" dirty="0"/>
+              <a:t>      “a(b)*”</a:t>
+            </a:r>
+            <a:br>
+              <a:rPr lang="en-US" dirty="0"/>
+            </a:br>
+            <a:r>
+              <a:rPr lang="en-US" dirty="0"/>
+              <a:t>matches any string that starts with an a followed by zero or more b’s.</a:t>
+            </a:r>
+          </a:p>
+          <a:p>
+            <a:r>
+              <a:rPr lang="en-US" dirty="0"/>
+              <a:t>In Asteroid regular expressions are considered patterns and therefore we can write expressions like</a:t>
+            </a:r>
+            <a:br>
+              <a:rPr lang="en-US" dirty="0"/>
+            </a:br>
+            <a:r>
+              <a:rPr lang="en-US" dirty="0"/>
+              <a:t>    “</a:t>
+            </a:r>
+            <a:r>
+              <a:rPr lang="en-US" dirty="0" err="1"/>
+              <a:t>abbbb</a:t>
+            </a:r>
+            <a:r>
+              <a:rPr lang="en-US" dirty="0"/>
+              <a:t>” is “a(b)*”</a:t>
+            </a:r>
+          </a:p>
+          <a:p>
+            <a:r>
+              <a:rPr lang="en-US" dirty="0"/>
+              <a:t>Asteroid’s regex syntax follows Python’s regex syntax</a:t>
+            </a:r>
+          </a:p>
+          <a:p>
+            <a:pPr lvl="1"/>
+            <a:r>
+              <a:rPr lang="en-US" dirty="0">
+                <a:hlinkClick r:id="rId2"/>
+              </a:rPr>
+              <a:t>https://docs.python.org/3/library/re.html</a:t>
+            </a:r>
+            <a:endParaRPr lang="en-US" dirty="0"/>
+          </a:p>
+          <a:p>
+            <a:pPr lvl="1"/>
+            <a:endParaRPr lang="en-US" dirty="0"/>
+          </a:p>
+        </p:txBody>
+      </p:sp>
     </p:spTree>
     <p:extLst>
       <p:ext uri="{BB962C8B-B14F-4D97-AF65-F5344CB8AC3E}">
-        <p14:creationId xmlns:p14="http://schemas.microsoft.com/office/powerpoint/2010/main" val="426354552"/>
+        <p14:creationId xmlns:p14="http://schemas.microsoft.com/office/powerpoint/2010/main" val="1988537012"/>
       </p:ext>
     </p:extLst>
   </p:cSld>
@@ -9879,6 +9766,289 @@
       </p:grpSpPr>
       <p:sp>
         <p:nvSpPr>
+          <p:cNvPr id="2" name="Title 1">
+            <a:extLst>
+              <a:ext uri="{FF2B5EF4-FFF2-40B4-BE49-F238E27FC236}">
+                <a16:creationId xmlns:a16="http://schemas.microsoft.com/office/drawing/2014/main" id="{980BBCB4-34B6-6F4D-9DAA-48FC9F7BB83F}"/>
+              </a:ext>
+            </a:extLst>
+          </p:cNvPr>
+          <p:cNvSpPr>
+            <a:spLocks noGrp="1"/>
+          </p:cNvSpPr>
+          <p:nvPr>
+            <p:ph type="title"/>
+          </p:nvPr>
+        </p:nvSpPr>
+        <p:spPr/>
+        <p:txBody>
+          <a:bodyPr/>
+          <a:lstStyle/>
+          <a:p>
+            <a:r>
+              <a:rPr lang="en-US" dirty="0"/>
+              <a:t>Pattern Matching with Regular Expressions</a:t>
+            </a:r>
+          </a:p>
+        </p:txBody>
+      </p:sp>
+      <p:pic>
+        <p:nvPicPr>
+          <p:cNvPr id="4" name="Picture 3">
+            <a:extLst>
+              <a:ext uri="{FF2B5EF4-FFF2-40B4-BE49-F238E27FC236}">
+                <a16:creationId xmlns:a16="http://schemas.microsoft.com/office/drawing/2014/main" id="{DBC2D86C-61A2-0548-BD77-50DE72C69E24}"/>
+              </a:ext>
+            </a:extLst>
+          </p:cNvPr>
+          <p:cNvPicPr>
+            <a:picLocks noChangeAspect="1"/>
+          </p:cNvPicPr>
+          <p:nvPr/>
+        </p:nvPicPr>
+        <p:blipFill>
+          <a:blip r:embed="rId2"/>
+          <a:stretch>
+            <a:fillRect/>
+          </a:stretch>
+        </p:blipFill>
+        <p:spPr>
+          <a:xfrm>
+            <a:off x="609600" y="2057400"/>
+            <a:ext cx="3035300" cy="2451100"/>
+          </a:xfrm>
+          <a:prstGeom prst="rect">
+            <a:avLst/>
+          </a:prstGeom>
+          <a:ln>
+            <a:solidFill>
+              <a:schemeClr val="tx2"/>
+            </a:solidFill>
+          </a:ln>
+        </p:spPr>
+      </p:pic>
+      <p:sp>
+        <p:nvSpPr>
+          <p:cNvPr id="5" name="TextBox 4">
+            <a:extLst>
+              <a:ext uri="{FF2B5EF4-FFF2-40B4-BE49-F238E27FC236}">
+                <a16:creationId xmlns:a16="http://schemas.microsoft.com/office/drawing/2014/main" id="{7401E3AD-0165-9445-8C37-7660A82607F8}"/>
+              </a:ext>
+            </a:extLst>
+          </p:cNvPr>
+          <p:cNvSpPr txBox="1"/>
+          <p:nvPr/>
+        </p:nvSpPr>
+        <p:spPr>
+          <a:xfrm>
+            <a:off x="1067741" y="4724400"/>
+            <a:ext cx="1675459" cy="307777"/>
+          </a:xfrm>
+          <a:prstGeom prst="rect">
+            <a:avLst/>
+          </a:prstGeom>
+          <a:noFill/>
+        </p:spPr>
+        <p:txBody>
+          <a:bodyPr wrap="none" rtlCol="0">
+            <a:spAutoFit/>
+          </a:bodyPr>
+          <a:lstStyle/>
+          <a:p>
+            <a:r>
+              <a:rPr lang="en-US" sz="1400" dirty="0"/>
+              <a:t>Note: (a)+  =  a(a)*</a:t>
+            </a:r>
+          </a:p>
+        </p:txBody>
+      </p:sp>
+      <p:pic>
+        <p:nvPicPr>
+          <p:cNvPr id="6" name="Picture 5">
+            <a:extLst>
+              <a:ext uri="{FF2B5EF4-FFF2-40B4-BE49-F238E27FC236}">
+                <a16:creationId xmlns:a16="http://schemas.microsoft.com/office/drawing/2014/main" id="{434BB629-1D59-DE4A-8E08-78AEA977F6C5}"/>
+              </a:ext>
+            </a:extLst>
+          </p:cNvPr>
+          <p:cNvPicPr>
+            <a:picLocks noChangeAspect="1"/>
+          </p:cNvPicPr>
+          <p:nvPr/>
+        </p:nvPicPr>
+        <p:blipFill>
+          <a:blip r:embed="rId3"/>
+          <a:stretch>
+            <a:fillRect/>
+          </a:stretch>
+        </p:blipFill>
+        <p:spPr>
+          <a:xfrm>
+            <a:off x="3340100" y="3276600"/>
+            <a:ext cx="5346700" cy="2990348"/>
+          </a:xfrm>
+          <a:prstGeom prst="rect">
+            <a:avLst/>
+          </a:prstGeom>
+          <a:ln>
+            <a:solidFill>
+              <a:schemeClr val="tx2"/>
+            </a:solidFill>
+          </a:ln>
+        </p:spPr>
+      </p:pic>
+      <p:sp>
+        <p:nvSpPr>
+          <p:cNvPr id="7" name="TextBox 6">
+            <a:extLst>
+              <a:ext uri="{FF2B5EF4-FFF2-40B4-BE49-F238E27FC236}">
+                <a16:creationId xmlns:a16="http://schemas.microsoft.com/office/drawing/2014/main" id="{11DE53EE-92BB-A640-9282-CDADF1387309}"/>
+              </a:ext>
+            </a:extLst>
+          </p:cNvPr>
+          <p:cNvSpPr txBox="1"/>
+          <p:nvPr/>
+        </p:nvSpPr>
+        <p:spPr>
+          <a:xfrm>
+            <a:off x="4325815" y="6447692"/>
+            <a:ext cx="1279517" cy="307777"/>
+          </a:xfrm>
+          <a:prstGeom prst="rect">
+            <a:avLst/>
+          </a:prstGeom>
+          <a:noFill/>
+        </p:spPr>
+        <p:txBody>
+          <a:bodyPr wrap="none" rtlCol="0">
+            <a:spAutoFit/>
+          </a:bodyPr>
+          <a:lstStyle/>
+          <a:p>
+            <a:r>
+              <a:rPr lang="en-US" sz="1400" dirty="0"/>
+              <a:t>ln004/list1.ast</a:t>
+            </a:r>
+          </a:p>
+        </p:txBody>
+      </p:sp>
+      <p:sp>
+        <p:nvSpPr>
+          <p:cNvPr id="8" name="TextBox 7">
+            <a:extLst>
+              <a:ext uri="{FF2B5EF4-FFF2-40B4-BE49-F238E27FC236}">
+                <a16:creationId xmlns:a16="http://schemas.microsoft.com/office/drawing/2014/main" id="{F287CA79-687A-444F-8246-8EA528E4D893}"/>
+              </a:ext>
+            </a:extLst>
+          </p:cNvPr>
+          <p:cNvSpPr txBox="1"/>
+          <p:nvPr/>
+        </p:nvSpPr>
+        <p:spPr>
+          <a:xfrm>
+            <a:off x="5605332" y="2629098"/>
+            <a:ext cx="2403222" cy="307777"/>
+          </a:xfrm>
+          <a:prstGeom prst="rect">
+            <a:avLst/>
+          </a:prstGeom>
+          <a:noFill/>
+        </p:spPr>
+        <p:txBody>
+          <a:bodyPr wrap="none" rtlCol="0">
+            <a:spAutoFit/>
+          </a:bodyPr>
+          <a:lstStyle/>
+          <a:p>
+            <a:r>
+              <a:rPr lang="en-US" sz="1400" dirty="0"/>
+              <a:t>Pattern matching with regex</a:t>
+            </a:r>
+          </a:p>
+        </p:txBody>
+      </p:sp>
+      <p:cxnSp>
+        <p:nvCxnSpPr>
+          <p:cNvPr id="10" name="Straight Arrow Connector 9">
+            <a:extLst>
+              <a:ext uri="{FF2B5EF4-FFF2-40B4-BE49-F238E27FC236}">
+                <a16:creationId xmlns:a16="http://schemas.microsoft.com/office/drawing/2014/main" id="{4B6DD459-75B2-9346-AD83-F84BF6067F16}"/>
+              </a:ext>
+            </a:extLst>
+          </p:cNvPr>
+          <p:cNvCxnSpPr>
+            <a:stCxn id="8" idx="2"/>
+          </p:cNvCxnSpPr>
+          <p:nvPr/>
+        </p:nvCxnSpPr>
+        <p:spPr bwMode="auto">
+          <a:xfrm flipH="1">
+            <a:off x="6096000" y="2936875"/>
+            <a:ext cx="710943" cy="2095302"/>
+          </a:xfrm>
+          <a:prstGeom prst="straightConnector1">
+            <a:avLst/>
+          </a:prstGeom>
+          <a:solidFill>
+            <a:schemeClr val="accent1"/>
+          </a:solidFill>
+          <a:ln w="9525" cap="flat" cmpd="sng" algn="ctr">
+            <a:solidFill>
+              <a:schemeClr val="tx1"/>
+            </a:solidFill>
+            <a:prstDash val="solid"/>
+            <a:round/>
+            <a:headEnd type="none" w="med" len="med"/>
+            <a:tailEnd type="triangle"/>
+          </a:ln>
+          <a:effectLst/>
+          <a:extLst>
+            <a:ext uri="{AF507438-7753-43e0-B8FC-AC1667EBCBE1}">
+              <a14:hiddenEffects xmlns:a14="http://schemas.microsoft.com/office/drawing/2010/main" xmlns="">
+                <a:effectLst>
+                  <a:outerShdw blurRad="63500" dist="38099" dir="2700000" algn="ctr" rotWithShape="0">
+                    <a:schemeClr val="bg2">
+                      <a:alpha val="74998"/>
+                    </a:schemeClr>
+                  </a:outerShdw>
+                </a:effectLst>
+              </a14:hiddenEffects>
+            </a:ext>
+          </a:extLst>
+        </p:spPr>
+      </p:cxnSp>
+    </p:spTree>
+    <p:extLst>
+      <p:ext uri="{BB962C8B-B14F-4D97-AF65-F5344CB8AC3E}">
+        <p14:creationId xmlns:p14="http://schemas.microsoft.com/office/powerpoint/2010/main" val="426354552"/>
+      </p:ext>
+    </p:extLst>
+  </p:cSld>
+  <p:clrMapOvr>
+    <a:masterClrMapping/>
+  </p:clrMapOvr>
+</p:sld>
+</file>
+
+<file path=ppt/slides/slide31.xml><?xml version="1.0" encoding="utf-8"?>
+<p:sld xmlns:a="http://schemas.openxmlformats.org/drawingml/2006/main" xmlns:r="http://schemas.openxmlformats.org/officeDocument/2006/relationships" xmlns:p="http://schemas.openxmlformats.org/presentationml/2006/main">
+  <p:cSld>
+    <p:spTree>
+      <p:nvGrpSpPr>
+        <p:cNvPr id="1" name=""/>
+        <p:cNvGrpSpPr/>
+        <p:nvPr/>
+      </p:nvGrpSpPr>
+      <p:grpSpPr>
+        <a:xfrm>
+          <a:off x="0" y="0"/>
+          <a:ext cx="0" cy="0"/>
+          <a:chOff x="0" y="0"/>
+          <a:chExt cx="0" cy="0"/>
+        </a:xfrm>
+      </p:grpSpPr>
+      <p:sp>
+        <p:nvSpPr>
           <p:cNvPr id="3" name="Title 2">
             <a:extLst>
               <a:ext uri="{FF2B5EF4-FFF2-40B4-BE49-F238E27FC236}">
@@ -10490,7 +10660,7 @@
         <p:spPr/>
         <p:txBody>
           <a:bodyPr>
-            <a:normAutofit lnSpcReduction="10000"/>
+            <a:normAutofit fontScale="85000" lnSpcReduction="10000"/>
           </a:bodyPr>
           <a:lstStyle/>
           <a:p>
@@ -10518,99 +10688,69 @@
           <a:p>
             <a:pPr lvl="1"/>
             <a:r>
-              <a:rPr lang="en-US" sz="2000" dirty="0"/>
-              <a:t>Bird("</a:t>
-            </a:r>
-            <a:r>
-              <a:rPr lang="en-US" sz="2000" dirty="0" err="1"/>
-              <a:t>big","blue","yellow</a:t>
-            </a:r>
-            <a:r>
-              <a:rPr lang="en-US" sz="2000" dirty="0"/>
-              <a:t> dots")</a:t>
-            </a:r>
-            <a:r>
-              <a:rPr lang="en-US" sz="2000" dirty="0">
+              <a:rPr lang="en-US" sz="1900" dirty="0"/>
+              <a:t>If size=big and coloration=blue and markings=yellow dots then</a:t>
+            </a:r>
+            <a:r>
+              <a:rPr lang="en-US" sz="1900" dirty="0">
+                <a:solidFill>
+                  <a:srgbClr val="374151"/>
+                </a:solidFill>
+              </a:rPr>
+              <a:t> </a:t>
+            </a:r>
+            <a:r>
+              <a:rPr lang="en-US" sz="1900" dirty="0"/>
+              <a:t>blue polka</a:t>
+            </a:r>
+          </a:p>
+          <a:p>
+            <a:pPr lvl="1"/>
+            <a:r>
+              <a:rPr lang="en-US" sz="1900" dirty="0"/>
+              <a:t>If size=tiny and coloration=red and markings=green stripes then green striped finch</a:t>
+            </a:r>
+            <a:endParaRPr lang="en-US" sz="1900" dirty="0">
+              <a:solidFill>
+                <a:srgbClr val="374151"/>
+              </a:solidFill>
+            </a:endParaRPr>
+          </a:p>
+          <a:p>
+            <a:pPr lvl="1"/>
+            <a:r>
+              <a:rPr lang="en-US" sz="1900" dirty="0"/>
+              <a:t>If size=tiny and coloration=red and markings=black stripes then</a:t>
+            </a:r>
+            <a:r>
+              <a:rPr lang="en-US" sz="1900" dirty="0">
+                <a:solidFill>
+                  <a:srgbClr val="374151"/>
+                </a:solidFill>
+              </a:rPr>
+              <a:t> </a:t>
+            </a:r>
+            <a:r>
+              <a:rPr lang="en-US" sz="1900" dirty="0"/>
+              <a:t>striped sparrow</a:t>
+            </a:r>
+          </a:p>
+          <a:p>
+            <a:r>
+              <a:rPr lang="en-US" dirty="0">
                 <a:solidFill>
                   <a:srgbClr val="374151"/>
                 </a:solidFill>
                 <a:latin typeface="Söhne"/>
               </a:rPr>
-              <a:t> → "blue polka”</a:t>
+              <a:t>And we observe the bird </a:t>
             </a:r>
           </a:p>
           <a:p>
             <a:pPr lvl="1"/>
             <a:r>
               <a:rPr lang="en-US" sz="2000" dirty="0"/>
-              <a:t>Bird("</a:t>
-            </a:r>
-            <a:r>
-              <a:rPr lang="en-US" sz="2000" dirty="0" err="1"/>
-              <a:t>tiny","red","green</a:t>
-            </a:r>
-            <a:r>
-              <a:rPr lang="en-US" sz="2000" dirty="0"/>
-              <a:t> stripes")</a:t>
-            </a:r>
-            <a:r>
-              <a:rPr lang="en-US" sz="2000" dirty="0">
-                <a:solidFill>
-                  <a:srgbClr val="374151"/>
-                </a:solidFill>
-                <a:latin typeface="Söhne"/>
-              </a:rPr>
-              <a:t> → "green striped finch"</a:t>
-            </a:r>
-          </a:p>
-          <a:p>
-            <a:pPr lvl="1"/>
-            <a:r>
-              <a:rPr lang="en-US" sz="2000" dirty="0"/>
-              <a:t>Bird("</a:t>
-            </a:r>
-            <a:r>
-              <a:rPr lang="en-US" sz="2000" dirty="0" err="1"/>
-              <a:t>tiny","red","black</a:t>
-            </a:r>
-            <a:r>
-              <a:rPr lang="en-US" sz="2000" dirty="0"/>
-              <a:t> stripes")</a:t>
-            </a:r>
-            <a:r>
-              <a:rPr lang="en-US" sz="2000" dirty="0">
-                <a:solidFill>
-                  <a:srgbClr val="374151"/>
-                </a:solidFill>
-                <a:latin typeface="Söhne"/>
-              </a:rPr>
-              <a:t> → "striped sparrow”</a:t>
-            </a:r>
-          </a:p>
-          <a:p>
-            <a:r>
-              <a:rPr lang="en-US" sz="2200" dirty="0">
-                <a:solidFill>
-                  <a:srgbClr val="374151"/>
-                </a:solidFill>
-                <a:latin typeface="Söhne"/>
-              </a:rPr>
-              <a:t>And we observed a bird </a:t>
-            </a:r>
-          </a:p>
-          <a:p>
-            <a:pPr lvl="1"/>
-            <a:r>
-              <a:rPr lang="en-US" sz="2000" dirty="0"/>
-              <a:t>Bird("</a:t>
-            </a:r>
-            <a:r>
-              <a:rPr lang="en-US" sz="2000" dirty="0" err="1"/>
-              <a:t>tiny","red","black</a:t>
-            </a:r>
-            <a:r>
-              <a:rPr lang="en-US" sz="2000" dirty="0"/>
-              <a:t> stripes")</a:t>
+              <a:t>With size=tiny, coloration=red, markings=black stripes</a:t>
             </a:r>
             <a:endParaRPr lang="en-US" sz="2000" dirty="0">
               <a:solidFill>
@@ -10621,7 +10761,7 @@
           </a:p>
           <a:p>
             <a:r>
-              <a:rPr lang="en-US" sz="2200" dirty="0">
+              <a:rPr lang="en-US" dirty="0">
                 <a:solidFill>
                   <a:srgbClr val="374151"/>
                 </a:solidFill>
@@ -10629,7 +10769,7 @@
               </a:rPr>
               <a:t>Identify the observed bird.</a:t>
             </a:r>
-            <a:endParaRPr lang="en-US" sz="2200" dirty="0"/>
+            <a:endParaRPr lang="en-US" dirty="0"/>
           </a:p>
         </p:txBody>
       </p:sp>
@@ -10668,7 +10808,7 @@
           <p:cNvPr id="2" name="Title 1">
             <a:extLst>
               <a:ext uri="{FF2B5EF4-FFF2-40B4-BE49-F238E27FC236}">
-                <a16:creationId xmlns:a16="http://schemas.microsoft.com/office/drawing/2014/main" id="{44969C8F-C644-7946-B4B0-381BB6051384}"/>
+                <a16:creationId xmlns:a16="http://schemas.microsoft.com/office/drawing/2014/main" id="{4592DAC2-FA39-6C44-8DCE-D2C763D16474}"/>
               </a:ext>
             </a:extLst>
           </p:cNvPr>
@@ -10693,113 +10833,58 @@
       </p:sp>
       <p:sp>
         <p:nvSpPr>
-          <p:cNvPr id="5" name="TextBox 4">
-            <a:extLst>
-              <a:ext uri="{FF2B5EF4-FFF2-40B4-BE49-F238E27FC236}">
-                <a16:creationId xmlns:a16="http://schemas.microsoft.com/office/drawing/2014/main" id="{62B83371-9B88-984A-8AEC-EB001857EF67}"/>
-              </a:ext>
-            </a:extLst>
-          </p:cNvPr>
-          <p:cNvSpPr txBox="1"/>
-          <p:nvPr/>
-        </p:nvSpPr>
-        <p:spPr>
-          <a:xfrm>
-            <a:off x="7557336" y="4419600"/>
-            <a:ext cx="1358064" cy="307777"/>
-          </a:xfrm>
-          <a:prstGeom prst="rect">
-            <a:avLst/>
-          </a:prstGeom>
-          <a:noFill/>
-        </p:spPr>
-        <p:txBody>
-          <a:bodyPr wrap="none" rtlCol="0">
-            <a:spAutoFit/>
+          <p:cNvPr id="3" name="Content Placeholder 2">
+            <a:extLst>
+              <a:ext uri="{FF2B5EF4-FFF2-40B4-BE49-F238E27FC236}">
+                <a16:creationId xmlns:a16="http://schemas.microsoft.com/office/drawing/2014/main" id="{B87BCF98-8240-4148-998E-242CCE898873}"/>
+              </a:ext>
+            </a:extLst>
+          </p:cNvPr>
+          <p:cNvSpPr>
+            <a:spLocks noGrp="1"/>
+          </p:cNvSpPr>
+          <p:nvPr>
+            <p:ph idx="1"/>
+          </p:nvPr>
+        </p:nvSpPr>
+        <p:spPr/>
+        <p:txBody>
+          <a:bodyPr>
+            <a:normAutofit fontScale="92500"/>
           </a:bodyPr>
           <a:lstStyle/>
           <a:p>
             <a:r>
-              <a:rPr lang="en-US" sz="1400" dirty="0"/>
-              <a:t>ln004/bird1.ast</a:t>
-            </a:r>
-          </a:p>
-        </p:txBody>
-      </p:sp>
-      <p:pic>
-        <p:nvPicPr>
-          <p:cNvPr id="8" name="Picture 7">
-            <a:extLst>
-              <a:ext uri="{FF2B5EF4-FFF2-40B4-BE49-F238E27FC236}">
-                <a16:creationId xmlns:a16="http://schemas.microsoft.com/office/drawing/2014/main" id="{DB59B07C-F6D0-054E-B37F-CD924EC25FDF}"/>
-              </a:ext>
-            </a:extLst>
-          </p:cNvPr>
-          <p:cNvPicPr>
-            <a:picLocks noChangeAspect="1"/>
-          </p:cNvPicPr>
-          <p:nvPr/>
-        </p:nvPicPr>
-        <p:blipFill>
-          <a:blip r:embed="rId2"/>
-          <a:stretch>
-            <a:fillRect/>
-          </a:stretch>
-        </p:blipFill>
-        <p:spPr>
-          <a:xfrm>
-            <a:off x="615950" y="5816600"/>
-            <a:ext cx="7912100" cy="965200"/>
-          </a:xfrm>
-          <a:prstGeom prst="rect">
-            <a:avLst/>
-          </a:prstGeom>
-          <a:ln>
-            <a:solidFill>
-              <a:schemeClr val="tx1"/>
-            </a:solidFill>
-          </a:ln>
-        </p:spPr>
-      </p:pic>
-      <p:pic>
-        <p:nvPicPr>
-          <p:cNvPr id="11" name="Picture 10">
-            <a:extLst>
-              <a:ext uri="{FF2B5EF4-FFF2-40B4-BE49-F238E27FC236}">
-                <a16:creationId xmlns:a16="http://schemas.microsoft.com/office/drawing/2014/main" id="{33AF4169-5E97-CD4C-B6CD-A0BDB93B81EB}"/>
-              </a:ext>
-            </a:extLst>
-          </p:cNvPr>
-          <p:cNvPicPr>
-            <a:picLocks noChangeAspect="1"/>
-          </p:cNvPicPr>
-          <p:nvPr/>
-        </p:nvPicPr>
-        <p:blipFill>
-          <a:blip r:embed="rId3"/>
-          <a:stretch>
-            <a:fillRect/>
-          </a:stretch>
-        </p:blipFill>
-        <p:spPr>
-          <a:xfrm>
-            <a:off x="1033244" y="76200"/>
-            <a:ext cx="6510556" cy="5695430"/>
-          </a:xfrm>
-          <a:prstGeom prst="rect">
-            <a:avLst/>
-          </a:prstGeom>
-          <a:ln>
-            <a:solidFill>
-              <a:schemeClr val="tx1"/>
-            </a:solidFill>
-          </a:ln>
-        </p:spPr>
-      </p:pic>
+              <a:rPr lang="en-US" dirty="0"/>
+              <a:t>We can solve this problem nicely with pattern matching on objects in Asteroid</a:t>
+            </a:r>
+          </a:p>
+          <a:p>
+            <a:r>
+              <a:rPr lang="en-US" dirty="0"/>
+              <a:t>In our solution we use the let statement together with try-catch blocks so we can see the patter match failures</a:t>
+            </a:r>
+          </a:p>
+          <a:p>
+            <a:pPr lvl="1"/>
+            <a:r>
+              <a:rPr lang="en-US" dirty="0"/>
+              <a:t>In production level code you probably don’t want to do it that way.</a:t>
+            </a:r>
+          </a:p>
+          <a:p>
+            <a:pPr lvl="1"/>
+            <a:r>
+              <a:rPr lang="en-US" dirty="0"/>
+              <a:t>We’ll show better techniques of serial pattern matching against a value later</a:t>
+            </a:r>
+          </a:p>
+        </p:txBody>
+      </p:sp>
     </p:spTree>
     <p:extLst>
       <p:ext uri="{BB962C8B-B14F-4D97-AF65-F5344CB8AC3E}">
-        <p14:creationId xmlns:p14="http://schemas.microsoft.com/office/powerpoint/2010/main" val="2288999045"/>
+        <p14:creationId xmlns:p14="http://schemas.microsoft.com/office/powerpoint/2010/main" val="2188945959"/>
       </p:ext>
     </p:extLst>
   </p:cSld>
@@ -10856,47 +10941,6 @@
       </p:sp>
       <p:sp>
         <p:nvSpPr>
-          <p:cNvPr id="3" name="Content Placeholder 2">
-            <a:extLst>
-              <a:ext uri="{FF2B5EF4-FFF2-40B4-BE49-F238E27FC236}">
-                <a16:creationId xmlns:a16="http://schemas.microsoft.com/office/drawing/2014/main" id="{3F6AF04D-0CA2-0C4C-A132-CF98ACEF6992}"/>
-              </a:ext>
-            </a:extLst>
-          </p:cNvPr>
-          <p:cNvSpPr>
-            <a:spLocks noGrp="1"/>
-          </p:cNvSpPr>
-          <p:nvPr>
-            <p:ph idx="1"/>
-          </p:nvPr>
-        </p:nvSpPr>
-        <p:spPr>
-          <a:xfrm>
-            <a:off x="1524000" y="1905000"/>
-            <a:ext cx="7010400" cy="1143000"/>
-          </a:xfrm>
-        </p:spPr>
-        <p:txBody>
-          <a:bodyPr>
-            <a:normAutofit fontScale="85000" lnSpcReduction="20000"/>
-          </a:bodyPr>
-          <a:lstStyle/>
-          <a:p>
-            <a:r>
-              <a:rPr lang="en-US" dirty="0"/>
-              <a:t>Variables allow for partial matches</a:t>
-            </a:r>
-          </a:p>
-          <a:p>
-            <a:r>
-              <a:rPr lang="en-US" dirty="0"/>
-              <a:t>Variables in patterns are instantiated in the current environment</a:t>
-            </a:r>
-          </a:p>
-        </p:txBody>
-      </p:sp>
-      <p:sp>
-        <p:nvSpPr>
           <p:cNvPr id="5" name="TextBox 4">
             <a:extLst>
               <a:ext uri="{FF2B5EF4-FFF2-40B4-BE49-F238E27FC236}">
@@ -10909,7 +10953,7 @@
         </p:nvSpPr>
         <p:spPr>
           <a:xfrm>
-            <a:off x="7176336" y="4521886"/>
+            <a:off x="7557336" y="4419600"/>
             <a:ext cx="1358064" cy="307777"/>
           </a:xfrm>
           <a:prstGeom prst="rect">
@@ -10932,10 +10976,10 @@
       </p:sp>
       <p:pic>
         <p:nvPicPr>
-          <p:cNvPr id="4" name="Picture 3">
-            <a:extLst>
-              <a:ext uri="{FF2B5EF4-FFF2-40B4-BE49-F238E27FC236}">
-                <a16:creationId xmlns:a16="http://schemas.microsoft.com/office/drawing/2014/main" id="{5EDB5844-582D-704C-97CB-230F26B22484}"/>
+          <p:cNvPr id="8" name="Picture 7">
+            <a:extLst>
+              <a:ext uri="{FF2B5EF4-FFF2-40B4-BE49-F238E27FC236}">
+                <a16:creationId xmlns:a16="http://schemas.microsoft.com/office/drawing/2014/main" id="{DB59B07C-F6D0-054E-B37F-CD924EC25FDF}"/>
               </a:ext>
             </a:extLst>
           </p:cNvPr>
@@ -10952,8 +10996,8 @@
         </p:blipFill>
         <p:spPr>
           <a:xfrm>
-            <a:off x="609600" y="3210413"/>
-            <a:ext cx="6146800" cy="3238500"/>
+            <a:off x="615950" y="5816600"/>
+            <a:ext cx="7912100" cy="965200"/>
           </a:xfrm>
           <a:prstGeom prst="rect">
             <a:avLst/>
@@ -10965,10 +11009,45 @@
           </a:ln>
         </p:spPr>
       </p:pic>
+      <p:pic>
+        <p:nvPicPr>
+          <p:cNvPr id="11" name="Picture 10">
+            <a:extLst>
+              <a:ext uri="{FF2B5EF4-FFF2-40B4-BE49-F238E27FC236}">
+                <a16:creationId xmlns:a16="http://schemas.microsoft.com/office/drawing/2014/main" id="{33AF4169-5E97-CD4C-B6CD-A0BDB93B81EB}"/>
+              </a:ext>
+            </a:extLst>
+          </p:cNvPr>
+          <p:cNvPicPr>
+            <a:picLocks noChangeAspect="1"/>
+          </p:cNvPicPr>
+          <p:nvPr/>
+        </p:nvPicPr>
+        <p:blipFill>
+          <a:blip r:embed="rId3"/>
+          <a:stretch>
+            <a:fillRect/>
+          </a:stretch>
+        </p:blipFill>
+        <p:spPr>
+          <a:xfrm>
+            <a:off x="1033244" y="76200"/>
+            <a:ext cx="6510556" cy="5695430"/>
+          </a:xfrm>
+          <a:prstGeom prst="rect">
+            <a:avLst/>
+          </a:prstGeom>
+          <a:ln>
+            <a:solidFill>
+              <a:schemeClr val="tx1"/>
+            </a:solidFill>
+          </a:ln>
+        </p:spPr>
+      </p:pic>
     </p:spTree>
     <p:extLst>
       <p:ext uri="{BB962C8B-B14F-4D97-AF65-F5344CB8AC3E}">
-        <p14:creationId xmlns:p14="http://schemas.microsoft.com/office/powerpoint/2010/main" val="2585622426"/>
+        <p14:creationId xmlns:p14="http://schemas.microsoft.com/office/powerpoint/2010/main" val="2288999045"/>
       </p:ext>
     </p:extLst>
   </p:cSld>

--- a/notes/csc493-ln004.pptx
+++ b/notes/csc493-ln004.pptx
@@ -5,10 +5,10 @@
     <p:sldMasterId id="2147483651" r:id="rId1"/>
   </p:sldMasterIdLst>
   <p:notesMasterIdLst>
-    <p:notesMasterId r:id="rId33"/>
+    <p:notesMasterId r:id="rId35"/>
   </p:notesMasterIdLst>
   <p:handoutMasterIdLst>
-    <p:handoutMasterId r:id="rId34"/>
+    <p:handoutMasterId r:id="rId36"/>
   </p:handoutMasterIdLst>
   <p:sldIdLst>
     <p:sldId id="280" r:id="rId2"/>
@@ -20,28 +20,30 @@
     <p:sldId id="286" r:id="rId8"/>
     <p:sldId id="287" r:id="rId9"/>
     <p:sldId id="284" r:id="rId10"/>
-    <p:sldId id="285" r:id="rId11"/>
-    <p:sldId id="259" r:id="rId12"/>
-    <p:sldId id="260" r:id="rId13"/>
-    <p:sldId id="261" r:id="rId14"/>
-    <p:sldId id="262" r:id="rId15"/>
-    <p:sldId id="263" r:id="rId16"/>
-    <p:sldId id="264" r:id="rId17"/>
-    <p:sldId id="265" r:id="rId18"/>
-    <p:sldId id="279" r:id="rId19"/>
-    <p:sldId id="266" r:id="rId20"/>
-    <p:sldId id="267" r:id="rId21"/>
-    <p:sldId id="268" r:id="rId22"/>
-    <p:sldId id="269" r:id="rId23"/>
-    <p:sldId id="270" r:id="rId24"/>
-    <p:sldId id="271" r:id="rId25"/>
-    <p:sldId id="272" r:id="rId26"/>
-    <p:sldId id="273" r:id="rId27"/>
-    <p:sldId id="277" r:id="rId28"/>
-    <p:sldId id="278" r:id="rId29"/>
-    <p:sldId id="274" r:id="rId30"/>
-    <p:sldId id="275" r:id="rId31"/>
-    <p:sldId id="276" r:id="rId32"/>
+    <p:sldId id="288" r:id="rId11"/>
+    <p:sldId id="289" r:id="rId12"/>
+    <p:sldId id="285" r:id="rId13"/>
+    <p:sldId id="259" r:id="rId14"/>
+    <p:sldId id="260" r:id="rId15"/>
+    <p:sldId id="261" r:id="rId16"/>
+    <p:sldId id="262" r:id="rId17"/>
+    <p:sldId id="263" r:id="rId18"/>
+    <p:sldId id="264" r:id="rId19"/>
+    <p:sldId id="265" r:id="rId20"/>
+    <p:sldId id="279" r:id="rId21"/>
+    <p:sldId id="266" r:id="rId22"/>
+    <p:sldId id="267" r:id="rId23"/>
+    <p:sldId id="268" r:id="rId24"/>
+    <p:sldId id="269" r:id="rId25"/>
+    <p:sldId id="270" r:id="rId26"/>
+    <p:sldId id="271" r:id="rId27"/>
+    <p:sldId id="272" r:id="rId28"/>
+    <p:sldId id="273" r:id="rId29"/>
+    <p:sldId id="277" r:id="rId30"/>
+    <p:sldId id="278" r:id="rId31"/>
+    <p:sldId id="274" r:id="rId32"/>
+    <p:sldId id="275" r:id="rId33"/>
+    <p:sldId id="276" r:id="rId34"/>
   </p:sldIdLst>
   <p:sldSz cx="9144000" cy="6858000" type="screen4x3"/>
   <p:notesSz cx="6856413" cy="9083675"/>
@@ -5345,7 +5347,7 @@
           <p:cNvPr id="3" name="Content Placeholder 2">
             <a:extLst>
               <a:ext uri="{FF2B5EF4-FFF2-40B4-BE49-F238E27FC236}">
-                <a16:creationId xmlns:a16="http://schemas.microsoft.com/office/drawing/2014/main" id="{3F6AF04D-0CA2-0C4C-A132-CF98ACEF6992}"/>
+                <a16:creationId xmlns:a16="http://schemas.microsoft.com/office/drawing/2014/main" id="{E53EFDD1-B6BA-6F4A-9E7B-40833BE9267A}"/>
               </a:ext>
             </a:extLst>
           </p:cNvPr>
@@ -5358,25 +5360,17 @@
         </p:nvSpPr>
         <p:spPr>
           <a:xfrm>
-            <a:off x="1524000" y="1905000"/>
-            <a:ext cx="7010400" cy="1143000"/>
-          </a:xfrm>
-        </p:spPr>
-        <p:txBody>
-          <a:bodyPr>
-            <a:normAutofit fontScale="85000" lnSpcReduction="20000"/>
-          </a:bodyPr>
+            <a:off x="656492" y="1875542"/>
+            <a:ext cx="2743200" cy="4114800"/>
+          </a:xfrm>
+        </p:spPr>
+        <p:txBody>
+          <a:bodyPr/>
           <a:lstStyle/>
           <a:p>
             <a:r>
-              <a:rPr lang="en-US" dirty="0"/>
-              <a:t>Variables allow for partial matches</a:t>
-            </a:r>
-          </a:p>
-          <a:p>
-            <a:r>
-              <a:rPr lang="en-US" dirty="0"/>
-              <a:t>Variables in patterns are instantiated in the current environment</a:t>
+              <a:rPr lang="en-US" sz="2000" dirty="0"/>
+              <a:t>Here is a much more elegant solution using pattern matching in functions</a:t>
             </a:r>
           </a:p>
         </p:txBody>
@@ -5395,7 +5389,7 @@
         </p:nvSpPr>
         <p:spPr>
           <a:xfrm>
-            <a:off x="7176336" y="4521886"/>
+            <a:off x="7176336" y="6042701"/>
             <a:ext cx="1358064" cy="307777"/>
           </a:xfrm>
           <a:prstGeom prst="rect">
@@ -5411,7 +5405,7 @@
           <a:p>
             <a:r>
               <a:rPr lang="en-US" sz="1400" dirty="0"/>
-              <a:t>ln004/bird3.ast</a:t>
+              <a:t>ln004/bird2.ast</a:t>
             </a:r>
           </a:p>
         </p:txBody>
@@ -5421,7 +5415,7 @@
           <p:cNvPr id="4" name="Picture 3">
             <a:extLst>
               <a:ext uri="{FF2B5EF4-FFF2-40B4-BE49-F238E27FC236}">
-                <a16:creationId xmlns:a16="http://schemas.microsoft.com/office/drawing/2014/main" id="{5EDB5844-582D-704C-97CB-230F26B22484}"/>
+                <a16:creationId xmlns:a16="http://schemas.microsoft.com/office/drawing/2014/main" id="{DC4A4BCA-87ED-B040-A1E0-EA49EBE8742B}"/>
               </a:ext>
             </a:extLst>
           </p:cNvPr>
@@ -5438,8 +5432,8 @@
         </p:blipFill>
         <p:spPr>
           <a:xfrm>
-            <a:off x="609600" y="3210413"/>
-            <a:ext cx="6146800" cy="3238500"/>
+            <a:off x="3505200" y="1335880"/>
+            <a:ext cx="5525741" cy="4654462"/>
           </a:xfrm>
           <a:prstGeom prst="rect">
             <a:avLst/>
@@ -5454,7 +5448,7 @@
     </p:spTree>
     <p:extLst>
       <p:ext uri="{BB962C8B-B14F-4D97-AF65-F5344CB8AC3E}">
-        <p14:creationId xmlns:p14="http://schemas.microsoft.com/office/powerpoint/2010/main" val="2585622426"/>
+        <p14:creationId xmlns:p14="http://schemas.microsoft.com/office/powerpoint/2010/main" val="871085078"/>
       </p:ext>
     </p:extLst>
   </p:cSld>
@@ -5504,6 +5498,336 @@
           <a:p>
             <a:r>
               <a:rPr lang="en-US" dirty="0"/>
+              <a:t>Pattern Matching – Foundations </a:t>
+            </a:r>
+          </a:p>
+        </p:txBody>
+      </p:sp>
+      <p:sp>
+        <p:nvSpPr>
+          <p:cNvPr id="3" name="Content Placeholder 2">
+            <a:extLst>
+              <a:ext uri="{FF2B5EF4-FFF2-40B4-BE49-F238E27FC236}">
+                <a16:creationId xmlns:a16="http://schemas.microsoft.com/office/drawing/2014/main" id="{E53EFDD1-B6BA-6F4A-9E7B-40833BE9267A}"/>
+              </a:ext>
+            </a:extLst>
+          </p:cNvPr>
+          <p:cNvSpPr>
+            <a:spLocks noGrp="1"/>
+          </p:cNvSpPr>
+          <p:nvPr>
+            <p:ph idx="1"/>
+          </p:nvPr>
+        </p:nvSpPr>
+        <p:spPr>
+          <a:xfrm>
+            <a:off x="656492" y="1875542"/>
+            <a:ext cx="7877908" cy="562858"/>
+          </a:xfrm>
+        </p:spPr>
+        <p:txBody>
+          <a:bodyPr/>
+          <a:lstStyle/>
+          <a:p>
+            <a:r>
+              <a:rPr lang="en-US" sz="2000" dirty="0"/>
+              <a:t>Here is a solution using pattern matching in Python</a:t>
+            </a:r>
+          </a:p>
+        </p:txBody>
+      </p:sp>
+      <p:sp>
+        <p:nvSpPr>
+          <p:cNvPr id="5" name="TextBox 4">
+            <a:extLst>
+              <a:ext uri="{FF2B5EF4-FFF2-40B4-BE49-F238E27FC236}">
+                <a16:creationId xmlns:a16="http://schemas.microsoft.com/office/drawing/2014/main" id="{62B83371-9B88-984A-8AEC-EB001857EF67}"/>
+              </a:ext>
+            </a:extLst>
+          </p:cNvPr>
+          <p:cNvSpPr txBox="1"/>
+          <p:nvPr/>
+        </p:nvSpPr>
+        <p:spPr>
+          <a:xfrm>
+            <a:off x="7176336" y="6042701"/>
+            <a:ext cx="1308371" cy="307777"/>
+          </a:xfrm>
+          <a:prstGeom prst="rect">
+            <a:avLst/>
+          </a:prstGeom>
+          <a:noFill/>
+        </p:spPr>
+        <p:txBody>
+          <a:bodyPr wrap="none" rtlCol="0">
+            <a:spAutoFit/>
+          </a:bodyPr>
+          <a:lstStyle/>
+          <a:p>
+            <a:r>
+              <a:rPr lang="en-US" sz="1400" dirty="0"/>
+              <a:t>ln004/bird2.py</a:t>
+            </a:r>
+          </a:p>
+        </p:txBody>
+      </p:sp>
+      <p:pic>
+        <p:nvPicPr>
+          <p:cNvPr id="6" name="Picture 5">
+            <a:extLst>
+              <a:ext uri="{FF2B5EF4-FFF2-40B4-BE49-F238E27FC236}">
+                <a16:creationId xmlns:a16="http://schemas.microsoft.com/office/drawing/2014/main" id="{CE4DE585-0BC4-0640-BC52-ADE282B0A903}"/>
+              </a:ext>
+            </a:extLst>
+          </p:cNvPr>
+          <p:cNvPicPr>
+            <a:picLocks noChangeAspect="1"/>
+          </p:cNvPicPr>
+          <p:nvPr/>
+        </p:nvPicPr>
+        <p:blipFill>
+          <a:blip r:embed="rId2"/>
+          <a:stretch>
+            <a:fillRect/>
+          </a:stretch>
+        </p:blipFill>
+        <p:spPr>
+          <a:xfrm>
+            <a:off x="625160" y="2484367"/>
+            <a:ext cx="7200900" cy="3512366"/>
+          </a:xfrm>
+          <a:prstGeom prst="rect">
+            <a:avLst/>
+          </a:prstGeom>
+          <a:ln>
+            <a:solidFill>
+              <a:schemeClr val="tx1"/>
+            </a:solidFill>
+          </a:ln>
+        </p:spPr>
+      </p:pic>
+    </p:spTree>
+    <p:extLst>
+      <p:ext uri="{BB962C8B-B14F-4D97-AF65-F5344CB8AC3E}">
+        <p14:creationId xmlns:p14="http://schemas.microsoft.com/office/powerpoint/2010/main" val="363371943"/>
+      </p:ext>
+    </p:extLst>
+  </p:cSld>
+  <p:clrMapOvr>
+    <a:masterClrMapping/>
+  </p:clrMapOvr>
+</p:sld>
+</file>
+
+<file path=ppt/slides/slide12.xml><?xml version="1.0" encoding="utf-8"?>
+<p:sld xmlns:a="http://schemas.openxmlformats.org/drawingml/2006/main" xmlns:r="http://schemas.openxmlformats.org/officeDocument/2006/relationships" xmlns:p="http://schemas.openxmlformats.org/presentationml/2006/main">
+  <p:cSld>
+    <p:spTree>
+      <p:nvGrpSpPr>
+        <p:cNvPr id="1" name=""/>
+        <p:cNvGrpSpPr/>
+        <p:nvPr/>
+      </p:nvGrpSpPr>
+      <p:grpSpPr>
+        <a:xfrm>
+          <a:off x="0" y="0"/>
+          <a:ext cx="0" cy="0"/>
+          <a:chOff x="0" y="0"/>
+          <a:chExt cx="0" cy="0"/>
+        </a:xfrm>
+      </p:grpSpPr>
+      <p:sp>
+        <p:nvSpPr>
+          <p:cNvPr id="2" name="Title 1">
+            <a:extLst>
+              <a:ext uri="{FF2B5EF4-FFF2-40B4-BE49-F238E27FC236}">
+                <a16:creationId xmlns:a16="http://schemas.microsoft.com/office/drawing/2014/main" id="{44969C8F-C644-7946-B4B0-381BB6051384}"/>
+              </a:ext>
+            </a:extLst>
+          </p:cNvPr>
+          <p:cNvSpPr>
+            <a:spLocks noGrp="1"/>
+          </p:cNvSpPr>
+          <p:nvPr>
+            <p:ph type="title"/>
+          </p:nvPr>
+        </p:nvSpPr>
+        <p:spPr/>
+        <p:txBody>
+          <a:bodyPr/>
+          <a:lstStyle/>
+          <a:p>
+            <a:r>
+              <a:rPr lang="en-US" dirty="0"/>
+              <a:t>Pattern Matching – Foundations </a:t>
+            </a:r>
+          </a:p>
+        </p:txBody>
+      </p:sp>
+      <p:sp>
+        <p:nvSpPr>
+          <p:cNvPr id="3" name="Content Placeholder 2">
+            <a:extLst>
+              <a:ext uri="{FF2B5EF4-FFF2-40B4-BE49-F238E27FC236}">
+                <a16:creationId xmlns:a16="http://schemas.microsoft.com/office/drawing/2014/main" id="{3F6AF04D-0CA2-0C4C-A132-CF98ACEF6992}"/>
+              </a:ext>
+            </a:extLst>
+          </p:cNvPr>
+          <p:cNvSpPr>
+            <a:spLocks noGrp="1"/>
+          </p:cNvSpPr>
+          <p:nvPr>
+            <p:ph idx="1"/>
+          </p:nvPr>
+        </p:nvSpPr>
+        <p:spPr>
+          <a:xfrm>
+            <a:off x="1524000" y="1905000"/>
+            <a:ext cx="7010400" cy="1143000"/>
+          </a:xfrm>
+        </p:spPr>
+        <p:txBody>
+          <a:bodyPr>
+            <a:normAutofit fontScale="85000" lnSpcReduction="20000"/>
+          </a:bodyPr>
+          <a:lstStyle/>
+          <a:p>
+            <a:r>
+              <a:rPr lang="en-US" dirty="0"/>
+              <a:t>Variables allow for partial matches</a:t>
+            </a:r>
+          </a:p>
+          <a:p>
+            <a:r>
+              <a:rPr lang="en-US" dirty="0"/>
+              <a:t>Variables in patterns are instantiated in the current environment</a:t>
+            </a:r>
+          </a:p>
+        </p:txBody>
+      </p:sp>
+      <p:sp>
+        <p:nvSpPr>
+          <p:cNvPr id="5" name="TextBox 4">
+            <a:extLst>
+              <a:ext uri="{FF2B5EF4-FFF2-40B4-BE49-F238E27FC236}">
+                <a16:creationId xmlns:a16="http://schemas.microsoft.com/office/drawing/2014/main" id="{62B83371-9B88-984A-8AEC-EB001857EF67}"/>
+              </a:ext>
+            </a:extLst>
+          </p:cNvPr>
+          <p:cNvSpPr txBox="1"/>
+          <p:nvPr/>
+        </p:nvSpPr>
+        <p:spPr>
+          <a:xfrm>
+            <a:off x="7176336" y="4521886"/>
+            <a:ext cx="1358064" cy="307777"/>
+          </a:xfrm>
+          <a:prstGeom prst="rect">
+            <a:avLst/>
+          </a:prstGeom>
+          <a:noFill/>
+        </p:spPr>
+        <p:txBody>
+          <a:bodyPr wrap="none" rtlCol="0">
+            <a:spAutoFit/>
+          </a:bodyPr>
+          <a:lstStyle/>
+          <a:p>
+            <a:r>
+              <a:rPr lang="en-US" sz="1400" dirty="0"/>
+              <a:t>ln004/bird3.ast</a:t>
+            </a:r>
+          </a:p>
+        </p:txBody>
+      </p:sp>
+      <p:pic>
+        <p:nvPicPr>
+          <p:cNvPr id="4" name="Picture 3">
+            <a:extLst>
+              <a:ext uri="{FF2B5EF4-FFF2-40B4-BE49-F238E27FC236}">
+                <a16:creationId xmlns:a16="http://schemas.microsoft.com/office/drawing/2014/main" id="{5EDB5844-582D-704C-97CB-230F26B22484}"/>
+              </a:ext>
+            </a:extLst>
+          </p:cNvPr>
+          <p:cNvPicPr>
+            <a:picLocks noChangeAspect="1"/>
+          </p:cNvPicPr>
+          <p:nvPr/>
+        </p:nvPicPr>
+        <p:blipFill>
+          <a:blip r:embed="rId2"/>
+          <a:stretch>
+            <a:fillRect/>
+          </a:stretch>
+        </p:blipFill>
+        <p:spPr>
+          <a:xfrm>
+            <a:off x="609600" y="3210413"/>
+            <a:ext cx="6146800" cy="3238500"/>
+          </a:xfrm>
+          <a:prstGeom prst="rect">
+            <a:avLst/>
+          </a:prstGeom>
+          <a:ln>
+            <a:solidFill>
+              <a:schemeClr val="tx1"/>
+            </a:solidFill>
+          </a:ln>
+        </p:spPr>
+      </p:pic>
+    </p:spTree>
+    <p:extLst>
+      <p:ext uri="{BB962C8B-B14F-4D97-AF65-F5344CB8AC3E}">
+        <p14:creationId xmlns:p14="http://schemas.microsoft.com/office/powerpoint/2010/main" val="2585622426"/>
+      </p:ext>
+    </p:extLst>
+  </p:cSld>
+  <p:clrMapOvr>
+    <a:masterClrMapping/>
+  </p:clrMapOvr>
+</p:sld>
+</file>
+
+<file path=ppt/slides/slide13.xml><?xml version="1.0" encoding="utf-8"?>
+<p:sld xmlns:a="http://schemas.openxmlformats.org/drawingml/2006/main" xmlns:r="http://schemas.openxmlformats.org/officeDocument/2006/relationships" xmlns:p="http://schemas.openxmlformats.org/presentationml/2006/main">
+  <p:cSld>
+    <p:spTree>
+      <p:nvGrpSpPr>
+        <p:cNvPr id="1" name=""/>
+        <p:cNvGrpSpPr/>
+        <p:nvPr/>
+      </p:nvGrpSpPr>
+      <p:grpSpPr>
+        <a:xfrm>
+          <a:off x="0" y="0"/>
+          <a:ext cx="0" cy="0"/>
+          <a:chOff x="0" y="0"/>
+          <a:chExt cx="0" cy="0"/>
+        </a:xfrm>
+      </p:grpSpPr>
+      <p:sp>
+        <p:nvSpPr>
+          <p:cNvPr id="2" name="Title 1">
+            <a:extLst>
+              <a:ext uri="{FF2B5EF4-FFF2-40B4-BE49-F238E27FC236}">
+                <a16:creationId xmlns:a16="http://schemas.microsoft.com/office/drawing/2014/main" id="{44969C8F-C644-7946-B4B0-381BB6051384}"/>
+              </a:ext>
+            </a:extLst>
+          </p:cNvPr>
+          <p:cNvSpPr>
+            <a:spLocks noGrp="1"/>
+          </p:cNvSpPr>
+          <p:nvPr>
+            <p:ph type="title"/>
+          </p:nvPr>
+        </p:nvSpPr>
+        <p:spPr/>
+        <p:txBody>
+          <a:bodyPr/>
+          <a:lstStyle/>
+          <a:p>
+            <a:r>
+              <a:rPr lang="en-US" dirty="0"/>
               <a:t>Basic Patterns</a:t>
             </a:r>
           </a:p>
@@ -5662,7 +5986,7 @@
 </p:sld>
 </file>
 
-<file path=ppt/slides/slide12.xml><?xml version="1.0" encoding="utf-8"?>
+<file path=ppt/slides/slide14.xml><?xml version="1.0" encoding="utf-8"?>
 <p:sld xmlns:a="http://schemas.openxmlformats.org/drawingml/2006/main" xmlns:r="http://schemas.openxmlformats.org/officeDocument/2006/relationships" xmlns:p="http://schemas.openxmlformats.org/presentationml/2006/main">
   <p:cSld>
     <p:spTree>
@@ -5924,494 +6248,6 @@
 </p:sld>
 </file>
 
-<file path=ppt/slides/slide13.xml><?xml version="1.0" encoding="utf-8"?>
-<p:sld xmlns:a="http://schemas.openxmlformats.org/drawingml/2006/main" xmlns:r="http://schemas.openxmlformats.org/officeDocument/2006/relationships" xmlns:p="http://schemas.openxmlformats.org/presentationml/2006/main">
-  <p:cSld>
-    <p:spTree>
-      <p:nvGrpSpPr>
-        <p:cNvPr id="1" name=""/>
-        <p:cNvGrpSpPr/>
-        <p:nvPr/>
-      </p:nvGrpSpPr>
-      <p:grpSpPr>
-        <a:xfrm>
-          <a:off x="0" y="0"/>
-          <a:ext cx="0" cy="0"/>
-          <a:chOff x="0" y="0"/>
-          <a:chExt cx="0" cy="0"/>
-        </a:xfrm>
-      </p:grpSpPr>
-      <p:sp>
-        <p:nvSpPr>
-          <p:cNvPr id="5" name="Title 4">
-            <a:extLst>
-              <a:ext uri="{FF2B5EF4-FFF2-40B4-BE49-F238E27FC236}">
-                <a16:creationId xmlns:a16="http://schemas.microsoft.com/office/drawing/2014/main" id="{1AF4F978-3E3C-7447-946F-559FC9D1C077}"/>
-              </a:ext>
-            </a:extLst>
-          </p:cNvPr>
-          <p:cNvSpPr>
-            <a:spLocks noGrp="1"/>
-          </p:cNvSpPr>
-          <p:nvPr>
-            <p:ph type="title"/>
-          </p:nvPr>
-        </p:nvSpPr>
-        <p:spPr/>
-        <p:txBody>
-          <a:bodyPr/>
-          <a:lstStyle/>
-          <a:p>
-            <a:r>
-              <a:rPr lang="en-US" dirty="0" err="1"/>
-              <a:t>Destructuring</a:t>
-            </a:r>
-            <a:endParaRPr lang="en-US" dirty="0"/>
-          </a:p>
-        </p:txBody>
-      </p:sp>
-      <p:sp>
-        <p:nvSpPr>
-          <p:cNvPr id="6" name="Content Placeholder 5">
-            <a:extLst>
-              <a:ext uri="{FF2B5EF4-FFF2-40B4-BE49-F238E27FC236}">
-                <a16:creationId xmlns:a16="http://schemas.microsoft.com/office/drawing/2014/main" id="{69CD2371-8322-9A41-A719-261ECC263996}"/>
-              </a:ext>
-            </a:extLst>
-          </p:cNvPr>
-          <p:cNvSpPr>
-            <a:spLocks noGrp="1"/>
-          </p:cNvSpPr>
-          <p:nvPr>
-            <p:ph idx="1"/>
-          </p:nvPr>
-        </p:nvSpPr>
-        <p:spPr>
-          <a:xfrm>
-            <a:off x="1524000" y="1905000"/>
-            <a:ext cx="7010400" cy="1524000"/>
-          </a:xfrm>
-        </p:spPr>
-        <p:txBody>
-          <a:bodyPr>
-            <a:normAutofit fontScale="85000" lnSpcReduction="20000"/>
-          </a:bodyPr>
-          <a:lstStyle/>
-          <a:p>
-            <a:r>
-              <a:rPr lang="en-US" dirty="0"/>
-              <a:t>The idea of </a:t>
-            </a:r>
-            <a:r>
-              <a:rPr lang="en-US" dirty="0" err="1"/>
-              <a:t>destructuring</a:t>
-            </a:r>
-            <a:r>
-              <a:rPr lang="en-US" dirty="0"/>
-              <a:t> is fundamental to pattern matching</a:t>
-            </a:r>
-          </a:p>
-          <a:p>
-            <a:r>
-              <a:rPr lang="en-US" dirty="0"/>
-              <a:t>It makes access to substructures much more readable (and efficient).</a:t>
-            </a:r>
-          </a:p>
-        </p:txBody>
-      </p:sp>
-      <p:pic>
-        <p:nvPicPr>
-          <p:cNvPr id="7" name="Picture 6">
-            <a:extLst>
-              <a:ext uri="{FF2B5EF4-FFF2-40B4-BE49-F238E27FC236}">
-                <a16:creationId xmlns:a16="http://schemas.microsoft.com/office/drawing/2014/main" id="{125A6A26-A408-284D-A5D3-913E31B1906F}"/>
-              </a:ext>
-            </a:extLst>
-          </p:cNvPr>
-          <p:cNvPicPr>
-            <a:picLocks noChangeAspect="1"/>
-          </p:cNvPicPr>
-          <p:nvPr/>
-        </p:nvPicPr>
-        <p:blipFill>
-          <a:blip r:embed="rId2"/>
-          <a:stretch>
-            <a:fillRect/>
-          </a:stretch>
-        </p:blipFill>
-        <p:spPr>
-          <a:xfrm>
-            <a:off x="381000" y="3733800"/>
-            <a:ext cx="5080000" cy="1104900"/>
-          </a:xfrm>
-          <a:prstGeom prst="rect">
-            <a:avLst/>
-          </a:prstGeom>
-          <a:ln>
-            <a:solidFill>
-              <a:schemeClr val="tx1"/>
-            </a:solidFill>
-          </a:ln>
-        </p:spPr>
-      </p:pic>
-      <p:sp>
-        <p:nvSpPr>
-          <p:cNvPr id="8" name="TextBox 7">
-            <a:extLst>
-              <a:ext uri="{FF2B5EF4-FFF2-40B4-BE49-F238E27FC236}">
-                <a16:creationId xmlns:a16="http://schemas.microsoft.com/office/drawing/2014/main" id="{03756C8F-9F25-8C48-9322-F8715F3293D8}"/>
-              </a:ext>
-            </a:extLst>
-          </p:cNvPr>
-          <p:cNvSpPr txBox="1"/>
-          <p:nvPr/>
-        </p:nvSpPr>
-        <p:spPr>
-          <a:xfrm>
-            <a:off x="304800" y="3429000"/>
-            <a:ext cx="3369833" cy="338554"/>
-          </a:xfrm>
-          <a:prstGeom prst="rect">
-            <a:avLst/>
-          </a:prstGeom>
-          <a:noFill/>
-        </p:spPr>
-        <p:txBody>
-          <a:bodyPr wrap="none" rtlCol="0">
-            <a:spAutoFit/>
-          </a:bodyPr>
-          <a:lstStyle/>
-          <a:p>
-            <a:r>
-              <a:rPr lang="en-US" sz="1600" dirty="0">
-                <a:solidFill>
-                  <a:schemeClr val="tx2"/>
-                </a:solidFill>
-              </a:rPr>
-              <a:t>Without structural pattern matching</a:t>
-            </a:r>
-          </a:p>
-        </p:txBody>
-      </p:sp>
-      <p:pic>
-        <p:nvPicPr>
-          <p:cNvPr id="9" name="Picture 8">
-            <a:extLst>
-              <a:ext uri="{FF2B5EF4-FFF2-40B4-BE49-F238E27FC236}">
-                <a16:creationId xmlns:a16="http://schemas.microsoft.com/office/drawing/2014/main" id="{F9B7DA3C-11B5-0647-A4C8-16EABDEC9869}"/>
-              </a:ext>
-            </a:extLst>
-          </p:cNvPr>
-          <p:cNvPicPr>
-            <a:picLocks noChangeAspect="1"/>
-          </p:cNvPicPr>
-          <p:nvPr/>
-        </p:nvPicPr>
-        <p:blipFill>
-          <a:blip r:embed="rId3"/>
-          <a:stretch>
-            <a:fillRect/>
-          </a:stretch>
-        </p:blipFill>
-        <p:spPr>
-          <a:xfrm>
-            <a:off x="673100" y="5490602"/>
-            <a:ext cx="7861300" cy="863600"/>
-          </a:xfrm>
-          <a:prstGeom prst="rect">
-            <a:avLst/>
-          </a:prstGeom>
-          <a:ln>
-            <a:solidFill>
-              <a:schemeClr val="tx1"/>
-            </a:solidFill>
-          </a:ln>
-        </p:spPr>
-      </p:pic>
-      <p:sp>
-        <p:nvSpPr>
-          <p:cNvPr id="10" name="TextBox 9">
-            <a:extLst>
-              <a:ext uri="{FF2B5EF4-FFF2-40B4-BE49-F238E27FC236}">
-                <a16:creationId xmlns:a16="http://schemas.microsoft.com/office/drawing/2014/main" id="{162A76F6-7B4F-1847-A972-BC4167D54106}"/>
-              </a:ext>
-            </a:extLst>
-          </p:cNvPr>
-          <p:cNvSpPr txBox="1"/>
-          <p:nvPr/>
-        </p:nvSpPr>
-        <p:spPr>
-          <a:xfrm>
-            <a:off x="533400" y="5152048"/>
-            <a:ext cx="3084499" cy="338554"/>
-          </a:xfrm>
-          <a:prstGeom prst="rect">
-            <a:avLst/>
-          </a:prstGeom>
-          <a:noFill/>
-        </p:spPr>
-        <p:txBody>
-          <a:bodyPr wrap="none" rtlCol="0">
-            <a:spAutoFit/>
-          </a:bodyPr>
-          <a:lstStyle/>
-          <a:p>
-            <a:r>
-              <a:rPr lang="en-US" sz="1600" dirty="0">
-                <a:solidFill>
-                  <a:schemeClr val="tx2"/>
-                </a:solidFill>
-              </a:rPr>
-              <a:t>With structural pattern matching</a:t>
-            </a:r>
-          </a:p>
-        </p:txBody>
-      </p:sp>
-      <p:sp>
-        <p:nvSpPr>
-          <p:cNvPr id="11" name="TextBox 10">
-            <a:extLst>
-              <a:ext uri="{FF2B5EF4-FFF2-40B4-BE49-F238E27FC236}">
-                <a16:creationId xmlns:a16="http://schemas.microsoft.com/office/drawing/2014/main" id="{F15D09DA-5460-484E-8453-0F4AE9159FD1}"/>
-              </a:ext>
-            </a:extLst>
-          </p:cNvPr>
-          <p:cNvSpPr txBox="1"/>
-          <p:nvPr/>
-        </p:nvSpPr>
-        <p:spPr>
-          <a:xfrm>
-            <a:off x="5732585" y="4126523"/>
-            <a:ext cx="1696298" cy="307777"/>
-          </a:xfrm>
-          <a:prstGeom prst="rect">
-            <a:avLst/>
-          </a:prstGeom>
-          <a:noFill/>
-        </p:spPr>
-        <p:txBody>
-          <a:bodyPr wrap="none" rtlCol="0">
-            <a:spAutoFit/>
-          </a:bodyPr>
-          <a:lstStyle/>
-          <a:p>
-            <a:r>
-              <a:rPr lang="en-US" sz="1400" dirty="0"/>
-              <a:t>ln004/destruct1.ast</a:t>
-            </a:r>
-          </a:p>
-        </p:txBody>
-      </p:sp>
-      <p:sp>
-        <p:nvSpPr>
-          <p:cNvPr id="12" name="TextBox 11">
-            <a:extLst>
-              <a:ext uri="{FF2B5EF4-FFF2-40B4-BE49-F238E27FC236}">
-                <a16:creationId xmlns:a16="http://schemas.microsoft.com/office/drawing/2014/main" id="{7BDF03C6-E031-374D-8349-8C7A0A611C66}"/>
-              </a:ext>
-            </a:extLst>
-          </p:cNvPr>
-          <p:cNvSpPr txBox="1"/>
-          <p:nvPr/>
-        </p:nvSpPr>
-        <p:spPr>
-          <a:xfrm>
-            <a:off x="6166338" y="5216769"/>
-            <a:ext cx="1696298" cy="307777"/>
-          </a:xfrm>
-          <a:prstGeom prst="rect">
-            <a:avLst/>
-          </a:prstGeom>
-          <a:noFill/>
-        </p:spPr>
-        <p:txBody>
-          <a:bodyPr wrap="none" rtlCol="0">
-            <a:spAutoFit/>
-          </a:bodyPr>
-          <a:lstStyle/>
-          <a:p>
-            <a:r>
-              <a:rPr lang="en-US" sz="1400" dirty="0"/>
-              <a:t>ln004/destruct2.ast</a:t>
-            </a:r>
-          </a:p>
-        </p:txBody>
-      </p:sp>
-    </p:spTree>
-    <p:extLst>
-      <p:ext uri="{BB962C8B-B14F-4D97-AF65-F5344CB8AC3E}">
-        <p14:creationId xmlns:p14="http://schemas.microsoft.com/office/powerpoint/2010/main" val="21942942"/>
-      </p:ext>
-    </p:extLst>
-  </p:cSld>
-  <p:clrMapOvr>
-    <a:masterClrMapping/>
-  </p:clrMapOvr>
-</p:sld>
-</file>
-
-<file path=ppt/slides/slide14.xml><?xml version="1.0" encoding="utf-8"?>
-<p:sld xmlns:a="http://schemas.openxmlformats.org/drawingml/2006/main" xmlns:r="http://schemas.openxmlformats.org/officeDocument/2006/relationships" xmlns:p="http://schemas.openxmlformats.org/presentationml/2006/main">
-  <p:cSld>
-    <p:spTree>
-      <p:nvGrpSpPr>
-        <p:cNvPr id="1" name=""/>
-        <p:cNvGrpSpPr/>
-        <p:nvPr/>
-      </p:nvGrpSpPr>
-      <p:grpSpPr>
-        <a:xfrm>
-          <a:off x="0" y="0"/>
-          <a:ext cx="0" cy="0"/>
-          <a:chOff x="0" y="0"/>
-          <a:chExt cx="0" cy="0"/>
-        </a:xfrm>
-      </p:grpSpPr>
-      <p:sp>
-        <p:nvSpPr>
-          <p:cNvPr id="2" name="Title 1">
-            <a:extLst>
-              <a:ext uri="{FF2B5EF4-FFF2-40B4-BE49-F238E27FC236}">
-                <a16:creationId xmlns:a16="http://schemas.microsoft.com/office/drawing/2014/main" id="{87B2FF73-ABA1-8B4C-BBB2-1C960345FAA7}"/>
-              </a:ext>
-            </a:extLst>
-          </p:cNvPr>
-          <p:cNvSpPr>
-            <a:spLocks noGrp="1"/>
-          </p:cNvSpPr>
-          <p:nvPr>
-            <p:ph type="title"/>
-          </p:nvPr>
-        </p:nvSpPr>
-        <p:spPr/>
-        <p:txBody>
-          <a:bodyPr/>
-          <a:lstStyle/>
-          <a:p>
-            <a:r>
-              <a:rPr lang="en-US" dirty="0" err="1"/>
-              <a:t>Destructuring</a:t>
-            </a:r>
-            <a:endParaRPr lang="en-US" dirty="0"/>
-          </a:p>
-        </p:txBody>
-      </p:sp>
-      <p:sp>
-        <p:nvSpPr>
-          <p:cNvPr id="3" name="Content Placeholder 2">
-            <a:extLst>
-              <a:ext uri="{FF2B5EF4-FFF2-40B4-BE49-F238E27FC236}">
-                <a16:creationId xmlns:a16="http://schemas.microsoft.com/office/drawing/2014/main" id="{57910267-28F9-8944-ADDD-99D9FD7CFE00}"/>
-              </a:ext>
-            </a:extLst>
-          </p:cNvPr>
-          <p:cNvSpPr>
-            <a:spLocks noGrp="1"/>
-          </p:cNvSpPr>
-          <p:nvPr>
-            <p:ph idx="1"/>
-          </p:nvPr>
-        </p:nvSpPr>
-        <p:spPr>
-          <a:xfrm>
-            <a:off x="1524000" y="1905000"/>
-            <a:ext cx="7010400" cy="1066800"/>
-          </a:xfrm>
-        </p:spPr>
-        <p:txBody>
-          <a:bodyPr/>
-          <a:lstStyle/>
-          <a:p>
-            <a:r>
-              <a:rPr lang="en-US" dirty="0"/>
-              <a:t>Here is another example using structures and objects</a:t>
-            </a:r>
-          </a:p>
-        </p:txBody>
-      </p:sp>
-      <p:pic>
-        <p:nvPicPr>
-          <p:cNvPr id="4" name="Picture 3">
-            <a:extLst>
-              <a:ext uri="{FF2B5EF4-FFF2-40B4-BE49-F238E27FC236}">
-                <a16:creationId xmlns:a16="http://schemas.microsoft.com/office/drawing/2014/main" id="{44BC914B-6B85-9E40-B4B4-5FE3B7AF3FA6}"/>
-              </a:ext>
-            </a:extLst>
-          </p:cNvPr>
-          <p:cNvPicPr>
-            <a:picLocks noChangeAspect="1"/>
-          </p:cNvPicPr>
-          <p:nvPr/>
-        </p:nvPicPr>
-        <p:blipFill>
-          <a:blip r:embed="rId2"/>
-          <a:stretch>
-            <a:fillRect/>
-          </a:stretch>
-        </p:blipFill>
-        <p:spPr>
-          <a:xfrm>
-            <a:off x="990600" y="3186479"/>
-            <a:ext cx="6985000" cy="2794000"/>
-          </a:xfrm>
-          <a:prstGeom prst="rect">
-            <a:avLst/>
-          </a:prstGeom>
-          <a:ln>
-            <a:solidFill>
-              <a:schemeClr val="tx2"/>
-            </a:solidFill>
-          </a:ln>
-        </p:spPr>
-      </p:pic>
-      <p:sp>
-        <p:nvSpPr>
-          <p:cNvPr id="5" name="TextBox 4">
-            <a:extLst>
-              <a:ext uri="{FF2B5EF4-FFF2-40B4-BE49-F238E27FC236}">
-                <a16:creationId xmlns:a16="http://schemas.microsoft.com/office/drawing/2014/main" id="{3F30A8CC-F02F-474A-840E-8A807C395A5F}"/>
-              </a:ext>
-            </a:extLst>
-          </p:cNvPr>
-          <p:cNvSpPr txBox="1"/>
-          <p:nvPr/>
-        </p:nvSpPr>
-        <p:spPr>
-          <a:xfrm>
-            <a:off x="4091354" y="6271846"/>
-            <a:ext cx="1696298" cy="307777"/>
-          </a:xfrm>
-          <a:prstGeom prst="rect">
-            <a:avLst/>
-          </a:prstGeom>
-          <a:noFill/>
-        </p:spPr>
-        <p:txBody>
-          <a:bodyPr wrap="none" rtlCol="0">
-            <a:spAutoFit/>
-          </a:bodyPr>
-          <a:lstStyle/>
-          <a:p>
-            <a:r>
-              <a:rPr lang="en-US" sz="1400" dirty="0"/>
-              <a:t>ln004/destruct3.ast</a:t>
-            </a:r>
-          </a:p>
-        </p:txBody>
-      </p:sp>
-    </p:spTree>
-    <p:extLst>
-      <p:ext uri="{BB962C8B-B14F-4D97-AF65-F5344CB8AC3E}">
-        <p14:creationId xmlns:p14="http://schemas.microsoft.com/office/powerpoint/2010/main" val="3185682571"/>
-      </p:ext>
-    </p:extLst>
-  </p:cSld>
-  <p:clrMapOvr>
-    <a:masterClrMapping/>
-  </p:clrMapOvr>
-</p:sld>
-</file>
-
 <file path=ppt/slides/slide15.xml><?xml version="1.0" encoding="utf-8"?>
 <p:sld xmlns:a="http://schemas.openxmlformats.org/drawingml/2006/main" xmlns:r="http://schemas.openxmlformats.org/officeDocument/2006/relationships" xmlns:p="http://schemas.openxmlformats.org/presentationml/2006/main">
   <p:cSld>
@@ -6431,10 +6267,10 @@
       </p:grpSpPr>
       <p:sp>
         <p:nvSpPr>
-          <p:cNvPr id="2" name="Title 1">
-            <a:extLst>
-              <a:ext uri="{FF2B5EF4-FFF2-40B4-BE49-F238E27FC236}">
-                <a16:creationId xmlns:a16="http://schemas.microsoft.com/office/drawing/2014/main" id="{63E6D85F-5E84-D44B-9B5C-300F6E3DB4B4}"/>
+          <p:cNvPr id="5" name="Title 4">
+            <a:extLst>
+              <a:ext uri="{FF2B5EF4-FFF2-40B4-BE49-F238E27FC236}">
+                <a16:creationId xmlns:a16="http://schemas.microsoft.com/office/drawing/2014/main" id="{1AF4F978-3E3C-7447-946F-559FC9D1C077}"/>
               </a:ext>
             </a:extLst>
           </p:cNvPr>
@@ -6451,18 +6287,19 @@
           <a:lstStyle/>
           <a:p>
             <a:r>
-              <a:rPr lang="en-US" dirty="0"/>
-              <a:t>Basic Pattern Matching Summary</a:t>
-            </a:r>
-          </a:p>
-        </p:txBody>
-      </p:sp>
-      <p:sp>
-        <p:nvSpPr>
-          <p:cNvPr id="3" name="Content Placeholder 2">
-            <a:extLst>
-              <a:ext uri="{FF2B5EF4-FFF2-40B4-BE49-F238E27FC236}">
-                <a16:creationId xmlns:a16="http://schemas.microsoft.com/office/drawing/2014/main" id="{9E6BF871-97CA-5F43-BEF7-D514A7A67A62}"/>
+              <a:rPr lang="en-US" dirty="0" err="1"/>
+              <a:t>Destructuring</a:t>
+            </a:r>
+            <a:endParaRPr lang="en-US" dirty="0"/>
+          </a:p>
+        </p:txBody>
+      </p:sp>
+      <p:sp>
+        <p:nvSpPr>
+          <p:cNvPr id="6" name="Content Placeholder 5">
+            <a:extLst>
+              <a:ext uri="{FF2B5EF4-FFF2-40B4-BE49-F238E27FC236}">
+                <a16:creationId xmlns:a16="http://schemas.microsoft.com/office/drawing/2014/main" id="{69CD2371-8322-9A41-A719-261ECC263996}"/>
               </a:ext>
             </a:extLst>
           </p:cNvPr>
@@ -6473,108 +6310,261 @@
             <p:ph idx="1"/>
           </p:nvPr>
         </p:nvSpPr>
-        <p:spPr/>
+        <p:spPr>
+          <a:xfrm>
+            <a:off x="1524000" y="1905000"/>
+            <a:ext cx="7010400" cy="1524000"/>
+          </a:xfrm>
+        </p:spPr>
         <p:txBody>
           <a:bodyPr>
-            <a:normAutofit fontScale="70000" lnSpcReduction="20000"/>
+            <a:normAutofit fontScale="85000" lnSpcReduction="20000"/>
           </a:bodyPr>
           <a:lstStyle/>
           <a:p>
             <a:r>
               <a:rPr lang="en-US" dirty="0"/>
-              <a:t>The let statement</a:t>
-            </a:r>
-            <a:br>
-              <a:rPr lang="en-US" dirty="0"/>
-            </a:br>
-            <a:r>
-              <a:rPr lang="en-US" dirty="0"/>
-              <a:t>    let &lt;pattern&gt; = value .</a:t>
-            </a:r>
-          </a:p>
-          <a:p>
-            <a:r>
-              <a:rPr lang="en-US" dirty="0"/>
-              <a:t>On the right side of equal sign constructors represent values</a:t>
-            </a:r>
-          </a:p>
-          <a:p>
-            <a:pPr lvl="1"/>
-            <a:r>
-              <a:rPr lang="en-US" dirty="0"/>
-              <a:t>Operators/functions are allowed</a:t>
-            </a:r>
-          </a:p>
-          <a:p>
-            <a:r>
-              <a:rPr lang="en-US" dirty="0"/>
-              <a:t>On the left side constructors represent structure</a:t>
-            </a:r>
-          </a:p>
-          <a:p>
-            <a:pPr lvl="1"/>
-            <a:r>
-              <a:rPr lang="en-US" dirty="0"/>
-              <a:t>Operators/functions are </a:t>
-            </a:r>
-            <a:r>
-              <a:rPr lang="en-US" b="1" dirty="0"/>
-              <a:t>not</a:t>
-            </a:r>
-            <a:r>
-              <a:rPr lang="en-US" dirty="0"/>
-              <a:t> allowed</a:t>
-            </a:r>
-          </a:p>
-          <a:p>
-            <a:pPr lvl="1"/>
-            <a:r>
-              <a:rPr lang="en-US" dirty="0"/>
-              <a:t>Constructors must minimally represent structure</a:t>
-            </a:r>
-          </a:p>
-          <a:p>
-            <a:r>
-              <a:rPr lang="en-US" dirty="0"/>
-              <a:t>Variables are allowed in patterns for partial matches/</a:t>
+              <a:t>The idea of </a:t>
             </a:r>
             <a:r>
               <a:rPr lang="en-US" dirty="0" err="1"/>
               <a:t>destructuring</a:t>
             </a:r>
-            <a:endParaRPr lang="en-US" dirty="0"/>
-          </a:p>
-          <a:p>
-            <a:r>
-              <a:rPr lang="en-US" dirty="0"/>
-              <a:t>Pattern matching is part of a programming paradigm called </a:t>
-            </a:r>
-            <a:r>
-              <a:rPr lang="en-US" b="1" dirty="0"/>
-              <a:t>declarative programming</a:t>
-            </a:r>
-          </a:p>
-          <a:p>
-            <a:pPr lvl="1"/>
-            <a:r>
-              <a:rPr lang="en-US" dirty="0"/>
-              <a:t>We will look at this more carefully when we examine control structures in Asteroid.</a:t>
-            </a:r>
-          </a:p>
-          <a:p>
-            <a:pPr lvl="1"/>
-            <a:endParaRPr lang="en-US" dirty="0"/>
-          </a:p>
-          <a:p>
-            <a:pPr lvl="1"/>
-            <a:endParaRPr lang="en-US" dirty="0"/>
+            <a:r>
+              <a:rPr lang="en-US" dirty="0"/>
+              <a:t> is fundamental to pattern matching</a:t>
+            </a:r>
+          </a:p>
+          <a:p>
+            <a:r>
+              <a:rPr lang="en-US" dirty="0"/>
+              <a:t>It makes access to substructures much more readable (and efficient).</a:t>
+            </a:r>
+          </a:p>
+        </p:txBody>
+      </p:sp>
+      <p:pic>
+        <p:nvPicPr>
+          <p:cNvPr id="7" name="Picture 6">
+            <a:extLst>
+              <a:ext uri="{FF2B5EF4-FFF2-40B4-BE49-F238E27FC236}">
+                <a16:creationId xmlns:a16="http://schemas.microsoft.com/office/drawing/2014/main" id="{125A6A26-A408-284D-A5D3-913E31B1906F}"/>
+              </a:ext>
+            </a:extLst>
+          </p:cNvPr>
+          <p:cNvPicPr>
+            <a:picLocks noChangeAspect="1"/>
+          </p:cNvPicPr>
+          <p:nvPr/>
+        </p:nvPicPr>
+        <p:blipFill>
+          <a:blip r:embed="rId2"/>
+          <a:stretch>
+            <a:fillRect/>
+          </a:stretch>
+        </p:blipFill>
+        <p:spPr>
+          <a:xfrm>
+            <a:off x="381000" y="3733800"/>
+            <a:ext cx="5080000" cy="1104900"/>
+          </a:xfrm>
+          <a:prstGeom prst="rect">
+            <a:avLst/>
+          </a:prstGeom>
+          <a:ln>
+            <a:solidFill>
+              <a:schemeClr val="tx1"/>
+            </a:solidFill>
+          </a:ln>
+        </p:spPr>
+      </p:pic>
+      <p:sp>
+        <p:nvSpPr>
+          <p:cNvPr id="8" name="TextBox 7">
+            <a:extLst>
+              <a:ext uri="{FF2B5EF4-FFF2-40B4-BE49-F238E27FC236}">
+                <a16:creationId xmlns:a16="http://schemas.microsoft.com/office/drawing/2014/main" id="{03756C8F-9F25-8C48-9322-F8715F3293D8}"/>
+              </a:ext>
+            </a:extLst>
+          </p:cNvPr>
+          <p:cNvSpPr txBox="1"/>
+          <p:nvPr/>
+        </p:nvSpPr>
+        <p:spPr>
+          <a:xfrm>
+            <a:off x="304800" y="3429000"/>
+            <a:ext cx="3369833" cy="338554"/>
+          </a:xfrm>
+          <a:prstGeom prst="rect">
+            <a:avLst/>
+          </a:prstGeom>
+          <a:noFill/>
+        </p:spPr>
+        <p:txBody>
+          <a:bodyPr wrap="none" rtlCol="0">
+            <a:spAutoFit/>
+          </a:bodyPr>
+          <a:lstStyle/>
+          <a:p>
+            <a:r>
+              <a:rPr lang="en-US" sz="1600" dirty="0">
+                <a:solidFill>
+                  <a:schemeClr val="tx2"/>
+                </a:solidFill>
+              </a:rPr>
+              <a:t>Without structural pattern matching</a:t>
+            </a:r>
+          </a:p>
+        </p:txBody>
+      </p:sp>
+      <p:pic>
+        <p:nvPicPr>
+          <p:cNvPr id="9" name="Picture 8">
+            <a:extLst>
+              <a:ext uri="{FF2B5EF4-FFF2-40B4-BE49-F238E27FC236}">
+                <a16:creationId xmlns:a16="http://schemas.microsoft.com/office/drawing/2014/main" id="{F9B7DA3C-11B5-0647-A4C8-16EABDEC9869}"/>
+              </a:ext>
+            </a:extLst>
+          </p:cNvPr>
+          <p:cNvPicPr>
+            <a:picLocks noChangeAspect="1"/>
+          </p:cNvPicPr>
+          <p:nvPr/>
+        </p:nvPicPr>
+        <p:blipFill>
+          <a:blip r:embed="rId3"/>
+          <a:stretch>
+            <a:fillRect/>
+          </a:stretch>
+        </p:blipFill>
+        <p:spPr>
+          <a:xfrm>
+            <a:off x="673100" y="5490602"/>
+            <a:ext cx="7861300" cy="863600"/>
+          </a:xfrm>
+          <a:prstGeom prst="rect">
+            <a:avLst/>
+          </a:prstGeom>
+          <a:ln>
+            <a:solidFill>
+              <a:schemeClr val="tx1"/>
+            </a:solidFill>
+          </a:ln>
+        </p:spPr>
+      </p:pic>
+      <p:sp>
+        <p:nvSpPr>
+          <p:cNvPr id="10" name="TextBox 9">
+            <a:extLst>
+              <a:ext uri="{FF2B5EF4-FFF2-40B4-BE49-F238E27FC236}">
+                <a16:creationId xmlns:a16="http://schemas.microsoft.com/office/drawing/2014/main" id="{162A76F6-7B4F-1847-A972-BC4167D54106}"/>
+              </a:ext>
+            </a:extLst>
+          </p:cNvPr>
+          <p:cNvSpPr txBox="1"/>
+          <p:nvPr/>
+        </p:nvSpPr>
+        <p:spPr>
+          <a:xfrm>
+            <a:off x="533400" y="5152048"/>
+            <a:ext cx="3084499" cy="338554"/>
+          </a:xfrm>
+          <a:prstGeom prst="rect">
+            <a:avLst/>
+          </a:prstGeom>
+          <a:noFill/>
+        </p:spPr>
+        <p:txBody>
+          <a:bodyPr wrap="none" rtlCol="0">
+            <a:spAutoFit/>
+          </a:bodyPr>
+          <a:lstStyle/>
+          <a:p>
+            <a:r>
+              <a:rPr lang="en-US" sz="1600" dirty="0">
+                <a:solidFill>
+                  <a:schemeClr val="tx2"/>
+                </a:solidFill>
+              </a:rPr>
+              <a:t>With structural pattern matching</a:t>
+            </a:r>
+          </a:p>
+        </p:txBody>
+      </p:sp>
+      <p:sp>
+        <p:nvSpPr>
+          <p:cNvPr id="11" name="TextBox 10">
+            <a:extLst>
+              <a:ext uri="{FF2B5EF4-FFF2-40B4-BE49-F238E27FC236}">
+                <a16:creationId xmlns:a16="http://schemas.microsoft.com/office/drawing/2014/main" id="{F15D09DA-5460-484E-8453-0F4AE9159FD1}"/>
+              </a:ext>
+            </a:extLst>
+          </p:cNvPr>
+          <p:cNvSpPr txBox="1"/>
+          <p:nvPr/>
+        </p:nvSpPr>
+        <p:spPr>
+          <a:xfrm>
+            <a:off x="5732585" y="4126523"/>
+            <a:ext cx="1696298" cy="307777"/>
+          </a:xfrm>
+          <a:prstGeom prst="rect">
+            <a:avLst/>
+          </a:prstGeom>
+          <a:noFill/>
+        </p:spPr>
+        <p:txBody>
+          <a:bodyPr wrap="none" rtlCol="0">
+            <a:spAutoFit/>
+          </a:bodyPr>
+          <a:lstStyle/>
+          <a:p>
+            <a:r>
+              <a:rPr lang="en-US" sz="1400" dirty="0"/>
+              <a:t>ln004/destruct1.ast</a:t>
+            </a:r>
+          </a:p>
+        </p:txBody>
+      </p:sp>
+      <p:sp>
+        <p:nvSpPr>
+          <p:cNvPr id="12" name="TextBox 11">
+            <a:extLst>
+              <a:ext uri="{FF2B5EF4-FFF2-40B4-BE49-F238E27FC236}">
+                <a16:creationId xmlns:a16="http://schemas.microsoft.com/office/drawing/2014/main" id="{7BDF03C6-E031-374D-8349-8C7A0A611C66}"/>
+              </a:ext>
+            </a:extLst>
+          </p:cNvPr>
+          <p:cNvSpPr txBox="1"/>
+          <p:nvPr/>
+        </p:nvSpPr>
+        <p:spPr>
+          <a:xfrm>
+            <a:off x="6166338" y="5216769"/>
+            <a:ext cx="1696298" cy="307777"/>
+          </a:xfrm>
+          <a:prstGeom prst="rect">
+            <a:avLst/>
+          </a:prstGeom>
+          <a:noFill/>
+        </p:spPr>
+        <p:txBody>
+          <a:bodyPr wrap="none" rtlCol="0">
+            <a:spAutoFit/>
+          </a:bodyPr>
+          <a:lstStyle/>
+          <a:p>
+            <a:r>
+              <a:rPr lang="en-US" sz="1400" dirty="0"/>
+              <a:t>ln004/destruct2.ast</a:t>
+            </a:r>
           </a:p>
         </p:txBody>
       </p:sp>
     </p:spTree>
     <p:extLst>
       <p:ext uri="{BB962C8B-B14F-4D97-AF65-F5344CB8AC3E}">
-        <p14:creationId xmlns:p14="http://schemas.microsoft.com/office/powerpoint/2010/main" val="3741227975"/>
+        <p14:creationId xmlns:p14="http://schemas.microsoft.com/office/powerpoint/2010/main" val="21942942"/>
       </p:ext>
     </p:extLst>
   </p:cSld>
@@ -6606,7 +6596,7 @@
           <p:cNvPr id="2" name="Title 1">
             <a:extLst>
               <a:ext uri="{FF2B5EF4-FFF2-40B4-BE49-F238E27FC236}">
-                <a16:creationId xmlns:a16="http://schemas.microsoft.com/office/drawing/2014/main" id="{E8C29327-0FF2-D34A-A7BF-A39E5934A183}"/>
+                <a16:creationId xmlns:a16="http://schemas.microsoft.com/office/drawing/2014/main" id="{87B2FF73-ABA1-8B4C-BBB2-1C960345FAA7}"/>
               </a:ext>
             </a:extLst>
           </p:cNvPr>
@@ -6623,9 +6613,10 @@
           <a:lstStyle/>
           <a:p>
             <a:r>
-              <a:rPr lang="en-US" dirty="0"/>
-              <a:t>Pattern Matching in Python</a:t>
-            </a:r>
+              <a:rPr lang="en-US" dirty="0" err="1"/>
+              <a:t>Destructuring</a:t>
+            </a:r>
+            <a:endParaRPr lang="en-US" dirty="0"/>
           </a:p>
         </p:txBody>
       </p:sp>
@@ -6634,7 +6625,7 @@
           <p:cNvPr id="3" name="Content Placeholder 2">
             <a:extLst>
               <a:ext uri="{FF2B5EF4-FFF2-40B4-BE49-F238E27FC236}">
-                <a16:creationId xmlns:a16="http://schemas.microsoft.com/office/drawing/2014/main" id="{5B84DB07-3A63-5A4F-B3AF-2A2AFA8149CE}"/>
+                <a16:creationId xmlns:a16="http://schemas.microsoft.com/office/drawing/2014/main" id="{57910267-28F9-8944-ADDD-99D9FD7CFE00}"/>
               </a:ext>
             </a:extLst>
           </p:cNvPr>
@@ -6647,44 +6638,27 @@
         </p:nvSpPr>
         <p:spPr>
           <a:xfrm>
-            <a:off x="1524000" y="1676400"/>
-            <a:ext cx="7010400" cy="1905000"/>
-          </a:xfrm>
-        </p:spPr>
-        <p:txBody>
-          <a:bodyPr>
-            <a:normAutofit/>
-          </a:bodyPr>
+            <a:off x="1524000" y="1905000"/>
+            <a:ext cx="7010400" cy="1066800"/>
+          </a:xfrm>
+        </p:spPr>
+        <p:txBody>
+          <a:bodyPr/>
           <a:lstStyle/>
           <a:p>
             <a:r>
               <a:rPr lang="en-US" dirty="0"/>
-              <a:t>Limited pattern matching available with the assignment statement</a:t>
-            </a:r>
-          </a:p>
-          <a:p>
-            <a:pPr lvl="1"/>
-            <a:r>
-              <a:rPr lang="en-US" dirty="0"/>
-              <a:t>Called </a:t>
-            </a:r>
-            <a:r>
-              <a:rPr lang="en-US" b="1" dirty="0" err="1"/>
-              <a:t>destructuring</a:t>
-            </a:r>
-            <a:r>
-              <a:rPr lang="en-US" dirty="0"/>
-              <a:t> assignment</a:t>
+              <a:t>Here is another example using structures and objects</a:t>
             </a:r>
           </a:p>
         </p:txBody>
       </p:sp>
       <p:pic>
         <p:nvPicPr>
-          <p:cNvPr id="5" name="Picture 4">
-            <a:extLst>
-              <a:ext uri="{FF2B5EF4-FFF2-40B4-BE49-F238E27FC236}">
-                <a16:creationId xmlns:a16="http://schemas.microsoft.com/office/drawing/2014/main" id="{1ABD9459-AC71-D24B-82C5-648CD3F83A8A}"/>
+          <p:cNvPr id="4" name="Picture 3">
+            <a:extLst>
+              <a:ext uri="{FF2B5EF4-FFF2-40B4-BE49-F238E27FC236}">
+                <a16:creationId xmlns:a16="http://schemas.microsoft.com/office/drawing/2014/main" id="{44BC914B-6B85-9E40-B4B4-5FE3B7AF3FA6}"/>
               </a:ext>
             </a:extLst>
           </p:cNvPr>
@@ -6693,15 +6667,16 @@
           </p:cNvPicPr>
           <p:nvPr/>
         </p:nvPicPr>
-        <p:blipFill rotWithShape="1">
+        <p:blipFill>
           <a:blip r:embed="rId2"/>
-          <a:srcRect t="3500"/>
-          <a:stretch/>
+          <a:stretch>
+            <a:fillRect/>
+          </a:stretch>
         </p:blipFill>
         <p:spPr>
           <a:xfrm>
-            <a:off x="2895600" y="4000500"/>
-            <a:ext cx="2527300" cy="2451100"/>
+            <a:off x="990600" y="3186479"/>
+            <a:ext cx="6985000" cy="2794000"/>
           </a:xfrm>
           <a:prstGeom prst="rect">
             <a:avLst/>
@@ -6713,10 +6688,45 @@
           </a:ln>
         </p:spPr>
       </p:pic>
+      <p:sp>
+        <p:nvSpPr>
+          <p:cNvPr id="5" name="TextBox 4">
+            <a:extLst>
+              <a:ext uri="{FF2B5EF4-FFF2-40B4-BE49-F238E27FC236}">
+                <a16:creationId xmlns:a16="http://schemas.microsoft.com/office/drawing/2014/main" id="{3F30A8CC-F02F-474A-840E-8A807C395A5F}"/>
+              </a:ext>
+            </a:extLst>
+          </p:cNvPr>
+          <p:cNvSpPr txBox="1"/>
+          <p:nvPr/>
+        </p:nvSpPr>
+        <p:spPr>
+          <a:xfrm>
+            <a:off x="4091354" y="6271846"/>
+            <a:ext cx="1696298" cy="307777"/>
+          </a:xfrm>
+          <a:prstGeom prst="rect">
+            <a:avLst/>
+          </a:prstGeom>
+          <a:noFill/>
+        </p:spPr>
+        <p:txBody>
+          <a:bodyPr wrap="none" rtlCol="0">
+            <a:spAutoFit/>
+          </a:bodyPr>
+          <a:lstStyle/>
+          <a:p>
+            <a:r>
+              <a:rPr lang="en-US" sz="1400" dirty="0"/>
+              <a:t>ln004/destruct3.ast</a:t>
+            </a:r>
+          </a:p>
+        </p:txBody>
+      </p:sp>
     </p:spTree>
     <p:extLst>
       <p:ext uri="{BB962C8B-B14F-4D97-AF65-F5344CB8AC3E}">
-        <p14:creationId xmlns:p14="http://schemas.microsoft.com/office/powerpoint/2010/main" val="2121341352"/>
+        <p14:creationId xmlns:p14="http://schemas.microsoft.com/office/powerpoint/2010/main" val="3185682571"/>
       </p:ext>
     </p:extLst>
   </p:cSld>
@@ -6748,7 +6758,7 @@
           <p:cNvPr id="2" name="Title 1">
             <a:extLst>
               <a:ext uri="{FF2B5EF4-FFF2-40B4-BE49-F238E27FC236}">
-                <a16:creationId xmlns:a16="http://schemas.microsoft.com/office/drawing/2014/main" id="{E8C29327-0FF2-D34A-A7BF-A39E5934A183}"/>
+                <a16:creationId xmlns:a16="http://schemas.microsoft.com/office/drawing/2014/main" id="{63E6D85F-5E84-D44B-9B5C-300F6E3DB4B4}"/>
               </a:ext>
             </a:extLst>
           </p:cNvPr>
@@ -6766,7 +6776,7 @@
           <a:p>
             <a:r>
               <a:rPr lang="en-US" dirty="0"/>
-              <a:t>Pattern Matching in Python</a:t>
+              <a:t>Basic Pattern Matching Summary</a:t>
             </a:r>
           </a:p>
         </p:txBody>
@@ -6776,7 +6786,7 @@
           <p:cNvPr id="3" name="Content Placeholder 2">
             <a:extLst>
               <a:ext uri="{FF2B5EF4-FFF2-40B4-BE49-F238E27FC236}">
-                <a16:creationId xmlns:a16="http://schemas.microsoft.com/office/drawing/2014/main" id="{5B84DB07-3A63-5A4F-B3AF-2A2AFA8149CE}"/>
+                <a16:creationId xmlns:a16="http://schemas.microsoft.com/office/drawing/2014/main" id="{9E6BF871-97CA-5F43-BEF7-D514A7A67A62}"/>
               </a:ext>
             </a:extLst>
           </p:cNvPr>
@@ -6787,177 +6797,108 @@
             <p:ph idx="1"/>
           </p:nvPr>
         </p:nvSpPr>
-        <p:spPr>
-          <a:xfrm>
-            <a:off x="1524000" y="1676400"/>
-            <a:ext cx="7010400" cy="838200"/>
-          </a:xfrm>
-        </p:spPr>
+        <p:spPr/>
         <p:txBody>
           <a:bodyPr>
-            <a:normAutofit fontScale="92500" lnSpcReduction="20000"/>
+            <a:normAutofit fontScale="70000" lnSpcReduction="20000"/>
           </a:bodyPr>
           <a:lstStyle/>
           <a:p>
             <a:r>
               <a:rPr lang="en-US" dirty="0"/>
-              <a:t>The match statement as of 3.10 provides a bit more functionality</a:t>
-            </a:r>
-          </a:p>
-        </p:txBody>
-      </p:sp>
-      <p:pic>
-        <p:nvPicPr>
-          <p:cNvPr id="5" name="Picture 4">
-            <a:extLst>
-              <a:ext uri="{FF2B5EF4-FFF2-40B4-BE49-F238E27FC236}">
-                <a16:creationId xmlns:a16="http://schemas.microsoft.com/office/drawing/2014/main" id="{B21EEF00-80BA-C244-9D4F-C0381F7748A1}"/>
-              </a:ext>
-            </a:extLst>
-          </p:cNvPr>
-          <p:cNvPicPr>
-            <a:picLocks noChangeAspect="1"/>
-          </p:cNvPicPr>
-          <p:nvPr/>
-        </p:nvPicPr>
-        <p:blipFill>
-          <a:blip r:embed="rId2"/>
-          <a:stretch>
-            <a:fillRect/>
-          </a:stretch>
-        </p:blipFill>
-        <p:spPr>
-          <a:xfrm>
-            <a:off x="381000" y="2616201"/>
-            <a:ext cx="4038600" cy="1727200"/>
-          </a:xfrm>
-          <a:prstGeom prst="rect">
-            <a:avLst/>
-          </a:prstGeom>
-          <a:ln>
-            <a:solidFill>
-              <a:schemeClr val="tx2"/>
-            </a:solidFill>
-          </a:ln>
-        </p:spPr>
-      </p:pic>
-      <p:pic>
-        <p:nvPicPr>
-          <p:cNvPr id="6" name="Picture 5">
-            <a:extLst>
-              <a:ext uri="{FF2B5EF4-FFF2-40B4-BE49-F238E27FC236}">
-                <a16:creationId xmlns:a16="http://schemas.microsoft.com/office/drawing/2014/main" id="{C9A4CF8E-8072-2441-8A24-6252220205E9}"/>
-              </a:ext>
-            </a:extLst>
-          </p:cNvPr>
-          <p:cNvPicPr>
-            <a:picLocks noChangeAspect="1"/>
-          </p:cNvPicPr>
-          <p:nvPr/>
-        </p:nvPicPr>
-        <p:blipFill>
-          <a:blip r:embed="rId3"/>
-          <a:stretch>
-            <a:fillRect/>
-          </a:stretch>
-        </p:blipFill>
-        <p:spPr>
-          <a:xfrm>
-            <a:off x="4267200" y="3048000"/>
-            <a:ext cx="4267200" cy="3447738"/>
-          </a:xfrm>
-          <a:prstGeom prst="rect">
-            <a:avLst/>
-          </a:prstGeom>
-          <a:ln>
-            <a:solidFill>
-              <a:schemeClr val="tx2"/>
-            </a:solidFill>
-          </a:ln>
-        </p:spPr>
-      </p:pic>
-      <p:sp>
-        <p:nvSpPr>
-          <p:cNvPr id="7" name="TextBox 6">
-            <a:extLst>
-              <a:ext uri="{FF2B5EF4-FFF2-40B4-BE49-F238E27FC236}">
-                <a16:creationId xmlns:a16="http://schemas.microsoft.com/office/drawing/2014/main" id="{FD410AAD-83B4-CA44-83CE-75DEFC18BA9B}"/>
-              </a:ext>
-            </a:extLst>
-          </p:cNvPr>
-          <p:cNvSpPr txBox="1"/>
-          <p:nvPr/>
-        </p:nvSpPr>
-        <p:spPr>
-          <a:xfrm>
-            <a:off x="246185" y="5990492"/>
-            <a:ext cx="2858475" cy="307777"/>
-          </a:xfrm>
-          <a:prstGeom prst="rect">
-            <a:avLst/>
-          </a:prstGeom>
-          <a:noFill/>
-        </p:spPr>
-        <p:txBody>
-          <a:bodyPr wrap="none" rtlCol="0">
-            <a:spAutoFit/>
-          </a:bodyPr>
-          <a:lstStyle/>
-          <a:p>
-            <a:r>
-              <a:rPr lang="en-US" sz="1400" dirty="0"/>
-              <a:t>https://</a:t>
-            </a:r>
-            <a:r>
-              <a:rPr lang="en-US" sz="1400" dirty="0" err="1"/>
-              <a:t>peps.python.org</a:t>
-            </a:r>
-            <a:r>
-              <a:rPr lang="en-US" sz="1400" dirty="0"/>
-              <a:t>/pep-0636/</a:t>
-            </a:r>
-          </a:p>
-        </p:txBody>
-      </p:sp>
-      <p:sp>
-        <p:nvSpPr>
-          <p:cNvPr id="8" name="TextBox 7">
-            <a:extLst>
-              <a:ext uri="{FF2B5EF4-FFF2-40B4-BE49-F238E27FC236}">
-                <a16:creationId xmlns:a16="http://schemas.microsoft.com/office/drawing/2014/main" id="{C87107F4-F5F0-B440-B5EC-0CB34E1615FB}"/>
-              </a:ext>
-            </a:extLst>
-          </p:cNvPr>
-          <p:cNvSpPr txBox="1"/>
-          <p:nvPr/>
-        </p:nvSpPr>
-        <p:spPr>
-          <a:xfrm>
-            <a:off x="6060831" y="2743200"/>
-            <a:ext cx="1646605" cy="307777"/>
-          </a:xfrm>
-          <a:prstGeom prst="rect">
-            <a:avLst/>
-          </a:prstGeom>
-          <a:noFill/>
-        </p:spPr>
-        <p:txBody>
-          <a:bodyPr wrap="none" rtlCol="0">
-            <a:spAutoFit/>
-          </a:bodyPr>
-          <a:lstStyle/>
-          <a:p>
-            <a:r>
-              <a:rPr lang="en-US" sz="1400" dirty="0"/>
-              <a:t>ln004/destruct3.py</a:t>
-            </a:r>
+              <a:t>The let statement</a:t>
+            </a:r>
+            <a:br>
+              <a:rPr lang="en-US" dirty="0"/>
+            </a:br>
+            <a:r>
+              <a:rPr lang="en-US" dirty="0"/>
+              <a:t>    let &lt;pattern&gt; = value .</a:t>
+            </a:r>
+          </a:p>
+          <a:p>
+            <a:r>
+              <a:rPr lang="en-US" dirty="0"/>
+              <a:t>On the right side of equal sign constructors represent values</a:t>
+            </a:r>
+          </a:p>
+          <a:p>
+            <a:pPr lvl="1"/>
+            <a:r>
+              <a:rPr lang="en-US" dirty="0"/>
+              <a:t>Operators/functions are allowed</a:t>
+            </a:r>
+          </a:p>
+          <a:p>
+            <a:r>
+              <a:rPr lang="en-US" dirty="0"/>
+              <a:t>On the left side constructors represent structure</a:t>
+            </a:r>
+          </a:p>
+          <a:p>
+            <a:pPr lvl="1"/>
+            <a:r>
+              <a:rPr lang="en-US" dirty="0"/>
+              <a:t>Operators/functions are </a:t>
+            </a:r>
+            <a:r>
+              <a:rPr lang="en-US" b="1" dirty="0"/>
+              <a:t>not</a:t>
+            </a:r>
+            <a:r>
+              <a:rPr lang="en-US" dirty="0"/>
+              <a:t> allowed</a:t>
+            </a:r>
+          </a:p>
+          <a:p>
+            <a:pPr lvl="1"/>
+            <a:r>
+              <a:rPr lang="en-US" dirty="0"/>
+              <a:t>Constructors must minimally represent structure</a:t>
+            </a:r>
+          </a:p>
+          <a:p>
+            <a:r>
+              <a:rPr lang="en-US" dirty="0"/>
+              <a:t>Variables are allowed in patterns for partial matches/</a:t>
+            </a:r>
+            <a:r>
+              <a:rPr lang="en-US" dirty="0" err="1"/>
+              <a:t>destructuring</a:t>
+            </a:r>
+            <a:endParaRPr lang="en-US" dirty="0"/>
+          </a:p>
+          <a:p>
+            <a:r>
+              <a:rPr lang="en-US" dirty="0"/>
+              <a:t>Pattern matching is part of a programming paradigm called </a:t>
+            </a:r>
+            <a:r>
+              <a:rPr lang="en-US" b="1" dirty="0"/>
+              <a:t>declarative programming</a:t>
+            </a:r>
+          </a:p>
+          <a:p>
+            <a:pPr lvl="1"/>
+            <a:r>
+              <a:rPr lang="en-US" dirty="0"/>
+              <a:t>We will look at this more carefully when we examine control structures in Asteroid.</a:t>
+            </a:r>
+          </a:p>
+          <a:p>
+            <a:pPr lvl="1"/>
+            <a:endParaRPr lang="en-US" dirty="0"/>
+          </a:p>
+          <a:p>
+            <a:pPr lvl="1"/>
+            <a:endParaRPr lang="en-US" dirty="0"/>
           </a:p>
         </p:txBody>
       </p:sp>
     </p:spTree>
     <p:extLst>
       <p:ext uri="{BB962C8B-B14F-4D97-AF65-F5344CB8AC3E}">
-        <p14:creationId xmlns:p14="http://schemas.microsoft.com/office/powerpoint/2010/main" val="3899810227"/>
+        <p14:creationId xmlns:p14="http://schemas.microsoft.com/office/powerpoint/2010/main" val="3741227975"/>
       </p:ext>
     </p:extLst>
   </p:cSld>
@@ -6989,7 +6930,7 @@
           <p:cNvPr id="2" name="Title 1">
             <a:extLst>
               <a:ext uri="{FF2B5EF4-FFF2-40B4-BE49-F238E27FC236}">
-                <a16:creationId xmlns:a16="http://schemas.microsoft.com/office/drawing/2014/main" id="{96CD2FA5-F967-B640-AF84-20CD34541D5F}"/>
+                <a16:creationId xmlns:a16="http://schemas.microsoft.com/office/drawing/2014/main" id="{E8C29327-0FF2-D34A-A7BF-A39E5934A183}"/>
               </a:ext>
             </a:extLst>
           </p:cNvPr>
@@ -7007,7 +6948,7 @@
           <a:p>
             <a:r>
               <a:rPr lang="en-US" dirty="0"/>
-              <a:t>Pattern Matching in Rust</a:t>
+              <a:t>Pattern Matching in Python</a:t>
             </a:r>
           </a:p>
         </p:txBody>
@@ -7017,7 +6958,7 @@
           <p:cNvPr id="3" name="Content Placeholder 2">
             <a:extLst>
               <a:ext uri="{FF2B5EF4-FFF2-40B4-BE49-F238E27FC236}">
-                <a16:creationId xmlns:a16="http://schemas.microsoft.com/office/drawing/2014/main" id="{35CAA96F-C6D7-9248-9A60-9A8AE269211D}"/>
+                <a16:creationId xmlns:a16="http://schemas.microsoft.com/office/drawing/2014/main" id="{5B84DB07-3A63-5A4F-B3AF-2A2AFA8149CE}"/>
               </a:ext>
             </a:extLst>
           </p:cNvPr>
@@ -7030,27 +6971,44 @@
         </p:nvSpPr>
         <p:spPr>
           <a:xfrm>
-            <a:off x="1524000" y="1905000"/>
-            <a:ext cx="7010400" cy="609600"/>
-          </a:xfrm>
-        </p:spPr>
-        <p:txBody>
-          <a:bodyPr/>
+            <a:off x="1524000" y="1676400"/>
+            <a:ext cx="7010400" cy="1905000"/>
+          </a:xfrm>
+        </p:spPr>
+        <p:txBody>
+          <a:bodyPr>
+            <a:normAutofit/>
+          </a:bodyPr>
           <a:lstStyle/>
           <a:p>
             <a:r>
               <a:rPr lang="en-US" dirty="0"/>
-              <a:t>Rust also supports pattern matching</a:t>
+              <a:t>Limited pattern matching available with the assignment statement</a:t>
+            </a:r>
+          </a:p>
+          <a:p>
+            <a:pPr lvl="1"/>
+            <a:r>
+              <a:rPr lang="en-US" dirty="0"/>
+              <a:t>Called </a:t>
+            </a:r>
+            <a:r>
+              <a:rPr lang="en-US" b="1" dirty="0" err="1"/>
+              <a:t>destructuring</a:t>
+            </a:r>
+            <a:r>
+              <a:rPr lang="en-US" dirty="0"/>
+              <a:t> assignment</a:t>
             </a:r>
           </a:p>
         </p:txBody>
       </p:sp>
       <p:pic>
         <p:nvPicPr>
-          <p:cNvPr id="4" name="Picture 3">
-            <a:extLst>
-              <a:ext uri="{FF2B5EF4-FFF2-40B4-BE49-F238E27FC236}">
-                <a16:creationId xmlns:a16="http://schemas.microsoft.com/office/drawing/2014/main" id="{DE8E6D5E-9011-5346-838C-8C3CA64040DE}"/>
+          <p:cNvPr id="5" name="Picture 4">
+            <a:extLst>
+              <a:ext uri="{FF2B5EF4-FFF2-40B4-BE49-F238E27FC236}">
+                <a16:creationId xmlns:a16="http://schemas.microsoft.com/office/drawing/2014/main" id="{1ABD9459-AC71-D24B-82C5-648CD3F83A8A}"/>
               </a:ext>
             </a:extLst>
           </p:cNvPr>
@@ -7059,136 +7017,30 @@
           </p:cNvPicPr>
           <p:nvPr/>
         </p:nvPicPr>
-        <p:blipFill>
+        <p:blipFill rotWithShape="1">
           <a:blip r:embed="rId2"/>
-          <a:stretch>
-            <a:fillRect/>
-          </a:stretch>
+          <a:srcRect t="3500"/>
+          <a:stretch/>
         </p:blipFill>
         <p:spPr>
           <a:xfrm>
-            <a:off x="3962400" y="2877771"/>
-            <a:ext cx="4773898" cy="3751629"/>
+            <a:off x="2895600" y="4000500"/>
+            <a:ext cx="2527300" cy="2451100"/>
           </a:xfrm>
           <a:prstGeom prst="rect">
             <a:avLst/>
           </a:prstGeom>
           <a:ln>
             <a:solidFill>
-              <a:schemeClr val="tx1"/>
+              <a:schemeClr val="tx2"/>
             </a:solidFill>
           </a:ln>
         </p:spPr>
       </p:pic>
-      <p:pic>
-        <p:nvPicPr>
-          <p:cNvPr id="5" name="Picture 4">
-            <a:extLst>
-              <a:ext uri="{FF2B5EF4-FFF2-40B4-BE49-F238E27FC236}">
-                <a16:creationId xmlns:a16="http://schemas.microsoft.com/office/drawing/2014/main" id="{F54D7279-2489-3C44-BD42-D76496D6C499}"/>
-              </a:ext>
-            </a:extLst>
-          </p:cNvPr>
-          <p:cNvPicPr>
-            <a:picLocks noChangeAspect="1"/>
-          </p:cNvPicPr>
-          <p:nvPr/>
-        </p:nvPicPr>
-        <p:blipFill>
-          <a:blip r:embed="rId3"/>
-          <a:stretch>
-            <a:fillRect/>
-          </a:stretch>
-        </p:blipFill>
-        <p:spPr>
-          <a:xfrm>
-            <a:off x="228600" y="2971800"/>
-            <a:ext cx="3073400" cy="1498600"/>
-          </a:xfrm>
-          <a:prstGeom prst="rect">
-            <a:avLst/>
-          </a:prstGeom>
-          <a:ln>
-            <a:solidFill>
-              <a:schemeClr val="tx1"/>
-            </a:solidFill>
-          </a:ln>
-        </p:spPr>
-      </p:pic>
-      <p:sp>
-        <p:nvSpPr>
-          <p:cNvPr id="6" name="TextBox 5">
-            <a:extLst>
-              <a:ext uri="{FF2B5EF4-FFF2-40B4-BE49-F238E27FC236}">
-                <a16:creationId xmlns:a16="http://schemas.microsoft.com/office/drawing/2014/main" id="{BAABA7D1-54A7-5A40-BF97-2C13B7519CB0}"/>
-              </a:ext>
-            </a:extLst>
-          </p:cNvPr>
-          <p:cNvSpPr txBox="1"/>
-          <p:nvPr/>
-        </p:nvSpPr>
-        <p:spPr>
-          <a:xfrm>
-            <a:off x="6172200" y="2514600"/>
-            <a:ext cx="1606530" cy="307777"/>
-          </a:xfrm>
-          <a:prstGeom prst="rect">
-            <a:avLst/>
-          </a:prstGeom>
-          <a:noFill/>
-        </p:spPr>
-        <p:txBody>
-          <a:bodyPr wrap="none" rtlCol="0">
-            <a:spAutoFit/>
-          </a:bodyPr>
-          <a:lstStyle/>
-          <a:p>
-            <a:r>
-              <a:rPr lang="en-US" sz="1400" dirty="0"/>
-              <a:t>ln004/destruct3.rs</a:t>
-            </a:r>
-          </a:p>
-        </p:txBody>
-      </p:sp>
-      <p:sp>
-        <p:nvSpPr>
-          <p:cNvPr id="7" name="TextBox 6">
-            <a:extLst>
-              <a:ext uri="{FF2B5EF4-FFF2-40B4-BE49-F238E27FC236}">
-                <a16:creationId xmlns:a16="http://schemas.microsoft.com/office/drawing/2014/main" id="{79027E54-9047-3340-9DFE-D76C7C826BCB}"/>
-              </a:ext>
-            </a:extLst>
-          </p:cNvPr>
-          <p:cNvSpPr txBox="1"/>
-          <p:nvPr/>
-        </p:nvSpPr>
-        <p:spPr>
-          <a:xfrm>
-            <a:off x="1449103" y="2589311"/>
-            <a:ext cx="1705916" cy="307777"/>
-          </a:xfrm>
-          <a:prstGeom prst="rect">
-            <a:avLst/>
-          </a:prstGeom>
-          <a:noFill/>
-        </p:spPr>
-        <p:txBody>
-          <a:bodyPr wrap="none" rtlCol="0">
-            <a:spAutoFit/>
-          </a:bodyPr>
-          <a:lstStyle/>
-          <a:p>
-            <a:r>
-              <a:rPr lang="en-US" sz="1400" dirty="0"/>
-              <a:t>ln004/destruct2.prs</a:t>
-            </a:r>
-          </a:p>
-        </p:txBody>
-      </p:sp>
     </p:spTree>
     <p:extLst>
       <p:ext uri="{BB962C8B-B14F-4D97-AF65-F5344CB8AC3E}">
-        <p14:creationId xmlns:p14="http://schemas.microsoft.com/office/powerpoint/2010/main" val="1648020018"/>
+        <p14:creationId xmlns:p14="http://schemas.microsoft.com/office/powerpoint/2010/main" val="2121341352"/>
       </p:ext>
     </p:extLst>
   </p:cSld>
@@ -7220,7 +7072,7 @@
           <p:cNvPr id="2" name="Title 1">
             <a:extLst>
               <a:ext uri="{FF2B5EF4-FFF2-40B4-BE49-F238E27FC236}">
-                <a16:creationId xmlns:a16="http://schemas.microsoft.com/office/drawing/2014/main" id="{AD848BFB-A2B4-FB48-BABF-BBD8D18B0699}"/>
+                <a16:creationId xmlns:a16="http://schemas.microsoft.com/office/drawing/2014/main" id="{E8C29327-0FF2-D34A-A7BF-A39E5934A183}"/>
               </a:ext>
             </a:extLst>
           </p:cNvPr>
@@ -7231,31 +7083,59 @@
             <p:ph type="title"/>
           </p:nvPr>
         </p:nvSpPr>
+        <p:spPr/>
+        <p:txBody>
+          <a:bodyPr/>
+          <a:lstStyle/>
+          <a:p>
+            <a:r>
+              <a:rPr lang="en-US" dirty="0"/>
+              <a:t>Pattern Matching in Python</a:t>
+            </a:r>
+          </a:p>
+        </p:txBody>
+      </p:sp>
+      <p:sp>
+        <p:nvSpPr>
+          <p:cNvPr id="3" name="Content Placeholder 2">
+            <a:extLst>
+              <a:ext uri="{FF2B5EF4-FFF2-40B4-BE49-F238E27FC236}">
+                <a16:creationId xmlns:a16="http://schemas.microsoft.com/office/drawing/2014/main" id="{5B84DB07-3A63-5A4F-B3AF-2A2AFA8149CE}"/>
+              </a:ext>
+            </a:extLst>
+          </p:cNvPr>
+          <p:cNvSpPr>
+            <a:spLocks noGrp="1"/>
+          </p:cNvSpPr>
+          <p:nvPr>
+            <p:ph idx="1"/>
+          </p:nvPr>
+        </p:nvSpPr>
         <p:spPr>
           <a:xfrm>
-            <a:off x="1524000" y="190500"/>
-            <a:ext cx="7010400" cy="1527175"/>
-          </a:xfrm>
-        </p:spPr>
-        <p:txBody>
-          <a:bodyPr wrap="square" anchor="ctr">
-            <a:normAutofit/>
+            <a:off x="1524000" y="1676400"/>
+            <a:ext cx="7010400" cy="838200"/>
+          </a:xfrm>
+        </p:spPr>
+        <p:txBody>
+          <a:bodyPr>
+            <a:normAutofit fontScale="92500" lnSpcReduction="20000"/>
           </a:bodyPr>
           <a:lstStyle/>
           <a:p>
             <a:r>
               <a:rPr lang="en-US" dirty="0"/>
-              <a:t>Conditional Pattern Matching</a:t>
+              <a:t>The match statement as of 3.10 provides a bit more functionality</a:t>
             </a:r>
           </a:p>
         </p:txBody>
       </p:sp>
       <p:pic>
         <p:nvPicPr>
-          <p:cNvPr id="4" name="Picture 3">
-            <a:extLst>
-              <a:ext uri="{FF2B5EF4-FFF2-40B4-BE49-F238E27FC236}">
-                <a16:creationId xmlns:a16="http://schemas.microsoft.com/office/drawing/2014/main" id="{D02E8CCF-CD44-E148-A19A-1E93996CC066}"/>
+          <p:cNvPr id="5" name="Picture 4">
+            <a:extLst>
+              <a:ext uri="{FF2B5EF4-FFF2-40B4-BE49-F238E27FC236}">
+                <a16:creationId xmlns:a16="http://schemas.microsoft.com/office/drawing/2014/main" id="{B21EEF00-80BA-C244-9D4F-C0381F7748A1}"/>
               </a:ext>
             </a:extLst>
           </p:cNvPr>
@@ -7272,13 +7152,12 @@
         </p:blipFill>
         <p:spPr>
           <a:xfrm>
-            <a:off x="304800" y="2133600"/>
-            <a:ext cx="4996726" cy="762000"/>
+            <a:off x="381000" y="2616201"/>
+            <a:ext cx="4038600" cy="1727200"/>
           </a:xfrm>
           <a:prstGeom prst="rect">
             <a:avLst/>
           </a:prstGeom>
-          <a:noFill/>
           <a:ln>
             <a:solidFill>
               <a:schemeClr val="tx2"/>
@@ -7286,62 +7165,12 @@
           </a:ln>
         </p:spPr>
       </p:pic>
-      <p:sp>
-        <p:nvSpPr>
-          <p:cNvPr id="3" name="Content Placeholder 2">
-            <a:extLst>
-              <a:ext uri="{FF2B5EF4-FFF2-40B4-BE49-F238E27FC236}">
-                <a16:creationId xmlns:a16="http://schemas.microsoft.com/office/drawing/2014/main" id="{CA0B04DA-BCA8-264E-AE30-BDC19E610EB5}"/>
-              </a:ext>
-            </a:extLst>
-          </p:cNvPr>
-          <p:cNvSpPr>
-            <a:spLocks noGrp="1"/>
-          </p:cNvSpPr>
-          <p:nvPr>
-            <p:ph sz="half" idx="2"/>
-          </p:nvPr>
-        </p:nvSpPr>
-        <p:spPr>
-          <a:xfrm>
-            <a:off x="5301526" y="1905000"/>
-            <a:ext cx="3232874" cy="4114800"/>
-          </a:xfrm>
-        </p:spPr>
-        <p:txBody>
-          <a:bodyPr wrap="square" anchor="t">
-            <a:normAutofit/>
-          </a:bodyPr>
-          <a:lstStyle/>
-          <a:p>
-            <a:r>
-              <a:rPr lang="en-US" dirty="0"/>
-              <a:t>Only assign a pair if the two component values are the same</a:t>
-            </a:r>
-          </a:p>
-          <a:p>
-            <a:r>
-              <a:rPr lang="en-US" dirty="0"/>
-              <a:t>Only assign positive values to x</a:t>
-            </a:r>
-          </a:p>
-          <a:p>
-            <a:endParaRPr lang="en-US" dirty="0"/>
-          </a:p>
-          <a:p>
-            <a:endParaRPr lang="en-US" dirty="0"/>
-          </a:p>
-          <a:p>
-            <a:endParaRPr lang="en-US" dirty="0"/>
-          </a:p>
-        </p:txBody>
-      </p:sp>
       <p:pic>
         <p:nvPicPr>
-          <p:cNvPr id="5" name="Picture 4">
-            <a:extLst>
-              <a:ext uri="{FF2B5EF4-FFF2-40B4-BE49-F238E27FC236}">
-                <a16:creationId xmlns:a16="http://schemas.microsoft.com/office/drawing/2014/main" id="{6DA826A1-392C-F646-860F-C0593B3F8493}"/>
+          <p:cNvPr id="6" name="Picture 5">
+            <a:extLst>
+              <a:ext uri="{FF2B5EF4-FFF2-40B4-BE49-F238E27FC236}">
+                <a16:creationId xmlns:a16="http://schemas.microsoft.com/office/drawing/2014/main" id="{C9A4CF8E-8072-2441-8A24-6252220205E9}"/>
               </a:ext>
             </a:extLst>
           </p:cNvPr>
@@ -7358,8 +7187,8 @@
         </p:blipFill>
         <p:spPr>
           <a:xfrm>
-            <a:off x="228600" y="3968018"/>
-            <a:ext cx="5181600" cy="783857"/>
+            <a:off x="4267200" y="3048000"/>
+            <a:ext cx="4267200" cy="3447738"/>
           </a:xfrm>
           <a:prstGeom prst="rect">
             <a:avLst/>
@@ -7371,10 +7200,88 @@
           </a:ln>
         </p:spPr>
       </p:pic>
+      <p:sp>
+        <p:nvSpPr>
+          <p:cNvPr id="7" name="TextBox 6">
+            <a:extLst>
+              <a:ext uri="{FF2B5EF4-FFF2-40B4-BE49-F238E27FC236}">
+                <a16:creationId xmlns:a16="http://schemas.microsoft.com/office/drawing/2014/main" id="{FD410AAD-83B4-CA44-83CE-75DEFC18BA9B}"/>
+              </a:ext>
+            </a:extLst>
+          </p:cNvPr>
+          <p:cNvSpPr txBox="1"/>
+          <p:nvPr/>
+        </p:nvSpPr>
+        <p:spPr>
+          <a:xfrm>
+            <a:off x="246185" y="5990492"/>
+            <a:ext cx="2858475" cy="307777"/>
+          </a:xfrm>
+          <a:prstGeom prst="rect">
+            <a:avLst/>
+          </a:prstGeom>
+          <a:noFill/>
+        </p:spPr>
+        <p:txBody>
+          <a:bodyPr wrap="none" rtlCol="0">
+            <a:spAutoFit/>
+          </a:bodyPr>
+          <a:lstStyle/>
+          <a:p>
+            <a:r>
+              <a:rPr lang="en-US" sz="1400" dirty="0"/>
+              <a:t>https://</a:t>
+            </a:r>
+            <a:r>
+              <a:rPr lang="en-US" sz="1400" dirty="0" err="1"/>
+              <a:t>peps.python.org</a:t>
+            </a:r>
+            <a:r>
+              <a:rPr lang="en-US" sz="1400" dirty="0"/>
+              <a:t>/pep-0636/</a:t>
+            </a:r>
+          </a:p>
+        </p:txBody>
+      </p:sp>
+      <p:sp>
+        <p:nvSpPr>
+          <p:cNvPr id="8" name="TextBox 7">
+            <a:extLst>
+              <a:ext uri="{FF2B5EF4-FFF2-40B4-BE49-F238E27FC236}">
+                <a16:creationId xmlns:a16="http://schemas.microsoft.com/office/drawing/2014/main" id="{C87107F4-F5F0-B440-B5EC-0CB34E1615FB}"/>
+              </a:ext>
+            </a:extLst>
+          </p:cNvPr>
+          <p:cNvSpPr txBox="1"/>
+          <p:nvPr/>
+        </p:nvSpPr>
+        <p:spPr>
+          <a:xfrm>
+            <a:off x="6060831" y="2743200"/>
+            <a:ext cx="1646605" cy="307777"/>
+          </a:xfrm>
+          <a:prstGeom prst="rect">
+            <a:avLst/>
+          </a:prstGeom>
+          <a:noFill/>
+        </p:spPr>
+        <p:txBody>
+          <a:bodyPr wrap="none" rtlCol="0">
+            <a:spAutoFit/>
+          </a:bodyPr>
+          <a:lstStyle/>
+          <a:p>
+            <a:r>
+              <a:rPr lang="en-US" sz="1400" dirty="0"/>
+              <a:t>ln004/destruct3.py</a:t>
+            </a:r>
+          </a:p>
+        </p:txBody>
+      </p:sp>
     </p:spTree>
     <p:extLst>
       <p:ext uri="{BB962C8B-B14F-4D97-AF65-F5344CB8AC3E}">
-        <p14:creationId xmlns:p14="http://schemas.microsoft.com/office/powerpoint/2010/main" val="2882422723"/>
+        <p14:creationId xmlns:p14="http://schemas.microsoft.com/office/powerpoint/2010/main" val="3899810227"/>
       </p:ext>
     </p:extLst>
   </p:cSld>
@@ -7585,7 +7492,7 @@
           <p:cNvPr id="2" name="Title 1">
             <a:extLst>
               <a:ext uri="{FF2B5EF4-FFF2-40B4-BE49-F238E27FC236}">
-                <a16:creationId xmlns:a16="http://schemas.microsoft.com/office/drawing/2014/main" id="{BD45E58E-66D4-284F-AEBB-EB5A327EB614}"/>
+                <a16:creationId xmlns:a16="http://schemas.microsoft.com/office/drawing/2014/main" id="{96CD2FA5-F967-B640-AF84-20CD34541D5F}"/>
               </a:ext>
             </a:extLst>
           </p:cNvPr>
@@ -7603,17 +7510,17 @@
           <a:p>
             <a:r>
               <a:rPr lang="en-US" dirty="0"/>
-              <a:t>The is Predicate</a:t>
-            </a:r>
-          </a:p>
-        </p:txBody>
-      </p:sp>
-      <p:sp>
-        <p:nvSpPr>
-          <p:cNvPr id="5" name="Content Placeholder 4">
-            <a:extLst>
-              <a:ext uri="{FF2B5EF4-FFF2-40B4-BE49-F238E27FC236}">
-                <a16:creationId xmlns:a16="http://schemas.microsoft.com/office/drawing/2014/main" id="{43BE0058-031C-9449-9E21-7B71C109C7A4}"/>
+              <a:t>Pattern Matching in Rust</a:t>
+            </a:r>
+          </a:p>
+        </p:txBody>
+      </p:sp>
+      <p:sp>
+        <p:nvSpPr>
+          <p:cNvPr id="3" name="Content Placeholder 2">
+            <a:extLst>
+              <a:ext uri="{FF2B5EF4-FFF2-40B4-BE49-F238E27FC236}">
+                <a16:creationId xmlns:a16="http://schemas.microsoft.com/office/drawing/2014/main" id="{35CAA96F-C6D7-9248-9A60-9A8AE269211D}"/>
               </a:ext>
             </a:extLst>
           </p:cNvPr>
@@ -7627,7 +7534,7 @@
         <p:spPr>
           <a:xfrm>
             <a:off x="1524000" y="1905000"/>
-            <a:ext cx="7010400" cy="3505200"/>
+            <a:ext cx="7010400" cy="609600"/>
           </a:xfrm>
         </p:spPr>
         <p:txBody>
@@ -7636,37 +7543,17 @@
           <a:p>
             <a:r>
               <a:rPr lang="en-US" dirty="0"/>
-              <a:t>The is predicate is of the form</a:t>
-            </a:r>
-            <a:br>
-              <a:rPr lang="en-US" dirty="0"/>
-            </a:br>
-            <a:r>
-              <a:rPr lang="en-US" dirty="0"/>
-              <a:t>    &lt;value&gt; is &lt;pattern&gt;</a:t>
-            </a:r>
-            <a:br>
-              <a:rPr lang="en-US" dirty="0"/>
-            </a:br>
-            <a:r>
-              <a:rPr lang="en-US" dirty="0"/>
-              <a:t>and returns true if the value matches the pattern otherwise it will return false</a:t>
-            </a:r>
-          </a:p>
-          <a:p>
-            <a:r>
-              <a:rPr lang="en-US" dirty="0"/>
-              <a:t>The is predicate allows us to do pattern matching is expressions</a:t>
+              <a:t>Rust also supports pattern matching</a:t>
             </a:r>
           </a:p>
         </p:txBody>
       </p:sp>
       <p:pic>
         <p:nvPicPr>
-          <p:cNvPr id="7" name="Picture 6">
-            <a:extLst>
-              <a:ext uri="{FF2B5EF4-FFF2-40B4-BE49-F238E27FC236}">
-                <a16:creationId xmlns:a16="http://schemas.microsoft.com/office/drawing/2014/main" id="{81AAE521-5C3F-1441-A77E-88572B79191F}"/>
+          <p:cNvPr id="4" name="Picture 3">
+            <a:extLst>
+              <a:ext uri="{FF2B5EF4-FFF2-40B4-BE49-F238E27FC236}">
+                <a16:creationId xmlns:a16="http://schemas.microsoft.com/office/drawing/2014/main" id="{DE8E6D5E-9011-5346-838C-8C3CA64040DE}"/>
               </a:ext>
             </a:extLst>
           </p:cNvPr>
@@ -7683,47 +7570,75 @@
         </p:blipFill>
         <p:spPr>
           <a:xfrm>
-            <a:off x="2819400" y="5422900"/>
-            <a:ext cx="2628900" cy="1244600"/>
+            <a:off x="3962400" y="2877771"/>
+            <a:ext cx="4773898" cy="3751629"/>
           </a:xfrm>
           <a:prstGeom prst="rect">
             <a:avLst/>
           </a:prstGeom>
           <a:ln>
             <a:solidFill>
-              <a:schemeClr val="tx2"/>
+              <a:schemeClr val="tx1"/>
             </a:solidFill>
           </a:ln>
         </p:spPr>
       </p:pic>
-      <p:sp>
-        <p:nvSpPr>
-          <p:cNvPr id="8" name="TextBox 7">
-            <a:extLst>
-              <a:ext uri="{FF2B5EF4-FFF2-40B4-BE49-F238E27FC236}">
-                <a16:creationId xmlns:a16="http://schemas.microsoft.com/office/drawing/2014/main" id="{5DE8BE3D-2D0B-4345-A8F1-8EC44E83068A}"/>
-              </a:ext>
-            </a:extLst>
-          </p:cNvPr>
-          <p:cNvSpPr txBox="1"/>
+      <p:pic>
+        <p:nvPicPr>
+          <p:cNvPr id="5" name="Picture 4">
+            <a:extLst>
+              <a:ext uri="{FF2B5EF4-FFF2-40B4-BE49-F238E27FC236}">
+                <a16:creationId xmlns:a16="http://schemas.microsoft.com/office/drawing/2014/main" id="{F54D7279-2489-3C44-BD42-D76496D6C499}"/>
+              </a:ext>
+            </a:extLst>
+          </p:cNvPr>
+          <p:cNvPicPr>
+            <a:picLocks noChangeAspect="1"/>
+          </p:cNvPicPr>
           <p:nvPr/>
-        </p:nvSpPr>
+        </p:nvPicPr>
+        <p:blipFill>
+          <a:blip r:embed="rId3"/>
+          <a:stretch>
+            <a:fillRect/>
+          </a:stretch>
+        </p:blipFill>
         <p:spPr>
           <a:xfrm>
-            <a:off x="6858000" y="762000"/>
-            <a:ext cx="1923925" cy="1169551"/>
+            <a:off x="228600" y="2971800"/>
+            <a:ext cx="3073400" cy="1498600"/>
           </a:xfrm>
           <a:prstGeom prst="rect">
             <a:avLst/>
           </a:prstGeom>
-          <a:solidFill>
-            <a:schemeClr val="bg1"/>
-          </a:solidFill>
           <a:ln>
             <a:solidFill>
-              <a:schemeClr val="tx2"/>
+              <a:schemeClr val="tx1"/>
             </a:solidFill>
           </a:ln>
+        </p:spPr>
+      </p:pic>
+      <p:sp>
+        <p:nvSpPr>
+          <p:cNvPr id="6" name="TextBox 5">
+            <a:extLst>
+              <a:ext uri="{FF2B5EF4-FFF2-40B4-BE49-F238E27FC236}">
+                <a16:creationId xmlns:a16="http://schemas.microsoft.com/office/drawing/2014/main" id="{BAABA7D1-54A7-5A40-BF97-2C13B7519CB0}"/>
+              </a:ext>
+            </a:extLst>
+          </p:cNvPr>
+          <p:cNvSpPr txBox="1"/>
+          <p:nvPr/>
+        </p:nvSpPr>
+        <p:spPr>
+          <a:xfrm>
+            <a:off x="6172200" y="2514600"/>
+            <a:ext cx="1606530" cy="307777"/>
+          </a:xfrm>
+          <a:prstGeom prst="rect">
+            <a:avLst/>
+          </a:prstGeom>
+          <a:noFill/>
         </p:spPr>
         <p:txBody>
           <a:bodyPr wrap="none" rtlCol="0">
@@ -7733,35 +7648,42 @@
           <a:p>
             <a:r>
               <a:rPr lang="en-US" sz="1400" dirty="0"/>
-              <a:t>Note: a predicate is a</a:t>
-            </a:r>
-            <a:br>
+              <a:t>ln004/destruct3.rs</a:t>
+            </a:r>
+          </a:p>
+        </p:txBody>
+      </p:sp>
+      <p:sp>
+        <p:nvSpPr>
+          <p:cNvPr id="7" name="TextBox 6">
+            <a:extLst>
+              <a:ext uri="{FF2B5EF4-FFF2-40B4-BE49-F238E27FC236}">
+                <a16:creationId xmlns:a16="http://schemas.microsoft.com/office/drawing/2014/main" id="{79027E54-9047-3340-9DFE-D76C7C826BCB}"/>
+              </a:ext>
+            </a:extLst>
+          </p:cNvPr>
+          <p:cNvSpPr txBox="1"/>
+          <p:nvPr/>
+        </p:nvSpPr>
+        <p:spPr>
+          <a:xfrm>
+            <a:off x="1449103" y="2589311"/>
+            <a:ext cx="1705916" cy="307777"/>
+          </a:xfrm>
+          <a:prstGeom prst="rect">
+            <a:avLst/>
+          </a:prstGeom>
+          <a:noFill/>
+        </p:spPr>
+        <p:txBody>
+          <a:bodyPr wrap="none" rtlCol="0">
+            <a:spAutoFit/>
+          </a:bodyPr>
+          <a:lstStyle/>
+          <a:p>
+            <a:r>
               <a:rPr lang="en-US" sz="1400" dirty="0"/>
-            </a:br>
-            <a:r>
-              <a:rPr lang="en-US" sz="1400" dirty="0"/>
-              <a:t>function/operator that </a:t>
-            </a:r>
-            <a:br>
-              <a:rPr lang="en-US" sz="1400" dirty="0"/>
-            </a:br>
-            <a:r>
-              <a:rPr lang="en-US" sz="1400" dirty="0"/>
-              <a:t>always returns true or</a:t>
-            </a:r>
-            <a:br>
-              <a:rPr lang="en-US" sz="1400" dirty="0"/>
-            </a:br>
-            <a:r>
-              <a:rPr lang="en-US" sz="1400" dirty="0"/>
-              <a:t>false.  No other return</a:t>
-            </a:r>
-            <a:br>
-              <a:rPr lang="en-US" sz="1400" dirty="0"/>
-            </a:br>
-            <a:r>
-              <a:rPr lang="en-US" sz="1400" dirty="0"/>
-              <a:t>value is permitted.</a:t>
+              <a:t>ln004/destruct2.prs</a:t>
             </a:r>
           </a:p>
         </p:txBody>
@@ -7769,7 +7691,7 @@
     </p:spTree>
     <p:extLst>
       <p:ext uri="{BB962C8B-B14F-4D97-AF65-F5344CB8AC3E}">
-        <p14:creationId xmlns:p14="http://schemas.microsoft.com/office/powerpoint/2010/main" val="3295829166"/>
+        <p14:creationId xmlns:p14="http://schemas.microsoft.com/office/powerpoint/2010/main" val="1648020018"/>
       </p:ext>
     </p:extLst>
   </p:cSld>
@@ -7801,7 +7723,7 @@
           <p:cNvPr id="2" name="Title 1">
             <a:extLst>
               <a:ext uri="{FF2B5EF4-FFF2-40B4-BE49-F238E27FC236}">
-                <a16:creationId xmlns:a16="http://schemas.microsoft.com/office/drawing/2014/main" id="{BD45E58E-66D4-284F-AEBB-EB5A327EB614}"/>
+                <a16:creationId xmlns:a16="http://schemas.microsoft.com/office/drawing/2014/main" id="{AD848BFB-A2B4-FB48-BABF-BBD8D18B0699}"/>
               </a:ext>
             </a:extLst>
           </p:cNvPr>
@@ -7812,95 +7734,31 @@
             <p:ph type="title"/>
           </p:nvPr>
         </p:nvSpPr>
-        <p:spPr/>
-        <p:txBody>
-          <a:bodyPr/>
-          <a:lstStyle/>
-          <a:p>
-            <a:r>
-              <a:rPr lang="en-US" dirty="0"/>
-              <a:t>Type Patterns</a:t>
-            </a:r>
-          </a:p>
-        </p:txBody>
-      </p:sp>
-      <p:sp>
-        <p:nvSpPr>
-          <p:cNvPr id="5" name="Content Placeholder 4">
-            <a:extLst>
-              <a:ext uri="{FF2B5EF4-FFF2-40B4-BE49-F238E27FC236}">
-                <a16:creationId xmlns:a16="http://schemas.microsoft.com/office/drawing/2014/main" id="{43BE0058-031C-9449-9E21-7B71C109C7A4}"/>
-              </a:ext>
-            </a:extLst>
-          </p:cNvPr>
-          <p:cNvSpPr>
-            <a:spLocks noGrp="1"/>
-          </p:cNvSpPr>
-          <p:nvPr>
-            <p:ph idx="1"/>
-          </p:nvPr>
-        </p:nvSpPr>
         <p:spPr>
           <a:xfrm>
-            <a:off x="1524000" y="1905000"/>
-            <a:ext cx="7010400" cy="1905000"/>
-          </a:xfrm>
-        </p:spPr>
-        <p:txBody>
-          <a:bodyPr>
-            <a:normAutofit fontScale="62500" lnSpcReduction="20000"/>
+            <a:off x="1524000" y="190500"/>
+            <a:ext cx="7010400" cy="1527175"/>
+          </a:xfrm>
+        </p:spPr>
+        <p:txBody>
+          <a:bodyPr wrap="square" anchor="ctr">
+            <a:normAutofit/>
           </a:bodyPr>
           <a:lstStyle/>
           <a:p>
             <a:r>
               <a:rPr lang="en-US" dirty="0"/>
-              <a:t>Type patterns are patterns of the form</a:t>
-            </a:r>
-            <a:br>
-              <a:rPr lang="en-US" dirty="0"/>
-            </a:br>
-            <a:r>
-              <a:rPr lang="en-US" dirty="0"/>
-              <a:t>   %&lt;type name&gt;</a:t>
-            </a:r>
-            <a:br>
-              <a:rPr lang="en-US" dirty="0"/>
-            </a:br>
-            <a:r>
-              <a:rPr lang="en-US" dirty="0"/>
-              <a:t>and match all instances of the &lt;type name&gt;</a:t>
-            </a:r>
-          </a:p>
-          <a:p>
-            <a:r>
-              <a:rPr lang="en-US" dirty="0"/>
-              <a:t>All built-in types have associated type patterns such as %integer, %real, %string etc.</a:t>
-            </a:r>
-          </a:p>
-          <a:p>
-            <a:r>
-              <a:rPr lang="en-US" dirty="0"/>
-              <a:t>User defined types are also supported,</a:t>
-            </a:r>
-            <a:br>
-              <a:rPr lang="en-US" dirty="0"/>
-            </a:br>
-            <a:r>
-              <a:rPr lang="en-US" dirty="0"/>
-              <a:t>   %&lt;user defined type name&gt;</a:t>
-            </a:r>
-          </a:p>
-          <a:p>
-            <a:endParaRPr lang="en-US" dirty="0"/>
+              <a:t>Conditional Pattern Matching</a:t>
+            </a:r>
           </a:p>
         </p:txBody>
       </p:sp>
       <p:pic>
         <p:nvPicPr>
-          <p:cNvPr id="3" name="Picture 2">
-            <a:extLst>
-              <a:ext uri="{FF2B5EF4-FFF2-40B4-BE49-F238E27FC236}">
-                <a16:creationId xmlns:a16="http://schemas.microsoft.com/office/drawing/2014/main" id="{387219F6-3021-1E4C-90DF-B8A249F3165E}"/>
+          <p:cNvPr id="4" name="Picture 3">
+            <a:extLst>
+              <a:ext uri="{FF2B5EF4-FFF2-40B4-BE49-F238E27FC236}">
+                <a16:creationId xmlns:a16="http://schemas.microsoft.com/office/drawing/2014/main" id="{D02E8CCF-CD44-E148-A19A-1E93996CC066}"/>
               </a:ext>
             </a:extLst>
           </p:cNvPr>
@@ -7917,12 +7775,13 @@
         </p:blipFill>
         <p:spPr>
           <a:xfrm>
-            <a:off x="381000" y="3733800"/>
-            <a:ext cx="7239000" cy="823126"/>
+            <a:off x="304800" y="2133600"/>
+            <a:ext cx="4996726" cy="762000"/>
           </a:xfrm>
           <a:prstGeom prst="rect">
             <a:avLst/>
           </a:prstGeom>
+          <a:noFill/>
           <a:ln>
             <a:solidFill>
               <a:schemeClr val="tx2"/>
@@ -7930,12 +7789,62 @@
           </a:ln>
         </p:spPr>
       </p:pic>
+      <p:sp>
+        <p:nvSpPr>
+          <p:cNvPr id="3" name="Content Placeholder 2">
+            <a:extLst>
+              <a:ext uri="{FF2B5EF4-FFF2-40B4-BE49-F238E27FC236}">
+                <a16:creationId xmlns:a16="http://schemas.microsoft.com/office/drawing/2014/main" id="{CA0B04DA-BCA8-264E-AE30-BDC19E610EB5}"/>
+              </a:ext>
+            </a:extLst>
+          </p:cNvPr>
+          <p:cNvSpPr>
+            <a:spLocks noGrp="1"/>
+          </p:cNvSpPr>
+          <p:nvPr>
+            <p:ph sz="half" idx="2"/>
+          </p:nvPr>
+        </p:nvSpPr>
+        <p:spPr>
+          <a:xfrm>
+            <a:off x="5301526" y="1905000"/>
+            <a:ext cx="3232874" cy="4114800"/>
+          </a:xfrm>
+        </p:spPr>
+        <p:txBody>
+          <a:bodyPr wrap="square" anchor="t">
+            <a:normAutofit/>
+          </a:bodyPr>
+          <a:lstStyle/>
+          <a:p>
+            <a:r>
+              <a:rPr lang="en-US" dirty="0"/>
+              <a:t>Only assign a pair if the two component values are the same</a:t>
+            </a:r>
+          </a:p>
+          <a:p>
+            <a:r>
+              <a:rPr lang="en-US" dirty="0"/>
+              <a:t>Only assign positive values to x</a:t>
+            </a:r>
+          </a:p>
+          <a:p>
+            <a:endParaRPr lang="en-US" dirty="0"/>
+          </a:p>
+          <a:p>
+            <a:endParaRPr lang="en-US" dirty="0"/>
+          </a:p>
+          <a:p>
+            <a:endParaRPr lang="en-US" dirty="0"/>
+          </a:p>
+        </p:txBody>
+      </p:sp>
       <p:pic>
         <p:nvPicPr>
-          <p:cNvPr id="4" name="Picture 3">
-            <a:extLst>
-              <a:ext uri="{FF2B5EF4-FFF2-40B4-BE49-F238E27FC236}">
-                <a16:creationId xmlns:a16="http://schemas.microsoft.com/office/drawing/2014/main" id="{15BF67B0-6D28-AF48-BA26-3593D3997507}"/>
+          <p:cNvPr id="5" name="Picture 4">
+            <a:extLst>
+              <a:ext uri="{FF2B5EF4-FFF2-40B4-BE49-F238E27FC236}">
+                <a16:creationId xmlns:a16="http://schemas.microsoft.com/office/drawing/2014/main" id="{6DA826A1-392C-F646-860F-C0593B3F8493}"/>
               </a:ext>
             </a:extLst>
           </p:cNvPr>
@@ -7952,8 +7861,8 @@
         </p:blipFill>
         <p:spPr>
           <a:xfrm>
-            <a:off x="1089758" y="4712945"/>
-            <a:ext cx="7473950" cy="1954555"/>
+            <a:off x="228600" y="3968018"/>
+            <a:ext cx="5181600" cy="783857"/>
           </a:xfrm>
           <a:prstGeom prst="rect">
             <a:avLst/>
@@ -7968,7 +7877,7 @@
     </p:spTree>
     <p:extLst>
       <p:ext uri="{BB962C8B-B14F-4D97-AF65-F5344CB8AC3E}">
-        <p14:creationId xmlns:p14="http://schemas.microsoft.com/office/powerpoint/2010/main" val="3506047900"/>
+        <p14:creationId xmlns:p14="http://schemas.microsoft.com/office/powerpoint/2010/main" val="2882422723"/>
       </p:ext>
     </p:extLst>
   </p:cSld>
@@ -8000,7 +7909,7 @@
           <p:cNvPr id="2" name="Title 1">
             <a:extLst>
               <a:ext uri="{FF2B5EF4-FFF2-40B4-BE49-F238E27FC236}">
-                <a16:creationId xmlns:a16="http://schemas.microsoft.com/office/drawing/2014/main" id="{38B8FBF2-2788-6944-85A4-736AB1C73BC5}"/>
+                <a16:creationId xmlns:a16="http://schemas.microsoft.com/office/drawing/2014/main" id="{BD45E58E-66D4-284F-AEBB-EB5A327EB614}"/>
               </a:ext>
             </a:extLst>
           </p:cNvPr>
@@ -8018,17 +7927,17 @@
           <a:p>
             <a:r>
               <a:rPr lang="en-US" dirty="0"/>
-              <a:t>Advanced Pattern Match Expressions</a:t>
-            </a:r>
-          </a:p>
-        </p:txBody>
-      </p:sp>
-      <p:sp>
-        <p:nvSpPr>
-          <p:cNvPr id="3" name="Content Placeholder 2">
-            <a:extLst>
-              <a:ext uri="{FF2B5EF4-FFF2-40B4-BE49-F238E27FC236}">
-                <a16:creationId xmlns:a16="http://schemas.microsoft.com/office/drawing/2014/main" id="{99DE4156-25CE-5A46-B4D9-12D9CC6D2A5C}"/>
+              <a:t>The is Predicate</a:t>
+            </a:r>
+          </a:p>
+        </p:txBody>
+      </p:sp>
+      <p:sp>
+        <p:nvSpPr>
+          <p:cNvPr id="5" name="Content Placeholder 4">
+            <a:extLst>
+              <a:ext uri="{FF2B5EF4-FFF2-40B4-BE49-F238E27FC236}">
+                <a16:creationId xmlns:a16="http://schemas.microsoft.com/office/drawing/2014/main" id="{43BE0058-031C-9449-9E21-7B71C109C7A4}"/>
               </a:ext>
             </a:extLst>
           </p:cNvPr>
@@ -8042,34 +7951,46 @@
         <p:spPr>
           <a:xfrm>
             <a:off x="1524000" y="1905000"/>
-            <a:ext cx="7010400" cy="2514600"/>
-          </a:xfrm>
-        </p:spPr>
-        <p:txBody>
-          <a:bodyPr>
-            <a:normAutofit fontScale="92500" lnSpcReduction="10000"/>
-          </a:bodyPr>
+            <a:ext cx="7010400" cy="3505200"/>
+          </a:xfrm>
+        </p:spPr>
+        <p:txBody>
+          <a:bodyPr/>
           <a:lstStyle/>
           <a:p>
             <a:r>
               <a:rPr lang="en-US" dirty="0"/>
-              <a:t>We can combine conditional pattern matching with type patterns and the is predicate to express sophisticated patterns</a:t>
-            </a:r>
-          </a:p>
-          <a:p>
-            <a:r>
-              <a:rPr lang="en-US" dirty="0"/>
-              <a:t>E.g., only assign a value to x if it is an integer value</a:t>
+              <a:t>The is predicate is of the form</a:t>
+            </a:r>
+            <a:br>
+              <a:rPr lang="en-US" dirty="0"/>
+            </a:br>
+            <a:r>
+              <a:rPr lang="en-US" dirty="0"/>
+              <a:t>    &lt;value&gt; is &lt;pattern&gt;</a:t>
+            </a:r>
+            <a:br>
+              <a:rPr lang="en-US" dirty="0"/>
+            </a:br>
+            <a:r>
+              <a:rPr lang="en-US" dirty="0"/>
+              <a:t>and returns true if the value matches the pattern otherwise it will return false</a:t>
+            </a:r>
+          </a:p>
+          <a:p>
+            <a:r>
+              <a:rPr lang="en-US" dirty="0"/>
+              <a:t>The is predicate allows us to do pattern matching is expressions</a:t>
             </a:r>
           </a:p>
         </p:txBody>
       </p:sp>
       <p:pic>
         <p:nvPicPr>
-          <p:cNvPr id="4" name="Picture 3">
-            <a:extLst>
-              <a:ext uri="{FF2B5EF4-FFF2-40B4-BE49-F238E27FC236}">
-                <a16:creationId xmlns:a16="http://schemas.microsoft.com/office/drawing/2014/main" id="{042AB9A8-F2E7-8C43-A782-35FC00F7CF82}"/>
+          <p:cNvPr id="7" name="Picture 6">
+            <a:extLst>
+              <a:ext uri="{FF2B5EF4-FFF2-40B4-BE49-F238E27FC236}">
+                <a16:creationId xmlns:a16="http://schemas.microsoft.com/office/drawing/2014/main" id="{81AAE521-5C3F-1441-A77E-88572B79191F}"/>
               </a:ext>
             </a:extLst>
           </p:cNvPr>
@@ -8086,8 +8007,8 @@
         </p:blipFill>
         <p:spPr>
           <a:xfrm>
-            <a:off x="1327150" y="4606925"/>
-            <a:ext cx="6489700" cy="1422400"/>
+            <a:off x="2819400" y="5422900"/>
+            <a:ext cx="2628900" cy="1244600"/>
           </a:xfrm>
           <a:prstGeom prst="rect">
             <a:avLst/>
@@ -8099,10 +8020,80 @@
           </a:ln>
         </p:spPr>
       </p:pic>
+      <p:sp>
+        <p:nvSpPr>
+          <p:cNvPr id="8" name="TextBox 7">
+            <a:extLst>
+              <a:ext uri="{FF2B5EF4-FFF2-40B4-BE49-F238E27FC236}">
+                <a16:creationId xmlns:a16="http://schemas.microsoft.com/office/drawing/2014/main" id="{5DE8BE3D-2D0B-4345-A8F1-8EC44E83068A}"/>
+              </a:ext>
+            </a:extLst>
+          </p:cNvPr>
+          <p:cNvSpPr txBox="1"/>
+          <p:nvPr/>
+        </p:nvSpPr>
+        <p:spPr>
+          <a:xfrm>
+            <a:off x="6858000" y="762000"/>
+            <a:ext cx="1923925" cy="1169551"/>
+          </a:xfrm>
+          <a:prstGeom prst="rect">
+            <a:avLst/>
+          </a:prstGeom>
+          <a:solidFill>
+            <a:schemeClr val="bg1"/>
+          </a:solidFill>
+          <a:ln>
+            <a:solidFill>
+              <a:schemeClr val="tx2"/>
+            </a:solidFill>
+          </a:ln>
+        </p:spPr>
+        <p:txBody>
+          <a:bodyPr wrap="none" rtlCol="0">
+            <a:spAutoFit/>
+          </a:bodyPr>
+          <a:lstStyle/>
+          <a:p>
+            <a:r>
+              <a:rPr lang="en-US" sz="1400" dirty="0"/>
+              <a:t>Note: a predicate is a</a:t>
+            </a:r>
+            <a:br>
+              <a:rPr lang="en-US" sz="1400" dirty="0"/>
+            </a:br>
+            <a:r>
+              <a:rPr lang="en-US" sz="1400" dirty="0"/>
+              <a:t>function/operator that </a:t>
+            </a:r>
+            <a:br>
+              <a:rPr lang="en-US" sz="1400" dirty="0"/>
+            </a:br>
+            <a:r>
+              <a:rPr lang="en-US" sz="1400" dirty="0"/>
+              <a:t>always returns true or</a:t>
+            </a:r>
+            <a:br>
+              <a:rPr lang="en-US" sz="1400" dirty="0"/>
+            </a:br>
+            <a:r>
+              <a:rPr lang="en-US" sz="1400" dirty="0"/>
+              <a:t>false.  No other return</a:t>
+            </a:r>
+            <a:br>
+              <a:rPr lang="en-US" sz="1400" dirty="0"/>
+            </a:br>
+            <a:r>
+              <a:rPr lang="en-US" sz="1400" dirty="0"/>
+              <a:t>value is permitted.</a:t>
+            </a:r>
+          </a:p>
+        </p:txBody>
+      </p:sp>
     </p:spTree>
     <p:extLst>
       <p:ext uri="{BB962C8B-B14F-4D97-AF65-F5344CB8AC3E}">
-        <p14:creationId xmlns:p14="http://schemas.microsoft.com/office/powerpoint/2010/main" val="527991359"/>
+        <p14:creationId xmlns:p14="http://schemas.microsoft.com/office/powerpoint/2010/main" val="3295829166"/>
       </p:ext>
     </p:extLst>
   </p:cSld>
@@ -8134,7 +8125,7 @@
           <p:cNvPr id="2" name="Title 1">
             <a:extLst>
               <a:ext uri="{FF2B5EF4-FFF2-40B4-BE49-F238E27FC236}">
-                <a16:creationId xmlns:a16="http://schemas.microsoft.com/office/drawing/2014/main" id="{38B8FBF2-2788-6944-85A4-736AB1C73BC5}"/>
+                <a16:creationId xmlns:a16="http://schemas.microsoft.com/office/drawing/2014/main" id="{BD45E58E-66D4-284F-AEBB-EB5A327EB614}"/>
               </a:ext>
             </a:extLst>
           </p:cNvPr>
@@ -8152,17 +8143,17 @@
           <a:p>
             <a:r>
               <a:rPr lang="en-US" dirty="0"/>
-              <a:t>Advanced Pattern Match Expressions</a:t>
-            </a:r>
-          </a:p>
-        </p:txBody>
-      </p:sp>
-      <p:sp>
-        <p:nvSpPr>
-          <p:cNvPr id="3" name="Content Placeholder 2">
-            <a:extLst>
-              <a:ext uri="{FF2B5EF4-FFF2-40B4-BE49-F238E27FC236}">
-                <a16:creationId xmlns:a16="http://schemas.microsoft.com/office/drawing/2014/main" id="{99DE4156-25CE-5A46-B4D9-12D9CC6D2A5C}"/>
+              <a:t>Type Patterns</a:t>
+            </a:r>
+          </a:p>
+        </p:txBody>
+      </p:sp>
+      <p:sp>
+        <p:nvSpPr>
+          <p:cNvPr id="5" name="Content Placeholder 4">
+            <a:extLst>
+              <a:ext uri="{FF2B5EF4-FFF2-40B4-BE49-F238E27FC236}">
+                <a16:creationId xmlns:a16="http://schemas.microsoft.com/office/drawing/2014/main" id="{43BE0058-031C-9449-9E21-7B71C109C7A4}"/>
               </a:ext>
             </a:extLst>
           </p:cNvPr>
@@ -8176,28 +8167,64 @@
         <p:spPr>
           <a:xfrm>
             <a:off x="1524000" y="1905000"/>
-            <a:ext cx="7010400" cy="762000"/>
+            <a:ext cx="7010400" cy="1905000"/>
           </a:xfrm>
         </p:spPr>
         <p:txBody>
           <a:bodyPr>
-            <a:normAutofit/>
+            <a:normAutofit fontScale="62500" lnSpcReduction="20000"/>
           </a:bodyPr>
           <a:lstStyle/>
           <a:p>
             <a:r>
               <a:rPr lang="en-US" dirty="0"/>
-              <a:t>Here are some additional examples,</a:t>
-            </a:r>
+              <a:t>Type patterns are patterns of the form</a:t>
+            </a:r>
+            <a:br>
+              <a:rPr lang="en-US" dirty="0"/>
+            </a:br>
+            <a:r>
+              <a:rPr lang="en-US" dirty="0"/>
+              <a:t>   %&lt;type name&gt;</a:t>
+            </a:r>
+            <a:br>
+              <a:rPr lang="en-US" dirty="0"/>
+            </a:br>
+            <a:r>
+              <a:rPr lang="en-US" dirty="0"/>
+              <a:t>and match all instances of the &lt;type name&gt;</a:t>
+            </a:r>
+          </a:p>
+          <a:p>
+            <a:r>
+              <a:rPr lang="en-US" dirty="0"/>
+              <a:t>All built-in types have associated type patterns such as %integer, %real, %string etc.</a:t>
+            </a:r>
+          </a:p>
+          <a:p>
+            <a:r>
+              <a:rPr lang="en-US" dirty="0"/>
+              <a:t>User defined types are also supported,</a:t>
+            </a:r>
+            <a:br>
+              <a:rPr lang="en-US" dirty="0"/>
+            </a:br>
+            <a:r>
+              <a:rPr lang="en-US" dirty="0"/>
+              <a:t>   %&lt;user defined type name&gt;</a:t>
+            </a:r>
+          </a:p>
+          <a:p>
+            <a:endParaRPr lang="en-US" dirty="0"/>
           </a:p>
         </p:txBody>
       </p:sp>
       <p:pic>
         <p:nvPicPr>
-          <p:cNvPr id="5" name="Picture 4">
-            <a:extLst>
-              <a:ext uri="{FF2B5EF4-FFF2-40B4-BE49-F238E27FC236}">
-                <a16:creationId xmlns:a16="http://schemas.microsoft.com/office/drawing/2014/main" id="{C1C88CFB-FC12-204B-9F54-811B0900984A}"/>
+          <p:cNvPr id="3" name="Picture 2">
+            <a:extLst>
+              <a:ext uri="{FF2B5EF4-FFF2-40B4-BE49-F238E27FC236}">
+                <a16:creationId xmlns:a16="http://schemas.microsoft.com/office/drawing/2014/main" id="{387219F6-3021-1E4C-90DF-B8A249F3165E}"/>
               </a:ext>
             </a:extLst>
           </p:cNvPr>
@@ -8214,8 +8241,8 @@
         </p:blipFill>
         <p:spPr>
           <a:xfrm>
-            <a:off x="304800" y="2708031"/>
-            <a:ext cx="5067300" cy="673100"/>
+            <a:off x="381000" y="3733800"/>
+            <a:ext cx="7239000" cy="823126"/>
           </a:xfrm>
           <a:prstGeom prst="rect">
             <a:avLst/>
@@ -8229,10 +8256,10 @@
       </p:pic>
       <p:pic>
         <p:nvPicPr>
-          <p:cNvPr id="6" name="Picture 5">
-            <a:extLst>
-              <a:ext uri="{FF2B5EF4-FFF2-40B4-BE49-F238E27FC236}">
-                <a16:creationId xmlns:a16="http://schemas.microsoft.com/office/drawing/2014/main" id="{1D3CFE35-B4E8-424F-B4A1-6EBB08FE3A8E}"/>
+          <p:cNvPr id="4" name="Picture 3">
+            <a:extLst>
+              <a:ext uri="{FF2B5EF4-FFF2-40B4-BE49-F238E27FC236}">
+                <a16:creationId xmlns:a16="http://schemas.microsoft.com/office/drawing/2014/main" id="{15BF67B0-6D28-AF48-BA26-3593D3997507}"/>
               </a:ext>
             </a:extLst>
           </p:cNvPr>
@@ -8249,8 +8276,8 @@
         </p:blipFill>
         <p:spPr>
           <a:xfrm>
-            <a:off x="1771650" y="4038600"/>
-            <a:ext cx="6515100" cy="2006600"/>
+            <a:off x="1089758" y="4712945"/>
+            <a:ext cx="7473950" cy="1954555"/>
           </a:xfrm>
           <a:prstGeom prst="rect">
             <a:avLst/>
@@ -8262,45 +8289,10 @@
           </a:ln>
         </p:spPr>
       </p:pic>
-      <p:sp>
-        <p:nvSpPr>
-          <p:cNvPr id="7" name="TextBox 6">
-            <a:extLst>
-              <a:ext uri="{FF2B5EF4-FFF2-40B4-BE49-F238E27FC236}">
-                <a16:creationId xmlns:a16="http://schemas.microsoft.com/office/drawing/2014/main" id="{4951B354-A5F6-A549-A108-76506E3E4DB7}"/>
-              </a:ext>
-            </a:extLst>
-          </p:cNvPr>
-          <p:cNvSpPr txBox="1"/>
-          <p:nvPr/>
-        </p:nvSpPr>
-        <p:spPr>
-          <a:xfrm>
-            <a:off x="1992923" y="6271846"/>
-            <a:ext cx="3370218" cy="338554"/>
-          </a:xfrm>
-          <a:prstGeom prst="rect">
-            <a:avLst/>
-          </a:prstGeom>
-          <a:noFill/>
-        </p:spPr>
-        <p:txBody>
-          <a:bodyPr wrap="none" rtlCol="0">
-            <a:spAutoFit/>
-          </a:bodyPr>
-          <a:lstStyle/>
-          <a:p>
-            <a:r>
-              <a:rPr lang="en-US" sz="1600" dirty="0"/>
-              <a:t>Note: ‘mod’ is the modulus function</a:t>
-            </a:r>
-          </a:p>
-        </p:txBody>
-      </p:sp>
     </p:spTree>
     <p:extLst>
       <p:ext uri="{BB962C8B-B14F-4D97-AF65-F5344CB8AC3E}">
-        <p14:creationId xmlns:p14="http://schemas.microsoft.com/office/powerpoint/2010/main" val="3020148784"/>
+        <p14:creationId xmlns:p14="http://schemas.microsoft.com/office/powerpoint/2010/main" val="3506047900"/>
       </p:ext>
     </p:extLst>
   </p:cSld>
@@ -8332,7 +8324,7 @@
           <p:cNvPr id="2" name="Title 1">
             <a:extLst>
               <a:ext uri="{FF2B5EF4-FFF2-40B4-BE49-F238E27FC236}">
-                <a16:creationId xmlns:a16="http://schemas.microsoft.com/office/drawing/2014/main" id="{69D8A802-1887-5C44-89B7-C430FD3E8CF1}"/>
+                <a16:creationId xmlns:a16="http://schemas.microsoft.com/office/drawing/2014/main" id="{38B8FBF2-2788-6944-85A4-736AB1C73BC5}"/>
               </a:ext>
             </a:extLst>
           </p:cNvPr>
@@ -8350,7 +8342,7 @@
           <a:p>
             <a:r>
               <a:rPr lang="en-US" dirty="0"/>
-              <a:t>Named Patterns</a:t>
+              <a:t>Advanced Pattern Match Expressions</a:t>
             </a:r>
           </a:p>
         </p:txBody>
@@ -8360,7 +8352,7 @@
           <p:cNvPr id="3" name="Content Placeholder 2">
             <a:extLst>
               <a:ext uri="{FF2B5EF4-FFF2-40B4-BE49-F238E27FC236}">
-                <a16:creationId xmlns:a16="http://schemas.microsoft.com/office/drawing/2014/main" id="{E7A95868-7F6A-C846-8D8F-777179574524}"/>
+                <a16:creationId xmlns:a16="http://schemas.microsoft.com/office/drawing/2014/main" id="{99DE4156-25CE-5A46-B4D9-12D9CC6D2A5C}"/>
               </a:ext>
             </a:extLst>
           </p:cNvPr>
@@ -8374,58 +8366,24 @@
         <p:spPr>
           <a:xfrm>
             <a:off x="1524000" y="1905000"/>
-            <a:ext cx="7010400" cy="3048000"/>
+            <a:ext cx="7010400" cy="2514600"/>
           </a:xfrm>
         </p:spPr>
         <p:txBody>
           <a:bodyPr>
-            <a:normAutofit fontScale="92500" lnSpcReduction="20000"/>
+            <a:normAutofit fontScale="92500" lnSpcReduction="10000"/>
           </a:bodyPr>
           <a:lstStyle/>
           <a:p>
             <a:r>
               <a:rPr lang="en-US" dirty="0"/>
-              <a:t>The simple conditional pattern</a:t>
-            </a:r>
-            <a:br>
-              <a:rPr lang="en-US" dirty="0"/>
-            </a:br>
-            <a:r>
-              <a:rPr lang="en-US" dirty="0"/>
-              <a:t>   x if x is &lt;pattern&gt;</a:t>
-            </a:r>
-            <a:br>
-              <a:rPr lang="en-US" dirty="0"/>
-            </a:br>
-            <a:r>
-              <a:rPr lang="en-US" dirty="0"/>
-              <a:t>appears a lot in Asteroid programs</a:t>
-            </a:r>
-          </a:p>
-          <a:p>
-            <a:r>
-              <a:rPr lang="en-US" dirty="0"/>
-              <a:t>Named patterns of the form</a:t>
-            </a:r>
-            <a:br>
-              <a:rPr lang="en-US" dirty="0"/>
-            </a:br>
-            <a:r>
-              <a:rPr lang="en-US" dirty="0"/>
-              <a:t>   x:&lt;pattern&gt;</a:t>
-            </a:r>
-            <a:br>
-              <a:rPr lang="en-US" dirty="0"/>
-            </a:br>
-            <a:r>
-              <a:rPr lang="en-US" dirty="0"/>
-              <a:t>represent a shorthand for the simple conditional pattern above</a:t>
-            </a:r>
-          </a:p>
-          <a:p>
-            <a:r>
-              <a:rPr lang="en-US" dirty="0"/>
-              <a:t>E.g.</a:t>
+              <a:t>We can combine conditional pattern matching with type patterns and the is predicate to express sophisticated patterns</a:t>
+            </a:r>
+          </a:p>
+          <a:p>
+            <a:r>
+              <a:rPr lang="en-US" dirty="0"/>
+              <a:t>E.g., only assign a value to x if it is an integer value</a:t>
             </a:r>
           </a:p>
         </p:txBody>
@@ -8435,7 +8393,7 @@
           <p:cNvPr id="4" name="Picture 3">
             <a:extLst>
               <a:ext uri="{FF2B5EF4-FFF2-40B4-BE49-F238E27FC236}">
-                <a16:creationId xmlns:a16="http://schemas.microsoft.com/office/drawing/2014/main" id="{4F12295A-5DFF-004B-8714-A589155DA3AF}"/>
+                <a16:creationId xmlns:a16="http://schemas.microsoft.com/office/drawing/2014/main" id="{042AB9A8-F2E7-8C43-A782-35FC00F7CF82}"/>
               </a:ext>
             </a:extLst>
           </p:cNvPr>
@@ -8452,8 +8410,8 @@
         </p:blipFill>
         <p:spPr>
           <a:xfrm>
-            <a:off x="2895600" y="4800600"/>
-            <a:ext cx="3644900" cy="1625600"/>
+            <a:off x="1327150" y="4606925"/>
+            <a:ext cx="6489700" cy="1422400"/>
           </a:xfrm>
           <a:prstGeom prst="rect">
             <a:avLst/>
@@ -8468,7 +8426,7 @@
     </p:spTree>
     <p:extLst>
       <p:ext uri="{BB962C8B-B14F-4D97-AF65-F5344CB8AC3E}">
-        <p14:creationId xmlns:p14="http://schemas.microsoft.com/office/powerpoint/2010/main" val="2442529255"/>
+        <p14:creationId xmlns:p14="http://schemas.microsoft.com/office/powerpoint/2010/main" val="527991359"/>
       </p:ext>
     </p:extLst>
   </p:cSld>
@@ -8500,7 +8458,7 @@
           <p:cNvPr id="2" name="Title 1">
             <a:extLst>
               <a:ext uri="{FF2B5EF4-FFF2-40B4-BE49-F238E27FC236}">
-                <a16:creationId xmlns:a16="http://schemas.microsoft.com/office/drawing/2014/main" id="{69D8A802-1887-5C44-89B7-C430FD3E8CF1}"/>
+                <a16:creationId xmlns:a16="http://schemas.microsoft.com/office/drawing/2014/main" id="{38B8FBF2-2788-6944-85A4-736AB1C73BC5}"/>
               </a:ext>
             </a:extLst>
           </p:cNvPr>
@@ -8518,7 +8476,7 @@
           <a:p>
             <a:r>
               <a:rPr lang="en-US" dirty="0"/>
-              <a:t>Named Patterns</a:t>
+              <a:t>Advanced Pattern Match Expressions</a:t>
             </a:r>
           </a:p>
         </p:txBody>
@@ -8528,7 +8486,7 @@
           <p:cNvPr id="3" name="Content Placeholder 2">
             <a:extLst>
               <a:ext uri="{FF2B5EF4-FFF2-40B4-BE49-F238E27FC236}">
-                <a16:creationId xmlns:a16="http://schemas.microsoft.com/office/drawing/2014/main" id="{E7A95868-7F6A-C846-8D8F-777179574524}"/>
+                <a16:creationId xmlns:a16="http://schemas.microsoft.com/office/drawing/2014/main" id="{99DE4156-25CE-5A46-B4D9-12D9CC6D2A5C}"/>
               </a:ext>
             </a:extLst>
           </p:cNvPr>
@@ -8542,7 +8500,7 @@
         <p:spPr>
           <a:xfrm>
             <a:off x="1524000" y="1905000"/>
-            <a:ext cx="7010400" cy="1524000"/>
+            <a:ext cx="7010400" cy="762000"/>
           </a:xfrm>
         </p:spPr>
         <p:txBody>
@@ -8553,7 +8511,7 @@
           <a:p>
             <a:r>
               <a:rPr lang="en-US" dirty="0"/>
-              <a:t>This shorthand notation is especially useful when combined with type patterns,</a:t>
+              <a:t>Here are some additional examples,</a:t>
             </a:r>
           </a:p>
         </p:txBody>
@@ -8563,7 +8521,7 @@
           <p:cNvPr id="5" name="Picture 4">
             <a:extLst>
               <a:ext uri="{FF2B5EF4-FFF2-40B4-BE49-F238E27FC236}">
-                <a16:creationId xmlns:a16="http://schemas.microsoft.com/office/drawing/2014/main" id="{57FD4B1D-ADB2-6443-B87E-4D51B91BE598}"/>
+                <a16:creationId xmlns:a16="http://schemas.microsoft.com/office/drawing/2014/main" id="{C1C88CFB-FC12-204B-9F54-811B0900984A}"/>
               </a:ext>
             </a:extLst>
           </p:cNvPr>
@@ -8580,8 +8538,8 @@
         </p:blipFill>
         <p:spPr>
           <a:xfrm>
-            <a:off x="2362200" y="3962400"/>
-            <a:ext cx="3644900" cy="1625600"/>
+            <a:off x="304800" y="2708031"/>
+            <a:ext cx="5067300" cy="673100"/>
           </a:xfrm>
           <a:prstGeom prst="rect">
             <a:avLst/>
@@ -8593,10 +8551,80 @@
           </a:ln>
         </p:spPr>
       </p:pic>
+      <p:pic>
+        <p:nvPicPr>
+          <p:cNvPr id="6" name="Picture 5">
+            <a:extLst>
+              <a:ext uri="{FF2B5EF4-FFF2-40B4-BE49-F238E27FC236}">
+                <a16:creationId xmlns:a16="http://schemas.microsoft.com/office/drawing/2014/main" id="{1D3CFE35-B4E8-424F-B4A1-6EBB08FE3A8E}"/>
+              </a:ext>
+            </a:extLst>
+          </p:cNvPr>
+          <p:cNvPicPr>
+            <a:picLocks noChangeAspect="1"/>
+          </p:cNvPicPr>
+          <p:nvPr/>
+        </p:nvPicPr>
+        <p:blipFill>
+          <a:blip r:embed="rId3"/>
+          <a:stretch>
+            <a:fillRect/>
+          </a:stretch>
+        </p:blipFill>
+        <p:spPr>
+          <a:xfrm>
+            <a:off x="1771650" y="4038600"/>
+            <a:ext cx="6515100" cy="2006600"/>
+          </a:xfrm>
+          <a:prstGeom prst="rect">
+            <a:avLst/>
+          </a:prstGeom>
+          <a:ln>
+            <a:solidFill>
+              <a:schemeClr val="tx2"/>
+            </a:solidFill>
+          </a:ln>
+        </p:spPr>
+      </p:pic>
+      <p:sp>
+        <p:nvSpPr>
+          <p:cNvPr id="7" name="TextBox 6">
+            <a:extLst>
+              <a:ext uri="{FF2B5EF4-FFF2-40B4-BE49-F238E27FC236}">
+                <a16:creationId xmlns:a16="http://schemas.microsoft.com/office/drawing/2014/main" id="{4951B354-A5F6-A549-A108-76506E3E4DB7}"/>
+              </a:ext>
+            </a:extLst>
+          </p:cNvPr>
+          <p:cNvSpPr txBox="1"/>
+          <p:nvPr/>
+        </p:nvSpPr>
+        <p:spPr>
+          <a:xfrm>
+            <a:off x="1992923" y="6271846"/>
+            <a:ext cx="3370218" cy="338554"/>
+          </a:xfrm>
+          <a:prstGeom prst="rect">
+            <a:avLst/>
+          </a:prstGeom>
+          <a:noFill/>
+        </p:spPr>
+        <p:txBody>
+          <a:bodyPr wrap="none" rtlCol="0">
+            <a:spAutoFit/>
+          </a:bodyPr>
+          <a:lstStyle/>
+          <a:p>
+            <a:r>
+              <a:rPr lang="en-US" sz="1600" dirty="0"/>
+              <a:t>Note: ‘mod’ is the modulus function</a:t>
+            </a:r>
+          </a:p>
+        </p:txBody>
+      </p:sp>
     </p:spTree>
     <p:extLst>
       <p:ext uri="{BB962C8B-B14F-4D97-AF65-F5344CB8AC3E}">
-        <p14:creationId xmlns:p14="http://schemas.microsoft.com/office/powerpoint/2010/main" val="4050486953"/>
+        <p14:creationId xmlns:p14="http://schemas.microsoft.com/office/powerpoint/2010/main" val="3020148784"/>
       </p:ext>
     </p:extLst>
   </p:cSld>
@@ -8670,28 +8698,59 @@
         <p:spPr>
           <a:xfrm>
             <a:off x="1524000" y="1905000"/>
-            <a:ext cx="7010400" cy="2362200"/>
+            <a:ext cx="7010400" cy="3048000"/>
           </a:xfrm>
         </p:spPr>
         <p:txBody>
           <a:bodyPr>
-            <a:normAutofit fontScale="77500" lnSpcReduction="20000"/>
+            <a:normAutofit fontScale="92500" lnSpcReduction="20000"/>
           </a:bodyPr>
           <a:lstStyle/>
           <a:p>
             <a:r>
               <a:rPr lang="en-US" dirty="0"/>
-              <a:t>Beware: even though named patterns with type patterns look like a declarations they are not!</a:t>
-            </a:r>
-          </a:p>
-          <a:p>
-            <a:r>
-              <a:rPr lang="en-US" dirty="0"/>
-              <a:t>They are pattern match statements; consequently, implicit type conversions we are used to from other programming languages do not work!</a:t>
-            </a:r>
-          </a:p>
-          <a:p>
-            <a:endParaRPr lang="en-US" dirty="0"/>
+              <a:t>The simple conditional pattern</a:t>
+            </a:r>
+            <a:br>
+              <a:rPr lang="en-US" dirty="0"/>
+            </a:br>
+            <a:r>
+              <a:rPr lang="en-US" dirty="0"/>
+              <a:t>   x if x is &lt;pattern&gt;</a:t>
+            </a:r>
+            <a:br>
+              <a:rPr lang="en-US" dirty="0"/>
+            </a:br>
+            <a:r>
+              <a:rPr lang="en-US" dirty="0"/>
+              <a:t>appears a lot in Asteroid programs</a:t>
+            </a:r>
+          </a:p>
+          <a:p>
+            <a:r>
+              <a:rPr lang="en-US" dirty="0"/>
+              <a:t>Named patterns of the form</a:t>
+            </a:r>
+            <a:br>
+              <a:rPr lang="en-US" dirty="0"/>
+            </a:br>
+            <a:r>
+              <a:rPr lang="en-US" dirty="0"/>
+              <a:t>   x:&lt;pattern&gt;</a:t>
+            </a:r>
+            <a:br>
+              <a:rPr lang="en-US" dirty="0"/>
+            </a:br>
+            <a:r>
+              <a:rPr lang="en-US" dirty="0"/>
+              <a:t>represent a shorthand for the simple conditional pattern above</a:t>
+            </a:r>
+          </a:p>
+          <a:p>
+            <a:r>
+              <a:rPr lang="en-US" dirty="0"/>
+              <a:t>E.g.</a:t>
+            </a:r>
           </a:p>
         </p:txBody>
       </p:sp>
@@ -8700,7 +8759,7 @@
           <p:cNvPr id="4" name="Picture 3">
             <a:extLst>
               <a:ext uri="{FF2B5EF4-FFF2-40B4-BE49-F238E27FC236}">
-                <a16:creationId xmlns:a16="http://schemas.microsoft.com/office/drawing/2014/main" id="{64F162B0-3C1E-E841-94F2-CD56B6552035}"/>
+                <a16:creationId xmlns:a16="http://schemas.microsoft.com/office/drawing/2014/main" id="{4F12295A-5DFF-004B-8714-A589155DA3AF}"/>
               </a:ext>
             </a:extLst>
           </p:cNvPr>
@@ -8717,8 +8776,8 @@
         </p:blipFill>
         <p:spPr>
           <a:xfrm>
-            <a:off x="685800" y="4267200"/>
-            <a:ext cx="8026400" cy="1460500"/>
+            <a:off x="2895600" y="4800600"/>
+            <a:ext cx="3644900" cy="1625600"/>
           </a:xfrm>
           <a:prstGeom prst="rect">
             <a:avLst/>
@@ -8733,7 +8792,7 @@
     </p:spTree>
     <p:extLst>
       <p:ext uri="{BB962C8B-B14F-4D97-AF65-F5344CB8AC3E}">
-        <p14:creationId xmlns:p14="http://schemas.microsoft.com/office/powerpoint/2010/main" val="1285522234"/>
+        <p14:creationId xmlns:p14="http://schemas.microsoft.com/office/powerpoint/2010/main" val="2442529255"/>
       </p:ext>
     </p:extLst>
   </p:cSld>
@@ -8765,7 +8824,7 @@
           <p:cNvPr id="2" name="Title 1">
             <a:extLst>
               <a:ext uri="{FF2B5EF4-FFF2-40B4-BE49-F238E27FC236}">
-                <a16:creationId xmlns:a16="http://schemas.microsoft.com/office/drawing/2014/main" id="{6195C51E-259E-9349-83AB-34F41AD10999}"/>
+                <a16:creationId xmlns:a16="http://schemas.microsoft.com/office/drawing/2014/main" id="{69D8A802-1887-5C44-89B7-C430FD3E8CF1}"/>
               </a:ext>
             </a:extLst>
           </p:cNvPr>
@@ -8783,7 +8842,7 @@
           <a:p>
             <a:r>
               <a:rPr lang="en-US" dirty="0"/>
-              <a:t>Head-Tail Pattern</a:t>
+              <a:t>Named Patterns</a:t>
             </a:r>
           </a:p>
         </p:txBody>
@@ -8793,7 +8852,7 @@
           <p:cNvPr id="3" name="Content Placeholder 2">
             <a:extLst>
               <a:ext uri="{FF2B5EF4-FFF2-40B4-BE49-F238E27FC236}">
-                <a16:creationId xmlns:a16="http://schemas.microsoft.com/office/drawing/2014/main" id="{3F46B74A-6B29-9041-95E9-7392BDABF9A2}"/>
+                <a16:creationId xmlns:a16="http://schemas.microsoft.com/office/drawing/2014/main" id="{E7A95868-7F6A-C846-8D8F-777179574524}"/>
               </a:ext>
             </a:extLst>
           </p:cNvPr>
@@ -8807,59 +8866,28 @@
         <p:spPr>
           <a:xfrm>
             <a:off x="1524000" y="1905000"/>
-            <a:ext cx="7010400" cy="2895600"/>
+            <a:ext cx="7010400" cy="1524000"/>
           </a:xfrm>
         </p:spPr>
         <p:txBody>
           <a:bodyPr>
-            <a:normAutofit fontScale="77500" lnSpcReduction="20000"/>
+            <a:normAutofit/>
           </a:bodyPr>
           <a:lstStyle/>
           <a:p>
             <a:r>
               <a:rPr lang="en-US" dirty="0"/>
-              <a:t>The head-tail pattern </a:t>
-            </a:r>
-            <a:br>
-              <a:rPr lang="en-US" dirty="0"/>
-            </a:br>
-            <a:r>
-              <a:rPr lang="en-US" dirty="0"/>
-              <a:t>    [ &lt;head var&gt; | &lt;tail var&gt; ]</a:t>
-            </a:r>
-            <a:br>
-              <a:rPr lang="en-US" dirty="0"/>
-            </a:br>
-            <a:r>
-              <a:rPr lang="en-US" dirty="0"/>
-              <a:t>is a useful pattern that allows us to </a:t>
-            </a:r>
-            <a:r>
-              <a:rPr lang="en-US" dirty="0" err="1"/>
-              <a:t>destructure</a:t>
-            </a:r>
-            <a:r>
-              <a:rPr lang="en-US" dirty="0"/>
-              <a:t> a list into into its first element and the rest of the list; the list with its first element removed.</a:t>
-            </a:r>
-          </a:p>
-          <a:p>
-            <a:r>
-              <a:rPr lang="en-US" dirty="0"/>
-              <a:t>As we will see later, this pattern will prove extremely useful when dealing with recursion or iteration over lists.</a:t>
-            </a:r>
-          </a:p>
-          <a:p>
-            <a:endParaRPr lang="en-US" dirty="0"/>
+              <a:t>This shorthand notation is especially useful when combined with type patterns,</a:t>
+            </a:r>
           </a:p>
         </p:txBody>
       </p:sp>
       <p:pic>
         <p:nvPicPr>
-          <p:cNvPr id="4" name="Picture 3">
-            <a:extLst>
-              <a:ext uri="{FF2B5EF4-FFF2-40B4-BE49-F238E27FC236}">
-                <a16:creationId xmlns:a16="http://schemas.microsoft.com/office/drawing/2014/main" id="{40EBF5AF-9F39-674B-B21C-1DE5732AD872}"/>
+          <p:cNvPr id="5" name="Picture 4">
+            <a:extLst>
+              <a:ext uri="{FF2B5EF4-FFF2-40B4-BE49-F238E27FC236}">
+                <a16:creationId xmlns:a16="http://schemas.microsoft.com/office/drawing/2014/main" id="{57FD4B1D-ADB2-6443-B87E-4D51B91BE598}"/>
               </a:ext>
             </a:extLst>
           </p:cNvPr>
@@ -8876,15 +8904,15 @@
         </p:blipFill>
         <p:spPr>
           <a:xfrm>
-            <a:off x="2743200" y="4800600"/>
-            <a:ext cx="3251200" cy="1574800"/>
+            <a:off x="2362200" y="3962400"/>
+            <a:ext cx="3644900" cy="1625600"/>
           </a:xfrm>
           <a:prstGeom prst="rect">
             <a:avLst/>
           </a:prstGeom>
           <a:ln>
             <a:solidFill>
-              <a:schemeClr val="tx1"/>
+              <a:schemeClr val="tx2"/>
             </a:solidFill>
           </a:ln>
         </p:spPr>
@@ -8892,7 +8920,7 @@
     </p:spTree>
     <p:extLst>
       <p:ext uri="{BB962C8B-B14F-4D97-AF65-F5344CB8AC3E}">
-        <p14:creationId xmlns:p14="http://schemas.microsoft.com/office/powerpoint/2010/main" val="368365555"/>
+        <p14:creationId xmlns:p14="http://schemas.microsoft.com/office/powerpoint/2010/main" val="4050486953"/>
       </p:ext>
     </p:extLst>
   </p:cSld>
@@ -8924,7 +8952,7 @@
           <p:cNvPr id="2" name="Title 1">
             <a:extLst>
               <a:ext uri="{FF2B5EF4-FFF2-40B4-BE49-F238E27FC236}">
-                <a16:creationId xmlns:a16="http://schemas.microsoft.com/office/drawing/2014/main" id="{6195C51E-259E-9349-83AB-34F41AD10999}"/>
+                <a16:creationId xmlns:a16="http://schemas.microsoft.com/office/drawing/2014/main" id="{69D8A802-1887-5C44-89B7-C430FD3E8CF1}"/>
               </a:ext>
             </a:extLst>
           </p:cNvPr>
@@ -8942,7 +8970,7 @@
           <a:p>
             <a:r>
               <a:rPr lang="en-US" dirty="0"/>
-              <a:t>Head-Tail Pattern</a:t>
+              <a:t>Named Patterns</a:t>
             </a:r>
           </a:p>
         </p:txBody>
@@ -8952,7 +8980,7 @@
           <p:cNvPr id="3" name="Content Placeholder 2">
             <a:extLst>
               <a:ext uri="{FF2B5EF4-FFF2-40B4-BE49-F238E27FC236}">
-                <a16:creationId xmlns:a16="http://schemas.microsoft.com/office/drawing/2014/main" id="{3F46B74A-6B29-9041-95E9-7392BDABF9A2}"/>
+                <a16:creationId xmlns:a16="http://schemas.microsoft.com/office/drawing/2014/main" id="{E7A95868-7F6A-C846-8D8F-777179574524}"/>
               </a:ext>
             </a:extLst>
           </p:cNvPr>
@@ -8966,35 +8994,37 @@
         <p:spPr>
           <a:xfrm>
             <a:off x="1524000" y="1905000"/>
-            <a:ext cx="7010400" cy="2895600"/>
+            <a:ext cx="7010400" cy="2362200"/>
           </a:xfrm>
         </p:spPr>
         <p:txBody>
           <a:bodyPr>
-            <a:normAutofit/>
+            <a:normAutofit fontScale="77500" lnSpcReduction="20000"/>
           </a:bodyPr>
           <a:lstStyle/>
           <a:p>
             <a:r>
               <a:rPr lang="en-US" dirty="0"/>
-              <a:t>The head-tail pattern can also be used “in reverse” – as a constructor,</a:t>
-            </a:r>
-          </a:p>
-          <a:p>
-            <a:pPr lvl="1"/>
-            <a:r>
-              <a:rPr lang="en-US" dirty="0"/>
-              <a:t>Given an element and a list it will prepend the element to the list</a:t>
-            </a:r>
+              <a:t>Beware: even though named patterns with type patterns look like a declarations they are not!</a:t>
+            </a:r>
+          </a:p>
+          <a:p>
+            <a:r>
+              <a:rPr lang="en-US" dirty="0"/>
+              <a:t>They are pattern match statements; consequently, implicit type conversions we are used to from other programming languages do not work!</a:t>
+            </a:r>
+          </a:p>
+          <a:p>
+            <a:endParaRPr lang="en-US" dirty="0"/>
           </a:p>
         </p:txBody>
       </p:sp>
       <p:pic>
         <p:nvPicPr>
-          <p:cNvPr id="5" name="Picture 4">
-            <a:extLst>
-              <a:ext uri="{FF2B5EF4-FFF2-40B4-BE49-F238E27FC236}">
-                <a16:creationId xmlns:a16="http://schemas.microsoft.com/office/drawing/2014/main" id="{54E484A6-DFFD-CA4E-8E22-B165552E5060}"/>
+          <p:cNvPr id="4" name="Picture 3">
+            <a:extLst>
+              <a:ext uri="{FF2B5EF4-FFF2-40B4-BE49-F238E27FC236}">
+                <a16:creationId xmlns:a16="http://schemas.microsoft.com/office/drawing/2014/main" id="{64F162B0-3C1E-E841-94F2-CD56B6552035}"/>
               </a:ext>
             </a:extLst>
           </p:cNvPr>
@@ -9011,15 +9041,15 @@
         </p:blipFill>
         <p:spPr>
           <a:xfrm>
-            <a:off x="2971800" y="4371975"/>
-            <a:ext cx="2565400" cy="1231900"/>
+            <a:off x="685800" y="4267200"/>
+            <a:ext cx="8026400" cy="1460500"/>
           </a:xfrm>
           <a:prstGeom prst="rect">
             <a:avLst/>
           </a:prstGeom>
           <a:ln>
             <a:solidFill>
-              <a:schemeClr val="tx1"/>
+              <a:schemeClr val="tx2"/>
             </a:solidFill>
           </a:ln>
         </p:spPr>
@@ -9027,7 +9057,7 @@
     </p:spTree>
     <p:extLst>
       <p:ext uri="{BB962C8B-B14F-4D97-AF65-F5344CB8AC3E}">
-        <p14:creationId xmlns:p14="http://schemas.microsoft.com/office/powerpoint/2010/main" val="4189918242"/>
+        <p14:creationId xmlns:p14="http://schemas.microsoft.com/office/powerpoint/2010/main" val="1285522234"/>
       </p:ext>
     </p:extLst>
   </p:cSld>
@@ -9059,7 +9089,7 @@
           <p:cNvPr id="2" name="Title 1">
             <a:extLst>
               <a:ext uri="{FF2B5EF4-FFF2-40B4-BE49-F238E27FC236}">
-                <a16:creationId xmlns:a16="http://schemas.microsoft.com/office/drawing/2014/main" id="{980BBCB4-34B6-6F4D-9DAA-48FC9F7BB83F}"/>
+                <a16:creationId xmlns:a16="http://schemas.microsoft.com/office/drawing/2014/main" id="{6195C51E-259E-9349-83AB-34F41AD10999}"/>
               </a:ext>
             </a:extLst>
           </p:cNvPr>
@@ -9077,7 +9107,7 @@
           <a:p>
             <a:r>
               <a:rPr lang="en-US" dirty="0"/>
-              <a:t>Pattern Matching with Regular Expressions</a:t>
+              <a:t>Head-Tail Pattern</a:t>
             </a:r>
           </a:p>
         </p:txBody>
@@ -9087,7 +9117,7 @@
           <p:cNvPr id="3" name="Content Placeholder 2">
             <a:extLst>
               <a:ext uri="{FF2B5EF4-FFF2-40B4-BE49-F238E27FC236}">
-                <a16:creationId xmlns:a16="http://schemas.microsoft.com/office/drawing/2014/main" id="{946A49A8-7143-3D47-B39F-FC08E41F5600}"/>
+                <a16:creationId xmlns:a16="http://schemas.microsoft.com/office/drawing/2014/main" id="{3F46B74A-6B29-9041-95E9-7392BDABF9A2}"/>
               </a:ext>
             </a:extLst>
           </p:cNvPr>
@@ -9098,7 +9128,12 @@
             <p:ph idx="1"/>
           </p:nvPr>
         </p:nvSpPr>
-        <p:spPr/>
+        <p:spPr>
+          <a:xfrm>
+            <a:off x="1524000" y="1905000"/>
+            <a:ext cx="7010400" cy="2895600"/>
+          </a:xfrm>
+        </p:spPr>
         <p:txBody>
           <a:bodyPr>
             <a:normAutofit fontScale="77500" lnSpcReduction="20000"/>
@@ -9107,76 +9142,81 @@
           <a:p>
             <a:r>
               <a:rPr lang="en-US" dirty="0"/>
-              <a:t>Regular expressions are patterns that can be applied to strings</a:t>
-            </a:r>
-          </a:p>
-          <a:p>
-            <a:r>
-              <a:rPr lang="en-US" dirty="0"/>
-              <a:t>e.g., the regex</a:t>
+              <a:t>The head-tail pattern </a:t>
             </a:r>
             <a:br>
               <a:rPr lang="en-US" dirty="0"/>
             </a:br>
             <a:r>
               <a:rPr lang="en-US" dirty="0"/>
-              <a:t>      “a(b)*”</a:t>
+              <a:t>    [ &lt;head var&gt; | &lt;tail var&gt; ]</a:t>
             </a:r>
             <a:br>
               <a:rPr lang="en-US" dirty="0"/>
             </a:br>
             <a:r>
               <a:rPr lang="en-US" dirty="0"/>
-              <a:t>matches any string that starts with an a followed by zero or more b’s.</a:t>
-            </a:r>
-          </a:p>
-          <a:p>
-            <a:r>
-              <a:rPr lang="en-US" dirty="0"/>
-              <a:t>In Asteroid regular expressions are considered patterns and therefore we can write expressions like</a:t>
-            </a:r>
-            <a:br>
-              <a:rPr lang="en-US" dirty="0"/>
-            </a:br>
-            <a:r>
-              <a:rPr lang="en-US" dirty="0"/>
-              <a:t>    “</a:t>
+              <a:t>is a useful pattern that allows us to </a:t>
             </a:r>
             <a:r>
               <a:rPr lang="en-US" dirty="0" err="1"/>
-              <a:t>abbbb</a:t>
-            </a:r>
-            <a:r>
-              <a:rPr lang="en-US" dirty="0"/>
-              <a:t>” is “a(b)*”</a:t>
-            </a:r>
-          </a:p>
-          <a:p>
-            <a:r>
-              <a:rPr lang="en-US" dirty="0"/>
-              <a:t>Asteroid’s regex syntax follows Python’s regex syntax</a:t>
-            </a:r>
-          </a:p>
-          <a:p>
-            <a:pPr lvl="1"/>
-            <a:r>
-              <a:rPr lang="en-US" dirty="0">
-                <a:hlinkClick r:id="rId2"/>
-              </a:rPr>
-              <a:t>https://docs.python.org/3/library/re.html</a:t>
-            </a:r>
+              <a:t>destructure</a:t>
+            </a:r>
+            <a:r>
+              <a:rPr lang="en-US" dirty="0"/>
+              <a:t> a list into into its first element and the rest of the list; the list with its first element removed.</a:t>
+            </a:r>
+          </a:p>
+          <a:p>
+            <a:r>
+              <a:rPr lang="en-US" dirty="0"/>
+              <a:t>As we will see later, this pattern will prove extremely useful when dealing with recursion or iteration over lists.</a:t>
+            </a:r>
+          </a:p>
+          <a:p>
             <a:endParaRPr lang="en-US" dirty="0"/>
           </a:p>
-          <a:p>
-            <a:pPr lvl="1"/>
-            <a:endParaRPr lang="en-US" dirty="0"/>
-          </a:p>
-        </p:txBody>
-      </p:sp>
+        </p:txBody>
+      </p:sp>
+      <p:pic>
+        <p:nvPicPr>
+          <p:cNvPr id="4" name="Picture 3">
+            <a:extLst>
+              <a:ext uri="{FF2B5EF4-FFF2-40B4-BE49-F238E27FC236}">
+                <a16:creationId xmlns:a16="http://schemas.microsoft.com/office/drawing/2014/main" id="{40EBF5AF-9F39-674B-B21C-1DE5732AD872}"/>
+              </a:ext>
+            </a:extLst>
+          </p:cNvPr>
+          <p:cNvPicPr>
+            <a:picLocks noChangeAspect="1"/>
+          </p:cNvPicPr>
+          <p:nvPr/>
+        </p:nvPicPr>
+        <p:blipFill>
+          <a:blip r:embed="rId2"/>
+          <a:stretch>
+            <a:fillRect/>
+          </a:stretch>
+        </p:blipFill>
+        <p:spPr>
+          <a:xfrm>
+            <a:off x="2743200" y="4800600"/>
+            <a:ext cx="3251200" cy="1574800"/>
+          </a:xfrm>
+          <a:prstGeom prst="rect">
+            <a:avLst/>
+          </a:prstGeom>
+          <a:ln>
+            <a:solidFill>
+              <a:schemeClr val="tx1"/>
+            </a:solidFill>
+          </a:ln>
+        </p:spPr>
+      </p:pic>
     </p:spTree>
     <p:extLst>
       <p:ext uri="{BB962C8B-B14F-4D97-AF65-F5344CB8AC3E}">
-        <p14:creationId xmlns:p14="http://schemas.microsoft.com/office/powerpoint/2010/main" val="1988537012"/>
+        <p14:creationId xmlns:p14="http://schemas.microsoft.com/office/powerpoint/2010/main" val="368365555"/>
       </p:ext>
     </p:extLst>
   </p:cSld>
@@ -9769,6 +9809,290 @@
           <p:cNvPr id="2" name="Title 1">
             <a:extLst>
               <a:ext uri="{FF2B5EF4-FFF2-40B4-BE49-F238E27FC236}">
+                <a16:creationId xmlns:a16="http://schemas.microsoft.com/office/drawing/2014/main" id="{6195C51E-259E-9349-83AB-34F41AD10999}"/>
+              </a:ext>
+            </a:extLst>
+          </p:cNvPr>
+          <p:cNvSpPr>
+            <a:spLocks noGrp="1"/>
+          </p:cNvSpPr>
+          <p:nvPr>
+            <p:ph type="title"/>
+          </p:nvPr>
+        </p:nvSpPr>
+        <p:spPr/>
+        <p:txBody>
+          <a:bodyPr/>
+          <a:lstStyle/>
+          <a:p>
+            <a:r>
+              <a:rPr lang="en-US" dirty="0"/>
+              <a:t>Head-Tail Pattern</a:t>
+            </a:r>
+          </a:p>
+        </p:txBody>
+      </p:sp>
+      <p:sp>
+        <p:nvSpPr>
+          <p:cNvPr id="3" name="Content Placeholder 2">
+            <a:extLst>
+              <a:ext uri="{FF2B5EF4-FFF2-40B4-BE49-F238E27FC236}">
+                <a16:creationId xmlns:a16="http://schemas.microsoft.com/office/drawing/2014/main" id="{3F46B74A-6B29-9041-95E9-7392BDABF9A2}"/>
+              </a:ext>
+            </a:extLst>
+          </p:cNvPr>
+          <p:cNvSpPr>
+            <a:spLocks noGrp="1"/>
+          </p:cNvSpPr>
+          <p:nvPr>
+            <p:ph idx="1"/>
+          </p:nvPr>
+        </p:nvSpPr>
+        <p:spPr>
+          <a:xfrm>
+            <a:off x="1524000" y="1905000"/>
+            <a:ext cx="7010400" cy="2895600"/>
+          </a:xfrm>
+        </p:spPr>
+        <p:txBody>
+          <a:bodyPr>
+            <a:normAutofit/>
+          </a:bodyPr>
+          <a:lstStyle/>
+          <a:p>
+            <a:r>
+              <a:rPr lang="en-US" dirty="0"/>
+              <a:t>The head-tail pattern can also be used “in reverse” – as a constructor,</a:t>
+            </a:r>
+          </a:p>
+          <a:p>
+            <a:pPr lvl="1"/>
+            <a:r>
+              <a:rPr lang="en-US" dirty="0"/>
+              <a:t>Given an element and a list it will prepend the element to the list</a:t>
+            </a:r>
+          </a:p>
+        </p:txBody>
+      </p:sp>
+      <p:pic>
+        <p:nvPicPr>
+          <p:cNvPr id="5" name="Picture 4">
+            <a:extLst>
+              <a:ext uri="{FF2B5EF4-FFF2-40B4-BE49-F238E27FC236}">
+                <a16:creationId xmlns:a16="http://schemas.microsoft.com/office/drawing/2014/main" id="{54E484A6-DFFD-CA4E-8E22-B165552E5060}"/>
+              </a:ext>
+            </a:extLst>
+          </p:cNvPr>
+          <p:cNvPicPr>
+            <a:picLocks noChangeAspect="1"/>
+          </p:cNvPicPr>
+          <p:nvPr/>
+        </p:nvPicPr>
+        <p:blipFill>
+          <a:blip r:embed="rId2"/>
+          <a:stretch>
+            <a:fillRect/>
+          </a:stretch>
+        </p:blipFill>
+        <p:spPr>
+          <a:xfrm>
+            <a:off x="2971800" y="4371975"/>
+            <a:ext cx="2565400" cy="1231900"/>
+          </a:xfrm>
+          <a:prstGeom prst="rect">
+            <a:avLst/>
+          </a:prstGeom>
+          <a:ln>
+            <a:solidFill>
+              <a:schemeClr val="tx1"/>
+            </a:solidFill>
+          </a:ln>
+        </p:spPr>
+      </p:pic>
+    </p:spTree>
+    <p:extLst>
+      <p:ext uri="{BB962C8B-B14F-4D97-AF65-F5344CB8AC3E}">
+        <p14:creationId xmlns:p14="http://schemas.microsoft.com/office/powerpoint/2010/main" val="4189918242"/>
+      </p:ext>
+    </p:extLst>
+  </p:cSld>
+  <p:clrMapOvr>
+    <a:masterClrMapping/>
+  </p:clrMapOvr>
+</p:sld>
+</file>
+
+<file path=ppt/slides/slide31.xml><?xml version="1.0" encoding="utf-8"?>
+<p:sld xmlns:a="http://schemas.openxmlformats.org/drawingml/2006/main" xmlns:r="http://schemas.openxmlformats.org/officeDocument/2006/relationships" xmlns:p="http://schemas.openxmlformats.org/presentationml/2006/main">
+  <p:cSld>
+    <p:spTree>
+      <p:nvGrpSpPr>
+        <p:cNvPr id="1" name=""/>
+        <p:cNvGrpSpPr/>
+        <p:nvPr/>
+      </p:nvGrpSpPr>
+      <p:grpSpPr>
+        <a:xfrm>
+          <a:off x="0" y="0"/>
+          <a:ext cx="0" cy="0"/>
+          <a:chOff x="0" y="0"/>
+          <a:chExt cx="0" cy="0"/>
+        </a:xfrm>
+      </p:grpSpPr>
+      <p:sp>
+        <p:nvSpPr>
+          <p:cNvPr id="2" name="Title 1">
+            <a:extLst>
+              <a:ext uri="{FF2B5EF4-FFF2-40B4-BE49-F238E27FC236}">
+                <a16:creationId xmlns:a16="http://schemas.microsoft.com/office/drawing/2014/main" id="{980BBCB4-34B6-6F4D-9DAA-48FC9F7BB83F}"/>
+              </a:ext>
+            </a:extLst>
+          </p:cNvPr>
+          <p:cNvSpPr>
+            <a:spLocks noGrp="1"/>
+          </p:cNvSpPr>
+          <p:nvPr>
+            <p:ph type="title"/>
+          </p:nvPr>
+        </p:nvSpPr>
+        <p:spPr/>
+        <p:txBody>
+          <a:bodyPr/>
+          <a:lstStyle/>
+          <a:p>
+            <a:r>
+              <a:rPr lang="en-US" dirty="0"/>
+              <a:t>Pattern Matching with Regular Expressions</a:t>
+            </a:r>
+          </a:p>
+        </p:txBody>
+      </p:sp>
+      <p:sp>
+        <p:nvSpPr>
+          <p:cNvPr id="3" name="Content Placeholder 2">
+            <a:extLst>
+              <a:ext uri="{FF2B5EF4-FFF2-40B4-BE49-F238E27FC236}">
+                <a16:creationId xmlns:a16="http://schemas.microsoft.com/office/drawing/2014/main" id="{946A49A8-7143-3D47-B39F-FC08E41F5600}"/>
+              </a:ext>
+            </a:extLst>
+          </p:cNvPr>
+          <p:cNvSpPr>
+            <a:spLocks noGrp="1"/>
+          </p:cNvSpPr>
+          <p:nvPr>
+            <p:ph idx="1"/>
+          </p:nvPr>
+        </p:nvSpPr>
+        <p:spPr/>
+        <p:txBody>
+          <a:bodyPr>
+            <a:normAutofit fontScale="77500" lnSpcReduction="20000"/>
+          </a:bodyPr>
+          <a:lstStyle/>
+          <a:p>
+            <a:r>
+              <a:rPr lang="en-US" dirty="0"/>
+              <a:t>Regular expressions are patterns that can be applied to strings</a:t>
+            </a:r>
+          </a:p>
+          <a:p>
+            <a:r>
+              <a:rPr lang="en-US" dirty="0"/>
+              <a:t>e.g., the regex</a:t>
+            </a:r>
+            <a:br>
+              <a:rPr lang="en-US" dirty="0"/>
+            </a:br>
+            <a:r>
+              <a:rPr lang="en-US" dirty="0"/>
+              <a:t>      “a(b)*”</a:t>
+            </a:r>
+            <a:br>
+              <a:rPr lang="en-US" dirty="0"/>
+            </a:br>
+            <a:r>
+              <a:rPr lang="en-US" dirty="0"/>
+              <a:t>matches any string that starts with an a followed by zero or more b’s.</a:t>
+            </a:r>
+          </a:p>
+          <a:p>
+            <a:r>
+              <a:rPr lang="en-US" dirty="0"/>
+              <a:t>In Asteroid regular expressions are considered patterns and therefore we can write expressions like</a:t>
+            </a:r>
+            <a:br>
+              <a:rPr lang="en-US" dirty="0"/>
+            </a:br>
+            <a:r>
+              <a:rPr lang="en-US" dirty="0"/>
+              <a:t>    “</a:t>
+            </a:r>
+            <a:r>
+              <a:rPr lang="en-US" dirty="0" err="1"/>
+              <a:t>abbbb</a:t>
+            </a:r>
+            <a:r>
+              <a:rPr lang="en-US" dirty="0"/>
+              <a:t>” is “a(b)*”</a:t>
+            </a:r>
+          </a:p>
+          <a:p>
+            <a:r>
+              <a:rPr lang="en-US" dirty="0"/>
+              <a:t>Asteroid’s regex syntax follows Python’s regex syntax</a:t>
+            </a:r>
+          </a:p>
+          <a:p>
+            <a:pPr lvl="1"/>
+            <a:r>
+              <a:rPr lang="en-US" dirty="0">
+                <a:hlinkClick r:id="rId2"/>
+              </a:rPr>
+              <a:t>https://docs.python.org/3/library/re.html</a:t>
+            </a:r>
+            <a:endParaRPr lang="en-US" dirty="0"/>
+          </a:p>
+          <a:p>
+            <a:pPr lvl="1"/>
+            <a:endParaRPr lang="en-US" dirty="0"/>
+          </a:p>
+        </p:txBody>
+      </p:sp>
+    </p:spTree>
+    <p:extLst>
+      <p:ext uri="{BB962C8B-B14F-4D97-AF65-F5344CB8AC3E}">
+        <p14:creationId xmlns:p14="http://schemas.microsoft.com/office/powerpoint/2010/main" val="1988537012"/>
+      </p:ext>
+    </p:extLst>
+  </p:cSld>
+  <p:clrMapOvr>
+    <a:masterClrMapping/>
+  </p:clrMapOvr>
+</p:sld>
+</file>
+
+<file path=ppt/slides/slide32.xml><?xml version="1.0" encoding="utf-8"?>
+<p:sld xmlns:a="http://schemas.openxmlformats.org/drawingml/2006/main" xmlns:r="http://schemas.openxmlformats.org/officeDocument/2006/relationships" xmlns:p="http://schemas.openxmlformats.org/presentationml/2006/main">
+  <p:cSld>
+    <p:spTree>
+      <p:nvGrpSpPr>
+        <p:cNvPr id="1" name=""/>
+        <p:cNvGrpSpPr/>
+        <p:nvPr/>
+      </p:nvGrpSpPr>
+      <p:grpSpPr>
+        <a:xfrm>
+          <a:off x="0" y="0"/>
+          <a:ext cx="0" cy="0"/>
+          <a:chOff x="0" y="0"/>
+          <a:chExt cx="0" cy="0"/>
+        </a:xfrm>
+      </p:grpSpPr>
+      <p:sp>
+        <p:nvSpPr>
+          <p:cNvPr id="2" name="Title 1">
+            <a:extLst>
+              <a:ext uri="{FF2B5EF4-FFF2-40B4-BE49-F238E27FC236}">
                 <a16:creationId xmlns:a16="http://schemas.microsoft.com/office/drawing/2014/main" id="{980BBCB4-34B6-6F4D-9DAA-48FC9F7BB83F}"/>
               </a:ext>
             </a:extLst>
@@ -10030,7 +10354,7 @@
 </p:sld>
 </file>
 
-<file path=ppt/slides/slide31.xml><?xml version="1.0" encoding="utf-8"?>
+<file path=ppt/slides/slide33.xml><?xml version="1.0" encoding="utf-8"?>
 <p:sld xmlns:a="http://schemas.openxmlformats.org/drawingml/2006/main" xmlns:r="http://schemas.openxmlformats.org/officeDocument/2006/relationships" xmlns:p="http://schemas.openxmlformats.org/presentationml/2006/main">
   <p:cSld>
     <p:spTree>
@@ -10657,10 +10981,15 @@
             <p:ph idx="1"/>
           </p:nvPr>
         </p:nvSpPr>
-        <p:spPr/>
+        <p:spPr>
+          <a:xfrm>
+            <a:off x="1219200" y="1905000"/>
+            <a:ext cx="3886200" cy="3886200"/>
+          </a:xfrm>
+        </p:spPr>
         <p:txBody>
           <a:bodyPr>
-            <a:normAutofit fontScale="85000" lnSpcReduction="10000"/>
+            <a:normAutofit/>
           </a:bodyPr>
           <a:lstStyle/>
           <a:p>
@@ -10671,7 +11000,7 @@
                 </a:solidFill>
                 <a:latin typeface="Söhne"/>
               </a:rPr>
-              <a:t>We can code that biologist example in Asteroid</a:t>
+              <a:t>We can code that biologist example using pattern matching</a:t>
             </a:r>
           </a:p>
           <a:p>
@@ -10685,94 +11014,43 @@
               <a:t>Assume we have a field guide with the following patterns</a:t>
             </a:r>
           </a:p>
-          <a:p>
-            <a:pPr lvl="1"/>
-            <a:r>
-              <a:rPr lang="en-US" sz="1900" dirty="0"/>
-              <a:t>If size=big and coloration=blue and markings=yellow dots then</a:t>
-            </a:r>
-            <a:r>
-              <a:rPr lang="en-US" sz="1900" dirty="0">
-                <a:solidFill>
-                  <a:srgbClr val="374151"/>
-                </a:solidFill>
-              </a:rPr>
-              <a:t> </a:t>
-            </a:r>
-            <a:r>
-              <a:rPr lang="en-US" sz="1900" dirty="0"/>
-              <a:t>blue polka</a:t>
-            </a:r>
-          </a:p>
-          <a:p>
-            <a:pPr lvl="1"/>
-            <a:r>
-              <a:rPr lang="en-US" sz="1900" dirty="0"/>
-              <a:t>If size=tiny and coloration=red and markings=green stripes then green striped finch</a:t>
-            </a:r>
-            <a:endParaRPr lang="en-US" sz="1900" dirty="0">
-              <a:solidFill>
-                <a:srgbClr val="374151"/>
-              </a:solidFill>
-            </a:endParaRPr>
-          </a:p>
-          <a:p>
-            <a:pPr lvl="1"/>
-            <a:r>
-              <a:rPr lang="en-US" sz="1900" dirty="0"/>
-              <a:t>If size=tiny and coloration=red and markings=black stripes then</a:t>
-            </a:r>
-            <a:r>
-              <a:rPr lang="en-US" sz="1900" dirty="0">
-                <a:solidFill>
-                  <a:srgbClr val="374151"/>
-                </a:solidFill>
-              </a:rPr>
-              <a:t> </a:t>
-            </a:r>
-            <a:r>
-              <a:rPr lang="en-US" sz="1900" dirty="0"/>
-              <a:t>striped sparrow</a:t>
-            </a:r>
-          </a:p>
-          <a:p>
-            <a:r>
-              <a:rPr lang="en-US" dirty="0">
-                <a:solidFill>
-                  <a:srgbClr val="374151"/>
-                </a:solidFill>
-                <a:latin typeface="Söhne"/>
-              </a:rPr>
-              <a:t>And we observe the bird </a:t>
-            </a:r>
-          </a:p>
-          <a:p>
-            <a:pPr lvl="1"/>
-            <a:r>
-              <a:rPr lang="en-US" sz="2000" dirty="0"/>
-              <a:t>With size=tiny, coloration=red, markings=black stripes</a:t>
-            </a:r>
-            <a:endParaRPr lang="en-US" sz="2000" dirty="0">
-              <a:solidFill>
-                <a:srgbClr val="374151"/>
-              </a:solidFill>
-              <a:latin typeface="Söhne"/>
-            </a:endParaRPr>
-          </a:p>
-          <a:p>
-            <a:r>
-              <a:rPr lang="en-US" dirty="0">
-                <a:solidFill>
-                  <a:srgbClr val="374151"/>
-                </a:solidFill>
-                <a:latin typeface="Söhne"/>
-              </a:rPr>
-              <a:t>Identify the observed bird.</a:t>
-            </a:r>
-            <a:endParaRPr lang="en-US" dirty="0"/>
-          </a:p>
-        </p:txBody>
-      </p:sp>
+        </p:txBody>
+      </p:sp>
+      <p:pic>
+        <p:nvPicPr>
+          <p:cNvPr id="4" name="Picture 3">
+            <a:extLst>
+              <a:ext uri="{FF2B5EF4-FFF2-40B4-BE49-F238E27FC236}">
+                <a16:creationId xmlns:a16="http://schemas.microsoft.com/office/drawing/2014/main" id="{F372A77E-2C45-C545-A7FD-AD6AF0C50EB3}"/>
+              </a:ext>
+            </a:extLst>
+          </p:cNvPr>
+          <p:cNvPicPr>
+            <a:picLocks noChangeAspect="1"/>
+          </p:cNvPicPr>
+          <p:nvPr/>
+        </p:nvPicPr>
+        <p:blipFill>
+          <a:blip r:embed="rId2"/>
+          <a:stretch>
+            <a:fillRect/>
+          </a:stretch>
+        </p:blipFill>
+        <p:spPr>
+          <a:xfrm>
+            <a:off x="5461000" y="1600200"/>
+            <a:ext cx="3073400" cy="4051300"/>
+          </a:xfrm>
+          <a:prstGeom prst="rect">
+            <a:avLst/>
+          </a:prstGeom>
+          <a:ln>
+            <a:solidFill>
+              <a:schemeClr val="tx1"/>
+            </a:solidFill>
+          </a:ln>
+        </p:spPr>
+      </p:pic>
     </p:spTree>
     <p:extLst>
       <p:ext uri="{BB962C8B-B14F-4D97-AF65-F5344CB8AC3E}">
@@ -10862,22 +11140,27 @@
           <a:p>
             <a:r>
               <a:rPr lang="en-US" dirty="0"/>
-              <a:t>In our solution we use the let statement together with try-catch blocks so we can see the patter match failures</a:t>
+              <a:t>In our solution we use the let statement together with try-catch blocks so we can see the pattern match failures</a:t>
             </a:r>
           </a:p>
           <a:p>
             <a:pPr lvl="1"/>
             <a:r>
               <a:rPr lang="en-US" dirty="0"/>
-              <a:t>In production level code you probably don’t want to do it that way.</a:t>
+              <a:t>This is very clumsy but illustrates the point</a:t>
             </a:r>
           </a:p>
           <a:p>
             <a:pPr lvl="1"/>
             <a:r>
               <a:rPr lang="en-US" dirty="0"/>
-              <a:t>We’ll show better techniques of serial pattern matching against a value later</a:t>
-            </a:r>
+              <a:t>We have a try-catch for each pattern in our field </a:t>
+            </a:r>
+            <a:r>
+              <a:rPr lang="en-US" dirty="0" err="1"/>
+              <a:t>guid</a:t>
+            </a:r>
+            <a:endParaRPr lang="en-US" dirty="0"/>
           </a:p>
         </p:txBody>
       </p:sp>

--- a/notes/csc493-ln004.pptx
+++ b/notes/csc493-ln004.pptx
@@ -5,45 +5,49 @@
     <p:sldMasterId id="2147483651" r:id="rId1"/>
   </p:sldMasterIdLst>
   <p:notesMasterIdLst>
-    <p:notesMasterId r:id="rId35"/>
+    <p:notesMasterId r:id="rId39"/>
   </p:notesMasterIdLst>
   <p:handoutMasterIdLst>
-    <p:handoutMasterId r:id="rId36"/>
+    <p:handoutMasterId r:id="rId40"/>
   </p:handoutMasterIdLst>
   <p:sldIdLst>
     <p:sldId id="280" r:id="rId2"/>
     <p:sldId id="256" r:id="rId3"/>
-    <p:sldId id="257" r:id="rId4"/>
-    <p:sldId id="281" r:id="rId5"/>
-    <p:sldId id="282" r:id="rId6"/>
-    <p:sldId id="283" r:id="rId7"/>
-    <p:sldId id="286" r:id="rId8"/>
-    <p:sldId id="287" r:id="rId9"/>
-    <p:sldId id="284" r:id="rId10"/>
-    <p:sldId id="288" r:id="rId11"/>
-    <p:sldId id="289" r:id="rId12"/>
-    <p:sldId id="285" r:id="rId13"/>
-    <p:sldId id="259" r:id="rId14"/>
-    <p:sldId id="260" r:id="rId15"/>
-    <p:sldId id="261" r:id="rId16"/>
-    <p:sldId id="262" r:id="rId17"/>
-    <p:sldId id="263" r:id="rId18"/>
-    <p:sldId id="264" r:id="rId19"/>
-    <p:sldId id="265" r:id="rId20"/>
-    <p:sldId id="279" r:id="rId21"/>
-    <p:sldId id="266" r:id="rId22"/>
-    <p:sldId id="267" r:id="rId23"/>
-    <p:sldId id="268" r:id="rId24"/>
-    <p:sldId id="269" r:id="rId25"/>
-    <p:sldId id="270" r:id="rId26"/>
-    <p:sldId id="271" r:id="rId27"/>
-    <p:sldId id="272" r:id="rId28"/>
-    <p:sldId id="273" r:id="rId29"/>
-    <p:sldId id="277" r:id="rId30"/>
-    <p:sldId id="278" r:id="rId31"/>
-    <p:sldId id="274" r:id="rId32"/>
-    <p:sldId id="275" r:id="rId33"/>
-    <p:sldId id="276" r:id="rId34"/>
+    <p:sldId id="281" r:id="rId4"/>
+    <p:sldId id="282" r:id="rId5"/>
+    <p:sldId id="290" r:id="rId6"/>
+    <p:sldId id="257" r:id="rId7"/>
+    <p:sldId id="291" r:id="rId8"/>
+    <p:sldId id="283" r:id="rId9"/>
+    <p:sldId id="286" r:id="rId10"/>
+    <p:sldId id="287" r:id="rId11"/>
+    <p:sldId id="292" r:id="rId12"/>
+    <p:sldId id="293" r:id="rId13"/>
+    <p:sldId id="284" r:id="rId14"/>
+    <p:sldId id="288" r:id="rId15"/>
+    <p:sldId id="289" r:id="rId16"/>
+    <p:sldId id="285" r:id="rId17"/>
+    <p:sldId id="259" r:id="rId18"/>
+    <p:sldId id="260" r:id="rId19"/>
+    <p:sldId id="261" r:id="rId20"/>
+    <p:sldId id="262" r:id="rId21"/>
+    <p:sldId id="263" r:id="rId22"/>
+    <p:sldId id="264" r:id="rId23"/>
+    <p:sldId id="265" r:id="rId24"/>
+    <p:sldId id="279" r:id="rId25"/>
+    <p:sldId id="266" r:id="rId26"/>
+    <p:sldId id="267" r:id="rId27"/>
+    <p:sldId id="268" r:id="rId28"/>
+    <p:sldId id="269" r:id="rId29"/>
+    <p:sldId id="270" r:id="rId30"/>
+    <p:sldId id="271" r:id="rId31"/>
+    <p:sldId id="272" r:id="rId32"/>
+    <p:sldId id="273" r:id="rId33"/>
+    <p:sldId id="277" r:id="rId34"/>
+    <p:sldId id="278" r:id="rId35"/>
+    <p:sldId id="274" r:id="rId36"/>
+    <p:sldId id="275" r:id="rId37"/>
+    <p:sldId id="276" r:id="rId38"/>
   </p:sldIdLst>
   <p:sldSz cx="9144000" cy="6858000" type="screen4x3"/>
   <p:notesSz cx="6856413" cy="9083675"/>
@@ -5319,7 +5323,7 @@
           <p:cNvPr id="2" name="Title 1">
             <a:extLst>
               <a:ext uri="{FF2B5EF4-FFF2-40B4-BE49-F238E27FC236}">
-                <a16:creationId xmlns:a16="http://schemas.microsoft.com/office/drawing/2014/main" id="{44969C8F-C644-7946-B4B0-381BB6051384}"/>
+                <a16:creationId xmlns:a16="http://schemas.microsoft.com/office/drawing/2014/main" id="{4592DAC2-FA39-6C44-8DCE-D2C763D16474}"/>
               </a:ext>
             </a:extLst>
           </p:cNvPr>
@@ -5347,7 +5351,7 @@
           <p:cNvPr id="3" name="Content Placeholder 2">
             <a:extLst>
               <a:ext uri="{FF2B5EF4-FFF2-40B4-BE49-F238E27FC236}">
-                <a16:creationId xmlns:a16="http://schemas.microsoft.com/office/drawing/2014/main" id="{E53EFDD1-B6BA-6F4A-9E7B-40833BE9267A}"/>
+                <a16:creationId xmlns:a16="http://schemas.microsoft.com/office/drawing/2014/main" id="{B87BCF98-8240-4148-998E-242CCE898873}"/>
               </a:ext>
             </a:extLst>
           </p:cNvPr>
@@ -5358,97 +5362,45 @@
             <p:ph idx="1"/>
           </p:nvPr>
         </p:nvSpPr>
-        <p:spPr>
-          <a:xfrm>
-            <a:off x="656492" y="1875542"/>
-            <a:ext cx="2743200" cy="4114800"/>
-          </a:xfrm>
-        </p:spPr>
-        <p:txBody>
-          <a:bodyPr/>
-          <a:lstStyle/>
-          <a:p>
-            <a:r>
-              <a:rPr lang="en-US" sz="2000" dirty="0"/>
-              <a:t>Here is a much more elegant solution using pattern matching in functions</a:t>
-            </a:r>
-          </a:p>
-        </p:txBody>
-      </p:sp>
-      <p:sp>
-        <p:nvSpPr>
-          <p:cNvPr id="5" name="TextBox 4">
-            <a:extLst>
-              <a:ext uri="{FF2B5EF4-FFF2-40B4-BE49-F238E27FC236}">
-                <a16:creationId xmlns:a16="http://schemas.microsoft.com/office/drawing/2014/main" id="{62B83371-9B88-984A-8AEC-EB001857EF67}"/>
-              </a:ext>
-            </a:extLst>
-          </p:cNvPr>
-          <p:cNvSpPr txBox="1"/>
-          <p:nvPr/>
-        </p:nvSpPr>
-        <p:spPr>
-          <a:xfrm>
-            <a:off x="7176336" y="6042701"/>
-            <a:ext cx="1358064" cy="307777"/>
-          </a:xfrm>
-          <a:prstGeom prst="rect">
-            <a:avLst/>
-          </a:prstGeom>
-          <a:noFill/>
-        </p:spPr>
-        <p:txBody>
-          <a:bodyPr wrap="none" rtlCol="0">
-            <a:spAutoFit/>
+        <p:spPr/>
+        <p:txBody>
+          <a:bodyPr>
+            <a:normAutofit fontScale="92500"/>
           </a:bodyPr>
           <a:lstStyle/>
           <a:p>
             <a:r>
-              <a:rPr lang="en-US" sz="1400" dirty="0"/>
-              <a:t>ln004/bird2.ast</a:t>
-            </a:r>
-          </a:p>
-        </p:txBody>
-      </p:sp>
-      <p:pic>
-        <p:nvPicPr>
-          <p:cNvPr id="4" name="Picture 3">
-            <a:extLst>
-              <a:ext uri="{FF2B5EF4-FFF2-40B4-BE49-F238E27FC236}">
-                <a16:creationId xmlns:a16="http://schemas.microsoft.com/office/drawing/2014/main" id="{DC4A4BCA-87ED-B040-A1E0-EA49EBE8742B}"/>
-              </a:ext>
-            </a:extLst>
-          </p:cNvPr>
-          <p:cNvPicPr>
-            <a:picLocks noChangeAspect="1"/>
-          </p:cNvPicPr>
-          <p:nvPr/>
-        </p:nvPicPr>
-        <p:blipFill>
-          <a:blip r:embed="rId2"/>
-          <a:stretch>
-            <a:fillRect/>
-          </a:stretch>
-        </p:blipFill>
-        <p:spPr>
-          <a:xfrm>
-            <a:off x="3505200" y="1335880"/>
-            <a:ext cx="5525741" cy="4654462"/>
-          </a:xfrm>
-          <a:prstGeom prst="rect">
-            <a:avLst/>
-          </a:prstGeom>
-          <a:ln>
-            <a:solidFill>
-              <a:schemeClr val="tx1"/>
-            </a:solidFill>
-          </a:ln>
-        </p:spPr>
-      </p:pic>
+              <a:rPr lang="en-US" dirty="0"/>
+              <a:t>We can solve this problem nicely with pattern matching in Asteroid,</a:t>
+            </a:r>
+          </a:p>
+          <a:p>
+            <a:pPr lvl="1"/>
+            <a:r>
+              <a:rPr lang="en-US" dirty="0"/>
+              <a:t>We will encode the patterns as 3-tuples</a:t>
+            </a:r>
+          </a:p>
+          <a:p>
+            <a:pPr lvl="1"/>
+            <a:r>
+              <a:rPr lang="en-US" dirty="0"/>
+              <a:t>We write a let statement for each pattern</a:t>
+            </a:r>
+          </a:p>
+          <a:p>
+            <a:pPr lvl="1"/>
+            <a:r>
+              <a:rPr lang="en-US" dirty="0"/>
+              <a:t>When let statements fail they throw an exception, we will embed the let statements in a try-catch block so we can detect the pattern match failure</a:t>
+            </a:r>
+          </a:p>
+        </p:txBody>
+      </p:sp>
     </p:spTree>
     <p:extLst>
       <p:ext uri="{BB962C8B-B14F-4D97-AF65-F5344CB8AC3E}">
-        <p14:creationId xmlns:p14="http://schemas.microsoft.com/office/powerpoint/2010/main" val="871085078"/>
+        <p14:creationId xmlns:p14="http://schemas.microsoft.com/office/powerpoint/2010/main" val="2188945959"/>
       </p:ext>
     </p:extLst>
   </p:cSld>
@@ -5480,7 +5432,7 @@
           <p:cNvPr id="2" name="Title 1">
             <a:extLst>
               <a:ext uri="{FF2B5EF4-FFF2-40B4-BE49-F238E27FC236}">
-                <a16:creationId xmlns:a16="http://schemas.microsoft.com/office/drawing/2014/main" id="{44969C8F-C644-7946-B4B0-381BB6051384}"/>
+                <a16:creationId xmlns:a16="http://schemas.microsoft.com/office/drawing/2014/main" id="{4592DAC2-FA39-6C44-8DCE-D2C763D16474}"/>
               </a:ext>
             </a:extLst>
           </p:cNvPr>
@@ -5503,80 +5455,12 @@
           </a:p>
         </p:txBody>
       </p:sp>
-      <p:sp>
-        <p:nvSpPr>
-          <p:cNvPr id="3" name="Content Placeholder 2">
-            <a:extLst>
-              <a:ext uri="{FF2B5EF4-FFF2-40B4-BE49-F238E27FC236}">
-                <a16:creationId xmlns:a16="http://schemas.microsoft.com/office/drawing/2014/main" id="{E53EFDD1-B6BA-6F4A-9E7B-40833BE9267A}"/>
-              </a:ext>
-            </a:extLst>
-          </p:cNvPr>
-          <p:cNvSpPr>
-            <a:spLocks noGrp="1"/>
-          </p:cNvSpPr>
-          <p:nvPr>
-            <p:ph idx="1"/>
-          </p:nvPr>
-        </p:nvSpPr>
-        <p:spPr>
-          <a:xfrm>
-            <a:off x="656492" y="1875542"/>
-            <a:ext cx="7877908" cy="562858"/>
-          </a:xfrm>
-        </p:spPr>
-        <p:txBody>
-          <a:bodyPr/>
-          <a:lstStyle/>
-          <a:p>
-            <a:r>
-              <a:rPr lang="en-US" sz="2000" dirty="0"/>
-              <a:t>Here is a solution using pattern matching in Python</a:t>
-            </a:r>
-          </a:p>
-        </p:txBody>
-      </p:sp>
-      <p:sp>
-        <p:nvSpPr>
-          <p:cNvPr id="5" name="TextBox 4">
-            <a:extLst>
-              <a:ext uri="{FF2B5EF4-FFF2-40B4-BE49-F238E27FC236}">
-                <a16:creationId xmlns:a16="http://schemas.microsoft.com/office/drawing/2014/main" id="{62B83371-9B88-984A-8AEC-EB001857EF67}"/>
-              </a:ext>
-            </a:extLst>
-          </p:cNvPr>
-          <p:cNvSpPr txBox="1"/>
-          <p:nvPr/>
-        </p:nvSpPr>
-        <p:spPr>
-          <a:xfrm>
-            <a:off x="7176336" y="6042701"/>
-            <a:ext cx="1308371" cy="307777"/>
-          </a:xfrm>
-          <a:prstGeom prst="rect">
-            <a:avLst/>
-          </a:prstGeom>
-          <a:noFill/>
-        </p:spPr>
-        <p:txBody>
-          <a:bodyPr wrap="none" rtlCol="0">
-            <a:spAutoFit/>
-          </a:bodyPr>
-          <a:lstStyle/>
-          <a:p>
-            <a:r>
-              <a:rPr lang="en-US" sz="1400" dirty="0"/>
-              <a:t>ln004/bird2.py</a:t>
-            </a:r>
-          </a:p>
-        </p:txBody>
-      </p:sp>
       <p:pic>
         <p:nvPicPr>
-          <p:cNvPr id="6" name="Picture 5">
-            <a:extLst>
-              <a:ext uri="{FF2B5EF4-FFF2-40B4-BE49-F238E27FC236}">
-                <a16:creationId xmlns:a16="http://schemas.microsoft.com/office/drawing/2014/main" id="{CE4DE585-0BC4-0640-BC52-ADE282B0A903}"/>
+          <p:cNvPr id="4" name="Picture 3">
+            <a:extLst>
+              <a:ext uri="{FF2B5EF4-FFF2-40B4-BE49-F238E27FC236}">
+                <a16:creationId xmlns:a16="http://schemas.microsoft.com/office/drawing/2014/main" id="{FF2B0748-1946-BC41-81E3-594FCB662A3D}"/>
               </a:ext>
             </a:extLst>
           </p:cNvPr>
@@ -5593,8 +5477,8 @@
         </p:blipFill>
         <p:spPr>
           <a:xfrm>
-            <a:off x="625160" y="2484367"/>
-            <a:ext cx="7200900" cy="3512366"/>
+            <a:off x="1295400" y="679654"/>
+            <a:ext cx="6177197" cy="4654346"/>
           </a:xfrm>
           <a:prstGeom prst="rect">
             <a:avLst/>
@@ -5606,10 +5490,80 @@
           </a:ln>
         </p:spPr>
       </p:pic>
+      <p:pic>
+        <p:nvPicPr>
+          <p:cNvPr id="5" name="Picture 4">
+            <a:extLst>
+              <a:ext uri="{FF2B5EF4-FFF2-40B4-BE49-F238E27FC236}">
+                <a16:creationId xmlns:a16="http://schemas.microsoft.com/office/drawing/2014/main" id="{FB5BD75A-8F23-3941-9815-0C536F6828E9}"/>
+              </a:ext>
+            </a:extLst>
+          </p:cNvPr>
+          <p:cNvPicPr>
+            <a:picLocks noChangeAspect="1"/>
+          </p:cNvPicPr>
+          <p:nvPr/>
+        </p:nvPicPr>
+        <p:blipFill>
+          <a:blip r:embed="rId3"/>
+          <a:stretch>
+            <a:fillRect/>
+          </a:stretch>
+        </p:blipFill>
+        <p:spPr>
+          <a:xfrm>
+            <a:off x="641350" y="5476274"/>
+            <a:ext cx="7969250" cy="1076926"/>
+          </a:xfrm>
+          <a:prstGeom prst="rect">
+            <a:avLst/>
+          </a:prstGeom>
+          <a:ln>
+            <a:solidFill>
+              <a:schemeClr val="tx1"/>
+            </a:solidFill>
+          </a:ln>
+        </p:spPr>
+      </p:pic>
+      <p:sp>
+        <p:nvSpPr>
+          <p:cNvPr id="6" name="TextBox 5">
+            <a:extLst>
+              <a:ext uri="{FF2B5EF4-FFF2-40B4-BE49-F238E27FC236}">
+                <a16:creationId xmlns:a16="http://schemas.microsoft.com/office/drawing/2014/main" id="{C37DEBC9-2200-E74C-A333-E98A8E59C03E}"/>
+              </a:ext>
+            </a:extLst>
+          </p:cNvPr>
+          <p:cNvSpPr txBox="1"/>
+          <p:nvPr/>
+        </p:nvSpPr>
+        <p:spPr>
+          <a:xfrm>
+            <a:off x="7444154" y="3493477"/>
+            <a:ext cx="1457450" cy="307777"/>
+          </a:xfrm>
+          <a:prstGeom prst="rect">
+            <a:avLst/>
+          </a:prstGeom>
+          <a:noFill/>
+        </p:spPr>
+        <p:txBody>
+          <a:bodyPr wrap="none" rtlCol="0">
+            <a:spAutoFit/>
+          </a:bodyPr>
+          <a:lstStyle/>
+          <a:p>
+            <a:r>
+              <a:rPr lang="en-US" sz="1400" dirty="0"/>
+              <a:t>ln004/bird1a.ast</a:t>
+            </a:r>
+          </a:p>
+        </p:txBody>
+      </p:sp>
     </p:spTree>
     <p:extLst>
       <p:ext uri="{BB962C8B-B14F-4D97-AF65-F5344CB8AC3E}">
-        <p14:creationId xmlns:p14="http://schemas.microsoft.com/office/powerpoint/2010/main" val="363371943"/>
+        <p14:creationId xmlns:p14="http://schemas.microsoft.com/office/powerpoint/2010/main" val="3380690678"/>
       </p:ext>
     </p:extLst>
   </p:cSld>
@@ -5641,7 +5595,7 @@
           <p:cNvPr id="2" name="Title 1">
             <a:extLst>
               <a:ext uri="{FF2B5EF4-FFF2-40B4-BE49-F238E27FC236}">
-                <a16:creationId xmlns:a16="http://schemas.microsoft.com/office/drawing/2014/main" id="{44969C8F-C644-7946-B4B0-381BB6051384}"/>
+                <a16:creationId xmlns:a16="http://schemas.microsoft.com/office/drawing/2014/main" id="{4592DAC2-FA39-6C44-8DCE-D2C763D16474}"/>
               </a:ext>
             </a:extLst>
           </p:cNvPr>
@@ -5669,7 +5623,7 @@
           <p:cNvPr id="3" name="Content Placeholder 2">
             <a:extLst>
               <a:ext uri="{FF2B5EF4-FFF2-40B4-BE49-F238E27FC236}">
-                <a16:creationId xmlns:a16="http://schemas.microsoft.com/office/drawing/2014/main" id="{3F6AF04D-0CA2-0C4C-A132-CF98ACEF6992}"/>
+                <a16:creationId xmlns:a16="http://schemas.microsoft.com/office/drawing/2014/main" id="{B87BCF98-8240-4148-998E-242CCE898873}"/>
               </a:ext>
             </a:extLst>
           </p:cNvPr>
@@ -5683,59 +5637,24 @@
         <p:spPr>
           <a:xfrm>
             <a:off x="1524000" y="1905000"/>
-            <a:ext cx="7010400" cy="1143000"/>
+            <a:ext cx="7010400" cy="1028700"/>
           </a:xfrm>
         </p:spPr>
         <p:txBody>
           <a:bodyPr>
-            <a:normAutofit fontScale="85000" lnSpcReduction="20000"/>
+            <a:normAutofit fontScale="77500" lnSpcReduction="20000"/>
           </a:bodyPr>
           <a:lstStyle/>
           <a:p>
             <a:r>
               <a:rPr lang="en-US" dirty="0"/>
-              <a:t>Variables allow for partial matches</a:t>
-            </a:r>
-          </a:p>
-          <a:p>
-            <a:r>
-              <a:rPr lang="en-US" dirty="0"/>
-              <a:t>Variables in patterns are instantiated in the current environment</a:t>
-            </a:r>
-          </a:p>
-        </p:txBody>
-      </p:sp>
-      <p:sp>
-        <p:nvSpPr>
-          <p:cNvPr id="5" name="TextBox 4">
-            <a:extLst>
-              <a:ext uri="{FF2B5EF4-FFF2-40B4-BE49-F238E27FC236}">
-                <a16:creationId xmlns:a16="http://schemas.microsoft.com/office/drawing/2014/main" id="{62B83371-9B88-984A-8AEC-EB001857EF67}"/>
-              </a:ext>
-            </a:extLst>
-          </p:cNvPr>
-          <p:cNvSpPr txBox="1"/>
-          <p:nvPr/>
-        </p:nvSpPr>
-        <p:spPr>
-          <a:xfrm>
-            <a:off x="7176336" y="4521886"/>
-            <a:ext cx="1358064" cy="307777"/>
-          </a:xfrm>
-          <a:prstGeom prst="rect">
-            <a:avLst/>
-          </a:prstGeom>
-          <a:noFill/>
-        </p:spPr>
-        <p:txBody>
-          <a:bodyPr wrap="none" rtlCol="0">
-            <a:spAutoFit/>
-          </a:bodyPr>
-          <a:lstStyle/>
-          <a:p>
-            <a:r>
-              <a:rPr lang="en-US" sz="1400" dirty="0"/>
-              <a:t>ln004/bird3.ast</a:t>
+              <a:t>It is nicer to represent the patterns as bird objects</a:t>
+            </a:r>
+          </a:p>
+          <a:p>
+            <a:r>
+              <a:rPr lang="en-US" dirty="0"/>
+              <a:t>This way we stay closer to the original problem setting. E.g.,</a:t>
             </a:r>
           </a:p>
         </p:txBody>
@@ -5745,7 +5664,7 @@
           <p:cNvPr id="4" name="Picture 3">
             <a:extLst>
               <a:ext uri="{FF2B5EF4-FFF2-40B4-BE49-F238E27FC236}">
-                <a16:creationId xmlns:a16="http://schemas.microsoft.com/office/drawing/2014/main" id="{5EDB5844-582D-704C-97CB-230F26B22484}"/>
+                <a16:creationId xmlns:a16="http://schemas.microsoft.com/office/drawing/2014/main" id="{76C6B30A-C95E-7D44-BD02-06D16AF2E303}"/>
               </a:ext>
             </a:extLst>
           </p:cNvPr>
@@ -5754,16 +5673,15 @@
           </p:cNvPicPr>
           <p:nvPr/>
         </p:nvPicPr>
-        <p:blipFill>
+        <p:blipFill rotWithShape="1">
           <a:blip r:embed="rId2"/>
-          <a:stretch>
-            <a:fillRect/>
-          </a:stretch>
+          <a:srcRect b="68267"/>
+          <a:stretch/>
         </p:blipFill>
         <p:spPr>
           <a:xfrm>
-            <a:off x="609600" y="3210413"/>
-            <a:ext cx="6146800" cy="3238500"/>
+            <a:off x="533400" y="3048000"/>
+            <a:ext cx="2592417" cy="1084385"/>
           </a:xfrm>
           <a:prstGeom prst="rect">
             <a:avLst/>
@@ -5775,10 +5693,130 @@
           </a:ln>
         </p:spPr>
       </p:pic>
+      <p:pic>
+        <p:nvPicPr>
+          <p:cNvPr id="6" name="Picture 5">
+            <a:extLst>
+              <a:ext uri="{FF2B5EF4-FFF2-40B4-BE49-F238E27FC236}">
+                <a16:creationId xmlns:a16="http://schemas.microsoft.com/office/drawing/2014/main" id="{A81C66B8-9E80-3349-B65C-E9BCD6F280BC}"/>
+              </a:ext>
+            </a:extLst>
+          </p:cNvPr>
+          <p:cNvPicPr>
+            <a:picLocks noChangeAspect="1"/>
+          </p:cNvPicPr>
+          <p:nvPr/>
+        </p:nvPicPr>
+        <p:blipFill>
+          <a:blip r:embed="rId3"/>
+          <a:stretch>
+            <a:fillRect/>
+          </a:stretch>
+        </p:blipFill>
+        <p:spPr>
+          <a:xfrm>
+            <a:off x="3289300" y="4000500"/>
+            <a:ext cx="5729270" cy="2781300"/>
+          </a:xfrm>
+          <a:prstGeom prst="rect">
+            <a:avLst/>
+          </a:prstGeom>
+          <a:ln>
+            <a:solidFill>
+              <a:schemeClr val="tx1"/>
+            </a:solidFill>
+          </a:ln>
+        </p:spPr>
+      </p:pic>
+      <p:sp>
+        <p:nvSpPr>
+          <p:cNvPr id="7" name="Bent-Up Arrow 6">
+            <a:extLst>
+              <a:ext uri="{FF2B5EF4-FFF2-40B4-BE49-F238E27FC236}">
+                <a16:creationId xmlns:a16="http://schemas.microsoft.com/office/drawing/2014/main" id="{08293EAD-A9FF-454B-A47E-206E9298ABED}"/>
+              </a:ext>
+            </a:extLst>
+          </p:cNvPr>
+          <p:cNvSpPr/>
+          <p:nvPr/>
+        </p:nvSpPr>
+        <p:spPr bwMode="auto">
+          <a:xfrm flipV="1">
+            <a:off x="3276600" y="3429000"/>
+            <a:ext cx="685800" cy="457200"/>
+          </a:xfrm>
+          <a:prstGeom prst="bentUpArrow">
+            <a:avLst/>
+          </a:prstGeom>
+          <a:solidFill>
+            <a:srgbClr val="FF0000"/>
+          </a:solidFill>
+          <a:ln w="9525" cap="flat" cmpd="sng" algn="ctr">
+            <a:solidFill>
+              <a:schemeClr val="tx1"/>
+            </a:solidFill>
+            <a:prstDash val="solid"/>
+            <a:round/>
+            <a:headEnd type="none" w="med" len="med"/>
+            <a:tailEnd type="none" w="med" len="med"/>
+          </a:ln>
+          <a:effectLst/>
+          <a:extLst>
+            <a:ext uri="{AF507438-7753-43e0-B8FC-AC1667EBCBE1}">
+              <a14:hiddenEffects xmlns:a14="http://schemas.microsoft.com/office/drawing/2010/main" xmlns="">
+                <a:effectLst>
+                  <a:outerShdw blurRad="63500" dist="38099" dir="2700000" algn="ctr" rotWithShape="0">
+                    <a:schemeClr val="bg2">
+                      <a:alpha val="74998"/>
+                    </a:schemeClr>
+                  </a:outerShdw>
+                </a:effectLst>
+              </a14:hiddenEffects>
+            </a:ext>
+          </a:extLst>
+        </p:spPr>
+        <p:txBody>
+          <a:bodyPr vert="horz" wrap="square" lIns="91440" tIns="45720" rIns="91440" bIns="45720" numCol="1" rtlCol="0" anchor="t" anchorCtr="0" compatLnSpc="1">
+            <a:prstTxWarp prst="textNoShape">
+              <a:avLst/>
+            </a:prstTxWarp>
+          </a:bodyPr>
+          <a:lstStyle/>
+          <a:p>
+            <a:pPr marL="0" marR="0" indent="0" algn="l" defTabSz="914400" rtl="0" eaLnBrk="0" fontAlgn="base" latinLnBrk="0" hangingPunct="0">
+              <a:lnSpc>
+                <a:spcPct val="100000"/>
+              </a:lnSpc>
+              <a:spcBef>
+                <a:spcPct val="0"/>
+              </a:spcBef>
+              <a:spcAft>
+                <a:spcPct val="0"/>
+              </a:spcAft>
+              <a:buClrTx/>
+              <a:buSzTx/>
+              <a:buFontTx/>
+              <a:buNone/>
+              <a:tabLst/>
+            </a:pPr>
+            <a:endParaRPr kumimoji="0" lang="en-US" sz="1600" b="0" i="0" u="none" strike="noStrike" cap="none" normalizeH="0" baseline="0">
+              <a:ln>
+                <a:noFill/>
+              </a:ln>
+              <a:solidFill>
+                <a:srgbClr val="000000"/>
+              </a:solidFill>
+              <a:effectLst/>
+              <a:latin typeface="Arial" charset="0"/>
+              <a:ea typeface="ＭＳ Ｐゴシック" charset="0"/>
+            </a:endParaRPr>
+          </a:p>
+        </p:txBody>
+      </p:sp>
     </p:spTree>
     <p:extLst>
       <p:ext uri="{BB962C8B-B14F-4D97-AF65-F5344CB8AC3E}">
-        <p14:creationId xmlns:p14="http://schemas.microsoft.com/office/powerpoint/2010/main" val="2585622426"/>
+        <p14:creationId xmlns:p14="http://schemas.microsoft.com/office/powerpoint/2010/main" val="4186926810"/>
       </p:ext>
     </p:extLst>
   </p:cSld>
@@ -5828,52 +5866,52 @@
           <a:p>
             <a:r>
               <a:rPr lang="en-US" dirty="0"/>
-              <a:t>Basic Patterns</a:t>
-            </a:r>
-          </a:p>
-        </p:txBody>
-      </p:sp>
-      <p:sp>
-        <p:nvSpPr>
-          <p:cNvPr id="3" name="Content Placeholder 2">
-            <a:extLst>
-              <a:ext uri="{FF2B5EF4-FFF2-40B4-BE49-F238E27FC236}">
-                <a16:creationId xmlns:a16="http://schemas.microsoft.com/office/drawing/2014/main" id="{D1DA5083-17EB-1243-A0A4-6DD3250A0A56}"/>
-              </a:ext>
-            </a:extLst>
-          </p:cNvPr>
-          <p:cNvSpPr>
-            <a:spLocks noGrp="1"/>
-          </p:cNvSpPr>
-          <p:nvPr>
-            <p:ph idx="1"/>
-          </p:nvPr>
+              <a:t>Pattern Matching – Foundations </a:t>
+            </a:r>
+          </a:p>
+        </p:txBody>
+      </p:sp>
+      <p:sp>
+        <p:nvSpPr>
+          <p:cNvPr id="5" name="TextBox 4">
+            <a:extLst>
+              <a:ext uri="{FF2B5EF4-FFF2-40B4-BE49-F238E27FC236}">
+                <a16:creationId xmlns:a16="http://schemas.microsoft.com/office/drawing/2014/main" id="{62B83371-9B88-984A-8AEC-EB001857EF67}"/>
+              </a:ext>
+            </a:extLst>
+          </p:cNvPr>
+          <p:cNvSpPr txBox="1"/>
+          <p:nvPr/>
         </p:nvSpPr>
         <p:spPr>
           <a:xfrm>
-            <a:off x="1524000" y="1676400"/>
-            <a:ext cx="7010400" cy="990600"/>
-          </a:xfrm>
-        </p:spPr>
-        <p:txBody>
-          <a:bodyPr>
-            <a:normAutofit/>
+            <a:off x="7557336" y="4419600"/>
+            <a:ext cx="1457450" cy="307777"/>
+          </a:xfrm>
+          <a:prstGeom prst="rect">
+            <a:avLst/>
+          </a:prstGeom>
+          <a:noFill/>
+        </p:spPr>
+        <p:txBody>
+          <a:bodyPr wrap="none" rtlCol="0">
+            <a:spAutoFit/>
           </a:bodyPr>
           <a:lstStyle/>
           <a:p>
             <a:r>
-              <a:rPr lang="en-US" dirty="0"/>
-              <a:t>Something a bit more CS related</a:t>
+              <a:rPr lang="en-US" sz="1400" dirty="0"/>
+              <a:t>ln004/bird1b.ast</a:t>
             </a:r>
           </a:p>
         </p:txBody>
       </p:sp>
       <p:pic>
         <p:nvPicPr>
-          <p:cNvPr id="4" name="Picture 3">
-            <a:extLst>
-              <a:ext uri="{FF2B5EF4-FFF2-40B4-BE49-F238E27FC236}">
-                <a16:creationId xmlns:a16="http://schemas.microsoft.com/office/drawing/2014/main" id="{38E3A626-854D-FE4E-94C1-AEFA362A932B}"/>
+          <p:cNvPr id="8" name="Picture 7">
+            <a:extLst>
+              <a:ext uri="{FF2B5EF4-FFF2-40B4-BE49-F238E27FC236}">
+                <a16:creationId xmlns:a16="http://schemas.microsoft.com/office/drawing/2014/main" id="{DB59B07C-F6D0-054E-B37F-CD924EC25FDF}"/>
               </a:ext>
             </a:extLst>
           </p:cNvPr>
@@ -5890,8 +5928,8 @@
         </p:blipFill>
         <p:spPr>
           <a:xfrm>
-            <a:off x="228600" y="2667000"/>
-            <a:ext cx="6299200" cy="2260600"/>
+            <a:off x="615950" y="5816600"/>
+            <a:ext cx="7912100" cy="965200"/>
           </a:xfrm>
           <a:prstGeom prst="rect">
             <a:avLst/>
@@ -5905,10 +5943,10 @@
       </p:pic>
       <p:pic>
         <p:nvPicPr>
-          <p:cNvPr id="5" name="Picture 4">
-            <a:extLst>
-              <a:ext uri="{FF2B5EF4-FFF2-40B4-BE49-F238E27FC236}">
-                <a16:creationId xmlns:a16="http://schemas.microsoft.com/office/drawing/2014/main" id="{8C100594-9017-D54C-8A50-79C1F2A02B89}"/>
+          <p:cNvPr id="11" name="Picture 10">
+            <a:extLst>
+              <a:ext uri="{FF2B5EF4-FFF2-40B4-BE49-F238E27FC236}">
+                <a16:creationId xmlns:a16="http://schemas.microsoft.com/office/drawing/2014/main" id="{33AF4169-5E97-CD4C-B6CD-A0BDB93B81EB}"/>
               </a:ext>
             </a:extLst>
           </p:cNvPr>
@@ -5925,8 +5963,8 @@
         </p:blipFill>
         <p:spPr>
           <a:xfrm>
-            <a:off x="5956300" y="3225800"/>
-            <a:ext cx="2959100" cy="2260600"/>
+            <a:off x="1033244" y="76200"/>
+            <a:ext cx="6510556" cy="5695430"/>
           </a:xfrm>
           <a:prstGeom prst="rect">
             <a:avLst/>
@@ -5938,45 +5976,10 @@
           </a:ln>
         </p:spPr>
       </p:pic>
-      <p:pic>
-        <p:nvPicPr>
-          <p:cNvPr id="6" name="Picture 5">
-            <a:extLst>
-              <a:ext uri="{FF2B5EF4-FFF2-40B4-BE49-F238E27FC236}">
-                <a16:creationId xmlns:a16="http://schemas.microsoft.com/office/drawing/2014/main" id="{C3A1BA18-AC71-8247-93C9-14F2FF91482D}"/>
-              </a:ext>
-            </a:extLst>
-          </p:cNvPr>
-          <p:cNvPicPr>
-            <a:picLocks noChangeAspect="1"/>
-          </p:cNvPicPr>
-          <p:nvPr/>
-        </p:nvPicPr>
-        <p:blipFill>
-          <a:blip r:embed="rId4"/>
-          <a:stretch>
-            <a:fillRect/>
-          </a:stretch>
-        </p:blipFill>
-        <p:spPr>
-          <a:xfrm>
-            <a:off x="2362200" y="4674577"/>
-            <a:ext cx="2959100" cy="2057400"/>
-          </a:xfrm>
-          <a:prstGeom prst="rect">
-            <a:avLst/>
-          </a:prstGeom>
-          <a:ln>
-            <a:solidFill>
-              <a:schemeClr val="tx1"/>
-            </a:solidFill>
-          </a:ln>
-        </p:spPr>
-      </p:pic>
     </p:spTree>
     <p:extLst>
       <p:ext uri="{BB962C8B-B14F-4D97-AF65-F5344CB8AC3E}">
-        <p14:creationId xmlns:p14="http://schemas.microsoft.com/office/powerpoint/2010/main" val="513820654"/>
+        <p14:creationId xmlns:p14="http://schemas.microsoft.com/office/powerpoint/2010/main" val="2288999045"/>
       </p:ext>
     </p:extLst>
   </p:cSld>
@@ -6019,31 +6022,92 @@
             <p:ph type="title"/>
           </p:nvPr>
         </p:nvSpPr>
+        <p:spPr/>
+        <p:txBody>
+          <a:bodyPr/>
+          <a:lstStyle/>
+          <a:p>
+            <a:r>
+              <a:rPr lang="en-US" dirty="0"/>
+              <a:t>Pattern Matching – Foundations </a:t>
+            </a:r>
+          </a:p>
+        </p:txBody>
+      </p:sp>
+      <p:sp>
+        <p:nvSpPr>
+          <p:cNvPr id="3" name="Content Placeholder 2">
+            <a:extLst>
+              <a:ext uri="{FF2B5EF4-FFF2-40B4-BE49-F238E27FC236}">
+                <a16:creationId xmlns:a16="http://schemas.microsoft.com/office/drawing/2014/main" id="{E53EFDD1-B6BA-6F4A-9E7B-40833BE9267A}"/>
+              </a:ext>
+            </a:extLst>
+          </p:cNvPr>
+          <p:cNvSpPr>
+            <a:spLocks noGrp="1"/>
+          </p:cNvSpPr>
+          <p:nvPr>
+            <p:ph idx="1"/>
+          </p:nvPr>
+        </p:nvSpPr>
         <p:spPr>
           <a:xfrm>
-            <a:off x="1524000" y="190500"/>
-            <a:ext cx="7010400" cy="1527175"/>
-          </a:xfrm>
-        </p:spPr>
-        <p:txBody>
-          <a:bodyPr wrap="square" anchor="ctr">
-            <a:normAutofit/>
+            <a:off x="656492" y="1875542"/>
+            <a:ext cx="2743200" cy="4114800"/>
+          </a:xfrm>
+        </p:spPr>
+        <p:txBody>
+          <a:bodyPr/>
+          <a:lstStyle/>
+          <a:p>
+            <a:r>
+              <a:rPr lang="en-US" sz="2000" dirty="0"/>
+              <a:t>Here is a much more elegant solution using pattern matching in functions</a:t>
+            </a:r>
+          </a:p>
+        </p:txBody>
+      </p:sp>
+      <p:sp>
+        <p:nvSpPr>
+          <p:cNvPr id="5" name="TextBox 4">
+            <a:extLst>
+              <a:ext uri="{FF2B5EF4-FFF2-40B4-BE49-F238E27FC236}">
+                <a16:creationId xmlns:a16="http://schemas.microsoft.com/office/drawing/2014/main" id="{62B83371-9B88-984A-8AEC-EB001857EF67}"/>
+              </a:ext>
+            </a:extLst>
+          </p:cNvPr>
+          <p:cNvSpPr txBox="1"/>
+          <p:nvPr/>
+        </p:nvSpPr>
+        <p:spPr>
+          <a:xfrm>
+            <a:off x="7176336" y="6042701"/>
+            <a:ext cx="1358064" cy="307777"/>
+          </a:xfrm>
+          <a:prstGeom prst="rect">
+            <a:avLst/>
+          </a:prstGeom>
+          <a:noFill/>
+        </p:spPr>
+        <p:txBody>
+          <a:bodyPr wrap="none" rtlCol="0">
+            <a:spAutoFit/>
           </a:bodyPr>
           <a:lstStyle/>
           <a:p>
             <a:r>
-              <a:rPr lang="en-US" dirty="0"/>
-              <a:t>Basic Patterns</a:t>
+              <a:rPr lang="en-US" sz="1400" dirty="0"/>
+              <a:t>ln004/bird2.ast</a:t>
             </a:r>
           </a:p>
         </p:txBody>
       </p:sp>
       <p:pic>
         <p:nvPicPr>
-          <p:cNvPr id="7" name="Picture 6">
-            <a:extLst>
-              <a:ext uri="{FF2B5EF4-FFF2-40B4-BE49-F238E27FC236}">
-                <a16:creationId xmlns:a16="http://schemas.microsoft.com/office/drawing/2014/main" id="{AFF26B33-87C9-1C43-9934-53C424D0E749}"/>
+          <p:cNvPr id="6" name="Picture 5">
+            <a:extLst>
+              <a:ext uri="{FF2B5EF4-FFF2-40B4-BE49-F238E27FC236}">
+                <a16:creationId xmlns:a16="http://schemas.microsoft.com/office/drawing/2014/main" id="{2447E8AD-CC8F-A449-9087-4AB16BFE587F}"/>
               </a:ext>
             </a:extLst>
           </p:cNvPr>
@@ -6060,6 +6124,634 @@
         </p:blipFill>
         <p:spPr>
           <a:xfrm>
+            <a:off x="3352800" y="1661502"/>
+            <a:ext cx="5639191" cy="4328840"/>
+          </a:xfrm>
+          <a:prstGeom prst="rect">
+            <a:avLst/>
+          </a:prstGeom>
+          <a:ln>
+            <a:solidFill>
+              <a:schemeClr val="tx1"/>
+            </a:solidFill>
+          </a:ln>
+        </p:spPr>
+      </p:pic>
+    </p:spTree>
+    <p:extLst>
+      <p:ext uri="{BB962C8B-B14F-4D97-AF65-F5344CB8AC3E}">
+        <p14:creationId xmlns:p14="http://schemas.microsoft.com/office/powerpoint/2010/main" val="871085078"/>
+      </p:ext>
+    </p:extLst>
+  </p:cSld>
+  <p:clrMapOvr>
+    <a:masterClrMapping/>
+  </p:clrMapOvr>
+</p:sld>
+</file>
+
+<file path=ppt/slides/slide15.xml><?xml version="1.0" encoding="utf-8"?>
+<p:sld xmlns:a="http://schemas.openxmlformats.org/drawingml/2006/main" xmlns:r="http://schemas.openxmlformats.org/officeDocument/2006/relationships" xmlns:p="http://schemas.openxmlformats.org/presentationml/2006/main">
+  <p:cSld>
+    <p:spTree>
+      <p:nvGrpSpPr>
+        <p:cNvPr id="1" name=""/>
+        <p:cNvGrpSpPr/>
+        <p:nvPr/>
+      </p:nvGrpSpPr>
+      <p:grpSpPr>
+        <a:xfrm>
+          <a:off x="0" y="0"/>
+          <a:ext cx="0" cy="0"/>
+          <a:chOff x="0" y="0"/>
+          <a:chExt cx="0" cy="0"/>
+        </a:xfrm>
+      </p:grpSpPr>
+      <p:sp>
+        <p:nvSpPr>
+          <p:cNvPr id="2" name="Title 1">
+            <a:extLst>
+              <a:ext uri="{FF2B5EF4-FFF2-40B4-BE49-F238E27FC236}">
+                <a16:creationId xmlns:a16="http://schemas.microsoft.com/office/drawing/2014/main" id="{44969C8F-C644-7946-B4B0-381BB6051384}"/>
+              </a:ext>
+            </a:extLst>
+          </p:cNvPr>
+          <p:cNvSpPr>
+            <a:spLocks noGrp="1"/>
+          </p:cNvSpPr>
+          <p:nvPr>
+            <p:ph type="title"/>
+          </p:nvPr>
+        </p:nvSpPr>
+        <p:spPr/>
+        <p:txBody>
+          <a:bodyPr/>
+          <a:lstStyle/>
+          <a:p>
+            <a:r>
+              <a:rPr lang="en-US" dirty="0"/>
+              <a:t>Pattern Matching – Foundations </a:t>
+            </a:r>
+          </a:p>
+        </p:txBody>
+      </p:sp>
+      <p:sp>
+        <p:nvSpPr>
+          <p:cNvPr id="3" name="Content Placeholder 2">
+            <a:extLst>
+              <a:ext uri="{FF2B5EF4-FFF2-40B4-BE49-F238E27FC236}">
+                <a16:creationId xmlns:a16="http://schemas.microsoft.com/office/drawing/2014/main" id="{E53EFDD1-B6BA-6F4A-9E7B-40833BE9267A}"/>
+              </a:ext>
+            </a:extLst>
+          </p:cNvPr>
+          <p:cNvSpPr>
+            <a:spLocks noGrp="1"/>
+          </p:cNvSpPr>
+          <p:nvPr>
+            <p:ph idx="1"/>
+          </p:nvPr>
+        </p:nvSpPr>
+        <p:spPr>
+          <a:xfrm>
+            <a:off x="656492" y="1875542"/>
+            <a:ext cx="7877908" cy="562858"/>
+          </a:xfrm>
+        </p:spPr>
+        <p:txBody>
+          <a:bodyPr/>
+          <a:lstStyle/>
+          <a:p>
+            <a:r>
+              <a:rPr lang="en-US" sz="2000" dirty="0"/>
+              <a:t>Here is a solution using pattern matching in Python</a:t>
+            </a:r>
+          </a:p>
+        </p:txBody>
+      </p:sp>
+      <p:sp>
+        <p:nvSpPr>
+          <p:cNvPr id="5" name="TextBox 4">
+            <a:extLst>
+              <a:ext uri="{FF2B5EF4-FFF2-40B4-BE49-F238E27FC236}">
+                <a16:creationId xmlns:a16="http://schemas.microsoft.com/office/drawing/2014/main" id="{62B83371-9B88-984A-8AEC-EB001857EF67}"/>
+              </a:ext>
+            </a:extLst>
+          </p:cNvPr>
+          <p:cNvSpPr txBox="1"/>
+          <p:nvPr/>
+        </p:nvSpPr>
+        <p:spPr>
+          <a:xfrm>
+            <a:off x="7176336" y="6042701"/>
+            <a:ext cx="1308371" cy="307777"/>
+          </a:xfrm>
+          <a:prstGeom prst="rect">
+            <a:avLst/>
+          </a:prstGeom>
+          <a:noFill/>
+        </p:spPr>
+        <p:txBody>
+          <a:bodyPr wrap="none" rtlCol="0">
+            <a:spAutoFit/>
+          </a:bodyPr>
+          <a:lstStyle/>
+          <a:p>
+            <a:r>
+              <a:rPr lang="en-US" sz="1400" dirty="0"/>
+              <a:t>ln004/bird2.py</a:t>
+            </a:r>
+          </a:p>
+        </p:txBody>
+      </p:sp>
+      <p:pic>
+        <p:nvPicPr>
+          <p:cNvPr id="7" name="Picture 6">
+            <a:extLst>
+              <a:ext uri="{FF2B5EF4-FFF2-40B4-BE49-F238E27FC236}">
+                <a16:creationId xmlns:a16="http://schemas.microsoft.com/office/drawing/2014/main" id="{189FD1AE-426A-F140-9D1F-ECFD3344B2FB}"/>
+              </a:ext>
+            </a:extLst>
+          </p:cNvPr>
+          <p:cNvPicPr>
+            <a:picLocks noChangeAspect="1"/>
+          </p:cNvPicPr>
+          <p:nvPr/>
+        </p:nvPicPr>
+        <p:blipFill>
+          <a:blip r:embed="rId2"/>
+          <a:stretch>
+            <a:fillRect/>
+          </a:stretch>
+        </p:blipFill>
+        <p:spPr>
+          <a:xfrm>
+            <a:off x="566121" y="2286000"/>
+            <a:ext cx="7264400" cy="3632200"/>
+          </a:xfrm>
+          <a:prstGeom prst="rect">
+            <a:avLst/>
+          </a:prstGeom>
+          <a:ln>
+            <a:solidFill>
+              <a:schemeClr val="tx1"/>
+            </a:solidFill>
+          </a:ln>
+        </p:spPr>
+      </p:pic>
+    </p:spTree>
+    <p:extLst>
+      <p:ext uri="{BB962C8B-B14F-4D97-AF65-F5344CB8AC3E}">
+        <p14:creationId xmlns:p14="http://schemas.microsoft.com/office/powerpoint/2010/main" val="363371943"/>
+      </p:ext>
+    </p:extLst>
+  </p:cSld>
+  <p:clrMapOvr>
+    <a:masterClrMapping/>
+  </p:clrMapOvr>
+</p:sld>
+</file>
+
+<file path=ppt/slides/slide16.xml><?xml version="1.0" encoding="utf-8"?>
+<p:sld xmlns:a="http://schemas.openxmlformats.org/drawingml/2006/main" xmlns:r="http://schemas.openxmlformats.org/officeDocument/2006/relationships" xmlns:p="http://schemas.openxmlformats.org/presentationml/2006/main">
+  <p:cSld>
+    <p:spTree>
+      <p:nvGrpSpPr>
+        <p:cNvPr id="1" name=""/>
+        <p:cNvGrpSpPr/>
+        <p:nvPr/>
+      </p:nvGrpSpPr>
+      <p:grpSpPr>
+        <a:xfrm>
+          <a:off x="0" y="0"/>
+          <a:ext cx="0" cy="0"/>
+          <a:chOff x="0" y="0"/>
+          <a:chExt cx="0" cy="0"/>
+        </a:xfrm>
+      </p:grpSpPr>
+      <p:sp>
+        <p:nvSpPr>
+          <p:cNvPr id="2" name="Title 1">
+            <a:extLst>
+              <a:ext uri="{FF2B5EF4-FFF2-40B4-BE49-F238E27FC236}">
+                <a16:creationId xmlns:a16="http://schemas.microsoft.com/office/drawing/2014/main" id="{44969C8F-C644-7946-B4B0-381BB6051384}"/>
+              </a:ext>
+            </a:extLst>
+          </p:cNvPr>
+          <p:cNvSpPr>
+            <a:spLocks noGrp="1"/>
+          </p:cNvSpPr>
+          <p:nvPr>
+            <p:ph type="title"/>
+          </p:nvPr>
+        </p:nvSpPr>
+        <p:spPr/>
+        <p:txBody>
+          <a:bodyPr/>
+          <a:lstStyle/>
+          <a:p>
+            <a:r>
+              <a:rPr lang="en-US" dirty="0"/>
+              <a:t>Pattern Matching – Foundations </a:t>
+            </a:r>
+          </a:p>
+        </p:txBody>
+      </p:sp>
+      <p:sp>
+        <p:nvSpPr>
+          <p:cNvPr id="3" name="Content Placeholder 2">
+            <a:extLst>
+              <a:ext uri="{FF2B5EF4-FFF2-40B4-BE49-F238E27FC236}">
+                <a16:creationId xmlns:a16="http://schemas.microsoft.com/office/drawing/2014/main" id="{3F6AF04D-0CA2-0C4C-A132-CF98ACEF6992}"/>
+              </a:ext>
+            </a:extLst>
+          </p:cNvPr>
+          <p:cNvSpPr>
+            <a:spLocks noGrp="1"/>
+          </p:cNvSpPr>
+          <p:nvPr>
+            <p:ph idx="1"/>
+          </p:nvPr>
+        </p:nvSpPr>
+        <p:spPr>
+          <a:xfrm>
+            <a:off x="1524000" y="1905000"/>
+            <a:ext cx="7010400" cy="1143000"/>
+          </a:xfrm>
+        </p:spPr>
+        <p:txBody>
+          <a:bodyPr>
+            <a:normAutofit fontScale="85000" lnSpcReduction="20000"/>
+          </a:bodyPr>
+          <a:lstStyle/>
+          <a:p>
+            <a:r>
+              <a:rPr lang="en-US" dirty="0"/>
+              <a:t>Variables allow for partial matches</a:t>
+            </a:r>
+          </a:p>
+          <a:p>
+            <a:r>
+              <a:rPr lang="en-US" dirty="0"/>
+              <a:t>Variables in patterns are instantiated in the current environment</a:t>
+            </a:r>
+          </a:p>
+        </p:txBody>
+      </p:sp>
+      <p:sp>
+        <p:nvSpPr>
+          <p:cNvPr id="5" name="TextBox 4">
+            <a:extLst>
+              <a:ext uri="{FF2B5EF4-FFF2-40B4-BE49-F238E27FC236}">
+                <a16:creationId xmlns:a16="http://schemas.microsoft.com/office/drawing/2014/main" id="{62B83371-9B88-984A-8AEC-EB001857EF67}"/>
+              </a:ext>
+            </a:extLst>
+          </p:cNvPr>
+          <p:cNvSpPr txBox="1"/>
+          <p:nvPr/>
+        </p:nvSpPr>
+        <p:spPr>
+          <a:xfrm>
+            <a:off x="7176336" y="4521886"/>
+            <a:ext cx="1358064" cy="307777"/>
+          </a:xfrm>
+          <a:prstGeom prst="rect">
+            <a:avLst/>
+          </a:prstGeom>
+          <a:noFill/>
+        </p:spPr>
+        <p:txBody>
+          <a:bodyPr wrap="none" rtlCol="0">
+            <a:spAutoFit/>
+          </a:bodyPr>
+          <a:lstStyle/>
+          <a:p>
+            <a:r>
+              <a:rPr lang="en-US" sz="1400" dirty="0"/>
+              <a:t>ln004/bird3.ast</a:t>
+            </a:r>
+          </a:p>
+        </p:txBody>
+      </p:sp>
+      <p:pic>
+        <p:nvPicPr>
+          <p:cNvPr id="4" name="Picture 3">
+            <a:extLst>
+              <a:ext uri="{FF2B5EF4-FFF2-40B4-BE49-F238E27FC236}">
+                <a16:creationId xmlns:a16="http://schemas.microsoft.com/office/drawing/2014/main" id="{5EDB5844-582D-704C-97CB-230F26B22484}"/>
+              </a:ext>
+            </a:extLst>
+          </p:cNvPr>
+          <p:cNvPicPr>
+            <a:picLocks noChangeAspect="1"/>
+          </p:cNvPicPr>
+          <p:nvPr/>
+        </p:nvPicPr>
+        <p:blipFill>
+          <a:blip r:embed="rId2"/>
+          <a:stretch>
+            <a:fillRect/>
+          </a:stretch>
+        </p:blipFill>
+        <p:spPr>
+          <a:xfrm>
+            <a:off x="609600" y="3210413"/>
+            <a:ext cx="6146800" cy="3238500"/>
+          </a:xfrm>
+          <a:prstGeom prst="rect">
+            <a:avLst/>
+          </a:prstGeom>
+          <a:ln>
+            <a:solidFill>
+              <a:schemeClr val="tx1"/>
+            </a:solidFill>
+          </a:ln>
+        </p:spPr>
+      </p:pic>
+    </p:spTree>
+    <p:extLst>
+      <p:ext uri="{BB962C8B-B14F-4D97-AF65-F5344CB8AC3E}">
+        <p14:creationId xmlns:p14="http://schemas.microsoft.com/office/powerpoint/2010/main" val="2585622426"/>
+      </p:ext>
+    </p:extLst>
+  </p:cSld>
+  <p:clrMapOvr>
+    <a:masterClrMapping/>
+  </p:clrMapOvr>
+</p:sld>
+</file>
+
+<file path=ppt/slides/slide17.xml><?xml version="1.0" encoding="utf-8"?>
+<p:sld xmlns:a="http://schemas.openxmlformats.org/drawingml/2006/main" xmlns:r="http://schemas.openxmlformats.org/officeDocument/2006/relationships" xmlns:p="http://schemas.openxmlformats.org/presentationml/2006/main">
+  <p:cSld>
+    <p:spTree>
+      <p:nvGrpSpPr>
+        <p:cNvPr id="1" name=""/>
+        <p:cNvGrpSpPr/>
+        <p:nvPr/>
+      </p:nvGrpSpPr>
+      <p:grpSpPr>
+        <a:xfrm>
+          <a:off x="0" y="0"/>
+          <a:ext cx="0" cy="0"/>
+          <a:chOff x="0" y="0"/>
+          <a:chExt cx="0" cy="0"/>
+        </a:xfrm>
+      </p:grpSpPr>
+      <p:sp>
+        <p:nvSpPr>
+          <p:cNvPr id="2" name="Title 1">
+            <a:extLst>
+              <a:ext uri="{FF2B5EF4-FFF2-40B4-BE49-F238E27FC236}">
+                <a16:creationId xmlns:a16="http://schemas.microsoft.com/office/drawing/2014/main" id="{44969C8F-C644-7946-B4B0-381BB6051384}"/>
+              </a:ext>
+            </a:extLst>
+          </p:cNvPr>
+          <p:cNvSpPr>
+            <a:spLocks noGrp="1"/>
+          </p:cNvSpPr>
+          <p:nvPr>
+            <p:ph type="title"/>
+          </p:nvPr>
+        </p:nvSpPr>
+        <p:spPr/>
+        <p:txBody>
+          <a:bodyPr/>
+          <a:lstStyle/>
+          <a:p>
+            <a:r>
+              <a:rPr lang="en-US" dirty="0"/>
+              <a:t>Basic Patterns</a:t>
+            </a:r>
+          </a:p>
+        </p:txBody>
+      </p:sp>
+      <p:sp>
+        <p:nvSpPr>
+          <p:cNvPr id="3" name="Content Placeholder 2">
+            <a:extLst>
+              <a:ext uri="{FF2B5EF4-FFF2-40B4-BE49-F238E27FC236}">
+                <a16:creationId xmlns:a16="http://schemas.microsoft.com/office/drawing/2014/main" id="{D1DA5083-17EB-1243-A0A4-6DD3250A0A56}"/>
+              </a:ext>
+            </a:extLst>
+          </p:cNvPr>
+          <p:cNvSpPr>
+            <a:spLocks noGrp="1"/>
+          </p:cNvSpPr>
+          <p:nvPr>
+            <p:ph idx="1"/>
+          </p:nvPr>
+        </p:nvSpPr>
+        <p:spPr>
+          <a:xfrm>
+            <a:off x="1524000" y="1676400"/>
+            <a:ext cx="7010400" cy="990600"/>
+          </a:xfrm>
+        </p:spPr>
+        <p:txBody>
+          <a:bodyPr>
+            <a:normAutofit/>
+          </a:bodyPr>
+          <a:lstStyle/>
+          <a:p>
+            <a:r>
+              <a:rPr lang="en-US" dirty="0"/>
+              <a:t>Something a bit more CS related</a:t>
+            </a:r>
+          </a:p>
+        </p:txBody>
+      </p:sp>
+      <p:pic>
+        <p:nvPicPr>
+          <p:cNvPr id="4" name="Picture 3">
+            <a:extLst>
+              <a:ext uri="{FF2B5EF4-FFF2-40B4-BE49-F238E27FC236}">
+                <a16:creationId xmlns:a16="http://schemas.microsoft.com/office/drawing/2014/main" id="{38E3A626-854D-FE4E-94C1-AEFA362A932B}"/>
+              </a:ext>
+            </a:extLst>
+          </p:cNvPr>
+          <p:cNvPicPr>
+            <a:picLocks noChangeAspect="1"/>
+          </p:cNvPicPr>
+          <p:nvPr/>
+        </p:nvPicPr>
+        <p:blipFill>
+          <a:blip r:embed="rId2"/>
+          <a:stretch>
+            <a:fillRect/>
+          </a:stretch>
+        </p:blipFill>
+        <p:spPr>
+          <a:xfrm>
+            <a:off x="228600" y="2667000"/>
+            <a:ext cx="6299200" cy="2260600"/>
+          </a:xfrm>
+          <a:prstGeom prst="rect">
+            <a:avLst/>
+          </a:prstGeom>
+          <a:ln>
+            <a:solidFill>
+              <a:schemeClr val="tx1"/>
+            </a:solidFill>
+          </a:ln>
+        </p:spPr>
+      </p:pic>
+      <p:pic>
+        <p:nvPicPr>
+          <p:cNvPr id="5" name="Picture 4">
+            <a:extLst>
+              <a:ext uri="{FF2B5EF4-FFF2-40B4-BE49-F238E27FC236}">
+                <a16:creationId xmlns:a16="http://schemas.microsoft.com/office/drawing/2014/main" id="{8C100594-9017-D54C-8A50-79C1F2A02B89}"/>
+              </a:ext>
+            </a:extLst>
+          </p:cNvPr>
+          <p:cNvPicPr>
+            <a:picLocks noChangeAspect="1"/>
+          </p:cNvPicPr>
+          <p:nvPr/>
+        </p:nvPicPr>
+        <p:blipFill>
+          <a:blip r:embed="rId3"/>
+          <a:stretch>
+            <a:fillRect/>
+          </a:stretch>
+        </p:blipFill>
+        <p:spPr>
+          <a:xfrm>
+            <a:off x="5956300" y="3225800"/>
+            <a:ext cx="2959100" cy="2260600"/>
+          </a:xfrm>
+          <a:prstGeom prst="rect">
+            <a:avLst/>
+          </a:prstGeom>
+          <a:ln>
+            <a:solidFill>
+              <a:schemeClr val="tx1"/>
+            </a:solidFill>
+          </a:ln>
+        </p:spPr>
+      </p:pic>
+      <p:pic>
+        <p:nvPicPr>
+          <p:cNvPr id="6" name="Picture 5">
+            <a:extLst>
+              <a:ext uri="{FF2B5EF4-FFF2-40B4-BE49-F238E27FC236}">
+                <a16:creationId xmlns:a16="http://schemas.microsoft.com/office/drawing/2014/main" id="{C3A1BA18-AC71-8247-93C9-14F2FF91482D}"/>
+              </a:ext>
+            </a:extLst>
+          </p:cNvPr>
+          <p:cNvPicPr>
+            <a:picLocks noChangeAspect="1"/>
+          </p:cNvPicPr>
+          <p:nvPr/>
+        </p:nvPicPr>
+        <p:blipFill>
+          <a:blip r:embed="rId4"/>
+          <a:stretch>
+            <a:fillRect/>
+          </a:stretch>
+        </p:blipFill>
+        <p:spPr>
+          <a:xfrm>
+            <a:off x="2362200" y="4674577"/>
+            <a:ext cx="2959100" cy="2057400"/>
+          </a:xfrm>
+          <a:prstGeom prst="rect">
+            <a:avLst/>
+          </a:prstGeom>
+          <a:ln>
+            <a:solidFill>
+              <a:schemeClr val="tx1"/>
+            </a:solidFill>
+          </a:ln>
+        </p:spPr>
+      </p:pic>
+    </p:spTree>
+    <p:extLst>
+      <p:ext uri="{BB962C8B-B14F-4D97-AF65-F5344CB8AC3E}">
+        <p14:creationId xmlns:p14="http://schemas.microsoft.com/office/powerpoint/2010/main" val="513820654"/>
+      </p:ext>
+    </p:extLst>
+  </p:cSld>
+  <p:clrMapOvr>
+    <a:masterClrMapping/>
+  </p:clrMapOvr>
+</p:sld>
+</file>
+
+<file path=ppt/slides/slide18.xml><?xml version="1.0" encoding="utf-8"?>
+<p:sld xmlns:a="http://schemas.openxmlformats.org/drawingml/2006/main" xmlns:r="http://schemas.openxmlformats.org/officeDocument/2006/relationships" xmlns:p="http://schemas.openxmlformats.org/presentationml/2006/main">
+  <p:cSld>
+    <p:spTree>
+      <p:nvGrpSpPr>
+        <p:cNvPr id="1" name=""/>
+        <p:cNvGrpSpPr/>
+        <p:nvPr/>
+      </p:nvGrpSpPr>
+      <p:grpSpPr>
+        <a:xfrm>
+          <a:off x="0" y="0"/>
+          <a:ext cx="0" cy="0"/>
+          <a:chOff x="0" y="0"/>
+          <a:chExt cx="0" cy="0"/>
+        </a:xfrm>
+      </p:grpSpPr>
+      <p:sp>
+        <p:nvSpPr>
+          <p:cNvPr id="2" name="Title 1">
+            <a:extLst>
+              <a:ext uri="{FF2B5EF4-FFF2-40B4-BE49-F238E27FC236}">
+                <a16:creationId xmlns:a16="http://schemas.microsoft.com/office/drawing/2014/main" id="{44969C8F-C644-7946-B4B0-381BB6051384}"/>
+              </a:ext>
+            </a:extLst>
+          </p:cNvPr>
+          <p:cNvSpPr>
+            <a:spLocks noGrp="1"/>
+          </p:cNvSpPr>
+          <p:nvPr>
+            <p:ph type="title"/>
+          </p:nvPr>
+        </p:nvSpPr>
+        <p:spPr>
+          <a:xfrm>
+            <a:off x="1524000" y="190500"/>
+            <a:ext cx="7010400" cy="1527175"/>
+          </a:xfrm>
+        </p:spPr>
+        <p:txBody>
+          <a:bodyPr wrap="square" anchor="ctr">
+            <a:normAutofit/>
+          </a:bodyPr>
+          <a:lstStyle/>
+          <a:p>
+            <a:r>
+              <a:rPr lang="en-US" dirty="0"/>
+              <a:t>Basic Patterns</a:t>
+            </a:r>
+          </a:p>
+        </p:txBody>
+      </p:sp>
+      <p:pic>
+        <p:nvPicPr>
+          <p:cNvPr id="7" name="Picture 6">
+            <a:extLst>
+              <a:ext uri="{FF2B5EF4-FFF2-40B4-BE49-F238E27FC236}">
+                <a16:creationId xmlns:a16="http://schemas.microsoft.com/office/drawing/2014/main" id="{AFF26B33-87C9-1C43-9934-53C424D0E749}"/>
+              </a:ext>
+            </a:extLst>
+          </p:cNvPr>
+          <p:cNvPicPr>
+            <a:picLocks noChangeAspect="1"/>
+          </p:cNvPicPr>
+          <p:nvPr/>
+        </p:nvPicPr>
+        <p:blipFill>
+          <a:blip r:embed="rId2"/>
+          <a:stretch>
+            <a:fillRect/>
+          </a:stretch>
+        </p:blipFill>
+        <p:spPr>
+          <a:xfrm>
             <a:off x="457200" y="1987678"/>
             <a:ext cx="3733800" cy="3117722"/>
           </a:xfrm>
@@ -6092,8 +6784,8 @@
         </p:nvSpPr>
         <p:spPr>
           <a:xfrm>
-            <a:off x="4572000" y="1905000"/>
-            <a:ext cx="3962400" cy="4114800"/>
+            <a:off x="4572000" y="1295400"/>
+            <a:ext cx="3962400" cy="5181600"/>
           </a:xfrm>
         </p:spPr>
         <p:txBody>
@@ -6104,13 +6796,13 @@
           <a:p>
             <a:r>
               <a:rPr lang="en-US" dirty="0"/>
-              <a:t>This also works for user defined structures/objects</a:t>
-            </a:r>
-          </a:p>
-          <a:p>
-            <a:r>
-              <a:rPr lang="en-US" dirty="0"/>
-              <a:t>The expression A(1,2) on the left side is considered a constructor and also a pattern</a:t>
+              <a:t>The idea of constructors on the right representing values and, on the left, representing structure/patterns also works for objects!</a:t>
+            </a:r>
+          </a:p>
+          <a:p>
+            <a:r>
+              <a:rPr lang="en-US" dirty="0"/>
+              <a:t>The expression A(1,2) on the left side is a constructor for the object considered as a pattern</a:t>
             </a:r>
           </a:p>
           <a:p>
@@ -6248,808 +6940,6 @@
 </p:sld>
 </file>
 
-<file path=ppt/slides/slide15.xml><?xml version="1.0" encoding="utf-8"?>
-<p:sld xmlns:a="http://schemas.openxmlformats.org/drawingml/2006/main" xmlns:r="http://schemas.openxmlformats.org/officeDocument/2006/relationships" xmlns:p="http://schemas.openxmlformats.org/presentationml/2006/main">
-  <p:cSld>
-    <p:spTree>
-      <p:nvGrpSpPr>
-        <p:cNvPr id="1" name=""/>
-        <p:cNvGrpSpPr/>
-        <p:nvPr/>
-      </p:nvGrpSpPr>
-      <p:grpSpPr>
-        <a:xfrm>
-          <a:off x="0" y="0"/>
-          <a:ext cx="0" cy="0"/>
-          <a:chOff x="0" y="0"/>
-          <a:chExt cx="0" cy="0"/>
-        </a:xfrm>
-      </p:grpSpPr>
-      <p:sp>
-        <p:nvSpPr>
-          <p:cNvPr id="5" name="Title 4">
-            <a:extLst>
-              <a:ext uri="{FF2B5EF4-FFF2-40B4-BE49-F238E27FC236}">
-                <a16:creationId xmlns:a16="http://schemas.microsoft.com/office/drawing/2014/main" id="{1AF4F978-3E3C-7447-946F-559FC9D1C077}"/>
-              </a:ext>
-            </a:extLst>
-          </p:cNvPr>
-          <p:cNvSpPr>
-            <a:spLocks noGrp="1"/>
-          </p:cNvSpPr>
-          <p:nvPr>
-            <p:ph type="title"/>
-          </p:nvPr>
-        </p:nvSpPr>
-        <p:spPr/>
-        <p:txBody>
-          <a:bodyPr/>
-          <a:lstStyle/>
-          <a:p>
-            <a:r>
-              <a:rPr lang="en-US" dirty="0" err="1"/>
-              <a:t>Destructuring</a:t>
-            </a:r>
-            <a:endParaRPr lang="en-US" dirty="0"/>
-          </a:p>
-        </p:txBody>
-      </p:sp>
-      <p:sp>
-        <p:nvSpPr>
-          <p:cNvPr id="6" name="Content Placeholder 5">
-            <a:extLst>
-              <a:ext uri="{FF2B5EF4-FFF2-40B4-BE49-F238E27FC236}">
-                <a16:creationId xmlns:a16="http://schemas.microsoft.com/office/drawing/2014/main" id="{69CD2371-8322-9A41-A719-261ECC263996}"/>
-              </a:ext>
-            </a:extLst>
-          </p:cNvPr>
-          <p:cNvSpPr>
-            <a:spLocks noGrp="1"/>
-          </p:cNvSpPr>
-          <p:nvPr>
-            <p:ph idx="1"/>
-          </p:nvPr>
-        </p:nvSpPr>
-        <p:spPr>
-          <a:xfrm>
-            <a:off x="1524000" y="1905000"/>
-            <a:ext cx="7010400" cy="1524000"/>
-          </a:xfrm>
-        </p:spPr>
-        <p:txBody>
-          <a:bodyPr>
-            <a:normAutofit fontScale="85000" lnSpcReduction="20000"/>
-          </a:bodyPr>
-          <a:lstStyle/>
-          <a:p>
-            <a:r>
-              <a:rPr lang="en-US" dirty="0"/>
-              <a:t>The idea of </a:t>
-            </a:r>
-            <a:r>
-              <a:rPr lang="en-US" dirty="0" err="1"/>
-              <a:t>destructuring</a:t>
-            </a:r>
-            <a:r>
-              <a:rPr lang="en-US" dirty="0"/>
-              <a:t> is fundamental to pattern matching</a:t>
-            </a:r>
-          </a:p>
-          <a:p>
-            <a:r>
-              <a:rPr lang="en-US" dirty="0"/>
-              <a:t>It makes access to substructures much more readable (and efficient).</a:t>
-            </a:r>
-          </a:p>
-        </p:txBody>
-      </p:sp>
-      <p:pic>
-        <p:nvPicPr>
-          <p:cNvPr id="7" name="Picture 6">
-            <a:extLst>
-              <a:ext uri="{FF2B5EF4-FFF2-40B4-BE49-F238E27FC236}">
-                <a16:creationId xmlns:a16="http://schemas.microsoft.com/office/drawing/2014/main" id="{125A6A26-A408-284D-A5D3-913E31B1906F}"/>
-              </a:ext>
-            </a:extLst>
-          </p:cNvPr>
-          <p:cNvPicPr>
-            <a:picLocks noChangeAspect="1"/>
-          </p:cNvPicPr>
-          <p:nvPr/>
-        </p:nvPicPr>
-        <p:blipFill>
-          <a:blip r:embed="rId2"/>
-          <a:stretch>
-            <a:fillRect/>
-          </a:stretch>
-        </p:blipFill>
-        <p:spPr>
-          <a:xfrm>
-            <a:off x="381000" y="3733800"/>
-            <a:ext cx="5080000" cy="1104900"/>
-          </a:xfrm>
-          <a:prstGeom prst="rect">
-            <a:avLst/>
-          </a:prstGeom>
-          <a:ln>
-            <a:solidFill>
-              <a:schemeClr val="tx1"/>
-            </a:solidFill>
-          </a:ln>
-        </p:spPr>
-      </p:pic>
-      <p:sp>
-        <p:nvSpPr>
-          <p:cNvPr id="8" name="TextBox 7">
-            <a:extLst>
-              <a:ext uri="{FF2B5EF4-FFF2-40B4-BE49-F238E27FC236}">
-                <a16:creationId xmlns:a16="http://schemas.microsoft.com/office/drawing/2014/main" id="{03756C8F-9F25-8C48-9322-F8715F3293D8}"/>
-              </a:ext>
-            </a:extLst>
-          </p:cNvPr>
-          <p:cNvSpPr txBox="1"/>
-          <p:nvPr/>
-        </p:nvSpPr>
-        <p:spPr>
-          <a:xfrm>
-            <a:off x="304800" y="3429000"/>
-            <a:ext cx="3369833" cy="338554"/>
-          </a:xfrm>
-          <a:prstGeom prst="rect">
-            <a:avLst/>
-          </a:prstGeom>
-          <a:noFill/>
-        </p:spPr>
-        <p:txBody>
-          <a:bodyPr wrap="none" rtlCol="0">
-            <a:spAutoFit/>
-          </a:bodyPr>
-          <a:lstStyle/>
-          <a:p>
-            <a:r>
-              <a:rPr lang="en-US" sz="1600" dirty="0">
-                <a:solidFill>
-                  <a:schemeClr val="tx2"/>
-                </a:solidFill>
-              </a:rPr>
-              <a:t>Without structural pattern matching</a:t>
-            </a:r>
-          </a:p>
-        </p:txBody>
-      </p:sp>
-      <p:pic>
-        <p:nvPicPr>
-          <p:cNvPr id="9" name="Picture 8">
-            <a:extLst>
-              <a:ext uri="{FF2B5EF4-FFF2-40B4-BE49-F238E27FC236}">
-                <a16:creationId xmlns:a16="http://schemas.microsoft.com/office/drawing/2014/main" id="{F9B7DA3C-11B5-0647-A4C8-16EABDEC9869}"/>
-              </a:ext>
-            </a:extLst>
-          </p:cNvPr>
-          <p:cNvPicPr>
-            <a:picLocks noChangeAspect="1"/>
-          </p:cNvPicPr>
-          <p:nvPr/>
-        </p:nvPicPr>
-        <p:blipFill>
-          <a:blip r:embed="rId3"/>
-          <a:stretch>
-            <a:fillRect/>
-          </a:stretch>
-        </p:blipFill>
-        <p:spPr>
-          <a:xfrm>
-            <a:off x="673100" y="5490602"/>
-            <a:ext cx="7861300" cy="863600"/>
-          </a:xfrm>
-          <a:prstGeom prst="rect">
-            <a:avLst/>
-          </a:prstGeom>
-          <a:ln>
-            <a:solidFill>
-              <a:schemeClr val="tx1"/>
-            </a:solidFill>
-          </a:ln>
-        </p:spPr>
-      </p:pic>
-      <p:sp>
-        <p:nvSpPr>
-          <p:cNvPr id="10" name="TextBox 9">
-            <a:extLst>
-              <a:ext uri="{FF2B5EF4-FFF2-40B4-BE49-F238E27FC236}">
-                <a16:creationId xmlns:a16="http://schemas.microsoft.com/office/drawing/2014/main" id="{162A76F6-7B4F-1847-A972-BC4167D54106}"/>
-              </a:ext>
-            </a:extLst>
-          </p:cNvPr>
-          <p:cNvSpPr txBox="1"/>
-          <p:nvPr/>
-        </p:nvSpPr>
-        <p:spPr>
-          <a:xfrm>
-            <a:off x="533400" y="5152048"/>
-            <a:ext cx="3084499" cy="338554"/>
-          </a:xfrm>
-          <a:prstGeom prst="rect">
-            <a:avLst/>
-          </a:prstGeom>
-          <a:noFill/>
-        </p:spPr>
-        <p:txBody>
-          <a:bodyPr wrap="none" rtlCol="0">
-            <a:spAutoFit/>
-          </a:bodyPr>
-          <a:lstStyle/>
-          <a:p>
-            <a:r>
-              <a:rPr lang="en-US" sz="1600" dirty="0">
-                <a:solidFill>
-                  <a:schemeClr val="tx2"/>
-                </a:solidFill>
-              </a:rPr>
-              <a:t>With structural pattern matching</a:t>
-            </a:r>
-          </a:p>
-        </p:txBody>
-      </p:sp>
-      <p:sp>
-        <p:nvSpPr>
-          <p:cNvPr id="11" name="TextBox 10">
-            <a:extLst>
-              <a:ext uri="{FF2B5EF4-FFF2-40B4-BE49-F238E27FC236}">
-                <a16:creationId xmlns:a16="http://schemas.microsoft.com/office/drawing/2014/main" id="{F15D09DA-5460-484E-8453-0F4AE9159FD1}"/>
-              </a:ext>
-            </a:extLst>
-          </p:cNvPr>
-          <p:cNvSpPr txBox="1"/>
-          <p:nvPr/>
-        </p:nvSpPr>
-        <p:spPr>
-          <a:xfrm>
-            <a:off x="5732585" y="4126523"/>
-            <a:ext cx="1696298" cy="307777"/>
-          </a:xfrm>
-          <a:prstGeom prst="rect">
-            <a:avLst/>
-          </a:prstGeom>
-          <a:noFill/>
-        </p:spPr>
-        <p:txBody>
-          <a:bodyPr wrap="none" rtlCol="0">
-            <a:spAutoFit/>
-          </a:bodyPr>
-          <a:lstStyle/>
-          <a:p>
-            <a:r>
-              <a:rPr lang="en-US" sz="1400" dirty="0"/>
-              <a:t>ln004/destruct1.ast</a:t>
-            </a:r>
-          </a:p>
-        </p:txBody>
-      </p:sp>
-      <p:sp>
-        <p:nvSpPr>
-          <p:cNvPr id="12" name="TextBox 11">
-            <a:extLst>
-              <a:ext uri="{FF2B5EF4-FFF2-40B4-BE49-F238E27FC236}">
-                <a16:creationId xmlns:a16="http://schemas.microsoft.com/office/drawing/2014/main" id="{7BDF03C6-E031-374D-8349-8C7A0A611C66}"/>
-              </a:ext>
-            </a:extLst>
-          </p:cNvPr>
-          <p:cNvSpPr txBox="1"/>
-          <p:nvPr/>
-        </p:nvSpPr>
-        <p:spPr>
-          <a:xfrm>
-            <a:off x="6166338" y="5216769"/>
-            <a:ext cx="1696298" cy="307777"/>
-          </a:xfrm>
-          <a:prstGeom prst="rect">
-            <a:avLst/>
-          </a:prstGeom>
-          <a:noFill/>
-        </p:spPr>
-        <p:txBody>
-          <a:bodyPr wrap="none" rtlCol="0">
-            <a:spAutoFit/>
-          </a:bodyPr>
-          <a:lstStyle/>
-          <a:p>
-            <a:r>
-              <a:rPr lang="en-US" sz="1400" dirty="0"/>
-              <a:t>ln004/destruct2.ast</a:t>
-            </a:r>
-          </a:p>
-        </p:txBody>
-      </p:sp>
-    </p:spTree>
-    <p:extLst>
-      <p:ext uri="{BB962C8B-B14F-4D97-AF65-F5344CB8AC3E}">
-        <p14:creationId xmlns:p14="http://schemas.microsoft.com/office/powerpoint/2010/main" val="21942942"/>
-      </p:ext>
-    </p:extLst>
-  </p:cSld>
-  <p:clrMapOvr>
-    <a:masterClrMapping/>
-  </p:clrMapOvr>
-</p:sld>
-</file>
-
-<file path=ppt/slides/slide16.xml><?xml version="1.0" encoding="utf-8"?>
-<p:sld xmlns:a="http://schemas.openxmlformats.org/drawingml/2006/main" xmlns:r="http://schemas.openxmlformats.org/officeDocument/2006/relationships" xmlns:p="http://schemas.openxmlformats.org/presentationml/2006/main">
-  <p:cSld>
-    <p:spTree>
-      <p:nvGrpSpPr>
-        <p:cNvPr id="1" name=""/>
-        <p:cNvGrpSpPr/>
-        <p:nvPr/>
-      </p:nvGrpSpPr>
-      <p:grpSpPr>
-        <a:xfrm>
-          <a:off x="0" y="0"/>
-          <a:ext cx="0" cy="0"/>
-          <a:chOff x="0" y="0"/>
-          <a:chExt cx="0" cy="0"/>
-        </a:xfrm>
-      </p:grpSpPr>
-      <p:sp>
-        <p:nvSpPr>
-          <p:cNvPr id="2" name="Title 1">
-            <a:extLst>
-              <a:ext uri="{FF2B5EF4-FFF2-40B4-BE49-F238E27FC236}">
-                <a16:creationId xmlns:a16="http://schemas.microsoft.com/office/drawing/2014/main" id="{87B2FF73-ABA1-8B4C-BBB2-1C960345FAA7}"/>
-              </a:ext>
-            </a:extLst>
-          </p:cNvPr>
-          <p:cNvSpPr>
-            <a:spLocks noGrp="1"/>
-          </p:cNvSpPr>
-          <p:nvPr>
-            <p:ph type="title"/>
-          </p:nvPr>
-        </p:nvSpPr>
-        <p:spPr/>
-        <p:txBody>
-          <a:bodyPr/>
-          <a:lstStyle/>
-          <a:p>
-            <a:r>
-              <a:rPr lang="en-US" dirty="0" err="1"/>
-              <a:t>Destructuring</a:t>
-            </a:r>
-            <a:endParaRPr lang="en-US" dirty="0"/>
-          </a:p>
-        </p:txBody>
-      </p:sp>
-      <p:sp>
-        <p:nvSpPr>
-          <p:cNvPr id="3" name="Content Placeholder 2">
-            <a:extLst>
-              <a:ext uri="{FF2B5EF4-FFF2-40B4-BE49-F238E27FC236}">
-                <a16:creationId xmlns:a16="http://schemas.microsoft.com/office/drawing/2014/main" id="{57910267-28F9-8944-ADDD-99D9FD7CFE00}"/>
-              </a:ext>
-            </a:extLst>
-          </p:cNvPr>
-          <p:cNvSpPr>
-            <a:spLocks noGrp="1"/>
-          </p:cNvSpPr>
-          <p:nvPr>
-            <p:ph idx="1"/>
-          </p:nvPr>
-        </p:nvSpPr>
-        <p:spPr>
-          <a:xfrm>
-            <a:off x="1524000" y="1905000"/>
-            <a:ext cx="7010400" cy="1066800"/>
-          </a:xfrm>
-        </p:spPr>
-        <p:txBody>
-          <a:bodyPr/>
-          <a:lstStyle/>
-          <a:p>
-            <a:r>
-              <a:rPr lang="en-US" dirty="0"/>
-              <a:t>Here is another example using structures and objects</a:t>
-            </a:r>
-          </a:p>
-        </p:txBody>
-      </p:sp>
-      <p:pic>
-        <p:nvPicPr>
-          <p:cNvPr id="4" name="Picture 3">
-            <a:extLst>
-              <a:ext uri="{FF2B5EF4-FFF2-40B4-BE49-F238E27FC236}">
-                <a16:creationId xmlns:a16="http://schemas.microsoft.com/office/drawing/2014/main" id="{44BC914B-6B85-9E40-B4B4-5FE3B7AF3FA6}"/>
-              </a:ext>
-            </a:extLst>
-          </p:cNvPr>
-          <p:cNvPicPr>
-            <a:picLocks noChangeAspect="1"/>
-          </p:cNvPicPr>
-          <p:nvPr/>
-        </p:nvPicPr>
-        <p:blipFill>
-          <a:blip r:embed="rId2"/>
-          <a:stretch>
-            <a:fillRect/>
-          </a:stretch>
-        </p:blipFill>
-        <p:spPr>
-          <a:xfrm>
-            <a:off x="990600" y="3186479"/>
-            <a:ext cx="6985000" cy="2794000"/>
-          </a:xfrm>
-          <a:prstGeom prst="rect">
-            <a:avLst/>
-          </a:prstGeom>
-          <a:ln>
-            <a:solidFill>
-              <a:schemeClr val="tx2"/>
-            </a:solidFill>
-          </a:ln>
-        </p:spPr>
-      </p:pic>
-      <p:sp>
-        <p:nvSpPr>
-          <p:cNvPr id="5" name="TextBox 4">
-            <a:extLst>
-              <a:ext uri="{FF2B5EF4-FFF2-40B4-BE49-F238E27FC236}">
-                <a16:creationId xmlns:a16="http://schemas.microsoft.com/office/drawing/2014/main" id="{3F30A8CC-F02F-474A-840E-8A807C395A5F}"/>
-              </a:ext>
-            </a:extLst>
-          </p:cNvPr>
-          <p:cNvSpPr txBox="1"/>
-          <p:nvPr/>
-        </p:nvSpPr>
-        <p:spPr>
-          <a:xfrm>
-            <a:off x="4091354" y="6271846"/>
-            <a:ext cx="1696298" cy="307777"/>
-          </a:xfrm>
-          <a:prstGeom prst="rect">
-            <a:avLst/>
-          </a:prstGeom>
-          <a:noFill/>
-        </p:spPr>
-        <p:txBody>
-          <a:bodyPr wrap="none" rtlCol="0">
-            <a:spAutoFit/>
-          </a:bodyPr>
-          <a:lstStyle/>
-          <a:p>
-            <a:r>
-              <a:rPr lang="en-US" sz="1400" dirty="0"/>
-              <a:t>ln004/destruct3.ast</a:t>
-            </a:r>
-          </a:p>
-        </p:txBody>
-      </p:sp>
-    </p:spTree>
-    <p:extLst>
-      <p:ext uri="{BB962C8B-B14F-4D97-AF65-F5344CB8AC3E}">
-        <p14:creationId xmlns:p14="http://schemas.microsoft.com/office/powerpoint/2010/main" val="3185682571"/>
-      </p:ext>
-    </p:extLst>
-  </p:cSld>
-  <p:clrMapOvr>
-    <a:masterClrMapping/>
-  </p:clrMapOvr>
-</p:sld>
-</file>
-
-<file path=ppt/slides/slide17.xml><?xml version="1.0" encoding="utf-8"?>
-<p:sld xmlns:a="http://schemas.openxmlformats.org/drawingml/2006/main" xmlns:r="http://schemas.openxmlformats.org/officeDocument/2006/relationships" xmlns:p="http://schemas.openxmlformats.org/presentationml/2006/main">
-  <p:cSld>
-    <p:spTree>
-      <p:nvGrpSpPr>
-        <p:cNvPr id="1" name=""/>
-        <p:cNvGrpSpPr/>
-        <p:nvPr/>
-      </p:nvGrpSpPr>
-      <p:grpSpPr>
-        <a:xfrm>
-          <a:off x="0" y="0"/>
-          <a:ext cx="0" cy="0"/>
-          <a:chOff x="0" y="0"/>
-          <a:chExt cx="0" cy="0"/>
-        </a:xfrm>
-      </p:grpSpPr>
-      <p:sp>
-        <p:nvSpPr>
-          <p:cNvPr id="2" name="Title 1">
-            <a:extLst>
-              <a:ext uri="{FF2B5EF4-FFF2-40B4-BE49-F238E27FC236}">
-                <a16:creationId xmlns:a16="http://schemas.microsoft.com/office/drawing/2014/main" id="{63E6D85F-5E84-D44B-9B5C-300F6E3DB4B4}"/>
-              </a:ext>
-            </a:extLst>
-          </p:cNvPr>
-          <p:cNvSpPr>
-            <a:spLocks noGrp="1"/>
-          </p:cNvSpPr>
-          <p:nvPr>
-            <p:ph type="title"/>
-          </p:nvPr>
-        </p:nvSpPr>
-        <p:spPr/>
-        <p:txBody>
-          <a:bodyPr/>
-          <a:lstStyle/>
-          <a:p>
-            <a:r>
-              <a:rPr lang="en-US" dirty="0"/>
-              <a:t>Basic Pattern Matching Summary</a:t>
-            </a:r>
-          </a:p>
-        </p:txBody>
-      </p:sp>
-      <p:sp>
-        <p:nvSpPr>
-          <p:cNvPr id="3" name="Content Placeholder 2">
-            <a:extLst>
-              <a:ext uri="{FF2B5EF4-FFF2-40B4-BE49-F238E27FC236}">
-                <a16:creationId xmlns:a16="http://schemas.microsoft.com/office/drawing/2014/main" id="{9E6BF871-97CA-5F43-BEF7-D514A7A67A62}"/>
-              </a:ext>
-            </a:extLst>
-          </p:cNvPr>
-          <p:cNvSpPr>
-            <a:spLocks noGrp="1"/>
-          </p:cNvSpPr>
-          <p:nvPr>
-            <p:ph idx="1"/>
-          </p:nvPr>
-        </p:nvSpPr>
-        <p:spPr/>
-        <p:txBody>
-          <a:bodyPr>
-            <a:normAutofit fontScale="70000" lnSpcReduction="20000"/>
-          </a:bodyPr>
-          <a:lstStyle/>
-          <a:p>
-            <a:r>
-              <a:rPr lang="en-US" dirty="0"/>
-              <a:t>The let statement</a:t>
-            </a:r>
-            <a:br>
-              <a:rPr lang="en-US" dirty="0"/>
-            </a:br>
-            <a:r>
-              <a:rPr lang="en-US" dirty="0"/>
-              <a:t>    let &lt;pattern&gt; = value .</a:t>
-            </a:r>
-          </a:p>
-          <a:p>
-            <a:r>
-              <a:rPr lang="en-US" dirty="0"/>
-              <a:t>On the right side of equal sign constructors represent values</a:t>
-            </a:r>
-          </a:p>
-          <a:p>
-            <a:pPr lvl="1"/>
-            <a:r>
-              <a:rPr lang="en-US" dirty="0"/>
-              <a:t>Operators/functions are allowed</a:t>
-            </a:r>
-          </a:p>
-          <a:p>
-            <a:r>
-              <a:rPr lang="en-US" dirty="0"/>
-              <a:t>On the left side constructors represent structure</a:t>
-            </a:r>
-          </a:p>
-          <a:p>
-            <a:pPr lvl="1"/>
-            <a:r>
-              <a:rPr lang="en-US" dirty="0"/>
-              <a:t>Operators/functions are </a:t>
-            </a:r>
-            <a:r>
-              <a:rPr lang="en-US" b="1" dirty="0"/>
-              <a:t>not</a:t>
-            </a:r>
-            <a:r>
-              <a:rPr lang="en-US" dirty="0"/>
-              <a:t> allowed</a:t>
-            </a:r>
-          </a:p>
-          <a:p>
-            <a:pPr lvl="1"/>
-            <a:r>
-              <a:rPr lang="en-US" dirty="0"/>
-              <a:t>Constructors must minimally represent structure</a:t>
-            </a:r>
-          </a:p>
-          <a:p>
-            <a:r>
-              <a:rPr lang="en-US" dirty="0"/>
-              <a:t>Variables are allowed in patterns for partial matches/</a:t>
-            </a:r>
-            <a:r>
-              <a:rPr lang="en-US" dirty="0" err="1"/>
-              <a:t>destructuring</a:t>
-            </a:r>
-            <a:endParaRPr lang="en-US" dirty="0"/>
-          </a:p>
-          <a:p>
-            <a:r>
-              <a:rPr lang="en-US" dirty="0"/>
-              <a:t>Pattern matching is part of a programming paradigm called </a:t>
-            </a:r>
-            <a:r>
-              <a:rPr lang="en-US" b="1" dirty="0"/>
-              <a:t>declarative programming</a:t>
-            </a:r>
-          </a:p>
-          <a:p>
-            <a:pPr lvl="1"/>
-            <a:r>
-              <a:rPr lang="en-US" dirty="0"/>
-              <a:t>We will look at this more carefully when we examine control structures in Asteroid.</a:t>
-            </a:r>
-          </a:p>
-          <a:p>
-            <a:pPr lvl="1"/>
-            <a:endParaRPr lang="en-US" dirty="0"/>
-          </a:p>
-          <a:p>
-            <a:pPr lvl="1"/>
-            <a:endParaRPr lang="en-US" dirty="0"/>
-          </a:p>
-        </p:txBody>
-      </p:sp>
-    </p:spTree>
-    <p:extLst>
-      <p:ext uri="{BB962C8B-B14F-4D97-AF65-F5344CB8AC3E}">
-        <p14:creationId xmlns:p14="http://schemas.microsoft.com/office/powerpoint/2010/main" val="3741227975"/>
-      </p:ext>
-    </p:extLst>
-  </p:cSld>
-  <p:clrMapOvr>
-    <a:masterClrMapping/>
-  </p:clrMapOvr>
-</p:sld>
-</file>
-
-<file path=ppt/slides/slide18.xml><?xml version="1.0" encoding="utf-8"?>
-<p:sld xmlns:a="http://schemas.openxmlformats.org/drawingml/2006/main" xmlns:r="http://schemas.openxmlformats.org/officeDocument/2006/relationships" xmlns:p="http://schemas.openxmlformats.org/presentationml/2006/main">
-  <p:cSld>
-    <p:spTree>
-      <p:nvGrpSpPr>
-        <p:cNvPr id="1" name=""/>
-        <p:cNvGrpSpPr/>
-        <p:nvPr/>
-      </p:nvGrpSpPr>
-      <p:grpSpPr>
-        <a:xfrm>
-          <a:off x="0" y="0"/>
-          <a:ext cx="0" cy="0"/>
-          <a:chOff x="0" y="0"/>
-          <a:chExt cx="0" cy="0"/>
-        </a:xfrm>
-      </p:grpSpPr>
-      <p:sp>
-        <p:nvSpPr>
-          <p:cNvPr id="2" name="Title 1">
-            <a:extLst>
-              <a:ext uri="{FF2B5EF4-FFF2-40B4-BE49-F238E27FC236}">
-                <a16:creationId xmlns:a16="http://schemas.microsoft.com/office/drawing/2014/main" id="{E8C29327-0FF2-D34A-A7BF-A39E5934A183}"/>
-              </a:ext>
-            </a:extLst>
-          </p:cNvPr>
-          <p:cNvSpPr>
-            <a:spLocks noGrp="1"/>
-          </p:cNvSpPr>
-          <p:nvPr>
-            <p:ph type="title"/>
-          </p:nvPr>
-        </p:nvSpPr>
-        <p:spPr/>
-        <p:txBody>
-          <a:bodyPr/>
-          <a:lstStyle/>
-          <a:p>
-            <a:r>
-              <a:rPr lang="en-US" dirty="0"/>
-              <a:t>Pattern Matching in Python</a:t>
-            </a:r>
-          </a:p>
-        </p:txBody>
-      </p:sp>
-      <p:sp>
-        <p:nvSpPr>
-          <p:cNvPr id="3" name="Content Placeholder 2">
-            <a:extLst>
-              <a:ext uri="{FF2B5EF4-FFF2-40B4-BE49-F238E27FC236}">
-                <a16:creationId xmlns:a16="http://schemas.microsoft.com/office/drawing/2014/main" id="{5B84DB07-3A63-5A4F-B3AF-2A2AFA8149CE}"/>
-              </a:ext>
-            </a:extLst>
-          </p:cNvPr>
-          <p:cNvSpPr>
-            <a:spLocks noGrp="1"/>
-          </p:cNvSpPr>
-          <p:nvPr>
-            <p:ph idx="1"/>
-          </p:nvPr>
-        </p:nvSpPr>
-        <p:spPr>
-          <a:xfrm>
-            <a:off x="1524000" y="1676400"/>
-            <a:ext cx="7010400" cy="1905000"/>
-          </a:xfrm>
-        </p:spPr>
-        <p:txBody>
-          <a:bodyPr>
-            <a:normAutofit/>
-          </a:bodyPr>
-          <a:lstStyle/>
-          <a:p>
-            <a:r>
-              <a:rPr lang="en-US" dirty="0"/>
-              <a:t>Limited pattern matching available with the assignment statement</a:t>
-            </a:r>
-          </a:p>
-          <a:p>
-            <a:pPr lvl="1"/>
-            <a:r>
-              <a:rPr lang="en-US" dirty="0"/>
-              <a:t>Called </a:t>
-            </a:r>
-            <a:r>
-              <a:rPr lang="en-US" b="1" dirty="0" err="1"/>
-              <a:t>destructuring</a:t>
-            </a:r>
-            <a:r>
-              <a:rPr lang="en-US" dirty="0"/>
-              <a:t> assignment</a:t>
-            </a:r>
-          </a:p>
-        </p:txBody>
-      </p:sp>
-      <p:pic>
-        <p:nvPicPr>
-          <p:cNvPr id="5" name="Picture 4">
-            <a:extLst>
-              <a:ext uri="{FF2B5EF4-FFF2-40B4-BE49-F238E27FC236}">
-                <a16:creationId xmlns:a16="http://schemas.microsoft.com/office/drawing/2014/main" id="{1ABD9459-AC71-D24B-82C5-648CD3F83A8A}"/>
-              </a:ext>
-            </a:extLst>
-          </p:cNvPr>
-          <p:cNvPicPr>
-            <a:picLocks noChangeAspect="1"/>
-          </p:cNvPicPr>
-          <p:nvPr/>
-        </p:nvPicPr>
-        <p:blipFill rotWithShape="1">
-          <a:blip r:embed="rId2"/>
-          <a:srcRect t="3500"/>
-          <a:stretch/>
-        </p:blipFill>
-        <p:spPr>
-          <a:xfrm>
-            <a:off x="2895600" y="4000500"/>
-            <a:ext cx="2527300" cy="2451100"/>
-          </a:xfrm>
-          <a:prstGeom prst="rect">
-            <a:avLst/>
-          </a:prstGeom>
-          <a:ln>
-            <a:solidFill>
-              <a:schemeClr val="tx2"/>
-            </a:solidFill>
-          </a:ln>
-        </p:spPr>
-      </p:pic>
-    </p:spTree>
-    <p:extLst>
-      <p:ext uri="{BB962C8B-B14F-4D97-AF65-F5344CB8AC3E}">
-        <p14:creationId xmlns:p14="http://schemas.microsoft.com/office/powerpoint/2010/main" val="2121341352"/>
-      </p:ext>
-    </p:extLst>
-  </p:cSld>
-  <p:clrMapOvr>
-    <a:masterClrMapping/>
-  </p:clrMapOvr>
-</p:sld>
-</file>
-
 <file path=ppt/slides/slide19.xml><?xml version="1.0" encoding="utf-8"?>
 <p:sld xmlns:a="http://schemas.openxmlformats.org/drawingml/2006/main" xmlns:r="http://schemas.openxmlformats.org/officeDocument/2006/relationships" xmlns:p="http://schemas.openxmlformats.org/presentationml/2006/main">
   <p:cSld>
@@ -7069,10 +6959,10 @@
       </p:grpSpPr>
       <p:sp>
         <p:nvSpPr>
-          <p:cNvPr id="2" name="Title 1">
-            <a:extLst>
-              <a:ext uri="{FF2B5EF4-FFF2-40B4-BE49-F238E27FC236}">
-                <a16:creationId xmlns:a16="http://schemas.microsoft.com/office/drawing/2014/main" id="{E8C29327-0FF2-D34A-A7BF-A39E5934A183}"/>
+          <p:cNvPr id="5" name="Title 4">
+            <a:extLst>
+              <a:ext uri="{FF2B5EF4-FFF2-40B4-BE49-F238E27FC236}">
+                <a16:creationId xmlns:a16="http://schemas.microsoft.com/office/drawing/2014/main" id="{1AF4F978-3E3C-7447-946F-559FC9D1C077}"/>
               </a:ext>
             </a:extLst>
           </p:cNvPr>
@@ -7089,18 +6979,19 @@
           <a:lstStyle/>
           <a:p>
             <a:r>
-              <a:rPr lang="en-US" dirty="0"/>
-              <a:t>Pattern Matching in Python</a:t>
-            </a:r>
-          </a:p>
-        </p:txBody>
-      </p:sp>
-      <p:sp>
-        <p:nvSpPr>
-          <p:cNvPr id="3" name="Content Placeholder 2">
-            <a:extLst>
-              <a:ext uri="{FF2B5EF4-FFF2-40B4-BE49-F238E27FC236}">
-                <a16:creationId xmlns:a16="http://schemas.microsoft.com/office/drawing/2014/main" id="{5B84DB07-3A63-5A4F-B3AF-2A2AFA8149CE}"/>
+              <a:rPr lang="en-US" dirty="0" err="1"/>
+              <a:t>Destructuring</a:t>
+            </a:r>
+            <a:endParaRPr lang="en-US" dirty="0"/>
+          </a:p>
+        </p:txBody>
+      </p:sp>
+      <p:sp>
+        <p:nvSpPr>
+          <p:cNvPr id="6" name="Content Placeholder 5">
+            <a:extLst>
+              <a:ext uri="{FF2B5EF4-FFF2-40B4-BE49-F238E27FC236}">
+                <a16:creationId xmlns:a16="http://schemas.microsoft.com/office/drawing/2014/main" id="{69CD2371-8322-9A41-A719-261ECC263996}"/>
               </a:ext>
             </a:extLst>
           </p:cNvPr>
@@ -7113,29 +7004,43 @@
         </p:nvSpPr>
         <p:spPr>
           <a:xfrm>
-            <a:off x="1524000" y="1676400"/>
-            <a:ext cx="7010400" cy="838200"/>
+            <a:off x="1524000" y="1905000"/>
+            <a:ext cx="7010400" cy="1524000"/>
           </a:xfrm>
         </p:spPr>
         <p:txBody>
           <a:bodyPr>
-            <a:normAutofit fontScale="92500" lnSpcReduction="20000"/>
+            <a:normAutofit fontScale="85000" lnSpcReduction="20000"/>
           </a:bodyPr>
           <a:lstStyle/>
           <a:p>
             <a:r>
               <a:rPr lang="en-US" dirty="0"/>
-              <a:t>The match statement as of 3.10 provides a bit more functionality</a:t>
+              <a:t>The idea of </a:t>
+            </a:r>
+            <a:r>
+              <a:rPr lang="en-US" dirty="0" err="1"/>
+              <a:t>destructuring</a:t>
+            </a:r>
+            <a:r>
+              <a:rPr lang="en-US" dirty="0"/>
+              <a:t> is fundamental to pattern matching</a:t>
+            </a:r>
+          </a:p>
+          <a:p>
+            <a:r>
+              <a:rPr lang="en-US" dirty="0"/>
+              <a:t>It makes access to substructures much more readable (and efficient).</a:t>
             </a:r>
           </a:p>
         </p:txBody>
       </p:sp>
       <p:pic>
         <p:nvPicPr>
-          <p:cNvPr id="5" name="Picture 4">
-            <a:extLst>
-              <a:ext uri="{FF2B5EF4-FFF2-40B4-BE49-F238E27FC236}">
-                <a16:creationId xmlns:a16="http://schemas.microsoft.com/office/drawing/2014/main" id="{B21EEF00-80BA-C244-9D4F-C0381F7748A1}"/>
+          <p:cNvPr id="7" name="Picture 6">
+            <a:extLst>
+              <a:ext uri="{FF2B5EF4-FFF2-40B4-BE49-F238E27FC236}">
+                <a16:creationId xmlns:a16="http://schemas.microsoft.com/office/drawing/2014/main" id="{125A6A26-A408-284D-A5D3-913E31B1906F}"/>
               </a:ext>
             </a:extLst>
           </p:cNvPr>
@@ -7152,25 +7057,64 @@
         </p:blipFill>
         <p:spPr>
           <a:xfrm>
-            <a:off x="381000" y="2616201"/>
-            <a:ext cx="4038600" cy="1727200"/>
+            <a:off x="381000" y="3733800"/>
+            <a:ext cx="5080000" cy="1104900"/>
           </a:xfrm>
           <a:prstGeom prst="rect">
             <a:avLst/>
           </a:prstGeom>
           <a:ln>
             <a:solidFill>
-              <a:schemeClr val="tx2"/>
+              <a:schemeClr val="tx1"/>
             </a:solidFill>
           </a:ln>
         </p:spPr>
       </p:pic>
+      <p:sp>
+        <p:nvSpPr>
+          <p:cNvPr id="8" name="TextBox 7">
+            <a:extLst>
+              <a:ext uri="{FF2B5EF4-FFF2-40B4-BE49-F238E27FC236}">
+                <a16:creationId xmlns:a16="http://schemas.microsoft.com/office/drawing/2014/main" id="{03756C8F-9F25-8C48-9322-F8715F3293D8}"/>
+              </a:ext>
+            </a:extLst>
+          </p:cNvPr>
+          <p:cNvSpPr txBox="1"/>
+          <p:nvPr/>
+        </p:nvSpPr>
+        <p:spPr>
+          <a:xfrm>
+            <a:off x="304800" y="3429000"/>
+            <a:ext cx="3369833" cy="338554"/>
+          </a:xfrm>
+          <a:prstGeom prst="rect">
+            <a:avLst/>
+          </a:prstGeom>
+          <a:noFill/>
+        </p:spPr>
+        <p:txBody>
+          <a:bodyPr wrap="none" rtlCol="0">
+            <a:spAutoFit/>
+          </a:bodyPr>
+          <a:lstStyle/>
+          <a:p>
+            <a:r>
+              <a:rPr lang="en-US" sz="1600" dirty="0">
+                <a:solidFill>
+                  <a:schemeClr val="tx2"/>
+                </a:solidFill>
+              </a:rPr>
+              <a:t>Without structural pattern matching</a:t>
+            </a:r>
+          </a:p>
+        </p:txBody>
+      </p:sp>
       <p:pic>
         <p:nvPicPr>
-          <p:cNvPr id="6" name="Picture 5">
-            <a:extLst>
-              <a:ext uri="{FF2B5EF4-FFF2-40B4-BE49-F238E27FC236}">
-                <a16:creationId xmlns:a16="http://schemas.microsoft.com/office/drawing/2014/main" id="{C9A4CF8E-8072-2441-8A24-6252220205E9}"/>
+          <p:cNvPr id="9" name="Picture 8">
+            <a:extLst>
+              <a:ext uri="{FF2B5EF4-FFF2-40B4-BE49-F238E27FC236}">
+                <a16:creationId xmlns:a16="http://schemas.microsoft.com/office/drawing/2014/main" id="{F9B7DA3C-11B5-0647-A4C8-16EABDEC9869}"/>
               </a:ext>
             </a:extLst>
           </p:cNvPr>
@@ -7187,25 +7131,25 @@
         </p:blipFill>
         <p:spPr>
           <a:xfrm>
-            <a:off x="4267200" y="3048000"/>
-            <a:ext cx="4267200" cy="3447738"/>
+            <a:off x="673100" y="5490602"/>
+            <a:ext cx="7861300" cy="863600"/>
           </a:xfrm>
           <a:prstGeom prst="rect">
             <a:avLst/>
           </a:prstGeom>
           <a:ln>
             <a:solidFill>
-              <a:schemeClr val="tx2"/>
+              <a:schemeClr val="tx1"/>
             </a:solidFill>
           </a:ln>
         </p:spPr>
       </p:pic>
       <p:sp>
         <p:nvSpPr>
-          <p:cNvPr id="7" name="TextBox 6">
-            <a:extLst>
-              <a:ext uri="{FF2B5EF4-FFF2-40B4-BE49-F238E27FC236}">
-                <a16:creationId xmlns:a16="http://schemas.microsoft.com/office/drawing/2014/main" id="{FD410AAD-83B4-CA44-83CE-75DEFC18BA9B}"/>
+          <p:cNvPr id="10" name="TextBox 9">
+            <a:extLst>
+              <a:ext uri="{FF2B5EF4-FFF2-40B4-BE49-F238E27FC236}">
+                <a16:creationId xmlns:a16="http://schemas.microsoft.com/office/drawing/2014/main" id="{162A76F6-7B4F-1847-A972-BC4167D54106}"/>
               </a:ext>
             </a:extLst>
           </p:cNvPr>
@@ -7214,8 +7158,8 @@
         </p:nvSpPr>
         <p:spPr>
           <a:xfrm>
-            <a:off x="246185" y="5990492"/>
-            <a:ext cx="2858475" cy="307777"/>
+            <a:off x="533400" y="5152048"/>
+            <a:ext cx="3084499" cy="338554"/>
           </a:xfrm>
           <a:prstGeom prst="rect">
             <a:avLst/>
@@ -7229,26 +7173,22 @@
           <a:lstStyle/>
           <a:p>
             <a:r>
-              <a:rPr lang="en-US" sz="1400" dirty="0"/>
-              <a:t>https://</a:t>
-            </a:r>
-            <a:r>
-              <a:rPr lang="en-US" sz="1400" dirty="0" err="1"/>
-              <a:t>peps.python.org</a:t>
-            </a:r>
-            <a:r>
-              <a:rPr lang="en-US" sz="1400" dirty="0"/>
-              <a:t>/pep-0636/</a:t>
-            </a:r>
-          </a:p>
-        </p:txBody>
-      </p:sp>
-      <p:sp>
-        <p:nvSpPr>
-          <p:cNvPr id="8" name="TextBox 7">
-            <a:extLst>
-              <a:ext uri="{FF2B5EF4-FFF2-40B4-BE49-F238E27FC236}">
-                <a16:creationId xmlns:a16="http://schemas.microsoft.com/office/drawing/2014/main" id="{C87107F4-F5F0-B440-B5EC-0CB34E1615FB}"/>
+              <a:rPr lang="en-US" sz="1600" dirty="0">
+                <a:solidFill>
+                  <a:schemeClr val="tx2"/>
+                </a:solidFill>
+              </a:rPr>
+              <a:t>With structural pattern matching</a:t>
+            </a:r>
+          </a:p>
+        </p:txBody>
+      </p:sp>
+      <p:sp>
+        <p:nvSpPr>
+          <p:cNvPr id="11" name="TextBox 10">
+            <a:extLst>
+              <a:ext uri="{FF2B5EF4-FFF2-40B4-BE49-F238E27FC236}">
+                <a16:creationId xmlns:a16="http://schemas.microsoft.com/office/drawing/2014/main" id="{F15D09DA-5460-484E-8453-0F4AE9159FD1}"/>
               </a:ext>
             </a:extLst>
           </p:cNvPr>
@@ -7257,8 +7197,8 @@
         </p:nvSpPr>
         <p:spPr>
           <a:xfrm>
-            <a:off x="6060831" y="2743200"/>
-            <a:ext cx="1646605" cy="307777"/>
+            <a:off x="5732585" y="4126523"/>
+            <a:ext cx="1696298" cy="307777"/>
           </a:xfrm>
           <a:prstGeom prst="rect">
             <a:avLst/>
@@ -7273,7 +7213,42 @@
           <a:p>
             <a:r>
               <a:rPr lang="en-US" sz="1400" dirty="0"/>
-              <a:t>ln004/destruct3.py</a:t>
+              <a:t>ln004/destruct1.ast</a:t>
+            </a:r>
+          </a:p>
+        </p:txBody>
+      </p:sp>
+      <p:sp>
+        <p:nvSpPr>
+          <p:cNvPr id="12" name="TextBox 11">
+            <a:extLst>
+              <a:ext uri="{FF2B5EF4-FFF2-40B4-BE49-F238E27FC236}">
+                <a16:creationId xmlns:a16="http://schemas.microsoft.com/office/drawing/2014/main" id="{7BDF03C6-E031-374D-8349-8C7A0A611C66}"/>
+              </a:ext>
+            </a:extLst>
+          </p:cNvPr>
+          <p:cNvSpPr txBox="1"/>
+          <p:nvPr/>
+        </p:nvSpPr>
+        <p:spPr>
+          <a:xfrm>
+            <a:off x="6166338" y="5216769"/>
+            <a:ext cx="1696298" cy="307777"/>
+          </a:xfrm>
+          <a:prstGeom prst="rect">
+            <a:avLst/>
+          </a:prstGeom>
+          <a:noFill/>
+        </p:spPr>
+        <p:txBody>
+          <a:bodyPr wrap="none" rtlCol="0">
+            <a:spAutoFit/>
+          </a:bodyPr>
+          <a:lstStyle/>
+          <a:p>
+            <a:r>
+              <a:rPr lang="en-US" sz="1400" dirty="0"/>
+              <a:t>ln004/destruct2.ast</a:t>
             </a:r>
           </a:p>
         </p:txBody>
@@ -7281,7 +7256,7 @@
     </p:spTree>
     <p:extLst>
       <p:ext uri="{BB962C8B-B14F-4D97-AF65-F5344CB8AC3E}">
-        <p14:creationId xmlns:p14="http://schemas.microsoft.com/office/powerpoint/2010/main" val="3899810227"/>
+        <p14:creationId xmlns:p14="http://schemas.microsoft.com/office/powerpoint/2010/main" val="21942942"/>
       </p:ext>
     </p:extLst>
   </p:cSld>
@@ -7492,7 +7467,7 @@
           <p:cNvPr id="2" name="Title 1">
             <a:extLst>
               <a:ext uri="{FF2B5EF4-FFF2-40B4-BE49-F238E27FC236}">
-                <a16:creationId xmlns:a16="http://schemas.microsoft.com/office/drawing/2014/main" id="{96CD2FA5-F967-B640-AF84-20CD34541D5F}"/>
+                <a16:creationId xmlns:a16="http://schemas.microsoft.com/office/drawing/2014/main" id="{87B2FF73-ABA1-8B4C-BBB2-1C960345FAA7}"/>
               </a:ext>
             </a:extLst>
           </p:cNvPr>
@@ -7509,9 +7484,10 @@
           <a:lstStyle/>
           <a:p>
             <a:r>
-              <a:rPr lang="en-US" dirty="0"/>
-              <a:t>Pattern Matching in Rust</a:t>
-            </a:r>
+              <a:rPr lang="en-US" dirty="0" err="1"/>
+              <a:t>Destructuring</a:t>
+            </a:r>
+            <a:endParaRPr lang="en-US" dirty="0"/>
           </a:p>
         </p:txBody>
       </p:sp>
@@ -7520,7 +7496,7 @@
           <p:cNvPr id="3" name="Content Placeholder 2">
             <a:extLst>
               <a:ext uri="{FF2B5EF4-FFF2-40B4-BE49-F238E27FC236}">
-                <a16:creationId xmlns:a16="http://schemas.microsoft.com/office/drawing/2014/main" id="{35CAA96F-C6D7-9248-9A60-9A8AE269211D}"/>
+                <a16:creationId xmlns:a16="http://schemas.microsoft.com/office/drawing/2014/main" id="{57910267-28F9-8944-ADDD-99D9FD7CFE00}"/>
               </a:ext>
             </a:extLst>
           </p:cNvPr>
@@ -7534,7 +7510,7 @@
         <p:spPr>
           <a:xfrm>
             <a:off x="1524000" y="1905000"/>
-            <a:ext cx="7010400" cy="609600"/>
+            <a:ext cx="7010400" cy="1066800"/>
           </a:xfrm>
         </p:spPr>
         <p:txBody>
@@ -7543,7 +7519,7 @@
           <a:p>
             <a:r>
               <a:rPr lang="en-US" dirty="0"/>
-              <a:t>Rust also supports pattern matching</a:t>
+              <a:t>Here is another example using structures and objects</a:t>
             </a:r>
           </a:p>
         </p:txBody>
@@ -7553,7 +7529,7 @@
           <p:cNvPr id="4" name="Picture 3">
             <a:extLst>
               <a:ext uri="{FF2B5EF4-FFF2-40B4-BE49-F238E27FC236}">
-                <a16:creationId xmlns:a16="http://schemas.microsoft.com/office/drawing/2014/main" id="{DE8E6D5E-9011-5346-838C-8C3CA64040DE}"/>
+                <a16:creationId xmlns:a16="http://schemas.microsoft.com/office/drawing/2014/main" id="{44BC914B-6B85-9E40-B4B4-5FE3B7AF3FA6}"/>
               </a:ext>
             </a:extLst>
           </p:cNvPr>
@@ -7570,60 +7546,25 @@
         </p:blipFill>
         <p:spPr>
           <a:xfrm>
-            <a:off x="3962400" y="2877771"/>
-            <a:ext cx="4773898" cy="3751629"/>
+            <a:off x="990600" y="3186479"/>
+            <a:ext cx="6985000" cy="2794000"/>
           </a:xfrm>
           <a:prstGeom prst="rect">
             <a:avLst/>
           </a:prstGeom>
           <a:ln>
             <a:solidFill>
-              <a:schemeClr val="tx1"/>
+              <a:schemeClr val="tx2"/>
             </a:solidFill>
           </a:ln>
         </p:spPr>
       </p:pic>
-      <p:pic>
-        <p:nvPicPr>
-          <p:cNvPr id="5" name="Picture 4">
-            <a:extLst>
-              <a:ext uri="{FF2B5EF4-FFF2-40B4-BE49-F238E27FC236}">
-                <a16:creationId xmlns:a16="http://schemas.microsoft.com/office/drawing/2014/main" id="{F54D7279-2489-3C44-BD42-D76496D6C499}"/>
-              </a:ext>
-            </a:extLst>
-          </p:cNvPr>
-          <p:cNvPicPr>
-            <a:picLocks noChangeAspect="1"/>
-          </p:cNvPicPr>
-          <p:nvPr/>
-        </p:nvPicPr>
-        <p:blipFill>
-          <a:blip r:embed="rId3"/>
-          <a:stretch>
-            <a:fillRect/>
-          </a:stretch>
-        </p:blipFill>
-        <p:spPr>
-          <a:xfrm>
-            <a:off x="228600" y="2971800"/>
-            <a:ext cx="3073400" cy="1498600"/>
-          </a:xfrm>
-          <a:prstGeom prst="rect">
-            <a:avLst/>
-          </a:prstGeom>
-          <a:ln>
-            <a:solidFill>
-              <a:schemeClr val="tx1"/>
-            </a:solidFill>
-          </a:ln>
-        </p:spPr>
-      </p:pic>
-      <p:sp>
-        <p:nvSpPr>
-          <p:cNvPr id="6" name="TextBox 5">
-            <a:extLst>
-              <a:ext uri="{FF2B5EF4-FFF2-40B4-BE49-F238E27FC236}">
-                <a16:creationId xmlns:a16="http://schemas.microsoft.com/office/drawing/2014/main" id="{BAABA7D1-54A7-5A40-BF97-2C13B7519CB0}"/>
+      <p:sp>
+        <p:nvSpPr>
+          <p:cNvPr id="5" name="TextBox 4">
+            <a:extLst>
+              <a:ext uri="{FF2B5EF4-FFF2-40B4-BE49-F238E27FC236}">
+                <a16:creationId xmlns:a16="http://schemas.microsoft.com/office/drawing/2014/main" id="{3F30A8CC-F02F-474A-840E-8A807C395A5F}"/>
               </a:ext>
             </a:extLst>
           </p:cNvPr>
@@ -7632,8 +7573,8 @@
         </p:nvSpPr>
         <p:spPr>
           <a:xfrm>
-            <a:off x="6172200" y="2514600"/>
-            <a:ext cx="1606530" cy="307777"/>
+            <a:off x="4091354" y="6271846"/>
+            <a:ext cx="1696298" cy="307777"/>
           </a:xfrm>
           <a:prstGeom prst="rect">
             <a:avLst/>
@@ -7648,42 +7589,7 @@
           <a:p>
             <a:r>
               <a:rPr lang="en-US" sz="1400" dirty="0"/>
-              <a:t>ln004/destruct3.rs</a:t>
-            </a:r>
-          </a:p>
-        </p:txBody>
-      </p:sp>
-      <p:sp>
-        <p:nvSpPr>
-          <p:cNvPr id="7" name="TextBox 6">
-            <a:extLst>
-              <a:ext uri="{FF2B5EF4-FFF2-40B4-BE49-F238E27FC236}">
-                <a16:creationId xmlns:a16="http://schemas.microsoft.com/office/drawing/2014/main" id="{79027E54-9047-3340-9DFE-D76C7C826BCB}"/>
-              </a:ext>
-            </a:extLst>
-          </p:cNvPr>
-          <p:cNvSpPr txBox="1"/>
-          <p:nvPr/>
-        </p:nvSpPr>
-        <p:spPr>
-          <a:xfrm>
-            <a:off x="1449103" y="2589311"/>
-            <a:ext cx="1705916" cy="307777"/>
-          </a:xfrm>
-          <a:prstGeom prst="rect">
-            <a:avLst/>
-          </a:prstGeom>
-          <a:noFill/>
-        </p:spPr>
-        <p:txBody>
-          <a:bodyPr wrap="none" rtlCol="0">
-            <a:spAutoFit/>
-          </a:bodyPr>
-          <a:lstStyle/>
-          <a:p>
-            <a:r>
-              <a:rPr lang="en-US" sz="1400" dirty="0"/>
-              <a:t>ln004/destruct2.prs</a:t>
+              <a:t>ln004/destruct3.ast</a:t>
             </a:r>
           </a:p>
         </p:txBody>
@@ -7691,7 +7597,7 @@
     </p:spTree>
     <p:extLst>
       <p:ext uri="{BB962C8B-B14F-4D97-AF65-F5344CB8AC3E}">
-        <p14:creationId xmlns:p14="http://schemas.microsoft.com/office/powerpoint/2010/main" val="1648020018"/>
+        <p14:creationId xmlns:p14="http://schemas.microsoft.com/office/powerpoint/2010/main" val="3185682571"/>
       </p:ext>
     </p:extLst>
   </p:cSld>
@@ -7723,7 +7629,7 @@
           <p:cNvPr id="2" name="Title 1">
             <a:extLst>
               <a:ext uri="{FF2B5EF4-FFF2-40B4-BE49-F238E27FC236}">
-                <a16:creationId xmlns:a16="http://schemas.microsoft.com/office/drawing/2014/main" id="{AD848BFB-A2B4-FB48-BABF-BBD8D18B0699}"/>
+                <a16:creationId xmlns:a16="http://schemas.microsoft.com/office/drawing/2014/main" id="{63E6D85F-5E84-D44B-9B5C-300F6E3DB4B4}"/>
               </a:ext>
             </a:extLst>
           </p:cNvPr>
@@ -7734,150 +7640,136 @@
             <p:ph type="title"/>
           </p:nvPr>
         </p:nvSpPr>
-        <p:spPr>
-          <a:xfrm>
-            <a:off x="1524000" y="190500"/>
-            <a:ext cx="7010400" cy="1527175"/>
-          </a:xfrm>
-        </p:spPr>
-        <p:txBody>
-          <a:bodyPr wrap="square" anchor="ctr">
-            <a:normAutofit/>
+        <p:spPr/>
+        <p:txBody>
+          <a:bodyPr/>
+          <a:lstStyle/>
+          <a:p>
+            <a:r>
+              <a:rPr lang="en-US" dirty="0"/>
+              <a:t>Basic Pattern Matching Summary</a:t>
+            </a:r>
+          </a:p>
+        </p:txBody>
+      </p:sp>
+      <p:sp>
+        <p:nvSpPr>
+          <p:cNvPr id="3" name="Content Placeholder 2">
+            <a:extLst>
+              <a:ext uri="{FF2B5EF4-FFF2-40B4-BE49-F238E27FC236}">
+                <a16:creationId xmlns:a16="http://schemas.microsoft.com/office/drawing/2014/main" id="{9E6BF871-97CA-5F43-BEF7-D514A7A67A62}"/>
+              </a:ext>
+            </a:extLst>
+          </p:cNvPr>
+          <p:cNvSpPr>
+            <a:spLocks noGrp="1"/>
+          </p:cNvSpPr>
+          <p:nvPr>
+            <p:ph idx="1"/>
+          </p:nvPr>
+        </p:nvSpPr>
+        <p:spPr/>
+        <p:txBody>
+          <a:bodyPr>
+            <a:normAutofit fontScale="70000" lnSpcReduction="20000"/>
           </a:bodyPr>
           <a:lstStyle/>
           <a:p>
             <a:r>
               <a:rPr lang="en-US" dirty="0"/>
-              <a:t>Conditional Pattern Matching</a:t>
-            </a:r>
-          </a:p>
-        </p:txBody>
-      </p:sp>
-      <p:pic>
-        <p:nvPicPr>
-          <p:cNvPr id="4" name="Picture 3">
-            <a:extLst>
-              <a:ext uri="{FF2B5EF4-FFF2-40B4-BE49-F238E27FC236}">
-                <a16:creationId xmlns:a16="http://schemas.microsoft.com/office/drawing/2014/main" id="{D02E8CCF-CD44-E148-A19A-1E93996CC066}"/>
-              </a:ext>
-            </a:extLst>
-          </p:cNvPr>
-          <p:cNvPicPr>
-            <a:picLocks noChangeAspect="1"/>
-          </p:cNvPicPr>
-          <p:nvPr/>
-        </p:nvPicPr>
-        <p:blipFill>
-          <a:blip r:embed="rId2"/>
-          <a:stretch>
-            <a:fillRect/>
-          </a:stretch>
-        </p:blipFill>
-        <p:spPr>
-          <a:xfrm>
-            <a:off x="304800" y="2133600"/>
-            <a:ext cx="4996726" cy="762000"/>
-          </a:xfrm>
-          <a:prstGeom prst="rect">
-            <a:avLst/>
-          </a:prstGeom>
-          <a:noFill/>
-          <a:ln>
-            <a:solidFill>
-              <a:schemeClr val="tx2"/>
-            </a:solidFill>
-          </a:ln>
-        </p:spPr>
-      </p:pic>
-      <p:sp>
-        <p:nvSpPr>
-          <p:cNvPr id="3" name="Content Placeholder 2">
-            <a:extLst>
-              <a:ext uri="{FF2B5EF4-FFF2-40B4-BE49-F238E27FC236}">
-                <a16:creationId xmlns:a16="http://schemas.microsoft.com/office/drawing/2014/main" id="{CA0B04DA-BCA8-264E-AE30-BDC19E610EB5}"/>
-              </a:ext>
-            </a:extLst>
-          </p:cNvPr>
-          <p:cNvSpPr>
-            <a:spLocks noGrp="1"/>
-          </p:cNvSpPr>
-          <p:nvPr>
-            <p:ph sz="half" idx="2"/>
-          </p:nvPr>
-        </p:nvSpPr>
-        <p:spPr>
-          <a:xfrm>
-            <a:off x="5301526" y="1905000"/>
-            <a:ext cx="3232874" cy="4114800"/>
-          </a:xfrm>
-        </p:spPr>
-        <p:txBody>
-          <a:bodyPr wrap="square" anchor="t">
-            <a:normAutofit/>
-          </a:bodyPr>
-          <a:lstStyle/>
-          <a:p>
-            <a:r>
-              <a:rPr lang="en-US" dirty="0"/>
-              <a:t>Only assign a pair if the two component values are the same</a:t>
-            </a:r>
-          </a:p>
-          <a:p>
-            <a:r>
-              <a:rPr lang="en-US" dirty="0"/>
-              <a:t>Only assign positive values to x</a:t>
-            </a:r>
-          </a:p>
-          <a:p>
+              <a:t>The let statement</a:t>
+            </a:r>
+            <a:br>
+              <a:rPr lang="en-US" dirty="0"/>
+            </a:br>
+            <a:r>
+              <a:rPr lang="en-US" dirty="0"/>
+              <a:t>    let &lt;pattern&gt; = value .</a:t>
+            </a:r>
+          </a:p>
+          <a:p>
+            <a:r>
+              <a:rPr lang="en-US" dirty="0"/>
+              <a:t>On the right side of equal sign constructors represent values</a:t>
+            </a:r>
+          </a:p>
+          <a:p>
+            <a:pPr lvl="1"/>
+            <a:r>
+              <a:rPr lang="en-US" dirty="0"/>
+              <a:t>Operators/functions are allowed</a:t>
+            </a:r>
+          </a:p>
+          <a:p>
+            <a:r>
+              <a:rPr lang="en-US" dirty="0"/>
+              <a:t>On the left side constructors represent structure</a:t>
+            </a:r>
+          </a:p>
+          <a:p>
+            <a:pPr lvl="1"/>
+            <a:r>
+              <a:rPr lang="en-US" dirty="0"/>
+              <a:t>Operators/functions are </a:t>
+            </a:r>
+            <a:r>
+              <a:rPr lang="en-US" b="1" dirty="0"/>
+              <a:t>not</a:t>
+            </a:r>
+            <a:r>
+              <a:rPr lang="en-US" dirty="0"/>
+              <a:t> allowed</a:t>
+            </a:r>
+          </a:p>
+          <a:p>
+            <a:pPr lvl="1"/>
+            <a:r>
+              <a:rPr lang="en-US" dirty="0"/>
+              <a:t>Constructors must minimally represent structure</a:t>
+            </a:r>
+          </a:p>
+          <a:p>
+            <a:r>
+              <a:rPr lang="en-US" dirty="0"/>
+              <a:t>Variables are allowed in patterns for partial matches/</a:t>
+            </a:r>
+            <a:r>
+              <a:rPr lang="en-US" dirty="0" err="1"/>
+              <a:t>destructuring</a:t>
+            </a:r>
             <a:endParaRPr lang="en-US" dirty="0"/>
           </a:p>
           <a:p>
+            <a:r>
+              <a:rPr lang="en-US" dirty="0"/>
+              <a:t>Pattern matching is part of a programming paradigm called </a:t>
+            </a:r>
+            <a:r>
+              <a:rPr lang="en-US" b="1" dirty="0"/>
+              <a:t>declarative programming</a:t>
+            </a:r>
+          </a:p>
+          <a:p>
+            <a:pPr lvl="1"/>
+            <a:r>
+              <a:rPr lang="en-US" dirty="0"/>
+              <a:t>We will look at this more carefully when we examine control structures in Asteroid.</a:t>
+            </a:r>
+          </a:p>
+          <a:p>
+            <a:pPr lvl="1"/>
             <a:endParaRPr lang="en-US" dirty="0"/>
           </a:p>
           <a:p>
+            <a:pPr lvl="1"/>
             <a:endParaRPr lang="en-US" dirty="0"/>
           </a:p>
         </p:txBody>
       </p:sp>
-      <p:pic>
-        <p:nvPicPr>
-          <p:cNvPr id="5" name="Picture 4">
-            <a:extLst>
-              <a:ext uri="{FF2B5EF4-FFF2-40B4-BE49-F238E27FC236}">
-                <a16:creationId xmlns:a16="http://schemas.microsoft.com/office/drawing/2014/main" id="{6DA826A1-392C-F646-860F-C0593B3F8493}"/>
-              </a:ext>
-            </a:extLst>
-          </p:cNvPr>
-          <p:cNvPicPr>
-            <a:picLocks noChangeAspect="1"/>
-          </p:cNvPicPr>
-          <p:nvPr/>
-        </p:nvPicPr>
-        <p:blipFill>
-          <a:blip r:embed="rId3"/>
-          <a:stretch>
-            <a:fillRect/>
-          </a:stretch>
-        </p:blipFill>
-        <p:spPr>
-          <a:xfrm>
-            <a:off x="228600" y="3968018"/>
-            <a:ext cx="5181600" cy="783857"/>
-          </a:xfrm>
-          <a:prstGeom prst="rect">
-            <a:avLst/>
-          </a:prstGeom>
-          <a:ln>
-            <a:solidFill>
-              <a:schemeClr val="tx2"/>
-            </a:solidFill>
-          </a:ln>
-        </p:spPr>
-      </p:pic>
     </p:spTree>
     <p:extLst>
       <p:ext uri="{BB962C8B-B14F-4D97-AF65-F5344CB8AC3E}">
-        <p14:creationId xmlns:p14="http://schemas.microsoft.com/office/powerpoint/2010/main" val="2882422723"/>
+        <p14:creationId xmlns:p14="http://schemas.microsoft.com/office/powerpoint/2010/main" val="3741227975"/>
       </p:ext>
     </p:extLst>
   </p:cSld>
@@ -7909,7 +7801,7 @@
           <p:cNvPr id="2" name="Title 1">
             <a:extLst>
               <a:ext uri="{FF2B5EF4-FFF2-40B4-BE49-F238E27FC236}">
-                <a16:creationId xmlns:a16="http://schemas.microsoft.com/office/drawing/2014/main" id="{BD45E58E-66D4-284F-AEBB-EB5A327EB614}"/>
+                <a16:creationId xmlns:a16="http://schemas.microsoft.com/office/drawing/2014/main" id="{E8C29327-0FF2-D34A-A7BF-A39E5934A183}"/>
               </a:ext>
             </a:extLst>
           </p:cNvPr>
@@ -7927,17 +7819,17 @@
           <a:p>
             <a:r>
               <a:rPr lang="en-US" dirty="0"/>
-              <a:t>The is Predicate</a:t>
-            </a:r>
-          </a:p>
-        </p:txBody>
-      </p:sp>
-      <p:sp>
-        <p:nvSpPr>
-          <p:cNvPr id="5" name="Content Placeholder 4">
-            <a:extLst>
-              <a:ext uri="{FF2B5EF4-FFF2-40B4-BE49-F238E27FC236}">
-                <a16:creationId xmlns:a16="http://schemas.microsoft.com/office/drawing/2014/main" id="{43BE0058-031C-9449-9E21-7B71C109C7A4}"/>
+              <a:t>Pattern Matching in Python</a:t>
+            </a:r>
+          </a:p>
+        </p:txBody>
+      </p:sp>
+      <p:sp>
+        <p:nvSpPr>
+          <p:cNvPr id="3" name="Content Placeholder 2">
+            <a:extLst>
+              <a:ext uri="{FF2B5EF4-FFF2-40B4-BE49-F238E27FC236}">
+                <a16:creationId xmlns:a16="http://schemas.microsoft.com/office/drawing/2014/main" id="{5B84DB07-3A63-5A4F-B3AF-2A2AFA8149CE}"/>
               </a:ext>
             </a:extLst>
           </p:cNvPr>
@@ -7950,47 +7842,44 @@
         </p:nvSpPr>
         <p:spPr>
           <a:xfrm>
-            <a:off x="1524000" y="1905000"/>
-            <a:ext cx="7010400" cy="3505200"/>
-          </a:xfrm>
-        </p:spPr>
-        <p:txBody>
-          <a:bodyPr/>
+            <a:off x="1524000" y="1676400"/>
+            <a:ext cx="7010400" cy="1905000"/>
+          </a:xfrm>
+        </p:spPr>
+        <p:txBody>
+          <a:bodyPr>
+            <a:normAutofit/>
+          </a:bodyPr>
           <a:lstStyle/>
           <a:p>
             <a:r>
               <a:rPr lang="en-US" dirty="0"/>
-              <a:t>The is predicate is of the form</a:t>
-            </a:r>
-            <a:br>
-              <a:rPr lang="en-US" dirty="0"/>
-            </a:br>
-            <a:r>
-              <a:rPr lang="en-US" dirty="0"/>
-              <a:t>    &lt;value&gt; is &lt;pattern&gt;</a:t>
-            </a:r>
-            <a:br>
-              <a:rPr lang="en-US" dirty="0"/>
-            </a:br>
-            <a:r>
-              <a:rPr lang="en-US" dirty="0"/>
-              <a:t>and returns true if the value matches the pattern otherwise it will return false</a:t>
-            </a:r>
-          </a:p>
-          <a:p>
-            <a:r>
-              <a:rPr lang="en-US" dirty="0"/>
-              <a:t>The is predicate allows us to do pattern matching is expressions</a:t>
+              <a:t>Limited pattern matching available with the assignment statement</a:t>
+            </a:r>
+          </a:p>
+          <a:p>
+            <a:pPr lvl="1"/>
+            <a:r>
+              <a:rPr lang="en-US" dirty="0"/>
+              <a:t>Called </a:t>
+            </a:r>
+            <a:r>
+              <a:rPr lang="en-US" b="1" dirty="0" err="1"/>
+              <a:t>destructuring</a:t>
+            </a:r>
+            <a:r>
+              <a:rPr lang="en-US" dirty="0"/>
+              <a:t> assignment</a:t>
             </a:r>
           </a:p>
         </p:txBody>
       </p:sp>
       <p:pic>
         <p:nvPicPr>
-          <p:cNvPr id="7" name="Picture 6">
-            <a:extLst>
-              <a:ext uri="{FF2B5EF4-FFF2-40B4-BE49-F238E27FC236}">
-                <a16:creationId xmlns:a16="http://schemas.microsoft.com/office/drawing/2014/main" id="{81AAE521-5C3F-1441-A77E-88572B79191F}"/>
+          <p:cNvPr id="5" name="Picture 4">
+            <a:extLst>
+              <a:ext uri="{FF2B5EF4-FFF2-40B4-BE49-F238E27FC236}">
+                <a16:creationId xmlns:a16="http://schemas.microsoft.com/office/drawing/2014/main" id="{1ABD9459-AC71-D24B-82C5-648CD3F83A8A}"/>
               </a:ext>
             </a:extLst>
           </p:cNvPr>
@@ -7999,16 +7888,15 @@
           </p:cNvPicPr>
           <p:nvPr/>
         </p:nvPicPr>
-        <p:blipFill>
+        <p:blipFill rotWithShape="1">
           <a:blip r:embed="rId2"/>
-          <a:stretch>
-            <a:fillRect/>
-          </a:stretch>
+          <a:srcRect t="3500"/>
+          <a:stretch/>
         </p:blipFill>
         <p:spPr>
           <a:xfrm>
-            <a:off x="2819400" y="5422900"/>
-            <a:ext cx="2628900" cy="1244600"/>
+            <a:off x="2895600" y="4000500"/>
+            <a:ext cx="2527300" cy="2451100"/>
           </a:xfrm>
           <a:prstGeom prst="rect">
             <a:avLst/>
@@ -8020,80 +7908,10 @@
           </a:ln>
         </p:spPr>
       </p:pic>
-      <p:sp>
-        <p:nvSpPr>
-          <p:cNvPr id="8" name="TextBox 7">
-            <a:extLst>
-              <a:ext uri="{FF2B5EF4-FFF2-40B4-BE49-F238E27FC236}">
-                <a16:creationId xmlns:a16="http://schemas.microsoft.com/office/drawing/2014/main" id="{5DE8BE3D-2D0B-4345-A8F1-8EC44E83068A}"/>
-              </a:ext>
-            </a:extLst>
-          </p:cNvPr>
-          <p:cNvSpPr txBox="1"/>
-          <p:nvPr/>
-        </p:nvSpPr>
-        <p:spPr>
-          <a:xfrm>
-            <a:off x="6858000" y="762000"/>
-            <a:ext cx="1923925" cy="1169551"/>
-          </a:xfrm>
-          <a:prstGeom prst="rect">
-            <a:avLst/>
-          </a:prstGeom>
-          <a:solidFill>
-            <a:schemeClr val="bg1"/>
-          </a:solidFill>
-          <a:ln>
-            <a:solidFill>
-              <a:schemeClr val="tx2"/>
-            </a:solidFill>
-          </a:ln>
-        </p:spPr>
-        <p:txBody>
-          <a:bodyPr wrap="none" rtlCol="0">
-            <a:spAutoFit/>
-          </a:bodyPr>
-          <a:lstStyle/>
-          <a:p>
-            <a:r>
-              <a:rPr lang="en-US" sz="1400" dirty="0"/>
-              <a:t>Note: a predicate is a</a:t>
-            </a:r>
-            <a:br>
-              <a:rPr lang="en-US" sz="1400" dirty="0"/>
-            </a:br>
-            <a:r>
-              <a:rPr lang="en-US" sz="1400" dirty="0"/>
-              <a:t>function/operator that </a:t>
-            </a:r>
-            <a:br>
-              <a:rPr lang="en-US" sz="1400" dirty="0"/>
-            </a:br>
-            <a:r>
-              <a:rPr lang="en-US" sz="1400" dirty="0"/>
-              <a:t>always returns true or</a:t>
-            </a:r>
-            <a:br>
-              <a:rPr lang="en-US" sz="1400" dirty="0"/>
-            </a:br>
-            <a:r>
-              <a:rPr lang="en-US" sz="1400" dirty="0"/>
-              <a:t>false.  No other return</a:t>
-            </a:r>
-            <a:br>
-              <a:rPr lang="en-US" sz="1400" dirty="0"/>
-            </a:br>
-            <a:r>
-              <a:rPr lang="en-US" sz="1400" dirty="0"/>
-              <a:t>value is permitted.</a:t>
-            </a:r>
-          </a:p>
-        </p:txBody>
-      </p:sp>
     </p:spTree>
     <p:extLst>
       <p:ext uri="{BB962C8B-B14F-4D97-AF65-F5344CB8AC3E}">
-        <p14:creationId xmlns:p14="http://schemas.microsoft.com/office/powerpoint/2010/main" val="3295829166"/>
+        <p14:creationId xmlns:p14="http://schemas.microsoft.com/office/powerpoint/2010/main" val="2121341352"/>
       </p:ext>
     </p:extLst>
   </p:cSld>
@@ -8125,7 +7943,7 @@
           <p:cNvPr id="2" name="Title 1">
             <a:extLst>
               <a:ext uri="{FF2B5EF4-FFF2-40B4-BE49-F238E27FC236}">
-                <a16:creationId xmlns:a16="http://schemas.microsoft.com/office/drawing/2014/main" id="{BD45E58E-66D4-284F-AEBB-EB5A327EB614}"/>
+                <a16:creationId xmlns:a16="http://schemas.microsoft.com/office/drawing/2014/main" id="{E8C29327-0FF2-D34A-A7BF-A39E5934A183}"/>
               </a:ext>
             </a:extLst>
           </p:cNvPr>
@@ -8143,17 +7961,17 @@
           <a:p>
             <a:r>
               <a:rPr lang="en-US" dirty="0"/>
-              <a:t>Type Patterns</a:t>
-            </a:r>
-          </a:p>
-        </p:txBody>
-      </p:sp>
-      <p:sp>
-        <p:nvSpPr>
-          <p:cNvPr id="5" name="Content Placeholder 4">
-            <a:extLst>
-              <a:ext uri="{FF2B5EF4-FFF2-40B4-BE49-F238E27FC236}">
-                <a16:creationId xmlns:a16="http://schemas.microsoft.com/office/drawing/2014/main" id="{43BE0058-031C-9449-9E21-7B71C109C7A4}"/>
+              <a:t>Pattern Matching in Python</a:t>
+            </a:r>
+          </a:p>
+        </p:txBody>
+      </p:sp>
+      <p:sp>
+        <p:nvSpPr>
+          <p:cNvPr id="3" name="Content Placeholder 2">
+            <a:extLst>
+              <a:ext uri="{FF2B5EF4-FFF2-40B4-BE49-F238E27FC236}">
+                <a16:creationId xmlns:a16="http://schemas.microsoft.com/office/drawing/2014/main" id="{5B84DB07-3A63-5A4F-B3AF-2A2AFA8149CE}"/>
               </a:ext>
             </a:extLst>
           </p:cNvPr>
@@ -8166,65 +7984,29 @@
         </p:nvSpPr>
         <p:spPr>
           <a:xfrm>
-            <a:off x="1524000" y="1905000"/>
-            <a:ext cx="7010400" cy="1905000"/>
+            <a:off x="1524000" y="1676400"/>
+            <a:ext cx="7010400" cy="838200"/>
           </a:xfrm>
         </p:spPr>
         <p:txBody>
           <a:bodyPr>
-            <a:normAutofit fontScale="62500" lnSpcReduction="20000"/>
+            <a:normAutofit fontScale="92500" lnSpcReduction="20000"/>
           </a:bodyPr>
           <a:lstStyle/>
           <a:p>
             <a:r>
               <a:rPr lang="en-US" dirty="0"/>
-              <a:t>Type patterns are patterns of the form</a:t>
-            </a:r>
-            <a:br>
-              <a:rPr lang="en-US" dirty="0"/>
-            </a:br>
-            <a:r>
-              <a:rPr lang="en-US" dirty="0"/>
-              <a:t>   %&lt;type name&gt;</a:t>
-            </a:r>
-            <a:br>
-              <a:rPr lang="en-US" dirty="0"/>
-            </a:br>
-            <a:r>
-              <a:rPr lang="en-US" dirty="0"/>
-              <a:t>and match all instances of the &lt;type name&gt;</a:t>
-            </a:r>
-          </a:p>
-          <a:p>
-            <a:r>
-              <a:rPr lang="en-US" dirty="0"/>
-              <a:t>All built-in types have associated type patterns such as %integer, %real, %string etc.</a:t>
-            </a:r>
-          </a:p>
-          <a:p>
-            <a:r>
-              <a:rPr lang="en-US" dirty="0"/>
-              <a:t>User defined types are also supported,</a:t>
-            </a:r>
-            <a:br>
-              <a:rPr lang="en-US" dirty="0"/>
-            </a:br>
-            <a:r>
-              <a:rPr lang="en-US" dirty="0"/>
-              <a:t>   %&lt;user defined type name&gt;</a:t>
-            </a:r>
-          </a:p>
-          <a:p>
-            <a:endParaRPr lang="en-US" dirty="0"/>
+              <a:t>The match statement as of 3.10 provides a bit more functionality</a:t>
+            </a:r>
           </a:p>
         </p:txBody>
       </p:sp>
       <p:pic>
         <p:nvPicPr>
-          <p:cNvPr id="3" name="Picture 2">
-            <a:extLst>
-              <a:ext uri="{FF2B5EF4-FFF2-40B4-BE49-F238E27FC236}">
-                <a16:creationId xmlns:a16="http://schemas.microsoft.com/office/drawing/2014/main" id="{387219F6-3021-1E4C-90DF-B8A249F3165E}"/>
+          <p:cNvPr id="5" name="Picture 4">
+            <a:extLst>
+              <a:ext uri="{FF2B5EF4-FFF2-40B4-BE49-F238E27FC236}">
+                <a16:creationId xmlns:a16="http://schemas.microsoft.com/office/drawing/2014/main" id="{B21EEF00-80BA-C244-9D4F-C0381F7748A1}"/>
               </a:ext>
             </a:extLst>
           </p:cNvPr>
@@ -8241,8 +8023,8 @@
         </p:blipFill>
         <p:spPr>
           <a:xfrm>
-            <a:off x="381000" y="3733800"/>
-            <a:ext cx="7239000" cy="823126"/>
+            <a:off x="381000" y="2616201"/>
+            <a:ext cx="4038600" cy="1727200"/>
           </a:xfrm>
           <a:prstGeom prst="rect">
             <a:avLst/>
@@ -8256,10 +8038,10 @@
       </p:pic>
       <p:pic>
         <p:nvPicPr>
-          <p:cNvPr id="4" name="Picture 3">
-            <a:extLst>
-              <a:ext uri="{FF2B5EF4-FFF2-40B4-BE49-F238E27FC236}">
-                <a16:creationId xmlns:a16="http://schemas.microsoft.com/office/drawing/2014/main" id="{15BF67B0-6D28-AF48-BA26-3593D3997507}"/>
+          <p:cNvPr id="6" name="Picture 5">
+            <a:extLst>
+              <a:ext uri="{FF2B5EF4-FFF2-40B4-BE49-F238E27FC236}">
+                <a16:creationId xmlns:a16="http://schemas.microsoft.com/office/drawing/2014/main" id="{C9A4CF8E-8072-2441-8A24-6252220205E9}"/>
               </a:ext>
             </a:extLst>
           </p:cNvPr>
@@ -8276,8 +8058,8 @@
         </p:blipFill>
         <p:spPr>
           <a:xfrm>
-            <a:off x="1089758" y="4712945"/>
-            <a:ext cx="7473950" cy="1954555"/>
+            <a:off x="4267200" y="3048000"/>
+            <a:ext cx="4267200" cy="3447738"/>
           </a:xfrm>
           <a:prstGeom prst="rect">
             <a:avLst/>
@@ -8289,10 +8071,88 @@
           </a:ln>
         </p:spPr>
       </p:pic>
+      <p:sp>
+        <p:nvSpPr>
+          <p:cNvPr id="7" name="TextBox 6">
+            <a:extLst>
+              <a:ext uri="{FF2B5EF4-FFF2-40B4-BE49-F238E27FC236}">
+                <a16:creationId xmlns:a16="http://schemas.microsoft.com/office/drawing/2014/main" id="{FD410AAD-83B4-CA44-83CE-75DEFC18BA9B}"/>
+              </a:ext>
+            </a:extLst>
+          </p:cNvPr>
+          <p:cNvSpPr txBox="1"/>
+          <p:nvPr/>
+        </p:nvSpPr>
+        <p:spPr>
+          <a:xfrm>
+            <a:off x="246185" y="5990492"/>
+            <a:ext cx="2858475" cy="307777"/>
+          </a:xfrm>
+          <a:prstGeom prst="rect">
+            <a:avLst/>
+          </a:prstGeom>
+          <a:noFill/>
+        </p:spPr>
+        <p:txBody>
+          <a:bodyPr wrap="none" rtlCol="0">
+            <a:spAutoFit/>
+          </a:bodyPr>
+          <a:lstStyle/>
+          <a:p>
+            <a:r>
+              <a:rPr lang="en-US" sz="1400" dirty="0"/>
+              <a:t>https://</a:t>
+            </a:r>
+            <a:r>
+              <a:rPr lang="en-US" sz="1400" dirty="0" err="1"/>
+              <a:t>peps.python.org</a:t>
+            </a:r>
+            <a:r>
+              <a:rPr lang="en-US" sz="1400" dirty="0"/>
+              <a:t>/pep-0636/</a:t>
+            </a:r>
+          </a:p>
+        </p:txBody>
+      </p:sp>
+      <p:sp>
+        <p:nvSpPr>
+          <p:cNvPr id="8" name="TextBox 7">
+            <a:extLst>
+              <a:ext uri="{FF2B5EF4-FFF2-40B4-BE49-F238E27FC236}">
+                <a16:creationId xmlns:a16="http://schemas.microsoft.com/office/drawing/2014/main" id="{C87107F4-F5F0-B440-B5EC-0CB34E1615FB}"/>
+              </a:ext>
+            </a:extLst>
+          </p:cNvPr>
+          <p:cNvSpPr txBox="1"/>
+          <p:nvPr/>
+        </p:nvSpPr>
+        <p:spPr>
+          <a:xfrm>
+            <a:off x="6060831" y="2743200"/>
+            <a:ext cx="1646605" cy="307777"/>
+          </a:xfrm>
+          <a:prstGeom prst="rect">
+            <a:avLst/>
+          </a:prstGeom>
+          <a:noFill/>
+        </p:spPr>
+        <p:txBody>
+          <a:bodyPr wrap="none" rtlCol="0">
+            <a:spAutoFit/>
+          </a:bodyPr>
+          <a:lstStyle/>
+          <a:p>
+            <a:r>
+              <a:rPr lang="en-US" sz="1400" dirty="0"/>
+              <a:t>ln004/destruct3.py</a:t>
+            </a:r>
+          </a:p>
+        </p:txBody>
+      </p:sp>
     </p:spTree>
     <p:extLst>
       <p:ext uri="{BB962C8B-B14F-4D97-AF65-F5344CB8AC3E}">
-        <p14:creationId xmlns:p14="http://schemas.microsoft.com/office/powerpoint/2010/main" val="3506047900"/>
+        <p14:creationId xmlns:p14="http://schemas.microsoft.com/office/powerpoint/2010/main" val="3899810227"/>
       </p:ext>
     </p:extLst>
   </p:cSld>
@@ -8324,7 +8184,7 @@
           <p:cNvPr id="2" name="Title 1">
             <a:extLst>
               <a:ext uri="{FF2B5EF4-FFF2-40B4-BE49-F238E27FC236}">
-                <a16:creationId xmlns:a16="http://schemas.microsoft.com/office/drawing/2014/main" id="{38B8FBF2-2788-6944-85A4-736AB1C73BC5}"/>
+                <a16:creationId xmlns:a16="http://schemas.microsoft.com/office/drawing/2014/main" id="{96CD2FA5-F967-B640-AF84-20CD34541D5F}"/>
               </a:ext>
             </a:extLst>
           </p:cNvPr>
@@ -8342,7 +8202,7 @@
           <a:p>
             <a:r>
               <a:rPr lang="en-US" dirty="0"/>
-              <a:t>Advanced Pattern Match Expressions</a:t>
+              <a:t>Pattern Matching in Rust</a:t>
             </a:r>
           </a:p>
         </p:txBody>
@@ -8352,7 +8212,7 @@
           <p:cNvPr id="3" name="Content Placeholder 2">
             <a:extLst>
               <a:ext uri="{FF2B5EF4-FFF2-40B4-BE49-F238E27FC236}">
-                <a16:creationId xmlns:a16="http://schemas.microsoft.com/office/drawing/2014/main" id="{99DE4156-25CE-5A46-B4D9-12D9CC6D2A5C}"/>
+                <a16:creationId xmlns:a16="http://schemas.microsoft.com/office/drawing/2014/main" id="{35CAA96F-C6D7-9248-9A60-9A8AE269211D}"/>
               </a:ext>
             </a:extLst>
           </p:cNvPr>
@@ -8366,24 +8226,16 @@
         <p:spPr>
           <a:xfrm>
             <a:off x="1524000" y="1905000"/>
-            <a:ext cx="7010400" cy="2514600"/>
-          </a:xfrm>
-        </p:spPr>
-        <p:txBody>
-          <a:bodyPr>
-            <a:normAutofit fontScale="92500" lnSpcReduction="10000"/>
-          </a:bodyPr>
+            <a:ext cx="7010400" cy="609600"/>
+          </a:xfrm>
+        </p:spPr>
+        <p:txBody>
+          <a:bodyPr/>
           <a:lstStyle/>
           <a:p>
             <a:r>
               <a:rPr lang="en-US" dirty="0"/>
-              <a:t>We can combine conditional pattern matching with type patterns and the is predicate to express sophisticated patterns</a:t>
-            </a:r>
-          </a:p>
-          <a:p>
-            <a:r>
-              <a:rPr lang="en-US" dirty="0"/>
-              <a:t>E.g., only assign a value to x if it is an integer value</a:t>
+              <a:t>Rust also supports pattern matching</a:t>
             </a:r>
           </a:p>
         </p:txBody>
@@ -8393,7 +8245,7 @@
           <p:cNvPr id="4" name="Picture 3">
             <a:extLst>
               <a:ext uri="{FF2B5EF4-FFF2-40B4-BE49-F238E27FC236}">
-                <a16:creationId xmlns:a16="http://schemas.microsoft.com/office/drawing/2014/main" id="{042AB9A8-F2E7-8C43-A782-35FC00F7CF82}"/>
+                <a16:creationId xmlns:a16="http://schemas.microsoft.com/office/drawing/2014/main" id="{DE8E6D5E-9011-5346-838C-8C3CA64040DE}"/>
               </a:ext>
             </a:extLst>
           </p:cNvPr>
@@ -8410,23 +8262,128 @@
         </p:blipFill>
         <p:spPr>
           <a:xfrm>
-            <a:off x="1327150" y="4606925"/>
-            <a:ext cx="6489700" cy="1422400"/>
+            <a:off x="3962400" y="2877771"/>
+            <a:ext cx="4773898" cy="3751629"/>
           </a:xfrm>
           <a:prstGeom prst="rect">
             <a:avLst/>
           </a:prstGeom>
           <a:ln>
             <a:solidFill>
-              <a:schemeClr val="tx2"/>
+              <a:schemeClr val="tx1"/>
             </a:solidFill>
           </a:ln>
         </p:spPr>
       </p:pic>
+      <p:pic>
+        <p:nvPicPr>
+          <p:cNvPr id="5" name="Picture 4">
+            <a:extLst>
+              <a:ext uri="{FF2B5EF4-FFF2-40B4-BE49-F238E27FC236}">
+                <a16:creationId xmlns:a16="http://schemas.microsoft.com/office/drawing/2014/main" id="{F54D7279-2489-3C44-BD42-D76496D6C499}"/>
+              </a:ext>
+            </a:extLst>
+          </p:cNvPr>
+          <p:cNvPicPr>
+            <a:picLocks noChangeAspect="1"/>
+          </p:cNvPicPr>
+          <p:nvPr/>
+        </p:nvPicPr>
+        <p:blipFill>
+          <a:blip r:embed="rId3"/>
+          <a:stretch>
+            <a:fillRect/>
+          </a:stretch>
+        </p:blipFill>
+        <p:spPr>
+          <a:xfrm>
+            <a:off x="228600" y="2971800"/>
+            <a:ext cx="3073400" cy="1498600"/>
+          </a:xfrm>
+          <a:prstGeom prst="rect">
+            <a:avLst/>
+          </a:prstGeom>
+          <a:ln>
+            <a:solidFill>
+              <a:schemeClr val="tx1"/>
+            </a:solidFill>
+          </a:ln>
+        </p:spPr>
+      </p:pic>
+      <p:sp>
+        <p:nvSpPr>
+          <p:cNvPr id="6" name="TextBox 5">
+            <a:extLst>
+              <a:ext uri="{FF2B5EF4-FFF2-40B4-BE49-F238E27FC236}">
+                <a16:creationId xmlns:a16="http://schemas.microsoft.com/office/drawing/2014/main" id="{BAABA7D1-54A7-5A40-BF97-2C13B7519CB0}"/>
+              </a:ext>
+            </a:extLst>
+          </p:cNvPr>
+          <p:cNvSpPr txBox="1"/>
+          <p:nvPr/>
+        </p:nvSpPr>
+        <p:spPr>
+          <a:xfrm>
+            <a:off x="6172200" y="2514600"/>
+            <a:ext cx="1606530" cy="307777"/>
+          </a:xfrm>
+          <a:prstGeom prst="rect">
+            <a:avLst/>
+          </a:prstGeom>
+          <a:noFill/>
+        </p:spPr>
+        <p:txBody>
+          <a:bodyPr wrap="none" rtlCol="0">
+            <a:spAutoFit/>
+          </a:bodyPr>
+          <a:lstStyle/>
+          <a:p>
+            <a:r>
+              <a:rPr lang="en-US" sz="1400" dirty="0"/>
+              <a:t>ln004/destruct3.rs</a:t>
+            </a:r>
+          </a:p>
+        </p:txBody>
+      </p:sp>
+      <p:sp>
+        <p:nvSpPr>
+          <p:cNvPr id="7" name="TextBox 6">
+            <a:extLst>
+              <a:ext uri="{FF2B5EF4-FFF2-40B4-BE49-F238E27FC236}">
+                <a16:creationId xmlns:a16="http://schemas.microsoft.com/office/drawing/2014/main" id="{79027E54-9047-3340-9DFE-D76C7C826BCB}"/>
+              </a:ext>
+            </a:extLst>
+          </p:cNvPr>
+          <p:cNvSpPr txBox="1"/>
+          <p:nvPr/>
+        </p:nvSpPr>
+        <p:spPr>
+          <a:xfrm>
+            <a:off x="1449103" y="2589311"/>
+            <a:ext cx="1705916" cy="307777"/>
+          </a:xfrm>
+          <a:prstGeom prst="rect">
+            <a:avLst/>
+          </a:prstGeom>
+          <a:noFill/>
+        </p:spPr>
+        <p:txBody>
+          <a:bodyPr wrap="none" rtlCol="0">
+            <a:spAutoFit/>
+          </a:bodyPr>
+          <a:lstStyle/>
+          <a:p>
+            <a:r>
+              <a:rPr lang="en-US" sz="1400" dirty="0"/>
+              <a:t>ln004/destruct2.prs</a:t>
+            </a:r>
+          </a:p>
+        </p:txBody>
+      </p:sp>
     </p:spTree>
     <p:extLst>
       <p:ext uri="{BB962C8B-B14F-4D97-AF65-F5344CB8AC3E}">
-        <p14:creationId xmlns:p14="http://schemas.microsoft.com/office/powerpoint/2010/main" val="527991359"/>
+        <p14:creationId xmlns:p14="http://schemas.microsoft.com/office/powerpoint/2010/main" val="1648020018"/>
       </p:ext>
     </p:extLst>
   </p:cSld>
@@ -8458,7 +8415,7 @@
           <p:cNvPr id="2" name="Title 1">
             <a:extLst>
               <a:ext uri="{FF2B5EF4-FFF2-40B4-BE49-F238E27FC236}">
-                <a16:creationId xmlns:a16="http://schemas.microsoft.com/office/drawing/2014/main" id="{38B8FBF2-2788-6944-85A4-736AB1C73BC5}"/>
+                <a16:creationId xmlns:a16="http://schemas.microsoft.com/office/drawing/2014/main" id="{AD848BFB-A2B4-FB48-BABF-BBD8D18B0699}"/>
               </a:ext>
             </a:extLst>
           </p:cNvPr>
@@ -8469,59 +8426,31 @@
             <p:ph type="title"/>
           </p:nvPr>
         </p:nvSpPr>
-        <p:spPr/>
-        <p:txBody>
-          <a:bodyPr/>
-          <a:lstStyle/>
-          <a:p>
-            <a:r>
-              <a:rPr lang="en-US" dirty="0"/>
-              <a:t>Advanced Pattern Match Expressions</a:t>
-            </a:r>
-          </a:p>
-        </p:txBody>
-      </p:sp>
-      <p:sp>
-        <p:nvSpPr>
-          <p:cNvPr id="3" name="Content Placeholder 2">
-            <a:extLst>
-              <a:ext uri="{FF2B5EF4-FFF2-40B4-BE49-F238E27FC236}">
-                <a16:creationId xmlns:a16="http://schemas.microsoft.com/office/drawing/2014/main" id="{99DE4156-25CE-5A46-B4D9-12D9CC6D2A5C}"/>
-              </a:ext>
-            </a:extLst>
-          </p:cNvPr>
-          <p:cNvSpPr>
-            <a:spLocks noGrp="1"/>
-          </p:cNvSpPr>
-          <p:nvPr>
-            <p:ph idx="1"/>
-          </p:nvPr>
-        </p:nvSpPr>
         <p:spPr>
           <a:xfrm>
-            <a:off x="1524000" y="1905000"/>
-            <a:ext cx="7010400" cy="762000"/>
-          </a:xfrm>
-        </p:spPr>
-        <p:txBody>
-          <a:bodyPr>
+            <a:off x="1524000" y="190500"/>
+            <a:ext cx="7010400" cy="1527175"/>
+          </a:xfrm>
+        </p:spPr>
+        <p:txBody>
+          <a:bodyPr wrap="square" anchor="ctr">
             <a:normAutofit/>
           </a:bodyPr>
           <a:lstStyle/>
           <a:p>
             <a:r>
               <a:rPr lang="en-US" dirty="0"/>
-              <a:t>Here are some additional examples,</a:t>
+              <a:t>Conditional Pattern Matching</a:t>
             </a:r>
           </a:p>
         </p:txBody>
       </p:sp>
       <p:pic>
         <p:nvPicPr>
-          <p:cNvPr id="5" name="Picture 4">
-            <a:extLst>
-              <a:ext uri="{FF2B5EF4-FFF2-40B4-BE49-F238E27FC236}">
-                <a16:creationId xmlns:a16="http://schemas.microsoft.com/office/drawing/2014/main" id="{C1C88CFB-FC12-204B-9F54-811B0900984A}"/>
+          <p:cNvPr id="4" name="Picture 3">
+            <a:extLst>
+              <a:ext uri="{FF2B5EF4-FFF2-40B4-BE49-F238E27FC236}">
+                <a16:creationId xmlns:a16="http://schemas.microsoft.com/office/drawing/2014/main" id="{D02E8CCF-CD44-E148-A19A-1E93996CC066}"/>
               </a:ext>
             </a:extLst>
           </p:cNvPr>
@@ -8538,12 +8467,13 @@
         </p:blipFill>
         <p:spPr>
           <a:xfrm>
-            <a:off x="304800" y="2708031"/>
-            <a:ext cx="5067300" cy="673100"/>
+            <a:off x="304800" y="2133600"/>
+            <a:ext cx="4996726" cy="762000"/>
           </a:xfrm>
           <a:prstGeom prst="rect">
             <a:avLst/>
           </a:prstGeom>
+          <a:noFill/>
           <a:ln>
             <a:solidFill>
               <a:schemeClr val="tx2"/>
@@ -8551,12 +8481,62 @@
           </a:ln>
         </p:spPr>
       </p:pic>
+      <p:sp>
+        <p:nvSpPr>
+          <p:cNvPr id="3" name="Content Placeholder 2">
+            <a:extLst>
+              <a:ext uri="{FF2B5EF4-FFF2-40B4-BE49-F238E27FC236}">
+                <a16:creationId xmlns:a16="http://schemas.microsoft.com/office/drawing/2014/main" id="{CA0B04DA-BCA8-264E-AE30-BDC19E610EB5}"/>
+              </a:ext>
+            </a:extLst>
+          </p:cNvPr>
+          <p:cNvSpPr>
+            <a:spLocks noGrp="1"/>
+          </p:cNvSpPr>
+          <p:nvPr>
+            <p:ph sz="half" idx="2"/>
+          </p:nvPr>
+        </p:nvSpPr>
+        <p:spPr>
+          <a:xfrm>
+            <a:off x="5301526" y="1905000"/>
+            <a:ext cx="3232874" cy="4114800"/>
+          </a:xfrm>
+        </p:spPr>
+        <p:txBody>
+          <a:bodyPr wrap="square" anchor="t">
+            <a:normAutofit/>
+          </a:bodyPr>
+          <a:lstStyle/>
+          <a:p>
+            <a:r>
+              <a:rPr lang="en-US" dirty="0"/>
+              <a:t>Only assign a pair if the two component values are the same</a:t>
+            </a:r>
+          </a:p>
+          <a:p>
+            <a:r>
+              <a:rPr lang="en-US" dirty="0"/>
+              <a:t>Only assign positive values to x</a:t>
+            </a:r>
+          </a:p>
+          <a:p>
+            <a:endParaRPr lang="en-US" dirty="0"/>
+          </a:p>
+          <a:p>
+            <a:endParaRPr lang="en-US" dirty="0"/>
+          </a:p>
+          <a:p>
+            <a:endParaRPr lang="en-US" dirty="0"/>
+          </a:p>
+        </p:txBody>
+      </p:sp>
       <p:pic>
         <p:nvPicPr>
-          <p:cNvPr id="6" name="Picture 5">
-            <a:extLst>
-              <a:ext uri="{FF2B5EF4-FFF2-40B4-BE49-F238E27FC236}">
-                <a16:creationId xmlns:a16="http://schemas.microsoft.com/office/drawing/2014/main" id="{1D3CFE35-B4E8-424F-B4A1-6EBB08FE3A8E}"/>
+          <p:cNvPr id="5" name="Picture 4">
+            <a:extLst>
+              <a:ext uri="{FF2B5EF4-FFF2-40B4-BE49-F238E27FC236}">
+                <a16:creationId xmlns:a16="http://schemas.microsoft.com/office/drawing/2014/main" id="{6DA826A1-392C-F646-860F-C0593B3F8493}"/>
               </a:ext>
             </a:extLst>
           </p:cNvPr>
@@ -8573,8 +8553,8 @@
         </p:blipFill>
         <p:spPr>
           <a:xfrm>
-            <a:off x="1771650" y="4038600"/>
-            <a:ext cx="6515100" cy="2006600"/>
+            <a:off x="228600" y="3968018"/>
+            <a:ext cx="5181600" cy="783857"/>
           </a:xfrm>
           <a:prstGeom prst="rect">
             <a:avLst/>
@@ -8586,45 +8566,10 @@
           </a:ln>
         </p:spPr>
       </p:pic>
-      <p:sp>
-        <p:nvSpPr>
-          <p:cNvPr id="7" name="TextBox 6">
-            <a:extLst>
-              <a:ext uri="{FF2B5EF4-FFF2-40B4-BE49-F238E27FC236}">
-                <a16:creationId xmlns:a16="http://schemas.microsoft.com/office/drawing/2014/main" id="{4951B354-A5F6-A549-A108-76506E3E4DB7}"/>
-              </a:ext>
-            </a:extLst>
-          </p:cNvPr>
-          <p:cNvSpPr txBox="1"/>
-          <p:nvPr/>
-        </p:nvSpPr>
-        <p:spPr>
-          <a:xfrm>
-            <a:off x="1992923" y="6271846"/>
-            <a:ext cx="3370218" cy="338554"/>
-          </a:xfrm>
-          <a:prstGeom prst="rect">
-            <a:avLst/>
-          </a:prstGeom>
-          <a:noFill/>
-        </p:spPr>
-        <p:txBody>
-          <a:bodyPr wrap="none" rtlCol="0">
-            <a:spAutoFit/>
-          </a:bodyPr>
-          <a:lstStyle/>
-          <a:p>
-            <a:r>
-              <a:rPr lang="en-US" sz="1600" dirty="0"/>
-              <a:t>Note: ‘mod’ is the modulus function</a:t>
-            </a:r>
-          </a:p>
-        </p:txBody>
-      </p:sp>
     </p:spTree>
     <p:extLst>
       <p:ext uri="{BB962C8B-B14F-4D97-AF65-F5344CB8AC3E}">
-        <p14:creationId xmlns:p14="http://schemas.microsoft.com/office/powerpoint/2010/main" val="3020148784"/>
+        <p14:creationId xmlns:p14="http://schemas.microsoft.com/office/powerpoint/2010/main" val="2882422723"/>
       </p:ext>
     </p:extLst>
   </p:cSld>
@@ -8656,7 +8601,7 @@
           <p:cNvPr id="2" name="Title 1">
             <a:extLst>
               <a:ext uri="{FF2B5EF4-FFF2-40B4-BE49-F238E27FC236}">
-                <a16:creationId xmlns:a16="http://schemas.microsoft.com/office/drawing/2014/main" id="{69D8A802-1887-5C44-89B7-C430FD3E8CF1}"/>
+                <a16:creationId xmlns:a16="http://schemas.microsoft.com/office/drawing/2014/main" id="{BD45E58E-66D4-284F-AEBB-EB5A327EB614}"/>
               </a:ext>
             </a:extLst>
           </p:cNvPr>
@@ -8674,17 +8619,17 @@
           <a:p>
             <a:r>
               <a:rPr lang="en-US" dirty="0"/>
-              <a:t>Named Patterns</a:t>
-            </a:r>
-          </a:p>
-        </p:txBody>
-      </p:sp>
-      <p:sp>
-        <p:nvSpPr>
-          <p:cNvPr id="3" name="Content Placeholder 2">
-            <a:extLst>
-              <a:ext uri="{FF2B5EF4-FFF2-40B4-BE49-F238E27FC236}">
-                <a16:creationId xmlns:a16="http://schemas.microsoft.com/office/drawing/2014/main" id="{E7A95868-7F6A-C846-8D8F-777179574524}"/>
+              <a:t>The is Predicate</a:t>
+            </a:r>
+          </a:p>
+        </p:txBody>
+      </p:sp>
+      <p:sp>
+        <p:nvSpPr>
+          <p:cNvPr id="5" name="Content Placeholder 4">
+            <a:extLst>
+              <a:ext uri="{FF2B5EF4-FFF2-40B4-BE49-F238E27FC236}">
+                <a16:creationId xmlns:a16="http://schemas.microsoft.com/office/drawing/2014/main" id="{43BE0058-031C-9449-9E21-7B71C109C7A4}"/>
               </a:ext>
             </a:extLst>
           </p:cNvPr>
@@ -8698,68 +8643,46 @@
         <p:spPr>
           <a:xfrm>
             <a:off x="1524000" y="1905000"/>
-            <a:ext cx="7010400" cy="3048000"/>
-          </a:xfrm>
-        </p:spPr>
-        <p:txBody>
-          <a:bodyPr>
-            <a:normAutofit fontScale="92500" lnSpcReduction="20000"/>
-          </a:bodyPr>
+            <a:ext cx="7010400" cy="3505200"/>
+          </a:xfrm>
+        </p:spPr>
+        <p:txBody>
+          <a:bodyPr/>
           <a:lstStyle/>
           <a:p>
             <a:r>
               <a:rPr lang="en-US" dirty="0"/>
-              <a:t>The simple conditional pattern</a:t>
+              <a:t>The is predicate is of the form</a:t>
             </a:r>
             <a:br>
               <a:rPr lang="en-US" dirty="0"/>
             </a:br>
             <a:r>
               <a:rPr lang="en-US" dirty="0"/>
-              <a:t>   x if x is &lt;pattern&gt;</a:t>
+              <a:t>    &lt;value&gt; is &lt;pattern&gt;</a:t>
             </a:r>
             <a:br>
               <a:rPr lang="en-US" dirty="0"/>
             </a:br>
             <a:r>
               <a:rPr lang="en-US" dirty="0"/>
-              <a:t>appears a lot in Asteroid programs</a:t>
-            </a:r>
-          </a:p>
-          <a:p>
-            <a:r>
-              <a:rPr lang="en-US" dirty="0"/>
-              <a:t>Named patterns of the form</a:t>
-            </a:r>
-            <a:br>
-              <a:rPr lang="en-US" dirty="0"/>
-            </a:br>
-            <a:r>
-              <a:rPr lang="en-US" dirty="0"/>
-              <a:t>   x:&lt;pattern&gt;</a:t>
-            </a:r>
-            <a:br>
-              <a:rPr lang="en-US" dirty="0"/>
-            </a:br>
-            <a:r>
-              <a:rPr lang="en-US" dirty="0"/>
-              <a:t>represent a shorthand for the simple conditional pattern above</a:t>
-            </a:r>
-          </a:p>
-          <a:p>
-            <a:r>
-              <a:rPr lang="en-US" dirty="0"/>
-              <a:t>E.g.</a:t>
+              <a:t>and returns true if the value matches the pattern otherwise it will return false</a:t>
+            </a:r>
+          </a:p>
+          <a:p>
+            <a:r>
+              <a:rPr lang="en-US" dirty="0"/>
+              <a:t>The is predicate allows us to do pattern matching is expressions</a:t>
             </a:r>
           </a:p>
         </p:txBody>
       </p:sp>
       <p:pic>
         <p:nvPicPr>
-          <p:cNvPr id="4" name="Picture 3">
-            <a:extLst>
-              <a:ext uri="{FF2B5EF4-FFF2-40B4-BE49-F238E27FC236}">
-                <a16:creationId xmlns:a16="http://schemas.microsoft.com/office/drawing/2014/main" id="{4F12295A-5DFF-004B-8714-A589155DA3AF}"/>
+          <p:cNvPr id="7" name="Picture 6">
+            <a:extLst>
+              <a:ext uri="{FF2B5EF4-FFF2-40B4-BE49-F238E27FC236}">
+                <a16:creationId xmlns:a16="http://schemas.microsoft.com/office/drawing/2014/main" id="{81AAE521-5C3F-1441-A77E-88572B79191F}"/>
               </a:ext>
             </a:extLst>
           </p:cNvPr>
@@ -8776,8 +8699,8 @@
         </p:blipFill>
         <p:spPr>
           <a:xfrm>
-            <a:off x="2895600" y="4800600"/>
-            <a:ext cx="3644900" cy="1625600"/>
+            <a:off x="2819400" y="5422900"/>
+            <a:ext cx="2628900" cy="1244600"/>
           </a:xfrm>
           <a:prstGeom prst="rect">
             <a:avLst/>
@@ -8789,10 +8712,80 @@
           </a:ln>
         </p:spPr>
       </p:pic>
+      <p:sp>
+        <p:nvSpPr>
+          <p:cNvPr id="8" name="TextBox 7">
+            <a:extLst>
+              <a:ext uri="{FF2B5EF4-FFF2-40B4-BE49-F238E27FC236}">
+                <a16:creationId xmlns:a16="http://schemas.microsoft.com/office/drawing/2014/main" id="{5DE8BE3D-2D0B-4345-A8F1-8EC44E83068A}"/>
+              </a:ext>
+            </a:extLst>
+          </p:cNvPr>
+          <p:cNvSpPr txBox="1"/>
+          <p:nvPr/>
+        </p:nvSpPr>
+        <p:spPr>
+          <a:xfrm>
+            <a:off x="6858000" y="762000"/>
+            <a:ext cx="1923925" cy="1169551"/>
+          </a:xfrm>
+          <a:prstGeom prst="rect">
+            <a:avLst/>
+          </a:prstGeom>
+          <a:solidFill>
+            <a:schemeClr val="bg1"/>
+          </a:solidFill>
+          <a:ln>
+            <a:solidFill>
+              <a:schemeClr val="tx2"/>
+            </a:solidFill>
+          </a:ln>
+        </p:spPr>
+        <p:txBody>
+          <a:bodyPr wrap="none" rtlCol="0">
+            <a:spAutoFit/>
+          </a:bodyPr>
+          <a:lstStyle/>
+          <a:p>
+            <a:r>
+              <a:rPr lang="en-US" sz="1400" dirty="0"/>
+              <a:t>Note: a predicate is a</a:t>
+            </a:r>
+            <a:br>
+              <a:rPr lang="en-US" sz="1400" dirty="0"/>
+            </a:br>
+            <a:r>
+              <a:rPr lang="en-US" sz="1400" dirty="0"/>
+              <a:t>function/operator that </a:t>
+            </a:r>
+            <a:br>
+              <a:rPr lang="en-US" sz="1400" dirty="0"/>
+            </a:br>
+            <a:r>
+              <a:rPr lang="en-US" sz="1400" dirty="0"/>
+              <a:t>always returns true or</a:t>
+            </a:r>
+            <a:br>
+              <a:rPr lang="en-US" sz="1400" dirty="0"/>
+            </a:br>
+            <a:r>
+              <a:rPr lang="en-US" sz="1400" dirty="0"/>
+              <a:t>false.  No other return</a:t>
+            </a:r>
+            <a:br>
+              <a:rPr lang="en-US" sz="1400" dirty="0"/>
+            </a:br>
+            <a:r>
+              <a:rPr lang="en-US" sz="1400" dirty="0"/>
+              <a:t>value is permitted.</a:t>
+            </a:r>
+          </a:p>
+        </p:txBody>
+      </p:sp>
     </p:spTree>
     <p:extLst>
       <p:ext uri="{BB962C8B-B14F-4D97-AF65-F5344CB8AC3E}">
-        <p14:creationId xmlns:p14="http://schemas.microsoft.com/office/powerpoint/2010/main" val="2442529255"/>
+        <p14:creationId xmlns:p14="http://schemas.microsoft.com/office/powerpoint/2010/main" val="3295829166"/>
       </p:ext>
     </p:extLst>
   </p:cSld>
@@ -8824,7 +8817,7 @@
           <p:cNvPr id="2" name="Title 1">
             <a:extLst>
               <a:ext uri="{FF2B5EF4-FFF2-40B4-BE49-F238E27FC236}">
-                <a16:creationId xmlns:a16="http://schemas.microsoft.com/office/drawing/2014/main" id="{69D8A802-1887-5C44-89B7-C430FD3E8CF1}"/>
+                <a16:creationId xmlns:a16="http://schemas.microsoft.com/office/drawing/2014/main" id="{BD45E58E-66D4-284F-AEBB-EB5A327EB614}"/>
               </a:ext>
             </a:extLst>
           </p:cNvPr>
@@ -8842,17 +8835,17 @@
           <a:p>
             <a:r>
               <a:rPr lang="en-US" dirty="0"/>
-              <a:t>Named Patterns</a:t>
-            </a:r>
-          </a:p>
-        </p:txBody>
-      </p:sp>
-      <p:sp>
-        <p:nvSpPr>
-          <p:cNvPr id="3" name="Content Placeholder 2">
-            <a:extLst>
-              <a:ext uri="{FF2B5EF4-FFF2-40B4-BE49-F238E27FC236}">
-                <a16:creationId xmlns:a16="http://schemas.microsoft.com/office/drawing/2014/main" id="{E7A95868-7F6A-C846-8D8F-777179574524}"/>
+              <a:t>Type Patterns</a:t>
+            </a:r>
+          </a:p>
+        </p:txBody>
+      </p:sp>
+      <p:sp>
+        <p:nvSpPr>
+          <p:cNvPr id="5" name="Content Placeholder 4">
+            <a:extLst>
+              <a:ext uri="{FF2B5EF4-FFF2-40B4-BE49-F238E27FC236}">
+                <a16:creationId xmlns:a16="http://schemas.microsoft.com/office/drawing/2014/main" id="{43BE0058-031C-9449-9E21-7B71C109C7A4}"/>
               </a:ext>
             </a:extLst>
           </p:cNvPr>
@@ -8866,28 +8859,64 @@
         <p:spPr>
           <a:xfrm>
             <a:off x="1524000" y="1905000"/>
-            <a:ext cx="7010400" cy="1524000"/>
+            <a:ext cx="7010400" cy="1905000"/>
           </a:xfrm>
         </p:spPr>
         <p:txBody>
           <a:bodyPr>
-            <a:normAutofit/>
+            <a:normAutofit fontScale="62500" lnSpcReduction="20000"/>
           </a:bodyPr>
           <a:lstStyle/>
           <a:p>
             <a:r>
               <a:rPr lang="en-US" dirty="0"/>
-              <a:t>This shorthand notation is especially useful when combined with type patterns,</a:t>
-            </a:r>
+              <a:t>Type patterns are patterns of the form</a:t>
+            </a:r>
+            <a:br>
+              <a:rPr lang="en-US" dirty="0"/>
+            </a:br>
+            <a:r>
+              <a:rPr lang="en-US" dirty="0"/>
+              <a:t>   %&lt;type name&gt;</a:t>
+            </a:r>
+            <a:br>
+              <a:rPr lang="en-US" dirty="0"/>
+            </a:br>
+            <a:r>
+              <a:rPr lang="en-US" dirty="0"/>
+              <a:t>and match all instances of the &lt;type name&gt;</a:t>
+            </a:r>
+          </a:p>
+          <a:p>
+            <a:r>
+              <a:rPr lang="en-US" dirty="0"/>
+              <a:t>All built-in types have associated type patterns such as %integer, %real, %string etc.</a:t>
+            </a:r>
+          </a:p>
+          <a:p>
+            <a:r>
+              <a:rPr lang="en-US" dirty="0"/>
+              <a:t>User defined types are also supported,</a:t>
+            </a:r>
+            <a:br>
+              <a:rPr lang="en-US" dirty="0"/>
+            </a:br>
+            <a:r>
+              <a:rPr lang="en-US" dirty="0"/>
+              <a:t>   %&lt;user defined type name&gt;</a:t>
+            </a:r>
+          </a:p>
+          <a:p>
+            <a:endParaRPr lang="en-US" dirty="0"/>
           </a:p>
         </p:txBody>
       </p:sp>
       <p:pic>
         <p:nvPicPr>
-          <p:cNvPr id="5" name="Picture 4">
-            <a:extLst>
-              <a:ext uri="{FF2B5EF4-FFF2-40B4-BE49-F238E27FC236}">
-                <a16:creationId xmlns:a16="http://schemas.microsoft.com/office/drawing/2014/main" id="{57FD4B1D-ADB2-6443-B87E-4D51B91BE598}"/>
+          <p:cNvPr id="3" name="Picture 2">
+            <a:extLst>
+              <a:ext uri="{FF2B5EF4-FFF2-40B4-BE49-F238E27FC236}">
+                <a16:creationId xmlns:a16="http://schemas.microsoft.com/office/drawing/2014/main" id="{387219F6-3021-1E4C-90DF-B8A249F3165E}"/>
               </a:ext>
             </a:extLst>
           </p:cNvPr>
@@ -8904,8 +8933,8 @@
         </p:blipFill>
         <p:spPr>
           <a:xfrm>
-            <a:off x="2362200" y="3962400"/>
-            <a:ext cx="3644900" cy="1625600"/>
+            <a:off x="381000" y="3733800"/>
+            <a:ext cx="7239000" cy="823126"/>
           </a:xfrm>
           <a:prstGeom prst="rect">
             <a:avLst/>
@@ -8917,10 +8946,45 @@
           </a:ln>
         </p:spPr>
       </p:pic>
+      <p:pic>
+        <p:nvPicPr>
+          <p:cNvPr id="4" name="Picture 3">
+            <a:extLst>
+              <a:ext uri="{FF2B5EF4-FFF2-40B4-BE49-F238E27FC236}">
+                <a16:creationId xmlns:a16="http://schemas.microsoft.com/office/drawing/2014/main" id="{15BF67B0-6D28-AF48-BA26-3593D3997507}"/>
+              </a:ext>
+            </a:extLst>
+          </p:cNvPr>
+          <p:cNvPicPr>
+            <a:picLocks noChangeAspect="1"/>
+          </p:cNvPicPr>
+          <p:nvPr/>
+        </p:nvPicPr>
+        <p:blipFill>
+          <a:blip r:embed="rId3"/>
+          <a:stretch>
+            <a:fillRect/>
+          </a:stretch>
+        </p:blipFill>
+        <p:spPr>
+          <a:xfrm>
+            <a:off x="1089758" y="4712945"/>
+            <a:ext cx="7473950" cy="1954555"/>
+          </a:xfrm>
+          <a:prstGeom prst="rect">
+            <a:avLst/>
+          </a:prstGeom>
+          <a:ln>
+            <a:solidFill>
+              <a:schemeClr val="tx2"/>
+            </a:solidFill>
+          </a:ln>
+        </p:spPr>
+      </p:pic>
     </p:spTree>
     <p:extLst>
       <p:ext uri="{BB962C8B-B14F-4D97-AF65-F5344CB8AC3E}">
-        <p14:creationId xmlns:p14="http://schemas.microsoft.com/office/powerpoint/2010/main" val="4050486953"/>
+        <p14:creationId xmlns:p14="http://schemas.microsoft.com/office/powerpoint/2010/main" val="3506047900"/>
       </p:ext>
     </p:extLst>
   </p:cSld>
@@ -8952,7 +9016,7 @@
           <p:cNvPr id="2" name="Title 1">
             <a:extLst>
               <a:ext uri="{FF2B5EF4-FFF2-40B4-BE49-F238E27FC236}">
-                <a16:creationId xmlns:a16="http://schemas.microsoft.com/office/drawing/2014/main" id="{69D8A802-1887-5C44-89B7-C430FD3E8CF1}"/>
+                <a16:creationId xmlns:a16="http://schemas.microsoft.com/office/drawing/2014/main" id="{38B8FBF2-2788-6944-85A4-736AB1C73BC5}"/>
               </a:ext>
             </a:extLst>
           </p:cNvPr>
@@ -8970,7 +9034,7 @@
           <a:p>
             <a:r>
               <a:rPr lang="en-US" dirty="0"/>
-              <a:t>Named Patterns</a:t>
+              <a:t>Advanced Pattern Match Expressions</a:t>
             </a:r>
           </a:p>
         </p:txBody>
@@ -8980,7 +9044,7 @@
           <p:cNvPr id="3" name="Content Placeholder 2">
             <a:extLst>
               <a:ext uri="{FF2B5EF4-FFF2-40B4-BE49-F238E27FC236}">
-                <a16:creationId xmlns:a16="http://schemas.microsoft.com/office/drawing/2014/main" id="{E7A95868-7F6A-C846-8D8F-777179574524}"/>
+                <a16:creationId xmlns:a16="http://schemas.microsoft.com/office/drawing/2014/main" id="{99DE4156-25CE-5A46-B4D9-12D9CC6D2A5C}"/>
               </a:ext>
             </a:extLst>
           </p:cNvPr>
@@ -8994,28 +9058,25 @@
         <p:spPr>
           <a:xfrm>
             <a:off x="1524000" y="1905000"/>
-            <a:ext cx="7010400" cy="2362200"/>
+            <a:ext cx="7010400" cy="2514600"/>
           </a:xfrm>
         </p:spPr>
         <p:txBody>
           <a:bodyPr>
-            <a:normAutofit fontScale="77500" lnSpcReduction="20000"/>
+            <a:normAutofit fontScale="92500" lnSpcReduction="10000"/>
           </a:bodyPr>
           <a:lstStyle/>
           <a:p>
             <a:r>
               <a:rPr lang="en-US" dirty="0"/>
-              <a:t>Beware: even though named patterns with type patterns look like a declarations they are not!</a:t>
-            </a:r>
-          </a:p>
-          <a:p>
-            <a:r>
-              <a:rPr lang="en-US" dirty="0"/>
-              <a:t>They are pattern match statements; consequently, implicit type conversions we are used to from other programming languages do not work!</a:t>
-            </a:r>
-          </a:p>
-          <a:p>
-            <a:endParaRPr lang="en-US" dirty="0"/>
+              <a:t>We can combine conditional pattern matching with type patterns and the is predicate to express sophisticated patterns</a:t>
+            </a:r>
+          </a:p>
+          <a:p>
+            <a:r>
+              <a:rPr lang="en-US" dirty="0"/>
+              <a:t>E.g., only assign a value to x if it is an integer value</a:t>
+            </a:r>
           </a:p>
         </p:txBody>
       </p:sp>
@@ -9024,7 +9085,7 @@
           <p:cNvPr id="4" name="Picture 3">
             <a:extLst>
               <a:ext uri="{FF2B5EF4-FFF2-40B4-BE49-F238E27FC236}">
-                <a16:creationId xmlns:a16="http://schemas.microsoft.com/office/drawing/2014/main" id="{64F162B0-3C1E-E841-94F2-CD56B6552035}"/>
+                <a16:creationId xmlns:a16="http://schemas.microsoft.com/office/drawing/2014/main" id="{042AB9A8-F2E7-8C43-A782-35FC00F7CF82}"/>
               </a:ext>
             </a:extLst>
           </p:cNvPr>
@@ -9041,8 +9102,8 @@
         </p:blipFill>
         <p:spPr>
           <a:xfrm>
-            <a:off x="685800" y="4267200"/>
-            <a:ext cx="8026400" cy="1460500"/>
+            <a:off x="1327150" y="4606925"/>
+            <a:ext cx="6489700" cy="1422400"/>
           </a:xfrm>
           <a:prstGeom prst="rect">
             <a:avLst/>
@@ -9057,7 +9118,7 @@
     </p:spTree>
     <p:extLst>
       <p:ext uri="{BB962C8B-B14F-4D97-AF65-F5344CB8AC3E}">
-        <p14:creationId xmlns:p14="http://schemas.microsoft.com/office/powerpoint/2010/main" val="1285522234"/>
+        <p14:creationId xmlns:p14="http://schemas.microsoft.com/office/powerpoint/2010/main" val="527991359"/>
       </p:ext>
     </p:extLst>
   </p:cSld>
@@ -9089,7 +9150,7 @@
           <p:cNvPr id="2" name="Title 1">
             <a:extLst>
               <a:ext uri="{FF2B5EF4-FFF2-40B4-BE49-F238E27FC236}">
-                <a16:creationId xmlns:a16="http://schemas.microsoft.com/office/drawing/2014/main" id="{6195C51E-259E-9349-83AB-34F41AD10999}"/>
+                <a16:creationId xmlns:a16="http://schemas.microsoft.com/office/drawing/2014/main" id="{38B8FBF2-2788-6944-85A4-736AB1C73BC5}"/>
               </a:ext>
             </a:extLst>
           </p:cNvPr>
@@ -9107,7 +9168,7 @@
           <a:p>
             <a:r>
               <a:rPr lang="en-US" dirty="0"/>
-              <a:t>Head-Tail Pattern</a:t>
+              <a:t>Advanced Pattern Match Expressions</a:t>
             </a:r>
           </a:p>
         </p:txBody>
@@ -9117,7 +9178,7 @@
           <p:cNvPr id="3" name="Content Placeholder 2">
             <a:extLst>
               <a:ext uri="{FF2B5EF4-FFF2-40B4-BE49-F238E27FC236}">
-                <a16:creationId xmlns:a16="http://schemas.microsoft.com/office/drawing/2014/main" id="{3F46B74A-6B29-9041-95E9-7392BDABF9A2}"/>
+                <a16:creationId xmlns:a16="http://schemas.microsoft.com/office/drawing/2014/main" id="{99DE4156-25CE-5A46-B4D9-12D9CC6D2A5C}"/>
               </a:ext>
             </a:extLst>
           </p:cNvPr>
@@ -9131,59 +9192,28 @@
         <p:spPr>
           <a:xfrm>
             <a:off x="1524000" y="1905000"/>
-            <a:ext cx="7010400" cy="2895600"/>
+            <a:ext cx="7010400" cy="762000"/>
           </a:xfrm>
         </p:spPr>
         <p:txBody>
           <a:bodyPr>
-            <a:normAutofit fontScale="77500" lnSpcReduction="20000"/>
+            <a:normAutofit/>
           </a:bodyPr>
           <a:lstStyle/>
           <a:p>
             <a:r>
               <a:rPr lang="en-US" dirty="0"/>
-              <a:t>The head-tail pattern </a:t>
-            </a:r>
-            <a:br>
-              <a:rPr lang="en-US" dirty="0"/>
-            </a:br>
-            <a:r>
-              <a:rPr lang="en-US" dirty="0"/>
-              <a:t>    [ &lt;head var&gt; | &lt;tail var&gt; ]</a:t>
-            </a:r>
-            <a:br>
-              <a:rPr lang="en-US" dirty="0"/>
-            </a:br>
-            <a:r>
-              <a:rPr lang="en-US" dirty="0"/>
-              <a:t>is a useful pattern that allows us to </a:t>
-            </a:r>
-            <a:r>
-              <a:rPr lang="en-US" dirty="0" err="1"/>
-              <a:t>destructure</a:t>
-            </a:r>
-            <a:r>
-              <a:rPr lang="en-US" dirty="0"/>
-              <a:t> a list into into its first element and the rest of the list; the list with its first element removed.</a:t>
-            </a:r>
-          </a:p>
-          <a:p>
-            <a:r>
-              <a:rPr lang="en-US" dirty="0"/>
-              <a:t>As we will see later, this pattern will prove extremely useful when dealing with recursion or iteration over lists.</a:t>
-            </a:r>
-          </a:p>
-          <a:p>
-            <a:endParaRPr lang="en-US" dirty="0"/>
+              <a:t>Here are some additional examples,</a:t>
+            </a:r>
           </a:p>
         </p:txBody>
       </p:sp>
       <p:pic>
         <p:nvPicPr>
-          <p:cNvPr id="4" name="Picture 3">
-            <a:extLst>
-              <a:ext uri="{FF2B5EF4-FFF2-40B4-BE49-F238E27FC236}">
-                <a16:creationId xmlns:a16="http://schemas.microsoft.com/office/drawing/2014/main" id="{40EBF5AF-9F39-674B-B21C-1DE5732AD872}"/>
+          <p:cNvPr id="5" name="Picture 4">
+            <a:extLst>
+              <a:ext uri="{FF2B5EF4-FFF2-40B4-BE49-F238E27FC236}">
+                <a16:creationId xmlns:a16="http://schemas.microsoft.com/office/drawing/2014/main" id="{C1C88CFB-FC12-204B-9F54-811B0900984A}"/>
               </a:ext>
             </a:extLst>
           </p:cNvPr>
@@ -9200,23 +9230,93 @@
         </p:blipFill>
         <p:spPr>
           <a:xfrm>
-            <a:off x="2743200" y="4800600"/>
-            <a:ext cx="3251200" cy="1574800"/>
+            <a:off x="304800" y="2708031"/>
+            <a:ext cx="5067300" cy="673100"/>
           </a:xfrm>
           <a:prstGeom prst="rect">
             <a:avLst/>
           </a:prstGeom>
           <a:ln>
             <a:solidFill>
-              <a:schemeClr val="tx1"/>
+              <a:schemeClr val="tx2"/>
             </a:solidFill>
           </a:ln>
         </p:spPr>
       </p:pic>
+      <p:pic>
+        <p:nvPicPr>
+          <p:cNvPr id="6" name="Picture 5">
+            <a:extLst>
+              <a:ext uri="{FF2B5EF4-FFF2-40B4-BE49-F238E27FC236}">
+                <a16:creationId xmlns:a16="http://schemas.microsoft.com/office/drawing/2014/main" id="{1D3CFE35-B4E8-424F-B4A1-6EBB08FE3A8E}"/>
+              </a:ext>
+            </a:extLst>
+          </p:cNvPr>
+          <p:cNvPicPr>
+            <a:picLocks noChangeAspect="1"/>
+          </p:cNvPicPr>
+          <p:nvPr/>
+        </p:nvPicPr>
+        <p:blipFill>
+          <a:blip r:embed="rId3"/>
+          <a:stretch>
+            <a:fillRect/>
+          </a:stretch>
+        </p:blipFill>
+        <p:spPr>
+          <a:xfrm>
+            <a:off x="1771650" y="4038600"/>
+            <a:ext cx="6515100" cy="2006600"/>
+          </a:xfrm>
+          <a:prstGeom prst="rect">
+            <a:avLst/>
+          </a:prstGeom>
+          <a:ln>
+            <a:solidFill>
+              <a:schemeClr val="tx2"/>
+            </a:solidFill>
+          </a:ln>
+        </p:spPr>
+      </p:pic>
+      <p:sp>
+        <p:nvSpPr>
+          <p:cNvPr id="7" name="TextBox 6">
+            <a:extLst>
+              <a:ext uri="{FF2B5EF4-FFF2-40B4-BE49-F238E27FC236}">
+                <a16:creationId xmlns:a16="http://schemas.microsoft.com/office/drawing/2014/main" id="{4951B354-A5F6-A549-A108-76506E3E4DB7}"/>
+              </a:ext>
+            </a:extLst>
+          </p:cNvPr>
+          <p:cNvSpPr txBox="1"/>
+          <p:nvPr/>
+        </p:nvSpPr>
+        <p:spPr>
+          <a:xfrm>
+            <a:off x="1992923" y="6271846"/>
+            <a:ext cx="3370218" cy="338554"/>
+          </a:xfrm>
+          <a:prstGeom prst="rect">
+            <a:avLst/>
+          </a:prstGeom>
+          <a:noFill/>
+        </p:spPr>
+        <p:txBody>
+          <a:bodyPr wrap="none" rtlCol="0">
+            <a:spAutoFit/>
+          </a:bodyPr>
+          <a:lstStyle/>
+          <a:p>
+            <a:r>
+              <a:rPr lang="en-US" sz="1600" dirty="0"/>
+              <a:t>Note: ‘mod’ is the modulus function</a:t>
+            </a:r>
+          </a:p>
+        </p:txBody>
+      </p:sp>
     </p:spTree>
     <p:extLst>
       <p:ext uri="{BB962C8B-B14F-4D97-AF65-F5344CB8AC3E}">
-        <p14:creationId xmlns:p14="http://schemas.microsoft.com/office/powerpoint/2010/main" val="368365555"/>
+        <p14:creationId xmlns:p14="http://schemas.microsoft.com/office/powerpoint/2010/main" val="3020148784"/>
       </p:ext>
     </p:extLst>
   </p:cSld>
@@ -9245,10 +9345,10 @@
       </p:grpSpPr>
       <p:sp>
         <p:nvSpPr>
-          <p:cNvPr id="4" name="Title 3">
-            <a:extLst>
-              <a:ext uri="{FF2B5EF4-FFF2-40B4-BE49-F238E27FC236}">
-                <a16:creationId xmlns:a16="http://schemas.microsoft.com/office/drawing/2014/main" id="{7F14C117-E64C-9443-B959-83A13E1122A7}"/>
+          <p:cNvPr id="2" name="Title 1">
+            <a:extLst>
+              <a:ext uri="{FF2B5EF4-FFF2-40B4-BE49-F238E27FC236}">
+                <a16:creationId xmlns:a16="http://schemas.microsoft.com/office/drawing/2014/main" id="{44969C8F-C644-7946-B4B0-381BB6051384}"/>
               </a:ext>
             </a:extLst>
           </p:cNvPr>
@@ -9266,7 +9366,1694 @@
           <a:p>
             <a:r>
               <a:rPr lang="en-US" dirty="0"/>
-              <a:t>The Let Statement &amp; Basic Pattern Matching</a:t>
+              <a:t>Pattern Matching – Foundations </a:t>
+            </a:r>
+          </a:p>
+        </p:txBody>
+      </p:sp>
+      <p:sp>
+        <p:nvSpPr>
+          <p:cNvPr id="3" name="Content Placeholder 2">
+            <a:extLst>
+              <a:ext uri="{FF2B5EF4-FFF2-40B4-BE49-F238E27FC236}">
+                <a16:creationId xmlns:a16="http://schemas.microsoft.com/office/drawing/2014/main" id="{D1DA5083-17EB-1243-A0A4-6DD3250A0A56}"/>
+              </a:ext>
+            </a:extLst>
+          </p:cNvPr>
+          <p:cNvSpPr>
+            <a:spLocks noGrp="1"/>
+          </p:cNvSpPr>
+          <p:nvPr>
+            <p:ph idx="1"/>
+          </p:nvPr>
+        </p:nvSpPr>
+        <p:spPr/>
+        <p:txBody>
+          <a:bodyPr>
+            <a:normAutofit fontScale="62500" lnSpcReduction="20000"/>
+          </a:bodyPr>
+          <a:lstStyle/>
+          <a:p>
+            <a:r>
+              <a:rPr lang="en-US" dirty="0"/>
+              <a:t>In programs values are represented by </a:t>
+            </a:r>
+            <a:r>
+              <a:rPr lang="en-US" b="1" dirty="0"/>
+              <a:t>constructors</a:t>
+            </a:r>
+            <a:r>
+              <a:rPr lang="en-US" dirty="0"/>
+              <a:t>,</a:t>
+            </a:r>
+          </a:p>
+          <a:p>
+            <a:pPr lvl="1"/>
+            <a:r>
+              <a:rPr lang="en-US" dirty="0"/>
+              <a:t>1</a:t>
+            </a:r>
+          </a:p>
+          <a:p>
+            <a:pPr lvl="1"/>
+            <a:r>
+              <a:rPr lang="en-US" dirty="0"/>
+              <a:t>“Hello, World!”</a:t>
+            </a:r>
+          </a:p>
+          <a:p>
+            <a:pPr lvl="1"/>
+            <a:r>
+              <a:rPr lang="en-US" dirty="0"/>
+              <a:t>[1,2,3]</a:t>
+            </a:r>
+          </a:p>
+          <a:p>
+            <a:pPr lvl="1"/>
+            <a:r>
+              <a:rPr lang="en-US" dirty="0"/>
+              <a:t>(“Harry”, 32)</a:t>
+            </a:r>
+          </a:p>
+          <a:p>
+            <a:r>
+              <a:rPr lang="en-US" dirty="0"/>
+              <a:t>Any structure that cannot be reduced any further consists purely of constructors and is the </a:t>
+            </a:r>
+            <a:r>
+              <a:rPr lang="en-US" b="1" dirty="0"/>
+              <a:t>minimal/canonical representation </a:t>
+            </a:r>
+            <a:r>
+              <a:rPr lang="en-US" dirty="0"/>
+              <a:t>of a value.</a:t>
+            </a:r>
+          </a:p>
+          <a:p>
+            <a:r>
+              <a:rPr lang="en-US" dirty="0"/>
+              <a:t>The following are all representations of the value two:</a:t>
+            </a:r>
+          </a:p>
+          <a:p>
+            <a:pPr lvl="1"/>
+            <a:r>
+              <a:rPr lang="en-US" dirty="0"/>
+              <a:t>1+1; 3-1; 2*1; 2+0; 2</a:t>
+            </a:r>
+          </a:p>
+          <a:p>
+            <a:pPr lvl="1"/>
+            <a:r>
+              <a:rPr lang="en-US" dirty="0"/>
+              <a:t>Only the last one is the canonical representation of the value two.</a:t>
+            </a:r>
+          </a:p>
+          <a:p>
+            <a:pPr lvl="1"/>
+            <a:r>
+              <a:rPr lang="en-US" dirty="0"/>
+              <a:t>We say that 2 is a constructor for the value two.</a:t>
+            </a:r>
+          </a:p>
+          <a:p>
+            <a:pPr lvl="1"/>
+            <a:r>
+              <a:rPr lang="en-US" dirty="0"/>
+              <a:t>In this case the constructor happens to be a constant.</a:t>
+            </a:r>
+          </a:p>
+        </p:txBody>
+      </p:sp>
+    </p:spTree>
+    <p:extLst>
+      <p:ext uri="{BB962C8B-B14F-4D97-AF65-F5344CB8AC3E}">
+        <p14:creationId xmlns:p14="http://schemas.microsoft.com/office/powerpoint/2010/main" val="1116739954"/>
+      </p:ext>
+    </p:extLst>
+  </p:cSld>
+  <p:clrMapOvr>
+    <a:masterClrMapping/>
+  </p:clrMapOvr>
+</p:sld>
+</file>
+
+<file path=ppt/slides/slide30.xml><?xml version="1.0" encoding="utf-8"?>
+<p:sld xmlns:a="http://schemas.openxmlformats.org/drawingml/2006/main" xmlns:r="http://schemas.openxmlformats.org/officeDocument/2006/relationships" xmlns:p="http://schemas.openxmlformats.org/presentationml/2006/main">
+  <p:cSld>
+    <p:spTree>
+      <p:nvGrpSpPr>
+        <p:cNvPr id="1" name=""/>
+        <p:cNvGrpSpPr/>
+        <p:nvPr/>
+      </p:nvGrpSpPr>
+      <p:grpSpPr>
+        <a:xfrm>
+          <a:off x="0" y="0"/>
+          <a:ext cx="0" cy="0"/>
+          <a:chOff x="0" y="0"/>
+          <a:chExt cx="0" cy="0"/>
+        </a:xfrm>
+      </p:grpSpPr>
+      <p:sp>
+        <p:nvSpPr>
+          <p:cNvPr id="2" name="Title 1">
+            <a:extLst>
+              <a:ext uri="{FF2B5EF4-FFF2-40B4-BE49-F238E27FC236}">
+                <a16:creationId xmlns:a16="http://schemas.microsoft.com/office/drawing/2014/main" id="{69D8A802-1887-5C44-89B7-C430FD3E8CF1}"/>
+              </a:ext>
+            </a:extLst>
+          </p:cNvPr>
+          <p:cNvSpPr>
+            <a:spLocks noGrp="1"/>
+          </p:cNvSpPr>
+          <p:nvPr>
+            <p:ph type="title"/>
+          </p:nvPr>
+        </p:nvSpPr>
+        <p:spPr/>
+        <p:txBody>
+          <a:bodyPr/>
+          <a:lstStyle/>
+          <a:p>
+            <a:r>
+              <a:rPr lang="en-US" dirty="0"/>
+              <a:t>Named Patterns</a:t>
+            </a:r>
+          </a:p>
+        </p:txBody>
+      </p:sp>
+      <p:sp>
+        <p:nvSpPr>
+          <p:cNvPr id="3" name="Content Placeholder 2">
+            <a:extLst>
+              <a:ext uri="{FF2B5EF4-FFF2-40B4-BE49-F238E27FC236}">
+                <a16:creationId xmlns:a16="http://schemas.microsoft.com/office/drawing/2014/main" id="{E7A95868-7F6A-C846-8D8F-777179574524}"/>
+              </a:ext>
+            </a:extLst>
+          </p:cNvPr>
+          <p:cNvSpPr>
+            <a:spLocks noGrp="1"/>
+          </p:cNvSpPr>
+          <p:nvPr>
+            <p:ph idx="1"/>
+          </p:nvPr>
+        </p:nvSpPr>
+        <p:spPr>
+          <a:xfrm>
+            <a:off x="1524000" y="1905000"/>
+            <a:ext cx="7010400" cy="3048000"/>
+          </a:xfrm>
+        </p:spPr>
+        <p:txBody>
+          <a:bodyPr>
+            <a:normAutofit fontScale="92500" lnSpcReduction="20000"/>
+          </a:bodyPr>
+          <a:lstStyle/>
+          <a:p>
+            <a:r>
+              <a:rPr lang="en-US" dirty="0"/>
+              <a:t>The simple conditional pattern</a:t>
+            </a:r>
+            <a:br>
+              <a:rPr lang="en-US" dirty="0"/>
+            </a:br>
+            <a:r>
+              <a:rPr lang="en-US" dirty="0"/>
+              <a:t>   x if x is &lt;pattern&gt;</a:t>
+            </a:r>
+            <a:br>
+              <a:rPr lang="en-US" dirty="0"/>
+            </a:br>
+            <a:r>
+              <a:rPr lang="en-US" dirty="0"/>
+              <a:t>appears a lot in Asteroid programs</a:t>
+            </a:r>
+          </a:p>
+          <a:p>
+            <a:r>
+              <a:rPr lang="en-US" dirty="0"/>
+              <a:t>Named patterns of the form</a:t>
+            </a:r>
+            <a:br>
+              <a:rPr lang="en-US" dirty="0"/>
+            </a:br>
+            <a:r>
+              <a:rPr lang="en-US" dirty="0"/>
+              <a:t>   x:&lt;pattern&gt;</a:t>
+            </a:r>
+            <a:br>
+              <a:rPr lang="en-US" dirty="0"/>
+            </a:br>
+            <a:r>
+              <a:rPr lang="en-US" dirty="0"/>
+              <a:t>represent a shorthand for the simple conditional pattern above</a:t>
+            </a:r>
+          </a:p>
+          <a:p>
+            <a:r>
+              <a:rPr lang="en-US" dirty="0"/>
+              <a:t>E.g.</a:t>
+            </a:r>
+          </a:p>
+        </p:txBody>
+      </p:sp>
+      <p:pic>
+        <p:nvPicPr>
+          <p:cNvPr id="4" name="Picture 3">
+            <a:extLst>
+              <a:ext uri="{FF2B5EF4-FFF2-40B4-BE49-F238E27FC236}">
+                <a16:creationId xmlns:a16="http://schemas.microsoft.com/office/drawing/2014/main" id="{4F12295A-5DFF-004B-8714-A589155DA3AF}"/>
+              </a:ext>
+            </a:extLst>
+          </p:cNvPr>
+          <p:cNvPicPr>
+            <a:picLocks noChangeAspect="1"/>
+          </p:cNvPicPr>
+          <p:nvPr/>
+        </p:nvPicPr>
+        <p:blipFill>
+          <a:blip r:embed="rId2"/>
+          <a:stretch>
+            <a:fillRect/>
+          </a:stretch>
+        </p:blipFill>
+        <p:spPr>
+          <a:xfrm>
+            <a:off x="2895600" y="4800600"/>
+            <a:ext cx="3644900" cy="1625600"/>
+          </a:xfrm>
+          <a:prstGeom prst="rect">
+            <a:avLst/>
+          </a:prstGeom>
+          <a:ln>
+            <a:solidFill>
+              <a:schemeClr val="tx2"/>
+            </a:solidFill>
+          </a:ln>
+        </p:spPr>
+      </p:pic>
+    </p:spTree>
+    <p:extLst>
+      <p:ext uri="{BB962C8B-B14F-4D97-AF65-F5344CB8AC3E}">
+        <p14:creationId xmlns:p14="http://schemas.microsoft.com/office/powerpoint/2010/main" val="2442529255"/>
+      </p:ext>
+    </p:extLst>
+  </p:cSld>
+  <p:clrMapOvr>
+    <a:masterClrMapping/>
+  </p:clrMapOvr>
+</p:sld>
+</file>
+
+<file path=ppt/slides/slide31.xml><?xml version="1.0" encoding="utf-8"?>
+<p:sld xmlns:a="http://schemas.openxmlformats.org/drawingml/2006/main" xmlns:r="http://schemas.openxmlformats.org/officeDocument/2006/relationships" xmlns:p="http://schemas.openxmlformats.org/presentationml/2006/main">
+  <p:cSld>
+    <p:spTree>
+      <p:nvGrpSpPr>
+        <p:cNvPr id="1" name=""/>
+        <p:cNvGrpSpPr/>
+        <p:nvPr/>
+      </p:nvGrpSpPr>
+      <p:grpSpPr>
+        <a:xfrm>
+          <a:off x="0" y="0"/>
+          <a:ext cx="0" cy="0"/>
+          <a:chOff x="0" y="0"/>
+          <a:chExt cx="0" cy="0"/>
+        </a:xfrm>
+      </p:grpSpPr>
+      <p:sp>
+        <p:nvSpPr>
+          <p:cNvPr id="2" name="Title 1">
+            <a:extLst>
+              <a:ext uri="{FF2B5EF4-FFF2-40B4-BE49-F238E27FC236}">
+                <a16:creationId xmlns:a16="http://schemas.microsoft.com/office/drawing/2014/main" id="{69D8A802-1887-5C44-89B7-C430FD3E8CF1}"/>
+              </a:ext>
+            </a:extLst>
+          </p:cNvPr>
+          <p:cNvSpPr>
+            <a:spLocks noGrp="1"/>
+          </p:cNvSpPr>
+          <p:nvPr>
+            <p:ph type="title"/>
+          </p:nvPr>
+        </p:nvSpPr>
+        <p:spPr/>
+        <p:txBody>
+          <a:bodyPr/>
+          <a:lstStyle/>
+          <a:p>
+            <a:r>
+              <a:rPr lang="en-US" dirty="0"/>
+              <a:t>Named Patterns</a:t>
+            </a:r>
+          </a:p>
+        </p:txBody>
+      </p:sp>
+      <p:sp>
+        <p:nvSpPr>
+          <p:cNvPr id="3" name="Content Placeholder 2">
+            <a:extLst>
+              <a:ext uri="{FF2B5EF4-FFF2-40B4-BE49-F238E27FC236}">
+                <a16:creationId xmlns:a16="http://schemas.microsoft.com/office/drawing/2014/main" id="{E7A95868-7F6A-C846-8D8F-777179574524}"/>
+              </a:ext>
+            </a:extLst>
+          </p:cNvPr>
+          <p:cNvSpPr>
+            <a:spLocks noGrp="1"/>
+          </p:cNvSpPr>
+          <p:nvPr>
+            <p:ph idx="1"/>
+          </p:nvPr>
+        </p:nvSpPr>
+        <p:spPr>
+          <a:xfrm>
+            <a:off x="1524000" y="1905000"/>
+            <a:ext cx="7010400" cy="1524000"/>
+          </a:xfrm>
+        </p:spPr>
+        <p:txBody>
+          <a:bodyPr>
+            <a:normAutofit/>
+          </a:bodyPr>
+          <a:lstStyle/>
+          <a:p>
+            <a:r>
+              <a:rPr lang="en-US" dirty="0"/>
+              <a:t>This shorthand notation is especially useful when combined with type patterns,</a:t>
+            </a:r>
+          </a:p>
+        </p:txBody>
+      </p:sp>
+      <p:pic>
+        <p:nvPicPr>
+          <p:cNvPr id="5" name="Picture 4">
+            <a:extLst>
+              <a:ext uri="{FF2B5EF4-FFF2-40B4-BE49-F238E27FC236}">
+                <a16:creationId xmlns:a16="http://schemas.microsoft.com/office/drawing/2014/main" id="{57FD4B1D-ADB2-6443-B87E-4D51B91BE598}"/>
+              </a:ext>
+            </a:extLst>
+          </p:cNvPr>
+          <p:cNvPicPr>
+            <a:picLocks noChangeAspect="1"/>
+          </p:cNvPicPr>
+          <p:nvPr/>
+        </p:nvPicPr>
+        <p:blipFill>
+          <a:blip r:embed="rId2"/>
+          <a:stretch>
+            <a:fillRect/>
+          </a:stretch>
+        </p:blipFill>
+        <p:spPr>
+          <a:xfrm>
+            <a:off x="2362200" y="3962400"/>
+            <a:ext cx="3644900" cy="1625600"/>
+          </a:xfrm>
+          <a:prstGeom prst="rect">
+            <a:avLst/>
+          </a:prstGeom>
+          <a:ln>
+            <a:solidFill>
+              <a:schemeClr val="tx2"/>
+            </a:solidFill>
+          </a:ln>
+        </p:spPr>
+      </p:pic>
+    </p:spTree>
+    <p:extLst>
+      <p:ext uri="{BB962C8B-B14F-4D97-AF65-F5344CB8AC3E}">
+        <p14:creationId xmlns:p14="http://schemas.microsoft.com/office/powerpoint/2010/main" val="4050486953"/>
+      </p:ext>
+    </p:extLst>
+  </p:cSld>
+  <p:clrMapOvr>
+    <a:masterClrMapping/>
+  </p:clrMapOvr>
+</p:sld>
+</file>
+
+<file path=ppt/slides/slide32.xml><?xml version="1.0" encoding="utf-8"?>
+<p:sld xmlns:a="http://schemas.openxmlformats.org/drawingml/2006/main" xmlns:r="http://schemas.openxmlformats.org/officeDocument/2006/relationships" xmlns:p="http://schemas.openxmlformats.org/presentationml/2006/main">
+  <p:cSld>
+    <p:spTree>
+      <p:nvGrpSpPr>
+        <p:cNvPr id="1" name=""/>
+        <p:cNvGrpSpPr/>
+        <p:nvPr/>
+      </p:nvGrpSpPr>
+      <p:grpSpPr>
+        <a:xfrm>
+          <a:off x="0" y="0"/>
+          <a:ext cx="0" cy="0"/>
+          <a:chOff x="0" y="0"/>
+          <a:chExt cx="0" cy="0"/>
+        </a:xfrm>
+      </p:grpSpPr>
+      <p:sp>
+        <p:nvSpPr>
+          <p:cNvPr id="2" name="Title 1">
+            <a:extLst>
+              <a:ext uri="{FF2B5EF4-FFF2-40B4-BE49-F238E27FC236}">
+                <a16:creationId xmlns:a16="http://schemas.microsoft.com/office/drawing/2014/main" id="{69D8A802-1887-5C44-89B7-C430FD3E8CF1}"/>
+              </a:ext>
+            </a:extLst>
+          </p:cNvPr>
+          <p:cNvSpPr>
+            <a:spLocks noGrp="1"/>
+          </p:cNvSpPr>
+          <p:nvPr>
+            <p:ph type="title"/>
+          </p:nvPr>
+        </p:nvSpPr>
+        <p:spPr/>
+        <p:txBody>
+          <a:bodyPr/>
+          <a:lstStyle/>
+          <a:p>
+            <a:r>
+              <a:rPr lang="en-US" dirty="0"/>
+              <a:t>Named Patterns</a:t>
+            </a:r>
+          </a:p>
+        </p:txBody>
+      </p:sp>
+      <p:sp>
+        <p:nvSpPr>
+          <p:cNvPr id="3" name="Content Placeholder 2">
+            <a:extLst>
+              <a:ext uri="{FF2B5EF4-FFF2-40B4-BE49-F238E27FC236}">
+                <a16:creationId xmlns:a16="http://schemas.microsoft.com/office/drawing/2014/main" id="{E7A95868-7F6A-C846-8D8F-777179574524}"/>
+              </a:ext>
+            </a:extLst>
+          </p:cNvPr>
+          <p:cNvSpPr>
+            <a:spLocks noGrp="1"/>
+          </p:cNvSpPr>
+          <p:nvPr>
+            <p:ph idx="1"/>
+          </p:nvPr>
+        </p:nvSpPr>
+        <p:spPr>
+          <a:xfrm>
+            <a:off x="1524000" y="1905000"/>
+            <a:ext cx="7010400" cy="2362200"/>
+          </a:xfrm>
+        </p:spPr>
+        <p:txBody>
+          <a:bodyPr>
+            <a:normAutofit fontScale="77500" lnSpcReduction="20000"/>
+          </a:bodyPr>
+          <a:lstStyle/>
+          <a:p>
+            <a:r>
+              <a:rPr lang="en-US" dirty="0"/>
+              <a:t>Beware: even though named patterns with type patterns look like a declarations they are not!</a:t>
+            </a:r>
+          </a:p>
+          <a:p>
+            <a:r>
+              <a:rPr lang="en-US" dirty="0"/>
+              <a:t>They are pattern match statements; consequently, implicit type conversions we are used to from other programming languages do not work!</a:t>
+            </a:r>
+          </a:p>
+          <a:p>
+            <a:endParaRPr lang="en-US" dirty="0"/>
+          </a:p>
+        </p:txBody>
+      </p:sp>
+      <p:pic>
+        <p:nvPicPr>
+          <p:cNvPr id="4" name="Picture 3">
+            <a:extLst>
+              <a:ext uri="{FF2B5EF4-FFF2-40B4-BE49-F238E27FC236}">
+                <a16:creationId xmlns:a16="http://schemas.microsoft.com/office/drawing/2014/main" id="{64F162B0-3C1E-E841-94F2-CD56B6552035}"/>
+              </a:ext>
+            </a:extLst>
+          </p:cNvPr>
+          <p:cNvPicPr>
+            <a:picLocks noChangeAspect="1"/>
+          </p:cNvPicPr>
+          <p:nvPr/>
+        </p:nvPicPr>
+        <p:blipFill>
+          <a:blip r:embed="rId2"/>
+          <a:stretch>
+            <a:fillRect/>
+          </a:stretch>
+        </p:blipFill>
+        <p:spPr>
+          <a:xfrm>
+            <a:off x="685800" y="4267200"/>
+            <a:ext cx="8026400" cy="1460500"/>
+          </a:xfrm>
+          <a:prstGeom prst="rect">
+            <a:avLst/>
+          </a:prstGeom>
+          <a:ln>
+            <a:solidFill>
+              <a:schemeClr val="tx2"/>
+            </a:solidFill>
+          </a:ln>
+        </p:spPr>
+      </p:pic>
+    </p:spTree>
+    <p:extLst>
+      <p:ext uri="{BB962C8B-B14F-4D97-AF65-F5344CB8AC3E}">
+        <p14:creationId xmlns:p14="http://schemas.microsoft.com/office/powerpoint/2010/main" val="1285522234"/>
+      </p:ext>
+    </p:extLst>
+  </p:cSld>
+  <p:clrMapOvr>
+    <a:masterClrMapping/>
+  </p:clrMapOvr>
+</p:sld>
+</file>
+
+<file path=ppt/slides/slide33.xml><?xml version="1.0" encoding="utf-8"?>
+<p:sld xmlns:a="http://schemas.openxmlformats.org/drawingml/2006/main" xmlns:r="http://schemas.openxmlformats.org/officeDocument/2006/relationships" xmlns:p="http://schemas.openxmlformats.org/presentationml/2006/main">
+  <p:cSld>
+    <p:spTree>
+      <p:nvGrpSpPr>
+        <p:cNvPr id="1" name=""/>
+        <p:cNvGrpSpPr/>
+        <p:nvPr/>
+      </p:nvGrpSpPr>
+      <p:grpSpPr>
+        <a:xfrm>
+          <a:off x="0" y="0"/>
+          <a:ext cx="0" cy="0"/>
+          <a:chOff x="0" y="0"/>
+          <a:chExt cx="0" cy="0"/>
+        </a:xfrm>
+      </p:grpSpPr>
+      <p:sp>
+        <p:nvSpPr>
+          <p:cNvPr id="2" name="Title 1">
+            <a:extLst>
+              <a:ext uri="{FF2B5EF4-FFF2-40B4-BE49-F238E27FC236}">
+                <a16:creationId xmlns:a16="http://schemas.microsoft.com/office/drawing/2014/main" id="{6195C51E-259E-9349-83AB-34F41AD10999}"/>
+              </a:ext>
+            </a:extLst>
+          </p:cNvPr>
+          <p:cNvSpPr>
+            <a:spLocks noGrp="1"/>
+          </p:cNvSpPr>
+          <p:nvPr>
+            <p:ph type="title"/>
+          </p:nvPr>
+        </p:nvSpPr>
+        <p:spPr/>
+        <p:txBody>
+          <a:bodyPr/>
+          <a:lstStyle/>
+          <a:p>
+            <a:r>
+              <a:rPr lang="en-US" dirty="0"/>
+              <a:t>Head-Tail Pattern</a:t>
+            </a:r>
+          </a:p>
+        </p:txBody>
+      </p:sp>
+      <p:sp>
+        <p:nvSpPr>
+          <p:cNvPr id="3" name="Content Placeholder 2">
+            <a:extLst>
+              <a:ext uri="{FF2B5EF4-FFF2-40B4-BE49-F238E27FC236}">
+                <a16:creationId xmlns:a16="http://schemas.microsoft.com/office/drawing/2014/main" id="{3F46B74A-6B29-9041-95E9-7392BDABF9A2}"/>
+              </a:ext>
+            </a:extLst>
+          </p:cNvPr>
+          <p:cNvSpPr>
+            <a:spLocks noGrp="1"/>
+          </p:cNvSpPr>
+          <p:nvPr>
+            <p:ph idx="1"/>
+          </p:nvPr>
+        </p:nvSpPr>
+        <p:spPr>
+          <a:xfrm>
+            <a:off x="1524000" y="1905000"/>
+            <a:ext cx="7010400" cy="2895600"/>
+          </a:xfrm>
+        </p:spPr>
+        <p:txBody>
+          <a:bodyPr>
+            <a:normAutofit fontScale="77500" lnSpcReduction="20000"/>
+          </a:bodyPr>
+          <a:lstStyle/>
+          <a:p>
+            <a:r>
+              <a:rPr lang="en-US" dirty="0"/>
+              <a:t>The head-tail pattern </a:t>
+            </a:r>
+            <a:br>
+              <a:rPr lang="en-US" dirty="0"/>
+            </a:br>
+            <a:r>
+              <a:rPr lang="en-US" dirty="0"/>
+              <a:t>    [ &lt;head var&gt; | &lt;tail var&gt; ]</a:t>
+            </a:r>
+            <a:br>
+              <a:rPr lang="en-US" dirty="0"/>
+            </a:br>
+            <a:r>
+              <a:rPr lang="en-US" dirty="0"/>
+              <a:t>is a useful pattern that allows us to </a:t>
+            </a:r>
+            <a:r>
+              <a:rPr lang="en-US" dirty="0" err="1"/>
+              <a:t>destructure</a:t>
+            </a:r>
+            <a:r>
+              <a:rPr lang="en-US" dirty="0"/>
+              <a:t> a list into into its first element and the rest of the list; the list with its first element removed.</a:t>
+            </a:r>
+          </a:p>
+          <a:p>
+            <a:r>
+              <a:rPr lang="en-US" dirty="0"/>
+              <a:t>As we will see later, this pattern will prove extremely useful when dealing with recursion or iteration over lists.</a:t>
+            </a:r>
+          </a:p>
+          <a:p>
+            <a:endParaRPr lang="en-US" dirty="0"/>
+          </a:p>
+        </p:txBody>
+      </p:sp>
+      <p:pic>
+        <p:nvPicPr>
+          <p:cNvPr id="4" name="Picture 3">
+            <a:extLst>
+              <a:ext uri="{FF2B5EF4-FFF2-40B4-BE49-F238E27FC236}">
+                <a16:creationId xmlns:a16="http://schemas.microsoft.com/office/drawing/2014/main" id="{40EBF5AF-9F39-674B-B21C-1DE5732AD872}"/>
+              </a:ext>
+            </a:extLst>
+          </p:cNvPr>
+          <p:cNvPicPr>
+            <a:picLocks noChangeAspect="1"/>
+          </p:cNvPicPr>
+          <p:nvPr/>
+        </p:nvPicPr>
+        <p:blipFill>
+          <a:blip r:embed="rId2"/>
+          <a:stretch>
+            <a:fillRect/>
+          </a:stretch>
+        </p:blipFill>
+        <p:spPr>
+          <a:xfrm>
+            <a:off x="2743200" y="4800600"/>
+            <a:ext cx="3251200" cy="1574800"/>
+          </a:xfrm>
+          <a:prstGeom prst="rect">
+            <a:avLst/>
+          </a:prstGeom>
+          <a:ln>
+            <a:solidFill>
+              <a:schemeClr val="tx1"/>
+            </a:solidFill>
+          </a:ln>
+        </p:spPr>
+      </p:pic>
+    </p:spTree>
+    <p:extLst>
+      <p:ext uri="{BB962C8B-B14F-4D97-AF65-F5344CB8AC3E}">
+        <p14:creationId xmlns:p14="http://schemas.microsoft.com/office/powerpoint/2010/main" val="368365555"/>
+      </p:ext>
+    </p:extLst>
+  </p:cSld>
+  <p:clrMapOvr>
+    <a:masterClrMapping/>
+  </p:clrMapOvr>
+</p:sld>
+</file>
+
+<file path=ppt/slides/slide34.xml><?xml version="1.0" encoding="utf-8"?>
+<p:sld xmlns:a="http://schemas.openxmlformats.org/drawingml/2006/main" xmlns:r="http://schemas.openxmlformats.org/officeDocument/2006/relationships" xmlns:p="http://schemas.openxmlformats.org/presentationml/2006/main">
+  <p:cSld>
+    <p:spTree>
+      <p:nvGrpSpPr>
+        <p:cNvPr id="1" name=""/>
+        <p:cNvGrpSpPr/>
+        <p:nvPr/>
+      </p:nvGrpSpPr>
+      <p:grpSpPr>
+        <a:xfrm>
+          <a:off x="0" y="0"/>
+          <a:ext cx="0" cy="0"/>
+          <a:chOff x="0" y="0"/>
+          <a:chExt cx="0" cy="0"/>
+        </a:xfrm>
+      </p:grpSpPr>
+      <p:sp>
+        <p:nvSpPr>
+          <p:cNvPr id="2" name="Title 1">
+            <a:extLst>
+              <a:ext uri="{FF2B5EF4-FFF2-40B4-BE49-F238E27FC236}">
+                <a16:creationId xmlns:a16="http://schemas.microsoft.com/office/drawing/2014/main" id="{6195C51E-259E-9349-83AB-34F41AD10999}"/>
+              </a:ext>
+            </a:extLst>
+          </p:cNvPr>
+          <p:cNvSpPr>
+            <a:spLocks noGrp="1"/>
+          </p:cNvSpPr>
+          <p:nvPr>
+            <p:ph type="title"/>
+          </p:nvPr>
+        </p:nvSpPr>
+        <p:spPr/>
+        <p:txBody>
+          <a:bodyPr/>
+          <a:lstStyle/>
+          <a:p>
+            <a:r>
+              <a:rPr lang="en-US" dirty="0"/>
+              <a:t>Head-Tail Pattern</a:t>
+            </a:r>
+          </a:p>
+        </p:txBody>
+      </p:sp>
+      <p:sp>
+        <p:nvSpPr>
+          <p:cNvPr id="3" name="Content Placeholder 2">
+            <a:extLst>
+              <a:ext uri="{FF2B5EF4-FFF2-40B4-BE49-F238E27FC236}">
+                <a16:creationId xmlns:a16="http://schemas.microsoft.com/office/drawing/2014/main" id="{3F46B74A-6B29-9041-95E9-7392BDABF9A2}"/>
+              </a:ext>
+            </a:extLst>
+          </p:cNvPr>
+          <p:cNvSpPr>
+            <a:spLocks noGrp="1"/>
+          </p:cNvSpPr>
+          <p:nvPr>
+            <p:ph idx="1"/>
+          </p:nvPr>
+        </p:nvSpPr>
+        <p:spPr>
+          <a:xfrm>
+            <a:off x="1524000" y="1905000"/>
+            <a:ext cx="7010400" cy="2895600"/>
+          </a:xfrm>
+        </p:spPr>
+        <p:txBody>
+          <a:bodyPr>
+            <a:normAutofit/>
+          </a:bodyPr>
+          <a:lstStyle/>
+          <a:p>
+            <a:r>
+              <a:rPr lang="en-US" dirty="0"/>
+              <a:t>The head-tail pattern can also be used “in reverse” – as a constructor,</a:t>
+            </a:r>
+          </a:p>
+          <a:p>
+            <a:pPr lvl="1"/>
+            <a:r>
+              <a:rPr lang="en-US" dirty="0"/>
+              <a:t>Given an element and a list it will prepend the element to the list</a:t>
+            </a:r>
+          </a:p>
+        </p:txBody>
+      </p:sp>
+      <p:pic>
+        <p:nvPicPr>
+          <p:cNvPr id="5" name="Picture 4">
+            <a:extLst>
+              <a:ext uri="{FF2B5EF4-FFF2-40B4-BE49-F238E27FC236}">
+                <a16:creationId xmlns:a16="http://schemas.microsoft.com/office/drawing/2014/main" id="{54E484A6-DFFD-CA4E-8E22-B165552E5060}"/>
+              </a:ext>
+            </a:extLst>
+          </p:cNvPr>
+          <p:cNvPicPr>
+            <a:picLocks noChangeAspect="1"/>
+          </p:cNvPicPr>
+          <p:nvPr/>
+        </p:nvPicPr>
+        <p:blipFill>
+          <a:blip r:embed="rId2"/>
+          <a:stretch>
+            <a:fillRect/>
+          </a:stretch>
+        </p:blipFill>
+        <p:spPr>
+          <a:xfrm>
+            <a:off x="2971800" y="4371975"/>
+            <a:ext cx="2565400" cy="1231900"/>
+          </a:xfrm>
+          <a:prstGeom prst="rect">
+            <a:avLst/>
+          </a:prstGeom>
+          <a:ln>
+            <a:solidFill>
+              <a:schemeClr val="tx1"/>
+            </a:solidFill>
+          </a:ln>
+        </p:spPr>
+      </p:pic>
+    </p:spTree>
+    <p:extLst>
+      <p:ext uri="{BB962C8B-B14F-4D97-AF65-F5344CB8AC3E}">
+        <p14:creationId xmlns:p14="http://schemas.microsoft.com/office/powerpoint/2010/main" val="4189918242"/>
+      </p:ext>
+    </p:extLst>
+  </p:cSld>
+  <p:clrMapOvr>
+    <a:masterClrMapping/>
+  </p:clrMapOvr>
+</p:sld>
+</file>
+
+<file path=ppt/slides/slide35.xml><?xml version="1.0" encoding="utf-8"?>
+<p:sld xmlns:a="http://schemas.openxmlformats.org/drawingml/2006/main" xmlns:r="http://schemas.openxmlformats.org/officeDocument/2006/relationships" xmlns:p="http://schemas.openxmlformats.org/presentationml/2006/main">
+  <p:cSld>
+    <p:spTree>
+      <p:nvGrpSpPr>
+        <p:cNvPr id="1" name=""/>
+        <p:cNvGrpSpPr/>
+        <p:nvPr/>
+      </p:nvGrpSpPr>
+      <p:grpSpPr>
+        <a:xfrm>
+          <a:off x="0" y="0"/>
+          <a:ext cx="0" cy="0"/>
+          <a:chOff x="0" y="0"/>
+          <a:chExt cx="0" cy="0"/>
+        </a:xfrm>
+      </p:grpSpPr>
+      <p:sp>
+        <p:nvSpPr>
+          <p:cNvPr id="2" name="Title 1">
+            <a:extLst>
+              <a:ext uri="{FF2B5EF4-FFF2-40B4-BE49-F238E27FC236}">
+                <a16:creationId xmlns:a16="http://schemas.microsoft.com/office/drawing/2014/main" id="{980BBCB4-34B6-6F4D-9DAA-48FC9F7BB83F}"/>
+              </a:ext>
+            </a:extLst>
+          </p:cNvPr>
+          <p:cNvSpPr>
+            <a:spLocks noGrp="1"/>
+          </p:cNvSpPr>
+          <p:nvPr>
+            <p:ph type="title"/>
+          </p:nvPr>
+        </p:nvSpPr>
+        <p:spPr/>
+        <p:txBody>
+          <a:bodyPr/>
+          <a:lstStyle/>
+          <a:p>
+            <a:r>
+              <a:rPr lang="en-US" dirty="0"/>
+              <a:t>Pattern Matching with Regular Expressions</a:t>
+            </a:r>
+          </a:p>
+        </p:txBody>
+      </p:sp>
+      <p:sp>
+        <p:nvSpPr>
+          <p:cNvPr id="3" name="Content Placeholder 2">
+            <a:extLst>
+              <a:ext uri="{FF2B5EF4-FFF2-40B4-BE49-F238E27FC236}">
+                <a16:creationId xmlns:a16="http://schemas.microsoft.com/office/drawing/2014/main" id="{946A49A8-7143-3D47-B39F-FC08E41F5600}"/>
+              </a:ext>
+            </a:extLst>
+          </p:cNvPr>
+          <p:cNvSpPr>
+            <a:spLocks noGrp="1"/>
+          </p:cNvSpPr>
+          <p:nvPr>
+            <p:ph idx="1"/>
+          </p:nvPr>
+        </p:nvSpPr>
+        <p:spPr/>
+        <p:txBody>
+          <a:bodyPr>
+            <a:normAutofit fontScale="77500" lnSpcReduction="20000"/>
+          </a:bodyPr>
+          <a:lstStyle/>
+          <a:p>
+            <a:r>
+              <a:rPr lang="en-US" dirty="0"/>
+              <a:t>Regular expressions are patterns that can be applied to strings</a:t>
+            </a:r>
+          </a:p>
+          <a:p>
+            <a:r>
+              <a:rPr lang="en-US" dirty="0"/>
+              <a:t>e.g., the regex</a:t>
+            </a:r>
+            <a:br>
+              <a:rPr lang="en-US" dirty="0"/>
+            </a:br>
+            <a:r>
+              <a:rPr lang="en-US" dirty="0"/>
+              <a:t>      “a(b)*”</a:t>
+            </a:r>
+            <a:br>
+              <a:rPr lang="en-US" dirty="0"/>
+            </a:br>
+            <a:r>
+              <a:rPr lang="en-US" dirty="0"/>
+              <a:t>matches any string that starts with an a followed by zero or more b’s.</a:t>
+            </a:r>
+          </a:p>
+          <a:p>
+            <a:r>
+              <a:rPr lang="en-US" dirty="0"/>
+              <a:t>In Asteroid regular expressions are considered patterns and therefore we can write expressions like</a:t>
+            </a:r>
+            <a:br>
+              <a:rPr lang="en-US" dirty="0"/>
+            </a:br>
+            <a:r>
+              <a:rPr lang="en-US" dirty="0"/>
+              <a:t>    “</a:t>
+            </a:r>
+            <a:r>
+              <a:rPr lang="en-US" dirty="0" err="1"/>
+              <a:t>abbbb</a:t>
+            </a:r>
+            <a:r>
+              <a:rPr lang="en-US" dirty="0"/>
+              <a:t>” is “a(b)*”</a:t>
+            </a:r>
+          </a:p>
+          <a:p>
+            <a:r>
+              <a:rPr lang="en-US" dirty="0"/>
+              <a:t>Asteroid’s regex syntax follows Python’s regex syntax</a:t>
+            </a:r>
+          </a:p>
+          <a:p>
+            <a:pPr lvl="1"/>
+            <a:r>
+              <a:rPr lang="en-US" dirty="0">
+                <a:hlinkClick r:id="rId2"/>
+              </a:rPr>
+              <a:t>https://docs.python.org/3/library/re.html</a:t>
+            </a:r>
+            <a:endParaRPr lang="en-US" dirty="0"/>
+          </a:p>
+          <a:p>
+            <a:pPr lvl="1"/>
+            <a:endParaRPr lang="en-US" dirty="0"/>
+          </a:p>
+        </p:txBody>
+      </p:sp>
+    </p:spTree>
+    <p:extLst>
+      <p:ext uri="{BB962C8B-B14F-4D97-AF65-F5344CB8AC3E}">
+        <p14:creationId xmlns:p14="http://schemas.microsoft.com/office/powerpoint/2010/main" val="1988537012"/>
+      </p:ext>
+    </p:extLst>
+  </p:cSld>
+  <p:clrMapOvr>
+    <a:masterClrMapping/>
+  </p:clrMapOvr>
+</p:sld>
+</file>
+
+<file path=ppt/slides/slide36.xml><?xml version="1.0" encoding="utf-8"?>
+<p:sld xmlns:a="http://schemas.openxmlformats.org/drawingml/2006/main" xmlns:r="http://schemas.openxmlformats.org/officeDocument/2006/relationships" xmlns:p="http://schemas.openxmlformats.org/presentationml/2006/main">
+  <p:cSld>
+    <p:spTree>
+      <p:nvGrpSpPr>
+        <p:cNvPr id="1" name=""/>
+        <p:cNvGrpSpPr/>
+        <p:nvPr/>
+      </p:nvGrpSpPr>
+      <p:grpSpPr>
+        <a:xfrm>
+          <a:off x="0" y="0"/>
+          <a:ext cx="0" cy="0"/>
+          <a:chOff x="0" y="0"/>
+          <a:chExt cx="0" cy="0"/>
+        </a:xfrm>
+      </p:grpSpPr>
+      <p:sp>
+        <p:nvSpPr>
+          <p:cNvPr id="2" name="Title 1">
+            <a:extLst>
+              <a:ext uri="{FF2B5EF4-FFF2-40B4-BE49-F238E27FC236}">
+                <a16:creationId xmlns:a16="http://schemas.microsoft.com/office/drawing/2014/main" id="{980BBCB4-34B6-6F4D-9DAA-48FC9F7BB83F}"/>
+              </a:ext>
+            </a:extLst>
+          </p:cNvPr>
+          <p:cNvSpPr>
+            <a:spLocks noGrp="1"/>
+          </p:cNvSpPr>
+          <p:nvPr>
+            <p:ph type="title"/>
+          </p:nvPr>
+        </p:nvSpPr>
+        <p:spPr/>
+        <p:txBody>
+          <a:bodyPr/>
+          <a:lstStyle/>
+          <a:p>
+            <a:r>
+              <a:rPr lang="en-US" dirty="0"/>
+              <a:t>Pattern Matching with Regular Expressions</a:t>
+            </a:r>
+          </a:p>
+        </p:txBody>
+      </p:sp>
+      <p:pic>
+        <p:nvPicPr>
+          <p:cNvPr id="4" name="Picture 3">
+            <a:extLst>
+              <a:ext uri="{FF2B5EF4-FFF2-40B4-BE49-F238E27FC236}">
+                <a16:creationId xmlns:a16="http://schemas.microsoft.com/office/drawing/2014/main" id="{DBC2D86C-61A2-0548-BD77-50DE72C69E24}"/>
+              </a:ext>
+            </a:extLst>
+          </p:cNvPr>
+          <p:cNvPicPr>
+            <a:picLocks noChangeAspect="1"/>
+          </p:cNvPicPr>
+          <p:nvPr/>
+        </p:nvPicPr>
+        <p:blipFill>
+          <a:blip r:embed="rId2"/>
+          <a:stretch>
+            <a:fillRect/>
+          </a:stretch>
+        </p:blipFill>
+        <p:spPr>
+          <a:xfrm>
+            <a:off x="609600" y="2057400"/>
+            <a:ext cx="3035300" cy="2451100"/>
+          </a:xfrm>
+          <a:prstGeom prst="rect">
+            <a:avLst/>
+          </a:prstGeom>
+          <a:ln>
+            <a:solidFill>
+              <a:schemeClr val="tx2"/>
+            </a:solidFill>
+          </a:ln>
+        </p:spPr>
+      </p:pic>
+      <p:sp>
+        <p:nvSpPr>
+          <p:cNvPr id="5" name="TextBox 4">
+            <a:extLst>
+              <a:ext uri="{FF2B5EF4-FFF2-40B4-BE49-F238E27FC236}">
+                <a16:creationId xmlns:a16="http://schemas.microsoft.com/office/drawing/2014/main" id="{7401E3AD-0165-9445-8C37-7660A82607F8}"/>
+              </a:ext>
+            </a:extLst>
+          </p:cNvPr>
+          <p:cNvSpPr txBox="1"/>
+          <p:nvPr/>
+        </p:nvSpPr>
+        <p:spPr>
+          <a:xfrm>
+            <a:off x="1067741" y="4724400"/>
+            <a:ext cx="1675459" cy="307777"/>
+          </a:xfrm>
+          <a:prstGeom prst="rect">
+            <a:avLst/>
+          </a:prstGeom>
+          <a:noFill/>
+        </p:spPr>
+        <p:txBody>
+          <a:bodyPr wrap="none" rtlCol="0">
+            <a:spAutoFit/>
+          </a:bodyPr>
+          <a:lstStyle/>
+          <a:p>
+            <a:r>
+              <a:rPr lang="en-US" sz="1400" dirty="0"/>
+              <a:t>Note: (a)+  =  a(a)*</a:t>
+            </a:r>
+          </a:p>
+        </p:txBody>
+      </p:sp>
+      <p:pic>
+        <p:nvPicPr>
+          <p:cNvPr id="6" name="Picture 5">
+            <a:extLst>
+              <a:ext uri="{FF2B5EF4-FFF2-40B4-BE49-F238E27FC236}">
+                <a16:creationId xmlns:a16="http://schemas.microsoft.com/office/drawing/2014/main" id="{434BB629-1D59-DE4A-8E08-78AEA977F6C5}"/>
+              </a:ext>
+            </a:extLst>
+          </p:cNvPr>
+          <p:cNvPicPr>
+            <a:picLocks noChangeAspect="1"/>
+          </p:cNvPicPr>
+          <p:nvPr/>
+        </p:nvPicPr>
+        <p:blipFill>
+          <a:blip r:embed="rId3"/>
+          <a:stretch>
+            <a:fillRect/>
+          </a:stretch>
+        </p:blipFill>
+        <p:spPr>
+          <a:xfrm>
+            <a:off x="3340100" y="3276600"/>
+            <a:ext cx="5346700" cy="2990348"/>
+          </a:xfrm>
+          <a:prstGeom prst="rect">
+            <a:avLst/>
+          </a:prstGeom>
+          <a:ln>
+            <a:solidFill>
+              <a:schemeClr val="tx2"/>
+            </a:solidFill>
+          </a:ln>
+        </p:spPr>
+      </p:pic>
+      <p:sp>
+        <p:nvSpPr>
+          <p:cNvPr id="7" name="TextBox 6">
+            <a:extLst>
+              <a:ext uri="{FF2B5EF4-FFF2-40B4-BE49-F238E27FC236}">
+                <a16:creationId xmlns:a16="http://schemas.microsoft.com/office/drawing/2014/main" id="{11DE53EE-92BB-A640-9282-CDADF1387309}"/>
+              </a:ext>
+            </a:extLst>
+          </p:cNvPr>
+          <p:cNvSpPr txBox="1"/>
+          <p:nvPr/>
+        </p:nvSpPr>
+        <p:spPr>
+          <a:xfrm>
+            <a:off x="4325815" y="6447692"/>
+            <a:ext cx="1279517" cy="307777"/>
+          </a:xfrm>
+          <a:prstGeom prst="rect">
+            <a:avLst/>
+          </a:prstGeom>
+          <a:noFill/>
+        </p:spPr>
+        <p:txBody>
+          <a:bodyPr wrap="none" rtlCol="0">
+            <a:spAutoFit/>
+          </a:bodyPr>
+          <a:lstStyle/>
+          <a:p>
+            <a:r>
+              <a:rPr lang="en-US" sz="1400" dirty="0"/>
+              <a:t>ln004/list1.ast</a:t>
+            </a:r>
+          </a:p>
+        </p:txBody>
+      </p:sp>
+      <p:sp>
+        <p:nvSpPr>
+          <p:cNvPr id="8" name="TextBox 7">
+            <a:extLst>
+              <a:ext uri="{FF2B5EF4-FFF2-40B4-BE49-F238E27FC236}">
+                <a16:creationId xmlns:a16="http://schemas.microsoft.com/office/drawing/2014/main" id="{F287CA79-687A-444F-8246-8EA528E4D893}"/>
+              </a:ext>
+            </a:extLst>
+          </p:cNvPr>
+          <p:cNvSpPr txBox="1"/>
+          <p:nvPr/>
+        </p:nvSpPr>
+        <p:spPr>
+          <a:xfrm>
+            <a:off x="5605332" y="2629098"/>
+            <a:ext cx="2403222" cy="307777"/>
+          </a:xfrm>
+          <a:prstGeom prst="rect">
+            <a:avLst/>
+          </a:prstGeom>
+          <a:noFill/>
+        </p:spPr>
+        <p:txBody>
+          <a:bodyPr wrap="none" rtlCol="0">
+            <a:spAutoFit/>
+          </a:bodyPr>
+          <a:lstStyle/>
+          <a:p>
+            <a:r>
+              <a:rPr lang="en-US" sz="1400" dirty="0"/>
+              <a:t>Pattern matching with regex</a:t>
+            </a:r>
+          </a:p>
+        </p:txBody>
+      </p:sp>
+      <p:cxnSp>
+        <p:nvCxnSpPr>
+          <p:cNvPr id="10" name="Straight Arrow Connector 9">
+            <a:extLst>
+              <a:ext uri="{FF2B5EF4-FFF2-40B4-BE49-F238E27FC236}">
+                <a16:creationId xmlns:a16="http://schemas.microsoft.com/office/drawing/2014/main" id="{4B6DD459-75B2-9346-AD83-F84BF6067F16}"/>
+              </a:ext>
+            </a:extLst>
+          </p:cNvPr>
+          <p:cNvCxnSpPr>
+            <a:stCxn id="8" idx="2"/>
+          </p:cNvCxnSpPr>
+          <p:nvPr/>
+        </p:nvCxnSpPr>
+        <p:spPr bwMode="auto">
+          <a:xfrm flipH="1">
+            <a:off x="6096000" y="2936875"/>
+            <a:ext cx="710943" cy="2095302"/>
+          </a:xfrm>
+          <a:prstGeom prst="straightConnector1">
+            <a:avLst/>
+          </a:prstGeom>
+          <a:solidFill>
+            <a:schemeClr val="accent1"/>
+          </a:solidFill>
+          <a:ln w="9525" cap="flat" cmpd="sng" algn="ctr">
+            <a:solidFill>
+              <a:schemeClr val="tx1"/>
+            </a:solidFill>
+            <a:prstDash val="solid"/>
+            <a:round/>
+            <a:headEnd type="none" w="med" len="med"/>
+            <a:tailEnd type="triangle"/>
+          </a:ln>
+          <a:effectLst/>
+          <a:extLst>
+            <a:ext uri="{AF507438-7753-43e0-B8FC-AC1667EBCBE1}">
+              <a14:hiddenEffects xmlns:a14="http://schemas.microsoft.com/office/drawing/2010/main" xmlns="">
+                <a:effectLst>
+                  <a:outerShdw blurRad="63500" dist="38099" dir="2700000" algn="ctr" rotWithShape="0">
+                    <a:schemeClr val="bg2">
+                      <a:alpha val="74998"/>
+                    </a:schemeClr>
+                  </a:outerShdw>
+                </a:effectLst>
+              </a14:hiddenEffects>
+            </a:ext>
+          </a:extLst>
+        </p:spPr>
+      </p:cxnSp>
+    </p:spTree>
+    <p:extLst>
+      <p:ext uri="{BB962C8B-B14F-4D97-AF65-F5344CB8AC3E}">
+        <p14:creationId xmlns:p14="http://schemas.microsoft.com/office/powerpoint/2010/main" val="426354552"/>
+      </p:ext>
+    </p:extLst>
+  </p:cSld>
+  <p:clrMapOvr>
+    <a:masterClrMapping/>
+  </p:clrMapOvr>
+</p:sld>
+</file>
+
+<file path=ppt/slides/slide37.xml><?xml version="1.0" encoding="utf-8"?>
+<p:sld xmlns:a="http://schemas.openxmlformats.org/drawingml/2006/main" xmlns:r="http://schemas.openxmlformats.org/officeDocument/2006/relationships" xmlns:p="http://schemas.openxmlformats.org/presentationml/2006/main">
+  <p:cSld>
+    <p:spTree>
+      <p:nvGrpSpPr>
+        <p:cNvPr id="1" name=""/>
+        <p:cNvGrpSpPr/>
+        <p:nvPr/>
+      </p:nvGrpSpPr>
+      <p:grpSpPr>
+        <a:xfrm>
+          <a:off x="0" y="0"/>
+          <a:ext cx="0" cy="0"/>
+          <a:chOff x="0" y="0"/>
+          <a:chExt cx="0" cy="0"/>
+        </a:xfrm>
+      </p:grpSpPr>
+      <p:sp>
+        <p:nvSpPr>
+          <p:cNvPr id="3" name="Title 2">
+            <a:extLst>
+              <a:ext uri="{FF2B5EF4-FFF2-40B4-BE49-F238E27FC236}">
+                <a16:creationId xmlns:a16="http://schemas.microsoft.com/office/drawing/2014/main" id="{9D7C697A-6DA3-A44E-B637-24C616E3CC5F}"/>
+              </a:ext>
+            </a:extLst>
+          </p:cNvPr>
+          <p:cNvSpPr>
+            <a:spLocks noGrp="1"/>
+          </p:cNvSpPr>
+          <p:nvPr>
+            <p:ph type="title"/>
+          </p:nvPr>
+        </p:nvSpPr>
+        <p:spPr/>
+        <p:txBody>
+          <a:bodyPr/>
+          <a:lstStyle/>
+          <a:p>
+            <a:r>
+              <a:rPr lang="en-US" dirty="0"/>
+              <a:t>Reading</a:t>
+            </a:r>
+          </a:p>
+        </p:txBody>
+      </p:sp>
+      <p:sp>
+        <p:nvSpPr>
+          <p:cNvPr id="4" name="Content Placeholder 3">
+            <a:extLst>
+              <a:ext uri="{FF2B5EF4-FFF2-40B4-BE49-F238E27FC236}">
+                <a16:creationId xmlns:a16="http://schemas.microsoft.com/office/drawing/2014/main" id="{169AAE0B-02FF-DA4D-BB90-8E551E1B73AC}"/>
+              </a:ext>
+            </a:extLst>
+          </p:cNvPr>
+          <p:cNvSpPr>
+            <a:spLocks noGrp="1"/>
+          </p:cNvSpPr>
+          <p:nvPr>
+            <p:ph idx="1"/>
+          </p:nvPr>
+        </p:nvSpPr>
+        <p:spPr>
+          <a:xfrm>
+            <a:off x="190500" y="1905000"/>
+            <a:ext cx="8763000" cy="4114800"/>
+          </a:xfrm>
+        </p:spPr>
+        <p:txBody>
+          <a:bodyPr/>
+          <a:lstStyle/>
+          <a:p>
+            <a:r>
+              <a:rPr lang="en-US" sz="2000" dirty="0"/>
+              <a:t>The Let Statement</a:t>
+            </a:r>
+          </a:p>
+          <a:p>
+            <a:pPr lvl="1"/>
+            <a:r>
+              <a:rPr lang="en-US" sz="1800" dirty="0">
+                <a:hlinkClick r:id="rId2"/>
+              </a:rPr>
+              <a:t>asteroid-lang.readthedocs.io/en/latest/User%20Guide.html#the-let-statement</a:t>
+            </a:r>
+            <a:endParaRPr lang="en-US" sz="1800" dirty="0"/>
+          </a:p>
+          <a:p>
+            <a:pPr lvl="1"/>
+            <a:endParaRPr lang="en-US" sz="1800" dirty="0"/>
+          </a:p>
+          <a:p>
+            <a:pPr lvl="1"/>
+            <a:endParaRPr lang="en-US" sz="1800" dirty="0"/>
+          </a:p>
+        </p:txBody>
+      </p:sp>
+    </p:spTree>
+    <p:extLst>
+      <p:ext uri="{BB962C8B-B14F-4D97-AF65-F5344CB8AC3E}">
+        <p14:creationId xmlns:p14="http://schemas.microsoft.com/office/powerpoint/2010/main" val="3037335692"/>
+      </p:ext>
+    </p:extLst>
+  </p:cSld>
+  <p:clrMapOvr>
+    <a:masterClrMapping/>
+  </p:clrMapOvr>
+</p:sld>
+</file>
+
+<file path=ppt/slides/slide4.xml><?xml version="1.0" encoding="utf-8"?>
+<p:sld xmlns:a="http://schemas.openxmlformats.org/drawingml/2006/main" xmlns:r="http://schemas.openxmlformats.org/officeDocument/2006/relationships" xmlns:p="http://schemas.openxmlformats.org/presentationml/2006/main">
+  <p:cSld>
+    <p:spTree>
+      <p:nvGrpSpPr>
+        <p:cNvPr id="1" name=""/>
+        <p:cNvGrpSpPr/>
+        <p:nvPr/>
+      </p:nvGrpSpPr>
+      <p:grpSpPr>
+        <a:xfrm>
+          <a:off x="0" y="0"/>
+          <a:ext cx="0" cy="0"/>
+          <a:chOff x="0" y="0"/>
+          <a:chExt cx="0" cy="0"/>
+        </a:xfrm>
+      </p:grpSpPr>
+      <p:sp>
+        <p:nvSpPr>
+          <p:cNvPr id="2" name="Title 1">
+            <a:extLst>
+              <a:ext uri="{FF2B5EF4-FFF2-40B4-BE49-F238E27FC236}">
+                <a16:creationId xmlns:a16="http://schemas.microsoft.com/office/drawing/2014/main" id="{44969C8F-C644-7946-B4B0-381BB6051384}"/>
+              </a:ext>
+            </a:extLst>
+          </p:cNvPr>
+          <p:cNvSpPr>
+            <a:spLocks noGrp="1"/>
+          </p:cNvSpPr>
+          <p:nvPr>
+            <p:ph type="title"/>
+          </p:nvPr>
+        </p:nvSpPr>
+        <p:spPr/>
+        <p:txBody>
+          <a:bodyPr/>
+          <a:lstStyle/>
+          <a:p>
+            <a:r>
+              <a:rPr lang="en-US" dirty="0"/>
+              <a:t>Pattern Matching – Foundations </a:t>
+            </a:r>
+          </a:p>
+        </p:txBody>
+      </p:sp>
+      <p:sp>
+        <p:nvSpPr>
+          <p:cNvPr id="3" name="Content Placeholder 2">
+            <a:extLst>
+              <a:ext uri="{FF2B5EF4-FFF2-40B4-BE49-F238E27FC236}">
+                <a16:creationId xmlns:a16="http://schemas.microsoft.com/office/drawing/2014/main" id="{D1DA5083-17EB-1243-A0A4-6DD3250A0A56}"/>
+              </a:ext>
+            </a:extLst>
+          </p:cNvPr>
+          <p:cNvSpPr>
+            <a:spLocks noGrp="1"/>
+          </p:cNvSpPr>
+          <p:nvPr>
+            <p:ph idx="1"/>
+          </p:nvPr>
+        </p:nvSpPr>
+        <p:spPr/>
+        <p:txBody>
+          <a:bodyPr>
+            <a:normAutofit lnSpcReduction="10000"/>
+          </a:bodyPr>
+          <a:lstStyle/>
+          <a:p>
+            <a:r>
+              <a:rPr lang="en-US" dirty="0"/>
+              <a:t>Here is another example using lists</a:t>
+            </a:r>
+          </a:p>
+          <a:p>
+            <a:r>
+              <a:rPr lang="en-US" dirty="0"/>
+              <a:t>The following are all representations of a list with the values one, two, and three</a:t>
+            </a:r>
+          </a:p>
+          <a:p>
+            <a:pPr lvl="1"/>
+            <a:r>
+              <a:rPr lang="en-US" dirty="0"/>
+              <a:t>[1]+[2]+[3]; [1,2]+[3]; [1,2,3]+[]; [1,2,3]</a:t>
+            </a:r>
+          </a:p>
+          <a:p>
+            <a:r>
+              <a:rPr lang="en-US" dirty="0"/>
+              <a:t>Again, only the last one is the canonical representation of the list</a:t>
+            </a:r>
+          </a:p>
+          <a:p>
+            <a:pPr lvl="1"/>
+            <a:r>
+              <a:rPr lang="en-US" dirty="0"/>
+              <a:t>It represents the value of a list with integer values one, two, and three.</a:t>
+            </a:r>
+          </a:p>
+        </p:txBody>
+      </p:sp>
+    </p:spTree>
+    <p:extLst>
+      <p:ext uri="{BB962C8B-B14F-4D97-AF65-F5344CB8AC3E}">
+        <p14:creationId xmlns:p14="http://schemas.microsoft.com/office/powerpoint/2010/main" val="2949411308"/>
+      </p:ext>
+    </p:extLst>
+  </p:cSld>
+  <p:clrMapOvr>
+    <a:masterClrMapping/>
+  </p:clrMapOvr>
+</p:sld>
+</file>
+
+<file path=ppt/slides/slide5.xml><?xml version="1.0" encoding="utf-8"?>
+<p:sld xmlns:a="http://schemas.openxmlformats.org/drawingml/2006/main" xmlns:r="http://schemas.openxmlformats.org/officeDocument/2006/relationships" xmlns:p="http://schemas.openxmlformats.org/presentationml/2006/main">
+  <p:cSld>
+    <p:spTree>
+      <p:nvGrpSpPr>
+        <p:cNvPr id="1" name=""/>
+        <p:cNvGrpSpPr/>
+        <p:nvPr/>
+      </p:nvGrpSpPr>
+      <p:grpSpPr>
+        <a:xfrm>
+          <a:off x="0" y="0"/>
+          <a:ext cx="0" cy="0"/>
+          <a:chOff x="0" y="0"/>
+          <a:chExt cx="0" cy="0"/>
+        </a:xfrm>
+      </p:grpSpPr>
+      <p:sp>
+        <p:nvSpPr>
+          <p:cNvPr id="2" name="Title 1">
+            <a:extLst>
+              <a:ext uri="{FF2B5EF4-FFF2-40B4-BE49-F238E27FC236}">
+                <a16:creationId xmlns:a16="http://schemas.microsoft.com/office/drawing/2014/main" id="{44969C8F-C644-7946-B4B0-381BB6051384}"/>
+              </a:ext>
+            </a:extLst>
+          </p:cNvPr>
+          <p:cNvSpPr>
+            <a:spLocks noGrp="1"/>
+          </p:cNvSpPr>
+          <p:nvPr>
+            <p:ph type="title"/>
+          </p:nvPr>
+        </p:nvSpPr>
+        <p:spPr/>
+        <p:txBody>
+          <a:bodyPr/>
+          <a:lstStyle/>
+          <a:p>
+            <a:r>
+              <a:rPr lang="en-US" dirty="0"/>
+              <a:t>Pattern Matching – Foundations </a:t>
+            </a:r>
+          </a:p>
+        </p:txBody>
+      </p:sp>
+      <p:sp>
+        <p:nvSpPr>
+          <p:cNvPr id="3" name="Content Placeholder 2">
+            <a:extLst>
+              <a:ext uri="{FF2B5EF4-FFF2-40B4-BE49-F238E27FC236}">
+                <a16:creationId xmlns:a16="http://schemas.microsoft.com/office/drawing/2014/main" id="{D1DA5083-17EB-1243-A0A4-6DD3250A0A56}"/>
+              </a:ext>
+            </a:extLst>
+          </p:cNvPr>
+          <p:cNvSpPr>
+            <a:spLocks noGrp="1"/>
+          </p:cNvSpPr>
+          <p:nvPr>
+            <p:ph idx="1"/>
+          </p:nvPr>
+        </p:nvSpPr>
+        <p:spPr/>
+        <p:txBody>
+          <a:bodyPr>
+            <a:normAutofit fontScale="92500" lnSpcReduction="20000"/>
+          </a:bodyPr>
+          <a:lstStyle/>
+          <a:p>
+            <a:r>
+              <a:rPr lang="en-US" dirty="0"/>
+              <a:t>Constructors are interesting,</a:t>
+            </a:r>
+          </a:p>
+          <a:p>
+            <a:pPr lvl="1"/>
+            <a:r>
+              <a:rPr lang="en-US" dirty="0"/>
+              <a:t>When they are part of an expression being evaluated, they represent values</a:t>
+            </a:r>
+          </a:p>
+          <a:p>
+            <a:pPr lvl="1"/>
+            <a:r>
+              <a:rPr lang="en-US" dirty="0"/>
+              <a:t>Otherwise, they represent structure.</a:t>
+            </a:r>
+          </a:p>
+          <a:p>
+            <a:r>
+              <a:rPr lang="en-US" dirty="0"/>
+              <a:t>We say this with the let statement,</a:t>
+            </a:r>
+            <a:br>
+              <a:rPr lang="en-US" dirty="0"/>
+            </a:br>
+            <a:r>
+              <a:rPr lang="en-US" dirty="0"/>
+              <a:t>   let &lt;pattern&gt; = &lt;value&gt;.</a:t>
+            </a:r>
+          </a:p>
+          <a:p>
+            <a:pPr lvl="1"/>
+            <a:r>
+              <a:rPr lang="en-US" dirty="0"/>
+              <a:t>On the right of the = sign constructors represent values</a:t>
+            </a:r>
+          </a:p>
+          <a:p>
+            <a:pPr lvl="1"/>
+            <a:r>
+              <a:rPr lang="en-US" dirty="0"/>
+              <a:t>On the left of the = sign constructors represent structure</a:t>
+            </a:r>
+          </a:p>
+          <a:p>
+            <a:pPr lvl="1"/>
+            <a:endParaRPr lang="en-US" dirty="0"/>
+          </a:p>
+        </p:txBody>
+      </p:sp>
+    </p:spTree>
+    <p:extLst>
+      <p:ext uri="{BB962C8B-B14F-4D97-AF65-F5344CB8AC3E}">
+        <p14:creationId xmlns:p14="http://schemas.microsoft.com/office/powerpoint/2010/main" val="3947078718"/>
+      </p:ext>
+    </p:extLst>
+  </p:cSld>
+  <p:clrMapOvr>
+    <a:masterClrMapping/>
+  </p:clrMapOvr>
+</p:sld>
+</file>
+
+<file path=ppt/slides/slide6.xml><?xml version="1.0" encoding="utf-8"?>
+<p:sld xmlns:a="http://schemas.openxmlformats.org/drawingml/2006/main" xmlns:r="http://schemas.openxmlformats.org/officeDocument/2006/relationships" xmlns:p="http://schemas.openxmlformats.org/presentationml/2006/main">
+  <p:cSld>
+    <p:spTree>
+      <p:nvGrpSpPr>
+        <p:cNvPr id="1" name=""/>
+        <p:cNvGrpSpPr/>
+        <p:nvPr/>
+      </p:nvGrpSpPr>
+      <p:grpSpPr>
+        <a:xfrm>
+          <a:off x="0" y="0"/>
+          <a:ext cx="0" cy="0"/>
+          <a:chOff x="0" y="0"/>
+          <a:chExt cx="0" cy="0"/>
+        </a:xfrm>
+      </p:grpSpPr>
+      <p:sp>
+        <p:nvSpPr>
+          <p:cNvPr id="4" name="Title 3">
+            <a:extLst>
+              <a:ext uri="{FF2B5EF4-FFF2-40B4-BE49-F238E27FC236}">
+                <a16:creationId xmlns:a16="http://schemas.microsoft.com/office/drawing/2014/main" id="{7F14C117-E64C-9443-B959-83A13E1122A7}"/>
+              </a:ext>
+            </a:extLst>
+          </p:cNvPr>
+          <p:cNvSpPr>
+            <a:spLocks noGrp="1"/>
+          </p:cNvSpPr>
+          <p:nvPr>
+            <p:ph type="title"/>
+          </p:nvPr>
+        </p:nvSpPr>
+        <p:spPr/>
+        <p:txBody>
+          <a:bodyPr/>
+          <a:lstStyle/>
+          <a:p>
+            <a:r>
+              <a:rPr lang="en-US" dirty="0"/>
+              <a:t>Pattern Matching – Foundations </a:t>
             </a:r>
           </a:p>
         </p:txBody>
@@ -9787,1139 +11574,6 @@
 </p:sld>
 </file>
 
-<file path=ppt/slides/slide30.xml><?xml version="1.0" encoding="utf-8"?>
-<p:sld xmlns:a="http://schemas.openxmlformats.org/drawingml/2006/main" xmlns:r="http://schemas.openxmlformats.org/officeDocument/2006/relationships" xmlns:p="http://schemas.openxmlformats.org/presentationml/2006/main">
-  <p:cSld>
-    <p:spTree>
-      <p:nvGrpSpPr>
-        <p:cNvPr id="1" name=""/>
-        <p:cNvGrpSpPr/>
-        <p:nvPr/>
-      </p:nvGrpSpPr>
-      <p:grpSpPr>
-        <a:xfrm>
-          <a:off x="0" y="0"/>
-          <a:ext cx="0" cy="0"/>
-          <a:chOff x="0" y="0"/>
-          <a:chExt cx="0" cy="0"/>
-        </a:xfrm>
-      </p:grpSpPr>
-      <p:sp>
-        <p:nvSpPr>
-          <p:cNvPr id="2" name="Title 1">
-            <a:extLst>
-              <a:ext uri="{FF2B5EF4-FFF2-40B4-BE49-F238E27FC236}">
-                <a16:creationId xmlns:a16="http://schemas.microsoft.com/office/drawing/2014/main" id="{6195C51E-259E-9349-83AB-34F41AD10999}"/>
-              </a:ext>
-            </a:extLst>
-          </p:cNvPr>
-          <p:cNvSpPr>
-            <a:spLocks noGrp="1"/>
-          </p:cNvSpPr>
-          <p:nvPr>
-            <p:ph type="title"/>
-          </p:nvPr>
-        </p:nvSpPr>
-        <p:spPr/>
-        <p:txBody>
-          <a:bodyPr/>
-          <a:lstStyle/>
-          <a:p>
-            <a:r>
-              <a:rPr lang="en-US" dirty="0"/>
-              <a:t>Head-Tail Pattern</a:t>
-            </a:r>
-          </a:p>
-        </p:txBody>
-      </p:sp>
-      <p:sp>
-        <p:nvSpPr>
-          <p:cNvPr id="3" name="Content Placeholder 2">
-            <a:extLst>
-              <a:ext uri="{FF2B5EF4-FFF2-40B4-BE49-F238E27FC236}">
-                <a16:creationId xmlns:a16="http://schemas.microsoft.com/office/drawing/2014/main" id="{3F46B74A-6B29-9041-95E9-7392BDABF9A2}"/>
-              </a:ext>
-            </a:extLst>
-          </p:cNvPr>
-          <p:cNvSpPr>
-            <a:spLocks noGrp="1"/>
-          </p:cNvSpPr>
-          <p:nvPr>
-            <p:ph idx="1"/>
-          </p:nvPr>
-        </p:nvSpPr>
-        <p:spPr>
-          <a:xfrm>
-            <a:off x="1524000" y="1905000"/>
-            <a:ext cx="7010400" cy="2895600"/>
-          </a:xfrm>
-        </p:spPr>
-        <p:txBody>
-          <a:bodyPr>
-            <a:normAutofit/>
-          </a:bodyPr>
-          <a:lstStyle/>
-          <a:p>
-            <a:r>
-              <a:rPr lang="en-US" dirty="0"/>
-              <a:t>The head-tail pattern can also be used “in reverse” – as a constructor,</a:t>
-            </a:r>
-          </a:p>
-          <a:p>
-            <a:pPr lvl="1"/>
-            <a:r>
-              <a:rPr lang="en-US" dirty="0"/>
-              <a:t>Given an element and a list it will prepend the element to the list</a:t>
-            </a:r>
-          </a:p>
-        </p:txBody>
-      </p:sp>
-      <p:pic>
-        <p:nvPicPr>
-          <p:cNvPr id="5" name="Picture 4">
-            <a:extLst>
-              <a:ext uri="{FF2B5EF4-FFF2-40B4-BE49-F238E27FC236}">
-                <a16:creationId xmlns:a16="http://schemas.microsoft.com/office/drawing/2014/main" id="{54E484A6-DFFD-CA4E-8E22-B165552E5060}"/>
-              </a:ext>
-            </a:extLst>
-          </p:cNvPr>
-          <p:cNvPicPr>
-            <a:picLocks noChangeAspect="1"/>
-          </p:cNvPicPr>
-          <p:nvPr/>
-        </p:nvPicPr>
-        <p:blipFill>
-          <a:blip r:embed="rId2"/>
-          <a:stretch>
-            <a:fillRect/>
-          </a:stretch>
-        </p:blipFill>
-        <p:spPr>
-          <a:xfrm>
-            <a:off x="2971800" y="4371975"/>
-            <a:ext cx="2565400" cy="1231900"/>
-          </a:xfrm>
-          <a:prstGeom prst="rect">
-            <a:avLst/>
-          </a:prstGeom>
-          <a:ln>
-            <a:solidFill>
-              <a:schemeClr val="tx1"/>
-            </a:solidFill>
-          </a:ln>
-        </p:spPr>
-      </p:pic>
-    </p:spTree>
-    <p:extLst>
-      <p:ext uri="{BB962C8B-B14F-4D97-AF65-F5344CB8AC3E}">
-        <p14:creationId xmlns:p14="http://schemas.microsoft.com/office/powerpoint/2010/main" val="4189918242"/>
-      </p:ext>
-    </p:extLst>
-  </p:cSld>
-  <p:clrMapOvr>
-    <a:masterClrMapping/>
-  </p:clrMapOvr>
-</p:sld>
-</file>
-
-<file path=ppt/slides/slide31.xml><?xml version="1.0" encoding="utf-8"?>
-<p:sld xmlns:a="http://schemas.openxmlformats.org/drawingml/2006/main" xmlns:r="http://schemas.openxmlformats.org/officeDocument/2006/relationships" xmlns:p="http://schemas.openxmlformats.org/presentationml/2006/main">
-  <p:cSld>
-    <p:spTree>
-      <p:nvGrpSpPr>
-        <p:cNvPr id="1" name=""/>
-        <p:cNvGrpSpPr/>
-        <p:nvPr/>
-      </p:nvGrpSpPr>
-      <p:grpSpPr>
-        <a:xfrm>
-          <a:off x="0" y="0"/>
-          <a:ext cx="0" cy="0"/>
-          <a:chOff x="0" y="0"/>
-          <a:chExt cx="0" cy="0"/>
-        </a:xfrm>
-      </p:grpSpPr>
-      <p:sp>
-        <p:nvSpPr>
-          <p:cNvPr id="2" name="Title 1">
-            <a:extLst>
-              <a:ext uri="{FF2B5EF4-FFF2-40B4-BE49-F238E27FC236}">
-                <a16:creationId xmlns:a16="http://schemas.microsoft.com/office/drawing/2014/main" id="{980BBCB4-34B6-6F4D-9DAA-48FC9F7BB83F}"/>
-              </a:ext>
-            </a:extLst>
-          </p:cNvPr>
-          <p:cNvSpPr>
-            <a:spLocks noGrp="1"/>
-          </p:cNvSpPr>
-          <p:nvPr>
-            <p:ph type="title"/>
-          </p:nvPr>
-        </p:nvSpPr>
-        <p:spPr/>
-        <p:txBody>
-          <a:bodyPr/>
-          <a:lstStyle/>
-          <a:p>
-            <a:r>
-              <a:rPr lang="en-US" dirty="0"/>
-              <a:t>Pattern Matching with Regular Expressions</a:t>
-            </a:r>
-          </a:p>
-        </p:txBody>
-      </p:sp>
-      <p:sp>
-        <p:nvSpPr>
-          <p:cNvPr id="3" name="Content Placeholder 2">
-            <a:extLst>
-              <a:ext uri="{FF2B5EF4-FFF2-40B4-BE49-F238E27FC236}">
-                <a16:creationId xmlns:a16="http://schemas.microsoft.com/office/drawing/2014/main" id="{946A49A8-7143-3D47-B39F-FC08E41F5600}"/>
-              </a:ext>
-            </a:extLst>
-          </p:cNvPr>
-          <p:cNvSpPr>
-            <a:spLocks noGrp="1"/>
-          </p:cNvSpPr>
-          <p:nvPr>
-            <p:ph idx="1"/>
-          </p:nvPr>
-        </p:nvSpPr>
-        <p:spPr/>
-        <p:txBody>
-          <a:bodyPr>
-            <a:normAutofit fontScale="77500" lnSpcReduction="20000"/>
-          </a:bodyPr>
-          <a:lstStyle/>
-          <a:p>
-            <a:r>
-              <a:rPr lang="en-US" dirty="0"/>
-              <a:t>Regular expressions are patterns that can be applied to strings</a:t>
-            </a:r>
-          </a:p>
-          <a:p>
-            <a:r>
-              <a:rPr lang="en-US" dirty="0"/>
-              <a:t>e.g., the regex</a:t>
-            </a:r>
-            <a:br>
-              <a:rPr lang="en-US" dirty="0"/>
-            </a:br>
-            <a:r>
-              <a:rPr lang="en-US" dirty="0"/>
-              <a:t>      “a(b)*”</a:t>
-            </a:r>
-            <a:br>
-              <a:rPr lang="en-US" dirty="0"/>
-            </a:br>
-            <a:r>
-              <a:rPr lang="en-US" dirty="0"/>
-              <a:t>matches any string that starts with an a followed by zero or more b’s.</a:t>
-            </a:r>
-          </a:p>
-          <a:p>
-            <a:r>
-              <a:rPr lang="en-US" dirty="0"/>
-              <a:t>In Asteroid regular expressions are considered patterns and therefore we can write expressions like</a:t>
-            </a:r>
-            <a:br>
-              <a:rPr lang="en-US" dirty="0"/>
-            </a:br>
-            <a:r>
-              <a:rPr lang="en-US" dirty="0"/>
-              <a:t>    “</a:t>
-            </a:r>
-            <a:r>
-              <a:rPr lang="en-US" dirty="0" err="1"/>
-              <a:t>abbbb</a:t>
-            </a:r>
-            <a:r>
-              <a:rPr lang="en-US" dirty="0"/>
-              <a:t>” is “a(b)*”</a:t>
-            </a:r>
-          </a:p>
-          <a:p>
-            <a:r>
-              <a:rPr lang="en-US" dirty="0"/>
-              <a:t>Asteroid’s regex syntax follows Python’s regex syntax</a:t>
-            </a:r>
-          </a:p>
-          <a:p>
-            <a:pPr lvl="1"/>
-            <a:r>
-              <a:rPr lang="en-US" dirty="0">
-                <a:hlinkClick r:id="rId2"/>
-              </a:rPr>
-              <a:t>https://docs.python.org/3/library/re.html</a:t>
-            </a:r>
-            <a:endParaRPr lang="en-US" dirty="0"/>
-          </a:p>
-          <a:p>
-            <a:pPr lvl="1"/>
-            <a:endParaRPr lang="en-US" dirty="0"/>
-          </a:p>
-        </p:txBody>
-      </p:sp>
-    </p:spTree>
-    <p:extLst>
-      <p:ext uri="{BB962C8B-B14F-4D97-AF65-F5344CB8AC3E}">
-        <p14:creationId xmlns:p14="http://schemas.microsoft.com/office/powerpoint/2010/main" val="1988537012"/>
-      </p:ext>
-    </p:extLst>
-  </p:cSld>
-  <p:clrMapOvr>
-    <a:masterClrMapping/>
-  </p:clrMapOvr>
-</p:sld>
-</file>
-
-<file path=ppt/slides/slide32.xml><?xml version="1.0" encoding="utf-8"?>
-<p:sld xmlns:a="http://schemas.openxmlformats.org/drawingml/2006/main" xmlns:r="http://schemas.openxmlformats.org/officeDocument/2006/relationships" xmlns:p="http://schemas.openxmlformats.org/presentationml/2006/main">
-  <p:cSld>
-    <p:spTree>
-      <p:nvGrpSpPr>
-        <p:cNvPr id="1" name=""/>
-        <p:cNvGrpSpPr/>
-        <p:nvPr/>
-      </p:nvGrpSpPr>
-      <p:grpSpPr>
-        <a:xfrm>
-          <a:off x="0" y="0"/>
-          <a:ext cx="0" cy="0"/>
-          <a:chOff x="0" y="0"/>
-          <a:chExt cx="0" cy="0"/>
-        </a:xfrm>
-      </p:grpSpPr>
-      <p:sp>
-        <p:nvSpPr>
-          <p:cNvPr id="2" name="Title 1">
-            <a:extLst>
-              <a:ext uri="{FF2B5EF4-FFF2-40B4-BE49-F238E27FC236}">
-                <a16:creationId xmlns:a16="http://schemas.microsoft.com/office/drawing/2014/main" id="{980BBCB4-34B6-6F4D-9DAA-48FC9F7BB83F}"/>
-              </a:ext>
-            </a:extLst>
-          </p:cNvPr>
-          <p:cNvSpPr>
-            <a:spLocks noGrp="1"/>
-          </p:cNvSpPr>
-          <p:nvPr>
-            <p:ph type="title"/>
-          </p:nvPr>
-        </p:nvSpPr>
-        <p:spPr/>
-        <p:txBody>
-          <a:bodyPr/>
-          <a:lstStyle/>
-          <a:p>
-            <a:r>
-              <a:rPr lang="en-US" dirty="0"/>
-              <a:t>Pattern Matching with Regular Expressions</a:t>
-            </a:r>
-          </a:p>
-        </p:txBody>
-      </p:sp>
-      <p:pic>
-        <p:nvPicPr>
-          <p:cNvPr id="4" name="Picture 3">
-            <a:extLst>
-              <a:ext uri="{FF2B5EF4-FFF2-40B4-BE49-F238E27FC236}">
-                <a16:creationId xmlns:a16="http://schemas.microsoft.com/office/drawing/2014/main" id="{DBC2D86C-61A2-0548-BD77-50DE72C69E24}"/>
-              </a:ext>
-            </a:extLst>
-          </p:cNvPr>
-          <p:cNvPicPr>
-            <a:picLocks noChangeAspect="1"/>
-          </p:cNvPicPr>
-          <p:nvPr/>
-        </p:nvPicPr>
-        <p:blipFill>
-          <a:blip r:embed="rId2"/>
-          <a:stretch>
-            <a:fillRect/>
-          </a:stretch>
-        </p:blipFill>
-        <p:spPr>
-          <a:xfrm>
-            <a:off x="609600" y="2057400"/>
-            <a:ext cx="3035300" cy="2451100"/>
-          </a:xfrm>
-          <a:prstGeom prst="rect">
-            <a:avLst/>
-          </a:prstGeom>
-          <a:ln>
-            <a:solidFill>
-              <a:schemeClr val="tx2"/>
-            </a:solidFill>
-          </a:ln>
-        </p:spPr>
-      </p:pic>
-      <p:sp>
-        <p:nvSpPr>
-          <p:cNvPr id="5" name="TextBox 4">
-            <a:extLst>
-              <a:ext uri="{FF2B5EF4-FFF2-40B4-BE49-F238E27FC236}">
-                <a16:creationId xmlns:a16="http://schemas.microsoft.com/office/drawing/2014/main" id="{7401E3AD-0165-9445-8C37-7660A82607F8}"/>
-              </a:ext>
-            </a:extLst>
-          </p:cNvPr>
-          <p:cNvSpPr txBox="1"/>
-          <p:nvPr/>
-        </p:nvSpPr>
-        <p:spPr>
-          <a:xfrm>
-            <a:off x="1067741" y="4724400"/>
-            <a:ext cx="1675459" cy="307777"/>
-          </a:xfrm>
-          <a:prstGeom prst="rect">
-            <a:avLst/>
-          </a:prstGeom>
-          <a:noFill/>
-        </p:spPr>
-        <p:txBody>
-          <a:bodyPr wrap="none" rtlCol="0">
-            <a:spAutoFit/>
-          </a:bodyPr>
-          <a:lstStyle/>
-          <a:p>
-            <a:r>
-              <a:rPr lang="en-US" sz="1400" dirty="0"/>
-              <a:t>Note: (a)+  =  a(a)*</a:t>
-            </a:r>
-          </a:p>
-        </p:txBody>
-      </p:sp>
-      <p:pic>
-        <p:nvPicPr>
-          <p:cNvPr id="6" name="Picture 5">
-            <a:extLst>
-              <a:ext uri="{FF2B5EF4-FFF2-40B4-BE49-F238E27FC236}">
-                <a16:creationId xmlns:a16="http://schemas.microsoft.com/office/drawing/2014/main" id="{434BB629-1D59-DE4A-8E08-78AEA977F6C5}"/>
-              </a:ext>
-            </a:extLst>
-          </p:cNvPr>
-          <p:cNvPicPr>
-            <a:picLocks noChangeAspect="1"/>
-          </p:cNvPicPr>
-          <p:nvPr/>
-        </p:nvPicPr>
-        <p:blipFill>
-          <a:blip r:embed="rId3"/>
-          <a:stretch>
-            <a:fillRect/>
-          </a:stretch>
-        </p:blipFill>
-        <p:spPr>
-          <a:xfrm>
-            <a:off x="3340100" y="3276600"/>
-            <a:ext cx="5346700" cy="2990348"/>
-          </a:xfrm>
-          <a:prstGeom prst="rect">
-            <a:avLst/>
-          </a:prstGeom>
-          <a:ln>
-            <a:solidFill>
-              <a:schemeClr val="tx2"/>
-            </a:solidFill>
-          </a:ln>
-        </p:spPr>
-      </p:pic>
-      <p:sp>
-        <p:nvSpPr>
-          <p:cNvPr id="7" name="TextBox 6">
-            <a:extLst>
-              <a:ext uri="{FF2B5EF4-FFF2-40B4-BE49-F238E27FC236}">
-                <a16:creationId xmlns:a16="http://schemas.microsoft.com/office/drawing/2014/main" id="{11DE53EE-92BB-A640-9282-CDADF1387309}"/>
-              </a:ext>
-            </a:extLst>
-          </p:cNvPr>
-          <p:cNvSpPr txBox="1"/>
-          <p:nvPr/>
-        </p:nvSpPr>
-        <p:spPr>
-          <a:xfrm>
-            <a:off x="4325815" y="6447692"/>
-            <a:ext cx="1279517" cy="307777"/>
-          </a:xfrm>
-          <a:prstGeom prst="rect">
-            <a:avLst/>
-          </a:prstGeom>
-          <a:noFill/>
-        </p:spPr>
-        <p:txBody>
-          <a:bodyPr wrap="none" rtlCol="0">
-            <a:spAutoFit/>
-          </a:bodyPr>
-          <a:lstStyle/>
-          <a:p>
-            <a:r>
-              <a:rPr lang="en-US" sz="1400" dirty="0"/>
-              <a:t>ln004/list1.ast</a:t>
-            </a:r>
-          </a:p>
-        </p:txBody>
-      </p:sp>
-      <p:sp>
-        <p:nvSpPr>
-          <p:cNvPr id="8" name="TextBox 7">
-            <a:extLst>
-              <a:ext uri="{FF2B5EF4-FFF2-40B4-BE49-F238E27FC236}">
-                <a16:creationId xmlns:a16="http://schemas.microsoft.com/office/drawing/2014/main" id="{F287CA79-687A-444F-8246-8EA528E4D893}"/>
-              </a:ext>
-            </a:extLst>
-          </p:cNvPr>
-          <p:cNvSpPr txBox="1"/>
-          <p:nvPr/>
-        </p:nvSpPr>
-        <p:spPr>
-          <a:xfrm>
-            <a:off x="5605332" y="2629098"/>
-            <a:ext cx="2403222" cy="307777"/>
-          </a:xfrm>
-          <a:prstGeom prst="rect">
-            <a:avLst/>
-          </a:prstGeom>
-          <a:noFill/>
-        </p:spPr>
-        <p:txBody>
-          <a:bodyPr wrap="none" rtlCol="0">
-            <a:spAutoFit/>
-          </a:bodyPr>
-          <a:lstStyle/>
-          <a:p>
-            <a:r>
-              <a:rPr lang="en-US" sz="1400" dirty="0"/>
-              <a:t>Pattern matching with regex</a:t>
-            </a:r>
-          </a:p>
-        </p:txBody>
-      </p:sp>
-      <p:cxnSp>
-        <p:nvCxnSpPr>
-          <p:cNvPr id="10" name="Straight Arrow Connector 9">
-            <a:extLst>
-              <a:ext uri="{FF2B5EF4-FFF2-40B4-BE49-F238E27FC236}">
-                <a16:creationId xmlns:a16="http://schemas.microsoft.com/office/drawing/2014/main" id="{4B6DD459-75B2-9346-AD83-F84BF6067F16}"/>
-              </a:ext>
-            </a:extLst>
-          </p:cNvPr>
-          <p:cNvCxnSpPr>
-            <a:stCxn id="8" idx="2"/>
-          </p:cNvCxnSpPr>
-          <p:nvPr/>
-        </p:nvCxnSpPr>
-        <p:spPr bwMode="auto">
-          <a:xfrm flipH="1">
-            <a:off x="6096000" y="2936875"/>
-            <a:ext cx="710943" cy="2095302"/>
-          </a:xfrm>
-          <a:prstGeom prst="straightConnector1">
-            <a:avLst/>
-          </a:prstGeom>
-          <a:solidFill>
-            <a:schemeClr val="accent1"/>
-          </a:solidFill>
-          <a:ln w="9525" cap="flat" cmpd="sng" algn="ctr">
-            <a:solidFill>
-              <a:schemeClr val="tx1"/>
-            </a:solidFill>
-            <a:prstDash val="solid"/>
-            <a:round/>
-            <a:headEnd type="none" w="med" len="med"/>
-            <a:tailEnd type="triangle"/>
-          </a:ln>
-          <a:effectLst/>
-          <a:extLst>
-            <a:ext uri="{AF507438-7753-43e0-B8FC-AC1667EBCBE1}">
-              <a14:hiddenEffects xmlns:a14="http://schemas.microsoft.com/office/drawing/2010/main" xmlns="">
-                <a:effectLst>
-                  <a:outerShdw blurRad="63500" dist="38099" dir="2700000" algn="ctr" rotWithShape="0">
-                    <a:schemeClr val="bg2">
-                      <a:alpha val="74998"/>
-                    </a:schemeClr>
-                  </a:outerShdw>
-                </a:effectLst>
-              </a14:hiddenEffects>
-            </a:ext>
-          </a:extLst>
-        </p:spPr>
-      </p:cxnSp>
-    </p:spTree>
-    <p:extLst>
-      <p:ext uri="{BB962C8B-B14F-4D97-AF65-F5344CB8AC3E}">
-        <p14:creationId xmlns:p14="http://schemas.microsoft.com/office/powerpoint/2010/main" val="426354552"/>
-      </p:ext>
-    </p:extLst>
-  </p:cSld>
-  <p:clrMapOvr>
-    <a:masterClrMapping/>
-  </p:clrMapOvr>
-</p:sld>
-</file>
-
-<file path=ppt/slides/slide33.xml><?xml version="1.0" encoding="utf-8"?>
-<p:sld xmlns:a="http://schemas.openxmlformats.org/drawingml/2006/main" xmlns:r="http://schemas.openxmlformats.org/officeDocument/2006/relationships" xmlns:p="http://schemas.openxmlformats.org/presentationml/2006/main">
-  <p:cSld>
-    <p:spTree>
-      <p:nvGrpSpPr>
-        <p:cNvPr id="1" name=""/>
-        <p:cNvGrpSpPr/>
-        <p:nvPr/>
-      </p:nvGrpSpPr>
-      <p:grpSpPr>
-        <a:xfrm>
-          <a:off x="0" y="0"/>
-          <a:ext cx="0" cy="0"/>
-          <a:chOff x="0" y="0"/>
-          <a:chExt cx="0" cy="0"/>
-        </a:xfrm>
-      </p:grpSpPr>
-      <p:sp>
-        <p:nvSpPr>
-          <p:cNvPr id="3" name="Title 2">
-            <a:extLst>
-              <a:ext uri="{FF2B5EF4-FFF2-40B4-BE49-F238E27FC236}">
-                <a16:creationId xmlns:a16="http://schemas.microsoft.com/office/drawing/2014/main" id="{9D7C697A-6DA3-A44E-B637-24C616E3CC5F}"/>
-              </a:ext>
-            </a:extLst>
-          </p:cNvPr>
-          <p:cNvSpPr>
-            <a:spLocks noGrp="1"/>
-          </p:cNvSpPr>
-          <p:nvPr>
-            <p:ph type="title"/>
-          </p:nvPr>
-        </p:nvSpPr>
-        <p:spPr/>
-        <p:txBody>
-          <a:bodyPr/>
-          <a:lstStyle/>
-          <a:p>
-            <a:r>
-              <a:rPr lang="en-US" dirty="0"/>
-              <a:t>Reading</a:t>
-            </a:r>
-          </a:p>
-        </p:txBody>
-      </p:sp>
-      <p:sp>
-        <p:nvSpPr>
-          <p:cNvPr id="4" name="Content Placeholder 3">
-            <a:extLst>
-              <a:ext uri="{FF2B5EF4-FFF2-40B4-BE49-F238E27FC236}">
-                <a16:creationId xmlns:a16="http://schemas.microsoft.com/office/drawing/2014/main" id="{169AAE0B-02FF-DA4D-BB90-8E551E1B73AC}"/>
-              </a:ext>
-            </a:extLst>
-          </p:cNvPr>
-          <p:cNvSpPr>
-            <a:spLocks noGrp="1"/>
-          </p:cNvSpPr>
-          <p:nvPr>
-            <p:ph idx="1"/>
-          </p:nvPr>
-        </p:nvSpPr>
-        <p:spPr>
-          <a:xfrm>
-            <a:off x="190500" y="1905000"/>
-            <a:ext cx="8763000" cy="4114800"/>
-          </a:xfrm>
-        </p:spPr>
-        <p:txBody>
-          <a:bodyPr/>
-          <a:lstStyle/>
-          <a:p>
-            <a:r>
-              <a:rPr lang="en-US" sz="2000" dirty="0"/>
-              <a:t>The Let Statement</a:t>
-            </a:r>
-          </a:p>
-          <a:p>
-            <a:pPr lvl="1"/>
-            <a:r>
-              <a:rPr lang="en-US" sz="1800" dirty="0">
-                <a:hlinkClick r:id="rId2"/>
-              </a:rPr>
-              <a:t>asteroid-lang.readthedocs.io/en/latest/User%20Guide.html#the-let-statement</a:t>
-            </a:r>
-            <a:endParaRPr lang="en-US" sz="1800" dirty="0"/>
-          </a:p>
-          <a:p>
-            <a:pPr lvl="1"/>
-            <a:endParaRPr lang="en-US" sz="1800" dirty="0"/>
-          </a:p>
-          <a:p>
-            <a:pPr lvl="1"/>
-            <a:endParaRPr lang="en-US" sz="1800" dirty="0"/>
-          </a:p>
-        </p:txBody>
-      </p:sp>
-    </p:spTree>
-    <p:extLst>
-      <p:ext uri="{BB962C8B-B14F-4D97-AF65-F5344CB8AC3E}">
-        <p14:creationId xmlns:p14="http://schemas.microsoft.com/office/powerpoint/2010/main" val="3037335692"/>
-      </p:ext>
-    </p:extLst>
-  </p:cSld>
-  <p:clrMapOvr>
-    <a:masterClrMapping/>
-  </p:clrMapOvr>
-</p:sld>
-</file>
-
-<file path=ppt/slides/slide4.xml><?xml version="1.0" encoding="utf-8"?>
-<p:sld xmlns:a="http://schemas.openxmlformats.org/drawingml/2006/main" xmlns:r="http://schemas.openxmlformats.org/officeDocument/2006/relationships" xmlns:p="http://schemas.openxmlformats.org/presentationml/2006/main">
-  <p:cSld>
-    <p:spTree>
-      <p:nvGrpSpPr>
-        <p:cNvPr id="1" name=""/>
-        <p:cNvGrpSpPr/>
-        <p:nvPr/>
-      </p:nvGrpSpPr>
-      <p:grpSpPr>
-        <a:xfrm>
-          <a:off x="0" y="0"/>
-          <a:ext cx="0" cy="0"/>
-          <a:chOff x="0" y="0"/>
-          <a:chExt cx="0" cy="0"/>
-        </a:xfrm>
-      </p:grpSpPr>
-      <p:sp>
-        <p:nvSpPr>
-          <p:cNvPr id="2" name="Title 1">
-            <a:extLst>
-              <a:ext uri="{FF2B5EF4-FFF2-40B4-BE49-F238E27FC236}">
-                <a16:creationId xmlns:a16="http://schemas.microsoft.com/office/drawing/2014/main" id="{44969C8F-C644-7946-B4B0-381BB6051384}"/>
-              </a:ext>
-            </a:extLst>
-          </p:cNvPr>
-          <p:cNvSpPr>
-            <a:spLocks noGrp="1"/>
-          </p:cNvSpPr>
-          <p:nvPr>
-            <p:ph type="title"/>
-          </p:nvPr>
-        </p:nvSpPr>
-        <p:spPr/>
-        <p:txBody>
-          <a:bodyPr/>
-          <a:lstStyle/>
-          <a:p>
-            <a:r>
-              <a:rPr lang="en-US" dirty="0"/>
-              <a:t>Pattern Matching – Foundations </a:t>
-            </a:r>
-          </a:p>
-        </p:txBody>
-      </p:sp>
-      <p:sp>
-        <p:nvSpPr>
-          <p:cNvPr id="3" name="Content Placeholder 2">
-            <a:extLst>
-              <a:ext uri="{FF2B5EF4-FFF2-40B4-BE49-F238E27FC236}">
-                <a16:creationId xmlns:a16="http://schemas.microsoft.com/office/drawing/2014/main" id="{D1DA5083-17EB-1243-A0A4-6DD3250A0A56}"/>
-              </a:ext>
-            </a:extLst>
-          </p:cNvPr>
-          <p:cNvSpPr>
-            <a:spLocks noGrp="1"/>
-          </p:cNvSpPr>
-          <p:nvPr>
-            <p:ph idx="1"/>
-          </p:nvPr>
-        </p:nvSpPr>
-        <p:spPr/>
-        <p:txBody>
-          <a:bodyPr>
-            <a:normAutofit fontScale="62500" lnSpcReduction="20000"/>
-          </a:bodyPr>
-          <a:lstStyle/>
-          <a:p>
-            <a:r>
-              <a:rPr lang="en-US" dirty="0"/>
-              <a:t>In programs values are represented by </a:t>
-            </a:r>
-            <a:r>
-              <a:rPr lang="en-US" b="1" dirty="0"/>
-              <a:t>constructors</a:t>
-            </a:r>
-            <a:r>
-              <a:rPr lang="en-US" dirty="0"/>
-              <a:t>,</a:t>
-            </a:r>
-          </a:p>
-          <a:p>
-            <a:pPr lvl="1"/>
-            <a:r>
-              <a:rPr lang="en-US" dirty="0"/>
-              <a:t>1</a:t>
-            </a:r>
-          </a:p>
-          <a:p>
-            <a:pPr lvl="1"/>
-            <a:r>
-              <a:rPr lang="en-US" dirty="0"/>
-              <a:t>“Hello, World!”</a:t>
-            </a:r>
-          </a:p>
-          <a:p>
-            <a:pPr lvl="1"/>
-            <a:r>
-              <a:rPr lang="en-US" dirty="0"/>
-              <a:t>[1,2,3]</a:t>
-            </a:r>
-          </a:p>
-          <a:p>
-            <a:pPr lvl="1"/>
-            <a:r>
-              <a:rPr lang="en-US" dirty="0"/>
-              <a:t>(“Harry”, 32)</a:t>
-            </a:r>
-          </a:p>
-          <a:p>
-            <a:r>
-              <a:rPr lang="en-US" dirty="0"/>
-              <a:t>Any structure that cannot be reduced any further consists purely of constructors and is the </a:t>
-            </a:r>
-            <a:r>
-              <a:rPr lang="en-US" b="1" dirty="0"/>
-              <a:t>minimal/canonical representation </a:t>
-            </a:r>
-            <a:r>
-              <a:rPr lang="en-US" dirty="0"/>
-              <a:t>of a value.</a:t>
-            </a:r>
-          </a:p>
-          <a:p>
-            <a:r>
-              <a:rPr lang="en-US" dirty="0"/>
-              <a:t>The following are all representations of the value two:</a:t>
-            </a:r>
-          </a:p>
-          <a:p>
-            <a:pPr lvl="1"/>
-            <a:r>
-              <a:rPr lang="en-US" dirty="0"/>
-              <a:t>1+1; 3-1; 2*1; 2+0; 2</a:t>
-            </a:r>
-          </a:p>
-          <a:p>
-            <a:pPr lvl="1"/>
-            <a:r>
-              <a:rPr lang="en-US" dirty="0"/>
-              <a:t>Only the last one is the canonical representation of the value two.</a:t>
-            </a:r>
-          </a:p>
-          <a:p>
-            <a:pPr lvl="1"/>
-            <a:r>
-              <a:rPr lang="en-US" dirty="0"/>
-              <a:t>We say that 2 is a constructor for the value two.</a:t>
-            </a:r>
-          </a:p>
-          <a:p>
-            <a:pPr lvl="1"/>
-            <a:r>
-              <a:rPr lang="en-US" dirty="0"/>
-              <a:t>In this case the constructor happens to be a constant.</a:t>
-            </a:r>
-          </a:p>
-        </p:txBody>
-      </p:sp>
-    </p:spTree>
-    <p:extLst>
-      <p:ext uri="{BB962C8B-B14F-4D97-AF65-F5344CB8AC3E}">
-        <p14:creationId xmlns:p14="http://schemas.microsoft.com/office/powerpoint/2010/main" val="1116739954"/>
-      </p:ext>
-    </p:extLst>
-  </p:cSld>
-  <p:clrMapOvr>
-    <a:masterClrMapping/>
-  </p:clrMapOvr>
-</p:sld>
-</file>
-
-<file path=ppt/slides/slide5.xml><?xml version="1.0" encoding="utf-8"?>
-<p:sld xmlns:a="http://schemas.openxmlformats.org/drawingml/2006/main" xmlns:r="http://schemas.openxmlformats.org/officeDocument/2006/relationships" xmlns:p="http://schemas.openxmlformats.org/presentationml/2006/main">
-  <p:cSld>
-    <p:spTree>
-      <p:nvGrpSpPr>
-        <p:cNvPr id="1" name=""/>
-        <p:cNvGrpSpPr/>
-        <p:nvPr/>
-      </p:nvGrpSpPr>
-      <p:grpSpPr>
-        <a:xfrm>
-          <a:off x="0" y="0"/>
-          <a:ext cx="0" cy="0"/>
-          <a:chOff x="0" y="0"/>
-          <a:chExt cx="0" cy="0"/>
-        </a:xfrm>
-      </p:grpSpPr>
-      <p:sp>
-        <p:nvSpPr>
-          <p:cNvPr id="2" name="Title 1">
-            <a:extLst>
-              <a:ext uri="{FF2B5EF4-FFF2-40B4-BE49-F238E27FC236}">
-                <a16:creationId xmlns:a16="http://schemas.microsoft.com/office/drawing/2014/main" id="{44969C8F-C644-7946-B4B0-381BB6051384}"/>
-              </a:ext>
-            </a:extLst>
-          </p:cNvPr>
-          <p:cNvSpPr>
-            <a:spLocks noGrp="1"/>
-          </p:cNvSpPr>
-          <p:nvPr>
-            <p:ph type="title"/>
-          </p:nvPr>
-        </p:nvSpPr>
-        <p:spPr/>
-        <p:txBody>
-          <a:bodyPr/>
-          <a:lstStyle/>
-          <a:p>
-            <a:r>
-              <a:rPr lang="en-US" dirty="0"/>
-              <a:t>Pattern Matching – Foundations </a:t>
-            </a:r>
-          </a:p>
-        </p:txBody>
-      </p:sp>
-      <p:sp>
-        <p:nvSpPr>
-          <p:cNvPr id="3" name="Content Placeholder 2">
-            <a:extLst>
-              <a:ext uri="{FF2B5EF4-FFF2-40B4-BE49-F238E27FC236}">
-                <a16:creationId xmlns:a16="http://schemas.microsoft.com/office/drawing/2014/main" id="{D1DA5083-17EB-1243-A0A4-6DD3250A0A56}"/>
-              </a:ext>
-            </a:extLst>
-          </p:cNvPr>
-          <p:cNvSpPr>
-            <a:spLocks noGrp="1"/>
-          </p:cNvSpPr>
-          <p:nvPr>
-            <p:ph idx="1"/>
-          </p:nvPr>
-        </p:nvSpPr>
-        <p:spPr/>
-        <p:txBody>
-          <a:bodyPr>
-            <a:normAutofit/>
-          </a:bodyPr>
-          <a:lstStyle/>
-          <a:p>
-            <a:r>
-              <a:rPr lang="en-US" dirty="0"/>
-              <a:t>Here is another example using lists</a:t>
-            </a:r>
-          </a:p>
-          <a:p>
-            <a:r>
-              <a:rPr lang="en-US" dirty="0"/>
-              <a:t>The following are all representations of a list with the values one, two, and three</a:t>
-            </a:r>
-          </a:p>
-          <a:p>
-            <a:pPr lvl="1"/>
-            <a:r>
-              <a:rPr lang="en-US" dirty="0"/>
-              <a:t>[1]+[2]+[3]; [1,2]+[3]; [1,2,3]+[]; [1,2,3]</a:t>
-            </a:r>
-          </a:p>
-          <a:p>
-            <a:r>
-              <a:rPr lang="en-US" dirty="0"/>
-              <a:t>Again, only the last one is the canonical representation of the list</a:t>
-            </a:r>
-          </a:p>
-        </p:txBody>
-      </p:sp>
-    </p:spTree>
-    <p:extLst>
-      <p:ext uri="{BB962C8B-B14F-4D97-AF65-F5344CB8AC3E}">
-        <p14:creationId xmlns:p14="http://schemas.microsoft.com/office/powerpoint/2010/main" val="2949411308"/>
-      </p:ext>
-    </p:extLst>
-  </p:cSld>
-  <p:clrMapOvr>
-    <a:masterClrMapping/>
-  </p:clrMapOvr>
-</p:sld>
-</file>
-
-<file path=ppt/slides/slide6.xml><?xml version="1.0" encoding="utf-8"?>
-<p:sld xmlns:a="http://schemas.openxmlformats.org/drawingml/2006/main" xmlns:r="http://schemas.openxmlformats.org/officeDocument/2006/relationships" xmlns:p="http://schemas.openxmlformats.org/presentationml/2006/main">
-  <p:cSld>
-    <p:spTree>
-      <p:nvGrpSpPr>
-        <p:cNvPr id="1" name=""/>
-        <p:cNvGrpSpPr/>
-        <p:nvPr/>
-      </p:nvGrpSpPr>
-      <p:grpSpPr>
-        <a:xfrm>
-          <a:off x="0" y="0"/>
-          <a:ext cx="0" cy="0"/>
-          <a:chOff x="0" y="0"/>
-          <a:chExt cx="0" cy="0"/>
-        </a:xfrm>
-      </p:grpSpPr>
-      <p:sp>
-        <p:nvSpPr>
-          <p:cNvPr id="2" name="Title 1">
-            <a:extLst>
-              <a:ext uri="{FF2B5EF4-FFF2-40B4-BE49-F238E27FC236}">
-                <a16:creationId xmlns:a16="http://schemas.microsoft.com/office/drawing/2014/main" id="{44969C8F-C644-7946-B4B0-381BB6051384}"/>
-              </a:ext>
-            </a:extLst>
-          </p:cNvPr>
-          <p:cNvSpPr>
-            <a:spLocks noGrp="1"/>
-          </p:cNvSpPr>
-          <p:nvPr>
-            <p:ph type="title"/>
-          </p:nvPr>
-        </p:nvSpPr>
-        <p:spPr/>
-        <p:txBody>
-          <a:bodyPr/>
-          <a:lstStyle/>
-          <a:p>
-            <a:r>
-              <a:rPr lang="en-US" dirty="0"/>
-              <a:t>Pattern Matching – Foundations </a:t>
-            </a:r>
-          </a:p>
-        </p:txBody>
-      </p:sp>
-      <p:sp>
-        <p:nvSpPr>
-          <p:cNvPr id="3" name="Content Placeholder 2">
-            <a:extLst>
-              <a:ext uri="{FF2B5EF4-FFF2-40B4-BE49-F238E27FC236}">
-                <a16:creationId xmlns:a16="http://schemas.microsoft.com/office/drawing/2014/main" id="{D1DA5083-17EB-1243-A0A4-6DD3250A0A56}"/>
-              </a:ext>
-            </a:extLst>
-          </p:cNvPr>
-          <p:cNvSpPr>
-            <a:spLocks noGrp="1"/>
-          </p:cNvSpPr>
-          <p:nvPr>
-            <p:ph idx="1"/>
-          </p:nvPr>
-        </p:nvSpPr>
-        <p:spPr/>
-        <p:txBody>
-          <a:bodyPr>
-            <a:normAutofit fontScale="70000" lnSpcReduction="20000"/>
-          </a:bodyPr>
-          <a:lstStyle/>
-          <a:p>
-            <a:r>
-              <a:rPr lang="en-US" dirty="0"/>
-              <a:t>Patterns are all about structure</a:t>
-            </a:r>
-          </a:p>
-          <a:p>
-            <a:r>
-              <a:rPr lang="en-US" b="0" i="0" dirty="0">
-                <a:solidFill>
-                  <a:srgbClr val="374151"/>
-                </a:solidFill>
-                <a:effectLst/>
-                <a:latin typeface="Söhne"/>
-              </a:rPr>
-              <a:t>For example, </a:t>
-            </a:r>
-          </a:p>
-          <a:p>
-            <a:pPr lvl="1"/>
-            <a:r>
-              <a:rPr lang="en-US" b="0" i="0" dirty="0">
-                <a:solidFill>
-                  <a:srgbClr val="374151"/>
-                </a:solidFill>
-                <a:effectLst/>
-                <a:latin typeface="Söhne"/>
-              </a:rPr>
-              <a:t>a wildlife biologist might use pattern matching to identify a specific species of bird based on its size, coloration, and distinctive markings on its feathers – </a:t>
-            </a:r>
-            <a:r>
-              <a:rPr lang="en-US" b="1" i="0" dirty="0">
-                <a:solidFill>
-                  <a:srgbClr val="374151"/>
-                </a:solidFill>
-                <a:effectLst/>
-                <a:latin typeface="Söhne"/>
-              </a:rPr>
-              <a:t>structure</a:t>
-            </a:r>
-            <a:r>
-              <a:rPr lang="en-US" b="0" i="0" dirty="0">
-                <a:solidFill>
-                  <a:srgbClr val="374151"/>
-                </a:solidFill>
-                <a:effectLst/>
-                <a:latin typeface="Söhne"/>
-              </a:rPr>
-              <a:t>. </a:t>
-            </a:r>
-          </a:p>
-          <a:p>
-            <a:pPr lvl="1"/>
-            <a:r>
-              <a:rPr lang="en-US" b="0" i="0" dirty="0">
-                <a:solidFill>
-                  <a:srgbClr val="374151"/>
-                </a:solidFill>
-                <a:effectLst/>
-                <a:latin typeface="Söhne"/>
-              </a:rPr>
-              <a:t>They would compare these characteristics to a known set of </a:t>
-            </a:r>
-            <a:r>
-              <a:rPr lang="en-US" b="1" i="0" dirty="0">
-                <a:solidFill>
-                  <a:srgbClr val="374151"/>
-                </a:solidFill>
-                <a:effectLst/>
-                <a:latin typeface="Söhne"/>
-              </a:rPr>
-              <a:t>patterns</a:t>
-            </a:r>
-            <a:r>
-              <a:rPr lang="en-US" b="0" i="0" dirty="0">
-                <a:solidFill>
-                  <a:srgbClr val="374151"/>
-                </a:solidFill>
-                <a:effectLst/>
-                <a:latin typeface="Söhne"/>
-              </a:rPr>
-              <a:t> for different bird species from a field guide and use this information to make an accurate identification.</a:t>
-            </a:r>
-          </a:p>
-          <a:p>
-            <a:r>
-              <a:rPr lang="en-US" dirty="0">
-                <a:solidFill>
-                  <a:srgbClr val="374151"/>
-                </a:solidFill>
-                <a:latin typeface="Söhne"/>
-              </a:rPr>
-              <a:t>Observe, the structure of a value (unknown bird) is pattern-matched against a set of known patterns.  If one of the patterns matches the value (bird) then we have a match (identification).</a:t>
-            </a:r>
-            <a:endParaRPr lang="en-US" dirty="0"/>
-          </a:p>
-        </p:txBody>
-      </p:sp>
-    </p:spTree>
-    <p:extLst>
-      <p:ext uri="{BB962C8B-B14F-4D97-AF65-F5344CB8AC3E}">
-        <p14:creationId xmlns:p14="http://schemas.microsoft.com/office/powerpoint/2010/main" val="3003370476"/>
-      </p:ext>
-    </p:extLst>
-  </p:cSld>
-  <p:clrMapOvr>
-    <a:masterClrMapping/>
-  </p:clrMapOvr>
-</p:sld>
-</file>
-
 <file path=ppt/slides/slide7.xml><?xml version="1.0" encoding="utf-8"?>
 <p:sld xmlns:a="http://schemas.openxmlformats.org/drawingml/2006/main" xmlns:r="http://schemas.openxmlformats.org/officeDocument/2006/relationships" xmlns:p="http://schemas.openxmlformats.org/presentationml/2006/main">
   <p:cSld>
@@ -10942,7 +11596,7 @@
           <p:cNvPr id="2" name="Title 1">
             <a:extLst>
               <a:ext uri="{FF2B5EF4-FFF2-40B4-BE49-F238E27FC236}">
-                <a16:creationId xmlns:a16="http://schemas.microsoft.com/office/drawing/2014/main" id="{44969C8F-C644-7946-B4B0-381BB6051384}"/>
+                <a16:creationId xmlns:a16="http://schemas.microsoft.com/office/drawing/2014/main" id="{48E49847-50C3-424D-81A9-81E8D72E1E6B}"/>
               </a:ext>
             </a:extLst>
           </p:cNvPr>
@@ -10970,7 +11624,7 @@
           <p:cNvPr id="3" name="Content Placeholder 2">
             <a:extLst>
               <a:ext uri="{FF2B5EF4-FFF2-40B4-BE49-F238E27FC236}">
-                <a16:creationId xmlns:a16="http://schemas.microsoft.com/office/drawing/2014/main" id="{D1DA5083-17EB-1243-A0A4-6DD3250A0A56}"/>
+                <a16:creationId xmlns:a16="http://schemas.microsoft.com/office/drawing/2014/main" id="{D1726D3F-4BA3-AB49-8C54-74493C77BDEF}"/>
               </a:ext>
             </a:extLst>
           </p:cNvPr>
@@ -10983,45 +11637,35 @@
         </p:nvSpPr>
         <p:spPr>
           <a:xfrm>
-            <a:off x="1219200" y="1905000"/>
-            <a:ext cx="3886200" cy="3886200"/>
+            <a:off x="1524000" y="1905000"/>
+            <a:ext cx="7010400" cy="2133600"/>
           </a:xfrm>
         </p:spPr>
         <p:txBody>
           <a:bodyPr>
-            <a:normAutofit/>
+            <a:normAutofit fontScale="92500" lnSpcReduction="10000"/>
           </a:bodyPr>
           <a:lstStyle/>
           <a:p>
             <a:r>
-              <a:rPr lang="en-US" dirty="0">
-                <a:solidFill>
-                  <a:srgbClr val="374151"/>
-                </a:solidFill>
-                <a:latin typeface="Söhne"/>
-              </a:rPr>
-              <a:t>We can code that biologist example using pattern matching</a:t>
-            </a:r>
-          </a:p>
-          <a:p>
-            <a:r>
-              <a:rPr lang="en-US" dirty="0">
-                <a:solidFill>
-                  <a:srgbClr val="374151"/>
-                </a:solidFill>
-                <a:latin typeface="Söhne"/>
-              </a:rPr>
-              <a:t>Assume we have a field guide with the following patterns</a:t>
+              <a:rPr lang="en-US" dirty="0"/>
+              <a:t>You can think of variables in a pattern as a “I don’t care” structure</a:t>
+            </a:r>
+          </a:p>
+          <a:p>
+            <a:r>
+              <a:rPr lang="en-US" dirty="0"/>
+              <a:t>During a pattern match the variable will receive the structure that was actually matched during the pattern match</a:t>
             </a:r>
           </a:p>
         </p:txBody>
       </p:sp>
       <p:pic>
         <p:nvPicPr>
-          <p:cNvPr id="4" name="Picture 3">
-            <a:extLst>
-              <a:ext uri="{FF2B5EF4-FFF2-40B4-BE49-F238E27FC236}">
-                <a16:creationId xmlns:a16="http://schemas.microsoft.com/office/drawing/2014/main" id="{F372A77E-2C45-C545-A7FD-AD6AF0C50EB3}"/>
+          <p:cNvPr id="5" name="Picture 4">
+            <a:extLst>
+              <a:ext uri="{FF2B5EF4-FFF2-40B4-BE49-F238E27FC236}">
+                <a16:creationId xmlns:a16="http://schemas.microsoft.com/office/drawing/2014/main" id="{16C52753-07C9-0940-B9CE-8127BF084536}"/>
               </a:ext>
             </a:extLst>
           </p:cNvPr>
@@ -11038,8 +11682,8 @@
         </p:blipFill>
         <p:spPr>
           <a:xfrm>
-            <a:off x="5461000" y="1600200"/>
-            <a:ext cx="3073400" cy="4051300"/>
+            <a:off x="2362200" y="4102100"/>
+            <a:ext cx="3568700" cy="2451100"/>
           </a:xfrm>
           <a:prstGeom prst="rect">
             <a:avLst/>
@@ -11054,7 +11698,7 @@
     </p:spTree>
     <p:extLst>
       <p:ext uri="{BB962C8B-B14F-4D97-AF65-F5344CB8AC3E}">
-        <p14:creationId xmlns:p14="http://schemas.microsoft.com/office/powerpoint/2010/main" val="724147764"/>
+        <p14:creationId xmlns:p14="http://schemas.microsoft.com/office/powerpoint/2010/main" val="4270792397"/>
       </p:ext>
     </p:extLst>
   </p:cSld>
@@ -11086,7 +11730,7 @@
           <p:cNvPr id="2" name="Title 1">
             <a:extLst>
               <a:ext uri="{FF2B5EF4-FFF2-40B4-BE49-F238E27FC236}">
-                <a16:creationId xmlns:a16="http://schemas.microsoft.com/office/drawing/2014/main" id="{4592DAC2-FA39-6C44-8DCE-D2C763D16474}"/>
+                <a16:creationId xmlns:a16="http://schemas.microsoft.com/office/drawing/2014/main" id="{44969C8F-C644-7946-B4B0-381BB6051384}"/>
               </a:ext>
             </a:extLst>
           </p:cNvPr>
@@ -11114,7 +11758,7 @@
           <p:cNvPr id="3" name="Content Placeholder 2">
             <a:extLst>
               <a:ext uri="{FF2B5EF4-FFF2-40B4-BE49-F238E27FC236}">
-                <a16:creationId xmlns:a16="http://schemas.microsoft.com/office/drawing/2014/main" id="{B87BCF98-8240-4148-998E-242CCE898873}"/>
+                <a16:creationId xmlns:a16="http://schemas.microsoft.com/office/drawing/2014/main" id="{D1DA5083-17EB-1243-A0A4-6DD3250A0A56}"/>
               </a:ext>
             </a:extLst>
           </p:cNvPr>
@@ -11128,37 +11772,102 @@
         <p:spPr/>
         <p:txBody>
           <a:bodyPr>
-            <a:normAutofit fontScale="92500"/>
+            <a:normAutofit fontScale="70000" lnSpcReduction="20000"/>
           </a:bodyPr>
           <a:lstStyle/>
           <a:p>
             <a:r>
               <a:rPr lang="en-US" dirty="0"/>
-              <a:t>We can solve this problem nicely with pattern matching on objects in Asteroid</a:t>
-            </a:r>
-          </a:p>
-          <a:p>
-            <a:r>
-              <a:rPr lang="en-US" dirty="0"/>
-              <a:t>In our solution we use the let statement together with try-catch blocks so we can see the pattern match failures</a:t>
+              <a:t>Patterns are all about structure</a:t>
+            </a:r>
+          </a:p>
+          <a:p>
+            <a:r>
+              <a:rPr lang="en-US" b="0" i="0" dirty="0">
+                <a:solidFill>
+                  <a:srgbClr val="374151"/>
+                </a:solidFill>
+                <a:effectLst/>
+                <a:latin typeface="Söhne"/>
+              </a:rPr>
+              <a:t>For example, </a:t>
             </a:r>
           </a:p>
           <a:p>
             <a:pPr lvl="1"/>
             <a:r>
-              <a:rPr lang="en-US" dirty="0"/>
-              <a:t>This is very clumsy but illustrates the point</a:t>
+              <a:rPr lang="en-US" b="0" i="0" dirty="0">
+                <a:solidFill>
+                  <a:srgbClr val="374151"/>
+                </a:solidFill>
+                <a:effectLst/>
+                <a:latin typeface="Söhne"/>
+              </a:rPr>
+              <a:t>a wildlife biologist might use pattern matching to identify a specific species of bird based on its size, coloration, and distinctive markings on its feathers – </a:t>
+            </a:r>
+            <a:r>
+              <a:rPr lang="en-US" b="1" i="0" dirty="0">
+                <a:solidFill>
+                  <a:srgbClr val="374151"/>
+                </a:solidFill>
+                <a:effectLst/>
+                <a:latin typeface="Söhne"/>
+              </a:rPr>
+              <a:t>structure</a:t>
+            </a:r>
+            <a:r>
+              <a:rPr lang="en-US" b="0" i="0" dirty="0">
+                <a:solidFill>
+                  <a:srgbClr val="374151"/>
+                </a:solidFill>
+                <a:effectLst/>
+                <a:latin typeface="Söhne"/>
+              </a:rPr>
+              <a:t>. </a:t>
             </a:r>
           </a:p>
           <a:p>
             <a:pPr lvl="1"/>
             <a:r>
-              <a:rPr lang="en-US" dirty="0"/>
-              <a:t>We have a try-catch for each pattern in our field </a:t>
-            </a:r>
-            <a:r>
-              <a:rPr lang="en-US" dirty="0" err="1"/>
-              <a:t>guid</a:t>
+              <a:rPr lang="en-US" b="0" i="0" dirty="0">
+                <a:solidFill>
+                  <a:srgbClr val="374151"/>
+                </a:solidFill>
+                <a:effectLst/>
+                <a:latin typeface="Söhne"/>
+              </a:rPr>
+              <a:t>They would compare these characteristics to a known set of </a:t>
+            </a:r>
+            <a:r>
+              <a:rPr lang="en-US" b="1" i="0" dirty="0">
+                <a:solidFill>
+                  <a:srgbClr val="374151"/>
+                </a:solidFill>
+                <a:effectLst/>
+                <a:latin typeface="Söhne"/>
+              </a:rPr>
+              <a:t>patterns</a:t>
+            </a:r>
+            <a:r>
+              <a:rPr lang="en-US" b="0" i="0" dirty="0">
+                <a:solidFill>
+                  <a:srgbClr val="374151"/>
+                </a:solidFill>
+                <a:effectLst/>
+                <a:latin typeface="Söhne"/>
+              </a:rPr>
+              <a:t> for different bird species from a field guide and use this information to make an accurate identification.</a:t>
+            </a:r>
+          </a:p>
+          <a:p>
+            <a:r>
+              <a:rPr lang="en-US" dirty="0">
+                <a:solidFill>
+                  <a:srgbClr val="374151"/>
+                </a:solidFill>
+                <a:latin typeface="Söhne"/>
+              </a:rPr>
+              <a:t>Observe, the structure of a value (unknown bird) is pattern-matched against a set of known patterns.  If one of the patterns matches the value (bird) then we have a match (identification).</a:t>
             </a:r>
             <a:endParaRPr lang="en-US" dirty="0"/>
           </a:p>
@@ -11167,7 +11876,7 @@
     </p:spTree>
     <p:extLst>
       <p:ext uri="{BB962C8B-B14F-4D97-AF65-F5344CB8AC3E}">
-        <p14:creationId xmlns:p14="http://schemas.microsoft.com/office/powerpoint/2010/main" val="2188945959"/>
+        <p14:creationId xmlns:p14="http://schemas.microsoft.com/office/powerpoint/2010/main" val="3003370476"/>
       </p:ext>
     </p:extLst>
   </p:cSld>
@@ -11224,45 +11933,61 @@
       </p:sp>
       <p:sp>
         <p:nvSpPr>
-          <p:cNvPr id="5" name="TextBox 4">
-            <a:extLst>
-              <a:ext uri="{FF2B5EF4-FFF2-40B4-BE49-F238E27FC236}">
-                <a16:creationId xmlns:a16="http://schemas.microsoft.com/office/drawing/2014/main" id="{62B83371-9B88-984A-8AEC-EB001857EF67}"/>
-              </a:ext>
-            </a:extLst>
-          </p:cNvPr>
-          <p:cNvSpPr txBox="1"/>
-          <p:nvPr/>
+          <p:cNvPr id="3" name="Content Placeholder 2">
+            <a:extLst>
+              <a:ext uri="{FF2B5EF4-FFF2-40B4-BE49-F238E27FC236}">
+                <a16:creationId xmlns:a16="http://schemas.microsoft.com/office/drawing/2014/main" id="{D1DA5083-17EB-1243-A0A4-6DD3250A0A56}"/>
+              </a:ext>
+            </a:extLst>
+          </p:cNvPr>
+          <p:cNvSpPr>
+            <a:spLocks noGrp="1"/>
+          </p:cNvSpPr>
+          <p:nvPr>
+            <p:ph idx="1"/>
+          </p:nvPr>
         </p:nvSpPr>
         <p:spPr>
           <a:xfrm>
-            <a:off x="7557336" y="4419600"/>
-            <a:ext cx="1358064" cy="307777"/>
-          </a:xfrm>
-          <a:prstGeom prst="rect">
-            <a:avLst/>
-          </a:prstGeom>
-          <a:noFill/>
-        </p:spPr>
-        <p:txBody>
-          <a:bodyPr wrap="none" rtlCol="0">
-            <a:spAutoFit/>
+            <a:off x="1219200" y="1905000"/>
+            <a:ext cx="3886200" cy="3886200"/>
+          </a:xfrm>
+        </p:spPr>
+        <p:txBody>
+          <a:bodyPr>
+            <a:normAutofit/>
           </a:bodyPr>
           <a:lstStyle/>
           <a:p>
             <a:r>
-              <a:rPr lang="en-US" sz="1400" dirty="0"/>
-              <a:t>ln004/bird1.ast</a:t>
+              <a:rPr lang="en-US" dirty="0">
+                <a:solidFill>
+                  <a:srgbClr val="374151"/>
+                </a:solidFill>
+                <a:latin typeface="Söhne"/>
+              </a:rPr>
+              <a:t>We can code that biologist example using pattern matching</a:t>
+            </a:r>
+          </a:p>
+          <a:p>
+            <a:r>
+              <a:rPr lang="en-US" dirty="0">
+                <a:solidFill>
+                  <a:srgbClr val="374151"/>
+                </a:solidFill>
+                <a:latin typeface="Söhne"/>
+              </a:rPr>
+              <a:t>Assume we have a field guide with the following patterns</a:t>
             </a:r>
           </a:p>
         </p:txBody>
       </p:sp>
       <p:pic>
         <p:nvPicPr>
-          <p:cNvPr id="8" name="Picture 7">
-            <a:extLst>
-              <a:ext uri="{FF2B5EF4-FFF2-40B4-BE49-F238E27FC236}">
-                <a16:creationId xmlns:a16="http://schemas.microsoft.com/office/drawing/2014/main" id="{DB59B07C-F6D0-054E-B37F-CD924EC25FDF}"/>
+          <p:cNvPr id="4" name="Picture 3">
+            <a:extLst>
+              <a:ext uri="{FF2B5EF4-FFF2-40B4-BE49-F238E27FC236}">
+                <a16:creationId xmlns:a16="http://schemas.microsoft.com/office/drawing/2014/main" id="{F372A77E-2C45-C545-A7FD-AD6AF0C50EB3}"/>
               </a:ext>
             </a:extLst>
           </p:cNvPr>
@@ -11279,8 +12004,8 @@
         </p:blipFill>
         <p:spPr>
           <a:xfrm>
-            <a:off x="615950" y="5816600"/>
-            <a:ext cx="7912100" cy="965200"/>
+            <a:off x="5461000" y="1600200"/>
+            <a:ext cx="3073400" cy="4051300"/>
           </a:xfrm>
           <a:prstGeom prst="rect">
             <a:avLst/>
@@ -11292,45 +12017,10 @@
           </a:ln>
         </p:spPr>
       </p:pic>
-      <p:pic>
-        <p:nvPicPr>
-          <p:cNvPr id="11" name="Picture 10">
-            <a:extLst>
-              <a:ext uri="{FF2B5EF4-FFF2-40B4-BE49-F238E27FC236}">
-                <a16:creationId xmlns:a16="http://schemas.microsoft.com/office/drawing/2014/main" id="{33AF4169-5E97-CD4C-B6CD-A0BDB93B81EB}"/>
-              </a:ext>
-            </a:extLst>
-          </p:cNvPr>
-          <p:cNvPicPr>
-            <a:picLocks noChangeAspect="1"/>
-          </p:cNvPicPr>
-          <p:nvPr/>
-        </p:nvPicPr>
-        <p:blipFill>
-          <a:blip r:embed="rId3"/>
-          <a:stretch>
-            <a:fillRect/>
-          </a:stretch>
-        </p:blipFill>
-        <p:spPr>
-          <a:xfrm>
-            <a:off x="1033244" y="76200"/>
-            <a:ext cx="6510556" cy="5695430"/>
-          </a:xfrm>
-          <a:prstGeom prst="rect">
-            <a:avLst/>
-          </a:prstGeom>
-          <a:ln>
-            <a:solidFill>
-              <a:schemeClr val="tx1"/>
-            </a:solidFill>
-          </a:ln>
-        </p:spPr>
-      </p:pic>
     </p:spTree>
     <p:extLst>
       <p:ext uri="{BB962C8B-B14F-4D97-AF65-F5344CB8AC3E}">
-        <p14:creationId xmlns:p14="http://schemas.microsoft.com/office/powerpoint/2010/main" val="2288999045"/>
+        <p14:creationId xmlns:p14="http://schemas.microsoft.com/office/powerpoint/2010/main" val="724147764"/>
       </p:ext>
     </p:extLst>
   </p:cSld>

--- a/notes/csc493-ln004.pptx
+++ b/notes/csc493-ln004.pptx
@@ -5,10 +5,10 @@
     <p:sldMasterId id="2147483651" r:id="rId1"/>
   </p:sldMasterIdLst>
   <p:notesMasterIdLst>
-    <p:notesMasterId r:id="rId39"/>
+    <p:notesMasterId r:id="rId40"/>
   </p:notesMasterIdLst>
   <p:handoutMasterIdLst>
-    <p:handoutMasterId r:id="rId40"/>
+    <p:handoutMasterId r:id="rId41"/>
   </p:handoutMasterIdLst>
   <p:sldIdLst>
     <p:sldId id="280" r:id="rId2"/>
@@ -44,10 +44,11 @@
     <p:sldId id="272" r:id="rId32"/>
     <p:sldId id="273" r:id="rId33"/>
     <p:sldId id="277" r:id="rId34"/>
-    <p:sldId id="278" r:id="rId35"/>
+    <p:sldId id="294" r:id="rId35"/>
     <p:sldId id="274" r:id="rId36"/>
-    <p:sldId id="275" r:id="rId37"/>
-    <p:sldId id="276" r:id="rId38"/>
+    <p:sldId id="296" r:id="rId37"/>
+    <p:sldId id="275" r:id="rId38"/>
+    <p:sldId id="276" r:id="rId39"/>
   </p:sldIdLst>
   <p:sldSz cx="9144000" cy="6858000" type="screen4x3"/>
   <p:notesSz cx="6856413" cy="9083675"/>
@@ -10112,7 +10113,7 @@
           <p:cNvPr id="2" name="Title 1">
             <a:extLst>
               <a:ext uri="{FF2B5EF4-FFF2-40B4-BE49-F238E27FC236}">
-                <a16:creationId xmlns:a16="http://schemas.microsoft.com/office/drawing/2014/main" id="{6195C51E-259E-9349-83AB-34F41AD10999}"/>
+                <a16:creationId xmlns:a16="http://schemas.microsoft.com/office/drawing/2014/main" id="{980BBCB4-34B6-6F4D-9DAA-48FC9F7BB83F}"/>
               </a:ext>
             </a:extLst>
           </p:cNvPr>
@@ -10130,7 +10131,7 @@
           <a:p>
             <a:r>
               <a:rPr lang="en-US" dirty="0"/>
-              <a:t>Head-Tail Pattern</a:t>
+              <a:t>Pattern Matching with Regular Expressions</a:t>
             </a:r>
           </a:p>
         </p:txBody>
@@ -10140,7 +10141,7 @@
           <p:cNvPr id="3" name="Content Placeholder 2">
             <a:extLst>
               <a:ext uri="{FF2B5EF4-FFF2-40B4-BE49-F238E27FC236}">
-                <a16:creationId xmlns:a16="http://schemas.microsoft.com/office/drawing/2014/main" id="{3F46B74A-6B29-9041-95E9-7392BDABF9A2}"/>
+                <a16:creationId xmlns:a16="http://schemas.microsoft.com/office/drawing/2014/main" id="{946A49A8-7143-3D47-B39F-FC08E41F5600}"/>
               </a:ext>
             </a:extLst>
           </p:cNvPr>
@@ -10151,71 +10152,85 @@
             <p:ph idx="1"/>
           </p:nvPr>
         </p:nvSpPr>
-        <p:spPr>
-          <a:xfrm>
-            <a:off x="1524000" y="1905000"/>
-            <a:ext cx="7010400" cy="2895600"/>
-          </a:xfrm>
-        </p:spPr>
+        <p:spPr/>
         <p:txBody>
           <a:bodyPr>
-            <a:normAutofit/>
+            <a:normAutofit fontScale="77500" lnSpcReduction="20000"/>
           </a:bodyPr>
           <a:lstStyle/>
           <a:p>
             <a:r>
               <a:rPr lang="en-US" dirty="0"/>
-              <a:t>The head-tail pattern can also be used “in reverse” – as a constructor,</a:t>
+              <a:t>Regular expressions are patterns that can be applied to strings</a:t>
+            </a:r>
+          </a:p>
+          <a:p>
+            <a:r>
+              <a:rPr lang="en-US" dirty="0"/>
+              <a:t>e.g., the regex</a:t>
+            </a:r>
+            <a:br>
+              <a:rPr lang="en-US" dirty="0"/>
+            </a:br>
+            <a:r>
+              <a:rPr lang="en-US" dirty="0"/>
+              <a:t>      “a(b)*”</a:t>
+            </a:r>
+            <a:br>
+              <a:rPr lang="en-US" dirty="0"/>
+            </a:br>
+            <a:r>
+              <a:rPr lang="en-US" dirty="0"/>
+              <a:t>matches any string that starts with an a followed by zero or more b’s.</a:t>
+            </a:r>
+          </a:p>
+          <a:p>
+            <a:r>
+              <a:rPr lang="en-US" dirty="0"/>
+              <a:t>In Asteroid regular expressions are considered patterns and therefore we can write expressions like</a:t>
+            </a:r>
+            <a:br>
+              <a:rPr lang="en-US" dirty="0"/>
+            </a:br>
+            <a:r>
+              <a:rPr lang="en-US" dirty="0"/>
+              <a:t>    “</a:t>
+            </a:r>
+            <a:r>
+              <a:rPr lang="en-US" dirty="0" err="1"/>
+              <a:t>abbbb</a:t>
+            </a:r>
+            <a:r>
+              <a:rPr lang="en-US" dirty="0"/>
+              <a:t>” is “a(b)*”</a:t>
+            </a:r>
+          </a:p>
+          <a:p>
+            <a:r>
+              <a:rPr lang="en-US" dirty="0"/>
+              <a:t>Asteroid’s regex syntax follows Python’s regex syntax</a:t>
             </a:r>
           </a:p>
           <a:p>
             <a:pPr lvl="1"/>
             <a:r>
-              <a:rPr lang="en-US" dirty="0"/>
-              <a:t>Given an element and a list it will prepend the element to the list</a:t>
-            </a:r>
-          </a:p>
-        </p:txBody>
-      </p:sp>
-      <p:pic>
-        <p:nvPicPr>
-          <p:cNvPr id="5" name="Picture 4">
-            <a:extLst>
-              <a:ext uri="{FF2B5EF4-FFF2-40B4-BE49-F238E27FC236}">
-                <a16:creationId xmlns:a16="http://schemas.microsoft.com/office/drawing/2014/main" id="{54E484A6-DFFD-CA4E-8E22-B165552E5060}"/>
-              </a:ext>
-            </a:extLst>
-          </p:cNvPr>
-          <p:cNvPicPr>
-            <a:picLocks noChangeAspect="1"/>
-          </p:cNvPicPr>
-          <p:nvPr/>
-        </p:nvPicPr>
-        <p:blipFill>
-          <a:blip r:embed="rId2"/>
-          <a:stretch>
-            <a:fillRect/>
-          </a:stretch>
-        </p:blipFill>
-        <p:spPr>
-          <a:xfrm>
-            <a:off x="2971800" y="4371975"/>
-            <a:ext cx="2565400" cy="1231900"/>
-          </a:xfrm>
-          <a:prstGeom prst="rect">
-            <a:avLst/>
-          </a:prstGeom>
-          <a:ln>
-            <a:solidFill>
-              <a:schemeClr val="tx1"/>
-            </a:solidFill>
-          </a:ln>
-        </p:spPr>
-      </p:pic>
+              <a:rPr lang="en-US" dirty="0">
+                <a:hlinkClick r:id="rId2"/>
+              </a:rPr>
+              <a:t>https://docs.python.org/3/library/re.html</a:t>
+            </a:r>
+            <a:endParaRPr lang="en-US" dirty="0"/>
+          </a:p>
+          <a:p>
+            <a:pPr lvl="1"/>
+            <a:endParaRPr lang="en-US" dirty="0"/>
+          </a:p>
+        </p:txBody>
+      </p:sp>
     </p:spTree>
     <p:extLst>
       <p:ext uri="{BB962C8B-B14F-4D97-AF65-F5344CB8AC3E}">
-        <p14:creationId xmlns:p14="http://schemas.microsoft.com/office/powerpoint/2010/main" val="4189918242"/>
+        <p14:creationId xmlns:p14="http://schemas.microsoft.com/office/powerpoint/2010/main" val="2077058603"/>
       </p:ext>
     </p:extLst>
   </p:cSld>
@@ -10289,74 +10304,59 @@
         <p:spPr/>
         <p:txBody>
           <a:bodyPr>
-            <a:normAutofit fontScale="77500" lnSpcReduction="20000"/>
+            <a:normAutofit fontScale="92500" lnSpcReduction="10000"/>
           </a:bodyPr>
           <a:lstStyle/>
           <a:p>
             <a:r>
               <a:rPr lang="en-US" dirty="0"/>
-              <a:t>Regular expressions are patterns that can be applied to strings</a:t>
-            </a:r>
-          </a:p>
-          <a:p>
-            <a:r>
-              <a:rPr lang="en-US" dirty="0"/>
-              <a:t>e.g., the regex</a:t>
+              <a:t>Regular expressions is a formal language that defines lexical patterns of character strings</a:t>
+            </a:r>
+          </a:p>
+          <a:p>
+            <a:r>
+              <a:rPr lang="en-US" dirty="0"/>
+              <a:t>As shown before, the regular expression</a:t>
             </a:r>
             <a:br>
               <a:rPr lang="en-US" dirty="0"/>
             </a:br>
             <a:r>
               <a:rPr lang="en-US" dirty="0"/>
-              <a:t>      “a(b)*”</a:t>
+              <a:t>   “a(b)*”</a:t>
             </a:r>
             <a:br>
               <a:rPr lang="en-US" dirty="0"/>
             </a:br>
             <a:r>
               <a:rPr lang="en-US" dirty="0"/>
-              <a:t>matches any string that starts with an a followed by zero or more b’s.</a:t>
-            </a:r>
-          </a:p>
-          <a:p>
-            <a:r>
-              <a:rPr lang="en-US" dirty="0"/>
-              <a:t>In Asteroid regular expressions are considered patterns and therefore we can write expressions like</a:t>
+              <a:t>describes a pattern that matches any string that starts with an ‘a’ character followed by zero or more ‘b’ characters.</a:t>
+            </a:r>
+          </a:p>
+          <a:p>
+            <a:r>
+              <a:rPr lang="en-US" dirty="0"/>
+              <a:t>Possible matches are</a:t>
             </a:r>
             <a:br>
               <a:rPr lang="en-US" dirty="0"/>
             </a:br>
             <a:r>
               <a:rPr lang="en-US" dirty="0"/>
-              <a:t>    “</a:t>
+              <a:t>   “a”, “ab”, “abb”, “</a:t>
             </a:r>
             <a:r>
               <a:rPr lang="en-US" dirty="0" err="1"/>
-              <a:t>abbbb</a:t>
-            </a:r>
-            <a:r>
-              <a:rPr lang="en-US" dirty="0"/>
-              <a:t>” is “a(b)*”</a:t>
-            </a:r>
-          </a:p>
-          <a:p>
-            <a:r>
-              <a:rPr lang="en-US" dirty="0"/>
-              <a:t>Asteroid’s regex syntax follows Python’s regex syntax</a:t>
-            </a:r>
-          </a:p>
-          <a:p>
-            <a:pPr lvl="1"/>
-            <a:r>
-              <a:rPr lang="en-US" dirty="0">
-                <a:hlinkClick r:id="rId2"/>
-              </a:rPr>
-              <a:t>https://docs.python.org/3/library/re.html</a:t>
-            </a:r>
-            <a:endParaRPr lang="en-US" dirty="0"/>
-          </a:p>
-          <a:p>
-            <a:pPr lvl="1"/>
+              <a:t>abbb</a:t>
+            </a:r>
+            <a:r>
+              <a:rPr lang="en-US" dirty="0"/>
+              <a:t>”, </a:t>
+            </a:r>
+            <a:r>
+              <a:rPr lang="en-US" dirty="0" err="1"/>
+              <a:t>etc</a:t>
+            </a:r>
             <a:endParaRPr lang="en-US" dirty="0"/>
           </a:p>
         </p:txBody>
@@ -10396,6 +10396,221 @@
           <p:cNvPr id="2" name="Title 1">
             <a:extLst>
               <a:ext uri="{FF2B5EF4-FFF2-40B4-BE49-F238E27FC236}">
+                <a16:creationId xmlns:a16="http://schemas.microsoft.com/office/drawing/2014/main" id="{DDBFF0E2-69A4-1E49-BFE5-5AFDBF964753}"/>
+              </a:ext>
+            </a:extLst>
+          </p:cNvPr>
+          <p:cNvSpPr>
+            <a:spLocks noGrp="1"/>
+          </p:cNvSpPr>
+          <p:nvPr>
+            <p:ph type="title"/>
+          </p:nvPr>
+        </p:nvSpPr>
+        <p:spPr/>
+        <p:txBody>
+          <a:bodyPr/>
+          <a:lstStyle/>
+          <a:p>
+            <a:r>
+              <a:rPr lang="en-US" dirty="0"/>
+              <a:t>Pattern Matching with Regular Expressions</a:t>
+            </a:r>
+          </a:p>
+        </p:txBody>
+      </p:sp>
+      <p:sp>
+        <p:nvSpPr>
+          <p:cNvPr id="3" name="Content Placeholder 2">
+            <a:extLst>
+              <a:ext uri="{FF2B5EF4-FFF2-40B4-BE49-F238E27FC236}">
+                <a16:creationId xmlns:a16="http://schemas.microsoft.com/office/drawing/2014/main" id="{BF0D501C-89B7-3C4F-A74A-25052FB26236}"/>
+              </a:ext>
+            </a:extLst>
+          </p:cNvPr>
+          <p:cNvSpPr>
+            <a:spLocks noGrp="1"/>
+          </p:cNvSpPr>
+          <p:nvPr>
+            <p:ph idx="1"/>
+          </p:nvPr>
+        </p:nvSpPr>
+        <p:spPr>
+          <a:xfrm>
+            <a:off x="1524000" y="1905000"/>
+            <a:ext cx="7010400" cy="3733800"/>
+          </a:xfrm>
+        </p:spPr>
+        <p:txBody>
+          <a:bodyPr>
+            <a:normAutofit fontScale="70000" lnSpcReduction="20000"/>
+          </a:bodyPr>
+          <a:lstStyle/>
+          <a:p>
+            <a:r>
+              <a:rPr lang="en-US" dirty="0"/>
+              <a:t>Any single, printable character is a RE, e.g., “A” or “1”</a:t>
+            </a:r>
+          </a:p>
+          <a:p>
+            <a:r>
+              <a:rPr lang="en-US" dirty="0"/>
+              <a:t>The concatenation “&lt;RE1&gt;&lt;RE2&gt;” is also an RE, e.g. “ab”</a:t>
+            </a:r>
+          </a:p>
+          <a:p>
+            <a:r>
+              <a:rPr lang="en-US" dirty="0"/>
+              <a:t>The “&lt;RE&gt;*” operator means match the RE zero or more times, e.g. “a*” and “(ab)*”</a:t>
+            </a:r>
+          </a:p>
+          <a:p>
+            <a:r>
+              <a:rPr lang="en-US" dirty="0"/>
+              <a:t>The “&lt;RE&gt;+” operator means match the RE one or more times, e.g. “a+” and “(ab)+”</a:t>
+            </a:r>
+          </a:p>
+          <a:p>
+            <a:r>
+              <a:rPr lang="en-US" dirty="0"/>
+              <a:t>The “&lt;RE&gt;?” operator means match the RE if it exists, e.g. “a(b)?c”</a:t>
+            </a:r>
+          </a:p>
+          <a:p>
+            <a:r>
+              <a:rPr lang="en-US" dirty="0"/>
+              <a:t>The “&lt;RE1&gt;|&lt;RE2&gt;” operator means match either RE1 or RE2.</a:t>
+            </a:r>
+          </a:p>
+          <a:p>
+            <a:r>
+              <a:rPr lang="en-US" dirty="0"/>
+              <a:t>The ”.” operator matches any character</a:t>
+            </a:r>
+          </a:p>
+          <a:p>
+            <a:endParaRPr lang="en-US" dirty="0"/>
+          </a:p>
+        </p:txBody>
+      </p:sp>
+      <p:sp>
+        <p:nvSpPr>
+          <p:cNvPr id="4" name="TextBox 3">
+            <a:extLst>
+              <a:ext uri="{FF2B5EF4-FFF2-40B4-BE49-F238E27FC236}">
+                <a16:creationId xmlns:a16="http://schemas.microsoft.com/office/drawing/2014/main" id="{B42E3AF5-FD77-E843-9F33-C79B24D0CA37}"/>
+              </a:ext>
+            </a:extLst>
+          </p:cNvPr>
+          <p:cNvSpPr txBox="1"/>
+          <p:nvPr/>
+        </p:nvSpPr>
+        <p:spPr>
+          <a:xfrm>
+            <a:off x="175846" y="3657600"/>
+            <a:ext cx="1221809" cy="307777"/>
+          </a:xfrm>
+          <a:prstGeom prst="rect">
+            <a:avLst/>
+          </a:prstGeom>
+          <a:noFill/>
+        </p:spPr>
+        <p:txBody>
+          <a:bodyPr wrap="none" rtlCol="0">
+            <a:spAutoFit/>
+          </a:bodyPr>
+          <a:lstStyle/>
+          <a:p>
+            <a:r>
+              <a:rPr lang="en-US" sz="1400" dirty="0"/>
+              <a:t>“a+” = “a(a)*”</a:t>
+            </a:r>
+          </a:p>
+        </p:txBody>
+      </p:sp>
+      <p:sp>
+        <p:nvSpPr>
+          <p:cNvPr id="5" name="TextBox 4">
+            <a:extLst>
+              <a:ext uri="{FF2B5EF4-FFF2-40B4-BE49-F238E27FC236}">
+                <a16:creationId xmlns:a16="http://schemas.microsoft.com/office/drawing/2014/main" id="{F278C2C1-CCBA-8644-B86A-F89E697E389F}"/>
+              </a:ext>
+            </a:extLst>
+          </p:cNvPr>
+          <p:cNvSpPr txBox="1"/>
+          <p:nvPr/>
+        </p:nvSpPr>
+        <p:spPr>
+          <a:xfrm>
+            <a:off x="1559169" y="5922947"/>
+            <a:ext cx="5121915" cy="923330"/>
+          </a:xfrm>
+          <a:prstGeom prst="rect">
+            <a:avLst/>
+          </a:prstGeom>
+          <a:noFill/>
+        </p:spPr>
+        <p:txBody>
+          <a:bodyPr wrap="none" rtlCol="0">
+            <a:spAutoFit/>
+          </a:bodyPr>
+          <a:lstStyle/>
+          <a:p>
+            <a:r>
+              <a:rPr lang="en-US" sz="1800" dirty="0"/>
+              <a:t>Note: REs are a very rich language, see more at</a:t>
+            </a:r>
+            <a:br>
+              <a:rPr lang="en-US" sz="1800" dirty="0"/>
+            </a:br>
+            <a:r>
+              <a:rPr lang="en-US" sz="1800" dirty="0">
+                <a:hlinkClick r:id="rId2"/>
+              </a:rPr>
+              <a:t>https://docs.python.org/3/library/re.html</a:t>
+            </a:r>
+            <a:endParaRPr lang="en-US" sz="1800" dirty="0"/>
+          </a:p>
+          <a:p>
+            <a:endParaRPr lang="en-US" sz="1800" dirty="0"/>
+          </a:p>
+        </p:txBody>
+      </p:sp>
+    </p:spTree>
+    <p:extLst>
+      <p:ext uri="{BB962C8B-B14F-4D97-AF65-F5344CB8AC3E}">
+        <p14:creationId xmlns:p14="http://schemas.microsoft.com/office/powerpoint/2010/main" val="1187533554"/>
+      </p:ext>
+    </p:extLst>
+  </p:cSld>
+  <p:clrMapOvr>
+    <a:masterClrMapping/>
+  </p:clrMapOvr>
+</p:sld>
+</file>
+
+<file path=ppt/slides/slide37.xml><?xml version="1.0" encoding="utf-8"?>
+<p:sld xmlns:a="http://schemas.openxmlformats.org/drawingml/2006/main" xmlns:r="http://schemas.openxmlformats.org/officeDocument/2006/relationships" xmlns:p="http://schemas.openxmlformats.org/presentationml/2006/main">
+  <p:cSld>
+    <p:spTree>
+      <p:nvGrpSpPr>
+        <p:cNvPr id="1" name=""/>
+        <p:cNvGrpSpPr/>
+        <p:nvPr/>
+      </p:nvGrpSpPr>
+      <p:grpSpPr>
+        <a:xfrm>
+          <a:off x="0" y="0"/>
+          <a:ext cx="0" cy="0"/>
+          <a:chOff x="0" y="0"/>
+          <a:chExt cx="0" cy="0"/>
+        </a:xfrm>
+      </p:grpSpPr>
+      <p:sp>
+        <p:nvSpPr>
+          <p:cNvPr id="2" name="Title 1">
+            <a:extLst>
+              <a:ext uri="{FF2B5EF4-FFF2-40B4-BE49-F238E27FC236}">
                 <a16:creationId xmlns:a16="http://schemas.microsoft.com/office/drawing/2014/main" id="{980BBCB4-34B6-6F4D-9DAA-48FC9F7BB83F}"/>
               </a:ext>
             </a:extLst>
@@ -10454,41 +10669,6 @@
           </a:ln>
         </p:spPr>
       </p:pic>
-      <p:sp>
-        <p:nvSpPr>
-          <p:cNvPr id="5" name="TextBox 4">
-            <a:extLst>
-              <a:ext uri="{FF2B5EF4-FFF2-40B4-BE49-F238E27FC236}">
-                <a16:creationId xmlns:a16="http://schemas.microsoft.com/office/drawing/2014/main" id="{7401E3AD-0165-9445-8C37-7660A82607F8}"/>
-              </a:ext>
-            </a:extLst>
-          </p:cNvPr>
-          <p:cNvSpPr txBox="1"/>
-          <p:nvPr/>
-        </p:nvSpPr>
-        <p:spPr>
-          <a:xfrm>
-            <a:off x="1067741" y="4724400"/>
-            <a:ext cx="1675459" cy="307777"/>
-          </a:xfrm>
-          <a:prstGeom prst="rect">
-            <a:avLst/>
-          </a:prstGeom>
-          <a:noFill/>
-        </p:spPr>
-        <p:txBody>
-          <a:bodyPr wrap="none" rtlCol="0">
-            <a:spAutoFit/>
-          </a:bodyPr>
-          <a:lstStyle/>
-          <a:p>
-            <a:r>
-              <a:rPr lang="en-US" sz="1400" dirty="0"/>
-              <a:t>Note: (a)+  =  a(a)*</a:t>
-            </a:r>
-          </a:p>
-        </p:txBody>
-      </p:sp>
       <p:pic>
         <p:nvPicPr>
           <p:cNvPr id="6" name="Picture 5">
@@ -10657,7 +10837,7 @@
 </p:sld>
 </file>
 
-<file path=ppt/slides/slide37.xml><?xml version="1.0" encoding="utf-8"?>
+<file path=ppt/slides/slide38.xml><?xml version="1.0" encoding="utf-8"?>
 <p:sld xmlns:a="http://schemas.openxmlformats.org/drawingml/2006/main" xmlns:r="http://schemas.openxmlformats.org/officeDocument/2006/relationships" xmlns:p="http://schemas.openxmlformats.org/presentationml/2006/main">
   <p:cSld>
     <p:spTree>

--- a/notes/csc493-ln004.pptx
+++ b/notes/csc493-ln004.pptx
@@ -5,10 +5,10 @@
     <p:sldMasterId id="2147483651" r:id="rId1"/>
   </p:sldMasterIdLst>
   <p:notesMasterIdLst>
-    <p:notesMasterId r:id="rId40"/>
+    <p:notesMasterId r:id="rId41"/>
   </p:notesMasterIdLst>
   <p:handoutMasterIdLst>
-    <p:handoutMasterId r:id="rId41"/>
+    <p:handoutMasterId r:id="rId42"/>
   </p:handoutMasterIdLst>
   <p:sldIdLst>
     <p:sldId id="280" r:id="rId2"/>
@@ -16,39 +16,40 @@
     <p:sldId id="281" r:id="rId4"/>
     <p:sldId id="282" r:id="rId5"/>
     <p:sldId id="290" r:id="rId6"/>
-    <p:sldId id="257" r:id="rId7"/>
+    <p:sldId id="297" r:id="rId7"/>
     <p:sldId id="291" r:id="rId8"/>
-    <p:sldId id="283" r:id="rId9"/>
-    <p:sldId id="286" r:id="rId10"/>
-    <p:sldId id="287" r:id="rId11"/>
-    <p:sldId id="292" r:id="rId12"/>
-    <p:sldId id="293" r:id="rId13"/>
-    <p:sldId id="284" r:id="rId14"/>
-    <p:sldId id="288" r:id="rId15"/>
-    <p:sldId id="289" r:id="rId16"/>
-    <p:sldId id="285" r:id="rId17"/>
-    <p:sldId id="259" r:id="rId18"/>
-    <p:sldId id="260" r:id="rId19"/>
-    <p:sldId id="261" r:id="rId20"/>
-    <p:sldId id="262" r:id="rId21"/>
-    <p:sldId id="263" r:id="rId22"/>
-    <p:sldId id="264" r:id="rId23"/>
-    <p:sldId id="265" r:id="rId24"/>
-    <p:sldId id="279" r:id="rId25"/>
-    <p:sldId id="266" r:id="rId26"/>
-    <p:sldId id="267" r:id="rId27"/>
-    <p:sldId id="268" r:id="rId28"/>
-    <p:sldId id="269" r:id="rId29"/>
-    <p:sldId id="270" r:id="rId30"/>
-    <p:sldId id="271" r:id="rId31"/>
-    <p:sldId id="272" r:id="rId32"/>
-    <p:sldId id="273" r:id="rId33"/>
-    <p:sldId id="277" r:id="rId34"/>
-    <p:sldId id="294" r:id="rId35"/>
-    <p:sldId id="274" r:id="rId36"/>
-    <p:sldId id="296" r:id="rId37"/>
-    <p:sldId id="275" r:id="rId38"/>
-    <p:sldId id="276" r:id="rId39"/>
+    <p:sldId id="257" r:id="rId9"/>
+    <p:sldId id="283" r:id="rId10"/>
+    <p:sldId id="286" r:id="rId11"/>
+    <p:sldId id="287" r:id="rId12"/>
+    <p:sldId id="292" r:id="rId13"/>
+    <p:sldId id="293" r:id="rId14"/>
+    <p:sldId id="284" r:id="rId15"/>
+    <p:sldId id="288" r:id="rId16"/>
+    <p:sldId id="289" r:id="rId17"/>
+    <p:sldId id="285" r:id="rId18"/>
+    <p:sldId id="259" r:id="rId19"/>
+    <p:sldId id="260" r:id="rId20"/>
+    <p:sldId id="261" r:id="rId21"/>
+    <p:sldId id="262" r:id="rId22"/>
+    <p:sldId id="263" r:id="rId23"/>
+    <p:sldId id="264" r:id="rId24"/>
+    <p:sldId id="265" r:id="rId25"/>
+    <p:sldId id="279" r:id="rId26"/>
+    <p:sldId id="266" r:id="rId27"/>
+    <p:sldId id="267" r:id="rId28"/>
+    <p:sldId id="268" r:id="rId29"/>
+    <p:sldId id="269" r:id="rId30"/>
+    <p:sldId id="270" r:id="rId31"/>
+    <p:sldId id="271" r:id="rId32"/>
+    <p:sldId id="272" r:id="rId33"/>
+    <p:sldId id="273" r:id="rId34"/>
+    <p:sldId id="277" r:id="rId35"/>
+    <p:sldId id="294" r:id="rId36"/>
+    <p:sldId id="274" r:id="rId37"/>
+    <p:sldId id="296" r:id="rId38"/>
+    <p:sldId id="275" r:id="rId39"/>
+    <p:sldId id="276" r:id="rId40"/>
   </p:sldIdLst>
   <p:sldSz cx="9144000" cy="6858000" type="screen4x3"/>
   <p:notesSz cx="6856413" cy="9083675"/>
@@ -5324,7 +5325,7 @@
           <p:cNvPr id="2" name="Title 1">
             <a:extLst>
               <a:ext uri="{FF2B5EF4-FFF2-40B4-BE49-F238E27FC236}">
-                <a16:creationId xmlns:a16="http://schemas.microsoft.com/office/drawing/2014/main" id="{4592DAC2-FA39-6C44-8DCE-D2C763D16474}"/>
+                <a16:creationId xmlns:a16="http://schemas.microsoft.com/office/drawing/2014/main" id="{44969C8F-C644-7946-B4B0-381BB6051384}"/>
               </a:ext>
             </a:extLst>
           </p:cNvPr>
@@ -5352,7 +5353,7 @@
           <p:cNvPr id="3" name="Content Placeholder 2">
             <a:extLst>
               <a:ext uri="{FF2B5EF4-FFF2-40B4-BE49-F238E27FC236}">
-                <a16:creationId xmlns:a16="http://schemas.microsoft.com/office/drawing/2014/main" id="{B87BCF98-8240-4148-998E-242CCE898873}"/>
+                <a16:creationId xmlns:a16="http://schemas.microsoft.com/office/drawing/2014/main" id="{D1DA5083-17EB-1243-A0A4-6DD3250A0A56}"/>
               </a:ext>
             </a:extLst>
           </p:cNvPr>
@@ -5363,45 +5364,80 @@
             <p:ph idx="1"/>
           </p:nvPr>
         </p:nvSpPr>
-        <p:spPr/>
+        <p:spPr>
+          <a:xfrm>
+            <a:off x="1219200" y="1905000"/>
+            <a:ext cx="3886200" cy="3886200"/>
+          </a:xfrm>
+        </p:spPr>
         <p:txBody>
           <a:bodyPr>
-            <a:normAutofit fontScale="92500"/>
+            <a:normAutofit/>
           </a:bodyPr>
           <a:lstStyle/>
           <a:p>
             <a:r>
-              <a:rPr lang="en-US" dirty="0"/>
-              <a:t>We can solve this problem nicely with pattern matching in Asteroid,</a:t>
-            </a:r>
-          </a:p>
-          <a:p>
-            <a:pPr lvl="1"/>
-            <a:r>
-              <a:rPr lang="en-US" dirty="0"/>
-              <a:t>We will encode the patterns as 3-tuples</a:t>
-            </a:r>
-          </a:p>
-          <a:p>
-            <a:pPr lvl="1"/>
-            <a:r>
-              <a:rPr lang="en-US" dirty="0"/>
-              <a:t>We write a let statement for each pattern</a:t>
-            </a:r>
-          </a:p>
-          <a:p>
-            <a:pPr lvl="1"/>
-            <a:r>
-              <a:rPr lang="en-US" dirty="0"/>
-              <a:t>When let statements fail they throw an exception, we will embed the let statements in a try-catch block so we can detect the pattern match failure</a:t>
-            </a:r>
-          </a:p>
-        </p:txBody>
-      </p:sp>
+              <a:rPr lang="en-US" dirty="0">
+                <a:solidFill>
+                  <a:srgbClr val="374151"/>
+                </a:solidFill>
+                <a:latin typeface="Söhne"/>
+              </a:rPr>
+              <a:t>We can code that biologist example using pattern matching</a:t>
+            </a:r>
+          </a:p>
+          <a:p>
+            <a:r>
+              <a:rPr lang="en-US" dirty="0">
+                <a:solidFill>
+                  <a:srgbClr val="374151"/>
+                </a:solidFill>
+                <a:latin typeface="Söhne"/>
+              </a:rPr>
+              <a:t>Assume we have a field guide with the following patterns</a:t>
+            </a:r>
+          </a:p>
+        </p:txBody>
+      </p:sp>
+      <p:pic>
+        <p:nvPicPr>
+          <p:cNvPr id="4" name="Picture 3">
+            <a:extLst>
+              <a:ext uri="{FF2B5EF4-FFF2-40B4-BE49-F238E27FC236}">
+                <a16:creationId xmlns:a16="http://schemas.microsoft.com/office/drawing/2014/main" id="{F372A77E-2C45-C545-A7FD-AD6AF0C50EB3}"/>
+              </a:ext>
+            </a:extLst>
+          </p:cNvPr>
+          <p:cNvPicPr>
+            <a:picLocks noChangeAspect="1"/>
+          </p:cNvPicPr>
+          <p:nvPr/>
+        </p:nvPicPr>
+        <p:blipFill>
+          <a:blip r:embed="rId2"/>
+          <a:stretch>
+            <a:fillRect/>
+          </a:stretch>
+        </p:blipFill>
+        <p:spPr>
+          <a:xfrm>
+            <a:off x="5461000" y="1600200"/>
+            <a:ext cx="3073400" cy="4051300"/>
+          </a:xfrm>
+          <a:prstGeom prst="rect">
+            <a:avLst/>
+          </a:prstGeom>
+          <a:ln>
+            <a:solidFill>
+              <a:schemeClr val="tx1"/>
+            </a:solidFill>
+          </a:ln>
+        </p:spPr>
+      </p:pic>
     </p:spTree>
     <p:extLst>
       <p:ext uri="{BB962C8B-B14F-4D97-AF65-F5344CB8AC3E}">
-        <p14:creationId xmlns:p14="http://schemas.microsoft.com/office/powerpoint/2010/main" val="2188945959"/>
+        <p14:creationId xmlns:p14="http://schemas.microsoft.com/office/powerpoint/2010/main" val="724147764"/>
       </p:ext>
     </p:extLst>
   </p:cSld>
@@ -5456,6 +5492,115 @@
           </a:p>
         </p:txBody>
       </p:sp>
+      <p:sp>
+        <p:nvSpPr>
+          <p:cNvPr id="3" name="Content Placeholder 2">
+            <a:extLst>
+              <a:ext uri="{FF2B5EF4-FFF2-40B4-BE49-F238E27FC236}">
+                <a16:creationId xmlns:a16="http://schemas.microsoft.com/office/drawing/2014/main" id="{B87BCF98-8240-4148-998E-242CCE898873}"/>
+              </a:ext>
+            </a:extLst>
+          </p:cNvPr>
+          <p:cNvSpPr>
+            <a:spLocks noGrp="1"/>
+          </p:cNvSpPr>
+          <p:nvPr>
+            <p:ph idx="1"/>
+          </p:nvPr>
+        </p:nvSpPr>
+        <p:spPr/>
+        <p:txBody>
+          <a:bodyPr>
+            <a:normAutofit fontScale="92500"/>
+          </a:bodyPr>
+          <a:lstStyle/>
+          <a:p>
+            <a:r>
+              <a:rPr lang="en-US" dirty="0"/>
+              <a:t>We can solve this problem nicely with pattern matching in Asteroid,</a:t>
+            </a:r>
+          </a:p>
+          <a:p>
+            <a:pPr lvl="1"/>
+            <a:r>
+              <a:rPr lang="en-US" dirty="0"/>
+              <a:t>We will encode the patterns as 3-tuples</a:t>
+            </a:r>
+          </a:p>
+          <a:p>
+            <a:pPr lvl="1"/>
+            <a:r>
+              <a:rPr lang="en-US" dirty="0"/>
+              <a:t>We write a let statement for each pattern</a:t>
+            </a:r>
+          </a:p>
+          <a:p>
+            <a:pPr lvl="1"/>
+            <a:r>
+              <a:rPr lang="en-US" dirty="0"/>
+              <a:t>When let statements fail they throw an exception, we will embed the let statements in a try-catch block so we can detect the pattern match failure</a:t>
+            </a:r>
+          </a:p>
+        </p:txBody>
+      </p:sp>
+    </p:spTree>
+    <p:extLst>
+      <p:ext uri="{BB962C8B-B14F-4D97-AF65-F5344CB8AC3E}">
+        <p14:creationId xmlns:p14="http://schemas.microsoft.com/office/powerpoint/2010/main" val="2188945959"/>
+      </p:ext>
+    </p:extLst>
+  </p:cSld>
+  <p:clrMapOvr>
+    <a:masterClrMapping/>
+  </p:clrMapOvr>
+</p:sld>
+</file>
+
+<file path=ppt/slides/slide12.xml><?xml version="1.0" encoding="utf-8"?>
+<p:sld xmlns:a="http://schemas.openxmlformats.org/drawingml/2006/main" xmlns:r="http://schemas.openxmlformats.org/officeDocument/2006/relationships" xmlns:p="http://schemas.openxmlformats.org/presentationml/2006/main">
+  <p:cSld>
+    <p:spTree>
+      <p:nvGrpSpPr>
+        <p:cNvPr id="1" name=""/>
+        <p:cNvGrpSpPr/>
+        <p:nvPr/>
+      </p:nvGrpSpPr>
+      <p:grpSpPr>
+        <a:xfrm>
+          <a:off x="0" y="0"/>
+          <a:ext cx="0" cy="0"/>
+          <a:chOff x="0" y="0"/>
+          <a:chExt cx="0" cy="0"/>
+        </a:xfrm>
+      </p:grpSpPr>
+      <p:sp>
+        <p:nvSpPr>
+          <p:cNvPr id="2" name="Title 1">
+            <a:extLst>
+              <a:ext uri="{FF2B5EF4-FFF2-40B4-BE49-F238E27FC236}">
+                <a16:creationId xmlns:a16="http://schemas.microsoft.com/office/drawing/2014/main" id="{4592DAC2-FA39-6C44-8DCE-D2C763D16474}"/>
+              </a:ext>
+            </a:extLst>
+          </p:cNvPr>
+          <p:cNvSpPr>
+            <a:spLocks noGrp="1"/>
+          </p:cNvSpPr>
+          <p:nvPr>
+            <p:ph type="title"/>
+          </p:nvPr>
+        </p:nvSpPr>
+        <p:spPr/>
+        <p:txBody>
+          <a:bodyPr/>
+          <a:lstStyle/>
+          <a:p>
+            <a:r>
+              <a:rPr lang="en-US" dirty="0"/>
+              <a:t>Pattern Matching – Foundations </a:t>
+            </a:r>
+          </a:p>
+        </p:txBody>
+      </p:sp>
       <p:pic>
         <p:nvPicPr>
           <p:cNvPr id="4" name="Picture 3">
@@ -5574,7 +5719,7 @@
 </p:sld>
 </file>
 
-<file path=ppt/slides/slide12.xml><?xml version="1.0" encoding="utf-8"?>
+<file path=ppt/slides/slide13.xml><?xml version="1.0" encoding="utf-8"?>
 <p:sld xmlns:a="http://schemas.openxmlformats.org/drawingml/2006/main" xmlns:r="http://schemas.openxmlformats.org/officeDocument/2006/relationships" xmlns:p="http://schemas.openxmlformats.org/presentationml/2006/main">
   <p:cSld>
     <p:spTree>
@@ -5827,169 +5972,6 @@
 </p:sld>
 </file>
 
-<file path=ppt/slides/slide13.xml><?xml version="1.0" encoding="utf-8"?>
-<p:sld xmlns:a="http://schemas.openxmlformats.org/drawingml/2006/main" xmlns:r="http://schemas.openxmlformats.org/officeDocument/2006/relationships" xmlns:p="http://schemas.openxmlformats.org/presentationml/2006/main">
-  <p:cSld>
-    <p:spTree>
-      <p:nvGrpSpPr>
-        <p:cNvPr id="1" name=""/>
-        <p:cNvGrpSpPr/>
-        <p:nvPr/>
-      </p:nvGrpSpPr>
-      <p:grpSpPr>
-        <a:xfrm>
-          <a:off x="0" y="0"/>
-          <a:ext cx="0" cy="0"/>
-          <a:chOff x="0" y="0"/>
-          <a:chExt cx="0" cy="0"/>
-        </a:xfrm>
-      </p:grpSpPr>
-      <p:sp>
-        <p:nvSpPr>
-          <p:cNvPr id="2" name="Title 1">
-            <a:extLst>
-              <a:ext uri="{FF2B5EF4-FFF2-40B4-BE49-F238E27FC236}">
-                <a16:creationId xmlns:a16="http://schemas.microsoft.com/office/drawing/2014/main" id="{44969C8F-C644-7946-B4B0-381BB6051384}"/>
-              </a:ext>
-            </a:extLst>
-          </p:cNvPr>
-          <p:cNvSpPr>
-            <a:spLocks noGrp="1"/>
-          </p:cNvSpPr>
-          <p:nvPr>
-            <p:ph type="title"/>
-          </p:nvPr>
-        </p:nvSpPr>
-        <p:spPr/>
-        <p:txBody>
-          <a:bodyPr/>
-          <a:lstStyle/>
-          <a:p>
-            <a:r>
-              <a:rPr lang="en-US" dirty="0"/>
-              <a:t>Pattern Matching – Foundations </a:t>
-            </a:r>
-          </a:p>
-        </p:txBody>
-      </p:sp>
-      <p:sp>
-        <p:nvSpPr>
-          <p:cNvPr id="5" name="TextBox 4">
-            <a:extLst>
-              <a:ext uri="{FF2B5EF4-FFF2-40B4-BE49-F238E27FC236}">
-                <a16:creationId xmlns:a16="http://schemas.microsoft.com/office/drawing/2014/main" id="{62B83371-9B88-984A-8AEC-EB001857EF67}"/>
-              </a:ext>
-            </a:extLst>
-          </p:cNvPr>
-          <p:cNvSpPr txBox="1"/>
-          <p:nvPr/>
-        </p:nvSpPr>
-        <p:spPr>
-          <a:xfrm>
-            <a:off x="7557336" y="4419600"/>
-            <a:ext cx="1457450" cy="307777"/>
-          </a:xfrm>
-          <a:prstGeom prst="rect">
-            <a:avLst/>
-          </a:prstGeom>
-          <a:noFill/>
-        </p:spPr>
-        <p:txBody>
-          <a:bodyPr wrap="none" rtlCol="0">
-            <a:spAutoFit/>
-          </a:bodyPr>
-          <a:lstStyle/>
-          <a:p>
-            <a:r>
-              <a:rPr lang="en-US" sz="1400" dirty="0"/>
-              <a:t>ln004/bird1b.ast</a:t>
-            </a:r>
-          </a:p>
-        </p:txBody>
-      </p:sp>
-      <p:pic>
-        <p:nvPicPr>
-          <p:cNvPr id="8" name="Picture 7">
-            <a:extLst>
-              <a:ext uri="{FF2B5EF4-FFF2-40B4-BE49-F238E27FC236}">
-                <a16:creationId xmlns:a16="http://schemas.microsoft.com/office/drawing/2014/main" id="{DB59B07C-F6D0-054E-B37F-CD924EC25FDF}"/>
-              </a:ext>
-            </a:extLst>
-          </p:cNvPr>
-          <p:cNvPicPr>
-            <a:picLocks noChangeAspect="1"/>
-          </p:cNvPicPr>
-          <p:nvPr/>
-        </p:nvPicPr>
-        <p:blipFill>
-          <a:blip r:embed="rId2"/>
-          <a:stretch>
-            <a:fillRect/>
-          </a:stretch>
-        </p:blipFill>
-        <p:spPr>
-          <a:xfrm>
-            <a:off x="615950" y="5816600"/>
-            <a:ext cx="7912100" cy="965200"/>
-          </a:xfrm>
-          <a:prstGeom prst="rect">
-            <a:avLst/>
-          </a:prstGeom>
-          <a:ln>
-            <a:solidFill>
-              <a:schemeClr val="tx1"/>
-            </a:solidFill>
-          </a:ln>
-        </p:spPr>
-      </p:pic>
-      <p:pic>
-        <p:nvPicPr>
-          <p:cNvPr id="11" name="Picture 10">
-            <a:extLst>
-              <a:ext uri="{FF2B5EF4-FFF2-40B4-BE49-F238E27FC236}">
-                <a16:creationId xmlns:a16="http://schemas.microsoft.com/office/drawing/2014/main" id="{33AF4169-5E97-CD4C-B6CD-A0BDB93B81EB}"/>
-              </a:ext>
-            </a:extLst>
-          </p:cNvPr>
-          <p:cNvPicPr>
-            <a:picLocks noChangeAspect="1"/>
-          </p:cNvPicPr>
-          <p:nvPr/>
-        </p:nvPicPr>
-        <p:blipFill>
-          <a:blip r:embed="rId3"/>
-          <a:stretch>
-            <a:fillRect/>
-          </a:stretch>
-        </p:blipFill>
-        <p:spPr>
-          <a:xfrm>
-            <a:off x="1033244" y="76200"/>
-            <a:ext cx="6510556" cy="5695430"/>
-          </a:xfrm>
-          <a:prstGeom prst="rect">
-            <a:avLst/>
-          </a:prstGeom>
-          <a:ln>
-            <a:solidFill>
-              <a:schemeClr val="tx1"/>
-            </a:solidFill>
-          </a:ln>
-        </p:spPr>
-      </p:pic>
-    </p:spTree>
-    <p:extLst>
-      <p:ext uri="{BB962C8B-B14F-4D97-AF65-F5344CB8AC3E}">
-        <p14:creationId xmlns:p14="http://schemas.microsoft.com/office/powerpoint/2010/main" val="2288999045"/>
-      </p:ext>
-    </p:extLst>
-  </p:cSld>
-  <p:clrMapOvr>
-    <a:masterClrMapping/>
-  </p:clrMapOvr>
-</p:sld>
-</file>
-
 <file path=ppt/slides/slide14.xml><?xml version="1.0" encoding="utf-8"?>
 <p:sld xmlns:a="http://schemas.openxmlformats.org/drawingml/2006/main" xmlns:r="http://schemas.openxmlformats.org/officeDocument/2006/relationships" xmlns:p="http://schemas.openxmlformats.org/presentationml/2006/main">
   <p:cSld>
@@ -6037,39 +6019,6 @@
       </p:sp>
       <p:sp>
         <p:nvSpPr>
-          <p:cNvPr id="3" name="Content Placeholder 2">
-            <a:extLst>
-              <a:ext uri="{FF2B5EF4-FFF2-40B4-BE49-F238E27FC236}">
-                <a16:creationId xmlns:a16="http://schemas.microsoft.com/office/drawing/2014/main" id="{E53EFDD1-B6BA-6F4A-9E7B-40833BE9267A}"/>
-              </a:ext>
-            </a:extLst>
-          </p:cNvPr>
-          <p:cNvSpPr>
-            <a:spLocks noGrp="1"/>
-          </p:cNvSpPr>
-          <p:nvPr>
-            <p:ph idx="1"/>
-          </p:nvPr>
-        </p:nvSpPr>
-        <p:spPr>
-          <a:xfrm>
-            <a:off x="656492" y="1875542"/>
-            <a:ext cx="2743200" cy="4114800"/>
-          </a:xfrm>
-        </p:spPr>
-        <p:txBody>
-          <a:bodyPr/>
-          <a:lstStyle/>
-          <a:p>
-            <a:r>
-              <a:rPr lang="en-US" sz="2000" dirty="0"/>
-              <a:t>Here is a much more elegant solution using pattern matching in functions</a:t>
-            </a:r>
-          </a:p>
-        </p:txBody>
-      </p:sp>
-      <p:sp>
-        <p:nvSpPr>
           <p:cNvPr id="5" name="TextBox 4">
             <a:extLst>
               <a:ext uri="{FF2B5EF4-FFF2-40B4-BE49-F238E27FC236}">
@@ -6082,8 +6031,8 @@
         </p:nvSpPr>
         <p:spPr>
           <a:xfrm>
-            <a:off x="7176336" y="6042701"/>
-            <a:ext cx="1358064" cy="307777"/>
+            <a:off x="7557336" y="4419600"/>
+            <a:ext cx="1457450" cy="307777"/>
           </a:xfrm>
           <a:prstGeom prst="rect">
             <a:avLst/>
@@ -6098,17 +6047,17 @@
           <a:p>
             <a:r>
               <a:rPr lang="en-US" sz="1400" dirty="0"/>
-              <a:t>ln004/bird2.ast</a:t>
+              <a:t>ln004/bird1b.ast</a:t>
             </a:r>
           </a:p>
         </p:txBody>
       </p:sp>
       <p:pic>
         <p:nvPicPr>
-          <p:cNvPr id="6" name="Picture 5">
-            <a:extLst>
-              <a:ext uri="{FF2B5EF4-FFF2-40B4-BE49-F238E27FC236}">
-                <a16:creationId xmlns:a16="http://schemas.microsoft.com/office/drawing/2014/main" id="{2447E8AD-CC8F-A449-9087-4AB16BFE587F}"/>
+          <p:cNvPr id="8" name="Picture 7">
+            <a:extLst>
+              <a:ext uri="{FF2B5EF4-FFF2-40B4-BE49-F238E27FC236}">
+                <a16:creationId xmlns:a16="http://schemas.microsoft.com/office/drawing/2014/main" id="{DB59B07C-F6D0-054E-B37F-CD924EC25FDF}"/>
               </a:ext>
             </a:extLst>
           </p:cNvPr>
@@ -6125,8 +6074,8 @@
         </p:blipFill>
         <p:spPr>
           <a:xfrm>
-            <a:off x="3352800" y="1661502"/>
-            <a:ext cx="5639191" cy="4328840"/>
+            <a:off x="615950" y="5816600"/>
+            <a:ext cx="7912100" cy="965200"/>
           </a:xfrm>
           <a:prstGeom prst="rect">
             <a:avLst/>
@@ -6138,10 +6087,45 @@
           </a:ln>
         </p:spPr>
       </p:pic>
+      <p:pic>
+        <p:nvPicPr>
+          <p:cNvPr id="11" name="Picture 10">
+            <a:extLst>
+              <a:ext uri="{FF2B5EF4-FFF2-40B4-BE49-F238E27FC236}">
+                <a16:creationId xmlns:a16="http://schemas.microsoft.com/office/drawing/2014/main" id="{33AF4169-5E97-CD4C-B6CD-A0BDB93B81EB}"/>
+              </a:ext>
+            </a:extLst>
+          </p:cNvPr>
+          <p:cNvPicPr>
+            <a:picLocks noChangeAspect="1"/>
+          </p:cNvPicPr>
+          <p:nvPr/>
+        </p:nvPicPr>
+        <p:blipFill>
+          <a:blip r:embed="rId3"/>
+          <a:stretch>
+            <a:fillRect/>
+          </a:stretch>
+        </p:blipFill>
+        <p:spPr>
+          <a:xfrm>
+            <a:off x="1033244" y="76200"/>
+            <a:ext cx="6510556" cy="5695430"/>
+          </a:xfrm>
+          <a:prstGeom prst="rect">
+            <a:avLst/>
+          </a:prstGeom>
+          <a:ln>
+            <a:solidFill>
+              <a:schemeClr val="tx1"/>
+            </a:solidFill>
+          </a:ln>
+        </p:spPr>
+      </p:pic>
     </p:spTree>
     <p:extLst>
       <p:ext uri="{BB962C8B-B14F-4D97-AF65-F5344CB8AC3E}">
-        <p14:creationId xmlns:p14="http://schemas.microsoft.com/office/powerpoint/2010/main" val="871085078"/>
+        <p14:creationId xmlns:p14="http://schemas.microsoft.com/office/powerpoint/2010/main" val="2288999045"/>
       </p:ext>
     </p:extLst>
   </p:cSld>
@@ -6215,7 +6199,7 @@
         <p:spPr>
           <a:xfrm>
             <a:off x="656492" y="1875542"/>
-            <a:ext cx="7877908" cy="562858"/>
+            <a:ext cx="2743200" cy="4114800"/>
           </a:xfrm>
         </p:spPr>
         <p:txBody>
@@ -6224,7 +6208,7 @@
           <a:p>
             <a:r>
               <a:rPr lang="en-US" sz="2000" dirty="0"/>
-              <a:t>Here is a solution using pattern matching in Python</a:t>
+              <a:t>Here is a much more elegant solution using pattern matching in functions</a:t>
             </a:r>
           </a:p>
         </p:txBody>
@@ -6244,7 +6228,7 @@
         <p:spPr>
           <a:xfrm>
             <a:off x="7176336" y="6042701"/>
-            <a:ext cx="1308371" cy="307777"/>
+            <a:ext cx="1358064" cy="307777"/>
           </a:xfrm>
           <a:prstGeom prst="rect">
             <a:avLst/>
@@ -6259,17 +6243,17 @@
           <a:p>
             <a:r>
               <a:rPr lang="en-US" sz="1400" dirty="0"/>
-              <a:t>ln004/bird2.py</a:t>
+              <a:t>ln004/bird2.ast</a:t>
             </a:r>
           </a:p>
         </p:txBody>
       </p:sp>
       <p:pic>
         <p:nvPicPr>
-          <p:cNvPr id="7" name="Picture 6">
-            <a:extLst>
-              <a:ext uri="{FF2B5EF4-FFF2-40B4-BE49-F238E27FC236}">
-                <a16:creationId xmlns:a16="http://schemas.microsoft.com/office/drawing/2014/main" id="{189FD1AE-426A-F140-9D1F-ECFD3344B2FB}"/>
+          <p:cNvPr id="6" name="Picture 5">
+            <a:extLst>
+              <a:ext uri="{FF2B5EF4-FFF2-40B4-BE49-F238E27FC236}">
+                <a16:creationId xmlns:a16="http://schemas.microsoft.com/office/drawing/2014/main" id="{2447E8AD-CC8F-A449-9087-4AB16BFE587F}"/>
               </a:ext>
             </a:extLst>
           </p:cNvPr>
@@ -6286,8 +6270,8 @@
         </p:blipFill>
         <p:spPr>
           <a:xfrm>
-            <a:off x="566121" y="2286000"/>
-            <a:ext cx="7264400" cy="3632200"/>
+            <a:off x="3352800" y="1661502"/>
+            <a:ext cx="5639191" cy="4328840"/>
           </a:xfrm>
           <a:prstGeom prst="rect">
             <a:avLst/>
@@ -6302,7 +6286,7 @@
     </p:spTree>
     <p:extLst>
       <p:ext uri="{BB962C8B-B14F-4D97-AF65-F5344CB8AC3E}">
-        <p14:creationId xmlns:p14="http://schemas.microsoft.com/office/powerpoint/2010/main" val="363371943"/>
+        <p14:creationId xmlns:p14="http://schemas.microsoft.com/office/powerpoint/2010/main" val="871085078"/>
       </p:ext>
     </p:extLst>
   </p:cSld>
@@ -6362,7 +6346,7 @@
           <p:cNvPr id="3" name="Content Placeholder 2">
             <a:extLst>
               <a:ext uri="{FF2B5EF4-FFF2-40B4-BE49-F238E27FC236}">
-                <a16:creationId xmlns:a16="http://schemas.microsoft.com/office/drawing/2014/main" id="{3F6AF04D-0CA2-0C4C-A132-CF98ACEF6992}"/>
+                <a16:creationId xmlns:a16="http://schemas.microsoft.com/office/drawing/2014/main" id="{E53EFDD1-B6BA-6F4A-9E7B-40833BE9267A}"/>
               </a:ext>
             </a:extLst>
           </p:cNvPr>
@@ -6375,25 +6359,17 @@
         </p:nvSpPr>
         <p:spPr>
           <a:xfrm>
-            <a:off x="1524000" y="1905000"/>
-            <a:ext cx="7010400" cy="1143000"/>
-          </a:xfrm>
-        </p:spPr>
-        <p:txBody>
-          <a:bodyPr>
-            <a:normAutofit fontScale="85000" lnSpcReduction="20000"/>
-          </a:bodyPr>
+            <a:off x="656492" y="1875542"/>
+            <a:ext cx="7877908" cy="562858"/>
+          </a:xfrm>
+        </p:spPr>
+        <p:txBody>
+          <a:bodyPr/>
           <a:lstStyle/>
           <a:p>
             <a:r>
-              <a:rPr lang="en-US" dirty="0"/>
-              <a:t>Variables allow for partial matches</a:t>
-            </a:r>
-          </a:p>
-          <a:p>
-            <a:r>
-              <a:rPr lang="en-US" dirty="0"/>
-              <a:t>Variables in patterns are instantiated in the current environment</a:t>
+              <a:rPr lang="en-US" sz="2000" dirty="0"/>
+              <a:t>Here is a solution using pattern matching in Python</a:t>
             </a:r>
           </a:p>
         </p:txBody>
@@ -6412,8 +6388,8 @@
         </p:nvSpPr>
         <p:spPr>
           <a:xfrm>
-            <a:off x="7176336" y="4521886"/>
-            <a:ext cx="1358064" cy="307777"/>
+            <a:off x="7176336" y="6042701"/>
+            <a:ext cx="1308371" cy="307777"/>
           </a:xfrm>
           <a:prstGeom prst="rect">
             <a:avLst/>
@@ -6428,17 +6404,17 @@
           <a:p>
             <a:r>
               <a:rPr lang="en-US" sz="1400" dirty="0"/>
-              <a:t>ln004/bird3.ast</a:t>
+              <a:t>ln004/bird2.py</a:t>
             </a:r>
           </a:p>
         </p:txBody>
       </p:sp>
       <p:pic>
         <p:nvPicPr>
-          <p:cNvPr id="4" name="Picture 3">
-            <a:extLst>
-              <a:ext uri="{FF2B5EF4-FFF2-40B4-BE49-F238E27FC236}">
-                <a16:creationId xmlns:a16="http://schemas.microsoft.com/office/drawing/2014/main" id="{5EDB5844-582D-704C-97CB-230F26B22484}"/>
+          <p:cNvPr id="7" name="Picture 6">
+            <a:extLst>
+              <a:ext uri="{FF2B5EF4-FFF2-40B4-BE49-F238E27FC236}">
+                <a16:creationId xmlns:a16="http://schemas.microsoft.com/office/drawing/2014/main" id="{189FD1AE-426A-F140-9D1F-ECFD3344B2FB}"/>
               </a:ext>
             </a:extLst>
           </p:cNvPr>
@@ -6455,8 +6431,8 @@
         </p:blipFill>
         <p:spPr>
           <a:xfrm>
-            <a:off x="609600" y="3210413"/>
-            <a:ext cx="6146800" cy="3238500"/>
+            <a:off x="566121" y="2286000"/>
+            <a:ext cx="7264400" cy="3632200"/>
           </a:xfrm>
           <a:prstGeom prst="rect">
             <a:avLst/>
@@ -6471,7 +6447,7 @@
     </p:spTree>
     <p:extLst>
       <p:ext uri="{BB962C8B-B14F-4D97-AF65-F5344CB8AC3E}">
-        <p14:creationId xmlns:p14="http://schemas.microsoft.com/office/powerpoint/2010/main" val="2585622426"/>
+        <p14:creationId xmlns:p14="http://schemas.microsoft.com/office/powerpoint/2010/main" val="363371943"/>
       </p:ext>
     </p:extLst>
   </p:cSld>
@@ -6521,6 +6497,175 @@
           <a:p>
             <a:r>
               <a:rPr lang="en-US" dirty="0"/>
+              <a:t>Pattern Matching – Foundations </a:t>
+            </a:r>
+          </a:p>
+        </p:txBody>
+      </p:sp>
+      <p:sp>
+        <p:nvSpPr>
+          <p:cNvPr id="3" name="Content Placeholder 2">
+            <a:extLst>
+              <a:ext uri="{FF2B5EF4-FFF2-40B4-BE49-F238E27FC236}">
+                <a16:creationId xmlns:a16="http://schemas.microsoft.com/office/drawing/2014/main" id="{3F6AF04D-0CA2-0C4C-A132-CF98ACEF6992}"/>
+              </a:ext>
+            </a:extLst>
+          </p:cNvPr>
+          <p:cNvSpPr>
+            <a:spLocks noGrp="1"/>
+          </p:cNvSpPr>
+          <p:nvPr>
+            <p:ph idx="1"/>
+          </p:nvPr>
+        </p:nvSpPr>
+        <p:spPr>
+          <a:xfrm>
+            <a:off x="1524000" y="1905000"/>
+            <a:ext cx="7010400" cy="1143000"/>
+          </a:xfrm>
+        </p:spPr>
+        <p:txBody>
+          <a:bodyPr>
+            <a:normAutofit fontScale="85000" lnSpcReduction="20000"/>
+          </a:bodyPr>
+          <a:lstStyle/>
+          <a:p>
+            <a:r>
+              <a:rPr lang="en-US" dirty="0"/>
+              <a:t>Variables allow for partial matches</a:t>
+            </a:r>
+          </a:p>
+          <a:p>
+            <a:r>
+              <a:rPr lang="en-US" dirty="0"/>
+              <a:t>Variables in patterns are instantiated in the current environment</a:t>
+            </a:r>
+          </a:p>
+        </p:txBody>
+      </p:sp>
+      <p:sp>
+        <p:nvSpPr>
+          <p:cNvPr id="5" name="TextBox 4">
+            <a:extLst>
+              <a:ext uri="{FF2B5EF4-FFF2-40B4-BE49-F238E27FC236}">
+                <a16:creationId xmlns:a16="http://schemas.microsoft.com/office/drawing/2014/main" id="{62B83371-9B88-984A-8AEC-EB001857EF67}"/>
+              </a:ext>
+            </a:extLst>
+          </p:cNvPr>
+          <p:cNvSpPr txBox="1"/>
+          <p:nvPr/>
+        </p:nvSpPr>
+        <p:spPr>
+          <a:xfrm>
+            <a:off x="7176336" y="4521886"/>
+            <a:ext cx="1358064" cy="307777"/>
+          </a:xfrm>
+          <a:prstGeom prst="rect">
+            <a:avLst/>
+          </a:prstGeom>
+          <a:noFill/>
+        </p:spPr>
+        <p:txBody>
+          <a:bodyPr wrap="none" rtlCol="0">
+            <a:spAutoFit/>
+          </a:bodyPr>
+          <a:lstStyle/>
+          <a:p>
+            <a:r>
+              <a:rPr lang="en-US" sz="1400" dirty="0"/>
+              <a:t>ln004/bird3.ast</a:t>
+            </a:r>
+          </a:p>
+        </p:txBody>
+      </p:sp>
+      <p:pic>
+        <p:nvPicPr>
+          <p:cNvPr id="4" name="Picture 3">
+            <a:extLst>
+              <a:ext uri="{FF2B5EF4-FFF2-40B4-BE49-F238E27FC236}">
+                <a16:creationId xmlns:a16="http://schemas.microsoft.com/office/drawing/2014/main" id="{5EDB5844-582D-704C-97CB-230F26B22484}"/>
+              </a:ext>
+            </a:extLst>
+          </p:cNvPr>
+          <p:cNvPicPr>
+            <a:picLocks noChangeAspect="1"/>
+          </p:cNvPicPr>
+          <p:nvPr/>
+        </p:nvPicPr>
+        <p:blipFill>
+          <a:blip r:embed="rId2"/>
+          <a:stretch>
+            <a:fillRect/>
+          </a:stretch>
+        </p:blipFill>
+        <p:spPr>
+          <a:xfrm>
+            <a:off x="609600" y="3210413"/>
+            <a:ext cx="6146800" cy="3238500"/>
+          </a:xfrm>
+          <a:prstGeom prst="rect">
+            <a:avLst/>
+          </a:prstGeom>
+          <a:ln>
+            <a:solidFill>
+              <a:schemeClr val="tx1"/>
+            </a:solidFill>
+          </a:ln>
+        </p:spPr>
+      </p:pic>
+    </p:spTree>
+    <p:extLst>
+      <p:ext uri="{BB962C8B-B14F-4D97-AF65-F5344CB8AC3E}">
+        <p14:creationId xmlns:p14="http://schemas.microsoft.com/office/powerpoint/2010/main" val="2585622426"/>
+      </p:ext>
+    </p:extLst>
+  </p:cSld>
+  <p:clrMapOvr>
+    <a:masterClrMapping/>
+  </p:clrMapOvr>
+</p:sld>
+</file>
+
+<file path=ppt/slides/slide18.xml><?xml version="1.0" encoding="utf-8"?>
+<p:sld xmlns:a="http://schemas.openxmlformats.org/drawingml/2006/main" xmlns:r="http://schemas.openxmlformats.org/officeDocument/2006/relationships" xmlns:p="http://schemas.openxmlformats.org/presentationml/2006/main">
+  <p:cSld>
+    <p:spTree>
+      <p:nvGrpSpPr>
+        <p:cNvPr id="1" name=""/>
+        <p:cNvGrpSpPr/>
+        <p:nvPr/>
+      </p:nvGrpSpPr>
+      <p:grpSpPr>
+        <a:xfrm>
+          <a:off x="0" y="0"/>
+          <a:ext cx="0" cy="0"/>
+          <a:chOff x="0" y="0"/>
+          <a:chExt cx="0" cy="0"/>
+        </a:xfrm>
+      </p:grpSpPr>
+      <p:sp>
+        <p:nvSpPr>
+          <p:cNvPr id="2" name="Title 1">
+            <a:extLst>
+              <a:ext uri="{FF2B5EF4-FFF2-40B4-BE49-F238E27FC236}">
+                <a16:creationId xmlns:a16="http://schemas.microsoft.com/office/drawing/2014/main" id="{44969C8F-C644-7946-B4B0-381BB6051384}"/>
+              </a:ext>
+            </a:extLst>
+          </p:cNvPr>
+          <p:cNvSpPr>
+            <a:spLocks noGrp="1"/>
+          </p:cNvSpPr>
+          <p:nvPr>
+            <p:ph type="title"/>
+          </p:nvPr>
+        </p:nvSpPr>
+        <p:spPr/>
+        <p:txBody>
+          <a:bodyPr/>
+          <a:lstStyle/>
+          <a:p>
+            <a:r>
+              <a:rPr lang="en-US" dirty="0"/>
               <a:t>Basic Patterns</a:t>
             </a:r>
           </a:p>
@@ -6679,7 +6824,7 @@
 </p:sld>
 </file>
 
-<file path=ppt/slides/slide18.xml><?xml version="1.0" encoding="utf-8"?>
+<file path=ppt/slides/slide19.xml><?xml version="1.0" encoding="utf-8"?>
 <p:sld xmlns:a="http://schemas.openxmlformats.org/drawingml/2006/main" xmlns:r="http://schemas.openxmlformats.org/officeDocument/2006/relationships" xmlns:p="http://schemas.openxmlformats.org/presentationml/2006/main">
   <p:cSld>
     <p:spTree>
@@ -6932,332 +7077,6 @@
     <p:extLst>
       <p:ext uri="{BB962C8B-B14F-4D97-AF65-F5344CB8AC3E}">
         <p14:creationId xmlns:p14="http://schemas.microsoft.com/office/powerpoint/2010/main" val="609153235"/>
-      </p:ext>
-    </p:extLst>
-  </p:cSld>
-  <p:clrMapOvr>
-    <a:masterClrMapping/>
-  </p:clrMapOvr>
-</p:sld>
-</file>
-
-<file path=ppt/slides/slide19.xml><?xml version="1.0" encoding="utf-8"?>
-<p:sld xmlns:a="http://schemas.openxmlformats.org/drawingml/2006/main" xmlns:r="http://schemas.openxmlformats.org/officeDocument/2006/relationships" xmlns:p="http://schemas.openxmlformats.org/presentationml/2006/main">
-  <p:cSld>
-    <p:spTree>
-      <p:nvGrpSpPr>
-        <p:cNvPr id="1" name=""/>
-        <p:cNvGrpSpPr/>
-        <p:nvPr/>
-      </p:nvGrpSpPr>
-      <p:grpSpPr>
-        <a:xfrm>
-          <a:off x="0" y="0"/>
-          <a:ext cx="0" cy="0"/>
-          <a:chOff x="0" y="0"/>
-          <a:chExt cx="0" cy="0"/>
-        </a:xfrm>
-      </p:grpSpPr>
-      <p:sp>
-        <p:nvSpPr>
-          <p:cNvPr id="5" name="Title 4">
-            <a:extLst>
-              <a:ext uri="{FF2B5EF4-FFF2-40B4-BE49-F238E27FC236}">
-                <a16:creationId xmlns:a16="http://schemas.microsoft.com/office/drawing/2014/main" id="{1AF4F978-3E3C-7447-946F-559FC9D1C077}"/>
-              </a:ext>
-            </a:extLst>
-          </p:cNvPr>
-          <p:cNvSpPr>
-            <a:spLocks noGrp="1"/>
-          </p:cNvSpPr>
-          <p:nvPr>
-            <p:ph type="title"/>
-          </p:nvPr>
-        </p:nvSpPr>
-        <p:spPr/>
-        <p:txBody>
-          <a:bodyPr/>
-          <a:lstStyle/>
-          <a:p>
-            <a:r>
-              <a:rPr lang="en-US" dirty="0" err="1"/>
-              <a:t>Destructuring</a:t>
-            </a:r>
-            <a:endParaRPr lang="en-US" dirty="0"/>
-          </a:p>
-        </p:txBody>
-      </p:sp>
-      <p:sp>
-        <p:nvSpPr>
-          <p:cNvPr id="6" name="Content Placeholder 5">
-            <a:extLst>
-              <a:ext uri="{FF2B5EF4-FFF2-40B4-BE49-F238E27FC236}">
-                <a16:creationId xmlns:a16="http://schemas.microsoft.com/office/drawing/2014/main" id="{69CD2371-8322-9A41-A719-261ECC263996}"/>
-              </a:ext>
-            </a:extLst>
-          </p:cNvPr>
-          <p:cNvSpPr>
-            <a:spLocks noGrp="1"/>
-          </p:cNvSpPr>
-          <p:nvPr>
-            <p:ph idx="1"/>
-          </p:nvPr>
-        </p:nvSpPr>
-        <p:spPr>
-          <a:xfrm>
-            <a:off x="1524000" y="1905000"/>
-            <a:ext cx="7010400" cy="1524000"/>
-          </a:xfrm>
-        </p:spPr>
-        <p:txBody>
-          <a:bodyPr>
-            <a:normAutofit fontScale="85000" lnSpcReduction="20000"/>
-          </a:bodyPr>
-          <a:lstStyle/>
-          <a:p>
-            <a:r>
-              <a:rPr lang="en-US" dirty="0"/>
-              <a:t>The idea of </a:t>
-            </a:r>
-            <a:r>
-              <a:rPr lang="en-US" dirty="0" err="1"/>
-              <a:t>destructuring</a:t>
-            </a:r>
-            <a:r>
-              <a:rPr lang="en-US" dirty="0"/>
-              <a:t> is fundamental to pattern matching</a:t>
-            </a:r>
-          </a:p>
-          <a:p>
-            <a:r>
-              <a:rPr lang="en-US" dirty="0"/>
-              <a:t>It makes access to substructures much more readable (and efficient).</a:t>
-            </a:r>
-          </a:p>
-        </p:txBody>
-      </p:sp>
-      <p:pic>
-        <p:nvPicPr>
-          <p:cNvPr id="7" name="Picture 6">
-            <a:extLst>
-              <a:ext uri="{FF2B5EF4-FFF2-40B4-BE49-F238E27FC236}">
-                <a16:creationId xmlns:a16="http://schemas.microsoft.com/office/drawing/2014/main" id="{125A6A26-A408-284D-A5D3-913E31B1906F}"/>
-              </a:ext>
-            </a:extLst>
-          </p:cNvPr>
-          <p:cNvPicPr>
-            <a:picLocks noChangeAspect="1"/>
-          </p:cNvPicPr>
-          <p:nvPr/>
-        </p:nvPicPr>
-        <p:blipFill>
-          <a:blip r:embed="rId2"/>
-          <a:stretch>
-            <a:fillRect/>
-          </a:stretch>
-        </p:blipFill>
-        <p:spPr>
-          <a:xfrm>
-            <a:off x="381000" y="3733800"/>
-            <a:ext cx="5080000" cy="1104900"/>
-          </a:xfrm>
-          <a:prstGeom prst="rect">
-            <a:avLst/>
-          </a:prstGeom>
-          <a:ln>
-            <a:solidFill>
-              <a:schemeClr val="tx1"/>
-            </a:solidFill>
-          </a:ln>
-        </p:spPr>
-      </p:pic>
-      <p:sp>
-        <p:nvSpPr>
-          <p:cNvPr id="8" name="TextBox 7">
-            <a:extLst>
-              <a:ext uri="{FF2B5EF4-FFF2-40B4-BE49-F238E27FC236}">
-                <a16:creationId xmlns:a16="http://schemas.microsoft.com/office/drawing/2014/main" id="{03756C8F-9F25-8C48-9322-F8715F3293D8}"/>
-              </a:ext>
-            </a:extLst>
-          </p:cNvPr>
-          <p:cNvSpPr txBox="1"/>
-          <p:nvPr/>
-        </p:nvSpPr>
-        <p:spPr>
-          <a:xfrm>
-            <a:off x="304800" y="3429000"/>
-            <a:ext cx="3369833" cy="338554"/>
-          </a:xfrm>
-          <a:prstGeom prst="rect">
-            <a:avLst/>
-          </a:prstGeom>
-          <a:noFill/>
-        </p:spPr>
-        <p:txBody>
-          <a:bodyPr wrap="none" rtlCol="0">
-            <a:spAutoFit/>
-          </a:bodyPr>
-          <a:lstStyle/>
-          <a:p>
-            <a:r>
-              <a:rPr lang="en-US" sz="1600" dirty="0">
-                <a:solidFill>
-                  <a:schemeClr val="tx2"/>
-                </a:solidFill>
-              </a:rPr>
-              <a:t>Without structural pattern matching</a:t>
-            </a:r>
-          </a:p>
-        </p:txBody>
-      </p:sp>
-      <p:pic>
-        <p:nvPicPr>
-          <p:cNvPr id="9" name="Picture 8">
-            <a:extLst>
-              <a:ext uri="{FF2B5EF4-FFF2-40B4-BE49-F238E27FC236}">
-                <a16:creationId xmlns:a16="http://schemas.microsoft.com/office/drawing/2014/main" id="{F9B7DA3C-11B5-0647-A4C8-16EABDEC9869}"/>
-              </a:ext>
-            </a:extLst>
-          </p:cNvPr>
-          <p:cNvPicPr>
-            <a:picLocks noChangeAspect="1"/>
-          </p:cNvPicPr>
-          <p:nvPr/>
-        </p:nvPicPr>
-        <p:blipFill>
-          <a:blip r:embed="rId3"/>
-          <a:stretch>
-            <a:fillRect/>
-          </a:stretch>
-        </p:blipFill>
-        <p:spPr>
-          <a:xfrm>
-            <a:off x="673100" y="5490602"/>
-            <a:ext cx="7861300" cy="863600"/>
-          </a:xfrm>
-          <a:prstGeom prst="rect">
-            <a:avLst/>
-          </a:prstGeom>
-          <a:ln>
-            <a:solidFill>
-              <a:schemeClr val="tx1"/>
-            </a:solidFill>
-          </a:ln>
-        </p:spPr>
-      </p:pic>
-      <p:sp>
-        <p:nvSpPr>
-          <p:cNvPr id="10" name="TextBox 9">
-            <a:extLst>
-              <a:ext uri="{FF2B5EF4-FFF2-40B4-BE49-F238E27FC236}">
-                <a16:creationId xmlns:a16="http://schemas.microsoft.com/office/drawing/2014/main" id="{162A76F6-7B4F-1847-A972-BC4167D54106}"/>
-              </a:ext>
-            </a:extLst>
-          </p:cNvPr>
-          <p:cNvSpPr txBox="1"/>
-          <p:nvPr/>
-        </p:nvSpPr>
-        <p:spPr>
-          <a:xfrm>
-            <a:off x="533400" y="5152048"/>
-            <a:ext cx="3084499" cy="338554"/>
-          </a:xfrm>
-          <a:prstGeom prst="rect">
-            <a:avLst/>
-          </a:prstGeom>
-          <a:noFill/>
-        </p:spPr>
-        <p:txBody>
-          <a:bodyPr wrap="none" rtlCol="0">
-            <a:spAutoFit/>
-          </a:bodyPr>
-          <a:lstStyle/>
-          <a:p>
-            <a:r>
-              <a:rPr lang="en-US" sz="1600" dirty="0">
-                <a:solidFill>
-                  <a:schemeClr val="tx2"/>
-                </a:solidFill>
-              </a:rPr>
-              <a:t>With structural pattern matching</a:t>
-            </a:r>
-          </a:p>
-        </p:txBody>
-      </p:sp>
-      <p:sp>
-        <p:nvSpPr>
-          <p:cNvPr id="11" name="TextBox 10">
-            <a:extLst>
-              <a:ext uri="{FF2B5EF4-FFF2-40B4-BE49-F238E27FC236}">
-                <a16:creationId xmlns:a16="http://schemas.microsoft.com/office/drawing/2014/main" id="{F15D09DA-5460-484E-8453-0F4AE9159FD1}"/>
-              </a:ext>
-            </a:extLst>
-          </p:cNvPr>
-          <p:cNvSpPr txBox="1"/>
-          <p:nvPr/>
-        </p:nvSpPr>
-        <p:spPr>
-          <a:xfrm>
-            <a:off x="5732585" y="4126523"/>
-            <a:ext cx="1696298" cy="307777"/>
-          </a:xfrm>
-          <a:prstGeom prst="rect">
-            <a:avLst/>
-          </a:prstGeom>
-          <a:noFill/>
-        </p:spPr>
-        <p:txBody>
-          <a:bodyPr wrap="none" rtlCol="0">
-            <a:spAutoFit/>
-          </a:bodyPr>
-          <a:lstStyle/>
-          <a:p>
-            <a:r>
-              <a:rPr lang="en-US" sz="1400" dirty="0"/>
-              <a:t>ln004/destruct1.ast</a:t>
-            </a:r>
-          </a:p>
-        </p:txBody>
-      </p:sp>
-      <p:sp>
-        <p:nvSpPr>
-          <p:cNvPr id="12" name="TextBox 11">
-            <a:extLst>
-              <a:ext uri="{FF2B5EF4-FFF2-40B4-BE49-F238E27FC236}">
-                <a16:creationId xmlns:a16="http://schemas.microsoft.com/office/drawing/2014/main" id="{7BDF03C6-E031-374D-8349-8C7A0A611C66}"/>
-              </a:ext>
-            </a:extLst>
-          </p:cNvPr>
-          <p:cNvSpPr txBox="1"/>
-          <p:nvPr/>
-        </p:nvSpPr>
-        <p:spPr>
-          <a:xfrm>
-            <a:off x="6166338" y="5216769"/>
-            <a:ext cx="1696298" cy="307777"/>
-          </a:xfrm>
-          <a:prstGeom prst="rect">
-            <a:avLst/>
-          </a:prstGeom>
-          <a:noFill/>
-        </p:spPr>
-        <p:txBody>
-          <a:bodyPr wrap="none" rtlCol="0">
-            <a:spAutoFit/>
-          </a:bodyPr>
-          <a:lstStyle/>
-          <a:p>
-            <a:r>
-              <a:rPr lang="en-US" sz="1400" dirty="0"/>
-              <a:t>ln004/destruct2.ast</a:t>
-            </a:r>
-          </a:p>
-        </p:txBody>
-      </p:sp>
-    </p:spTree>
-    <p:extLst>
-      <p:ext uri="{BB962C8B-B14F-4D97-AF65-F5344CB8AC3E}">
-        <p14:creationId xmlns:p14="http://schemas.microsoft.com/office/powerpoint/2010/main" val="21942942"/>
       </p:ext>
     </p:extLst>
   </p:cSld>
@@ -7465,10 +7284,10 @@
       </p:grpSpPr>
       <p:sp>
         <p:nvSpPr>
-          <p:cNvPr id="2" name="Title 1">
-            <a:extLst>
-              <a:ext uri="{FF2B5EF4-FFF2-40B4-BE49-F238E27FC236}">
-                <a16:creationId xmlns:a16="http://schemas.microsoft.com/office/drawing/2014/main" id="{87B2FF73-ABA1-8B4C-BBB2-1C960345FAA7}"/>
+          <p:cNvPr id="5" name="Title 4">
+            <a:extLst>
+              <a:ext uri="{FF2B5EF4-FFF2-40B4-BE49-F238E27FC236}">
+                <a16:creationId xmlns:a16="http://schemas.microsoft.com/office/drawing/2014/main" id="{1AF4F978-3E3C-7447-946F-559FC9D1C077}"/>
               </a:ext>
             </a:extLst>
           </p:cNvPr>
@@ -7494,10 +7313,10 @@
       </p:sp>
       <p:sp>
         <p:nvSpPr>
-          <p:cNvPr id="3" name="Content Placeholder 2">
-            <a:extLst>
-              <a:ext uri="{FF2B5EF4-FFF2-40B4-BE49-F238E27FC236}">
-                <a16:creationId xmlns:a16="http://schemas.microsoft.com/office/drawing/2014/main" id="{57910267-28F9-8944-ADDD-99D9FD7CFE00}"/>
+          <p:cNvPr id="6" name="Content Placeholder 5">
+            <a:extLst>
+              <a:ext uri="{FF2B5EF4-FFF2-40B4-BE49-F238E27FC236}">
+                <a16:creationId xmlns:a16="http://schemas.microsoft.com/office/drawing/2014/main" id="{69CD2371-8322-9A41-A719-261ECC263996}"/>
               </a:ext>
             </a:extLst>
           </p:cNvPr>
@@ -7511,26 +7330,42 @@
         <p:spPr>
           <a:xfrm>
             <a:off x="1524000" y="1905000"/>
-            <a:ext cx="7010400" cy="1066800"/>
-          </a:xfrm>
-        </p:spPr>
-        <p:txBody>
-          <a:bodyPr/>
+            <a:ext cx="7010400" cy="1524000"/>
+          </a:xfrm>
+        </p:spPr>
+        <p:txBody>
+          <a:bodyPr>
+            <a:normAutofit fontScale="85000" lnSpcReduction="20000"/>
+          </a:bodyPr>
           <a:lstStyle/>
           <a:p>
             <a:r>
               <a:rPr lang="en-US" dirty="0"/>
-              <a:t>Here is another example using structures and objects</a:t>
+              <a:t>The idea of </a:t>
+            </a:r>
+            <a:r>
+              <a:rPr lang="en-US" dirty="0" err="1"/>
+              <a:t>destructuring</a:t>
+            </a:r>
+            <a:r>
+              <a:rPr lang="en-US" dirty="0"/>
+              <a:t> is fundamental to pattern matching</a:t>
+            </a:r>
+          </a:p>
+          <a:p>
+            <a:r>
+              <a:rPr lang="en-US" dirty="0"/>
+              <a:t>It makes access to substructures much more readable (and efficient).</a:t>
             </a:r>
           </a:p>
         </p:txBody>
       </p:sp>
       <p:pic>
         <p:nvPicPr>
-          <p:cNvPr id="4" name="Picture 3">
-            <a:extLst>
-              <a:ext uri="{FF2B5EF4-FFF2-40B4-BE49-F238E27FC236}">
-                <a16:creationId xmlns:a16="http://schemas.microsoft.com/office/drawing/2014/main" id="{44BC914B-6B85-9E40-B4B4-5FE3B7AF3FA6}"/>
+          <p:cNvPr id="7" name="Picture 6">
+            <a:extLst>
+              <a:ext uri="{FF2B5EF4-FFF2-40B4-BE49-F238E27FC236}">
+                <a16:creationId xmlns:a16="http://schemas.microsoft.com/office/drawing/2014/main" id="{125A6A26-A408-284D-A5D3-913E31B1906F}"/>
               </a:ext>
             </a:extLst>
           </p:cNvPr>
@@ -7547,25 +7382,25 @@
         </p:blipFill>
         <p:spPr>
           <a:xfrm>
-            <a:off x="990600" y="3186479"/>
-            <a:ext cx="6985000" cy="2794000"/>
+            <a:off x="381000" y="3733800"/>
+            <a:ext cx="5080000" cy="1104900"/>
           </a:xfrm>
           <a:prstGeom prst="rect">
             <a:avLst/>
           </a:prstGeom>
           <a:ln>
             <a:solidFill>
-              <a:schemeClr val="tx2"/>
+              <a:schemeClr val="tx1"/>
             </a:solidFill>
           </a:ln>
         </p:spPr>
       </p:pic>
       <p:sp>
         <p:nvSpPr>
-          <p:cNvPr id="5" name="TextBox 4">
-            <a:extLst>
-              <a:ext uri="{FF2B5EF4-FFF2-40B4-BE49-F238E27FC236}">
-                <a16:creationId xmlns:a16="http://schemas.microsoft.com/office/drawing/2014/main" id="{3F30A8CC-F02F-474A-840E-8A807C395A5F}"/>
+          <p:cNvPr id="8" name="TextBox 7">
+            <a:extLst>
+              <a:ext uri="{FF2B5EF4-FFF2-40B4-BE49-F238E27FC236}">
+                <a16:creationId xmlns:a16="http://schemas.microsoft.com/office/drawing/2014/main" id="{03756C8F-9F25-8C48-9322-F8715F3293D8}"/>
               </a:ext>
             </a:extLst>
           </p:cNvPr>
@@ -7574,8 +7409,8 @@
         </p:nvSpPr>
         <p:spPr>
           <a:xfrm>
-            <a:off x="4091354" y="6271846"/>
-            <a:ext cx="1696298" cy="307777"/>
+            <a:off x="304800" y="3429000"/>
+            <a:ext cx="3369833" cy="338554"/>
           </a:xfrm>
           <a:prstGeom prst="rect">
             <a:avLst/>
@@ -7589,8 +7424,156 @@
           <a:lstStyle/>
           <a:p>
             <a:r>
+              <a:rPr lang="en-US" sz="1600" dirty="0">
+                <a:solidFill>
+                  <a:schemeClr val="tx2"/>
+                </a:solidFill>
+              </a:rPr>
+              <a:t>Without structural pattern matching</a:t>
+            </a:r>
+          </a:p>
+        </p:txBody>
+      </p:sp>
+      <p:pic>
+        <p:nvPicPr>
+          <p:cNvPr id="9" name="Picture 8">
+            <a:extLst>
+              <a:ext uri="{FF2B5EF4-FFF2-40B4-BE49-F238E27FC236}">
+                <a16:creationId xmlns:a16="http://schemas.microsoft.com/office/drawing/2014/main" id="{F9B7DA3C-11B5-0647-A4C8-16EABDEC9869}"/>
+              </a:ext>
+            </a:extLst>
+          </p:cNvPr>
+          <p:cNvPicPr>
+            <a:picLocks noChangeAspect="1"/>
+          </p:cNvPicPr>
+          <p:nvPr/>
+        </p:nvPicPr>
+        <p:blipFill>
+          <a:blip r:embed="rId3"/>
+          <a:stretch>
+            <a:fillRect/>
+          </a:stretch>
+        </p:blipFill>
+        <p:spPr>
+          <a:xfrm>
+            <a:off x="673100" y="5490602"/>
+            <a:ext cx="7861300" cy="863600"/>
+          </a:xfrm>
+          <a:prstGeom prst="rect">
+            <a:avLst/>
+          </a:prstGeom>
+          <a:ln>
+            <a:solidFill>
+              <a:schemeClr val="tx1"/>
+            </a:solidFill>
+          </a:ln>
+        </p:spPr>
+      </p:pic>
+      <p:sp>
+        <p:nvSpPr>
+          <p:cNvPr id="10" name="TextBox 9">
+            <a:extLst>
+              <a:ext uri="{FF2B5EF4-FFF2-40B4-BE49-F238E27FC236}">
+                <a16:creationId xmlns:a16="http://schemas.microsoft.com/office/drawing/2014/main" id="{162A76F6-7B4F-1847-A972-BC4167D54106}"/>
+              </a:ext>
+            </a:extLst>
+          </p:cNvPr>
+          <p:cNvSpPr txBox="1"/>
+          <p:nvPr/>
+        </p:nvSpPr>
+        <p:spPr>
+          <a:xfrm>
+            <a:off x="533400" y="5152048"/>
+            <a:ext cx="3084499" cy="338554"/>
+          </a:xfrm>
+          <a:prstGeom prst="rect">
+            <a:avLst/>
+          </a:prstGeom>
+          <a:noFill/>
+        </p:spPr>
+        <p:txBody>
+          <a:bodyPr wrap="none" rtlCol="0">
+            <a:spAutoFit/>
+          </a:bodyPr>
+          <a:lstStyle/>
+          <a:p>
+            <a:r>
+              <a:rPr lang="en-US" sz="1600" dirty="0">
+                <a:solidFill>
+                  <a:schemeClr val="tx2"/>
+                </a:solidFill>
+              </a:rPr>
+              <a:t>With structural pattern matching</a:t>
+            </a:r>
+          </a:p>
+        </p:txBody>
+      </p:sp>
+      <p:sp>
+        <p:nvSpPr>
+          <p:cNvPr id="11" name="TextBox 10">
+            <a:extLst>
+              <a:ext uri="{FF2B5EF4-FFF2-40B4-BE49-F238E27FC236}">
+                <a16:creationId xmlns:a16="http://schemas.microsoft.com/office/drawing/2014/main" id="{F15D09DA-5460-484E-8453-0F4AE9159FD1}"/>
+              </a:ext>
+            </a:extLst>
+          </p:cNvPr>
+          <p:cNvSpPr txBox="1"/>
+          <p:nvPr/>
+        </p:nvSpPr>
+        <p:spPr>
+          <a:xfrm>
+            <a:off x="5732585" y="4126523"/>
+            <a:ext cx="1696298" cy="307777"/>
+          </a:xfrm>
+          <a:prstGeom prst="rect">
+            <a:avLst/>
+          </a:prstGeom>
+          <a:noFill/>
+        </p:spPr>
+        <p:txBody>
+          <a:bodyPr wrap="none" rtlCol="0">
+            <a:spAutoFit/>
+          </a:bodyPr>
+          <a:lstStyle/>
+          <a:p>
+            <a:r>
               <a:rPr lang="en-US" sz="1400" dirty="0"/>
-              <a:t>ln004/destruct3.ast</a:t>
+              <a:t>ln004/destruct1.ast</a:t>
+            </a:r>
+          </a:p>
+        </p:txBody>
+      </p:sp>
+      <p:sp>
+        <p:nvSpPr>
+          <p:cNvPr id="12" name="TextBox 11">
+            <a:extLst>
+              <a:ext uri="{FF2B5EF4-FFF2-40B4-BE49-F238E27FC236}">
+                <a16:creationId xmlns:a16="http://schemas.microsoft.com/office/drawing/2014/main" id="{7BDF03C6-E031-374D-8349-8C7A0A611C66}"/>
+              </a:ext>
+            </a:extLst>
+          </p:cNvPr>
+          <p:cNvSpPr txBox="1"/>
+          <p:nvPr/>
+        </p:nvSpPr>
+        <p:spPr>
+          <a:xfrm>
+            <a:off x="6166338" y="5216769"/>
+            <a:ext cx="1696298" cy="307777"/>
+          </a:xfrm>
+          <a:prstGeom prst="rect">
+            <a:avLst/>
+          </a:prstGeom>
+          <a:noFill/>
+        </p:spPr>
+        <p:txBody>
+          <a:bodyPr wrap="none" rtlCol="0">
+            <a:spAutoFit/>
+          </a:bodyPr>
+          <a:lstStyle/>
+          <a:p>
+            <a:r>
+              <a:rPr lang="en-US" sz="1400" dirty="0"/>
+              <a:t>ln004/destruct2.ast</a:t>
             </a:r>
           </a:p>
         </p:txBody>
@@ -7598,7 +7581,7 @@
     </p:spTree>
     <p:extLst>
       <p:ext uri="{BB962C8B-B14F-4D97-AF65-F5344CB8AC3E}">
-        <p14:creationId xmlns:p14="http://schemas.microsoft.com/office/powerpoint/2010/main" val="3185682571"/>
+        <p14:creationId xmlns:p14="http://schemas.microsoft.com/office/powerpoint/2010/main" val="21942942"/>
       </p:ext>
     </p:extLst>
   </p:cSld>
@@ -7630,7 +7613,7 @@
           <p:cNvPr id="2" name="Title 1">
             <a:extLst>
               <a:ext uri="{FF2B5EF4-FFF2-40B4-BE49-F238E27FC236}">
-                <a16:creationId xmlns:a16="http://schemas.microsoft.com/office/drawing/2014/main" id="{63E6D85F-5E84-D44B-9B5C-300F6E3DB4B4}"/>
+                <a16:creationId xmlns:a16="http://schemas.microsoft.com/office/drawing/2014/main" id="{87B2FF73-ABA1-8B4C-BBB2-1C960345FAA7}"/>
               </a:ext>
             </a:extLst>
           </p:cNvPr>
@@ -7647,9 +7630,10 @@
           <a:lstStyle/>
           <a:p>
             <a:r>
-              <a:rPr lang="en-US" dirty="0"/>
-              <a:t>Basic Pattern Matching Summary</a:t>
-            </a:r>
+              <a:rPr lang="en-US" dirty="0" err="1"/>
+              <a:t>Destructuring</a:t>
+            </a:r>
+            <a:endParaRPr lang="en-US" dirty="0"/>
           </a:p>
         </p:txBody>
       </p:sp>
@@ -7658,7 +7642,7 @@
           <p:cNvPr id="3" name="Content Placeholder 2">
             <a:extLst>
               <a:ext uri="{FF2B5EF4-FFF2-40B4-BE49-F238E27FC236}">
-                <a16:creationId xmlns:a16="http://schemas.microsoft.com/office/drawing/2014/main" id="{9E6BF871-97CA-5F43-BEF7-D514A7A67A62}"/>
+                <a16:creationId xmlns:a16="http://schemas.microsoft.com/office/drawing/2014/main" id="{57910267-28F9-8944-ADDD-99D9FD7CFE00}"/>
               </a:ext>
             </a:extLst>
           </p:cNvPr>
@@ -7669,108 +7653,97 @@
             <p:ph idx="1"/>
           </p:nvPr>
         </p:nvSpPr>
-        <p:spPr/>
-        <p:txBody>
-          <a:bodyPr>
-            <a:normAutofit fontScale="70000" lnSpcReduction="20000"/>
+        <p:spPr>
+          <a:xfrm>
+            <a:off x="1524000" y="1905000"/>
+            <a:ext cx="7010400" cy="1066800"/>
+          </a:xfrm>
+        </p:spPr>
+        <p:txBody>
+          <a:bodyPr/>
+          <a:lstStyle/>
+          <a:p>
+            <a:r>
+              <a:rPr lang="en-US" dirty="0"/>
+              <a:t>Here is another example using structures and objects</a:t>
+            </a:r>
+          </a:p>
+        </p:txBody>
+      </p:sp>
+      <p:pic>
+        <p:nvPicPr>
+          <p:cNvPr id="4" name="Picture 3">
+            <a:extLst>
+              <a:ext uri="{FF2B5EF4-FFF2-40B4-BE49-F238E27FC236}">
+                <a16:creationId xmlns:a16="http://schemas.microsoft.com/office/drawing/2014/main" id="{44BC914B-6B85-9E40-B4B4-5FE3B7AF3FA6}"/>
+              </a:ext>
+            </a:extLst>
+          </p:cNvPr>
+          <p:cNvPicPr>
+            <a:picLocks noChangeAspect="1"/>
+          </p:cNvPicPr>
+          <p:nvPr/>
+        </p:nvPicPr>
+        <p:blipFill>
+          <a:blip r:embed="rId2"/>
+          <a:stretch>
+            <a:fillRect/>
+          </a:stretch>
+        </p:blipFill>
+        <p:spPr>
+          <a:xfrm>
+            <a:off x="990600" y="3186479"/>
+            <a:ext cx="6985000" cy="2794000"/>
+          </a:xfrm>
+          <a:prstGeom prst="rect">
+            <a:avLst/>
+          </a:prstGeom>
+          <a:ln>
+            <a:solidFill>
+              <a:schemeClr val="tx2"/>
+            </a:solidFill>
+          </a:ln>
+        </p:spPr>
+      </p:pic>
+      <p:sp>
+        <p:nvSpPr>
+          <p:cNvPr id="5" name="TextBox 4">
+            <a:extLst>
+              <a:ext uri="{FF2B5EF4-FFF2-40B4-BE49-F238E27FC236}">
+                <a16:creationId xmlns:a16="http://schemas.microsoft.com/office/drawing/2014/main" id="{3F30A8CC-F02F-474A-840E-8A807C395A5F}"/>
+              </a:ext>
+            </a:extLst>
+          </p:cNvPr>
+          <p:cNvSpPr txBox="1"/>
+          <p:nvPr/>
+        </p:nvSpPr>
+        <p:spPr>
+          <a:xfrm>
+            <a:off x="4091354" y="6271846"/>
+            <a:ext cx="1696298" cy="307777"/>
+          </a:xfrm>
+          <a:prstGeom prst="rect">
+            <a:avLst/>
+          </a:prstGeom>
+          <a:noFill/>
+        </p:spPr>
+        <p:txBody>
+          <a:bodyPr wrap="none" rtlCol="0">
+            <a:spAutoFit/>
           </a:bodyPr>
           <a:lstStyle/>
           <a:p>
             <a:r>
-              <a:rPr lang="en-US" dirty="0"/>
-              <a:t>The let statement</a:t>
-            </a:r>
-            <a:br>
-              <a:rPr lang="en-US" dirty="0"/>
-            </a:br>
-            <a:r>
-              <a:rPr lang="en-US" dirty="0"/>
-              <a:t>    let &lt;pattern&gt; = value .</a:t>
-            </a:r>
-          </a:p>
-          <a:p>
-            <a:r>
-              <a:rPr lang="en-US" dirty="0"/>
-              <a:t>On the right side of equal sign constructors represent values</a:t>
-            </a:r>
-          </a:p>
-          <a:p>
-            <a:pPr lvl="1"/>
-            <a:r>
-              <a:rPr lang="en-US" dirty="0"/>
-              <a:t>Operators/functions are allowed</a:t>
-            </a:r>
-          </a:p>
-          <a:p>
-            <a:r>
-              <a:rPr lang="en-US" dirty="0"/>
-              <a:t>On the left side constructors represent structure</a:t>
-            </a:r>
-          </a:p>
-          <a:p>
-            <a:pPr lvl="1"/>
-            <a:r>
-              <a:rPr lang="en-US" dirty="0"/>
-              <a:t>Operators/functions are </a:t>
-            </a:r>
-            <a:r>
-              <a:rPr lang="en-US" b="1" dirty="0"/>
-              <a:t>not</a:t>
-            </a:r>
-            <a:r>
-              <a:rPr lang="en-US" dirty="0"/>
-              <a:t> allowed</a:t>
-            </a:r>
-          </a:p>
-          <a:p>
-            <a:pPr lvl="1"/>
-            <a:r>
-              <a:rPr lang="en-US" dirty="0"/>
-              <a:t>Constructors must minimally represent structure</a:t>
-            </a:r>
-          </a:p>
-          <a:p>
-            <a:r>
-              <a:rPr lang="en-US" dirty="0"/>
-              <a:t>Variables are allowed in patterns for partial matches/</a:t>
-            </a:r>
-            <a:r>
-              <a:rPr lang="en-US" dirty="0" err="1"/>
-              <a:t>destructuring</a:t>
-            </a:r>
-            <a:endParaRPr lang="en-US" dirty="0"/>
-          </a:p>
-          <a:p>
-            <a:r>
-              <a:rPr lang="en-US" dirty="0"/>
-              <a:t>Pattern matching is part of a programming paradigm called </a:t>
-            </a:r>
-            <a:r>
-              <a:rPr lang="en-US" b="1" dirty="0"/>
-              <a:t>declarative programming</a:t>
-            </a:r>
-          </a:p>
-          <a:p>
-            <a:pPr lvl="1"/>
-            <a:r>
-              <a:rPr lang="en-US" dirty="0"/>
-              <a:t>We will look at this more carefully when we examine control structures in Asteroid.</a:t>
-            </a:r>
-          </a:p>
-          <a:p>
-            <a:pPr lvl="1"/>
-            <a:endParaRPr lang="en-US" dirty="0"/>
-          </a:p>
-          <a:p>
-            <a:pPr lvl="1"/>
-            <a:endParaRPr lang="en-US" dirty="0"/>
+              <a:rPr lang="en-US" sz="1400" dirty="0"/>
+              <a:t>ln004/destruct3.ast</a:t>
+            </a:r>
           </a:p>
         </p:txBody>
       </p:sp>
     </p:spTree>
     <p:extLst>
       <p:ext uri="{BB962C8B-B14F-4D97-AF65-F5344CB8AC3E}">
-        <p14:creationId xmlns:p14="http://schemas.microsoft.com/office/powerpoint/2010/main" val="3741227975"/>
+        <p14:creationId xmlns:p14="http://schemas.microsoft.com/office/powerpoint/2010/main" val="3185682571"/>
       </p:ext>
     </p:extLst>
   </p:cSld>
@@ -7802,7 +7775,7 @@
           <p:cNvPr id="2" name="Title 1">
             <a:extLst>
               <a:ext uri="{FF2B5EF4-FFF2-40B4-BE49-F238E27FC236}">
-                <a16:creationId xmlns:a16="http://schemas.microsoft.com/office/drawing/2014/main" id="{E8C29327-0FF2-D34A-A7BF-A39E5934A183}"/>
+                <a16:creationId xmlns:a16="http://schemas.microsoft.com/office/drawing/2014/main" id="{63E6D85F-5E84-D44B-9B5C-300F6E3DB4B4}"/>
               </a:ext>
             </a:extLst>
           </p:cNvPr>
@@ -7820,7 +7793,7 @@
           <a:p>
             <a:r>
               <a:rPr lang="en-US" dirty="0"/>
-              <a:t>Pattern Matching in Python</a:t>
+              <a:t>Basic Pattern Matching Summary</a:t>
             </a:r>
           </a:p>
         </p:txBody>
@@ -7830,7 +7803,7 @@
           <p:cNvPr id="3" name="Content Placeholder 2">
             <a:extLst>
               <a:ext uri="{FF2B5EF4-FFF2-40B4-BE49-F238E27FC236}">
-                <a16:creationId xmlns:a16="http://schemas.microsoft.com/office/drawing/2014/main" id="{5B84DB07-3A63-5A4F-B3AF-2A2AFA8149CE}"/>
+                <a16:creationId xmlns:a16="http://schemas.microsoft.com/office/drawing/2014/main" id="{9E6BF871-97CA-5F43-BEF7-D514A7A67A62}"/>
               </a:ext>
             </a:extLst>
           </p:cNvPr>
@@ -7841,78 +7814,108 @@
             <p:ph idx="1"/>
           </p:nvPr>
         </p:nvSpPr>
-        <p:spPr>
-          <a:xfrm>
-            <a:off x="1524000" y="1676400"/>
-            <a:ext cx="7010400" cy="1905000"/>
-          </a:xfrm>
-        </p:spPr>
+        <p:spPr/>
         <p:txBody>
           <a:bodyPr>
-            <a:normAutofit/>
+            <a:normAutofit fontScale="70000" lnSpcReduction="20000"/>
           </a:bodyPr>
           <a:lstStyle/>
           <a:p>
             <a:r>
               <a:rPr lang="en-US" dirty="0"/>
-              <a:t>Limited pattern matching available with the assignment statement</a:t>
+              <a:t>The let statement</a:t>
+            </a:r>
+            <a:br>
+              <a:rPr lang="en-US" dirty="0"/>
+            </a:br>
+            <a:r>
+              <a:rPr lang="en-US" dirty="0"/>
+              <a:t>    let &lt;pattern&gt; = value .</a:t>
+            </a:r>
+          </a:p>
+          <a:p>
+            <a:r>
+              <a:rPr lang="en-US" dirty="0"/>
+              <a:t>On the right side of equal sign constructors represent values</a:t>
             </a:r>
           </a:p>
           <a:p>
             <a:pPr lvl="1"/>
             <a:r>
               <a:rPr lang="en-US" dirty="0"/>
-              <a:t>Called </a:t>
-            </a:r>
-            <a:r>
-              <a:rPr lang="en-US" b="1" dirty="0" err="1"/>
+              <a:t>Operators/functions are allowed</a:t>
+            </a:r>
+          </a:p>
+          <a:p>
+            <a:r>
+              <a:rPr lang="en-US" dirty="0"/>
+              <a:t>On the left side constructors represent structure</a:t>
+            </a:r>
+          </a:p>
+          <a:p>
+            <a:pPr lvl="1"/>
+            <a:r>
+              <a:rPr lang="en-US" dirty="0"/>
+              <a:t>Operators/functions are </a:t>
+            </a:r>
+            <a:r>
+              <a:rPr lang="en-US" b="1" dirty="0"/>
+              <a:t>not</a:t>
+            </a:r>
+            <a:r>
+              <a:rPr lang="en-US" dirty="0"/>
+              <a:t> allowed</a:t>
+            </a:r>
+          </a:p>
+          <a:p>
+            <a:pPr lvl="1"/>
+            <a:r>
+              <a:rPr lang="en-US" dirty="0"/>
+              <a:t>Constructors must minimally represent structure</a:t>
+            </a:r>
+          </a:p>
+          <a:p>
+            <a:r>
+              <a:rPr lang="en-US" dirty="0"/>
+              <a:t>Variables are allowed in patterns for partial matches/</a:t>
+            </a:r>
+            <a:r>
+              <a:rPr lang="en-US" dirty="0" err="1"/>
               <a:t>destructuring</a:t>
             </a:r>
-            <a:r>
-              <a:rPr lang="en-US" dirty="0"/>
-              <a:t> assignment</a:t>
-            </a:r>
-          </a:p>
-        </p:txBody>
-      </p:sp>
-      <p:pic>
-        <p:nvPicPr>
-          <p:cNvPr id="5" name="Picture 4">
-            <a:extLst>
-              <a:ext uri="{FF2B5EF4-FFF2-40B4-BE49-F238E27FC236}">
-                <a16:creationId xmlns:a16="http://schemas.microsoft.com/office/drawing/2014/main" id="{1ABD9459-AC71-D24B-82C5-648CD3F83A8A}"/>
-              </a:ext>
-            </a:extLst>
-          </p:cNvPr>
-          <p:cNvPicPr>
-            <a:picLocks noChangeAspect="1"/>
-          </p:cNvPicPr>
-          <p:nvPr/>
-        </p:nvPicPr>
-        <p:blipFill rotWithShape="1">
-          <a:blip r:embed="rId2"/>
-          <a:srcRect t="3500"/>
-          <a:stretch/>
-        </p:blipFill>
-        <p:spPr>
-          <a:xfrm>
-            <a:off x="2895600" y="4000500"/>
-            <a:ext cx="2527300" cy="2451100"/>
-          </a:xfrm>
-          <a:prstGeom prst="rect">
-            <a:avLst/>
-          </a:prstGeom>
-          <a:ln>
-            <a:solidFill>
-              <a:schemeClr val="tx2"/>
-            </a:solidFill>
-          </a:ln>
-        </p:spPr>
-      </p:pic>
+            <a:endParaRPr lang="en-US" dirty="0"/>
+          </a:p>
+          <a:p>
+            <a:r>
+              <a:rPr lang="en-US" dirty="0"/>
+              <a:t>Pattern matching is part of a programming paradigm called </a:t>
+            </a:r>
+            <a:r>
+              <a:rPr lang="en-US" b="1" dirty="0"/>
+              <a:t>declarative programming</a:t>
+            </a:r>
+          </a:p>
+          <a:p>
+            <a:pPr lvl="1"/>
+            <a:r>
+              <a:rPr lang="en-US" dirty="0"/>
+              <a:t>We will look at this more carefully when we examine control structures in Asteroid.</a:t>
+            </a:r>
+          </a:p>
+          <a:p>
+            <a:pPr lvl="1"/>
+            <a:endParaRPr lang="en-US" dirty="0"/>
+          </a:p>
+          <a:p>
+            <a:pPr lvl="1"/>
+            <a:endParaRPr lang="en-US" dirty="0"/>
+          </a:p>
+        </p:txBody>
+      </p:sp>
     </p:spTree>
     <p:extLst>
       <p:ext uri="{BB962C8B-B14F-4D97-AF65-F5344CB8AC3E}">
-        <p14:creationId xmlns:p14="http://schemas.microsoft.com/office/powerpoint/2010/main" val="2121341352"/>
+        <p14:creationId xmlns:p14="http://schemas.microsoft.com/office/powerpoint/2010/main" val="3741227975"/>
       </p:ext>
     </p:extLst>
   </p:cSld>
@@ -7986,18 +7989,33 @@
         <p:spPr>
           <a:xfrm>
             <a:off x="1524000" y="1676400"/>
-            <a:ext cx="7010400" cy="838200"/>
+            <a:ext cx="7010400" cy="1905000"/>
           </a:xfrm>
         </p:spPr>
         <p:txBody>
           <a:bodyPr>
-            <a:normAutofit fontScale="92500" lnSpcReduction="20000"/>
+            <a:normAutofit/>
           </a:bodyPr>
           <a:lstStyle/>
           <a:p>
             <a:r>
               <a:rPr lang="en-US" dirty="0"/>
-              <a:t>The match statement as of 3.10 provides a bit more functionality</a:t>
+              <a:t>Limited pattern matching available with the assignment statement</a:t>
+            </a:r>
+          </a:p>
+          <a:p>
+            <a:pPr lvl="1"/>
+            <a:r>
+              <a:rPr lang="en-US" dirty="0"/>
+              <a:t>Called </a:t>
+            </a:r>
+            <a:r>
+              <a:rPr lang="en-US" b="1" dirty="0" err="1"/>
+              <a:t>destructuring</a:t>
+            </a:r>
+            <a:r>
+              <a:rPr lang="en-US" dirty="0"/>
+              <a:t> assignment</a:t>
             </a:r>
           </a:p>
         </p:txBody>
@@ -8007,7 +8025,7 @@
           <p:cNvPr id="5" name="Picture 4">
             <a:extLst>
               <a:ext uri="{FF2B5EF4-FFF2-40B4-BE49-F238E27FC236}">
-                <a16:creationId xmlns:a16="http://schemas.microsoft.com/office/drawing/2014/main" id="{B21EEF00-80BA-C244-9D4F-C0381F7748A1}"/>
+                <a16:creationId xmlns:a16="http://schemas.microsoft.com/office/drawing/2014/main" id="{1ABD9459-AC71-D24B-82C5-648CD3F83A8A}"/>
               </a:ext>
             </a:extLst>
           </p:cNvPr>
@@ -8016,16 +8034,15 @@
           </p:cNvPicPr>
           <p:nvPr/>
         </p:nvPicPr>
-        <p:blipFill>
+        <p:blipFill rotWithShape="1">
           <a:blip r:embed="rId2"/>
-          <a:stretch>
-            <a:fillRect/>
-          </a:stretch>
+          <a:srcRect t="3500"/>
+          <a:stretch/>
         </p:blipFill>
         <p:spPr>
           <a:xfrm>
-            <a:off x="381000" y="2616201"/>
-            <a:ext cx="4038600" cy="1727200"/>
+            <a:off x="2895600" y="4000500"/>
+            <a:ext cx="2527300" cy="2451100"/>
           </a:xfrm>
           <a:prstGeom prst="rect">
             <a:avLst/>
@@ -8037,123 +8054,10 @@
           </a:ln>
         </p:spPr>
       </p:pic>
-      <p:pic>
-        <p:nvPicPr>
-          <p:cNvPr id="6" name="Picture 5">
-            <a:extLst>
-              <a:ext uri="{FF2B5EF4-FFF2-40B4-BE49-F238E27FC236}">
-                <a16:creationId xmlns:a16="http://schemas.microsoft.com/office/drawing/2014/main" id="{C9A4CF8E-8072-2441-8A24-6252220205E9}"/>
-              </a:ext>
-            </a:extLst>
-          </p:cNvPr>
-          <p:cNvPicPr>
-            <a:picLocks noChangeAspect="1"/>
-          </p:cNvPicPr>
-          <p:nvPr/>
-        </p:nvPicPr>
-        <p:blipFill>
-          <a:blip r:embed="rId3"/>
-          <a:stretch>
-            <a:fillRect/>
-          </a:stretch>
-        </p:blipFill>
-        <p:spPr>
-          <a:xfrm>
-            <a:off x="4267200" y="3048000"/>
-            <a:ext cx="4267200" cy="3447738"/>
-          </a:xfrm>
-          <a:prstGeom prst="rect">
-            <a:avLst/>
-          </a:prstGeom>
-          <a:ln>
-            <a:solidFill>
-              <a:schemeClr val="tx2"/>
-            </a:solidFill>
-          </a:ln>
-        </p:spPr>
-      </p:pic>
-      <p:sp>
-        <p:nvSpPr>
-          <p:cNvPr id="7" name="TextBox 6">
-            <a:extLst>
-              <a:ext uri="{FF2B5EF4-FFF2-40B4-BE49-F238E27FC236}">
-                <a16:creationId xmlns:a16="http://schemas.microsoft.com/office/drawing/2014/main" id="{FD410AAD-83B4-CA44-83CE-75DEFC18BA9B}"/>
-              </a:ext>
-            </a:extLst>
-          </p:cNvPr>
-          <p:cNvSpPr txBox="1"/>
-          <p:nvPr/>
-        </p:nvSpPr>
-        <p:spPr>
-          <a:xfrm>
-            <a:off x="246185" y="5990492"/>
-            <a:ext cx="2858475" cy="307777"/>
-          </a:xfrm>
-          <a:prstGeom prst="rect">
-            <a:avLst/>
-          </a:prstGeom>
-          <a:noFill/>
-        </p:spPr>
-        <p:txBody>
-          <a:bodyPr wrap="none" rtlCol="0">
-            <a:spAutoFit/>
-          </a:bodyPr>
-          <a:lstStyle/>
-          <a:p>
-            <a:r>
-              <a:rPr lang="en-US" sz="1400" dirty="0"/>
-              <a:t>https://</a:t>
-            </a:r>
-            <a:r>
-              <a:rPr lang="en-US" sz="1400" dirty="0" err="1"/>
-              <a:t>peps.python.org</a:t>
-            </a:r>
-            <a:r>
-              <a:rPr lang="en-US" sz="1400" dirty="0"/>
-              <a:t>/pep-0636/</a:t>
-            </a:r>
-          </a:p>
-        </p:txBody>
-      </p:sp>
-      <p:sp>
-        <p:nvSpPr>
-          <p:cNvPr id="8" name="TextBox 7">
-            <a:extLst>
-              <a:ext uri="{FF2B5EF4-FFF2-40B4-BE49-F238E27FC236}">
-                <a16:creationId xmlns:a16="http://schemas.microsoft.com/office/drawing/2014/main" id="{C87107F4-F5F0-B440-B5EC-0CB34E1615FB}"/>
-              </a:ext>
-            </a:extLst>
-          </p:cNvPr>
-          <p:cNvSpPr txBox="1"/>
-          <p:nvPr/>
-        </p:nvSpPr>
-        <p:spPr>
-          <a:xfrm>
-            <a:off x="6060831" y="2743200"/>
-            <a:ext cx="1646605" cy="307777"/>
-          </a:xfrm>
-          <a:prstGeom prst="rect">
-            <a:avLst/>
-          </a:prstGeom>
-          <a:noFill/>
-        </p:spPr>
-        <p:txBody>
-          <a:bodyPr wrap="none" rtlCol="0">
-            <a:spAutoFit/>
-          </a:bodyPr>
-          <a:lstStyle/>
-          <a:p>
-            <a:r>
-              <a:rPr lang="en-US" sz="1400" dirty="0"/>
-              <a:t>ln004/destruct3.py</a:t>
-            </a:r>
-          </a:p>
-        </p:txBody>
-      </p:sp>
     </p:spTree>
     <p:extLst>
       <p:ext uri="{BB962C8B-B14F-4D97-AF65-F5344CB8AC3E}">
-        <p14:creationId xmlns:p14="http://schemas.microsoft.com/office/powerpoint/2010/main" val="3899810227"/>
+        <p14:creationId xmlns:p14="http://schemas.microsoft.com/office/powerpoint/2010/main" val="2121341352"/>
       </p:ext>
     </p:extLst>
   </p:cSld>
@@ -8185,7 +8089,7 @@
           <p:cNvPr id="2" name="Title 1">
             <a:extLst>
               <a:ext uri="{FF2B5EF4-FFF2-40B4-BE49-F238E27FC236}">
-                <a16:creationId xmlns:a16="http://schemas.microsoft.com/office/drawing/2014/main" id="{96CD2FA5-F967-B640-AF84-20CD34541D5F}"/>
+                <a16:creationId xmlns:a16="http://schemas.microsoft.com/office/drawing/2014/main" id="{E8C29327-0FF2-D34A-A7BF-A39E5934A183}"/>
               </a:ext>
             </a:extLst>
           </p:cNvPr>
@@ -8203,7 +8107,7 @@
           <a:p>
             <a:r>
               <a:rPr lang="en-US" dirty="0"/>
-              <a:t>Pattern Matching in Rust</a:t>
+              <a:t>Pattern Matching in Python</a:t>
             </a:r>
           </a:p>
         </p:txBody>
@@ -8213,7 +8117,7 @@
           <p:cNvPr id="3" name="Content Placeholder 2">
             <a:extLst>
               <a:ext uri="{FF2B5EF4-FFF2-40B4-BE49-F238E27FC236}">
-                <a16:creationId xmlns:a16="http://schemas.microsoft.com/office/drawing/2014/main" id="{35CAA96F-C6D7-9248-9A60-9A8AE269211D}"/>
+                <a16:creationId xmlns:a16="http://schemas.microsoft.com/office/drawing/2014/main" id="{5B84DB07-3A63-5A4F-B3AF-2A2AFA8149CE}"/>
               </a:ext>
             </a:extLst>
           </p:cNvPr>
@@ -8226,27 +8130,29 @@
         </p:nvSpPr>
         <p:spPr>
           <a:xfrm>
-            <a:off x="1524000" y="1905000"/>
-            <a:ext cx="7010400" cy="609600"/>
-          </a:xfrm>
-        </p:spPr>
-        <p:txBody>
-          <a:bodyPr/>
+            <a:off x="1524000" y="1676400"/>
+            <a:ext cx="7010400" cy="838200"/>
+          </a:xfrm>
+        </p:spPr>
+        <p:txBody>
+          <a:bodyPr>
+            <a:normAutofit fontScale="92500" lnSpcReduction="20000"/>
+          </a:bodyPr>
           <a:lstStyle/>
           <a:p>
             <a:r>
               <a:rPr lang="en-US" dirty="0"/>
-              <a:t>Rust also supports pattern matching</a:t>
+              <a:t>The match statement as of 3.10 provides a bit more functionality</a:t>
             </a:r>
           </a:p>
         </p:txBody>
       </p:sp>
       <p:pic>
         <p:nvPicPr>
-          <p:cNvPr id="4" name="Picture 3">
-            <a:extLst>
-              <a:ext uri="{FF2B5EF4-FFF2-40B4-BE49-F238E27FC236}">
-                <a16:creationId xmlns:a16="http://schemas.microsoft.com/office/drawing/2014/main" id="{DE8E6D5E-9011-5346-838C-8C3CA64040DE}"/>
+          <p:cNvPr id="5" name="Picture 4">
+            <a:extLst>
+              <a:ext uri="{FF2B5EF4-FFF2-40B4-BE49-F238E27FC236}">
+                <a16:creationId xmlns:a16="http://schemas.microsoft.com/office/drawing/2014/main" id="{B21EEF00-80BA-C244-9D4F-C0381F7748A1}"/>
               </a:ext>
             </a:extLst>
           </p:cNvPr>
@@ -8263,25 +8169,25 @@
         </p:blipFill>
         <p:spPr>
           <a:xfrm>
-            <a:off x="3962400" y="2877771"/>
-            <a:ext cx="4773898" cy="3751629"/>
+            <a:off x="381000" y="2616201"/>
+            <a:ext cx="4038600" cy="1727200"/>
           </a:xfrm>
           <a:prstGeom prst="rect">
             <a:avLst/>
           </a:prstGeom>
           <a:ln>
             <a:solidFill>
-              <a:schemeClr val="tx1"/>
+              <a:schemeClr val="tx2"/>
             </a:solidFill>
           </a:ln>
         </p:spPr>
       </p:pic>
       <p:pic>
         <p:nvPicPr>
-          <p:cNvPr id="5" name="Picture 4">
-            <a:extLst>
-              <a:ext uri="{FF2B5EF4-FFF2-40B4-BE49-F238E27FC236}">
-                <a16:creationId xmlns:a16="http://schemas.microsoft.com/office/drawing/2014/main" id="{F54D7279-2489-3C44-BD42-D76496D6C499}"/>
+          <p:cNvPr id="6" name="Picture 5">
+            <a:extLst>
+              <a:ext uri="{FF2B5EF4-FFF2-40B4-BE49-F238E27FC236}">
+                <a16:creationId xmlns:a16="http://schemas.microsoft.com/office/drawing/2014/main" id="{C9A4CF8E-8072-2441-8A24-6252220205E9}"/>
               </a:ext>
             </a:extLst>
           </p:cNvPr>
@@ -8298,25 +8204,25 @@
         </p:blipFill>
         <p:spPr>
           <a:xfrm>
-            <a:off x="228600" y="2971800"/>
-            <a:ext cx="3073400" cy="1498600"/>
+            <a:off x="4267200" y="3048000"/>
+            <a:ext cx="4267200" cy="3447738"/>
           </a:xfrm>
           <a:prstGeom prst="rect">
             <a:avLst/>
           </a:prstGeom>
           <a:ln>
             <a:solidFill>
-              <a:schemeClr val="tx1"/>
+              <a:schemeClr val="tx2"/>
             </a:solidFill>
           </a:ln>
         </p:spPr>
       </p:pic>
       <p:sp>
         <p:nvSpPr>
-          <p:cNvPr id="6" name="TextBox 5">
-            <a:extLst>
-              <a:ext uri="{FF2B5EF4-FFF2-40B4-BE49-F238E27FC236}">
-                <a16:creationId xmlns:a16="http://schemas.microsoft.com/office/drawing/2014/main" id="{BAABA7D1-54A7-5A40-BF97-2C13B7519CB0}"/>
+          <p:cNvPr id="7" name="TextBox 6">
+            <a:extLst>
+              <a:ext uri="{FF2B5EF4-FFF2-40B4-BE49-F238E27FC236}">
+                <a16:creationId xmlns:a16="http://schemas.microsoft.com/office/drawing/2014/main" id="{FD410AAD-83B4-CA44-83CE-75DEFC18BA9B}"/>
               </a:ext>
             </a:extLst>
           </p:cNvPr>
@@ -8325,8 +8231,8 @@
         </p:nvSpPr>
         <p:spPr>
           <a:xfrm>
-            <a:off x="6172200" y="2514600"/>
-            <a:ext cx="1606530" cy="307777"/>
+            <a:off x="246185" y="5990492"/>
+            <a:ext cx="2858475" cy="307777"/>
           </a:xfrm>
           <a:prstGeom prst="rect">
             <a:avLst/>
@@ -8341,17 +8247,25 @@
           <a:p>
             <a:r>
               <a:rPr lang="en-US" sz="1400" dirty="0"/>
-              <a:t>ln004/destruct3.rs</a:t>
-            </a:r>
-          </a:p>
-        </p:txBody>
-      </p:sp>
-      <p:sp>
-        <p:nvSpPr>
-          <p:cNvPr id="7" name="TextBox 6">
-            <a:extLst>
-              <a:ext uri="{FF2B5EF4-FFF2-40B4-BE49-F238E27FC236}">
-                <a16:creationId xmlns:a16="http://schemas.microsoft.com/office/drawing/2014/main" id="{79027E54-9047-3340-9DFE-D76C7C826BCB}"/>
+              <a:t>https://</a:t>
+            </a:r>
+            <a:r>
+              <a:rPr lang="en-US" sz="1400" dirty="0" err="1"/>
+              <a:t>peps.python.org</a:t>
+            </a:r>
+            <a:r>
+              <a:rPr lang="en-US" sz="1400" dirty="0"/>
+              <a:t>/pep-0636/</a:t>
+            </a:r>
+          </a:p>
+        </p:txBody>
+      </p:sp>
+      <p:sp>
+        <p:nvSpPr>
+          <p:cNvPr id="8" name="TextBox 7">
+            <a:extLst>
+              <a:ext uri="{FF2B5EF4-FFF2-40B4-BE49-F238E27FC236}">
+                <a16:creationId xmlns:a16="http://schemas.microsoft.com/office/drawing/2014/main" id="{C87107F4-F5F0-B440-B5EC-0CB34E1615FB}"/>
               </a:ext>
             </a:extLst>
           </p:cNvPr>
@@ -8360,8 +8274,8 @@
         </p:nvSpPr>
         <p:spPr>
           <a:xfrm>
-            <a:off x="1449103" y="2589311"/>
-            <a:ext cx="1705916" cy="307777"/>
+            <a:off x="6060831" y="2743200"/>
+            <a:ext cx="1646605" cy="307777"/>
           </a:xfrm>
           <a:prstGeom prst="rect">
             <a:avLst/>
@@ -8376,7 +8290,7 @@
           <a:p>
             <a:r>
               <a:rPr lang="en-US" sz="1400" dirty="0"/>
-              <a:t>ln004/destruct2.prs</a:t>
+              <a:t>ln004/destruct3.py</a:t>
             </a:r>
           </a:p>
         </p:txBody>
@@ -8384,7 +8298,7 @@
     </p:spTree>
     <p:extLst>
       <p:ext uri="{BB962C8B-B14F-4D97-AF65-F5344CB8AC3E}">
-        <p14:creationId xmlns:p14="http://schemas.microsoft.com/office/powerpoint/2010/main" val="1648020018"/>
+        <p14:creationId xmlns:p14="http://schemas.microsoft.com/office/powerpoint/2010/main" val="3899810227"/>
       </p:ext>
     </p:extLst>
   </p:cSld>
@@ -8416,7 +8330,7 @@
           <p:cNvPr id="2" name="Title 1">
             <a:extLst>
               <a:ext uri="{FF2B5EF4-FFF2-40B4-BE49-F238E27FC236}">
-                <a16:creationId xmlns:a16="http://schemas.microsoft.com/office/drawing/2014/main" id="{AD848BFB-A2B4-FB48-BABF-BBD8D18B0699}"/>
+                <a16:creationId xmlns:a16="http://schemas.microsoft.com/office/drawing/2014/main" id="{96CD2FA5-F967-B640-AF84-20CD34541D5F}"/>
               </a:ext>
             </a:extLst>
           </p:cNvPr>
@@ -8427,21 +8341,47 @@
             <p:ph type="title"/>
           </p:nvPr>
         </p:nvSpPr>
+        <p:spPr/>
+        <p:txBody>
+          <a:bodyPr/>
+          <a:lstStyle/>
+          <a:p>
+            <a:r>
+              <a:rPr lang="en-US" dirty="0"/>
+              <a:t>Pattern Matching in Rust</a:t>
+            </a:r>
+          </a:p>
+        </p:txBody>
+      </p:sp>
+      <p:sp>
+        <p:nvSpPr>
+          <p:cNvPr id="3" name="Content Placeholder 2">
+            <a:extLst>
+              <a:ext uri="{FF2B5EF4-FFF2-40B4-BE49-F238E27FC236}">
+                <a16:creationId xmlns:a16="http://schemas.microsoft.com/office/drawing/2014/main" id="{35CAA96F-C6D7-9248-9A60-9A8AE269211D}"/>
+              </a:ext>
+            </a:extLst>
+          </p:cNvPr>
+          <p:cNvSpPr>
+            <a:spLocks noGrp="1"/>
+          </p:cNvSpPr>
+          <p:nvPr>
+            <p:ph idx="1"/>
+          </p:nvPr>
+        </p:nvSpPr>
         <p:spPr>
           <a:xfrm>
-            <a:off x="1524000" y="190500"/>
-            <a:ext cx="7010400" cy="1527175"/>
-          </a:xfrm>
-        </p:spPr>
-        <p:txBody>
-          <a:bodyPr wrap="square" anchor="ctr">
-            <a:normAutofit/>
-          </a:bodyPr>
+            <a:off x="1524000" y="1905000"/>
+            <a:ext cx="7010400" cy="609600"/>
+          </a:xfrm>
+        </p:spPr>
+        <p:txBody>
+          <a:bodyPr/>
           <a:lstStyle/>
           <a:p>
             <a:r>
               <a:rPr lang="en-US" dirty="0"/>
-              <a:t>Conditional Pattern Matching</a:t>
+              <a:t>Rust also supports pattern matching</a:t>
             </a:r>
           </a:p>
         </p:txBody>
@@ -8451,7 +8391,7 @@
           <p:cNvPr id="4" name="Picture 3">
             <a:extLst>
               <a:ext uri="{FF2B5EF4-FFF2-40B4-BE49-F238E27FC236}">
-                <a16:creationId xmlns:a16="http://schemas.microsoft.com/office/drawing/2014/main" id="{D02E8CCF-CD44-E148-A19A-1E93996CC066}"/>
+                <a16:creationId xmlns:a16="http://schemas.microsoft.com/office/drawing/2014/main" id="{DE8E6D5E-9011-5346-838C-8C3CA64040DE}"/>
               </a:ext>
             </a:extLst>
           </p:cNvPr>
@@ -8468,76 +8408,25 @@
         </p:blipFill>
         <p:spPr>
           <a:xfrm>
-            <a:off x="304800" y="2133600"/>
-            <a:ext cx="4996726" cy="762000"/>
+            <a:off x="3962400" y="2877771"/>
+            <a:ext cx="4773898" cy="3751629"/>
           </a:xfrm>
           <a:prstGeom prst="rect">
             <a:avLst/>
           </a:prstGeom>
-          <a:noFill/>
           <a:ln>
             <a:solidFill>
-              <a:schemeClr val="tx2"/>
+              <a:schemeClr val="tx1"/>
             </a:solidFill>
           </a:ln>
         </p:spPr>
       </p:pic>
-      <p:sp>
-        <p:nvSpPr>
-          <p:cNvPr id="3" name="Content Placeholder 2">
-            <a:extLst>
-              <a:ext uri="{FF2B5EF4-FFF2-40B4-BE49-F238E27FC236}">
-                <a16:creationId xmlns:a16="http://schemas.microsoft.com/office/drawing/2014/main" id="{CA0B04DA-BCA8-264E-AE30-BDC19E610EB5}"/>
-              </a:ext>
-            </a:extLst>
-          </p:cNvPr>
-          <p:cNvSpPr>
-            <a:spLocks noGrp="1"/>
-          </p:cNvSpPr>
-          <p:nvPr>
-            <p:ph sz="half" idx="2"/>
-          </p:nvPr>
-        </p:nvSpPr>
-        <p:spPr>
-          <a:xfrm>
-            <a:off x="5301526" y="1905000"/>
-            <a:ext cx="3232874" cy="4114800"/>
-          </a:xfrm>
-        </p:spPr>
-        <p:txBody>
-          <a:bodyPr wrap="square" anchor="t">
-            <a:normAutofit/>
-          </a:bodyPr>
-          <a:lstStyle/>
-          <a:p>
-            <a:r>
-              <a:rPr lang="en-US" dirty="0"/>
-              <a:t>Only assign a pair if the two component values are the same</a:t>
-            </a:r>
-          </a:p>
-          <a:p>
-            <a:r>
-              <a:rPr lang="en-US" dirty="0"/>
-              <a:t>Only assign positive values to x</a:t>
-            </a:r>
-          </a:p>
-          <a:p>
-            <a:endParaRPr lang="en-US" dirty="0"/>
-          </a:p>
-          <a:p>
-            <a:endParaRPr lang="en-US" dirty="0"/>
-          </a:p>
-          <a:p>
-            <a:endParaRPr lang="en-US" dirty="0"/>
-          </a:p>
-        </p:txBody>
-      </p:sp>
       <p:pic>
         <p:nvPicPr>
           <p:cNvPr id="5" name="Picture 4">
             <a:extLst>
               <a:ext uri="{FF2B5EF4-FFF2-40B4-BE49-F238E27FC236}">
-                <a16:creationId xmlns:a16="http://schemas.microsoft.com/office/drawing/2014/main" id="{6DA826A1-392C-F646-860F-C0593B3F8493}"/>
+                <a16:creationId xmlns:a16="http://schemas.microsoft.com/office/drawing/2014/main" id="{F54D7279-2489-3C44-BD42-D76496D6C499}"/>
               </a:ext>
             </a:extLst>
           </p:cNvPr>
@@ -8554,23 +8443,93 @@
         </p:blipFill>
         <p:spPr>
           <a:xfrm>
-            <a:off x="228600" y="3968018"/>
-            <a:ext cx="5181600" cy="783857"/>
+            <a:off x="228600" y="2971800"/>
+            <a:ext cx="3073400" cy="1498600"/>
           </a:xfrm>
           <a:prstGeom prst="rect">
             <a:avLst/>
           </a:prstGeom>
           <a:ln>
             <a:solidFill>
-              <a:schemeClr val="tx2"/>
+              <a:schemeClr val="tx1"/>
             </a:solidFill>
           </a:ln>
         </p:spPr>
       </p:pic>
+      <p:sp>
+        <p:nvSpPr>
+          <p:cNvPr id="6" name="TextBox 5">
+            <a:extLst>
+              <a:ext uri="{FF2B5EF4-FFF2-40B4-BE49-F238E27FC236}">
+                <a16:creationId xmlns:a16="http://schemas.microsoft.com/office/drawing/2014/main" id="{BAABA7D1-54A7-5A40-BF97-2C13B7519CB0}"/>
+              </a:ext>
+            </a:extLst>
+          </p:cNvPr>
+          <p:cNvSpPr txBox="1"/>
+          <p:nvPr/>
+        </p:nvSpPr>
+        <p:spPr>
+          <a:xfrm>
+            <a:off x="6172200" y="2514600"/>
+            <a:ext cx="1606530" cy="307777"/>
+          </a:xfrm>
+          <a:prstGeom prst="rect">
+            <a:avLst/>
+          </a:prstGeom>
+          <a:noFill/>
+        </p:spPr>
+        <p:txBody>
+          <a:bodyPr wrap="none" rtlCol="0">
+            <a:spAutoFit/>
+          </a:bodyPr>
+          <a:lstStyle/>
+          <a:p>
+            <a:r>
+              <a:rPr lang="en-US" sz="1400" dirty="0"/>
+              <a:t>ln004/destruct3.rs</a:t>
+            </a:r>
+          </a:p>
+        </p:txBody>
+      </p:sp>
+      <p:sp>
+        <p:nvSpPr>
+          <p:cNvPr id="7" name="TextBox 6">
+            <a:extLst>
+              <a:ext uri="{FF2B5EF4-FFF2-40B4-BE49-F238E27FC236}">
+                <a16:creationId xmlns:a16="http://schemas.microsoft.com/office/drawing/2014/main" id="{79027E54-9047-3340-9DFE-D76C7C826BCB}"/>
+              </a:ext>
+            </a:extLst>
+          </p:cNvPr>
+          <p:cNvSpPr txBox="1"/>
+          <p:nvPr/>
+        </p:nvSpPr>
+        <p:spPr>
+          <a:xfrm>
+            <a:off x="1449103" y="2589311"/>
+            <a:ext cx="1705916" cy="307777"/>
+          </a:xfrm>
+          <a:prstGeom prst="rect">
+            <a:avLst/>
+          </a:prstGeom>
+          <a:noFill/>
+        </p:spPr>
+        <p:txBody>
+          <a:bodyPr wrap="none" rtlCol="0">
+            <a:spAutoFit/>
+          </a:bodyPr>
+          <a:lstStyle/>
+          <a:p>
+            <a:r>
+              <a:rPr lang="en-US" sz="1400" dirty="0"/>
+              <a:t>ln004/destruct2.prs</a:t>
+            </a:r>
+          </a:p>
+        </p:txBody>
+      </p:sp>
     </p:spTree>
     <p:extLst>
       <p:ext uri="{BB962C8B-B14F-4D97-AF65-F5344CB8AC3E}">
-        <p14:creationId xmlns:p14="http://schemas.microsoft.com/office/powerpoint/2010/main" val="2882422723"/>
+        <p14:creationId xmlns:p14="http://schemas.microsoft.com/office/powerpoint/2010/main" val="1648020018"/>
       </p:ext>
     </p:extLst>
   </p:cSld>
@@ -8602,7 +8561,7 @@
           <p:cNvPr id="2" name="Title 1">
             <a:extLst>
               <a:ext uri="{FF2B5EF4-FFF2-40B4-BE49-F238E27FC236}">
-                <a16:creationId xmlns:a16="http://schemas.microsoft.com/office/drawing/2014/main" id="{BD45E58E-66D4-284F-AEBB-EB5A327EB614}"/>
+                <a16:creationId xmlns:a16="http://schemas.microsoft.com/office/drawing/2014/main" id="{AD848BFB-A2B4-FB48-BABF-BBD8D18B0699}"/>
               </a:ext>
             </a:extLst>
           </p:cNvPr>
@@ -8613,77 +8572,31 @@
             <p:ph type="title"/>
           </p:nvPr>
         </p:nvSpPr>
-        <p:spPr/>
-        <p:txBody>
-          <a:bodyPr/>
+        <p:spPr>
+          <a:xfrm>
+            <a:off x="1524000" y="190500"/>
+            <a:ext cx="7010400" cy="1527175"/>
+          </a:xfrm>
+        </p:spPr>
+        <p:txBody>
+          <a:bodyPr wrap="square" anchor="ctr">
+            <a:normAutofit/>
+          </a:bodyPr>
           <a:lstStyle/>
           <a:p>
             <a:r>
               <a:rPr lang="en-US" dirty="0"/>
-              <a:t>The is Predicate</a:t>
-            </a:r>
-          </a:p>
-        </p:txBody>
-      </p:sp>
-      <p:sp>
-        <p:nvSpPr>
-          <p:cNvPr id="5" name="Content Placeholder 4">
-            <a:extLst>
-              <a:ext uri="{FF2B5EF4-FFF2-40B4-BE49-F238E27FC236}">
-                <a16:creationId xmlns:a16="http://schemas.microsoft.com/office/drawing/2014/main" id="{43BE0058-031C-9449-9E21-7B71C109C7A4}"/>
-              </a:ext>
-            </a:extLst>
-          </p:cNvPr>
-          <p:cNvSpPr>
-            <a:spLocks noGrp="1"/>
-          </p:cNvSpPr>
-          <p:nvPr>
-            <p:ph idx="1"/>
-          </p:nvPr>
-        </p:nvSpPr>
-        <p:spPr>
-          <a:xfrm>
-            <a:off x="1524000" y="1905000"/>
-            <a:ext cx="7010400" cy="3505200"/>
-          </a:xfrm>
-        </p:spPr>
-        <p:txBody>
-          <a:bodyPr/>
-          <a:lstStyle/>
-          <a:p>
-            <a:r>
-              <a:rPr lang="en-US" dirty="0"/>
-              <a:t>The is predicate is of the form</a:t>
-            </a:r>
-            <a:br>
-              <a:rPr lang="en-US" dirty="0"/>
-            </a:br>
-            <a:r>
-              <a:rPr lang="en-US" dirty="0"/>
-              <a:t>    &lt;value&gt; is &lt;pattern&gt;</a:t>
-            </a:r>
-            <a:br>
-              <a:rPr lang="en-US" dirty="0"/>
-            </a:br>
-            <a:r>
-              <a:rPr lang="en-US" dirty="0"/>
-              <a:t>and returns true if the value matches the pattern otherwise it will return false</a:t>
-            </a:r>
-          </a:p>
-          <a:p>
-            <a:r>
-              <a:rPr lang="en-US" dirty="0"/>
-              <a:t>The is predicate allows us to do pattern matching is expressions</a:t>
+              <a:t>Conditional Pattern Matching</a:t>
             </a:r>
           </a:p>
         </p:txBody>
       </p:sp>
       <p:pic>
         <p:nvPicPr>
-          <p:cNvPr id="7" name="Picture 6">
-            <a:extLst>
-              <a:ext uri="{FF2B5EF4-FFF2-40B4-BE49-F238E27FC236}">
-                <a16:creationId xmlns:a16="http://schemas.microsoft.com/office/drawing/2014/main" id="{81AAE521-5C3F-1441-A77E-88572B79191F}"/>
+          <p:cNvPr id="4" name="Picture 3">
+            <a:extLst>
+              <a:ext uri="{FF2B5EF4-FFF2-40B4-BE49-F238E27FC236}">
+                <a16:creationId xmlns:a16="http://schemas.microsoft.com/office/drawing/2014/main" id="{D02E8CCF-CD44-E148-A19A-1E93996CC066}"/>
               </a:ext>
             </a:extLst>
           </p:cNvPr>
@@ -8700,8 +8613,94 @@
         </p:blipFill>
         <p:spPr>
           <a:xfrm>
-            <a:off x="2819400" y="5422900"/>
-            <a:ext cx="2628900" cy="1244600"/>
+            <a:off x="304800" y="2133600"/>
+            <a:ext cx="4996726" cy="762000"/>
+          </a:xfrm>
+          <a:prstGeom prst="rect">
+            <a:avLst/>
+          </a:prstGeom>
+          <a:noFill/>
+          <a:ln>
+            <a:solidFill>
+              <a:schemeClr val="tx2"/>
+            </a:solidFill>
+          </a:ln>
+        </p:spPr>
+      </p:pic>
+      <p:sp>
+        <p:nvSpPr>
+          <p:cNvPr id="3" name="Content Placeholder 2">
+            <a:extLst>
+              <a:ext uri="{FF2B5EF4-FFF2-40B4-BE49-F238E27FC236}">
+                <a16:creationId xmlns:a16="http://schemas.microsoft.com/office/drawing/2014/main" id="{CA0B04DA-BCA8-264E-AE30-BDC19E610EB5}"/>
+              </a:ext>
+            </a:extLst>
+          </p:cNvPr>
+          <p:cNvSpPr>
+            <a:spLocks noGrp="1"/>
+          </p:cNvSpPr>
+          <p:nvPr>
+            <p:ph sz="half" idx="2"/>
+          </p:nvPr>
+        </p:nvSpPr>
+        <p:spPr>
+          <a:xfrm>
+            <a:off x="5301526" y="1905000"/>
+            <a:ext cx="3232874" cy="4114800"/>
+          </a:xfrm>
+        </p:spPr>
+        <p:txBody>
+          <a:bodyPr wrap="square" anchor="t">
+            <a:normAutofit/>
+          </a:bodyPr>
+          <a:lstStyle/>
+          <a:p>
+            <a:r>
+              <a:rPr lang="en-US" dirty="0"/>
+              <a:t>Only assign a pair if the two component values are the same</a:t>
+            </a:r>
+          </a:p>
+          <a:p>
+            <a:r>
+              <a:rPr lang="en-US" dirty="0"/>
+              <a:t>Only assign positive values to x</a:t>
+            </a:r>
+          </a:p>
+          <a:p>
+            <a:endParaRPr lang="en-US" dirty="0"/>
+          </a:p>
+          <a:p>
+            <a:endParaRPr lang="en-US" dirty="0"/>
+          </a:p>
+          <a:p>
+            <a:endParaRPr lang="en-US" dirty="0"/>
+          </a:p>
+        </p:txBody>
+      </p:sp>
+      <p:pic>
+        <p:nvPicPr>
+          <p:cNvPr id="5" name="Picture 4">
+            <a:extLst>
+              <a:ext uri="{FF2B5EF4-FFF2-40B4-BE49-F238E27FC236}">
+                <a16:creationId xmlns:a16="http://schemas.microsoft.com/office/drawing/2014/main" id="{6DA826A1-392C-F646-860F-C0593B3F8493}"/>
+              </a:ext>
+            </a:extLst>
+          </p:cNvPr>
+          <p:cNvPicPr>
+            <a:picLocks noChangeAspect="1"/>
+          </p:cNvPicPr>
+          <p:nvPr/>
+        </p:nvPicPr>
+        <p:blipFill>
+          <a:blip r:embed="rId3"/>
+          <a:stretch>
+            <a:fillRect/>
+          </a:stretch>
+        </p:blipFill>
+        <p:spPr>
+          <a:xfrm>
+            <a:off x="228600" y="3968018"/>
+            <a:ext cx="5181600" cy="783857"/>
           </a:xfrm>
           <a:prstGeom prst="rect">
             <a:avLst/>
@@ -8713,80 +8712,10 @@
           </a:ln>
         </p:spPr>
       </p:pic>
-      <p:sp>
-        <p:nvSpPr>
-          <p:cNvPr id="8" name="TextBox 7">
-            <a:extLst>
-              <a:ext uri="{FF2B5EF4-FFF2-40B4-BE49-F238E27FC236}">
-                <a16:creationId xmlns:a16="http://schemas.microsoft.com/office/drawing/2014/main" id="{5DE8BE3D-2D0B-4345-A8F1-8EC44E83068A}"/>
-              </a:ext>
-            </a:extLst>
-          </p:cNvPr>
-          <p:cNvSpPr txBox="1"/>
-          <p:nvPr/>
-        </p:nvSpPr>
-        <p:spPr>
-          <a:xfrm>
-            <a:off x="6858000" y="762000"/>
-            <a:ext cx="1923925" cy="1169551"/>
-          </a:xfrm>
-          <a:prstGeom prst="rect">
-            <a:avLst/>
-          </a:prstGeom>
-          <a:solidFill>
-            <a:schemeClr val="bg1"/>
-          </a:solidFill>
-          <a:ln>
-            <a:solidFill>
-              <a:schemeClr val="tx2"/>
-            </a:solidFill>
-          </a:ln>
-        </p:spPr>
-        <p:txBody>
-          <a:bodyPr wrap="none" rtlCol="0">
-            <a:spAutoFit/>
-          </a:bodyPr>
-          <a:lstStyle/>
-          <a:p>
-            <a:r>
-              <a:rPr lang="en-US" sz="1400" dirty="0"/>
-              <a:t>Note: a predicate is a</a:t>
-            </a:r>
-            <a:br>
-              <a:rPr lang="en-US" sz="1400" dirty="0"/>
-            </a:br>
-            <a:r>
-              <a:rPr lang="en-US" sz="1400" dirty="0"/>
-              <a:t>function/operator that </a:t>
-            </a:r>
-            <a:br>
-              <a:rPr lang="en-US" sz="1400" dirty="0"/>
-            </a:br>
-            <a:r>
-              <a:rPr lang="en-US" sz="1400" dirty="0"/>
-              <a:t>always returns true or</a:t>
-            </a:r>
-            <a:br>
-              <a:rPr lang="en-US" sz="1400" dirty="0"/>
-            </a:br>
-            <a:r>
-              <a:rPr lang="en-US" sz="1400" dirty="0"/>
-              <a:t>false.  No other return</a:t>
-            </a:r>
-            <a:br>
-              <a:rPr lang="en-US" sz="1400" dirty="0"/>
-            </a:br>
-            <a:r>
-              <a:rPr lang="en-US" sz="1400" dirty="0"/>
-              <a:t>value is permitted.</a:t>
-            </a:r>
-          </a:p>
-        </p:txBody>
-      </p:sp>
     </p:spTree>
     <p:extLst>
       <p:ext uri="{BB962C8B-B14F-4D97-AF65-F5344CB8AC3E}">
-        <p14:creationId xmlns:p14="http://schemas.microsoft.com/office/powerpoint/2010/main" val="3295829166"/>
+        <p14:creationId xmlns:p14="http://schemas.microsoft.com/office/powerpoint/2010/main" val="2882422723"/>
       </p:ext>
     </p:extLst>
   </p:cSld>
@@ -8836,7 +8765,7 @@
           <a:p>
             <a:r>
               <a:rPr lang="en-US" dirty="0"/>
-              <a:t>Type Patterns</a:t>
+              <a:t>The is Predicate</a:t>
             </a:r>
           </a:p>
         </p:txBody>
@@ -8860,64 +8789,46 @@
         <p:spPr>
           <a:xfrm>
             <a:off x="1524000" y="1905000"/>
-            <a:ext cx="7010400" cy="1905000"/>
-          </a:xfrm>
-        </p:spPr>
-        <p:txBody>
-          <a:bodyPr>
-            <a:normAutofit fontScale="62500" lnSpcReduction="20000"/>
-          </a:bodyPr>
+            <a:ext cx="7010400" cy="3505200"/>
+          </a:xfrm>
+        </p:spPr>
+        <p:txBody>
+          <a:bodyPr/>
           <a:lstStyle/>
           <a:p>
             <a:r>
               <a:rPr lang="en-US" dirty="0"/>
-              <a:t>Type patterns are patterns of the form</a:t>
+              <a:t>The is predicate is of the form</a:t>
             </a:r>
             <a:br>
               <a:rPr lang="en-US" dirty="0"/>
             </a:br>
             <a:r>
               <a:rPr lang="en-US" dirty="0"/>
-              <a:t>   %&lt;type name&gt;</a:t>
+              <a:t>    &lt;value&gt; is &lt;pattern&gt;</a:t>
             </a:r>
             <a:br>
               <a:rPr lang="en-US" dirty="0"/>
             </a:br>
             <a:r>
               <a:rPr lang="en-US" dirty="0"/>
-              <a:t>and match all instances of the &lt;type name&gt;</a:t>
-            </a:r>
-          </a:p>
-          <a:p>
-            <a:r>
-              <a:rPr lang="en-US" dirty="0"/>
-              <a:t>All built-in types have associated type patterns such as %integer, %real, %string etc.</a:t>
-            </a:r>
-          </a:p>
-          <a:p>
-            <a:r>
-              <a:rPr lang="en-US" dirty="0"/>
-              <a:t>User defined types are also supported,</a:t>
-            </a:r>
-            <a:br>
-              <a:rPr lang="en-US" dirty="0"/>
-            </a:br>
-            <a:r>
-              <a:rPr lang="en-US" dirty="0"/>
-              <a:t>   %&lt;user defined type name&gt;</a:t>
-            </a:r>
-          </a:p>
-          <a:p>
-            <a:endParaRPr lang="en-US" dirty="0"/>
+              <a:t>and returns true if the value matches the pattern otherwise it will return false</a:t>
+            </a:r>
+          </a:p>
+          <a:p>
+            <a:r>
+              <a:rPr lang="en-US" dirty="0"/>
+              <a:t>The is predicate allows us to do pattern matching is expressions</a:t>
+            </a:r>
           </a:p>
         </p:txBody>
       </p:sp>
       <p:pic>
         <p:nvPicPr>
-          <p:cNvPr id="3" name="Picture 2">
-            <a:extLst>
-              <a:ext uri="{FF2B5EF4-FFF2-40B4-BE49-F238E27FC236}">
-                <a16:creationId xmlns:a16="http://schemas.microsoft.com/office/drawing/2014/main" id="{387219F6-3021-1E4C-90DF-B8A249F3165E}"/>
+          <p:cNvPr id="7" name="Picture 6">
+            <a:extLst>
+              <a:ext uri="{FF2B5EF4-FFF2-40B4-BE49-F238E27FC236}">
+                <a16:creationId xmlns:a16="http://schemas.microsoft.com/office/drawing/2014/main" id="{81AAE521-5C3F-1441-A77E-88572B79191F}"/>
               </a:ext>
             </a:extLst>
           </p:cNvPr>
@@ -8934,8 +8845,8 @@
         </p:blipFill>
         <p:spPr>
           <a:xfrm>
-            <a:off x="381000" y="3733800"/>
-            <a:ext cx="7239000" cy="823126"/>
+            <a:off x="2819400" y="5422900"/>
+            <a:ext cx="2628900" cy="1244600"/>
           </a:xfrm>
           <a:prstGeom prst="rect">
             <a:avLst/>
@@ -8947,45 +8858,80 @@
           </a:ln>
         </p:spPr>
       </p:pic>
-      <p:pic>
-        <p:nvPicPr>
-          <p:cNvPr id="4" name="Picture 3">
-            <a:extLst>
-              <a:ext uri="{FF2B5EF4-FFF2-40B4-BE49-F238E27FC236}">
-                <a16:creationId xmlns:a16="http://schemas.microsoft.com/office/drawing/2014/main" id="{15BF67B0-6D28-AF48-BA26-3593D3997507}"/>
-              </a:ext>
-            </a:extLst>
-          </p:cNvPr>
-          <p:cNvPicPr>
-            <a:picLocks noChangeAspect="1"/>
-          </p:cNvPicPr>
+      <p:sp>
+        <p:nvSpPr>
+          <p:cNvPr id="8" name="TextBox 7">
+            <a:extLst>
+              <a:ext uri="{FF2B5EF4-FFF2-40B4-BE49-F238E27FC236}">
+                <a16:creationId xmlns:a16="http://schemas.microsoft.com/office/drawing/2014/main" id="{5DE8BE3D-2D0B-4345-A8F1-8EC44E83068A}"/>
+              </a:ext>
+            </a:extLst>
+          </p:cNvPr>
+          <p:cNvSpPr txBox="1"/>
           <p:nvPr/>
-        </p:nvPicPr>
-        <p:blipFill>
-          <a:blip r:embed="rId3"/>
-          <a:stretch>
-            <a:fillRect/>
-          </a:stretch>
-        </p:blipFill>
+        </p:nvSpPr>
         <p:spPr>
           <a:xfrm>
-            <a:off x="1089758" y="4712945"/>
-            <a:ext cx="7473950" cy="1954555"/>
+            <a:off x="6858000" y="762000"/>
+            <a:ext cx="1923925" cy="1169551"/>
           </a:xfrm>
           <a:prstGeom prst="rect">
             <a:avLst/>
           </a:prstGeom>
+          <a:solidFill>
+            <a:schemeClr val="bg1"/>
+          </a:solidFill>
           <a:ln>
             <a:solidFill>
               <a:schemeClr val="tx2"/>
             </a:solidFill>
           </a:ln>
         </p:spPr>
-      </p:pic>
+        <p:txBody>
+          <a:bodyPr wrap="none" rtlCol="0">
+            <a:spAutoFit/>
+          </a:bodyPr>
+          <a:lstStyle/>
+          <a:p>
+            <a:r>
+              <a:rPr lang="en-US" sz="1400" dirty="0"/>
+              <a:t>Note: a predicate is a</a:t>
+            </a:r>
+            <a:br>
+              <a:rPr lang="en-US" sz="1400" dirty="0"/>
+            </a:br>
+            <a:r>
+              <a:rPr lang="en-US" sz="1400" dirty="0"/>
+              <a:t>function/operator that </a:t>
+            </a:r>
+            <a:br>
+              <a:rPr lang="en-US" sz="1400" dirty="0"/>
+            </a:br>
+            <a:r>
+              <a:rPr lang="en-US" sz="1400" dirty="0"/>
+              <a:t>always returns true or</a:t>
+            </a:r>
+            <a:br>
+              <a:rPr lang="en-US" sz="1400" dirty="0"/>
+            </a:br>
+            <a:r>
+              <a:rPr lang="en-US" sz="1400" dirty="0"/>
+              <a:t>false.  No other return</a:t>
+            </a:r>
+            <a:br>
+              <a:rPr lang="en-US" sz="1400" dirty="0"/>
+            </a:br>
+            <a:r>
+              <a:rPr lang="en-US" sz="1400" dirty="0"/>
+              <a:t>value is permitted.</a:t>
+            </a:r>
+          </a:p>
+        </p:txBody>
+      </p:sp>
     </p:spTree>
     <p:extLst>
       <p:ext uri="{BB962C8B-B14F-4D97-AF65-F5344CB8AC3E}">
-        <p14:creationId xmlns:p14="http://schemas.microsoft.com/office/powerpoint/2010/main" val="3506047900"/>
+        <p14:creationId xmlns:p14="http://schemas.microsoft.com/office/powerpoint/2010/main" val="3295829166"/>
       </p:ext>
     </p:extLst>
   </p:cSld>
@@ -9017,7 +8963,7 @@
           <p:cNvPr id="2" name="Title 1">
             <a:extLst>
               <a:ext uri="{FF2B5EF4-FFF2-40B4-BE49-F238E27FC236}">
-                <a16:creationId xmlns:a16="http://schemas.microsoft.com/office/drawing/2014/main" id="{38B8FBF2-2788-6944-85A4-736AB1C73BC5}"/>
+                <a16:creationId xmlns:a16="http://schemas.microsoft.com/office/drawing/2014/main" id="{BD45E58E-66D4-284F-AEBB-EB5A327EB614}"/>
               </a:ext>
             </a:extLst>
           </p:cNvPr>
@@ -9035,17 +8981,17 @@
           <a:p>
             <a:r>
               <a:rPr lang="en-US" dirty="0"/>
-              <a:t>Advanced Pattern Match Expressions</a:t>
-            </a:r>
-          </a:p>
-        </p:txBody>
-      </p:sp>
-      <p:sp>
-        <p:nvSpPr>
-          <p:cNvPr id="3" name="Content Placeholder 2">
-            <a:extLst>
-              <a:ext uri="{FF2B5EF4-FFF2-40B4-BE49-F238E27FC236}">
-                <a16:creationId xmlns:a16="http://schemas.microsoft.com/office/drawing/2014/main" id="{99DE4156-25CE-5A46-B4D9-12D9CC6D2A5C}"/>
+              <a:t>Type Patterns</a:t>
+            </a:r>
+          </a:p>
+        </p:txBody>
+      </p:sp>
+      <p:sp>
+        <p:nvSpPr>
+          <p:cNvPr id="5" name="Content Placeholder 4">
+            <a:extLst>
+              <a:ext uri="{FF2B5EF4-FFF2-40B4-BE49-F238E27FC236}">
+                <a16:creationId xmlns:a16="http://schemas.microsoft.com/office/drawing/2014/main" id="{43BE0058-031C-9449-9E21-7B71C109C7A4}"/>
               </a:ext>
             </a:extLst>
           </p:cNvPr>
@@ -9059,34 +9005,64 @@
         <p:spPr>
           <a:xfrm>
             <a:off x="1524000" y="1905000"/>
-            <a:ext cx="7010400" cy="2514600"/>
+            <a:ext cx="7010400" cy="1905000"/>
           </a:xfrm>
         </p:spPr>
         <p:txBody>
           <a:bodyPr>
-            <a:normAutofit fontScale="92500" lnSpcReduction="10000"/>
+            <a:normAutofit fontScale="62500" lnSpcReduction="20000"/>
           </a:bodyPr>
           <a:lstStyle/>
           <a:p>
             <a:r>
               <a:rPr lang="en-US" dirty="0"/>
-              <a:t>We can combine conditional pattern matching with type patterns and the is predicate to express sophisticated patterns</a:t>
-            </a:r>
-          </a:p>
-          <a:p>
-            <a:r>
-              <a:rPr lang="en-US" dirty="0"/>
-              <a:t>E.g., only assign a value to x if it is an integer value</a:t>
-            </a:r>
+              <a:t>Type patterns are patterns of the form</a:t>
+            </a:r>
+            <a:br>
+              <a:rPr lang="en-US" dirty="0"/>
+            </a:br>
+            <a:r>
+              <a:rPr lang="en-US" dirty="0"/>
+              <a:t>   %&lt;type name&gt;</a:t>
+            </a:r>
+            <a:br>
+              <a:rPr lang="en-US" dirty="0"/>
+            </a:br>
+            <a:r>
+              <a:rPr lang="en-US" dirty="0"/>
+              <a:t>and match all instances of the &lt;type name&gt;</a:t>
+            </a:r>
+          </a:p>
+          <a:p>
+            <a:r>
+              <a:rPr lang="en-US" dirty="0"/>
+              <a:t>All built-in types have associated type patterns such as %integer, %real, %string etc.</a:t>
+            </a:r>
+          </a:p>
+          <a:p>
+            <a:r>
+              <a:rPr lang="en-US" dirty="0"/>
+              <a:t>User defined types are also supported,</a:t>
+            </a:r>
+            <a:br>
+              <a:rPr lang="en-US" dirty="0"/>
+            </a:br>
+            <a:r>
+              <a:rPr lang="en-US" dirty="0"/>
+              <a:t>   %&lt;user defined type name&gt;</a:t>
+            </a:r>
+          </a:p>
+          <a:p>
+            <a:endParaRPr lang="en-US" dirty="0"/>
           </a:p>
         </p:txBody>
       </p:sp>
       <p:pic>
         <p:nvPicPr>
-          <p:cNvPr id="4" name="Picture 3">
-            <a:extLst>
-              <a:ext uri="{FF2B5EF4-FFF2-40B4-BE49-F238E27FC236}">
-                <a16:creationId xmlns:a16="http://schemas.microsoft.com/office/drawing/2014/main" id="{042AB9A8-F2E7-8C43-A782-35FC00F7CF82}"/>
+          <p:cNvPr id="3" name="Picture 2">
+            <a:extLst>
+              <a:ext uri="{FF2B5EF4-FFF2-40B4-BE49-F238E27FC236}">
+                <a16:creationId xmlns:a16="http://schemas.microsoft.com/office/drawing/2014/main" id="{387219F6-3021-1E4C-90DF-B8A249F3165E}"/>
               </a:ext>
             </a:extLst>
           </p:cNvPr>
@@ -9103,8 +9079,8 @@
         </p:blipFill>
         <p:spPr>
           <a:xfrm>
-            <a:off x="1327150" y="4606925"/>
-            <a:ext cx="6489700" cy="1422400"/>
+            <a:off x="381000" y="3733800"/>
+            <a:ext cx="7239000" cy="823126"/>
           </a:xfrm>
           <a:prstGeom prst="rect">
             <a:avLst/>
@@ -9116,10 +9092,45 @@
           </a:ln>
         </p:spPr>
       </p:pic>
+      <p:pic>
+        <p:nvPicPr>
+          <p:cNvPr id="4" name="Picture 3">
+            <a:extLst>
+              <a:ext uri="{FF2B5EF4-FFF2-40B4-BE49-F238E27FC236}">
+                <a16:creationId xmlns:a16="http://schemas.microsoft.com/office/drawing/2014/main" id="{15BF67B0-6D28-AF48-BA26-3593D3997507}"/>
+              </a:ext>
+            </a:extLst>
+          </p:cNvPr>
+          <p:cNvPicPr>
+            <a:picLocks noChangeAspect="1"/>
+          </p:cNvPicPr>
+          <p:nvPr/>
+        </p:nvPicPr>
+        <p:blipFill>
+          <a:blip r:embed="rId3"/>
+          <a:stretch>
+            <a:fillRect/>
+          </a:stretch>
+        </p:blipFill>
+        <p:spPr>
+          <a:xfrm>
+            <a:off x="1089758" y="4712945"/>
+            <a:ext cx="7473950" cy="1954555"/>
+          </a:xfrm>
+          <a:prstGeom prst="rect">
+            <a:avLst/>
+          </a:prstGeom>
+          <a:ln>
+            <a:solidFill>
+              <a:schemeClr val="tx2"/>
+            </a:solidFill>
+          </a:ln>
+        </p:spPr>
+      </p:pic>
     </p:spTree>
     <p:extLst>
       <p:ext uri="{BB962C8B-B14F-4D97-AF65-F5344CB8AC3E}">
-        <p14:creationId xmlns:p14="http://schemas.microsoft.com/office/powerpoint/2010/main" val="527991359"/>
+        <p14:creationId xmlns:p14="http://schemas.microsoft.com/office/powerpoint/2010/main" val="3506047900"/>
       </p:ext>
     </p:extLst>
   </p:cSld>
@@ -9193,28 +9204,34 @@
         <p:spPr>
           <a:xfrm>
             <a:off x="1524000" y="1905000"/>
-            <a:ext cx="7010400" cy="762000"/>
+            <a:ext cx="7010400" cy="2514600"/>
           </a:xfrm>
         </p:spPr>
         <p:txBody>
           <a:bodyPr>
-            <a:normAutofit/>
+            <a:normAutofit fontScale="92500" lnSpcReduction="10000"/>
           </a:bodyPr>
           <a:lstStyle/>
           <a:p>
             <a:r>
               <a:rPr lang="en-US" dirty="0"/>
-              <a:t>Here are some additional examples,</a:t>
+              <a:t>We can combine conditional pattern matching with type patterns and the is predicate to express sophisticated patterns</a:t>
+            </a:r>
+          </a:p>
+          <a:p>
+            <a:r>
+              <a:rPr lang="en-US" dirty="0"/>
+              <a:t>E.g., only assign a value to x if it is an integer value</a:t>
             </a:r>
           </a:p>
         </p:txBody>
       </p:sp>
       <p:pic>
         <p:nvPicPr>
-          <p:cNvPr id="5" name="Picture 4">
-            <a:extLst>
-              <a:ext uri="{FF2B5EF4-FFF2-40B4-BE49-F238E27FC236}">
-                <a16:creationId xmlns:a16="http://schemas.microsoft.com/office/drawing/2014/main" id="{C1C88CFB-FC12-204B-9F54-811B0900984A}"/>
+          <p:cNvPr id="4" name="Picture 3">
+            <a:extLst>
+              <a:ext uri="{FF2B5EF4-FFF2-40B4-BE49-F238E27FC236}">
+                <a16:creationId xmlns:a16="http://schemas.microsoft.com/office/drawing/2014/main" id="{042AB9A8-F2E7-8C43-A782-35FC00F7CF82}"/>
               </a:ext>
             </a:extLst>
           </p:cNvPr>
@@ -9231,8 +9248,8 @@
         </p:blipFill>
         <p:spPr>
           <a:xfrm>
-            <a:off x="304800" y="2708031"/>
-            <a:ext cx="5067300" cy="673100"/>
+            <a:off x="1327150" y="4606925"/>
+            <a:ext cx="6489700" cy="1422400"/>
           </a:xfrm>
           <a:prstGeom prst="rect">
             <a:avLst/>
@@ -9244,80 +9261,10 @@
           </a:ln>
         </p:spPr>
       </p:pic>
-      <p:pic>
-        <p:nvPicPr>
-          <p:cNvPr id="6" name="Picture 5">
-            <a:extLst>
-              <a:ext uri="{FF2B5EF4-FFF2-40B4-BE49-F238E27FC236}">
-                <a16:creationId xmlns:a16="http://schemas.microsoft.com/office/drawing/2014/main" id="{1D3CFE35-B4E8-424F-B4A1-6EBB08FE3A8E}"/>
-              </a:ext>
-            </a:extLst>
-          </p:cNvPr>
-          <p:cNvPicPr>
-            <a:picLocks noChangeAspect="1"/>
-          </p:cNvPicPr>
-          <p:nvPr/>
-        </p:nvPicPr>
-        <p:blipFill>
-          <a:blip r:embed="rId3"/>
-          <a:stretch>
-            <a:fillRect/>
-          </a:stretch>
-        </p:blipFill>
-        <p:spPr>
-          <a:xfrm>
-            <a:off x="1771650" y="4038600"/>
-            <a:ext cx="6515100" cy="2006600"/>
-          </a:xfrm>
-          <a:prstGeom prst="rect">
-            <a:avLst/>
-          </a:prstGeom>
-          <a:ln>
-            <a:solidFill>
-              <a:schemeClr val="tx2"/>
-            </a:solidFill>
-          </a:ln>
-        </p:spPr>
-      </p:pic>
-      <p:sp>
-        <p:nvSpPr>
-          <p:cNvPr id="7" name="TextBox 6">
-            <a:extLst>
-              <a:ext uri="{FF2B5EF4-FFF2-40B4-BE49-F238E27FC236}">
-                <a16:creationId xmlns:a16="http://schemas.microsoft.com/office/drawing/2014/main" id="{4951B354-A5F6-A549-A108-76506E3E4DB7}"/>
-              </a:ext>
-            </a:extLst>
-          </p:cNvPr>
-          <p:cNvSpPr txBox="1"/>
-          <p:nvPr/>
-        </p:nvSpPr>
-        <p:spPr>
-          <a:xfrm>
-            <a:off x="1992923" y="6271846"/>
-            <a:ext cx="3370218" cy="338554"/>
-          </a:xfrm>
-          <a:prstGeom prst="rect">
-            <a:avLst/>
-          </a:prstGeom>
-          <a:noFill/>
-        </p:spPr>
-        <p:txBody>
-          <a:bodyPr wrap="none" rtlCol="0">
-            <a:spAutoFit/>
-          </a:bodyPr>
-          <a:lstStyle/>
-          <a:p>
-            <a:r>
-              <a:rPr lang="en-US" sz="1600" dirty="0"/>
-              <a:t>Note: ‘mod’ is the modulus function</a:t>
-            </a:r>
-          </a:p>
-        </p:txBody>
-      </p:sp>
     </p:spTree>
     <p:extLst>
       <p:ext uri="{BB962C8B-B14F-4D97-AF65-F5344CB8AC3E}">
-        <p14:creationId xmlns:p14="http://schemas.microsoft.com/office/powerpoint/2010/main" val="3020148784"/>
+        <p14:creationId xmlns:p14="http://schemas.microsoft.com/office/powerpoint/2010/main" val="527991359"/>
       </p:ext>
     </p:extLst>
   </p:cSld>
@@ -9521,7 +9468,7 @@
           <p:cNvPr id="2" name="Title 1">
             <a:extLst>
               <a:ext uri="{FF2B5EF4-FFF2-40B4-BE49-F238E27FC236}">
-                <a16:creationId xmlns:a16="http://schemas.microsoft.com/office/drawing/2014/main" id="{69D8A802-1887-5C44-89B7-C430FD3E8CF1}"/>
+                <a16:creationId xmlns:a16="http://schemas.microsoft.com/office/drawing/2014/main" id="{38B8FBF2-2788-6944-85A4-736AB1C73BC5}"/>
               </a:ext>
             </a:extLst>
           </p:cNvPr>
@@ -9539,7 +9486,7 @@
           <a:p>
             <a:r>
               <a:rPr lang="en-US" dirty="0"/>
-              <a:t>Named Patterns</a:t>
+              <a:t>Advanced Pattern Match Expressions</a:t>
             </a:r>
           </a:p>
         </p:txBody>
@@ -9549,7 +9496,7 @@
           <p:cNvPr id="3" name="Content Placeholder 2">
             <a:extLst>
               <a:ext uri="{FF2B5EF4-FFF2-40B4-BE49-F238E27FC236}">
-                <a16:creationId xmlns:a16="http://schemas.microsoft.com/office/drawing/2014/main" id="{E7A95868-7F6A-C846-8D8F-777179574524}"/>
+                <a16:creationId xmlns:a16="http://schemas.microsoft.com/office/drawing/2014/main" id="{99DE4156-25CE-5A46-B4D9-12D9CC6D2A5C}"/>
               </a:ext>
             </a:extLst>
           </p:cNvPr>
@@ -9563,68 +9510,28 @@
         <p:spPr>
           <a:xfrm>
             <a:off x="1524000" y="1905000"/>
-            <a:ext cx="7010400" cy="3048000"/>
+            <a:ext cx="7010400" cy="762000"/>
           </a:xfrm>
         </p:spPr>
         <p:txBody>
           <a:bodyPr>
-            <a:normAutofit fontScale="92500" lnSpcReduction="20000"/>
+            <a:normAutofit/>
           </a:bodyPr>
           <a:lstStyle/>
           <a:p>
             <a:r>
               <a:rPr lang="en-US" dirty="0"/>
-              <a:t>The simple conditional pattern</a:t>
-            </a:r>
-            <a:br>
-              <a:rPr lang="en-US" dirty="0"/>
-            </a:br>
-            <a:r>
-              <a:rPr lang="en-US" dirty="0"/>
-              <a:t>   x if x is &lt;pattern&gt;</a:t>
-            </a:r>
-            <a:br>
-              <a:rPr lang="en-US" dirty="0"/>
-            </a:br>
-            <a:r>
-              <a:rPr lang="en-US" dirty="0"/>
-              <a:t>appears a lot in Asteroid programs</a:t>
-            </a:r>
-          </a:p>
-          <a:p>
-            <a:r>
-              <a:rPr lang="en-US" dirty="0"/>
-              <a:t>Named patterns of the form</a:t>
-            </a:r>
-            <a:br>
-              <a:rPr lang="en-US" dirty="0"/>
-            </a:br>
-            <a:r>
-              <a:rPr lang="en-US" dirty="0"/>
-              <a:t>   x:&lt;pattern&gt;</a:t>
-            </a:r>
-            <a:br>
-              <a:rPr lang="en-US" dirty="0"/>
-            </a:br>
-            <a:r>
-              <a:rPr lang="en-US" dirty="0"/>
-              <a:t>represent a shorthand for the simple conditional pattern above</a:t>
-            </a:r>
-          </a:p>
-          <a:p>
-            <a:r>
-              <a:rPr lang="en-US" dirty="0"/>
-              <a:t>E.g.</a:t>
+              <a:t>Here are some additional examples,</a:t>
             </a:r>
           </a:p>
         </p:txBody>
       </p:sp>
       <p:pic>
         <p:nvPicPr>
-          <p:cNvPr id="4" name="Picture 3">
-            <a:extLst>
-              <a:ext uri="{FF2B5EF4-FFF2-40B4-BE49-F238E27FC236}">
-                <a16:creationId xmlns:a16="http://schemas.microsoft.com/office/drawing/2014/main" id="{4F12295A-5DFF-004B-8714-A589155DA3AF}"/>
+          <p:cNvPr id="5" name="Picture 4">
+            <a:extLst>
+              <a:ext uri="{FF2B5EF4-FFF2-40B4-BE49-F238E27FC236}">
+                <a16:creationId xmlns:a16="http://schemas.microsoft.com/office/drawing/2014/main" id="{C1C88CFB-FC12-204B-9F54-811B0900984A}"/>
               </a:ext>
             </a:extLst>
           </p:cNvPr>
@@ -9641,8 +9548,8 @@
         </p:blipFill>
         <p:spPr>
           <a:xfrm>
-            <a:off x="2895600" y="4800600"/>
-            <a:ext cx="3644900" cy="1625600"/>
+            <a:off x="304800" y="2708031"/>
+            <a:ext cx="5067300" cy="673100"/>
           </a:xfrm>
           <a:prstGeom prst="rect">
             <a:avLst/>
@@ -9654,10 +9561,80 @@
           </a:ln>
         </p:spPr>
       </p:pic>
+      <p:pic>
+        <p:nvPicPr>
+          <p:cNvPr id="6" name="Picture 5">
+            <a:extLst>
+              <a:ext uri="{FF2B5EF4-FFF2-40B4-BE49-F238E27FC236}">
+                <a16:creationId xmlns:a16="http://schemas.microsoft.com/office/drawing/2014/main" id="{1D3CFE35-B4E8-424F-B4A1-6EBB08FE3A8E}"/>
+              </a:ext>
+            </a:extLst>
+          </p:cNvPr>
+          <p:cNvPicPr>
+            <a:picLocks noChangeAspect="1"/>
+          </p:cNvPicPr>
+          <p:nvPr/>
+        </p:nvPicPr>
+        <p:blipFill>
+          <a:blip r:embed="rId3"/>
+          <a:stretch>
+            <a:fillRect/>
+          </a:stretch>
+        </p:blipFill>
+        <p:spPr>
+          <a:xfrm>
+            <a:off x="1771650" y="4038600"/>
+            <a:ext cx="6515100" cy="2006600"/>
+          </a:xfrm>
+          <a:prstGeom prst="rect">
+            <a:avLst/>
+          </a:prstGeom>
+          <a:ln>
+            <a:solidFill>
+              <a:schemeClr val="tx2"/>
+            </a:solidFill>
+          </a:ln>
+        </p:spPr>
+      </p:pic>
+      <p:sp>
+        <p:nvSpPr>
+          <p:cNvPr id="7" name="TextBox 6">
+            <a:extLst>
+              <a:ext uri="{FF2B5EF4-FFF2-40B4-BE49-F238E27FC236}">
+                <a16:creationId xmlns:a16="http://schemas.microsoft.com/office/drawing/2014/main" id="{4951B354-A5F6-A549-A108-76506E3E4DB7}"/>
+              </a:ext>
+            </a:extLst>
+          </p:cNvPr>
+          <p:cNvSpPr txBox="1"/>
+          <p:nvPr/>
+        </p:nvSpPr>
+        <p:spPr>
+          <a:xfrm>
+            <a:off x="1992923" y="6271846"/>
+            <a:ext cx="3370218" cy="338554"/>
+          </a:xfrm>
+          <a:prstGeom prst="rect">
+            <a:avLst/>
+          </a:prstGeom>
+          <a:noFill/>
+        </p:spPr>
+        <p:txBody>
+          <a:bodyPr wrap="none" rtlCol="0">
+            <a:spAutoFit/>
+          </a:bodyPr>
+          <a:lstStyle/>
+          <a:p>
+            <a:r>
+              <a:rPr lang="en-US" sz="1600" dirty="0"/>
+              <a:t>Note: ‘mod’ is the modulus function</a:t>
+            </a:r>
+          </a:p>
+        </p:txBody>
+      </p:sp>
     </p:spTree>
     <p:extLst>
       <p:ext uri="{BB962C8B-B14F-4D97-AF65-F5344CB8AC3E}">
-        <p14:creationId xmlns:p14="http://schemas.microsoft.com/office/powerpoint/2010/main" val="2442529255"/>
+        <p14:creationId xmlns:p14="http://schemas.microsoft.com/office/powerpoint/2010/main" val="3020148784"/>
       </p:ext>
     </p:extLst>
   </p:cSld>
@@ -9731,28 +9708,68 @@
         <p:spPr>
           <a:xfrm>
             <a:off x="1524000" y="1905000"/>
-            <a:ext cx="7010400" cy="1524000"/>
+            <a:ext cx="7010400" cy="3048000"/>
           </a:xfrm>
         </p:spPr>
         <p:txBody>
           <a:bodyPr>
-            <a:normAutofit/>
+            <a:normAutofit fontScale="92500" lnSpcReduction="20000"/>
           </a:bodyPr>
           <a:lstStyle/>
           <a:p>
             <a:r>
               <a:rPr lang="en-US" dirty="0"/>
-              <a:t>This shorthand notation is especially useful when combined with type patterns,</a:t>
+              <a:t>The simple conditional pattern</a:t>
+            </a:r>
+            <a:br>
+              <a:rPr lang="en-US" dirty="0"/>
+            </a:br>
+            <a:r>
+              <a:rPr lang="en-US" dirty="0"/>
+              <a:t>   x if x is &lt;pattern&gt;</a:t>
+            </a:r>
+            <a:br>
+              <a:rPr lang="en-US" dirty="0"/>
+            </a:br>
+            <a:r>
+              <a:rPr lang="en-US" dirty="0"/>
+              <a:t>appears a lot in Asteroid programs</a:t>
+            </a:r>
+          </a:p>
+          <a:p>
+            <a:r>
+              <a:rPr lang="en-US" dirty="0"/>
+              <a:t>Named patterns of the form</a:t>
+            </a:r>
+            <a:br>
+              <a:rPr lang="en-US" dirty="0"/>
+            </a:br>
+            <a:r>
+              <a:rPr lang="en-US" dirty="0"/>
+              <a:t>   x:&lt;pattern&gt;</a:t>
+            </a:r>
+            <a:br>
+              <a:rPr lang="en-US" dirty="0"/>
+            </a:br>
+            <a:r>
+              <a:rPr lang="en-US" dirty="0"/>
+              <a:t>represent a shorthand for the simple conditional pattern above</a:t>
+            </a:r>
+          </a:p>
+          <a:p>
+            <a:r>
+              <a:rPr lang="en-US" dirty="0"/>
+              <a:t>E.g.</a:t>
             </a:r>
           </a:p>
         </p:txBody>
       </p:sp>
       <p:pic>
         <p:nvPicPr>
-          <p:cNvPr id="5" name="Picture 4">
-            <a:extLst>
-              <a:ext uri="{FF2B5EF4-FFF2-40B4-BE49-F238E27FC236}">
-                <a16:creationId xmlns:a16="http://schemas.microsoft.com/office/drawing/2014/main" id="{57FD4B1D-ADB2-6443-B87E-4D51B91BE598}"/>
+          <p:cNvPr id="4" name="Picture 3">
+            <a:extLst>
+              <a:ext uri="{FF2B5EF4-FFF2-40B4-BE49-F238E27FC236}">
+                <a16:creationId xmlns:a16="http://schemas.microsoft.com/office/drawing/2014/main" id="{4F12295A-5DFF-004B-8714-A589155DA3AF}"/>
               </a:ext>
             </a:extLst>
           </p:cNvPr>
@@ -9769,7 +9786,7 @@
         </p:blipFill>
         <p:spPr>
           <a:xfrm>
-            <a:off x="2362200" y="3962400"/>
+            <a:off x="2895600" y="4800600"/>
             <a:ext cx="3644900" cy="1625600"/>
           </a:xfrm>
           <a:prstGeom prst="rect">
@@ -9785,7 +9802,7 @@
     </p:spTree>
     <p:extLst>
       <p:ext uri="{BB962C8B-B14F-4D97-AF65-F5344CB8AC3E}">
-        <p14:creationId xmlns:p14="http://schemas.microsoft.com/office/powerpoint/2010/main" val="4050486953"/>
+        <p14:creationId xmlns:p14="http://schemas.microsoft.com/office/powerpoint/2010/main" val="2442529255"/>
       </p:ext>
     </p:extLst>
   </p:cSld>
@@ -9859,37 +9876,28 @@
         <p:spPr>
           <a:xfrm>
             <a:off x="1524000" y="1905000"/>
-            <a:ext cx="7010400" cy="2362200"/>
+            <a:ext cx="7010400" cy="1524000"/>
           </a:xfrm>
         </p:spPr>
         <p:txBody>
           <a:bodyPr>
-            <a:normAutofit fontScale="77500" lnSpcReduction="20000"/>
+            <a:normAutofit/>
           </a:bodyPr>
           <a:lstStyle/>
           <a:p>
             <a:r>
               <a:rPr lang="en-US" dirty="0"/>
-              <a:t>Beware: even though named patterns with type patterns look like a declarations they are not!</a:t>
-            </a:r>
-          </a:p>
-          <a:p>
-            <a:r>
-              <a:rPr lang="en-US" dirty="0"/>
-              <a:t>They are pattern match statements; consequently, implicit type conversions we are used to from other programming languages do not work!</a:t>
-            </a:r>
-          </a:p>
-          <a:p>
-            <a:endParaRPr lang="en-US" dirty="0"/>
+              <a:t>This shorthand notation is especially useful when combined with type patterns,</a:t>
+            </a:r>
           </a:p>
         </p:txBody>
       </p:sp>
       <p:pic>
         <p:nvPicPr>
-          <p:cNvPr id="4" name="Picture 3">
-            <a:extLst>
-              <a:ext uri="{FF2B5EF4-FFF2-40B4-BE49-F238E27FC236}">
-                <a16:creationId xmlns:a16="http://schemas.microsoft.com/office/drawing/2014/main" id="{64F162B0-3C1E-E841-94F2-CD56B6552035}"/>
+          <p:cNvPr id="5" name="Picture 4">
+            <a:extLst>
+              <a:ext uri="{FF2B5EF4-FFF2-40B4-BE49-F238E27FC236}">
+                <a16:creationId xmlns:a16="http://schemas.microsoft.com/office/drawing/2014/main" id="{57FD4B1D-ADB2-6443-B87E-4D51B91BE598}"/>
               </a:ext>
             </a:extLst>
           </p:cNvPr>
@@ -9906,8 +9914,8 @@
         </p:blipFill>
         <p:spPr>
           <a:xfrm>
-            <a:off x="685800" y="4267200"/>
-            <a:ext cx="8026400" cy="1460500"/>
+            <a:off x="2362200" y="3962400"/>
+            <a:ext cx="3644900" cy="1625600"/>
           </a:xfrm>
           <a:prstGeom prst="rect">
             <a:avLst/>
@@ -9922,7 +9930,7 @@
     </p:spTree>
     <p:extLst>
       <p:ext uri="{BB962C8B-B14F-4D97-AF65-F5344CB8AC3E}">
-        <p14:creationId xmlns:p14="http://schemas.microsoft.com/office/powerpoint/2010/main" val="1285522234"/>
+        <p14:creationId xmlns:p14="http://schemas.microsoft.com/office/powerpoint/2010/main" val="4050486953"/>
       </p:ext>
     </p:extLst>
   </p:cSld>
@@ -9954,7 +9962,7 @@
           <p:cNvPr id="2" name="Title 1">
             <a:extLst>
               <a:ext uri="{FF2B5EF4-FFF2-40B4-BE49-F238E27FC236}">
-                <a16:creationId xmlns:a16="http://schemas.microsoft.com/office/drawing/2014/main" id="{6195C51E-259E-9349-83AB-34F41AD10999}"/>
+                <a16:creationId xmlns:a16="http://schemas.microsoft.com/office/drawing/2014/main" id="{69D8A802-1887-5C44-89B7-C430FD3E8CF1}"/>
               </a:ext>
             </a:extLst>
           </p:cNvPr>
@@ -9972,7 +9980,7 @@
           <a:p>
             <a:r>
               <a:rPr lang="en-US" dirty="0"/>
-              <a:t>Head-Tail Pattern</a:t>
+              <a:t>Named Patterns</a:t>
             </a:r>
           </a:p>
         </p:txBody>
@@ -9982,7 +9990,7 @@
           <p:cNvPr id="3" name="Content Placeholder 2">
             <a:extLst>
               <a:ext uri="{FF2B5EF4-FFF2-40B4-BE49-F238E27FC236}">
-                <a16:creationId xmlns:a16="http://schemas.microsoft.com/office/drawing/2014/main" id="{3F46B74A-6B29-9041-95E9-7392BDABF9A2}"/>
+                <a16:creationId xmlns:a16="http://schemas.microsoft.com/office/drawing/2014/main" id="{E7A95868-7F6A-C846-8D8F-777179574524}"/>
               </a:ext>
             </a:extLst>
           </p:cNvPr>
@@ -9996,7 +10004,7 @@
         <p:spPr>
           <a:xfrm>
             <a:off x="1524000" y="1905000"/>
-            <a:ext cx="7010400" cy="2895600"/>
+            <a:ext cx="7010400" cy="2362200"/>
           </a:xfrm>
         </p:spPr>
         <p:txBody>
@@ -10007,35 +10015,13 @@
           <a:p>
             <a:r>
               <a:rPr lang="en-US" dirty="0"/>
-              <a:t>The head-tail pattern </a:t>
-            </a:r>
-            <a:br>
-              <a:rPr lang="en-US" dirty="0"/>
-            </a:br>
-            <a:r>
-              <a:rPr lang="en-US" dirty="0"/>
-              <a:t>    [ &lt;head var&gt; | &lt;tail var&gt; ]</a:t>
-            </a:r>
-            <a:br>
-              <a:rPr lang="en-US" dirty="0"/>
-            </a:br>
-            <a:r>
-              <a:rPr lang="en-US" dirty="0"/>
-              <a:t>is a useful pattern that allows us to </a:t>
-            </a:r>
-            <a:r>
-              <a:rPr lang="en-US" dirty="0" err="1"/>
-              <a:t>destructure</a:t>
-            </a:r>
-            <a:r>
-              <a:rPr lang="en-US" dirty="0"/>
-              <a:t> a list into into its first element and the rest of the list; the list with its first element removed.</a:t>
-            </a:r>
-          </a:p>
-          <a:p>
-            <a:r>
-              <a:rPr lang="en-US" dirty="0"/>
-              <a:t>As we will see later, this pattern will prove extremely useful when dealing with recursion or iteration over lists.</a:t>
+              <a:t>Beware: even though named patterns with type patterns look like a declarations they are not!</a:t>
+            </a:r>
+          </a:p>
+          <a:p>
+            <a:r>
+              <a:rPr lang="en-US" dirty="0"/>
+              <a:t>They are pattern match statements; consequently, implicit type conversions we are used to from other programming languages do not work!</a:t>
             </a:r>
           </a:p>
           <a:p>
@@ -10048,7 +10034,7 @@
           <p:cNvPr id="4" name="Picture 3">
             <a:extLst>
               <a:ext uri="{FF2B5EF4-FFF2-40B4-BE49-F238E27FC236}">
-                <a16:creationId xmlns:a16="http://schemas.microsoft.com/office/drawing/2014/main" id="{40EBF5AF-9F39-674B-B21C-1DE5732AD872}"/>
+                <a16:creationId xmlns:a16="http://schemas.microsoft.com/office/drawing/2014/main" id="{64F162B0-3C1E-E841-94F2-CD56B6552035}"/>
               </a:ext>
             </a:extLst>
           </p:cNvPr>
@@ -10065,15 +10051,15 @@
         </p:blipFill>
         <p:spPr>
           <a:xfrm>
-            <a:off x="2743200" y="4800600"/>
-            <a:ext cx="3251200" cy="1574800"/>
+            <a:off x="685800" y="4267200"/>
+            <a:ext cx="8026400" cy="1460500"/>
           </a:xfrm>
           <a:prstGeom prst="rect">
             <a:avLst/>
           </a:prstGeom>
           <a:ln>
             <a:solidFill>
-              <a:schemeClr val="tx1"/>
+              <a:schemeClr val="tx2"/>
             </a:solidFill>
           </a:ln>
         </p:spPr>
@@ -10081,7 +10067,7 @@
     </p:spTree>
     <p:extLst>
       <p:ext uri="{BB962C8B-B14F-4D97-AF65-F5344CB8AC3E}">
-        <p14:creationId xmlns:p14="http://schemas.microsoft.com/office/powerpoint/2010/main" val="368365555"/>
+        <p14:creationId xmlns:p14="http://schemas.microsoft.com/office/powerpoint/2010/main" val="1285522234"/>
       </p:ext>
     </p:extLst>
   </p:cSld>
@@ -10113,7 +10099,7 @@
           <p:cNvPr id="2" name="Title 1">
             <a:extLst>
               <a:ext uri="{FF2B5EF4-FFF2-40B4-BE49-F238E27FC236}">
-                <a16:creationId xmlns:a16="http://schemas.microsoft.com/office/drawing/2014/main" id="{980BBCB4-34B6-6F4D-9DAA-48FC9F7BB83F}"/>
+                <a16:creationId xmlns:a16="http://schemas.microsoft.com/office/drawing/2014/main" id="{6195C51E-259E-9349-83AB-34F41AD10999}"/>
               </a:ext>
             </a:extLst>
           </p:cNvPr>
@@ -10131,7 +10117,7 @@
           <a:p>
             <a:r>
               <a:rPr lang="en-US" dirty="0"/>
-              <a:t>Pattern Matching with Regular Expressions</a:t>
+              <a:t>Head-Tail Pattern</a:t>
             </a:r>
           </a:p>
         </p:txBody>
@@ -10141,7 +10127,7 @@
           <p:cNvPr id="3" name="Content Placeholder 2">
             <a:extLst>
               <a:ext uri="{FF2B5EF4-FFF2-40B4-BE49-F238E27FC236}">
-                <a16:creationId xmlns:a16="http://schemas.microsoft.com/office/drawing/2014/main" id="{946A49A8-7143-3D47-B39F-FC08E41F5600}"/>
+                <a16:creationId xmlns:a16="http://schemas.microsoft.com/office/drawing/2014/main" id="{3F46B74A-6B29-9041-95E9-7392BDABF9A2}"/>
               </a:ext>
             </a:extLst>
           </p:cNvPr>
@@ -10152,7 +10138,12 @@
             <p:ph idx="1"/>
           </p:nvPr>
         </p:nvSpPr>
-        <p:spPr/>
+        <p:spPr>
+          <a:xfrm>
+            <a:off x="1524000" y="1905000"/>
+            <a:ext cx="7010400" cy="2895600"/>
+          </a:xfrm>
+        </p:spPr>
         <p:txBody>
           <a:bodyPr>
             <a:normAutofit fontScale="77500" lnSpcReduction="20000"/>
@@ -10161,76 +10152,81 @@
           <a:p>
             <a:r>
               <a:rPr lang="en-US" dirty="0"/>
-              <a:t>Regular expressions are patterns that can be applied to strings</a:t>
-            </a:r>
-          </a:p>
-          <a:p>
-            <a:r>
-              <a:rPr lang="en-US" dirty="0"/>
-              <a:t>e.g., the regex</a:t>
+              <a:t>The head-tail pattern </a:t>
             </a:r>
             <a:br>
               <a:rPr lang="en-US" dirty="0"/>
             </a:br>
             <a:r>
               <a:rPr lang="en-US" dirty="0"/>
-              <a:t>      “a(b)*”</a:t>
+              <a:t>    [ &lt;head var&gt; | &lt;tail var&gt; ]</a:t>
             </a:r>
             <a:br>
               <a:rPr lang="en-US" dirty="0"/>
             </a:br>
             <a:r>
               <a:rPr lang="en-US" dirty="0"/>
-              <a:t>matches any string that starts with an a followed by zero or more b’s.</a:t>
-            </a:r>
-          </a:p>
-          <a:p>
-            <a:r>
-              <a:rPr lang="en-US" dirty="0"/>
-              <a:t>In Asteroid regular expressions are considered patterns and therefore we can write expressions like</a:t>
-            </a:r>
-            <a:br>
-              <a:rPr lang="en-US" dirty="0"/>
-            </a:br>
-            <a:r>
-              <a:rPr lang="en-US" dirty="0"/>
-              <a:t>    “</a:t>
+              <a:t>is a useful pattern that allows us to </a:t>
             </a:r>
             <a:r>
               <a:rPr lang="en-US" dirty="0" err="1"/>
-              <a:t>abbbb</a:t>
-            </a:r>
-            <a:r>
-              <a:rPr lang="en-US" dirty="0"/>
-              <a:t>” is “a(b)*”</a:t>
-            </a:r>
-          </a:p>
-          <a:p>
-            <a:r>
-              <a:rPr lang="en-US" dirty="0"/>
-              <a:t>Asteroid’s regex syntax follows Python’s regex syntax</a:t>
-            </a:r>
-          </a:p>
-          <a:p>
-            <a:pPr lvl="1"/>
-            <a:r>
-              <a:rPr lang="en-US" dirty="0">
-                <a:hlinkClick r:id="rId2"/>
-              </a:rPr>
-              <a:t>https://docs.python.org/3/library/re.html</a:t>
-            </a:r>
+              <a:t>destructure</a:t>
+            </a:r>
+            <a:r>
+              <a:rPr lang="en-US" dirty="0"/>
+              <a:t> a list into into its first element and the rest of the list; the list with its first element removed.</a:t>
+            </a:r>
+          </a:p>
+          <a:p>
+            <a:r>
+              <a:rPr lang="en-US" dirty="0"/>
+              <a:t>As we will see later, this pattern will prove extremely useful when dealing with recursion or iteration over lists.</a:t>
+            </a:r>
+          </a:p>
+          <a:p>
             <a:endParaRPr lang="en-US" dirty="0"/>
           </a:p>
-          <a:p>
-            <a:pPr lvl="1"/>
-            <a:endParaRPr lang="en-US" dirty="0"/>
-          </a:p>
-        </p:txBody>
-      </p:sp>
+        </p:txBody>
+      </p:sp>
+      <p:pic>
+        <p:nvPicPr>
+          <p:cNvPr id="4" name="Picture 3">
+            <a:extLst>
+              <a:ext uri="{FF2B5EF4-FFF2-40B4-BE49-F238E27FC236}">
+                <a16:creationId xmlns:a16="http://schemas.microsoft.com/office/drawing/2014/main" id="{40EBF5AF-9F39-674B-B21C-1DE5732AD872}"/>
+              </a:ext>
+            </a:extLst>
+          </p:cNvPr>
+          <p:cNvPicPr>
+            <a:picLocks noChangeAspect="1"/>
+          </p:cNvPicPr>
+          <p:nvPr/>
+        </p:nvPicPr>
+        <p:blipFill>
+          <a:blip r:embed="rId2"/>
+          <a:stretch>
+            <a:fillRect/>
+          </a:stretch>
+        </p:blipFill>
+        <p:spPr>
+          <a:xfrm>
+            <a:off x="2743200" y="4800600"/>
+            <a:ext cx="3251200" cy="1574800"/>
+          </a:xfrm>
+          <a:prstGeom prst="rect">
+            <a:avLst/>
+          </a:prstGeom>
+          <a:ln>
+            <a:solidFill>
+              <a:schemeClr val="tx1"/>
+            </a:solidFill>
+          </a:ln>
+        </p:spPr>
+      </p:pic>
     </p:spTree>
     <p:extLst>
       <p:ext uri="{BB962C8B-B14F-4D97-AF65-F5344CB8AC3E}">
-        <p14:creationId xmlns:p14="http://schemas.microsoft.com/office/powerpoint/2010/main" val="2077058603"/>
+        <p14:creationId xmlns:p14="http://schemas.microsoft.com/office/powerpoint/2010/main" val="368365555"/>
       </p:ext>
     </p:extLst>
   </p:cSld>
@@ -10304,59 +10300,74 @@
         <p:spPr/>
         <p:txBody>
           <a:bodyPr>
-            <a:normAutofit fontScale="92500" lnSpcReduction="10000"/>
+            <a:normAutofit fontScale="77500" lnSpcReduction="20000"/>
           </a:bodyPr>
           <a:lstStyle/>
           <a:p>
             <a:r>
               <a:rPr lang="en-US" dirty="0"/>
-              <a:t>Regular expressions is a formal language that defines lexical patterns of character strings</a:t>
-            </a:r>
-          </a:p>
-          <a:p>
-            <a:r>
-              <a:rPr lang="en-US" dirty="0"/>
-              <a:t>As shown before, the regular expression</a:t>
+              <a:t>Regular expressions are patterns that can be applied to strings</a:t>
+            </a:r>
+          </a:p>
+          <a:p>
+            <a:r>
+              <a:rPr lang="en-US" dirty="0"/>
+              <a:t>e.g., the regex</a:t>
             </a:r>
             <a:br>
               <a:rPr lang="en-US" dirty="0"/>
             </a:br>
             <a:r>
               <a:rPr lang="en-US" dirty="0"/>
-              <a:t>   “a(b)*”</a:t>
+              <a:t>      “a(b)*”</a:t>
             </a:r>
             <a:br>
               <a:rPr lang="en-US" dirty="0"/>
             </a:br>
             <a:r>
               <a:rPr lang="en-US" dirty="0"/>
-              <a:t>describes a pattern that matches any string that starts with an ‘a’ character followed by zero or more ‘b’ characters.</a:t>
-            </a:r>
-          </a:p>
-          <a:p>
-            <a:r>
-              <a:rPr lang="en-US" dirty="0"/>
-              <a:t>Possible matches are</a:t>
+              <a:t>matches any string that starts with an a followed by zero or more b’s.</a:t>
+            </a:r>
+          </a:p>
+          <a:p>
+            <a:r>
+              <a:rPr lang="en-US" dirty="0"/>
+              <a:t>In Asteroid regular expressions are considered patterns and therefore we can write expressions like</a:t>
             </a:r>
             <a:br>
               <a:rPr lang="en-US" dirty="0"/>
             </a:br>
             <a:r>
               <a:rPr lang="en-US" dirty="0"/>
-              <a:t>   “a”, “ab”, “abb”, “</a:t>
+              <a:t>    “</a:t>
             </a:r>
             <a:r>
               <a:rPr lang="en-US" dirty="0" err="1"/>
-              <a:t>abbb</a:t>
-            </a:r>
-            <a:r>
-              <a:rPr lang="en-US" dirty="0"/>
-              <a:t>”, </a:t>
-            </a:r>
-            <a:r>
-              <a:rPr lang="en-US" dirty="0" err="1"/>
-              <a:t>etc</a:t>
-            </a:r>
+              <a:t>abbbb</a:t>
+            </a:r>
+            <a:r>
+              <a:rPr lang="en-US" dirty="0"/>
+              <a:t>” is “a(b)*”</a:t>
+            </a:r>
+          </a:p>
+          <a:p>
+            <a:r>
+              <a:rPr lang="en-US" dirty="0"/>
+              <a:t>Asteroid’s regex syntax follows Python’s regex syntax</a:t>
+            </a:r>
+          </a:p>
+          <a:p>
+            <a:pPr lvl="1"/>
+            <a:r>
+              <a:rPr lang="en-US" dirty="0">
+                <a:hlinkClick r:id="rId2"/>
+              </a:rPr>
+              <a:t>https://docs.python.org/3/library/re.html</a:t>
+            </a:r>
+            <a:endParaRPr lang="en-US" dirty="0"/>
+          </a:p>
+          <a:p>
+            <a:pPr lvl="1"/>
             <a:endParaRPr lang="en-US" dirty="0"/>
           </a:p>
         </p:txBody>
@@ -10364,7 +10375,7 @@
     </p:spTree>
     <p:extLst>
       <p:ext uri="{BB962C8B-B14F-4D97-AF65-F5344CB8AC3E}">
-        <p14:creationId xmlns:p14="http://schemas.microsoft.com/office/powerpoint/2010/main" val="1988537012"/>
+        <p14:creationId xmlns:p14="http://schemas.microsoft.com/office/powerpoint/2010/main" val="2077058603"/>
       </p:ext>
     </p:extLst>
   </p:cSld>
@@ -10396,6 +10407,140 @@
           <p:cNvPr id="2" name="Title 1">
             <a:extLst>
               <a:ext uri="{FF2B5EF4-FFF2-40B4-BE49-F238E27FC236}">
+                <a16:creationId xmlns:a16="http://schemas.microsoft.com/office/drawing/2014/main" id="{980BBCB4-34B6-6F4D-9DAA-48FC9F7BB83F}"/>
+              </a:ext>
+            </a:extLst>
+          </p:cNvPr>
+          <p:cNvSpPr>
+            <a:spLocks noGrp="1"/>
+          </p:cNvSpPr>
+          <p:nvPr>
+            <p:ph type="title"/>
+          </p:nvPr>
+        </p:nvSpPr>
+        <p:spPr/>
+        <p:txBody>
+          <a:bodyPr/>
+          <a:lstStyle/>
+          <a:p>
+            <a:r>
+              <a:rPr lang="en-US" dirty="0"/>
+              <a:t>Pattern Matching with Regular Expressions</a:t>
+            </a:r>
+          </a:p>
+        </p:txBody>
+      </p:sp>
+      <p:sp>
+        <p:nvSpPr>
+          <p:cNvPr id="3" name="Content Placeholder 2">
+            <a:extLst>
+              <a:ext uri="{FF2B5EF4-FFF2-40B4-BE49-F238E27FC236}">
+                <a16:creationId xmlns:a16="http://schemas.microsoft.com/office/drawing/2014/main" id="{946A49A8-7143-3D47-B39F-FC08E41F5600}"/>
+              </a:ext>
+            </a:extLst>
+          </p:cNvPr>
+          <p:cNvSpPr>
+            <a:spLocks noGrp="1"/>
+          </p:cNvSpPr>
+          <p:nvPr>
+            <p:ph idx="1"/>
+          </p:nvPr>
+        </p:nvSpPr>
+        <p:spPr/>
+        <p:txBody>
+          <a:bodyPr>
+            <a:normAutofit fontScale="92500" lnSpcReduction="10000"/>
+          </a:bodyPr>
+          <a:lstStyle/>
+          <a:p>
+            <a:r>
+              <a:rPr lang="en-US" dirty="0"/>
+              <a:t>Regular expressions is a formal language that defines lexical patterns of character strings</a:t>
+            </a:r>
+          </a:p>
+          <a:p>
+            <a:r>
+              <a:rPr lang="en-US" dirty="0"/>
+              <a:t>As shown before, the regular expression</a:t>
+            </a:r>
+            <a:br>
+              <a:rPr lang="en-US" dirty="0"/>
+            </a:br>
+            <a:r>
+              <a:rPr lang="en-US" dirty="0"/>
+              <a:t>   “a(b)*”</a:t>
+            </a:r>
+            <a:br>
+              <a:rPr lang="en-US" dirty="0"/>
+            </a:br>
+            <a:r>
+              <a:rPr lang="en-US" dirty="0"/>
+              <a:t>describes a pattern that matches any string that starts with an ‘a’ character followed by zero or more ‘b’ characters.</a:t>
+            </a:r>
+          </a:p>
+          <a:p>
+            <a:r>
+              <a:rPr lang="en-US" dirty="0"/>
+              <a:t>Possible matches are</a:t>
+            </a:r>
+            <a:br>
+              <a:rPr lang="en-US" dirty="0"/>
+            </a:br>
+            <a:r>
+              <a:rPr lang="en-US" dirty="0"/>
+              <a:t>   “a”, “ab”, “abb”, “</a:t>
+            </a:r>
+            <a:r>
+              <a:rPr lang="en-US" dirty="0" err="1"/>
+              <a:t>abbb</a:t>
+            </a:r>
+            <a:r>
+              <a:rPr lang="en-US" dirty="0"/>
+              <a:t>”, </a:t>
+            </a:r>
+            <a:r>
+              <a:rPr lang="en-US" dirty="0" err="1"/>
+              <a:t>etc</a:t>
+            </a:r>
+            <a:endParaRPr lang="en-US" dirty="0"/>
+          </a:p>
+        </p:txBody>
+      </p:sp>
+    </p:spTree>
+    <p:extLst>
+      <p:ext uri="{BB962C8B-B14F-4D97-AF65-F5344CB8AC3E}">
+        <p14:creationId xmlns:p14="http://schemas.microsoft.com/office/powerpoint/2010/main" val="1988537012"/>
+      </p:ext>
+    </p:extLst>
+  </p:cSld>
+  <p:clrMapOvr>
+    <a:masterClrMapping/>
+  </p:clrMapOvr>
+</p:sld>
+</file>
+
+<file path=ppt/slides/slide37.xml><?xml version="1.0" encoding="utf-8"?>
+<p:sld xmlns:a="http://schemas.openxmlformats.org/drawingml/2006/main" xmlns:r="http://schemas.openxmlformats.org/officeDocument/2006/relationships" xmlns:p="http://schemas.openxmlformats.org/presentationml/2006/main">
+  <p:cSld>
+    <p:spTree>
+      <p:nvGrpSpPr>
+        <p:cNvPr id="1" name=""/>
+        <p:cNvGrpSpPr/>
+        <p:nvPr/>
+      </p:nvGrpSpPr>
+      <p:grpSpPr>
+        <a:xfrm>
+          <a:off x="0" y="0"/>
+          <a:ext cx="0" cy="0"/>
+          <a:chOff x="0" y="0"/>
+          <a:chExt cx="0" cy="0"/>
+        </a:xfrm>
+      </p:grpSpPr>
+      <p:sp>
+        <p:nvSpPr>
+          <p:cNvPr id="2" name="Title 1">
+            <a:extLst>
+              <a:ext uri="{FF2B5EF4-FFF2-40B4-BE49-F238E27FC236}">
                 <a16:creationId xmlns:a16="http://schemas.microsoft.com/office/drawing/2014/main" id="{DDBFF0E2-69A4-1E49-BFE5-5AFDBF964753}"/>
               </a:ext>
             </a:extLst>
@@ -10589,7 +10734,7 @@
 </p:sld>
 </file>
 
-<file path=ppt/slides/slide37.xml><?xml version="1.0" encoding="utf-8"?>
+<file path=ppt/slides/slide38.xml><?xml version="1.0" encoding="utf-8"?>
 <p:sld xmlns:a="http://schemas.openxmlformats.org/drawingml/2006/main" xmlns:r="http://schemas.openxmlformats.org/officeDocument/2006/relationships" xmlns:p="http://schemas.openxmlformats.org/presentationml/2006/main">
   <p:cSld>
     <p:spTree>
@@ -10837,7 +10982,7 @@
 </p:sld>
 </file>
 
-<file path=ppt/slides/slide38.xml><?xml version="1.0" encoding="utf-8"?>
+<file path=ppt/slides/slide39.xml><?xml version="1.0" encoding="utf-8"?>
 <p:sld xmlns:a="http://schemas.openxmlformats.org/drawingml/2006/main" xmlns:r="http://schemas.openxmlformats.org/officeDocument/2006/relationships" xmlns:p="http://schemas.openxmlformats.org/presentationml/2006/main">
   <p:cSld>
     <p:spTree>
@@ -11124,7 +11269,7 @@
         <p:spPr/>
         <p:txBody>
           <a:bodyPr>
-            <a:normAutofit fontScale="92500" lnSpcReduction="20000"/>
+            <a:normAutofit fontScale="70000" lnSpcReduction="20000"/>
           </a:bodyPr>
           <a:lstStyle/>
           <a:p>
@@ -11150,7 +11295,7 @@
           <a:p>
             <a:r>
               <a:rPr lang="en-US" dirty="0"/>
-              <a:t>We say this with the let statement,</a:t>
+              <a:t>We see this with the let statement,</a:t>
             </a:r>
             <a:br>
               <a:rPr lang="en-US" dirty="0"/>
@@ -11172,6 +11317,20 @@
             <a:r>
               <a:rPr lang="en-US" dirty="0"/>
               <a:t>On the left of the = sign constructors represent structure</a:t>
+            </a:r>
+          </a:p>
+          <a:p>
+            <a:r>
+              <a:rPr lang="en-US" dirty="0"/>
+              <a:t>In a let statement, when the structure of the value on the right matches the structure of the pattern on the left, we say that we have a </a:t>
+            </a:r>
+            <a:r>
+              <a:rPr lang="en-US" b="1" dirty="0"/>
+              <a:t>successful pattern match</a:t>
+            </a:r>
+            <a:r>
+              <a:rPr lang="en-US" dirty="0"/>
+              <a:t>.</a:t>
             </a:r>
           </a:p>
           <a:p>
@@ -11194,6 +11353,337 @@
 </file>
 
 <file path=ppt/slides/slide6.xml><?xml version="1.0" encoding="utf-8"?>
+<p:sld xmlns:a="http://schemas.openxmlformats.org/drawingml/2006/main" xmlns:r="http://schemas.openxmlformats.org/officeDocument/2006/relationships" xmlns:p="http://schemas.openxmlformats.org/presentationml/2006/main">
+  <p:cSld>
+    <p:spTree>
+      <p:nvGrpSpPr>
+        <p:cNvPr id="1" name=""/>
+        <p:cNvGrpSpPr/>
+        <p:nvPr/>
+      </p:nvGrpSpPr>
+      <p:grpSpPr>
+        <a:xfrm>
+          <a:off x="0" y="0"/>
+          <a:ext cx="0" cy="0"/>
+          <a:chOff x="0" y="0"/>
+          <a:chExt cx="0" cy="0"/>
+        </a:xfrm>
+      </p:grpSpPr>
+      <p:sp>
+        <p:nvSpPr>
+          <p:cNvPr id="2" name="Title 1">
+            <a:extLst>
+              <a:ext uri="{FF2B5EF4-FFF2-40B4-BE49-F238E27FC236}">
+                <a16:creationId xmlns:a16="http://schemas.microsoft.com/office/drawing/2014/main" id="{44969C8F-C644-7946-B4B0-381BB6051384}"/>
+              </a:ext>
+            </a:extLst>
+          </p:cNvPr>
+          <p:cNvSpPr>
+            <a:spLocks noGrp="1"/>
+          </p:cNvSpPr>
+          <p:nvPr>
+            <p:ph type="title"/>
+          </p:nvPr>
+        </p:nvSpPr>
+        <p:spPr/>
+        <p:txBody>
+          <a:bodyPr/>
+          <a:lstStyle/>
+          <a:p>
+            <a:r>
+              <a:rPr lang="en-US" dirty="0"/>
+              <a:t>Pattern Matching – Foundations </a:t>
+            </a:r>
+          </a:p>
+        </p:txBody>
+      </p:sp>
+      <p:sp>
+        <p:nvSpPr>
+          <p:cNvPr id="3" name="Content Placeholder 2">
+            <a:extLst>
+              <a:ext uri="{FF2B5EF4-FFF2-40B4-BE49-F238E27FC236}">
+                <a16:creationId xmlns:a16="http://schemas.microsoft.com/office/drawing/2014/main" id="{D1DA5083-17EB-1243-A0A4-6DD3250A0A56}"/>
+              </a:ext>
+            </a:extLst>
+          </p:cNvPr>
+          <p:cNvSpPr>
+            <a:spLocks noGrp="1"/>
+          </p:cNvSpPr>
+          <p:nvPr>
+            <p:ph idx="1"/>
+          </p:nvPr>
+        </p:nvSpPr>
+        <p:spPr>
+          <a:xfrm>
+            <a:off x="1524000" y="1905000"/>
+            <a:ext cx="7010400" cy="838200"/>
+          </a:xfrm>
+        </p:spPr>
+        <p:txBody>
+          <a:bodyPr>
+            <a:normAutofit/>
+          </a:bodyPr>
+          <a:lstStyle/>
+          <a:p>
+            <a:r>
+              <a:rPr lang="en-US" dirty="0"/>
+              <a:t>For example,</a:t>
+            </a:r>
+          </a:p>
+        </p:txBody>
+      </p:sp>
+      <p:pic>
+        <p:nvPicPr>
+          <p:cNvPr id="4" name="Picture 3">
+            <a:extLst>
+              <a:ext uri="{FF2B5EF4-FFF2-40B4-BE49-F238E27FC236}">
+                <a16:creationId xmlns:a16="http://schemas.microsoft.com/office/drawing/2014/main" id="{BA52DD07-7164-D64B-9DFE-EE2C77B05069}"/>
+              </a:ext>
+            </a:extLst>
+          </p:cNvPr>
+          <p:cNvPicPr>
+            <a:picLocks noChangeAspect="1"/>
+          </p:cNvPicPr>
+          <p:nvPr/>
+        </p:nvPicPr>
+        <p:blipFill>
+          <a:blip r:embed="rId2"/>
+          <a:stretch>
+            <a:fillRect/>
+          </a:stretch>
+        </p:blipFill>
+        <p:spPr>
+          <a:xfrm>
+            <a:off x="2438400" y="3048000"/>
+            <a:ext cx="3467100" cy="1701800"/>
+          </a:xfrm>
+          <a:prstGeom prst="rect">
+            <a:avLst/>
+          </a:prstGeom>
+          <a:ln>
+            <a:solidFill>
+              <a:schemeClr val="tx2"/>
+            </a:solidFill>
+          </a:ln>
+        </p:spPr>
+      </p:pic>
+      <p:sp>
+        <p:nvSpPr>
+          <p:cNvPr id="5" name="TextBox 4">
+            <a:extLst>
+              <a:ext uri="{FF2B5EF4-FFF2-40B4-BE49-F238E27FC236}">
+                <a16:creationId xmlns:a16="http://schemas.microsoft.com/office/drawing/2014/main" id="{1E86B243-54EE-3D43-832E-4E17C08D165C}"/>
+              </a:ext>
+            </a:extLst>
+          </p:cNvPr>
+          <p:cNvSpPr txBox="1"/>
+          <p:nvPr/>
+        </p:nvSpPr>
+        <p:spPr>
+          <a:xfrm>
+            <a:off x="1242646" y="5369169"/>
+            <a:ext cx="7499169" cy="1015663"/>
+          </a:xfrm>
+          <a:prstGeom prst="rect">
+            <a:avLst/>
+          </a:prstGeom>
+          <a:noFill/>
+        </p:spPr>
+        <p:txBody>
+          <a:bodyPr wrap="none" rtlCol="0">
+            <a:spAutoFit/>
+          </a:bodyPr>
+          <a:lstStyle/>
+          <a:p>
+            <a:r>
+              <a:rPr lang="en-US" dirty="0">
+                <a:solidFill>
+                  <a:schemeClr val="tx2"/>
+                </a:solidFill>
+              </a:rPr>
+              <a:t>The last example is interesting, the right is not in the canonical</a:t>
+            </a:r>
+            <a:br>
+              <a:rPr lang="en-US" dirty="0">
+                <a:solidFill>
+                  <a:schemeClr val="tx2"/>
+                </a:solidFill>
+              </a:rPr>
+            </a:br>
+            <a:r>
+              <a:rPr lang="en-US" dirty="0">
+                <a:solidFill>
+                  <a:schemeClr val="tx2"/>
+                </a:solidFill>
+              </a:rPr>
+              <a:t>representation for the value 2, so it is first reduced (evaluated) to</a:t>
+            </a:r>
+            <a:br>
+              <a:rPr lang="en-US" dirty="0">
+                <a:solidFill>
+                  <a:schemeClr val="tx2"/>
+                </a:solidFill>
+              </a:rPr>
+            </a:br>
+            <a:r>
+              <a:rPr lang="en-US" dirty="0">
+                <a:solidFill>
+                  <a:schemeClr val="tx2"/>
+                </a:solidFill>
+              </a:rPr>
+              <a:t>its canonical form and then successfully pattern matched.</a:t>
+            </a:r>
+          </a:p>
+        </p:txBody>
+      </p:sp>
+    </p:spTree>
+    <p:extLst>
+      <p:ext uri="{BB962C8B-B14F-4D97-AF65-F5344CB8AC3E}">
+        <p14:creationId xmlns:p14="http://schemas.microsoft.com/office/powerpoint/2010/main" val="3885537956"/>
+      </p:ext>
+    </p:extLst>
+  </p:cSld>
+  <p:clrMapOvr>
+    <a:masterClrMapping/>
+  </p:clrMapOvr>
+</p:sld>
+</file>
+
+<file path=ppt/slides/slide7.xml><?xml version="1.0" encoding="utf-8"?>
+<p:sld xmlns:a="http://schemas.openxmlformats.org/drawingml/2006/main" xmlns:r="http://schemas.openxmlformats.org/officeDocument/2006/relationships" xmlns:p="http://schemas.openxmlformats.org/presentationml/2006/main">
+  <p:cSld>
+    <p:spTree>
+      <p:nvGrpSpPr>
+        <p:cNvPr id="1" name=""/>
+        <p:cNvGrpSpPr/>
+        <p:nvPr/>
+      </p:nvGrpSpPr>
+      <p:grpSpPr>
+        <a:xfrm>
+          <a:off x="0" y="0"/>
+          <a:ext cx="0" cy="0"/>
+          <a:chOff x="0" y="0"/>
+          <a:chExt cx="0" cy="0"/>
+        </a:xfrm>
+      </p:grpSpPr>
+      <p:sp>
+        <p:nvSpPr>
+          <p:cNvPr id="2" name="Title 1">
+            <a:extLst>
+              <a:ext uri="{FF2B5EF4-FFF2-40B4-BE49-F238E27FC236}">
+                <a16:creationId xmlns:a16="http://schemas.microsoft.com/office/drawing/2014/main" id="{48E49847-50C3-424D-81A9-81E8D72E1E6B}"/>
+              </a:ext>
+            </a:extLst>
+          </p:cNvPr>
+          <p:cNvSpPr>
+            <a:spLocks noGrp="1"/>
+          </p:cNvSpPr>
+          <p:nvPr>
+            <p:ph type="title"/>
+          </p:nvPr>
+        </p:nvSpPr>
+        <p:spPr/>
+        <p:txBody>
+          <a:bodyPr/>
+          <a:lstStyle/>
+          <a:p>
+            <a:r>
+              <a:rPr lang="en-US" dirty="0"/>
+              <a:t>Pattern Matching – Foundations </a:t>
+            </a:r>
+          </a:p>
+        </p:txBody>
+      </p:sp>
+      <p:sp>
+        <p:nvSpPr>
+          <p:cNvPr id="3" name="Content Placeholder 2">
+            <a:extLst>
+              <a:ext uri="{FF2B5EF4-FFF2-40B4-BE49-F238E27FC236}">
+                <a16:creationId xmlns:a16="http://schemas.microsoft.com/office/drawing/2014/main" id="{D1726D3F-4BA3-AB49-8C54-74493C77BDEF}"/>
+              </a:ext>
+            </a:extLst>
+          </p:cNvPr>
+          <p:cNvSpPr>
+            <a:spLocks noGrp="1"/>
+          </p:cNvSpPr>
+          <p:nvPr>
+            <p:ph idx="1"/>
+          </p:nvPr>
+        </p:nvSpPr>
+        <p:spPr>
+          <a:xfrm>
+            <a:off x="1524000" y="1905000"/>
+            <a:ext cx="7010400" cy="2133600"/>
+          </a:xfrm>
+        </p:spPr>
+        <p:txBody>
+          <a:bodyPr>
+            <a:normAutofit fontScale="92500" lnSpcReduction="10000"/>
+          </a:bodyPr>
+          <a:lstStyle/>
+          <a:p>
+            <a:r>
+              <a:rPr lang="en-US" dirty="0"/>
+              <a:t>You can think of variables in a pattern as a “I don’t care” structure</a:t>
+            </a:r>
+          </a:p>
+          <a:p>
+            <a:r>
+              <a:rPr lang="en-US" dirty="0"/>
+              <a:t>During a pattern match the variable will receive the structure that was actually matched during the pattern match</a:t>
+            </a:r>
+          </a:p>
+        </p:txBody>
+      </p:sp>
+      <p:pic>
+        <p:nvPicPr>
+          <p:cNvPr id="5" name="Picture 4">
+            <a:extLst>
+              <a:ext uri="{FF2B5EF4-FFF2-40B4-BE49-F238E27FC236}">
+                <a16:creationId xmlns:a16="http://schemas.microsoft.com/office/drawing/2014/main" id="{16C52753-07C9-0940-B9CE-8127BF084536}"/>
+              </a:ext>
+            </a:extLst>
+          </p:cNvPr>
+          <p:cNvPicPr>
+            <a:picLocks noChangeAspect="1"/>
+          </p:cNvPicPr>
+          <p:nvPr/>
+        </p:nvPicPr>
+        <p:blipFill>
+          <a:blip r:embed="rId2"/>
+          <a:stretch>
+            <a:fillRect/>
+          </a:stretch>
+        </p:blipFill>
+        <p:spPr>
+          <a:xfrm>
+            <a:off x="2362200" y="4102100"/>
+            <a:ext cx="3568700" cy="2451100"/>
+          </a:xfrm>
+          <a:prstGeom prst="rect">
+            <a:avLst/>
+          </a:prstGeom>
+          <a:ln>
+            <a:solidFill>
+              <a:schemeClr val="tx1"/>
+            </a:solidFill>
+          </a:ln>
+        </p:spPr>
+      </p:pic>
+    </p:spTree>
+    <p:extLst>
+      <p:ext uri="{BB962C8B-B14F-4D97-AF65-F5344CB8AC3E}">
+        <p14:creationId xmlns:p14="http://schemas.microsoft.com/office/powerpoint/2010/main" val="4270792397"/>
+      </p:ext>
+    </p:extLst>
+  </p:cSld>
+  <p:clrMapOvr>
+    <a:masterClrMapping/>
+  </p:clrMapOvr>
+</p:sld>
+</file>
+
+<file path=ppt/slides/slide8.xml><?xml version="1.0" encoding="utf-8"?>
 <p:sld xmlns:a="http://schemas.openxmlformats.org/drawingml/2006/main" xmlns:r="http://schemas.openxmlformats.org/officeDocument/2006/relationships" xmlns:p="http://schemas.openxmlformats.org/presentationml/2006/main">
   <p:cSld>
     <p:spTree>
@@ -11754,318 +12244,6 @@
 </p:sld>
 </file>
 
-<file path=ppt/slides/slide7.xml><?xml version="1.0" encoding="utf-8"?>
-<p:sld xmlns:a="http://schemas.openxmlformats.org/drawingml/2006/main" xmlns:r="http://schemas.openxmlformats.org/officeDocument/2006/relationships" xmlns:p="http://schemas.openxmlformats.org/presentationml/2006/main">
-  <p:cSld>
-    <p:spTree>
-      <p:nvGrpSpPr>
-        <p:cNvPr id="1" name=""/>
-        <p:cNvGrpSpPr/>
-        <p:nvPr/>
-      </p:nvGrpSpPr>
-      <p:grpSpPr>
-        <a:xfrm>
-          <a:off x="0" y="0"/>
-          <a:ext cx="0" cy="0"/>
-          <a:chOff x="0" y="0"/>
-          <a:chExt cx="0" cy="0"/>
-        </a:xfrm>
-      </p:grpSpPr>
-      <p:sp>
-        <p:nvSpPr>
-          <p:cNvPr id="2" name="Title 1">
-            <a:extLst>
-              <a:ext uri="{FF2B5EF4-FFF2-40B4-BE49-F238E27FC236}">
-                <a16:creationId xmlns:a16="http://schemas.microsoft.com/office/drawing/2014/main" id="{48E49847-50C3-424D-81A9-81E8D72E1E6B}"/>
-              </a:ext>
-            </a:extLst>
-          </p:cNvPr>
-          <p:cNvSpPr>
-            <a:spLocks noGrp="1"/>
-          </p:cNvSpPr>
-          <p:nvPr>
-            <p:ph type="title"/>
-          </p:nvPr>
-        </p:nvSpPr>
-        <p:spPr/>
-        <p:txBody>
-          <a:bodyPr/>
-          <a:lstStyle/>
-          <a:p>
-            <a:r>
-              <a:rPr lang="en-US" dirty="0"/>
-              <a:t>Pattern Matching – Foundations </a:t>
-            </a:r>
-          </a:p>
-        </p:txBody>
-      </p:sp>
-      <p:sp>
-        <p:nvSpPr>
-          <p:cNvPr id="3" name="Content Placeholder 2">
-            <a:extLst>
-              <a:ext uri="{FF2B5EF4-FFF2-40B4-BE49-F238E27FC236}">
-                <a16:creationId xmlns:a16="http://schemas.microsoft.com/office/drawing/2014/main" id="{D1726D3F-4BA3-AB49-8C54-74493C77BDEF}"/>
-              </a:ext>
-            </a:extLst>
-          </p:cNvPr>
-          <p:cNvSpPr>
-            <a:spLocks noGrp="1"/>
-          </p:cNvSpPr>
-          <p:nvPr>
-            <p:ph idx="1"/>
-          </p:nvPr>
-        </p:nvSpPr>
-        <p:spPr>
-          <a:xfrm>
-            <a:off x="1524000" y="1905000"/>
-            <a:ext cx="7010400" cy="2133600"/>
-          </a:xfrm>
-        </p:spPr>
-        <p:txBody>
-          <a:bodyPr>
-            <a:normAutofit fontScale="92500" lnSpcReduction="10000"/>
-          </a:bodyPr>
-          <a:lstStyle/>
-          <a:p>
-            <a:r>
-              <a:rPr lang="en-US" dirty="0"/>
-              <a:t>You can think of variables in a pattern as a “I don’t care” structure</a:t>
-            </a:r>
-          </a:p>
-          <a:p>
-            <a:r>
-              <a:rPr lang="en-US" dirty="0"/>
-              <a:t>During a pattern match the variable will receive the structure that was actually matched during the pattern match</a:t>
-            </a:r>
-          </a:p>
-        </p:txBody>
-      </p:sp>
-      <p:pic>
-        <p:nvPicPr>
-          <p:cNvPr id="5" name="Picture 4">
-            <a:extLst>
-              <a:ext uri="{FF2B5EF4-FFF2-40B4-BE49-F238E27FC236}">
-                <a16:creationId xmlns:a16="http://schemas.microsoft.com/office/drawing/2014/main" id="{16C52753-07C9-0940-B9CE-8127BF084536}"/>
-              </a:ext>
-            </a:extLst>
-          </p:cNvPr>
-          <p:cNvPicPr>
-            <a:picLocks noChangeAspect="1"/>
-          </p:cNvPicPr>
-          <p:nvPr/>
-        </p:nvPicPr>
-        <p:blipFill>
-          <a:blip r:embed="rId2"/>
-          <a:stretch>
-            <a:fillRect/>
-          </a:stretch>
-        </p:blipFill>
-        <p:spPr>
-          <a:xfrm>
-            <a:off x="2362200" y="4102100"/>
-            <a:ext cx="3568700" cy="2451100"/>
-          </a:xfrm>
-          <a:prstGeom prst="rect">
-            <a:avLst/>
-          </a:prstGeom>
-          <a:ln>
-            <a:solidFill>
-              <a:schemeClr val="tx1"/>
-            </a:solidFill>
-          </a:ln>
-        </p:spPr>
-      </p:pic>
-    </p:spTree>
-    <p:extLst>
-      <p:ext uri="{BB962C8B-B14F-4D97-AF65-F5344CB8AC3E}">
-        <p14:creationId xmlns:p14="http://schemas.microsoft.com/office/powerpoint/2010/main" val="4270792397"/>
-      </p:ext>
-    </p:extLst>
-  </p:cSld>
-  <p:clrMapOvr>
-    <a:masterClrMapping/>
-  </p:clrMapOvr>
-</p:sld>
-</file>
-
-<file path=ppt/slides/slide8.xml><?xml version="1.0" encoding="utf-8"?>
-<p:sld xmlns:a="http://schemas.openxmlformats.org/drawingml/2006/main" xmlns:r="http://schemas.openxmlformats.org/officeDocument/2006/relationships" xmlns:p="http://schemas.openxmlformats.org/presentationml/2006/main">
-  <p:cSld>
-    <p:spTree>
-      <p:nvGrpSpPr>
-        <p:cNvPr id="1" name=""/>
-        <p:cNvGrpSpPr/>
-        <p:nvPr/>
-      </p:nvGrpSpPr>
-      <p:grpSpPr>
-        <a:xfrm>
-          <a:off x="0" y="0"/>
-          <a:ext cx="0" cy="0"/>
-          <a:chOff x="0" y="0"/>
-          <a:chExt cx="0" cy="0"/>
-        </a:xfrm>
-      </p:grpSpPr>
-      <p:sp>
-        <p:nvSpPr>
-          <p:cNvPr id="2" name="Title 1">
-            <a:extLst>
-              <a:ext uri="{FF2B5EF4-FFF2-40B4-BE49-F238E27FC236}">
-                <a16:creationId xmlns:a16="http://schemas.microsoft.com/office/drawing/2014/main" id="{44969C8F-C644-7946-B4B0-381BB6051384}"/>
-              </a:ext>
-            </a:extLst>
-          </p:cNvPr>
-          <p:cNvSpPr>
-            <a:spLocks noGrp="1"/>
-          </p:cNvSpPr>
-          <p:nvPr>
-            <p:ph type="title"/>
-          </p:nvPr>
-        </p:nvSpPr>
-        <p:spPr/>
-        <p:txBody>
-          <a:bodyPr/>
-          <a:lstStyle/>
-          <a:p>
-            <a:r>
-              <a:rPr lang="en-US" dirty="0"/>
-              <a:t>Pattern Matching – Foundations </a:t>
-            </a:r>
-          </a:p>
-        </p:txBody>
-      </p:sp>
-      <p:sp>
-        <p:nvSpPr>
-          <p:cNvPr id="3" name="Content Placeholder 2">
-            <a:extLst>
-              <a:ext uri="{FF2B5EF4-FFF2-40B4-BE49-F238E27FC236}">
-                <a16:creationId xmlns:a16="http://schemas.microsoft.com/office/drawing/2014/main" id="{D1DA5083-17EB-1243-A0A4-6DD3250A0A56}"/>
-              </a:ext>
-            </a:extLst>
-          </p:cNvPr>
-          <p:cNvSpPr>
-            <a:spLocks noGrp="1"/>
-          </p:cNvSpPr>
-          <p:nvPr>
-            <p:ph idx="1"/>
-          </p:nvPr>
-        </p:nvSpPr>
-        <p:spPr/>
-        <p:txBody>
-          <a:bodyPr>
-            <a:normAutofit fontScale="70000" lnSpcReduction="20000"/>
-          </a:bodyPr>
-          <a:lstStyle/>
-          <a:p>
-            <a:r>
-              <a:rPr lang="en-US" dirty="0"/>
-              <a:t>Patterns are all about structure</a:t>
-            </a:r>
-          </a:p>
-          <a:p>
-            <a:r>
-              <a:rPr lang="en-US" b="0" i="0" dirty="0">
-                <a:solidFill>
-                  <a:srgbClr val="374151"/>
-                </a:solidFill>
-                <a:effectLst/>
-                <a:latin typeface="Söhne"/>
-              </a:rPr>
-              <a:t>For example, </a:t>
-            </a:r>
-          </a:p>
-          <a:p>
-            <a:pPr lvl="1"/>
-            <a:r>
-              <a:rPr lang="en-US" b="0" i="0" dirty="0">
-                <a:solidFill>
-                  <a:srgbClr val="374151"/>
-                </a:solidFill>
-                <a:effectLst/>
-                <a:latin typeface="Söhne"/>
-              </a:rPr>
-              <a:t>a wildlife biologist might use pattern matching to identify a specific species of bird based on its size, coloration, and distinctive markings on its feathers – </a:t>
-            </a:r>
-            <a:r>
-              <a:rPr lang="en-US" b="1" i="0" dirty="0">
-                <a:solidFill>
-                  <a:srgbClr val="374151"/>
-                </a:solidFill>
-                <a:effectLst/>
-                <a:latin typeface="Söhne"/>
-              </a:rPr>
-              <a:t>structure</a:t>
-            </a:r>
-            <a:r>
-              <a:rPr lang="en-US" b="0" i="0" dirty="0">
-                <a:solidFill>
-                  <a:srgbClr val="374151"/>
-                </a:solidFill>
-                <a:effectLst/>
-                <a:latin typeface="Söhne"/>
-              </a:rPr>
-              <a:t>. </a:t>
-            </a:r>
-          </a:p>
-          <a:p>
-            <a:pPr lvl="1"/>
-            <a:r>
-              <a:rPr lang="en-US" b="0" i="0" dirty="0">
-                <a:solidFill>
-                  <a:srgbClr val="374151"/>
-                </a:solidFill>
-                <a:effectLst/>
-                <a:latin typeface="Söhne"/>
-              </a:rPr>
-              <a:t>They would compare these characteristics to a known set of </a:t>
-            </a:r>
-            <a:r>
-              <a:rPr lang="en-US" b="1" i="0" dirty="0">
-                <a:solidFill>
-                  <a:srgbClr val="374151"/>
-                </a:solidFill>
-                <a:effectLst/>
-                <a:latin typeface="Söhne"/>
-              </a:rPr>
-              <a:t>patterns</a:t>
-            </a:r>
-            <a:r>
-              <a:rPr lang="en-US" b="0" i="0" dirty="0">
-                <a:solidFill>
-                  <a:srgbClr val="374151"/>
-                </a:solidFill>
-                <a:effectLst/>
-                <a:latin typeface="Söhne"/>
-              </a:rPr>
-              <a:t> for different bird species from a field guide and use this information to make an accurate identification.</a:t>
-            </a:r>
-          </a:p>
-          <a:p>
-            <a:r>
-              <a:rPr lang="en-US" dirty="0">
-                <a:solidFill>
-                  <a:srgbClr val="374151"/>
-                </a:solidFill>
-                <a:latin typeface="Söhne"/>
-              </a:rPr>
-              <a:t>Observe, the structure of a value (unknown bird) is pattern-matched against a set of known patterns.  If one of the patterns matches the value (bird) then we have a match (identification).</a:t>
-            </a:r>
-            <a:endParaRPr lang="en-US" dirty="0"/>
-          </a:p>
-        </p:txBody>
-      </p:sp>
-    </p:spTree>
-    <p:extLst>
-      <p:ext uri="{BB962C8B-B14F-4D97-AF65-F5344CB8AC3E}">
-        <p14:creationId xmlns:p14="http://schemas.microsoft.com/office/powerpoint/2010/main" val="3003370476"/>
-      </p:ext>
-    </p:extLst>
-  </p:cSld>
-  <p:clrMapOvr>
-    <a:masterClrMapping/>
-  </p:clrMapOvr>
-</p:sld>
-</file>
-
 <file path=ppt/slides/slide9.xml><?xml version="1.0" encoding="utf-8"?>
 <p:sld xmlns:a="http://schemas.openxmlformats.org/drawingml/2006/main" xmlns:r="http://schemas.openxmlformats.org/officeDocument/2006/relationships" xmlns:p="http://schemas.openxmlformats.org/presentationml/2006/main">
   <p:cSld>
@@ -12127,17 +12305,96 @@
             <p:ph idx="1"/>
           </p:nvPr>
         </p:nvSpPr>
-        <p:spPr>
-          <a:xfrm>
-            <a:off x="1219200" y="1905000"/>
-            <a:ext cx="3886200" cy="3886200"/>
-          </a:xfrm>
-        </p:spPr>
+        <p:spPr/>
         <p:txBody>
           <a:bodyPr>
-            <a:normAutofit/>
+            <a:normAutofit fontScale="70000" lnSpcReduction="20000"/>
           </a:bodyPr>
           <a:lstStyle/>
+          <a:p>
+            <a:r>
+              <a:rPr lang="en-US" dirty="0"/>
+              <a:t>Patterns are all about structure</a:t>
+            </a:r>
+          </a:p>
+          <a:p>
+            <a:r>
+              <a:rPr lang="en-US" b="0" i="0" dirty="0">
+                <a:solidFill>
+                  <a:srgbClr val="374151"/>
+                </a:solidFill>
+                <a:effectLst/>
+                <a:latin typeface="Söhne"/>
+              </a:rPr>
+              <a:t>For example, </a:t>
+            </a:r>
+          </a:p>
+          <a:p>
+            <a:pPr lvl="1"/>
+            <a:r>
+              <a:rPr lang="en-US" b="0" i="0" dirty="0">
+                <a:solidFill>
+                  <a:srgbClr val="374151"/>
+                </a:solidFill>
+                <a:effectLst/>
+                <a:latin typeface="Söhne"/>
+              </a:rPr>
+              <a:t>a wildlife biologist might use pattern matching to identify a specific species of bird based on its size, coloration, and distinctive markings on its feathers – </a:t>
+            </a:r>
+            <a:r>
+              <a:rPr lang="en-US" b="1" i="0" dirty="0">
+                <a:solidFill>
+                  <a:srgbClr val="374151"/>
+                </a:solidFill>
+                <a:effectLst/>
+                <a:latin typeface="Söhne"/>
+              </a:rPr>
+              <a:t>structure</a:t>
+            </a:r>
+            <a:r>
+              <a:rPr lang="en-US" b="0" i="0" dirty="0">
+                <a:solidFill>
+                  <a:srgbClr val="374151"/>
+                </a:solidFill>
+                <a:effectLst/>
+                <a:latin typeface="Söhne"/>
+              </a:rPr>
+              <a:t>. </a:t>
+            </a:r>
+          </a:p>
+          <a:p>
+            <a:pPr lvl="1"/>
+            <a:r>
+              <a:rPr lang="en-US" b="0" i="0" dirty="0">
+                <a:solidFill>
+                  <a:srgbClr val="374151"/>
+                </a:solidFill>
+                <a:effectLst/>
+                <a:latin typeface="Söhne"/>
+              </a:rPr>
+              <a:t>They would compare these characteristics to a known set of </a:t>
+            </a:r>
+            <a:r>
+              <a:rPr lang="en-US" b="1" i="0" dirty="0">
+                <a:solidFill>
+                  <a:srgbClr val="374151"/>
+                </a:solidFill>
+                <a:effectLst/>
+                <a:latin typeface="Söhne"/>
+              </a:rPr>
+              <a:t>patterns</a:t>
+            </a:r>
+            <a:r>
+              <a:rPr lang="en-US" b="0" i="0" dirty="0">
+                <a:solidFill>
+                  <a:srgbClr val="374151"/>
+                </a:solidFill>
+                <a:effectLst/>
+                <a:latin typeface="Söhne"/>
+              </a:rPr>
+              <a:t> for different bird species from a field guide and use this information to make an accurate identification.</a:t>
+            </a:r>
+          </a:p>
           <a:p>
             <a:r>
               <a:rPr lang="en-US" dirty="0">
@@ -12146,61 +12403,16 @@
                 </a:solidFill>
                 <a:latin typeface="Söhne"/>
               </a:rPr>
-              <a:t>We can code that biologist example using pattern matching</a:t>
-            </a:r>
-          </a:p>
-          <a:p>
-            <a:r>
-              <a:rPr lang="en-US" dirty="0">
-                <a:solidFill>
-                  <a:srgbClr val="374151"/>
-                </a:solidFill>
-                <a:latin typeface="Söhne"/>
-              </a:rPr>
-              <a:t>Assume we have a field guide with the following patterns</a:t>
-            </a:r>
-          </a:p>
-        </p:txBody>
-      </p:sp>
-      <p:pic>
-        <p:nvPicPr>
-          <p:cNvPr id="4" name="Picture 3">
-            <a:extLst>
-              <a:ext uri="{FF2B5EF4-FFF2-40B4-BE49-F238E27FC236}">
-                <a16:creationId xmlns:a16="http://schemas.microsoft.com/office/drawing/2014/main" id="{F372A77E-2C45-C545-A7FD-AD6AF0C50EB3}"/>
-              </a:ext>
-            </a:extLst>
-          </p:cNvPr>
-          <p:cNvPicPr>
-            <a:picLocks noChangeAspect="1"/>
-          </p:cNvPicPr>
-          <p:nvPr/>
-        </p:nvPicPr>
-        <p:blipFill>
-          <a:blip r:embed="rId2"/>
-          <a:stretch>
-            <a:fillRect/>
-          </a:stretch>
-        </p:blipFill>
-        <p:spPr>
-          <a:xfrm>
-            <a:off x="5461000" y="1600200"/>
-            <a:ext cx="3073400" cy="4051300"/>
-          </a:xfrm>
-          <a:prstGeom prst="rect">
-            <a:avLst/>
-          </a:prstGeom>
-          <a:ln>
-            <a:solidFill>
-              <a:schemeClr val="tx1"/>
-            </a:solidFill>
-          </a:ln>
-        </p:spPr>
-      </p:pic>
+              <a:t>Observe, the structure of a value (unknown bird) is pattern-matched against a set of known patterns.  If one of the patterns matches the value (bird) then we have a match (identification).</a:t>
+            </a:r>
+            <a:endParaRPr lang="en-US" dirty="0"/>
+          </a:p>
+        </p:txBody>
+      </p:sp>
     </p:spTree>
     <p:extLst>
       <p:ext uri="{BB962C8B-B14F-4D97-AF65-F5344CB8AC3E}">
-        <p14:creationId xmlns:p14="http://schemas.microsoft.com/office/powerpoint/2010/main" val="724147764"/>
+        <p14:creationId xmlns:p14="http://schemas.microsoft.com/office/powerpoint/2010/main" val="3003370476"/>
       </p:ext>
     </p:extLst>
   </p:cSld>

--- a/notes/csc493-ln004.pptx
+++ b/notes/csc493-ln004.pptx
@@ -256,14 +256,14 @@
           <a:effectLst/>
           <a:extLst>
             <a:ext uri="{909E8E84-426E-40dd-AFC4-6F175D3DCCD1}">
-              <a14:hiddenFill xmlns="" xmlns:a14="http://schemas.microsoft.com/office/drawing/2010/main">
+              <a14:hiddenFill xmlns:a14="http://schemas.microsoft.com/office/drawing/2010/main" xmlns="">
                 <a:solidFill>
                   <a:schemeClr val="accent1"/>
                 </a:solidFill>
               </a14:hiddenFill>
             </a:ext>
             <a:ext uri="{91240B29-F687-4f45-9708-019B960494DF}">
-              <a14:hiddenLine xmlns="" xmlns:a14="http://schemas.microsoft.com/office/drawing/2010/main" w="9525">
+              <a14:hiddenLine xmlns:a14="http://schemas.microsoft.com/office/drawing/2010/main" xmlns="" w="9525">
                 <a:solidFill>
                   <a:schemeClr val="tx1"/>
                 </a:solidFill>
@@ -273,7 +273,7 @@
               </a14:hiddenLine>
             </a:ext>
             <a:ext uri="{AF507438-7753-43e0-B8FC-AC1667EBCBE1}">
-              <a14:hiddenEffects xmlns="" xmlns:a14="http://schemas.microsoft.com/office/drawing/2010/main">
+              <a14:hiddenEffects xmlns:a14="http://schemas.microsoft.com/office/drawing/2010/main" xmlns="">
                 <a:effectLst>
                   <a:outerShdw blurRad="63500" dist="38099" dir="2700000" algn="ctr" rotWithShape="0">
                     <a:schemeClr val="bg2">
@@ -284,7 +284,7 @@
               </a14:hiddenEffects>
             </a:ext>
             <a:ext uri="{FAA26D3D-D897-4be2-8F04-BA451C77F1D7}">
-              <ma14:placeholderFlag xmlns="" xmlns:ma14="http://schemas.microsoft.com/office/mac/drawingml/2011/main" val="1"/>
+              <ma14:placeholderFlag xmlns:ma14="http://schemas.microsoft.com/office/mac/drawingml/2011/main" xmlns="" val="1"/>
             </a:ext>
           </a:extLst>
         </p:spPr>
@@ -342,14 +342,14 @@
           <a:effectLst/>
           <a:extLst>
             <a:ext uri="{909E8E84-426E-40dd-AFC4-6F175D3DCCD1}">
-              <a14:hiddenFill xmlns="" xmlns:a14="http://schemas.microsoft.com/office/drawing/2010/main">
+              <a14:hiddenFill xmlns:a14="http://schemas.microsoft.com/office/drawing/2010/main" xmlns="">
                 <a:solidFill>
                   <a:schemeClr val="accent1"/>
                 </a:solidFill>
               </a14:hiddenFill>
             </a:ext>
             <a:ext uri="{91240B29-F687-4f45-9708-019B960494DF}">
-              <a14:hiddenLine xmlns="" xmlns:a14="http://schemas.microsoft.com/office/drawing/2010/main" w="9525">
+              <a14:hiddenLine xmlns:a14="http://schemas.microsoft.com/office/drawing/2010/main" xmlns="" w="9525">
                 <a:solidFill>
                   <a:schemeClr val="tx1"/>
                 </a:solidFill>
@@ -359,7 +359,7 @@
               </a14:hiddenLine>
             </a:ext>
             <a:ext uri="{AF507438-7753-43e0-B8FC-AC1667EBCBE1}">
-              <a14:hiddenEffects xmlns="" xmlns:a14="http://schemas.microsoft.com/office/drawing/2010/main">
+              <a14:hiddenEffects xmlns:a14="http://schemas.microsoft.com/office/drawing/2010/main" xmlns="">
                 <a:effectLst>
                   <a:outerShdw blurRad="63500" dist="38099" dir="2700000" algn="ctr" rotWithShape="0">
                     <a:schemeClr val="bg2">
@@ -370,7 +370,7 @@
               </a14:hiddenEffects>
             </a:ext>
             <a:ext uri="{FAA26D3D-D897-4be2-8F04-BA451C77F1D7}">
-              <ma14:placeholderFlag xmlns="" xmlns:ma14="http://schemas.microsoft.com/office/mac/drawingml/2011/main" val="1"/>
+              <ma14:placeholderFlag xmlns:ma14="http://schemas.microsoft.com/office/mac/drawingml/2011/main" xmlns="" val="1"/>
             </a:ext>
           </a:extLst>
         </p:spPr>
@@ -428,14 +428,14 @@
           <a:effectLst/>
           <a:extLst>
             <a:ext uri="{909E8E84-426E-40dd-AFC4-6F175D3DCCD1}">
-              <a14:hiddenFill xmlns="" xmlns:a14="http://schemas.microsoft.com/office/drawing/2010/main">
+              <a14:hiddenFill xmlns:a14="http://schemas.microsoft.com/office/drawing/2010/main" xmlns="">
                 <a:solidFill>
                   <a:schemeClr val="accent1"/>
                 </a:solidFill>
               </a14:hiddenFill>
             </a:ext>
             <a:ext uri="{91240B29-F687-4f45-9708-019B960494DF}">
-              <a14:hiddenLine xmlns="" xmlns:a14="http://schemas.microsoft.com/office/drawing/2010/main" w="9525">
+              <a14:hiddenLine xmlns:a14="http://schemas.microsoft.com/office/drawing/2010/main" xmlns="" w="9525">
                 <a:solidFill>
                   <a:schemeClr val="tx1"/>
                 </a:solidFill>
@@ -445,7 +445,7 @@
               </a14:hiddenLine>
             </a:ext>
             <a:ext uri="{AF507438-7753-43e0-B8FC-AC1667EBCBE1}">
-              <a14:hiddenEffects xmlns="" xmlns:a14="http://schemas.microsoft.com/office/drawing/2010/main">
+              <a14:hiddenEffects xmlns:a14="http://schemas.microsoft.com/office/drawing/2010/main" xmlns="">
                 <a:effectLst>
                   <a:outerShdw blurRad="63500" dist="38099" dir="2700000" algn="ctr" rotWithShape="0">
                     <a:schemeClr val="bg2">
@@ -456,7 +456,7 @@
               </a14:hiddenEffects>
             </a:ext>
             <a:ext uri="{FAA26D3D-D897-4be2-8F04-BA451C77F1D7}">
-              <ma14:placeholderFlag xmlns="" xmlns:ma14="http://schemas.microsoft.com/office/mac/drawingml/2011/main" val="1"/>
+              <ma14:placeholderFlag xmlns:ma14="http://schemas.microsoft.com/office/mac/drawingml/2011/main" xmlns="" val="1"/>
             </a:ext>
           </a:extLst>
         </p:spPr>
@@ -514,14 +514,14 @@
           <a:effectLst/>
           <a:extLst>
             <a:ext uri="{909E8E84-426E-40dd-AFC4-6F175D3DCCD1}">
-              <a14:hiddenFill xmlns="" xmlns:a14="http://schemas.microsoft.com/office/drawing/2010/main">
+              <a14:hiddenFill xmlns:a14="http://schemas.microsoft.com/office/drawing/2010/main" xmlns="">
                 <a:solidFill>
                   <a:schemeClr val="accent1"/>
                 </a:solidFill>
               </a14:hiddenFill>
             </a:ext>
             <a:ext uri="{91240B29-F687-4f45-9708-019B960494DF}">
-              <a14:hiddenLine xmlns="" xmlns:a14="http://schemas.microsoft.com/office/drawing/2010/main" w="9525">
+              <a14:hiddenLine xmlns:a14="http://schemas.microsoft.com/office/drawing/2010/main" xmlns="" w="9525">
                 <a:solidFill>
                   <a:schemeClr val="tx1"/>
                 </a:solidFill>
@@ -531,7 +531,7 @@
               </a14:hiddenLine>
             </a:ext>
             <a:ext uri="{AF507438-7753-43e0-B8FC-AC1667EBCBE1}">
-              <a14:hiddenEffects xmlns="" xmlns:a14="http://schemas.microsoft.com/office/drawing/2010/main">
+              <a14:hiddenEffects xmlns:a14="http://schemas.microsoft.com/office/drawing/2010/main" xmlns="">
                 <a:effectLst>
                   <a:outerShdw blurRad="63500" dist="38099" dir="2700000" algn="ctr" rotWithShape="0">
                     <a:schemeClr val="bg2">
@@ -542,7 +542,7 @@
               </a14:hiddenEffects>
             </a:ext>
             <a:ext uri="{FAA26D3D-D897-4be2-8F04-BA451C77F1D7}">
-              <ma14:placeholderFlag xmlns="" xmlns:ma14="http://schemas.microsoft.com/office/mac/drawingml/2011/main" val="1"/>
+              <ma14:placeholderFlag xmlns:ma14="http://schemas.microsoft.com/office/mac/drawingml/2011/main" xmlns="" val="1"/>
             </a:ext>
           </a:extLst>
         </p:spPr>
@@ -634,14 +634,14 @@
           <a:effectLst/>
           <a:extLst>
             <a:ext uri="{909E8E84-426E-40dd-AFC4-6F175D3DCCD1}">
-              <a14:hiddenFill xmlns="" xmlns:a14="http://schemas.microsoft.com/office/drawing/2010/main">
+              <a14:hiddenFill xmlns:a14="http://schemas.microsoft.com/office/drawing/2010/main" xmlns="">
                 <a:solidFill>
                   <a:schemeClr val="accent1"/>
                 </a:solidFill>
               </a14:hiddenFill>
             </a:ext>
             <a:ext uri="{91240B29-F687-4f45-9708-019B960494DF}">
-              <a14:hiddenLine xmlns="" xmlns:a14="http://schemas.microsoft.com/office/drawing/2010/main" w="9525">
+              <a14:hiddenLine xmlns:a14="http://schemas.microsoft.com/office/drawing/2010/main" xmlns="" w="9525">
                 <a:solidFill>
                   <a:schemeClr val="tx1"/>
                 </a:solidFill>
@@ -651,7 +651,7 @@
               </a14:hiddenLine>
             </a:ext>
             <a:ext uri="{AF507438-7753-43e0-B8FC-AC1667EBCBE1}">
-              <a14:hiddenEffects xmlns="" xmlns:a14="http://schemas.microsoft.com/office/drawing/2010/main">
+              <a14:hiddenEffects xmlns:a14="http://schemas.microsoft.com/office/drawing/2010/main" xmlns="">
                 <a:effectLst>
                   <a:outerShdw blurRad="63500" dist="38099" dir="2700000" algn="ctr" rotWithShape="0">
                     <a:schemeClr val="bg2">
@@ -662,7 +662,7 @@
               </a14:hiddenEffects>
             </a:ext>
             <a:ext uri="{FAA26D3D-D897-4be2-8F04-BA451C77F1D7}">
-              <ma14:placeholderFlag xmlns="" xmlns:ma14="http://schemas.microsoft.com/office/mac/drawingml/2011/main" val="1"/>
+              <ma14:placeholderFlag xmlns:ma14="http://schemas.microsoft.com/office/mac/drawingml/2011/main" xmlns="" val="1"/>
             </a:ext>
           </a:extLst>
         </p:spPr>
@@ -720,14 +720,14 @@
           <a:effectLst/>
           <a:extLst>
             <a:ext uri="{909E8E84-426E-40dd-AFC4-6F175D3DCCD1}">
-              <a14:hiddenFill xmlns="" xmlns:a14="http://schemas.microsoft.com/office/drawing/2010/main">
+              <a14:hiddenFill xmlns:a14="http://schemas.microsoft.com/office/drawing/2010/main" xmlns="">
                 <a:solidFill>
                   <a:schemeClr val="accent1"/>
                 </a:solidFill>
               </a14:hiddenFill>
             </a:ext>
             <a:ext uri="{91240B29-F687-4f45-9708-019B960494DF}">
-              <a14:hiddenLine xmlns="" xmlns:a14="http://schemas.microsoft.com/office/drawing/2010/main" w="9525">
+              <a14:hiddenLine xmlns:a14="http://schemas.microsoft.com/office/drawing/2010/main" xmlns="" w="9525">
                 <a:solidFill>
                   <a:schemeClr val="tx1"/>
                 </a:solidFill>
@@ -737,7 +737,7 @@
               </a14:hiddenLine>
             </a:ext>
             <a:ext uri="{AF507438-7753-43e0-B8FC-AC1667EBCBE1}">
-              <a14:hiddenEffects xmlns="" xmlns:a14="http://schemas.microsoft.com/office/drawing/2010/main">
+              <a14:hiddenEffects xmlns:a14="http://schemas.microsoft.com/office/drawing/2010/main" xmlns="">
                 <a:effectLst>
                   <a:outerShdw blurRad="63500" dist="38099" dir="2700000" algn="ctr" rotWithShape="0">
                     <a:schemeClr val="bg2">
@@ -748,7 +748,7 @@
               </a14:hiddenEffects>
             </a:ext>
             <a:ext uri="{FAA26D3D-D897-4be2-8F04-BA451C77F1D7}">
-              <ma14:placeholderFlag xmlns="" xmlns:ma14="http://schemas.microsoft.com/office/mac/drawingml/2011/main" val="1"/>
+              <ma14:placeholderFlag xmlns:ma14="http://schemas.microsoft.com/office/mac/drawingml/2011/main" xmlns="" val="1"/>
             </a:ext>
           </a:extLst>
         </p:spPr>
@@ -811,7 +811,7 @@
           <a:effectLst/>
           <a:extLst>
             <a:ext uri="{AF507438-7753-43e0-B8FC-AC1667EBCBE1}">
-              <a14:hiddenEffects xmlns="" xmlns:a14="http://schemas.microsoft.com/office/drawing/2010/main">
+              <a14:hiddenEffects xmlns:a14="http://schemas.microsoft.com/office/drawing/2010/main" xmlns="">
                 <a:effectLst>
                   <a:outerShdw blurRad="63500" dist="38099" dir="2700000" algn="ctr" rotWithShape="0">
                     <a:srgbClr val="000000">
@@ -822,7 +822,7 @@
               </a14:hiddenEffects>
             </a:ext>
             <a:ext uri="{53640926-AAD7-44d8-BBD7-CCE9431645EC}">
-              <a14:shadowObscured xmlns="" xmlns:a14="http://schemas.microsoft.com/office/drawing/2010/main" val="1"/>
+              <a14:shadowObscured xmlns:a14="http://schemas.microsoft.com/office/drawing/2010/main" xmlns="" val="1"/>
             </a:ext>
           </a:extLst>
         </p:spPr>
@@ -858,14 +858,14 @@
           <a:effectLst/>
           <a:extLst>
             <a:ext uri="{909E8E84-426E-40dd-AFC4-6F175D3DCCD1}">
-              <a14:hiddenFill xmlns="" xmlns:a14="http://schemas.microsoft.com/office/drawing/2010/main">
+              <a14:hiddenFill xmlns:a14="http://schemas.microsoft.com/office/drawing/2010/main" xmlns="">
                 <a:solidFill>
                   <a:schemeClr val="accent1"/>
                 </a:solidFill>
               </a14:hiddenFill>
             </a:ext>
             <a:ext uri="{91240B29-F687-4f45-9708-019B960494DF}">
-              <a14:hiddenLine xmlns="" xmlns:a14="http://schemas.microsoft.com/office/drawing/2010/main" w="9525">
+              <a14:hiddenLine xmlns:a14="http://schemas.microsoft.com/office/drawing/2010/main" xmlns="" w="9525">
                 <a:solidFill>
                   <a:schemeClr val="tx1"/>
                 </a:solidFill>
@@ -875,7 +875,7 @@
               </a14:hiddenLine>
             </a:ext>
             <a:ext uri="{AF507438-7753-43e0-B8FC-AC1667EBCBE1}">
-              <a14:hiddenEffects xmlns="" xmlns:a14="http://schemas.microsoft.com/office/drawing/2010/main">
+              <a14:hiddenEffects xmlns:a14="http://schemas.microsoft.com/office/drawing/2010/main" xmlns="">
                 <a:effectLst>
                   <a:outerShdw blurRad="63500" dist="38099" dir="2700000" algn="ctr" rotWithShape="0">
                     <a:schemeClr val="bg2">
@@ -886,7 +886,7 @@
               </a14:hiddenEffects>
             </a:ext>
             <a:ext uri="{FAA26D3D-D897-4be2-8F04-BA451C77F1D7}">
-              <ma14:placeholderFlag xmlns="" xmlns:ma14="http://schemas.microsoft.com/office/mac/drawingml/2011/main" val="1"/>
+              <ma14:placeholderFlag xmlns:ma14="http://schemas.microsoft.com/office/mac/drawingml/2011/main" xmlns="" val="1"/>
             </a:ext>
           </a:extLst>
         </p:spPr>
@@ -965,14 +965,14 @@
           <a:effectLst/>
           <a:extLst>
             <a:ext uri="{909E8E84-426E-40dd-AFC4-6F175D3DCCD1}">
-              <a14:hiddenFill xmlns="" xmlns:a14="http://schemas.microsoft.com/office/drawing/2010/main">
+              <a14:hiddenFill xmlns:a14="http://schemas.microsoft.com/office/drawing/2010/main" xmlns="">
                 <a:solidFill>
                   <a:schemeClr val="accent1"/>
                 </a:solidFill>
               </a14:hiddenFill>
             </a:ext>
             <a:ext uri="{91240B29-F687-4f45-9708-019B960494DF}">
-              <a14:hiddenLine xmlns="" xmlns:a14="http://schemas.microsoft.com/office/drawing/2010/main" w="9525">
+              <a14:hiddenLine xmlns:a14="http://schemas.microsoft.com/office/drawing/2010/main" xmlns="" w="9525">
                 <a:solidFill>
                   <a:schemeClr val="tx1"/>
                 </a:solidFill>
@@ -982,7 +982,7 @@
               </a14:hiddenLine>
             </a:ext>
             <a:ext uri="{AF507438-7753-43e0-B8FC-AC1667EBCBE1}">
-              <a14:hiddenEffects xmlns="" xmlns:a14="http://schemas.microsoft.com/office/drawing/2010/main">
+              <a14:hiddenEffects xmlns:a14="http://schemas.microsoft.com/office/drawing/2010/main" xmlns="">
                 <a:effectLst>
                   <a:outerShdw blurRad="63500" dist="38099" dir="2700000" algn="ctr" rotWithShape="0">
                     <a:schemeClr val="bg2">
@@ -993,7 +993,7 @@
               </a14:hiddenEffects>
             </a:ext>
             <a:ext uri="{FAA26D3D-D897-4be2-8F04-BA451C77F1D7}">
-              <ma14:placeholderFlag xmlns="" xmlns:ma14="http://schemas.microsoft.com/office/mac/drawingml/2011/main" val="1"/>
+              <ma14:placeholderFlag xmlns:ma14="http://schemas.microsoft.com/office/mac/drawingml/2011/main" xmlns="" val="1"/>
             </a:ext>
           </a:extLst>
         </p:spPr>
@@ -1051,14 +1051,14 @@
           <a:effectLst/>
           <a:extLst>
             <a:ext uri="{909E8E84-426E-40dd-AFC4-6F175D3DCCD1}">
-              <a14:hiddenFill xmlns="" xmlns:a14="http://schemas.microsoft.com/office/drawing/2010/main">
+              <a14:hiddenFill xmlns:a14="http://schemas.microsoft.com/office/drawing/2010/main" xmlns="">
                 <a:solidFill>
                   <a:schemeClr val="accent1"/>
                 </a:solidFill>
               </a14:hiddenFill>
             </a:ext>
             <a:ext uri="{91240B29-F687-4f45-9708-019B960494DF}">
-              <a14:hiddenLine xmlns="" xmlns:a14="http://schemas.microsoft.com/office/drawing/2010/main" w="9525">
+              <a14:hiddenLine xmlns:a14="http://schemas.microsoft.com/office/drawing/2010/main" xmlns="" w="9525">
                 <a:solidFill>
                   <a:schemeClr val="tx1"/>
                 </a:solidFill>
@@ -1068,7 +1068,7 @@
               </a14:hiddenLine>
             </a:ext>
             <a:ext uri="{AF507438-7753-43e0-B8FC-AC1667EBCBE1}">
-              <a14:hiddenEffects xmlns="" xmlns:a14="http://schemas.microsoft.com/office/drawing/2010/main">
+              <a14:hiddenEffects xmlns:a14="http://schemas.microsoft.com/office/drawing/2010/main" xmlns="">
                 <a:effectLst>
                   <a:outerShdw blurRad="63500" dist="38099" dir="2700000" algn="ctr" rotWithShape="0">
                     <a:schemeClr val="bg2">
@@ -1079,7 +1079,7 @@
               </a14:hiddenEffects>
             </a:ext>
             <a:ext uri="{FAA26D3D-D897-4be2-8F04-BA451C77F1D7}">
-              <ma14:placeholderFlag xmlns="" xmlns:ma14="http://schemas.microsoft.com/office/mac/drawingml/2011/main" val="1"/>
+              <ma14:placeholderFlag xmlns:ma14="http://schemas.microsoft.com/office/mac/drawingml/2011/main" xmlns="" val="1"/>
             </a:ext>
           </a:extLst>
         </p:spPr>
@@ -1283,12 +1283,12 @@
           <a:effectLst/>
           <a:extLst>
             <a:ext uri="{909E8E84-426E-40dd-AFC4-6F175D3DCCD1}">
-              <a14:hiddenFill xmlns="" xmlns:a14="http://schemas.microsoft.com/office/drawing/2010/main">
+              <a14:hiddenFill xmlns:a14="http://schemas.microsoft.com/office/drawing/2010/main" xmlns="">
                 <a:noFill/>
               </a14:hiddenFill>
             </a:ext>
             <a:ext uri="{AF507438-7753-43e0-B8FC-AC1667EBCBE1}">
-              <a14:hiddenEffects xmlns="" xmlns:a14="http://schemas.microsoft.com/office/drawing/2010/main">
+              <a14:hiddenEffects xmlns:a14="http://schemas.microsoft.com/office/drawing/2010/main" xmlns="">
                 <a:effectLst>
                   <a:outerShdw blurRad="63500" dist="38099" dir="2700000" algn="ctr" rotWithShape="0">
                     <a:schemeClr val="bg2">
@@ -1403,14 +1403,14 @@
           </a:xfrm>
           <a:extLst>
             <a:ext uri="{909E8E84-426E-40dd-AFC4-6F175D3DCCD1}">
-              <a14:hiddenFill xmlns="" xmlns:a14="http://schemas.microsoft.com/office/drawing/2010/main">
+              <a14:hiddenFill xmlns:a14="http://schemas.microsoft.com/office/drawing/2010/main" xmlns="">
                 <a:solidFill>
                   <a:schemeClr val="accent1"/>
                 </a:solidFill>
               </a14:hiddenFill>
             </a:ext>
             <a:ext uri="{91240B29-F687-4f45-9708-019B960494DF}">
-              <a14:hiddenLine xmlns="" xmlns:a14="http://schemas.microsoft.com/office/drawing/2010/main" w="9525">
+              <a14:hiddenLine xmlns:a14="http://schemas.microsoft.com/office/drawing/2010/main" xmlns="" w="9525">
                 <a:solidFill>
                   <a:schemeClr val="tx1"/>
                 </a:solidFill>
@@ -1420,7 +1420,7 @@
               </a14:hiddenLine>
             </a:ext>
             <a:ext uri="{AF507438-7753-43e0-B8FC-AC1667EBCBE1}">
-              <a14:hiddenEffects xmlns="" xmlns:a14="http://schemas.microsoft.com/office/drawing/2010/main">
+              <a14:hiddenEffects xmlns:a14="http://schemas.microsoft.com/office/drawing/2010/main" xmlns="">
                 <a:effectLst>
                   <a:outerShdw blurRad="63500" dist="38099" dir="2700000" algn="ctr" rotWithShape="0">
                     <a:schemeClr val="bg2">
@@ -1431,7 +1431,7 @@
               </a14:hiddenEffects>
             </a:ext>
             <a:ext uri="{FAA26D3D-D897-4be2-8F04-BA451C77F1D7}">
-              <ma14:placeholderFlag xmlns="" xmlns:ma14="http://schemas.microsoft.com/office/mac/drawingml/2011/main" val="1"/>
+              <ma14:placeholderFlag xmlns:ma14="http://schemas.microsoft.com/office/mac/drawingml/2011/main" xmlns="" val="1"/>
             </a:ext>
           </a:extLst>
         </p:spPr>
@@ -1473,14 +1473,14 @@
           </a:xfrm>
           <a:extLst>
             <a:ext uri="{909E8E84-426E-40dd-AFC4-6F175D3DCCD1}">
-              <a14:hiddenFill xmlns="" xmlns:a14="http://schemas.microsoft.com/office/drawing/2010/main">
+              <a14:hiddenFill xmlns:a14="http://schemas.microsoft.com/office/drawing/2010/main" xmlns="">
                 <a:solidFill>
                   <a:schemeClr val="accent1"/>
                 </a:solidFill>
               </a14:hiddenFill>
             </a:ext>
             <a:ext uri="{91240B29-F687-4f45-9708-019B960494DF}">
-              <a14:hiddenLine xmlns="" xmlns:a14="http://schemas.microsoft.com/office/drawing/2010/main" w="9525">
+              <a14:hiddenLine xmlns:a14="http://schemas.microsoft.com/office/drawing/2010/main" xmlns="" w="9525">
                 <a:solidFill>
                   <a:schemeClr val="tx1"/>
                 </a:solidFill>
@@ -1490,7 +1490,7 @@
               </a14:hiddenLine>
             </a:ext>
             <a:ext uri="{AF507438-7753-43e0-B8FC-AC1667EBCBE1}">
-              <a14:hiddenEffects xmlns="" xmlns:a14="http://schemas.microsoft.com/office/drawing/2010/main">
+              <a14:hiddenEffects xmlns:a14="http://schemas.microsoft.com/office/drawing/2010/main" xmlns="">
                 <a:effectLst>
                   <a:outerShdw blurRad="63500" dist="38099" dir="2700000" algn="ctr" rotWithShape="0">
                     <a:schemeClr val="bg2">
@@ -1501,7 +1501,7 @@
               </a14:hiddenEffects>
             </a:ext>
             <a:ext uri="{FAA26D3D-D897-4be2-8F04-BA451C77F1D7}">
-              <ma14:placeholderFlag xmlns="" xmlns:ma14="http://schemas.microsoft.com/office/mac/drawingml/2011/main" val="1"/>
+              <ma14:placeholderFlag xmlns:ma14="http://schemas.microsoft.com/office/mac/drawingml/2011/main" xmlns="" val="1"/>
             </a:ext>
           </a:extLst>
         </p:spPr>
@@ -1543,14 +1543,14 @@
           </a:xfrm>
           <a:extLst>
             <a:ext uri="{909E8E84-426E-40dd-AFC4-6F175D3DCCD1}">
-              <a14:hiddenFill xmlns="" xmlns:a14="http://schemas.microsoft.com/office/drawing/2010/main">
+              <a14:hiddenFill xmlns:a14="http://schemas.microsoft.com/office/drawing/2010/main" xmlns="">
                 <a:solidFill>
                   <a:schemeClr val="accent1"/>
                 </a:solidFill>
               </a14:hiddenFill>
             </a:ext>
             <a:ext uri="{91240B29-F687-4f45-9708-019B960494DF}">
-              <a14:hiddenLine xmlns="" xmlns:a14="http://schemas.microsoft.com/office/drawing/2010/main" w="9525">
+              <a14:hiddenLine xmlns:a14="http://schemas.microsoft.com/office/drawing/2010/main" xmlns="" w="9525">
                 <a:solidFill>
                   <a:schemeClr val="tx1"/>
                 </a:solidFill>
@@ -1560,7 +1560,7 @@
               </a14:hiddenLine>
             </a:ext>
             <a:ext uri="{AF507438-7753-43e0-B8FC-AC1667EBCBE1}">
-              <a14:hiddenEffects xmlns="" xmlns:a14="http://schemas.microsoft.com/office/drawing/2010/main">
+              <a14:hiddenEffects xmlns:a14="http://schemas.microsoft.com/office/drawing/2010/main" xmlns="">
                 <a:effectLst>
                   <a:outerShdw blurRad="63500" dist="38099" dir="2700000" algn="ctr" rotWithShape="0">
                     <a:schemeClr val="bg2">
@@ -1571,7 +1571,7 @@
               </a14:hiddenEffects>
             </a:ext>
             <a:ext uri="{FAA26D3D-D897-4be2-8F04-BA451C77F1D7}">
-              <ma14:placeholderFlag xmlns="" xmlns:ma14="http://schemas.microsoft.com/office/mac/drawingml/2011/main" val="1"/>
+              <ma14:placeholderFlag xmlns:ma14="http://schemas.microsoft.com/office/mac/drawingml/2011/main" xmlns="" val="1"/>
             </a:ext>
           </a:extLst>
         </p:spPr>
@@ -4238,14 +4238,14 @@
           <a:effectLst/>
           <a:extLst>
             <a:ext uri="{909E8E84-426E-40dd-AFC4-6F175D3DCCD1}">
-              <a14:hiddenFill xmlns="" xmlns:a14="http://schemas.microsoft.com/office/drawing/2010/main">
+              <a14:hiddenFill xmlns:a14="http://schemas.microsoft.com/office/drawing/2010/main" xmlns="">
                 <a:solidFill>
                   <a:schemeClr val="accent1"/>
                 </a:solidFill>
               </a14:hiddenFill>
             </a:ext>
             <a:ext uri="{91240B29-F687-4f45-9708-019B960494DF}">
-              <a14:hiddenLine xmlns="" xmlns:a14="http://schemas.microsoft.com/office/drawing/2010/main" w="9525">
+              <a14:hiddenLine xmlns:a14="http://schemas.microsoft.com/office/drawing/2010/main" xmlns="" w="9525">
                 <a:solidFill>
                   <a:schemeClr val="tx1"/>
                 </a:solidFill>
@@ -4255,7 +4255,7 @@
               </a14:hiddenLine>
             </a:ext>
             <a:ext uri="{AF507438-7753-43e0-B8FC-AC1667EBCBE1}">
-              <a14:hiddenEffects xmlns="" xmlns:a14="http://schemas.microsoft.com/office/drawing/2010/main">
+              <a14:hiddenEffects xmlns:a14="http://schemas.microsoft.com/office/drawing/2010/main" xmlns="">
                 <a:effectLst>
                   <a:outerShdw blurRad="63500" dist="38099" dir="2700000" algn="ctr" rotWithShape="0">
                     <a:schemeClr val="bg2">
@@ -4266,7 +4266,7 @@
               </a14:hiddenEffects>
             </a:ext>
             <a:ext uri="{FAA26D3D-D897-4be2-8F04-BA451C77F1D7}">
-              <ma14:placeholderFlag xmlns="" xmlns:ma14="http://schemas.microsoft.com/office/mac/drawingml/2011/main" val="1"/>
+              <ma14:placeholderFlag xmlns:ma14="http://schemas.microsoft.com/office/mac/drawingml/2011/main" xmlns="" val="1"/>
             </a:ext>
           </a:extLst>
         </p:spPr>
@@ -4317,14 +4317,14 @@
           <a:effectLst/>
           <a:extLst>
             <a:ext uri="{909E8E84-426E-40dd-AFC4-6F175D3DCCD1}">
-              <a14:hiddenFill xmlns="" xmlns:a14="http://schemas.microsoft.com/office/drawing/2010/main">
+              <a14:hiddenFill xmlns:a14="http://schemas.microsoft.com/office/drawing/2010/main" xmlns="">
                 <a:solidFill>
                   <a:schemeClr val="accent1"/>
                 </a:solidFill>
               </a14:hiddenFill>
             </a:ext>
             <a:ext uri="{91240B29-F687-4f45-9708-019B960494DF}">
-              <a14:hiddenLine xmlns="" xmlns:a14="http://schemas.microsoft.com/office/drawing/2010/main" w="9525">
+              <a14:hiddenLine xmlns:a14="http://schemas.microsoft.com/office/drawing/2010/main" xmlns="" w="9525">
                 <a:solidFill>
                   <a:schemeClr val="tx1"/>
                 </a:solidFill>
@@ -4334,7 +4334,7 @@
               </a14:hiddenLine>
             </a:ext>
             <a:ext uri="{AF507438-7753-43e0-B8FC-AC1667EBCBE1}">
-              <a14:hiddenEffects xmlns="" xmlns:a14="http://schemas.microsoft.com/office/drawing/2010/main">
+              <a14:hiddenEffects xmlns:a14="http://schemas.microsoft.com/office/drawing/2010/main" xmlns="">
                 <a:effectLst>
                   <a:outerShdw blurRad="63500" dist="38099" dir="2700000" algn="ctr" rotWithShape="0">
                     <a:schemeClr val="bg2">
@@ -4345,7 +4345,7 @@
               </a14:hiddenEffects>
             </a:ext>
             <a:ext uri="{FAA26D3D-D897-4be2-8F04-BA451C77F1D7}">
-              <ma14:placeholderFlag xmlns="" xmlns:ma14="http://schemas.microsoft.com/office/mac/drawingml/2011/main" val="1"/>
+              <ma14:placeholderFlag xmlns:ma14="http://schemas.microsoft.com/office/mac/drawingml/2011/main" xmlns="" val="1"/>
             </a:ext>
           </a:extLst>
         </p:spPr>
@@ -4424,14 +4424,14 @@
           <a:effectLst/>
           <a:extLst>
             <a:ext uri="{909E8E84-426E-40dd-AFC4-6F175D3DCCD1}">
-              <a14:hiddenFill xmlns="" xmlns:a14="http://schemas.microsoft.com/office/drawing/2010/main">
+              <a14:hiddenFill xmlns:a14="http://schemas.microsoft.com/office/drawing/2010/main" xmlns="">
                 <a:solidFill>
                   <a:schemeClr val="accent1"/>
                 </a:solidFill>
               </a14:hiddenFill>
             </a:ext>
             <a:ext uri="{91240B29-F687-4f45-9708-019B960494DF}">
-              <a14:hiddenLine xmlns="" xmlns:a14="http://schemas.microsoft.com/office/drawing/2010/main" w="9525">
+              <a14:hiddenLine xmlns:a14="http://schemas.microsoft.com/office/drawing/2010/main" xmlns="" w="9525">
                 <a:solidFill>
                   <a:schemeClr val="tx1"/>
                 </a:solidFill>
@@ -4441,7 +4441,7 @@
               </a14:hiddenLine>
             </a:ext>
             <a:ext uri="{AF507438-7753-43e0-B8FC-AC1667EBCBE1}">
-              <a14:hiddenEffects xmlns="" xmlns:a14="http://schemas.microsoft.com/office/drawing/2010/main">
+              <a14:hiddenEffects xmlns:a14="http://schemas.microsoft.com/office/drawing/2010/main" xmlns="">
                 <a:effectLst>
                   <a:outerShdw blurRad="63500" dist="38099" dir="2700000" algn="ctr" rotWithShape="0">
                     <a:schemeClr val="bg2">
@@ -4452,7 +4452,7 @@
               </a14:hiddenEffects>
             </a:ext>
             <a:ext uri="{FAA26D3D-D897-4be2-8F04-BA451C77F1D7}">
-              <ma14:placeholderFlag xmlns="" xmlns:ma14="http://schemas.microsoft.com/office/mac/drawingml/2011/main" val="1"/>
+              <ma14:placeholderFlag xmlns:ma14="http://schemas.microsoft.com/office/mac/drawingml/2011/main" xmlns="" val="1"/>
             </a:ext>
           </a:extLst>
         </p:spPr>
@@ -4510,14 +4510,14 @@
           <a:effectLst/>
           <a:extLst>
             <a:ext uri="{909E8E84-426E-40dd-AFC4-6F175D3DCCD1}">
-              <a14:hiddenFill xmlns="" xmlns:a14="http://schemas.microsoft.com/office/drawing/2010/main">
+              <a14:hiddenFill xmlns:a14="http://schemas.microsoft.com/office/drawing/2010/main" xmlns="">
                 <a:solidFill>
                   <a:schemeClr val="accent1"/>
                 </a:solidFill>
               </a14:hiddenFill>
             </a:ext>
             <a:ext uri="{91240B29-F687-4f45-9708-019B960494DF}">
-              <a14:hiddenLine xmlns="" xmlns:a14="http://schemas.microsoft.com/office/drawing/2010/main" w="9525">
+              <a14:hiddenLine xmlns:a14="http://schemas.microsoft.com/office/drawing/2010/main" xmlns="" w="9525">
                 <a:solidFill>
                   <a:schemeClr val="tx1"/>
                 </a:solidFill>
@@ -4527,7 +4527,7 @@
               </a14:hiddenLine>
             </a:ext>
             <a:ext uri="{AF507438-7753-43e0-B8FC-AC1667EBCBE1}">
-              <a14:hiddenEffects xmlns="" xmlns:a14="http://schemas.microsoft.com/office/drawing/2010/main">
+              <a14:hiddenEffects xmlns:a14="http://schemas.microsoft.com/office/drawing/2010/main" xmlns="">
                 <a:effectLst>
                   <a:outerShdw blurRad="63500" dist="38099" dir="2700000" algn="ctr" rotWithShape="0">
                     <a:schemeClr val="bg2">
@@ -4538,7 +4538,7 @@
               </a14:hiddenEffects>
             </a:ext>
             <a:ext uri="{FAA26D3D-D897-4be2-8F04-BA451C77F1D7}">
-              <ma14:placeholderFlag xmlns="" xmlns:ma14="http://schemas.microsoft.com/office/mac/drawingml/2011/main" val="1"/>
+              <ma14:placeholderFlag xmlns:ma14="http://schemas.microsoft.com/office/mac/drawingml/2011/main" xmlns="" val="1"/>
             </a:ext>
           </a:extLst>
         </p:spPr>
@@ -4596,14 +4596,14 @@
           <a:effectLst/>
           <a:extLst>
             <a:ext uri="{909E8E84-426E-40dd-AFC4-6F175D3DCCD1}">
-              <a14:hiddenFill xmlns="" xmlns:a14="http://schemas.microsoft.com/office/drawing/2010/main">
+              <a14:hiddenFill xmlns:a14="http://schemas.microsoft.com/office/drawing/2010/main" xmlns="">
                 <a:solidFill>
                   <a:schemeClr val="accent1"/>
                 </a:solidFill>
               </a14:hiddenFill>
             </a:ext>
             <a:ext uri="{91240B29-F687-4f45-9708-019B960494DF}">
-              <a14:hiddenLine xmlns="" xmlns:a14="http://schemas.microsoft.com/office/drawing/2010/main" w="9525">
+              <a14:hiddenLine xmlns:a14="http://schemas.microsoft.com/office/drawing/2010/main" xmlns="" w="9525">
                 <a:solidFill>
                   <a:schemeClr val="tx1"/>
                 </a:solidFill>
@@ -4613,7 +4613,7 @@
               </a14:hiddenLine>
             </a:ext>
             <a:ext uri="{AF507438-7753-43e0-B8FC-AC1667EBCBE1}">
-              <a14:hiddenEffects xmlns="" xmlns:a14="http://schemas.microsoft.com/office/drawing/2010/main">
+              <a14:hiddenEffects xmlns:a14="http://schemas.microsoft.com/office/drawing/2010/main" xmlns="">
                 <a:effectLst>
                   <a:outerShdw blurRad="63500" dist="38099" dir="2700000" algn="ctr" rotWithShape="0">
                     <a:schemeClr val="bg2">
@@ -4624,7 +4624,7 @@
               </a14:hiddenEffects>
             </a:ext>
             <a:ext uri="{FAA26D3D-D897-4be2-8F04-BA451C77F1D7}">
-              <ma14:placeholderFlag xmlns="" xmlns:ma14="http://schemas.microsoft.com/office/mac/drawingml/2011/main" val="1"/>
+              <ma14:placeholderFlag xmlns:ma14="http://schemas.microsoft.com/office/mac/drawingml/2011/main" xmlns="" val="1"/>
             </a:ext>
           </a:extLst>
         </p:spPr>
@@ -4683,12 +4683,12 @@
           <a:effectLst/>
           <a:extLst>
             <a:ext uri="{909E8E84-426E-40dd-AFC4-6F175D3DCCD1}">
-              <a14:hiddenFill xmlns="" xmlns:a14="http://schemas.microsoft.com/office/drawing/2010/main">
+              <a14:hiddenFill xmlns:a14="http://schemas.microsoft.com/office/drawing/2010/main" xmlns="">
                 <a:noFill/>
               </a14:hiddenFill>
             </a:ext>
             <a:ext uri="{AF507438-7753-43e0-B8FC-AC1667EBCBE1}">
-              <a14:hiddenEffects xmlns="" xmlns:a14="http://schemas.microsoft.com/office/drawing/2010/main">
+              <a14:hiddenEffects xmlns:a14="http://schemas.microsoft.com/office/drawing/2010/main" xmlns="">
                 <a:effectLst>
                   <a:outerShdw blurRad="63500" dist="38099" dir="2700000" algn="ctr" rotWithShape="0">
                     <a:schemeClr val="bg2">
@@ -5909,7 +5909,7 @@
           <a:effectLst/>
           <a:extLst>
             <a:ext uri="{AF507438-7753-43e0-B8FC-AC1667EBCBE1}">
-              <a14:hiddenEffects xmlns:a14="http://schemas.microsoft.com/office/drawing/2010/main" xmlns="">
+              <a14:hiddenEffects xmlns="" xmlns:a14="http://schemas.microsoft.com/office/drawing/2010/main">
                 <a:effectLst>
                   <a:outerShdw blurRad="63500" dist="38099" dir="2700000" algn="ctr" rotWithShape="0">
                     <a:schemeClr val="bg2">
@@ -7012,7 +7012,7 @@
           <a:effectLst/>
           <a:extLst>
             <a:ext uri="{AF507438-7753-43e0-B8FC-AC1667EBCBE1}">
-              <a14:hiddenEffects xmlns:a14="http://schemas.microsoft.com/office/drawing/2010/main" xmlns="">
+              <a14:hiddenEffects xmlns="" xmlns:a14="http://schemas.microsoft.com/office/drawing/2010/main">
                 <a:effectLst>
                   <a:outerShdw blurRad="63500" dist="38099" dir="2700000" algn="ctr" rotWithShape="0">
                     <a:schemeClr val="bg2">
@@ -7060,7 +7060,7 @@
           <a:effectLst/>
           <a:extLst>
             <a:ext uri="{AF507438-7753-43e0-B8FC-AC1667EBCBE1}">
-              <a14:hiddenEffects xmlns:a14="http://schemas.microsoft.com/office/drawing/2010/main" xmlns="">
+              <a14:hiddenEffects xmlns="" xmlns:a14="http://schemas.microsoft.com/office/drawing/2010/main">
                 <a:effectLst>
                   <a:outerShdw blurRad="63500" dist="38099" dir="2700000" algn="ctr" rotWithShape="0">
                     <a:schemeClr val="bg2">
@@ -9106,16 +9106,15 @@
           </p:cNvPicPr>
           <p:nvPr/>
         </p:nvPicPr>
-        <p:blipFill>
+        <p:blipFill rotWithShape="1">
           <a:blip r:embed="rId3"/>
-          <a:stretch>
-            <a:fillRect/>
-          </a:stretch>
+          <a:srcRect t="21866"/>
+          <a:stretch/>
         </p:blipFill>
         <p:spPr>
           <a:xfrm>
-            <a:off x="1089758" y="4712945"/>
-            <a:ext cx="7473950" cy="1954555"/>
+            <a:off x="1060450" y="5040300"/>
+            <a:ext cx="7473950" cy="1527175"/>
           </a:xfrm>
           <a:prstGeom prst="rect">
             <a:avLst/>
@@ -10956,7 +10955,7 @@
           <a:effectLst/>
           <a:extLst>
             <a:ext uri="{AF507438-7753-43e0-B8FC-AC1667EBCBE1}">
-              <a14:hiddenEffects xmlns:a14="http://schemas.microsoft.com/office/drawing/2010/main" xmlns="">
+              <a14:hiddenEffects xmlns="" xmlns:a14="http://schemas.microsoft.com/office/drawing/2010/main">
                 <a:effectLst>
                   <a:outerShdw blurRad="63500" dist="38099" dir="2700000" algn="ctr" rotWithShape="0">
                     <a:schemeClr val="bg2">
@@ -12034,7 +12033,7 @@
           <a:effectLst/>
           <a:extLst>
             <a:ext uri="{AF507438-7753-43e0-B8FC-AC1667EBCBE1}">
-              <a14:hiddenEffects xmlns:a14="http://schemas.microsoft.com/office/drawing/2010/main" xmlns="">
+              <a14:hiddenEffects xmlns="" xmlns:a14="http://schemas.microsoft.com/office/drawing/2010/main">
                 <a:effectLst>
                   <a:outerShdw blurRad="63500" dist="38099" dir="2700000" algn="ctr" rotWithShape="0">
                     <a:schemeClr val="bg2">
@@ -12085,7 +12084,7 @@
           <a:effectLst/>
           <a:extLst>
             <a:ext uri="{AF507438-7753-43e0-B8FC-AC1667EBCBE1}">
-              <a14:hiddenEffects xmlns:a14="http://schemas.microsoft.com/office/drawing/2010/main" xmlns="">
+              <a14:hiddenEffects xmlns="" xmlns:a14="http://schemas.microsoft.com/office/drawing/2010/main">
                 <a:effectLst>
                   <a:outerShdw blurRad="63500" dist="38099" dir="2700000" algn="ctr" rotWithShape="0">
                     <a:schemeClr val="bg2">
@@ -12170,7 +12169,7 @@
           <a:effectLst/>
           <a:extLst>
             <a:ext uri="{AF507438-7753-43e0-B8FC-AC1667EBCBE1}">
-              <a14:hiddenEffects xmlns:a14="http://schemas.microsoft.com/office/drawing/2010/main" xmlns="">
+              <a14:hiddenEffects xmlns="" xmlns:a14="http://schemas.microsoft.com/office/drawing/2010/main">
                 <a:effectLst>
                   <a:outerShdw blurRad="63500" dist="38099" dir="2700000" algn="ctr" rotWithShape="0">
                     <a:schemeClr val="bg2">
@@ -12218,7 +12217,7 @@
           <a:effectLst/>
           <a:extLst>
             <a:ext uri="{AF507438-7753-43e0-B8FC-AC1667EBCBE1}">
-              <a14:hiddenEffects xmlns:a14="http://schemas.microsoft.com/office/drawing/2010/main" xmlns="">
+              <a14:hiddenEffects xmlns="" xmlns:a14="http://schemas.microsoft.com/office/drawing/2010/main">
                 <a:effectLst>
                   <a:outerShdw blurRad="63500" dist="38099" dir="2700000" algn="ctr" rotWithShape="0">
                     <a:schemeClr val="bg2">
@@ -12668,7 +12667,7 @@
         <a:effectLst/>
         <a:extLst>
           <a:ext uri="{AF507438-7753-43e0-B8FC-AC1667EBCBE1}">
-            <a14:hiddenEffects xmlns="" xmlns:a14="http://schemas.microsoft.com/office/drawing/2010/main">
+            <a14:hiddenEffects xmlns:a14="http://schemas.microsoft.com/office/drawing/2010/main" xmlns="">
               <a:effectLst>
                 <a:outerShdw blurRad="63500" dist="38099" dir="2700000" algn="ctr" rotWithShape="0">
                   <a:schemeClr val="bg2">
@@ -12744,7 +12743,7 @@
         <a:effectLst/>
         <a:extLst>
           <a:ext uri="{AF507438-7753-43e0-B8FC-AC1667EBCBE1}">
-            <a14:hiddenEffects xmlns="" xmlns:a14="http://schemas.microsoft.com/office/drawing/2010/main">
+            <a14:hiddenEffects xmlns:a14="http://schemas.microsoft.com/office/drawing/2010/main" xmlns="">
               <a:effectLst>
                 <a:outerShdw blurRad="63500" dist="38099" dir="2700000" algn="ctr" rotWithShape="0">
                   <a:schemeClr val="bg2">
